--- a/presentation.pptx
+++ b/presentation.pptx
@@ -5,10 +5,10 @@
     <p:sldMasterId id="2147483744" r:id="rId1"/>
   </p:sldMasterIdLst>
   <p:notesMasterIdLst>
-    <p:notesMasterId r:id="rId21"/>
+    <p:notesMasterId r:id="rId22"/>
   </p:notesMasterIdLst>
   <p:handoutMasterIdLst>
-    <p:handoutMasterId r:id="rId22"/>
+    <p:handoutMasterId r:id="rId23"/>
   </p:handoutMasterIdLst>
   <p:sldIdLst>
     <p:sldId id="256" r:id="rId2"/>
@@ -30,6 +30,7 @@
     <p:sldId id="268" r:id="rId18"/>
     <p:sldId id="279" r:id="rId19"/>
     <p:sldId id="281" r:id="rId20"/>
+    <p:sldId id="282" r:id="rId21"/>
   </p:sldIdLst>
   <p:sldSz cx="12192000" cy="6858000"/>
   <p:notesSz cx="6858000" cy="9144000"/>
@@ -128,6 +129,11 @@
       </a:defRPr>
     </a:lvl9pPr>
   </p:defaultTextStyle>
+  <p:extLst>
+    <p:ext uri="{EFAFB233-063F-42B5-8137-9DF3F51BA10A}">
+      <p15:sldGuideLst xmlns:p15="http://schemas.microsoft.com/office/powerpoint/2012/main"/>
+    </p:ext>
+  </p:extLst>
 </p:presentation>
 </file>
 
@@ -318,11 +324,11 @@
         </c:dLbls>
         <c:gapWidth val="219"/>
         <c:overlap val="-27"/>
-        <c:axId val="224396976"/>
-        <c:axId val="224397536"/>
+        <c:axId val="139032864"/>
+        <c:axId val="139033424"/>
       </c:barChart>
       <c:catAx>
-        <c:axId val="224396976"/>
+        <c:axId val="139032864"/>
         <c:scaling>
           <c:orientation val="minMax"/>
         </c:scaling>
@@ -365,7 +371,7 @@
             <a:endParaRPr lang="ru-RU"/>
           </a:p>
         </c:txPr>
-        <c:crossAx val="224397536"/>
+        <c:crossAx val="139033424"/>
         <c:crosses val="autoZero"/>
         <c:auto val="1"/>
         <c:lblAlgn val="ctr"/>
@@ -373,7 +379,7 @@
         <c:noMultiLvlLbl val="0"/>
       </c:catAx>
       <c:valAx>
-        <c:axId val="224397536"/>
+        <c:axId val="139033424"/>
         <c:scaling>
           <c:orientation val="minMax"/>
         </c:scaling>
@@ -426,7 +432,7 @@
             <a:endParaRPr lang="ru-RU"/>
           </a:p>
         </c:txPr>
-        <c:crossAx val="224396976"/>
+        <c:crossAx val="139032864"/>
         <c:crosses val="autoZero"/>
         <c:crossBetween val="between"/>
         <c:minorUnit val="1"/>
@@ -793,11 +799,11 @@
         </c:dLbls>
         <c:gapWidth val="219"/>
         <c:overlap val="-27"/>
-        <c:axId val="476886752"/>
-        <c:axId val="476885632"/>
+        <c:axId val="139036784"/>
+        <c:axId val="139037344"/>
       </c:barChart>
       <c:catAx>
-        <c:axId val="476886752"/>
+        <c:axId val="139036784"/>
         <c:scaling>
           <c:orientation val="minMax"/>
         </c:scaling>
@@ -840,7 +846,7 @@
             <a:endParaRPr lang="ru-RU"/>
           </a:p>
         </c:txPr>
-        <c:crossAx val="476885632"/>
+        <c:crossAx val="139037344"/>
         <c:crosses val="autoZero"/>
         <c:auto val="1"/>
         <c:lblAlgn val="ctr"/>
@@ -848,7 +854,7 @@
         <c:noMultiLvlLbl val="0"/>
       </c:catAx>
       <c:valAx>
-        <c:axId val="476885632"/>
+        <c:axId val="139037344"/>
         <c:scaling>
           <c:orientation val="minMax"/>
         </c:scaling>
@@ -901,7 +907,7 @@
             <a:endParaRPr lang="ru-RU"/>
           </a:p>
         </c:txPr>
-        <c:crossAx val="476886752"/>
+        <c:crossAx val="139036784"/>
         <c:crosses val="autoZero"/>
         <c:crossBetween val="between"/>
         <c:minorUnit val="1"/>
@@ -1268,11 +1274,11 @@
         </c:dLbls>
         <c:gapWidth val="219"/>
         <c:overlap val="-27"/>
-        <c:axId val="488690160"/>
-        <c:axId val="488686240"/>
+        <c:axId val="225197792"/>
+        <c:axId val="225197232"/>
       </c:barChart>
       <c:catAx>
-        <c:axId val="488690160"/>
+        <c:axId val="225197792"/>
         <c:scaling>
           <c:orientation val="minMax"/>
         </c:scaling>
@@ -1315,7 +1321,7 @@
             <a:endParaRPr lang="ru-RU"/>
           </a:p>
         </c:txPr>
-        <c:crossAx val="488686240"/>
+        <c:crossAx val="225197232"/>
         <c:crosses val="autoZero"/>
         <c:auto val="1"/>
         <c:lblAlgn val="ctr"/>
@@ -1323,7 +1329,7 @@
         <c:noMultiLvlLbl val="0"/>
       </c:catAx>
       <c:valAx>
-        <c:axId val="488686240"/>
+        <c:axId val="225197232"/>
         <c:scaling>
           <c:orientation val="minMax"/>
         </c:scaling>
@@ -1376,10 +1382,427 @@
             <a:endParaRPr lang="ru-RU"/>
           </a:p>
         </c:txPr>
-        <c:crossAx val="488690160"/>
+        <c:crossAx val="225197792"/>
         <c:crosses val="autoZero"/>
         <c:crossBetween val="between"/>
         <c:minorUnit val="1"/>
+      </c:valAx>
+      <c:spPr>
+        <a:noFill/>
+        <a:ln>
+          <a:noFill/>
+        </a:ln>
+        <a:effectLst/>
+      </c:spPr>
+    </c:plotArea>
+    <c:legend>
+      <c:legendPos val="b"/>
+      <c:layout/>
+      <c:overlay val="0"/>
+      <c:spPr>
+        <a:noFill/>
+        <a:ln>
+          <a:noFill/>
+        </a:ln>
+        <a:effectLst/>
+      </c:spPr>
+      <c:txPr>
+        <a:bodyPr rot="0" spcFirstLastPara="1" vertOverflow="ellipsis" vert="horz" wrap="square" anchor="ctr" anchorCtr="1"/>
+        <a:lstStyle/>
+        <a:p>
+          <a:pPr>
+            <a:defRPr sz="1197" b="0" i="0" u="none" strike="noStrike" kern="1200" baseline="0">
+              <a:solidFill>
+                <a:schemeClr val="tx1">
+                  <a:lumMod val="65000"/>
+                  <a:lumOff val="35000"/>
+                </a:schemeClr>
+              </a:solidFill>
+              <a:latin typeface="+mn-lt"/>
+              <a:ea typeface="+mn-ea"/>
+              <a:cs typeface="+mn-cs"/>
+            </a:defRPr>
+          </a:pPr>
+          <a:endParaRPr lang="ru-RU"/>
+        </a:p>
+      </c:txPr>
+    </c:legend>
+    <c:plotVisOnly val="1"/>
+    <c:dispBlanksAs val="gap"/>
+    <c:showDLblsOverMax val="0"/>
+  </c:chart>
+  <c:spPr>
+    <a:noFill/>
+    <a:ln>
+      <a:noFill/>
+    </a:ln>
+    <a:effectLst/>
+  </c:spPr>
+  <c:txPr>
+    <a:bodyPr/>
+    <a:lstStyle/>
+    <a:p>
+      <a:pPr>
+        <a:defRPr/>
+      </a:pPr>
+      <a:endParaRPr lang="ru-RU"/>
+    </a:p>
+  </c:txPr>
+  <c:externalData r:id="rId3">
+    <c:autoUpdate val="0"/>
+  </c:externalData>
+</c:chartSpace>
+</file>
+
+<file path=ppt/charts/chart4.xml><?xml version="1.0" encoding="utf-8"?>
+<c:chartSpace xmlns:c="http://schemas.openxmlformats.org/drawingml/2006/chart" xmlns:a="http://schemas.openxmlformats.org/drawingml/2006/main" xmlns:r="http://schemas.openxmlformats.org/officeDocument/2006/relationships">
+  <c:date1904 val="0"/>
+  <c:lang val="ru-RU"/>
+  <c:roundedCorners val="0"/>
+  <mc:AlternateContent xmlns:mc="http://schemas.openxmlformats.org/markup-compatibility/2006">
+    <mc:Choice xmlns:c14="http://schemas.microsoft.com/office/drawing/2007/8/2/chart" Requires="c14">
+      <c14:style val="102"/>
+    </mc:Choice>
+    <mc:Fallback>
+      <c:style val="2"/>
+    </mc:Fallback>
+  </mc:AlternateContent>
+  <c:chart>
+    <c:title>
+      <c:tx>
+        <c:rich>
+          <a:bodyPr rot="0" spcFirstLastPara="1" vertOverflow="ellipsis" vert="horz" wrap="square" anchor="ctr" anchorCtr="1"/>
+          <a:lstStyle/>
+          <a:p>
+            <a:pPr>
+              <a:defRPr sz="1862" b="0" i="0" u="none" strike="noStrike" kern="1200" spc="0" baseline="0">
+                <a:solidFill>
+                  <a:schemeClr val="tx1">
+                    <a:lumMod val="65000"/>
+                    <a:lumOff val="35000"/>
+                  </a:schemeClr>
+                </a:solidFill>
+                <a:latin typeface="+mn-lt"/>
+                <a:ea typeface="+mn-ea"/>
+                <a:cs typeface="+mn-cs"/>
+              </a:defRPr>
+            </a:pPr>
+            <a:r>
+              <a:rPr lang="ru-RU" dirty="0" smtClean="0"/>
+              <a:t>Работа с </a:t>
+            </a:r>
+            <a:r>
+              <a:rPr lang="en-US" dirty="0" smtClean="0"/>
+              <a:t>USB-</a:t>
+            </a:r>
+            <a:r>
+              <a:rPr lang="ru-RU" dirty="0" smtClean="0"/>
+              <a:t>флэшкой:</a:t>
+            </a:r>
+            <a:r>
+              <a:rPr lang="ru-RU" baseline="0" dirty="0" smtClean="0"/>
+              <a:t> 4 ГБ, </a:t>
+            </a:r>
+            <a:r>
+              <a:rPr lang="en-US" baseline="0" dirty="0" smtClean="0"/>
+              <a:t>Ext2</a:t>
+            </a:r>
+            <a:r>
+              <a:rPr lang="ru-RU" baseline="0" dirty="0" smtClean="0"/>
+              <a:t> </a:t>
+            </a:r>
+            <a:endParaRPr lang="ru-RU" dirty="0"/>
+          </a:p>
+        </c:rich>
+      </c:tx>
+      <c:layout/>
+      <c:overlay val="0"/>
+      <c:spPr>
+        <a:noFill/>
+        <a:ln>
+          <a:noFill/>
+        </a:ln>
+        <a:effectLst/>
+      </c:spPr>
+      <c:txPr>
+        <a:bodyPr rot="0" spcFirstLastPara="1" vertOverflow="ellipsis" vert="horz" wrap="square" anchor="ctr" anchorCtr="1"/>
+        <a:lstStyle/>
+        <a:p>
+          <a:pPr>
+            <a:defRPr sz="1862" b="0" i="0" u="none" strike="noStrike" kern="1200" spc="0" baseline="0">
+              <a:solidFill>
+                <a:schemeClr val="tx1">
+                  <a:lumMod val="65000"/>
+                  <a:lumOff val="35000"/>
+                </a:schemeClr>
+              </a:solidFill>
+              <a:latin typeface="+mn-lt"/>
+              <a:ea typeface="+mn-ea"/>
+              <a:cs typeface="+mn-cs"/>
+            </a:defRPr>
+          </a:pPr>
+          <a:endParaRPr lang="ru-RU"/>
+        </a:p>
+      </c:txPr>
+    </c:title>
+    <c:autoTitleDeleted val="0"/>
+    <c:plotArea>
+      <c:layout/>
+      <c:barChart>
+        <c:barDir val="col"/>
+        <c:grouping val="clustered"/>
+        <c:varyColors val="0"/>
+        <c:ser>
+          <c:idx val="0"/>
+          <c:order val="0"/>
+          <c:tx>
+            <c:strRef>
+              <c:f>Лист1!$B$1</c:f>
+              <c:strCache>
+                <c:ptCount val="1"/>
+                <c:pt idx="0">
+                  <c:v>Библиотека libguestfs</c:v>
+                </c:pt>
+              </c:strCache>
+            </c:strRef>
+          </c:tx>
+          <c:spPr>
+            <a:solidFill>
+              <a:schemeClr val="accent1"/>
+            </a:solidFill>
+            <a:ln>
+              <a:noFill/>
+            </a:ln>
+            <a:effectLst/>
+          </c:spPr>
+          <c:invertIfNegative val="0"/>
+          <c:cat>
+            <c:strRef>
+              <c:f>Лист1!$A$2:$A$5</c:f>
+              <c:strCache>
+                <c:ptCount val="4"/>
+                <c:pt idx="0">
+                  <c:v>Чтение 1 х 1.5 ГБ</c:v>
+                </c:pt>
+                <c:pt idx="1">
+                  <c:v>Чтение 10000 х 4 КБ</c:v>
+                </c:pt>
+                <c:pt idx="2">
+                  <c:v>Запись 1 х 1.5 ГБ</c:v>
+                </c:pt>
+                <c:pt idx="3">
+                  <c:v>Запись 10000 х 4 КБ</c:v>
+                </c:pt>
+              </c:strCache>
+            </c:strRef>
+          </c:cat>
+          <c:val>
+            <c:numRef>
+              <c:f>Лист1!$B$2:$B$5</c:f>
+              <c:numCache>
+                <c:formatCode>General</c:formatCode>
+                <c:ptCount val="4"/>
+                <c:pt idx="0">
+                  <c:v>119</c:v>
+                </c:pt>
+                <c:pt idx="1">
+                  <c:v>41</c:v>
+                </c:pt>
+                <c:pt idx="2">
+                  <c:v>898</c:v>
+                </c:pt>
+                <c:pt idx="3">
+                  <c:v>59</c:v>
+                </c:pt>
+              </c:numCache>
+            </c:numRef>
+          </c:val>
+        </c:ser>
+        <c:ser>
+          <c:idx val="1"/>
+          <c:order val="1"/>
+          <c:tx>
+            <c:strRef>
+              <c:f>Лист1!$C$1</c:f>
+              <c:strCache>
+                <c:ptCount val="1"/>
+                <c:pt idx="0">
+                  <c:v>Драйвер Extfsd</c:v>
+                </c:pt>
+              </c:strCache>
+            </c:strRef>
+          </c:tx>
+          <c:spPr>
+            <a:solidFill>
+              <a:schemeClr val="accent2"/>
+            </a:solidFill>
+            <a:ln>
+              <a:noFill/>
+            </a:ln>
+            <a:effectLst/>
+          </c:spPr>
+          <c:invertIfNegative val="0"/>
+          <c:cat>
+            <c:strRef>
+              <c:f>Лист1!$A$2:$A$5</c:f>
+              <c:strCache>
+                <c:ptCount val="4"/>
+                <c:pt idx="0">
+                  <c:v>Чтение 1 х 1.5 ГБ</c:v>
+                </c:pt>
+                <c:pt idx="1">
+                  <c:v>Чтение 10000 х 4 КБ</c:v>
+                </c:pt>
+                <c:pt idx="2">
+                  <c:v>Запись 1 х 1.5 ГБ</c:v>
+                </c:pt>
+                <c:pt idx="3">
+                  <c:v>Запись 10000 х 4 КБ</c:v>
+                </c:pt>
+              </c:strCache>
+            </c:strRef>
+          </c:cat>
+          <c:val>
+            <c:numRef>
+              <c:f>Лист1!$C$2:$C$5</c:f>
+              <c:numCache>
+                <c:formatCode>General</c:formatCode>
+                <c:ptCount val="4"/>
+                <c:pt idx="0">
+                  <c:v>85</c:v>
+                </c:pt>
+                <c:pt idx="1">
+                  <c:v>15</c:v>
+                </c:pt>
+                <c:pt idx="2">
+                  <c:v>830</c:v>
+                </c:pt>
+                <c:pt idx="3">
+                  <c:v>90</c:v>
+                </c:pt>
+              </c:numCache>
+            </c:numRef>
+          </c:val>
+        </c:ser>
+        <c:dLbls>
+          <c:showLegendKey val="0"/>
+          <c:showVal val="0"/>
+          <c:showCatName val="0"/>
+          <c:showSerName val="0"/>
+          <c:showPercent val="0"/>
+          <c:showBubbleSize val="0"/>
+        </c:dLbls>
+        <c:gapWidth val="219"/>
+        <c:overlap val="-27"/>
+        <c:axId val="136271136"/>
+        <c:axId val="136271696"/>
+      </c:barChart>
+      <c:catAx>
+        <c:axId val="136271136"/>
+        <c:scaling>
+          <c:orientation val="minMax"/>
+        </c:scaling>
+        <c:delete val="0"/>
+        <c:axPos val="b"/>
+        <c:numFmt formatCode="General" sourceLinked="1"/>
+        <c:majorTickMark val="none"/>
+        <c:minorTickMark val="none"/>
+        <c:tickLblPos val="nextTo"/>
+        <c:spPr>
+          <a:noFill/>
+          <a:ln w="9525" cap="flat" cmpd="sng" algn="ctr">
+            <a:solidFill>
+              <a:schemeClr val="tx1">
+                <a:lumMod val="15000"/>
+                <a:lumOff val="85000"/>
+              </a:schemeClr>
+            </a:solidFill>
+            <a:round/>
+          </a:ln>
+          <a:effectLst/>
+        </c:spPr>
+        <c:txPr>
+          <a:bodyPr rot="-60000000" spcFirstLastPara="1" vertOverflow="ellipsis" vert="horz" wrap="square" anchor="ctr" anchorCtr="1"/>
+          <a:lstStyle/>
+          <a:p>
+            <a:pPr>
+              <a:defRPr sz="1197" b="0" i="0" u="none" strike="noStrike" kern="1200" baseline="0">
+                <a:solidFill>
+                  <a:schemeClr val="tx1">
+                    <a:lumMod val="65000"/>
+                    <a:lumOff val="35000"/>
+                  </a:schemeClr>
+                </a:solidFill>
+                <a:latin typeface="+mn-lt"/>
+                <a:ea typeface="+mn-ea"/>
+                <a:cs typeface="+mn-cs"/>
+              </a:defRPr>
+            </a:pPr>
+            <a:endParaRPr lang="ru-RU"/>
+          </a:p>
+        </c:txPr>
+        <c:crossAx val="136271696"/>
+        <c:crosses val="autoZero"/>
+        <c:auto val="1"/>
+        <c:lblAlgn val="ctr"/>
+        <c:lblOffset val="100"/>
+        <c:noMultiLvlLbl val="0"/>
+      </c:catAx>
+      <c:valAx>
+        <c:axId val="136271696"/>
+        <c:scaling>
+          <c:orientation val="minMax"/>
+        </c:scaling>
+        <c:delete val="0"/>
+        <c:axPos val="l"/>
+        <c:majorGridlines>
+          <c:spPr>
+            <a:ln w="9525" cap="flat" cmpd="sng" algn="ctr">
+              <a:solidFill>
+                <a:schemeClr val="tx1">
+                  <a:lumMod val="15000"/>
+                  <a:lumOff val="85000"/>
+                </a:schemeClr>
+              </a:solidFill>
+              <a:round/>
+            </a:ln>
+            <a:effectLst/>
+          </c:spPr>
+        </c:majorGridlines>
+        <c:numFmt formatCode="General" sourceLinked="1"/>
+        <c:majorTickMark val="none"/>
+        <c:minorTickMark val="none"/>
+        <c:tickLblPos val="nextTo"/>
+        <c:spPr>
+          <a:noFill/>
+          <a:ln>
+            <a:noFill/>
+          </a:ln>
+          <a:effectLst/>
+        </c:spPr>
+        <c:txPr>
+          <a:bodyPr rot="-60000000" spcFirstLastPara="1" vertOverflow="ellipsis" vert="horz" wrap="square" anchor="ctr" anchorCtr="1"/>
+          <a:lstStyle/>
+          <a:p>
+            <a:pPr>
+              <a:defRPr sz="1197" b="0" i="0" u="none" strike="noStrike" kern="1200" baseline="0">
+                <a:solidFill>
+                  <a:schemeClr val="tx1">
+                    <a:lumMod val="65000"/>
+                    <a:lumOff val="35000"/>
+                  </a:schemeClr>
+                </a:solidFill>
+                <a:latin typeface="+mn-lt"/>
+                <a:ea typeface="+mn-ea"/>
+                <a:cs typeface="+mn-cs"/>
+              </a:defRPr>
+            </a:pPr>
+            <a:endParaRPr lang="ru-RU"/>
+          </a:p>
+        </c:txPr>
+        <c:crossAx val="136271136"/>
+        <c:crosses val="autoZero"/>
+        <c:crossBetween val="between"/>
       </c:valAx>
       <c:spPr>
         <a:noFill/>
@@ -1529,6 +1952,46 @@
 </file>
 
 <file path=ppt/charts/colors3.xml><?xml version="1.0" encoding="utf-8"?>
+<cs:colorStyle xmlns:cs="http://schemas.microsoft.com/office/drawing/2012/chartStyle" xmlns:a="http://schemas.openxmlformats.org/drawingml/2006/main" meth="cycle" id="10">
+  <a:schemeClr val="accent1"/>
+  <a:schemeClr val="accent2"/>
+  <a:schemeClr val="accent3"/>
+  <a:schemeClr val="accent4"/>
+  <a:schemeClr val="accent5"/>
+  <a:schemeClr val="accent6"/>
+  <cs:variation/>
+  <cs:variation>
+    <a:lumMod val="60000"/>
+  </cs:variation>
+  <cs:variation>
+    <a:lumMod val="80000"/>
+    <a:lumOff val="20000"/>
+  </cs:variation>
+  <cs:variation>
+    <a:lumMod val="80000"/>
+  </cs:variation>
+  <cs:variation>
+    <a:lumMod val="60000"/>
+    <a:lumOff val="40000"/>
+  </cs:variation>
+  <cs:variation>
+    <a:lumMod val="50000"/>
+  </cs:variation>
+  <cs:variation>
+    <a:lumMod val="70000"/>
+    <a:lumOff val="30000"/>
+  </cs:variation>
+  <cs:variation>
+    <a:lumMod val="70000"/>
+  </cs:variation>
+  <cs:variation>
+    <a:lumMod val="50000"/>
+    <a:lumOff val="50000"/>
+  </cs:variation>
+</cs:colorStyle>
+</file>
+
+<file path=ppt/charts/colors4.xml><?xml version="1.0" encoding="utf-8"?>
 <cs:colorStyle xmlns:cs="http://schemas.microsoft.com/office/drawing/2012/chartStyle" xmlns:a="http://schemas.openxmlformats.org/drawingml/2006/main" meth="cycle" id="10">
   <a:schemeClr val="accent1"/>
   <a:schemeClr val="accent2"/>
@@ -3077,6 +3540,509 @@
 </cs:chartStyle>
 </file>
 
+<file path=ppt/charts/style4.xml><?xml version="1.0" encoding="utf-8"?>
+<cs:chartStyle xmlns:cs="http://schemas.microsoft.com/office/drawing/2012/chartStyle" xmlns:a="http://schemas.openxmlformats.org/drawingml/2006/main" id="201">
+  <cs:axisTitle>
+    <cs:lnRef idx="0"/>
+    <cs:fillRef idx="0"/>
+    <cs:effectRef idx="0"/>
+    <cs:fontRef idx="minor">
+      <a:schemeClr val="tx1">
+        <a:lumMod val="65000"/>
+        <a:lumOff val="35000"/>
+      </a:schemeClr>
+    </cs:fontRef>
+    <cs:defRPr sz="1330" kern="1200"/>
+  </cs:axisTitle>
+  <cs:categoryAxis>
+    <cs:lnRef idx="0"/>
+    <cs:fillRef idx="0"/>
+    <cs:effectRef idx="0"/>
+    <cs:fontRef idx="minor">
+      <a:schemeClr val="tx1">
+        <a:lumMod val="65000"/>
+        <a:lumOff val="35000"/>
+      </a:schemeClr>
+    </cs:fontRef>
+    <cs:spPr>
+      <a:ln w="9525" cap="flat" cmpd="sng" algn="ctr">
+        <a:solidFill>
+          <a:schemeClr val="tx1">
+            <a:lumMod val="15000"/>
+            <a:lumOff val="85000"/>
+          </a:schemeClr>
+        </a:solidFill>
+        <a:round/>
+      </a:ln>
+    </cs:spPr>
+    <cs:defRPr sz="1197" kern="1200"/>
+  </cs:categoryAxis>
+  <cs:chartArea mods="allowNoFillOverride allowNoLineOverride">
+    <cs:lnRef idx="0"/>
+    <cs:fillRef idx="0"/>
+    <cs:effectRef idx="0"/>
+    <cs:fontRef idx="minor">
+      <a:schemeClr val="tx1"/>
+    </cs:fontRef>
+    <cs:spPr>
+      <a:solidFill>
+        <a:schemeClr val="bg1"/>
+      </a:solidFill>
+      <a:ln w="9525" cap="flat" cmpd="sng" algn="ctr">
+        <a:solidFill>
+          <a:schemeClr val="tx1">
+            <a:lumMod val="15000"/>
+            <a:lumOff val="85000"/>
+          </a:schemeClr>
+        </a:solidFill>
+        <a:round/>
+      </a:ln>
+    </cs:spPr>
+    <cs:defRPr sz="1330" kern="1200"/>
+  </cs:chartArea>
+  <cs:dataLabel>
+    <cs:lnRef idx="0"/>
+    <cs:fillRef idx="0"/>
+    <cs:effectRef idx="0"/>
+    <cs:fontRef idx="minor">
+      <a:schemeClr val="tx1">
+        <a:lumMod val="75000"/>
+        <a:lumOff val="25000"/>
+      </a:schemeClr>
+    </cs:fontRef>
+    <cs:defRPr sz="1197" kern="1200"/>
+  </cs:dataLabel>
+  <cs:dataLabelCallout>
+    <cs:lnRef idx="0"/>
+    <cs:fillRef idx="0"/>
+    <cs:effectRef idx="0"/>
+    <cs:fontRef idx="minor">
+      <a:schemeClr val="dk1">
+        <a:lumMod val="65000"/>
+        <a:lumOff val="35000"/>
+      </a:schemeClr>
+    </cs:fontRef>
+    <cs:spPr>
+      <a:solidFill>
+        <a:schemeClr val="lt1"/>
+      </a:solidFill>
+      <a:ln>
+        <a:solidFill>
+          <a:schemeClr val="dk1">
+            <a:lumMod val="25000"/>
+            <a:lumOff val="75000"/>
+          </a:schemeClr>
+        </a:solidFill>
+      </a:ln>
+    </cs:spPr>
+    <cs:defRPr sz="1197" kern="1200"/>
+    <cs:bodyPr rot="0" spcFirstLastPara="1" vertOverflow="clip" horzOverflow="clip" vert="horz" wrap="square" lIns="36576" tIns="18288" rIns="36576" bIns="18288" anchor="ctr" anchorCtr="1">
+      <a:spAutoFit/>
+    </cs:bodyPr>
+  </cs:dataLabelCallout>
+  <cs:dataPoint>
+    <cs:lnRef idx="0"/>
+    <cs:fillRef idx="1">
+      <cs:styleClr val="auto"/>
+    </cs:fillRef>
+    <cs:effectRef idx="0"/>
+    <cs:fontRef idx="minor">
+      <a:schemeClr val="tx1"/>
+    </cs:fontRef>
+  </cs:dataPoint>
+  <cs:dataPoint3D>
+    <cs:lnRef idx="0"/>
+    <cs:fillRef idx="1">
+      <cs:styleClr val="auto"/>
+    </cs:fillRef>
+    <cs:effectRef idx="0"/>
+    <cs:fontRef idx="minor">
+      <a:schemeClr val="tx1"/>
+    </cs:fontRef>
+  </cs:dataPoint3D>
+  <cs:dataPointLine>
+    <cs:lnRef idx="0">
+      <cs:styleClr val="auto"/>
+    </cs:lnRef>
+    <cs:fillRef idx="1"/>
+    <cs:effectRef idx="0"/>
+    <cs:fontRef idx="minor">
+      <a:schemeClr val="tx1"/>
+    </cs:fontRef>
+    <cs:spPr>
+      <a:ln w="28575" cap="rnd">
+        <a:solidFill>
+          <a:schemeClr val="phClr"/>
+        </a:solidFill>
+        <a:round/>
+      </a:ln>
+    </cs:spPr>
+  </cs:dataPointLine>
+  <cs:dataPointMarker>
+    <cs:lnRef idx="0">
+      <cs:styleClr val="auto"/>
+    </cs:lnRef>
+    <cs:fillRef idx="1">
+      <cs:styleClr val="auto"/>
+    </cs:fillRef>
+    <cs:effectRef idx="0"/>
+    <cs:fontRef idx="minor">
+      <a:schemeClr val="tx1"/>
+    </cs:fontRef>
+    <cs:spPr>
+      <a:ln w="9525">
+        <a:solidFill>
+          <a:schemeClr val="phClr"/>
+        </a:solidFill>
+      </a:ln>
+    </cs:spPr>
+  </cs:dataPointMarker>
+  <cs:dataPointMarkerLayout symbol="circle" size="5"/>
+  <cs:dataPointWireframe>
+    <cs:lnRef idx="0">
+      <cs:styleClr val="auto"/>
+    </cs:lnRef>
+    <cs:fillRef idx="1"/>
+    <cs:effectRef idx="0"/>
+    <cs:fontRef idx="minor">
+      <a:schemeClr val="tx1"/>
+    </cs:fontRef>
+    <cs:spPr>
+      <a:ln w="9525" cap="rnd">
+        <a:solidFill>
+          <a:schemeClr val="phClr"/>
+        </a:solidFill>
+        <a:round/>
+      </a:ln>
+    </cs:spPr>
+  </cs:dataPointWireframe>
+  <cs:dataTable>
+    <cs:lnRef idx="0"/>
+    <cs:fillRef idx="0"/>
+    <cs:effectRef idx="0"/>
+    <cs:fontRef idx="minor">
+      <a:schemeClr val="tx1">
+        <a:lumMod val="65000"/>
+        <a:lumOff val="35000"/>
+      </a:schemeClr>
+    </cs:fontRef>
+    <cs:spPr>
+      <a:noFill/>
+      <a:ln w="9525" cap="flat" cmpd="sng" algn="ctr">
+        <a:solidFill>
+          <a:schemeClr val="tx1">
+            <a:lumMod val="15000"/>
+            <a:lumOff val="85000"/>
+          </a:schemeClr>
+        </a:solidFill>
+        <a:round/>
+      </a:ln>
+    </cs:spPr>
+    <cs:defRPr sz="1197" kern="1200"/>
+  </cs:dataTable>
+  <cs:downBar>
+    <cs:lnRef idx="0"/>
+    <cs:fillRef idx="0"/>
+    <cs:effectRef idx="0"/>
+    <cs:fontRef idx="minor">
+      <a:schemeClr val="dk1"/>
+    </cs:fontRef>
+    <cs:spPr>
+      <a:solidFill>
+        <a:schemeClr val="dk1">
+          <a:lumMod val="65000"/>
+          <a:lumOff val="35000"/>
+        </a:schemeClr>
+      </a:solidFill>
+      <a:ln w="9525">
+        <a:solidFill>
+          <a:schemeClr val="tx1">
+            <a:lumMod val="65000"/>
+            <a:lumOff val="35000"/>
+          </a:schemeClr>
+        </a:solidFill>
+      </a:ln>
+    </cs:spPr>
+  </cs:downBar>
+  <cs:dropLine>
+    <cs:lnRef idx="0"/>
+    <cs:fillRef idx="0"/>
+    <cs:effectRef idx="0"/>
+    <cs:fontRef idx="minor">
+      <a:schemeClr val="tx1"/>
+    </cs:fontRef>
+    <cs:spPr>
+      <a:ln w="9525" cap="flat" cmpd="sng" algn="ctr">
+        <a:solidFill>
+          <a:schemeClr val="tx1">
+            <a:lumMod val="35000"/>
+            <a:lumOff val="65000"/>
+          </a:schemeClr>
+        </a:solidFill>
+        <a:round/>
+      </a:ln>
+    </cs:spPr>
+  </cs:dropLine>
+  <cs:errorBar>
+    <cs:lnRef idx="0"/>
+    <cs:fillRef idx="0"/>
+    <cs:effectRef idx="0"/>
+    <cs:fontRef idx="minor">
+      <a:schemeClr val="tx1"/>
+    </cs:fontRef>
+    <cs:spPr>
+      <a:ln w="9525" cap="flat" cmpd="sng" algn="ctr">
+        <a:solidFill>
+          <a:schemeClr val="tx1">
+            <a:lumMod val="65000"/>
+            <a:lumOff val="35000"/>
+          </a:schemeClr>
+        </a:solidFill>
+        <a:round/>
+      </a:ln>
+    </cs:spPr>
+  </cs:errorBar>
+  <cs:floor>
+    <cs:lnRef idx="0"/>
+    <cs:fillRef idx="0"/>
+    <cs:effectRef idx="0"/>
+    <cs:fontRef idx="minor">
+      <a:schemeClr val="tx1"/>
+    </cs:fontRef>
+    <cs:spPr>
+      <a:noFill/>
+      <a:ln>
+        <a:noFill/>
+      </a:ln>
+    </cs:spPr>
+  </cs:floor>
+  <cs:gridlineMajor>
+    <cs:lnRef idx="0"/>
+    <cs:fillRef idx="0"/>
+    <cs:effectRef idx="0"/>
+    <cs:fontRef idx="minor">
+      <a:schemeClr val="tx1"/>
+    </cs:fontRef>
+    <cs:spPr>
+      <a:ln w="9525" cap="flat" cmpd="sng" algn="ctr">
+        <a:solidFill>
+          <a:schemeClr val="tx1">
+            <a:lumMod val="15000"/>
+            <a:lumOff val="85000"/>
+          </a:schemeClr>
+        </a:solidFill>
+        <a:round/>
+      </a:ln>
+    </cs:spPr>
+  </cs:gridlineMajor>
+  <cs:gridlineMinor>
+    <cs:lnRef idx="0"/>
+    <cs:fillRef idx="0"/>
+    <cs:effectRef idx="0"/>
+    <cs:fontRef idx="minor">
+      <a:schemeClr val="tx1"/>
+    </cs:fontRef>
+    <cs:spPr>
+      <a:ln w="9525" cap="flat" cmpd="sng" algn="ctr">
+        <a:solidFill>
+          <a:schemeClr val="tx1">
+            <a:lumMod val="5000"/>
+            <a:lumOff val="95000"/>
+          </a:schemeClr>
+        </a:solidFill>
+        <a:round/>
+      </a:ln>
+    </cs:spPr>
+  </cs:gridlineMinor>
+  <cs:hiLoLine>
+    <cs:lnRef idx="0"/>
+    <cs:fillRef idx="0"/>
+    <cs:effectRef idx="0"/>
+    <cs:fontRef idx="minor">
+      <a:schemeClr val="tx1"/>
+    </cs:fontRef>
+    <cs:spPr>
+      <a:ln w="9525" cap="flat" cmpd="sng" algn="ctr">
+        <a:solidFill>
+          <a:schemeClr val="tx1">
+            <a:lumMod val="75000"/>
+            <a:lumOff val="25000"/>
+          </a:schemeClr>
+        </a:solidFill>
+        <a:round/>
+      </a:ln>
+    </cs:spPr>
+  </cs:hiLoLine>
+  <cs:leaderLine>
+    <cs:lnRef idx="0"/>
+    <cs:fillRef idx="0"/>
+    <cs:effectRef idx="0"/>
+    <cs:fontRef idx="minor">
+      <a:schemeClr val="tx1"/>
+    </cs:fontRef>
+    <cs:spPr>
+      <a:ln w="9525" cap="flat" cmpd="sng" algn="ctr">
+        <a:solidFill>
+          <a:schemeClr val="tx1">
+            <a:lumMod val="35000"/>
+            <a:lumOff val="65000"/>
+          </a:schemeClr>
+        </a:solidFill>
+        <a:round/>
+      </a:ln>
+    </cs:spPr>
+  </cs:leaderLine>
+  <cs:legend>
+    <cs:lnRef idx="0"/>
+    <cs:fillRef idx="0"/>
+    <cs:effectRef idx="0"/>
+    <cs:fontRef idx="minor">
+      <a:schemeClr val="tx1">
+        <a:lumMod val="65000"/>
+        <a:lumOff val="35000"/>
+      </a:schemeClr>
+    </cs:fontRef>
+    <cs:defRPr sz="1197" kern="1200"/>
+  </cs:legend>
+  <cs:plotArea mods="allowNoFillOverride allowNoLineOverride">
+    <cs:lnRef idx="0"/>
+    <cs:fillRef idx="0"/>
+    <cs:effectRef idx="0"/>
+    <cs:fontRef idx="minor">
+      <a:schemeClr val="tx1"/>
+    </cs:fontRef>
+  </cs:plotArea>
+  <cs:plotArea3D mods="allowNoFillOverride allowNoLineOverride">
+    <cs:lnRef idx="0"/>
+    <cs:fillRef idx="0"/>
+    <cs:effectRef idx="0"/>
+    <cs:fontRef idx="minor">
+      <a:schemeClr val="tx1"/>
+    </cs:fontRef>
+  </cs:plotArea3D>
+  <cs:seriesAxis>
+    <cs:lnRef idx="0"/>
+    <cs:fillRef idx="0"/>
+    <cs:effectRef idx="0"/>
+    <cs:fontRef idx="minor">
+      <a:schemeClr val="tx1">
+        <a:lumMod val="65000"/>
+        <a:lumOff val="35000"/>
+      </a:schemeClr>
+    </cs:fontRef>
+    <cs:defRPr sz="1197" kern="1200"/>
+  </cs:seriesAxis>
+  <cs:seriesLine>
+    <cs:lnRef idx="0"/>
+    <cs:fillRef idx="0"/>
+    <cs:effectRef idx="0"/>
+    <cs:fontRef idx="minor">
+      <a:schemeClr val="tx1"/>
+    </cs:fontRef>
+    <cs:spPr>
+      <a:ln w="9525" cap="flat" cmpd="sng" algn="ctr">
+        <a:solidFill>
+          <a:schemeClr val="tx1">
+            <a:lumMod val="35000"/>
+            <a:lumOff val="65000"/>
+          </a:schemeClr>
+        </a:solidFill>
+        <a:round/>
+      </a:ln>
+    </cs:spPr>
+  </cs:seriesLine>
+  <cs:title>
+    <cs:lnRef idx="0"/>
+    <cs:fillRef idx="0"/>
+    <cs:effectRef idx="0"/>
+    <cs:fontRef idx="minor">
+      <a:schemeClr val="tx1">
+        <a:lumMod val="65000"/>
+        <a:lumOff val="35000"/>
+      </a:schemeClr>
+    </cs:fontRef>
+    <cs:defRPr sz="1862" b="0" kern="1200" spc="0" baseline="0"/>
+  </cs:title>
+  <cs:trendline>
+    <cs:lnRef idx="0">
+      <cs:styleClr val="auto"/>
+    </cs:lnRef>
+    <cs:fillRef idx="0"/>
+    <cs:effectRef idx="0"/>
+    <cs:fontRef idx="minor">
+      <a:schemeClr val="tx1"/>
+    </cs:fontRef>
+    <cs:spPr>
+      <a:ln w="19050" cap="rnd">
+        <a:solidFill>
+          <a:schemeClr val="phClr"/>
+        </a:solidFill>
+        <a:prstDash val="sysDot"/>
+      </a:ln>
+    </cs:spPr>
+  </cs:trendline>
+  <cs:trendlineLabel>
+    <cs:lnRef idx="0"/>
+    <cs:fillRef idx="0"/>
+    <cs:effectRef idx="0"/>
+    <cs:fontRef idx="minor">
+      <a:schemeClr val="tx1">
+        <a:lumMod val="65000"/>
+        <a:lumOff val="35000"/>
+      </a:schemeClr>
+    </cs:fontRef>
+    <cs:defRPr sz="1197" kern="1200"/>
+  </cs:trendlineLabel>
+  <cs:upBar>
+    <cs:lnRef idx="0"/>
+    <cs:fillRef idx="0"/>
+    <cs:effectRef idx="0"/>
+    <cs:fontRef idx="minor">
+      <a:schemeClr val="dk1"/>
+    </cs:fontRef>
+    <cs:spPr>
+      <a:solidFill>
+        <a:schemeClr val="lt1"/>
+      </a:solidFill>
+      <a:ln w="9525">
+        <a:solidFill>
+          <a:schemeClr val="tx1">
+            <a:lumMod val="15000"/>
+            <a:lumOff val="85000"/>
+          </a:schemeClr>
+        </a:solidFill>
+      </a:ln>
+    </cs:spPr>
+  </cs:upBar>
+  <cs:valueAxis>
+    <cs:lnRef idx="0"/>
+    <cs:fillRef idx="0"/>
+    <cs:effectRef idx="0"/>
+    <cs:fontRef idx="minor">
+      <a:schemeClr val="tx1">
+        <a:lumMod val="65000"/>
+        <a:lumOff val="35000"/>
+      </a:schemeClr>
+    </cs:fontRef>
+    <cs:defRPr sz="1197" kern="1200"/>
+  </cs:valueAxis>
+  <cs:wall>
+    <cs:lnRef idx="0"/>
+    <cs:fillRef idx="0"/>
+    <cs:effectRef idx="0"/>
+    <cs:fontRef idx="minor">
+      <a:schemeClr val="tx1"/>
+    </cs:fontRef>
+    <cs:spPr>
+      <a:noFill/>
+      <a:ln>
+        <a:noFill/>
+      </a:ln>
+    </cs:spPr>
+  </cs:wall>
+</cs:chartStyle>
+</file>
+
 <file path=ppt/handoutMasters/handoutMaster1.xml><?xml version="1.0" encoding="utf-8"?>
 <p:handoutMaster xmlns:a="http://schemas.openxmlformats.org/drawingml/2006/main" xmlns:r="http://schemas.openxmlformats.org/officeDocument/2006/relationships" xmlns:p="http://schemas.openxmlformats.org/presentationml/2006/main">
   <p:cSld>
@@ -3159,7 +4125,7 @@
           <a:p>
             <a:fld id="{366B7320-B199-4348-8A7B-B2B720FDDCF5}" type="datetimeFigureOut">
               <a:rPr lang="ru-RU" smtClean="0"/>
-              <a:t>13.05.2015</a:t>
+              <a:t>12.05.2015</a:t>
             </a:fld>
             <a:endParaRPr lang="ru-RU"/>
           </a:p>
@@ -3809,7 +4775,7 @@
           <a:p>
             <a:fld id="{69156FAB-53CF-4B59-AB41-817703D28BE0}" type="datetime1">
               <a:rPr lang="ru-RU" smtClean="0"/>
-              <a:t>13.05.2015</a:t>
+              <a:t>12.05.2015</a:t>
             </a:fld>
             <a:endParaRPr lang="ru-RU"/>
           </a:p>
@@ -3979,7 +4945,7 @@
           <a:p>
             <a:fld id="{1EC2A69D-209F-4B8C-9DEA-81BF6A4B4105}" type="datetime1">
               <a:rPr lang="ru-RU" smtClean="0"/>
-              <a:t>13.05.2015</a:t>
+              <a:t>12.05.2015</a:t>
             </a:fld>
             <a:endParaRPr lang="ru-RU"/>
           </a:p>
@@ -4159,7 +5125,7 @@
           <a:p>
             <a:fld id="{B2684D70-DDB8-4E77-8AD7-0351704ADC4B}" type="datetime1">
               <a:rPr lang="ru-RU" smtClean="0"/>
-              <a:t>13.05.2015</a:t>
+              <a:t>12.05.2015</a:t>
             </a:fld>
             <a:endParaRPr lang="ru-RU"/>
           </a:p>
@@ -4329,7 +5295,7 @@
           <a:p>
             <a:fld id="{59A2A2EE-83F0-4937-8AB9-FA8B54A62B2E}" type="datetime1">
               <a:rPr lang="ru-RU" smtClean="0"/>
-              <a:t>13.05.2015</a:t>
+              <a:t>12.05.2015</a:t>
             </a:fld>
             <a:endParaRPr lang="ru-RU"/>
           </a:p>
@@ -4575,7 +5541,7 @@
           <a:p>
             <a:fld id="{4A22B647-FA66-4A5C-B280-6C9D1EBD5903}" type="datetime1">
               <a:rPr lang="ru-RU" smtClean="0"/>
-              <a:t>13.05.2015</a:t>
+              <a:t>12.05.2015</a:t>
             </a:fld>
             <a:endParaRPr lang="ru-RU"/>
           </a:p>
@@ -4807,7 +5773,7 @@
           <a:p>
             <a:fld id="{8EC261B3-459B-46B4-8538-89179A99D9A0}" type="datetime1">
               <a:rPr lang="ru-RU" smtClean="0"/>
-              <a:t>13.05.2015</a:t>
+              <a:t>12.05.2015</a:t>
             </a:fld>
             <a:endParaRPr lang="ru-RU"/>
           </a:p>
@@ -5174,7 +6140,7 @@
           <a:p>
             <a:fld id="{FC1C3ECB-7E34-4A10-B00C-48213DAA4739}" type="datetime1">
               <a:rPr lang="ru-RU" smtClean="0"/>
-              <a:t>13.05.2015</a:t>
+              <a:t>12.05.2015</a:t>
             </a:fld>
             <a:endParaRPr lang="ru-RU"/>
           </a:p>
@@ -5292,7 +6258,7 @@
           <a:p>
             <a:fld id="{3F4B1430-CDDB-470D-80E5-299D6970BE24}" type="datetime1">
               <a:rPr lang="ru-RU" smtClean="0"/>
-              <a:t>13.05.2015</a:t>
+              <a:t>12.05.2015</a:t>
             </a:fld>
             <a:endParaRPr lang="ru-RU"/>
           </a:p>
@@ -5387,7 +6353,7 @@
           <a:p>
             <a:fld id="{ED3076F7-ED44-4350-82F2-FECF382FDC47}" type="datetime1">
               <a:rPr lang="ru-RU" smtClean="0"/>
-              <a:t>13.05.2015</a:t>
+              <a:t>12.05.2015</a:t>
             </a:fld>
             <a:endParaRPr lang="ru-RU"/>
           </a:p>
@@ -5664,7 +6630,7 @@
           <a:p>
             <a:fld id="{F730ABC6-06CC-4491-9F12-93C3D271067E}" type="datetime1">
               <a:rPr lang="ru-RU" smtClean="0"/>
-              <a:t>13.05.2015</a:t>
+              <a:t>12.05.2015</a:t>
             </a:fld>
             <a:endParaRPr lang="ru-RU"/>
           </a:p>
@@ -5917,7 +6883,7 @@
           <a:p>
             <a:fld id="{91143EDE-18C6-4F2A-99CA-6FE158C3D105}" type="datetime1">
               <a:rPr lang="ru-RU" smtClean="0"/>
-              <a:t>13.05.2015</a:t>
+              <a:t>12.05.2015</a:t>
             </a:fld>
             <a:endParaRPr lang="ru-RU"/>
           </a:p>
@@ -6130,7 +7096,7 @@
           <a:p>
             <a:fld id="{43DA0F1F-44AE-44AC-8DF8-913DCBC9FA9F}" type="datetime1">
               <a:rPr lang="ru-RU" smtClean="0"/>
-              <a:t>13.05.2015</a:t>
+              <a:t>12.05.2015</a:t>
             </a:fld>
             <a:endParaRPr lang="ru-RU"/>
           </a:p>
@@ -7276,7 +8242,7 @@
           <a:p>
             <a:r>
               <a:rPr lang="en-US" dirty="0" smtClean="0"/>
-              <a:t>1/19</a:t>
+              <a:t>1/17</a:t>
             </a:r>
             <a:endParaRPr lang="ru-RU" dirty="0"/>
           </a:p>
@@ -7592,7 +8558,7 @@
           <a:p>
             <a:r>
               <a:rPr lang="en-US" dirty="0" smtClean="0"/>
-              <a:t>10/19</a:t>
+              <a:t>10/17</a:t>
             </a:r>
             <a:endParaRPr lang="ru-RU" dirty="0"/>
           </a:p>
@@ -7957,15 +8923,7 @@
                   <a:schemeClr val="tx1"/>
                 </a:solidFill>
               </a:rPr>
-              <a:t>   </a:t>
-            </a:r>
-            <a:r>
-              <a:rPr lang="ru-RU" dirty="0" smtClean="0">
-                <a:solidFill>
-                  <a:schemeClr val="tx1"/>
-                </a:solidFill>
-              </a:rPr>
-              <a:t>Отсутствие аналогов</a:t>
+              <a:t>   Отсутствие аналогов</a:t>
             </a:r>
             <a:r>
               <a:rPr lang="en-US" dirty="0" smtClean="0">
@@ -8059,8 +9017,8 @@
           </a:p>
         </p:txBody>
       </p:sp>
-      <mc:AlternateContent xmlns:mc="http://schemas.openxmlformats.org/markup-compatibility/2006">
-        <mc:Choice xmlns:a14="http://schemas.microsoft.com/office/drawing/2010/main" Requires="a14">
+      <mc:AlternateContent xmlns:mc="http://schemas.openxmlformats.org/markup-compatibility/2006" xmlns:a14="http://schemas.microsoft.com/office/drawing/2010/main">
+        <mc:Choice Requires="a14">
           <p:sp>
             <p:nvSpPr>
               <p:cNvPr id="12" name="Прямоугольник 11"/>
@@ -8264,7 +9222,7 @@
             </p:txBody>
           </p:sp>
         </mc:Choice>
-        <mc:Fallback>
+        <mc:Fallback xmlns="">
           <p:sp>
             <p:nvSpPr>
               <p:cNvPr id="12" name="Прямоугольник 11"/>
@@ -8875,7 +9833,7 @@
           <a:p>
             <a:r>
               <a:rPr lang="en-US" dirty="0" smtClean="0"/>
-              <a:t>11/19</a:t>
+              <a:t>11/17</a:t>
             </a:r>
             <a:endParaRPr lang="ru-RU" dirty="0"/>
           </a:p>
@@ -9590,7 +10548,7 @@
           <a:p>
             <a:r>
               <a:rPr lang="en-US" dirty="0" smtClean="0"/>
-              <a:t>12/19</a:t>
+              <a:t>12/17</a:t>
             </a:r>
             <a:endParaRPr lang="ru-RU" dirty="0"/>
           </a:p>
@@ -9747,7 +10705,7 @@
           <a:p>
             <a:r>
               <a:rPr lang="en-US" dirty="0" smtClean="0"/>
-              <a:t>13/19</a:t>
+              <a:t>13/17</a:t>
             </a:r>
             <a:endParaRPr lang="ru-RU" dirty="0"/>
           </a:p>
@@ -9944,7 +10902,7 @@
           <a:p>
             <a:r>
               <a:rPr lang="en-US" dirty="0" smtClean="0"/>
-              <a:t>14/19</a:t>
+              <a:t>14/17</a:t>
             </a:r>
             <a:endParaRPr lang="ru-RU" dirty="0"/>
           </a:p>
@@ -11445,7 +12403,7 @@
           <a:p>
             <a:r>
               <a:rPr lang="en-US" dirty="0" smtClean="0"/>
-              <a:t>15/19</a:t>
+              <a:t>15/17</a:t>
             </a:r>
             <a:endParaRPr lang="ru-RU" dirty="0"/>
           </a:p>
@@ -11553,23 +12511,7 @@
                   <a:schemeClr val="bg1"/>
                 </a:solidFill>
               </a:rPr>
-              <a:t>Передача файлов через </a:t>
-            </a:r>
-            <a:r>
-              <a:rPr lang="ru-RU" dirty="0" smtClean="0">
-                <a:solidFill>
-                  <a:schemeClr val="bg1"/>
-                </a:solidFill>
-              </a:rPr>
-              <a:t>общую </a:t>
-            </a:r>
-            <a:r>
-              <a:rPr lang="ru-RU" dirty="0" smtClean="0">
-                <a:solidFill>
-                  <a:schemeClr val="bg1"/>
-                </a:solidFill>
-              </a:rPr>
-              <a:t>память </a:t>
+              <a:t>Передача файлов через общую память </a:t>
             </a:r>
             <a:endParaRPr lang="ru-RU" dirty="0">
               <a:solidFill>
@@ -11623,7 +12565,7 @@
           <a:p>
             <a:r>
               <a:rPr lang="en-US" dirty="0" smtClean="0"/>
-              <a:t>16/19</a:t>
+              <a:t>16/17</a:t>
             </a:r>
             <a:endParaRPr lang="ru-RU" dirty="0"/>
           </a:p>
@@ -11948,7 +12890,7 @@
           <a:p>
             <a:r>
               <a:rPr lang="en-US" dirty="0" smtClean="0"/>
-              <a:t>17/19</a:t>
+              <a:t>17/17</a:t>
             </a:r>
             <a:endParaRPr lang="ru-RU" dirty="0"/>
           </a:p>
@@ -12096,7 +13038,7 @@
           <a:p>
             <a:r>
               <a:rPr lang="en-US" dirty="0" smtClean="0"/>
-              <a:t>19/19</a:t>
+              <a:t>18/17</a:t>
             </a:r>
             <a:endParaRPr lang="ru-RU" dirty="0"/>
           </a:p>
@@ -12293,7 +13235,7 @@
           <a:p>
             <a:r>
               <a:rPr lang="en-US" dirty="0" smtClean="0"/>
-              <a:t>18/19</a:t>
+              <a:t>19/17</a:t>
             </a:r>
             <a:endParaRPr lang="ru-RU" dirty="0"/>
           </a:p>
@@ -12720,7 +13662,7 @@
         </p:nvGraphicFramePr>
         <p:xfrm>
           <a:off x="1126921" y="2105279"/>
-          <a:ext cx="8127999" cy="4616196"/>
+          <a:ext cx="8127999" cy="4663440"/>
         </p:xfrm>
         <a:graphic>
           <a:graphicData uri="http://schemas.openxmlformats.org/drawingml/2006/table">
@@ -12850,15 +13792,7 @@
                             <a:srgbClr val="1580D0"/>
                           </a:solidFill>
                         </a:rPr>
-                        <a:t>Ext Ext2 </a:t>
-                      </a:r>
-                      <a:r>
-                        <a:rPr lang="en-US" sz="2000" b="1" dirty="0" smtClean="0">
-                          <a:solidFill>
-                            <a:srgbClr val="1580D0"/>
-                          </a:solidFill>
-                        </a:rPr>
-                        <a:t>Ext3(cow) Ext4</a:t>
+                        <a:t>Ext Ext2 Ext3(cow) Ext4</a:t>
                       </a:r>
                     </a:p>
                     <a:p>
@@ -13504,12 +14438,8 @@
           <a:lstStyle/>
           <a:p>
             <a:r>
-              <a:rPr lang="en-US" dirty="0"/>
-              <a:t>2</a:t>
-            </a:r>
-            <a:r>
               <a:rPr lang="en-US" dirty="0" smtClean="0"/>
-              <a:t>/19</a:t>
+              <a:t>2/17</a:t>
             </a:r>
             <a:endParaRPr lang="ru-RU" dirty="0"/>
           </a:p>
@@ -13532,6 +14462,163 @@
       </p:par>
     </p:tnLst>
   </p:timing>
+</p:sld>
+</file>
+
+<file path=ppt/slides/slide20.xml><?xml version="1.0" encoding="utf-8"?>
+<p:sld xmlns:a="http://schemas.openxmlformats.org/drawingml/2006/main" xmlns:r="http://schemas.openxmlformats.org/officeDocument/2006/relationships" xmlns:p="http://schemas.openxmlformats.org/presentationml/2006/main">
+  <p:cSld>
+    <p:spTree>
+      <p:nvGrpSpPr>
+        <p:cNvPr id="1" name=""/>
+        <p:cNvGrpSpPr/>
+        <p:nvPr/>
+      </p:nvGrpSpPr>
+      <p:grpSpPr>
+        <a:xfrm>
+          <a:off x="0" y="0"/>
+          <a:ext cx="0" cy="0"/>
+          <a:chOff x="0" y="0"/>
+          <a:chExt cx="0" cy="0"/>
+        </a:xfrm>
+      </p:grpSpPr>
+      <p:pic>
+        <p:nvPicPr>
+          <p:cNvPr id="5" name="Picture 4" descr="http://windowsapptutorials.com/wp-content/uploads/2014/12/Windows-8.1.jpg"/>
+          <p:cNvPicPr>
+            <a:picLocks noChangeAspect="1" noChangeArrowheads="1"/>
+          </p:cNvPicPr>
+          <p:nvPr/>
+        </p:nvPicPr>
+        <p:blipFill rotWithShape="1">
+          <a:blip r:embed="rId2">
+            <a:extLst>
+              <a:ext uri="{28A0092B-C50C-407E-A947-70E740481C1C}">
+                <a14:useLocalDpi xmlns:a14="http://schemas.microsoft.com/office/drawing/2010/main" val="0"/>
+              </a:ext>
+            </a:extLst>
+          </a:blip>
+          <a:srcRect l="-426" t="189" r="426" b="72317"/>
+          <a:stretch/>
+        </p:blipFill>
+        <p:spPr bwMode="auto">
+          <a:xfrm rot="10800000">
+            <a:off x="-6720" y="134472"/>
+            <a:ext cx="12265959" cy="1311088"/>
+          </a:xfrm>
+          <a:prstGeom prst="rect">
+            <a:avLst/>
+          </a:prstGeom>
+          <a:noFill/>
+          <a:extLst>
+            <a:ext uri="{909E8E84-426E-40DD-AFC4-6F175D3DCCD1}">
+              <a14:hiddenFill xmlns:a14="http://schemas.microsoft.com/office/drawing/2010/main">
+                <a:solidFill>
+                  <a:srgbClr val="FFFFFF"/>
+                </a:solidFill>
+              </a14:hiddenFill>
+            </a:ext>
+          </a:extLst>
+        </p:spPr>
+      </p:pic>
+      <p:sp>
+        <p:nvSpPr>
+          <p:cNvPr id="2" name="Заголовок 1"/>
+          <p:cNvSpPr>
+            <a:spLocks noGrp="1"/>
+          </p:cNvSpPr>
+          <p:nvPr>
+            <p:ph type="title"/>
+          </p:nvPr>
+        </p:nvSpPr>
+        <p:spPr/>
+        <p:txBody>
+          <a:bodyPr/>
+          <a:lstStyle/>
+          <a:p>
+            <a:r>
+              <a:rPr lang="ru-RU" dirty="0" smtClean="0">
+                <a:solidFill>
+                  <a:schemeClr val="bg1"/>
+                </a:solidFill>
+              </a:rPr>
+              <a:t>Сравнение производительности</a:t>
+            </a:r>
+            <a:endParaRPr lang="ru-RU" dirty="0">
+              <a:solidFill>
+                <a:schemeClr val="bg1"/>
+              </a:solidFill>
+            </a:endParaRPr>
+          </a:p>
+        </p:txBody>
+      </p:sp>
+      <p:graphicFrame>
+        <p:nvGraphicFramePr>
+          <p:cNvPr id="8" name="Объект 7"/>
+          <p:cNvGraphicFramePr>
+            <a:graphicFrameLocks noGrp="1"/>
+          </p:cNvGraphicFramePr>
+          <p:nvPr>
+            <p:ph idx="1"/>
+            <p:extLst>
+              <p:ext uri="{D42A27DB-BD31-4B8C-83A1-F6EECF244321}">
+                <p14:modId xmlns:p14="http://schemas.microsoft.com/office/powerpoint/2010/main" val="1985281878"/>
+              </p:ext>
+            </p:extLst>
+          </p:nvPr>
+        </p:nvGraphicFramePr>
+        <p:xfrm>
+          <a:off x="838200" y="1825625"/>
+          <a:ext cx="10515600" cy="4351338"/>
+        </p:xfrm>
+        <a:graphic>
+          <a:graphicData uri="http://schemas.openxmlformats.org/drawingml/2006/chart">
+            <c:chart xmlns:c="http://schemas.openxmlformats.org/drawingml/2006/chart" xmlns:r="http://schemas.openxmlformats.org/officeDocument/2006/relationships" r:id="rId3"/>
+          </a:graphicData>
+        </a:graphic>
+      </p:graphicFrame>
+      <p:sp>
+        <p:nvSpPr>
+          <p:cNvPr id="6" name="Номер слайда 3"/>
+          <p:cNvSpPr>
+            <a:spLocks noGrp="1"/>
+          </p:cNvSpPr>
+          <p:nvPr>
+            <p:ph type="sldNum" sz="quarter" idx="12"/>
+          </p:nvPr>
+        </p:nvSpPr>
+        <p:spPr>
+          <a:xfrm>
+            <a:off x="9242612" y="6414885"/>
+            <a:ext cx="2743200" cy="365125"/>
+          </a:xfrm>
+        </p:spPr>
+        <p:txBody>
+          <a:bodyPr/>
+          <a:lstStyle/>
+          <a:p>
+            <a:r>
+              <a:rPr lang="en-US" smtClean="0"/>
+              <a:t>20</a:t>
+            </a:r>
+            <a:r>
+              <a:rPr lang="en-US" smtClean="0"/>
+              <a:t>/17</a:t>
+            </a:r>
+            <a:endParaRPr lang="ru-RU" dirty="0"/>
+          </a:p>
+        </p:txBody>
+      </p:sp>
+    </p:spTree>
+    <p:extLst>
+      <p:ext uri="{BB962C8B-B14F-4D97-AF65-F5344CB8AC3E}">
+        <p14:creationId xmlns:p14="http://schemas.microsoft.com/office/powerpoint/2010/main" val="2426602573"/>
+      </p:ext>
+    </p:extLst>
+  </p:cSld>
+  <p:clrMapOvr>
+    <a:masterClrMapping/>
+  </p:clrMapOvr>
 </p:sld>
 </file>
 
@@ -13744,12 +14831,8 @@
           <a:lstStyle/>
           <a:p>
             <a:r>
-              <a:rPr lang="en-US" dirty="0"/>
-              <a:t>3</a:t>
-            </a:r>
-            <a:r>
               <a:rPr lang="en-US" dirty="0" smtClean="0"/>
-              <a:t>/19</a:t>
+              <a:t>3/17</a:t>
             </a:r>
             <a:endParaRPr lang="ru-RU" dirty="0"/>
           </a:p>
@@ -13890,7 +14973,7 @@
             </a:fld>
             <a:r>
               <a:rPr lang="en-US" dirty="0" smtClean="0"/>
-              <a:t>/19</a:t>
+              <a:t>/17</a:t>
             </a:r>
             <a:endParaRPr lang="ru-RU" dirty="0"/>
           </a:p>
@@ -14520,7 +15603,7 @@
             </a:fld>
             <a:r>
               <a:rPr lang="en-US" dirty="0" smtClean="0"/>
-              <a:t>/19</a:t>
+              <a:t>/17</a:t>
             </a:r>
             <a:endParaRPr lang="ru-RU" dirty="0"/>
           </a:p>
@@ -15604,7 +16687,7 @@
             </a:fld>
             <a:r>
               <a:rPr lang="en-US" dirty="0" smtClean="0"/>
-              <a:t>/19</a:t>
+              <a:t>/17</a:t>
             </a:r>
             <a:endParaRPr lang="ru-RU" dirty="0"/>
           </a:p>
@@ -17879,7 +18962,7 @@
           <a:p>
             <a:r>
               <a:rPr lang="en-US" dirty="0" smtClean="0"/>
-              <a:t>7/19</a:t>
+              <a:t>7/17</a:t>
             </a:r>
             <a:endParaRPr lang="ru-RU" dirty="0"/>
           </a:p>
@@ -18239,12 +19322,8 @@
           <a:lstStyle/>
           <a:p>
             <a:r>
-              <a:rPr lang="en-US" dirty="0"/>
-              <a:t>8</a:t>
-            </a:r>
-            <a:r>
               <a:rPr lang="en-US" dirty="0" smtClean="0"/>
-              <a:t>/19</a:t>
+              <a:t>8/17</a:t>
             </a:r>
             <a:endParaRPr lang="ru-RU" dirty="0"/>
           </a:p>
@@ -19345,12 +20424,8 @@
           <a:lstStyle/>
           <a:p>
             <a:r>
-              <a:rPr lang="en-US" dirty="0"/>
-              <a:t>9</a:t>
-            </a:r>
-            <a:r>
               <a:rPr lang="en-US" dirty="0" smtClean="0"/>
-              <a:t>/19</a:t>
+              <a:t>9/17</a:t>
             </a:r>
             <a:endParaRPr lang="ru-RU" dirty="0"/>
           </a:p>

--- a/presentation.pptx
+++ b/presentation.pptx
@@ -5,26 +5,28 @@
     <p:sldMasterId id="2147483744" r:id="rId1"/>
   </p:sldMasterIdLst>
   <p:notesMasterIdLst>
-    <p:notesMasterId r:id="rId16"/>
+    <p:notesMasterId r:id="rId18"/>
   </p:notesMasterIdLst>
   <p:handoutMasterIdLst>
-    <p:handoutMasterId r:id="rId17"/>
+    <p:handoutMasterId r:id="rId19"/>
   </p:handoutMasterIdLst>
   <p:sldIdLst>
     <p:sldId id="256" r:id="rId2"/>
     <p:sldId id="259" r:id="rId3"/>
     <p:sldId id="258" r:id="rId4"/>
-    <p:sldId id="257" r:id="rId5"/>
-    <p:sldId id="265" r:id="rId6"/>
-    <p:sldId id="266" r:id="rId7"/>
-    <p:sldId id="267" r:id="rId8"/>
-    <p:sldId id="260" r:id="rId9"/>
-    <p:sldId id="261" r:id="rId10"/>
-    <p:sldId id="262" r:id="rId11"/>
-    <p:sldId id="263" r:id="rId12"/>
-    <p:sldId id="264" r:id="rId13"/>
-    <p:sldId id="269" r:id="rId14"/>
-    <p:sldId id="268" r:id="rId15"/>
+    <p:sldId id="270" r:id="rId5"/>
+    <p:sldId id="257" r:id="rId6"/>
+    <p:sldId id="271" r:id="rId7"/>
+    <p:sldId id="265" r:id="rId8"/>
+    <p:sldId id="266" r:id="rId9"/>
+    <p:sldId id="267" r:id="rId10"/>
+    <p:sldId id="260" r:id="rId11"/>
+    <p:sldId id="261" r:id="rId12"/>
+    <p:sldId id="262" r:id="rId13"/>
+    <p:sldId id="263" r:id="rId14"/>
+    <p:sldId id="264" r:id="rId15"/>
+    <p:sldId id="269" r:id="rId16"/>
+    <p:sldId id="268" r:id="rId17"/>
   </p:sldIdLst>
   <p:sldSz cx="12192000" cy="6858000"/>
   <p:notesSz cx="6858000" cy="9144000"/>
@@ -5491,6 +5493,45 @@
           <a:chExt cx="0" cy="0"/>
         </a:xfrm>
       </p:grpSpPr>
+      <p:pic>
+        <p:nvPicPr>
+          <p:cNvPr id="5" name="Picture 4" descr="http://windowsapptutorials.com/wp-content/uploads/2014/12/Windows-8.1.jpg"/>
+          <p:cNvPicPr>
+            <a:picLocks noChangeAspect="1" noChangeArrowheads="1"/>
+          </p:cNvPicPr>
+          <p:nvPr/>
+        </p:nvPicPr>
+        <p:blipFill rotWithShape="1">
+          <a:blip r:embed="rId2">
+            <a:extLst>
+              <a:ext uri="{28A0092B-C50C-407E-A947-70E740481C1C}">
+                <a14:useLocalDpi xmlns:a14="http://schemas.microsoft.com/office/drawing/2010/main" val="0"/>
+              </a:ext>
+            </a:extLst>
+          </a:blip>
+          <a:srcRect l="-426" t="189" r="426" b="72317"/>
+          <a:stretch/>
+        </p:blipFill>
+        <p:spPr bwMode="auto">
+          <a:xfrm rot="10800000">
+            <a:off x="-6720" y="134472"/>
+            <a:ext cx="12265959" cy="1311088"/>
+          </a:xfrm>
+          <a:prstGeom prst="rect">
+            <a:avLst/>
+          </a:prstGeom>
+          <a:noFill/>
+          <a:extLst>
+            <a:ext uri="{909E8E84-426E-40DD-AFC4-6F175D3DCCD1}">
+              <a14:hiddenFill xmlns:a14="http://schemas.microsoft.com/office/drawing/2010/main">
+                <a:solidFill>
+                  <a:srgbClr val="FFFFFF"/>
+                </a:solidFill>
+              </a14:hiddenFill>
+            </a:ext>
+          </a:extLst>
+        </p:spPr>
+      </p:pic>
       <p:sp>
         <p:nvSpPr>
           <p:cNvPr id="2" name="Заголовок 1"/>
@@ -5507,26 +5548,18 @@
           <a:lstStyle/>
           <a:p>
             <a:r>
-              <a:rPr lang="ru-RU" dirty="0" err="1" smtClean="0"/>
-              <a:t>Нативное</a:t>
-            </a:r>
-            <a:r>
-              <a:rPr lang="ru-RU" dirty="0" smtClean="0"/>
-              <a:t> </a:t>
-            </a:r>
-            <a:r>
-              <a:rPr lang="ru-RU" dirty="0" err="1" smtClean="0"/>
-              <a:t>портирование</a:t>
-            </a:r>
-            <a:r>
-              <a:rPr lang="ru-RU" dirty="0" smtClean="0"/>
-              <a:t> </a:t>
-            </a:r>
-            <a:r>
-              <a:rPr lang="en-US" dirty="0" err="1" smtClean="0"/>
-              <a:t>libguestfs</a:t>
-            </a:r>
-            <a:endParaRPr lang="ru-RU" dirty="0"/>
+              <a:rPr lang="ru-RU" dirty="0" smtClean="0">
+                <a:solidFill>
+                  <a:schemeClr val="bg1"/>
+                </a:solidFill>
+              </a:rPr>
+              <a:t>Задачи</a:t>
+            </a:r>
+            <a:endParaRPr lang="ru-RU" dirty="0">
+              <a:solidFill>
+                <a:schemeClr val="bg1"/>
+              </a:solidFill>
+            </a:endParaRPr>
           </a:p>
         </p:txBody>
       </p:sp>
@@ -5542,66 +5575,177 @@
         </p:nvSpPr>
         <p:spPr/>
         <p:txBody>
-          <a:bodyPr/>
+          <a:bodyPr>
+            <a:normAutofit/>
+          </a:bodyPr>
           <a:lstStyle/>
           <a:p>
             <a:pPr marL="0" indent="0">
               <a:buNone/>
             </a:pPr>
             <a:r>
+              <a:rPr lang="ru-RU" dirty="0" err="1" smtClean="0"/>
+              <a:t>Портировать</a:t>
+            </a:r>
+            <a:r>
+              <a:rPr lang="ru-RU" dirty="0"/>
+              <a:t> </a:t>
+            </a:r>
+            <a:r>
               <a:rPr lang="ru-RU" dirty="0" smtClean="0"/>
-              <a:t>Реализация кроссплатформенных интерфейсов</a:t>
-            </a:r>
+              <a:t>библиотеку </a:t>
+            </a:r>
+            <a:r>
+              <a:rPr lang="en-US" dirty="0" err="1" smtClean="0"/>
+              <a:t>libguestfs</a:t>
+            </a:r>
+            <a:r>
+              <a:rPr lang="ru-RU" dirty="0" smtClean="0"/>
+              <a:t> для работы в ОС </a:t>
+            </a:r>
+            <a:r>
+              <a:rPr lang="en-US" dirty="0" smtClean="0"/>
+              <a:t>Windows</a:t>
+            </a:r>
+            <a:endParaRPr lang="ru-RU" dirty="0"/>
           </a:p>
           <a:p>
             <a:pPr marL="0" indent="0">
               <a:buNone/>
             </a:pPr>
             <a:r>
+              <a:rPr lang="ru-RU" dirty="0" err="1" smtClean="0"/>
+              <a:t>Портирование</a:t>
+            </a:r>
+            <a:r>
               <a:rPr lang="ru-RU" dirty="0" smtClean="0"/>
-              <a:t>Локализация </a:t>
-            </a:r>
-            <a:r>
-              <a:rPr lang="ru-RU" dirty="0" err="1" smtClean="0"/>
-              <a:t>платформо</a:t>
+              <a:t> </a:t>
+            </a:r>
+            <a:r>
+              <a:rPr lang="en-US" dirty="0" err="1" smtClean="0"/>
+              <a:t>libguestfs</a:t>
             </a:r>
             <a:r>
               <a:rPr lang="ru-RU" dirty="0" smtClean="0"/>
-              <a:t>-зависимого кода внутри кроссплатформенных интерфейсов</a:t>
-            </a:r>
+              <a:t> для запуска в </a:t>
+            </a:r>
+            <a:r>
+              <a:rPr lang="en-US" dirty="0" smtClean="0"/>
+              <a:t>Cygwin</a:t>
+            </a:r>
+            <a:endParaRPr lang="ru-RU" dirty="0" smtClean="0"/>
           </a:p>
           <a:p>
             <a:pPr marL="0" indent="0">
               <a:buNone/>
             </a:pPr>
             <a:r>
+              <a:rPr lang="ru-RU" dirty="0" err="1" smtClean="0"/>
+              <a:t>Нативное</a:t>
+            </a:r>
+            <a:r>
               <a:rPr lang="ru-RU" dirty="0" smtClean="0"/>
-              <a:t>Изменения в запуске виртуальной машины</a:t>
-            </a:r>
+              <a:t> </a:t>
+            </a:r>
+            <a:r>
+              <a:rPr lang="ru-RU" dirty="0" err="1" smtClean="0"/>
+              <a:t>портирование</a:t>
+            </a:r>
+            <a:r>
+              <a:rPr lang="ru-RU" dirty="0" smtClean="0"/>
+              <a:t> </a:t>
+            </a:r>
+            <a:r>
+              <a:rPr lang="en-US" dirty="0" err="1" smtClean="0"/>
+              <a:t>libguestfs</a:t>
+            </a:r>
+            <a:r>
+              <a:rPr lang="ru-RU" dirty="0" smtClean="0"/>
+              <a:t> с помощью </a:t>
+            </a:r>
+            <a:r>
+              <a:rPr lang="en-US" dirty="0" err="1" smtClean="0"/>
+              <a:t>MinGW</a:t>
+            </a:r>
+            <a:endParaRPr lang="ru-RU" dirty="0" smtClean="0"/>
           </a:p>
           <a:p>
             <a:pPr marL="0" indent="0">
               <a:buNone/>
             </a:pPr>
             <a:r>
+              <a:rPr lang="ru-RU" dirty="0" err="1" smtClean="0"/>
+              <a:t>Портировать</a:t>
+            </a:r>
+            <a:r>
               <a:rPr lang="ru-RU" dirty="0" smtClean="0"/>
-              <a:t>Сравнение </a:t>
-            </a:r>
-            <a:r>
-              <a:rPr lang="en-US" dirty="0" err="1" smtClean="0"/>
-              <a:t>Protobuf</a:t>
+              <a:t> систему сборки </a:t>
+            </a:r>
+            <a:r>
+              <a:rPr lang="en-US" smtClean="0"/>
+              <a:t>libguestfs</a:t>
+            </a:r>
+            <a:endParaRPr lang="ru-RU" dirty="0" smtClean="0"/>
+          </a:p>
+          <a:p>
+            <a:pPr marL="0" indent="0">
+              <a:buNone/>
+            </a:pPr>
+            <a:r>
+              <a:rPr lang="ru-RU" dirty="0"/>
+              <a:t>Выбрать </a:t>
+            </a:r>
+            <a:r>
+              <a:rPr lang="ru-RU" dirty="0" smtClean="0"/>
+              <a:t>виртуальную </a:t>
+            </a:r>
+            <a:r>
+              <a:rPr lang="ru-RU" dirty="0"/>
+              <a:t>машину для запуска </a:t>
+            </a:r>
+            <a:r>
+              <a:rPr lang="ru-RU" dirty="0" err="1" smtClean="0"/>
+              <a:t>Linux</a:t>
+            </a:r>
+            <a:endParaRPr lang="ru-RU" dirty="0" smtClean="0"/>
+          </a:p>
+          <a:p>
+            <a:pPr marL="0" indent="0">
+              <a:buNone/>
+            </a:pPr>
+            <a:r>
+              <a:rPr lang="ru-RU" dirty="0" smtClean="0"/>
+              <a:t>Выбрать протокол взаимодействия с демоном</a:t>
+            </a:r>
+          </a:p>
+          <a:p>
+            <a:pPr marL="0" indent="0">
+              <a:buNone/>
+            </a:pPr>
+            <a:r>
+              <a:rPr lang="ru-RU" dirty="0" smtClean="0"/>
+              <a:t>Реализовать передачу файлов через общую память</a:t>
+            </a:r>
+          </a:p>
+          <a:p>
+            <a:pPr marL="0" indent="0">
+              <a:buNone/>
+            </a:pPr>
+            <a:r>
+              <a:rPr lang="ru-RU" dirty="0" smtClean="0"/>
+              <a:t>Сравнить производительность работы в </a:t>
             </a:r>
             <a:r>
               <a:rPr lang="en-US" dirty="0" smtClean="0"/>
-              <a:t> </a:t>
+              <a:t>Windows</a:t>
             </a:r>
             <a:r>
               <a:rPr lang="ru-RU" dirty="0" smtClean="0"/>
-              <a:t>и </a:t>
+              <a:t> и </a:t>
             </a:r>
             <a:r>
               <a:rPr lang="en-US" dirty="0" smtClean="0"/>
-              <a:t>XDR</a:t>
+              <a:t>Linux</a:t>
             </a:r>
             <a:endParaRPr lang="ru-RU" dirty="0"/>
           </a:p>
@@ -5633,7 +5777,7 @@
     </p:spTree>
     <p:extLst>
       <p:ext uri="{BB962C8B-B14F-4D97-AF65-F5344CB8AC3E}">
-        <p14:creationId xmlns:p14="http://schemas.microsoft.com/office/powerpoint/2010/main" val="2637212501"/>
+        <p14:creationId xmlns:p14="http://schemas.microsoft.com/office/powerpoint/2010/main" val="1433485123"/>
       </p:ext>
     </p:extLst>
   </p:cSld>
@@ -5684,24 +5828,83 @@
           <a:p>
             <a:r>
               <a:rPr lang="ru-RU" dirty="0" err="1" smtClean="0"/>
-              <a:t>Нативное</a:t>
+              <a:t>Портирование</a:t>
             </a:r>
             <a:r>
               <a:rPr lang="ru-RU" dirty="0" smtClean="0"/>
               <a:t> </a:t>
             </a:r>
             <a:r>
-              <a:rPr lang="ru-RU" dirty="0" err="1" smtClean="0"/>
-              <a:t>портирование</a:t>
-            </a:r>
-            <a:r>
-              <a:rPr lang="ru-RU" dirty="0" smtClean="0"/>
-              <a:t> </a:t>
-            </a:r>
-            <a:r>
               <a:rPr lang="en-US" dirty="0" err="1" smtClean="0"/>
               <a:t>libguestfs</a:t>
             </a:r>
+            <a:r>
+              <a:rPr lang="en-US" dirty="0" smtClean="0"/>
+              <a:t> </a:t>
+            </a:r>
+            <a:r>
+              <a:rPr lang="ru-RU" dirty="0" smtClean="0"/>
+              <a:t>в </a:t>
+            </a:r>
+            <a:r>
+              <a:rPr lang="en-US" dirty="0" smtClean="0"/>
+              <a:t>Cygwin</a:t>
+            </a:r>
+            <a:endParaRPr lang="ru-RU" dirty="0"/>
+          </a:p>
+        </p:txBody>
+      </p:sp>
+      <p:sp>
+        <p:nvSpPr>
+          <p:cNvPr id="3" name="Объект 2"/>
+          <p:cNvSpPr>
+            <a:spLocks noGrp="1"/>
+          </p:cNvSpPr>
+          <p:nvPr>
+            <p:ph idx="1"/>
+          </p:nvPr>
+        </p:nvSpPr>
+        <p:spPr/>
+        <p:txBody>
+          <a:bodyPr/>
+          <a:lstStyle/>
+          <a:p>
+            <a:pPr marL="0" indent="0">
+              <a:buNone/>
+            </a:pPr>
+            <a:r>
+              <a:rPr lang="ru-RU" dirty="0" smtClean="0"/>
+              <a:t>Разрешение сторонних зависимостей</a:t>
+            </a:r>
+          </a:p>
+          <a:p>
+            <a:pPr marL="0" indent="0">
+              <a:buNone/>
+            </a:pPr>
+            <a:r>
+              <a:rPr lang="ru-RU" dirty="0" smtClean="0"/>
+              <a:t>Минимальное количество изменений</a:t>
+            </a:r>
+          </a:p>
+          <a:p>
+            <a:pPr marL="0" indent="0">
+              <a:buNone/>
+            </a:pPr>
+            <a:endParaRPr lang="ru-RU" dirty="0" smtClean="0"/>
+          </a:p>
+          <a:p>
+            <a:pPr marL="0" indent="0">
+              <a:buNone/>
+            </a:pPr>
+            <a:r>
+              <a:rPr lang="ru-RU" dirty="0" smtClean="0"/>
+              <a:t>Результаты тестирования</a:t>
+            </a:r>
+          </a:p>
+          <a:p>
+            <a:pPr marL="0" indent="0">
+              <a:buNone/>
+            </a:pPr>
             <a:endParaRPr lang="ru-RU" dirty="0"/>
           </a:p>
         </p:txBody>
@@ -5724,6 +5927,281 @@
             <a:fld id="{7E7C1622-4091-4E7B-99B0-4C976627CE55}" type="slidenum">
               <a:rPr lang="ru-RU" smtClean="0"/>
               <a:t>11</a:t>
+            </a:fld>
+            <a:endParaRPr lang="ru-RU"/>
+          </a:p>
+        </p:txBody>
+      </p:sp>
+    </p:spTree>
+    <p:extLst>
+      <p:ext uri="{BB962C8B-B14F-4D97-AF65-F5344CB8AC3E}">
+        <p14:creationId xmlns:p14="http://schemas.microsoft.com/office/powerpoint/2010/main" val="1597690361"/>
+      </p:ext>
+    </p:extLst>
+  </p:cSld>
+  <p:clrMapOvr>
+    <a:masterClrMapping/>
+  </p:clrMapOvr>
+  <p:timing>
+    <p:tnLst>
+      <p:par>
+        <p:cTn id="1" dur="indefinite" restart="never" nodeType="tmRoot"/>
+      </p:par>
+    </p:tnLst>
+  </p:timing>
+</p:sld>
+</file>
+
+<file path=ppt/slides/slide12.xml><?xml version="1.0" encoding="utf-8"?>
+<p:sld xmlns:a="http://schemas.openxmlformats.org/drawingml/2006/main" xmlns:r="http://schemas.openxmlformats.org/officeDocument/2006/relationships" xmlns:p="http://schemas.openxmlformats.org/presentationml/2006/main">
+  <p:cSld>
+    <p:spTree>
+      <p:nvGrpSpPr>
+        <p:cNvPr id="1" name=""/>
+        <p:cNvGrpSpPr/>
+        <p:nvPr/>
+      </p:nvGrpSpPr>
+      <p:grpSpPr>
+        <a:xfrm>
+          <a:off x="0" y="0"/>
+          <a:ext cx="0" cy="0"/>
+          <a:chOff x="0" y="0"/>
+          <a:chExt cx="0" cy="0"/>
+        </a:xfrm>
+      </p:grpSpPr>
+      <p:sp>
+        <p:nvSpPr>
+          <p:cNvPr id="2" name="Заголовок 1"/>
+          <p:cNvSpPr>
+            <a:spLocks noGrp="1"/>
+          </p:cNvSpPr>
+          <p:nvPr>
+            <p:ph type="title"/>
+          </p:nvPr>
+        </p:nvSpPr>
+        <p:spPr/>
+        <p:txBody>
+          <a:bodyPr/>
+          <a:lstStyle/>
+          <a:p>
+            <a:r>
+              <a:rPr lang="ru-RU" dirty="0" err="1" smtClean="0"/>
+              <a:t>Нативное</a:t>
+            </a:r>
+            <a:r>
+              <a:rPr lang="ru-RU" dirty="0" smtClean="0"/>
+              <a:t> </a:t>
+            </a:r>
+            <a:r>
+              <a:rPr lang="ru-RU" dirty="0" err="1" smtClean="0"/>
+              <a:t>портирование</a:t>
+            </a:r>
+            <a:r>
+              <a:rPr lang="ru-RU" dirty="0" smtClean="0"/>
+              <a:t> </a:t>
+            </a:r>
+            <a:r>
+              <a:rPr lang="en-US" dirty="0" err="1" smtClean="0"/>
+              <a:t>libguestfs</a:t>
+            </a:r>
+            <a:endParaRPr lang="ru-RU" dirty="0"/>
+          </a:p>
+        </p:txBody>
+      </p:sp>
+      <p:sp>
+        <p:nvSpPr>
+          <p:cNvPr id="3" name="Объект 2"/>
+          <p:cNvSpPr>
+            <a:spLocks noGrp="1"/>
+          </p:cNvSpPr>
+          <p:nvPr>
+            <p:ph idx="1"/>
+          </p:nvPr>
+        </p:nvSpPr>
+        <p:spPr/>
+        <p:txBody>
+          <a:bodyPr/>
+          <a:lstStyle/>
+          <a:p>
+            <a:pPr marL="0" indent="0">
+              <a:buNone/>
+            </a:pPr>
+            <a:r>
+              <a:rPr lang="ru-RU" dirty="0" smtClean="0"/>
+              <a:t>Реализация кроссплатформенных интерфейсов</a:t>
+            </a:r>
+          </a:p>
+          <a:p>
+            <a:pPr marL="0" indent="0">
+              <a:buNone/>
+            </a:pPr>
+            <a:r>
+              <a:rPr lang="ru-RU" dirty="0" smtClean="0"/>
+              <a:t>Локализация </a:t>
+            </a:r>
+            <a:r>
+              <a:rPr lang="ru-RU" dirty="0" err="1" smtClean="0"/>
+              <a:t>платформо</a:t>
+            </a:r>
+            <a:r>
+              <a:rPr lang="ru-RU" dirty="0" smtClean="0"/>
+              <a:t>-зависимого кода внутри кроссплатформенных интерфейсов</a:t>
+            </a:r>
+          </a:p>
+          <a:p>
+            <a:pPr marL="0" indent="0">
+              <a:buNone/>
+            </a:pPr>
+            <a:r>
+              <a:rPr lang="ru-RU" dirty="0" smtClean="0"/>
+              <a:t>Изменения в запуске виртуальной машины</a:t>
+            </a:r>
+          </a:p>
+          <a:p>
+            <a:pPr marL="0" indent="0">
+              <a:buNone/>
+            </a:pPr>
+            <a:r>
+              <a:rPr lang="ru-RU" dirty="0" smtClean="0"/>
+              <a:t>Сравнение </a:t>
+            </a:r>
+            <a:r>
+              <a:rPr lang="en-US" dirty="0" err="1" smtClean="0"/>
+              <a:t>Protobuf</a:t>
+            </a:r>
+            <a:r>
+              <a:rPr lang="en-US" dirty="0" smtClean="0"/>
+              <a:t> </a:t>
+            </a:r>
+            <a:r>
+              <a:rPr lang="ru-RU" dirty="0" smtClean="0"/>
+              <a:t>и </a:t>
+            </a:r>
+            <a:r>
+              <a:rPr lang="en-US" dirty="0" smtClean="0"/>
+              <a:t>XDR</a:t>
+            </a:r>
+            <a:endParaRPr lang="ru-RU" dirty="0"/>
+          </a:p>
+        </p:txBody>
+      </p:sp>
+      <p:sp>
+        <p:nvSpPr>
+          <p:cNvPr id="4" name="Номер слайда 3"/>
+          <p:cNvSpPr>
+            <a:spLocks noGrp="1"/>
+          </p:cNvSpPr>
+          <p:nvPr>
+            <p:ph type="sldNum" sz="quarter" idx="12"/>
+          </p:nvPr>
+        </p:nvSpPr>
+        <p:spPr/>
+        <p:txBody>
+          <a:bodyPr/>
+          <a:lstStyle/>
+          <a:p>
+            <a:fld id="{7E7C1622-4091-4E7B-99B0-4C976627CE55}" type="slidenum">
+              <a:rPr lang="ru-RU" smtClean="0"/>
+              <a:t>12</a:t>
+            </a:fld>
+            <a:endParaRPr lang="ru-RU"/>
+          </a:p>
+        </p:txBody>
+      </p:sp>
+    </p:spTree>
+    <p:extLst>
+      <p:ext uri="{BB962C8B-B14F-4D97-AF65-F5344CB8AC3E}">
+        <p14:creationId xmlns:p14="http://schemas.microsoft.com/office/powerpoint/2010/main" val="2637212501"/>
+      </p:ext>
+    </p:extLst>
+  </p:cSld>
+  <p:clrMapOvr>
+    <a:masterClrMapping/>
+  </p:clrMapOvr>
+  <p:timing>
+    <p:tnLst>
+      <p:par>
+        <p:cTn id="1" dur="indefinite" restart="never" nodeType="tmRoot"/>
+      </p:par>
+    </p:tnLst>
+  </p:timing>
+</p:sld>
+</file>
+
+<file path=ppt/slides/slide13.xml><?xml version="1.0" encoding="utf-8"?>
+<p:sld xmlns:a="http://schemas.openxmlformats.org/drawingml/2006/main" xmlns:r="http://schemas.openxmlformats.org/officeDocument/2006/relationships" xmlns:p="http://schemas.openxmlformats.org/presentationml/2006/main">
+  <p:cSld>
+    <p:spTree>
+      <p:nvGrpSpPr>
+        <p:cNvPr id="1" name=""/>
+        <p:cNvGrpSpPr/>
+        <p:nvPr/>
+      </p:nvGrpSpPr>
+      <p:grpSpPr>
+        <a:xfrm>
+          <a:off x="0" y="0"/>
+          <a:ext cx="0" cy="0"/>
+          <a:chOff x="0" y="0"/>
+          <a:chExt cx="0" cy="0"/>
+        </a:xfrm>
+      </p:grpSpPr>
+      <p:sp>
+        <p:nvSpPr>
+          <p:cNvPr id="2" name="Заголовок 1"/>
+          <p:cNvSpPr>
+            <a:spLocks noGrp="1"/>
+          </p:cNvSpPr>
+          <p:nvPr>
+            <p:ph type="title"/>
+          </p:nvPr>
+        </p:nvSpPr>
+        <p:spPr/>
+        <p:txBody>
+          <a:bodyPr/>
+          <a:lstStyle/>
+          <a:p>
+            <a:r>
+              <a:rPr lang="ru-RU" dirty="0" err="1" smtClean="0"/>
+              <a:t>Нативное</a:t>
+            </a:r>
+            <a:r>
+              <a:rPr lang="ru-RU" dirty="0" smtClean="0"/>
+              <a:t> </a:t>
+            </a:r>
+            <a:r>
+              <a:rPr lang="ru-RU" dirty="0" err="1" smtClean="0"/>
+              <a:t>портирование</a:t>
+            </a:r>
+            <a:r>
+              <a:rPr lang="ru-RU" dirty="0" smtClean="0"/>
+              <a:t> </a:t>
+            </a:r>
+            <a:r>
+              <a:rPr lang="en-US" dirty="0" err="1" smtClean="0"/>
+              <a:t>libguestfs</a:t>
+            </a:r>
+            <a:endParaRPr lang="ru-RU" dirty="0"/>
+          </a:p>
+        </p:txBody>
+      </p:sp>
+      <p:sp>
+        <p:nvSpPr>
+          <p:cNvPr id="4" name="Номер слайда 3"/>
+          <p:cNvSpPr>
+            <a:spLocks noGrp="1"/>
+          </p:cNvSpPr>
+          <p:nvPr>
+            <p:ph type="sldNum" sz="quarter" idx="12"/>
+          </p:nvPr>
+        </p:nvSpPr>
+        <p:spPr/>
+        <p:txBody>
+          <a:bodyPr/>
+          <a:lstStyle/>
+          <a:p>
+            <a:fld id="{7E7C1622-4091-4E7B-99B0-4C976627CE55}" type="slidenum">
+              <a:rPr lang="ru-RU" smtClean="0"/>
+              <a:t>13</a:t>
             </a:fld>
             <a:endParaRPr lang="ru-RU"/>
           </a:p>
@@ -5771,7 +6249,7 @@
 </p:sld>
 </file>
 
-<file path=ppt/slides/slide12.xml><?xml version="1.0" encoding="utf-8"?>
+<file path=ppt/slides/slide14.xml><?xml version="1.0" encoding="utf-8"?>
 <p:sld xmlns:a="http://schemas.openxmlformats.org/drawingml/2006/main" xmlns:r="http://schemas.openxmlformats.org/officeDocument/2006/relationships" xmlns:p="http://schemas.openxmlformats.org/presentationml/2006/main">
   <p:cSld>
     <p:spTree>
@@ -5847,7 +6325,7 @@
           <a:p>
             <a:fld id="{7E7C1622-4091-4E7B-99B0-4C976627CE55}" type="slidenum">
               <a:rPr lang="ru-RU" smtClean="0"/>
-              <a:t>12</a:t>
+              <a:t>14</a:t>
             </a:fld>
             <a:endParaRPr lang="ru-RU"/>
           </a:p>
@@ -5873,7 +6351,7 @@
 </p:sld>
 </file>
 
-<file path=ppt/slides/slide13.xml><?xml version="1.0" encoding="utf-8"?>
+<file path=ppt/slides/slide15.xml><?xml version="1.0" encoding="utf-8"?>
 <p:sld xmlns:a="http://schemas.openxmlformats.org/drawingml/2006/main" xmlns:r="http://schemas.openxmlformats.org/officeDocument/2006/relationships" xmlns:p="http://schemas.openxmlformats.org/presentationml/2006/main">
   <p:cSld>
     <p:spTree>
@@ -5956,7 +6434,7 @@
           <a:p>
             <a:fld id="{7E7C1622-4091-4E7B-99B0-4C976627CE55}" type="slidenum">
               <a:rPr lang="ru-RU" smtClean="0"/>
-              <a:t>13</a:t>
+              <a:t>15</a:t>
             </a:fld>
             <a:endParaRPr lang="ru-RU"/>
           </a:p>
@@ -5982,7 +6460,7 @@
 </p:sld>
 </file>
 
-<file path=ppt/slides/slide14.xml><?xml version="1.0" encoding="utf-8"?>
+<file path=ppt/slides/slide16.xml><?xml version="1.0" encoding="utf-8"?>
 <p:sld xmlns:a="http://schemas.openxmlformats.org/drawingml/2006/main" xmlns:r="http://schemas.openxmlformats.org/officeDocument/2006/relationships" xmlns:p="http://schemas.openxmlformats.org/presentationml/2006/main">
   <p:cSld>
     <p:spTree>
@@ -6058,7 +6536,7 @@
           <a:p>
             <a:fld id="{7E7C1622-4091-4E7B-99B0-4C976627CE55}" type="slidenum">
               <a:rPr lang="ru-RU" smtClean="0"/>
-              <a:t>14</a:t>
+              <a:t>16</a:t>
             </a:fld>
             <a:endParaRPr lang="ru-RU"/>
           </a:p>
@@ -7433,7 +7911,19 @@
             </a:r>
             <a:r>
               <a:rPr lang="ru-RU" dirty="0" smtClean="0"/>
-              <a:t>возможность работать с </a:t>
+              <a:t>возможность </a:t>
+            </a:r>
+            <a:r>
+              <a:rPr lang="ru-RU" dirty="0" smtClean="0">
+                <a:solidFill>
+                  <a:srgbClr val="1580D0"/>
+                </a:solidFill>
+              </a:rPr>
+              <a:t>работать</a:t>
+            </a:r>
+            <a:r>
+              <a:rPr lang="ru-RU" dirty="0" smtClean="0"/>
+              <a:t> с </a:t>
             </a:r>
             <a:r>
               <a:rPr lang="ru-RU" dirty="0" smtClean="0">
@@ -7527,753 +8017,6 @@
           <a:chExt cx="0" cy="0"/>
         </a:xfrm>
       </p:grpSpPr>
-      <p:sp>
-        <p:nvSpPr>
-          <p:cNvPr id="2" name="Заголовок 1"/>
-          <p:cNvSpPr>
-            <a:spLocks noGrp="1"/>
-          </p:cNvSpPr>
-          <p:nvPr>
-            <p:ph type="title"/>
-          </p:nvPr>
-        </p:nvSpPr>
-        <p:spPr/>
-        <p:txBody>
-          <a:bodyPr>
-            <a:normAutofit/>
-          </a:bodyPr>
-          <a:lstStyle/>
-          <a:p>
-            <a:r>
-              <a:rPr lang="ru-RU" dirty="0" smtClean="0"/>
-              <a:t>Организация доступа к файловой системе</a:t>
-            </a:r>
-            <a:endParaRPr lang="ru-RU" dirty="0"/>
-          </a:p>
-        </p:txBody>
-      </p:sp>
-      <p:sp>
-        <p:nvSpPr>
-          <p:cNvPr id="4" name="Номер слайда 3"/>
-          <p:cNvSpPr>
-            <a:spLocks noGrp="1"/>
-          </p:cNvSpPr>
-          <p:nvPr>
-            <p:ph type="sldNum" sz="quarter" idx="12"/>
-          </p:nvPr>
-        </p:nvSpPr>
-        <p:spPr/>
-        <p:txBody>
-          <a:bodyPr/>
-          <a:lstStyle/>
-          <a:p>
-            <a:fld id="{7E7C1622-4091-4E7B-99B0-4C976627CE55}" type="slidenum">
-              <a:rPr lang="ru-RU" smtClean="0"/>
-              <a:t>4</a:t>
-            </a:fld>
-            <a:endParaRPr lang="ru-RU"/>
-          </a:p>
-        </p:txBody>
-      </p:sp>
-      <p:sp>
-        <p:nvSpPr>
-          <p:cNvPr id="5" name="Прямоугольник 4"/>
-          <p:cNvSpPr/>
-          <p:nvPr/>
-        </p:nvSpPr>
-        <p:spPr>
-          <a:xfrm>
-            <a:off x="2058740" y="1919705"/>
-            <a:ext cx="1748589" cy="475915"/>
-          </a:xfrm>
-          <a:prstGeom prst="rect">
-            <a:avLst/>
-          </a:prstGeom>
-          <a:noFill/>
-          <a:ln>
-            <a:solidFill>
-              <a:schemeClr val="tx1"/>
-            </a:solidFill>
-          </a:ln>
-        </p:spPr>
-        <p:style>
-          <a:lnRef idx="2">
-            <a:schemeClr val="accent1">
-              <a:shade val="50000"/>
-            </a:schemeClr>
-          </a:lnRef>
-          <a:fillRef idx="1">
-            <a:schemeClr val="accent1"/>
-          </a:fillRef>
-          <a:effectRef idx="0">
-            <a:schemeClr val="accent1"/>
-          </a:effectRef>
-          <a:fontRef idx="minor">
-            <a:schemeClr val="lt1"/>
-          </a:fontRef>
-        </p:style>
-        <p:txBody>
-          <a:bodyPr rtlCol="0" anchor="ctr"/>
-          <a:lstStyle/>
-          <a:p>
-            <a:pPr algn="ctr"/>
-            <a:r>
-              <a:rPr lang="ru-RU" dirty="0" smtClean="0">
-                <a:solidFill>
-                  <a:schemeClr val="tx1"/>
-                </a:solidFill>
-              </a:rPr>
-              <a:t>Приложение</a:t>
-            </a:r>
-            <a:endParaRPr lang="ru-RU" dirty="0">
-              <a:solidFill>
-                <a:schemeClr val="tx1"/>
-              </a:solidFill>
-            </a:endParaRPr>
-          </a:p>
-        </p:txBody>
-      </p:sp>
-      <p:sp>
-        <p:nvSpPr>
-          <p:cNvPr id="6" name="Прямоугольник 5"/>
-          <p:cNvSpPr/>
-          <p:nvPr/>
-        </p:nvSpPr>
-        <p:spPr>
-          <a:xfrm>
-            <a:off x="2058740" y="2930358"/>
-            <a:ext cx="1748589" cy="855203"/>
-          </a:xfrm>
-          <a:prstGeom prst="rect">
-            <a:avLst/>
-          </a:prstGeom>
-          <a:noFill/>
-          <a:ln>
-            <a:solidFill>
-              <a:schemeClr val="tx1"/>
-            </a:solidFill>
-          </a:ln>
-        </p:spPr>
-        <p:style>
-          <a:lnRef idx="2">
-            <a:schemeClr val="accent1">
-              <a:shade val="50000"/>
-            </a:schemeClr>
-          </a:lnRef>
-          <a:fillRef idx="1">
-            <a:schemeClr val="accent1"/>
-          </a:fillRef>
-          <a:effectRef idx="0">
-            <a:schemeClr val="accent1"/>
-          </a:effectRef>
-          <a:fontRef idx="minor">
-            <a:schemeClr val="lt1"/>
-          </a:fontRef>
-        </p:style>
-        <p:txBody>
-          <a:bodyPr rtlCol="0" anchor="ctr"/>
-          <a:lstStyle/>
-          <a:p>
-            <a:pPr algn="ctr"/>
-            <a:r>
-              <a:rPr lang="ru-RU" dirty="0" smtClean="0">
-                <a:solidFill>
-                  <a:schemeClr val="tx1"/>
-                </a:solidFill>
-              </a:rPr>
-              <a:t>Драйвер файловой системы</a:t>
-            </a:r>
-            <a:endParaRPr lang="ru-RU" dirty="0">
-              <a:solidFill>
-                <a:schemeClr val="tx1"/>
-              </a:solidFill>
-            </a:endParaRPr>
-          </a:p>
-        </p:txBody>
-      </p:sp>
-      <p:sp>
-        <p:nvSpPr>
-          <p:cNvPr id="7" name="Прямоугольник 6"/>
-          <p:cNvSpPr/>
-          <p:nvPr/>
-        </p:nvSpPr>
-        <p:spPr>
-          <a:xfrm>
-            <a:off x="2058740" y="4328320"/>
-            <a:ext cx="1748589" cy="475915"/>
-          </a:xfrm>
-          <a:prstGeom prst="rect">
-            <a:avLst/>
-          </a:prstGeom>
-          <a:noFill/>
-          <a:ln>
-            <a:solidFill>
-              <a:schemeClr val="tx1"/>
-            </a:solidFill>
-          </a:ln>
-        </p:spPr>
-        <p:style>
-          <a:lnRef idx="2">
-            <a:schemeClr val="accent1">
-              <a:shade val="50000"/>
-            </a:schemeClr>
-          </a:lnRef>
-          <a:fillRef idx="1">
-            <a:schemeClr val="accent1"/>
-          </a:fillRef>
-          <a:effectRef idx="0">
-            <a:schemeClr val="accent1"/>
-          </a:effectRef>
-          <a:fontRef idx="minor">
-            <a:schemeClr val="lt1"/>
-          </a:fontRef>
-        </p:style>
-        <p:txBody>
-          <a:bodyPr rtlCol="0" anchor="ctr"/>
-          <a:lstStyle/>
-          <a:p>
-            <a:pPr algn="ctr"/>
-            <a:r>
-              <a:rPr lang="ru-RU" dirty="0" smtClean="0">
-                <a:solidFill>
-                  <a:schemeClr val="tx1"/>
-                </a:solidFill>
-              </a:rPr>
-              <a:t>Драйвер устройства</a:t>
-            </a:r>
-            <a:endParaRPr lang="ru-RU" dirty="0">
-              <a:solidFill>
-                <a:schemeClr val="tx1"/>
-              </a:solidFill>
-            </a:endParaRPr>
-          </a:p>
-        </p:txBody>
-      </p:sp>
-      <p:pic>
-        <p:nvPicPr>
-          <p:cNvPr id="1028" name="Picture 4" descr="http://kerneldrivers.com/wp-content/uploads/2014/04/icon-file.png"/>
-          <p:cNvPicPr>
-            <a:picLocks noChangeAspect="1" noChangeArrowheads="1"/>
-          </p:cNvPicPr>
-          <p:nvPr/>
-        </p:nvPicPr>
-        <p:blipFill>
-          <a:blip r:embed="rId2">
-            <a:extLst>
-              <a:ext uri="{28A0092B-C50C-407E-A947-70E740481C1C}">
-                <a14:useLocalDpi xmlns:a14="http://schemas.microsoft.com/office/drawing/2010/main" val="0"/>
-              </a:ext>
-            </a:extLst>
-          </a:blip>
-          <a:srcRect/>
-          <a:stretch>
-            <a:fillRect/>
-          </a:stretch>
-        </p:blipFill>
-        <p:spPr bwMode="auto">
-          <a:xfrm>
-            <a:off x="34756" y="2847619"/>
-            <a:ext cx="1020679" cy="1020679"/>
-          </a:xfrm>
-          <a:prstGeom prst="rect">
-            <a:avLst/>
-          </a:prstGeom>
-          <a:noFill/>
-          <a:extLst>
-            <a:ext uri="{909E8E84-426E-40DD-AFC4-6F175D3DCCD1}">
-              <a14:hiddenFill xmlns:a14="http://schemas.microsoft.com/office/drawing/2010/main">
-                <a:solidFill>
-                  <a:srgbClr val="FFFFFF"/>
-                </a:solidFill>
-              </a14:hiddenFill>
-            </a:ext>
-          </a:extLst>
-        </p:spPr>
-      </p:pic>
-      <p:sp>
-        <p:nvSpPr>
-          <p:cNvPr id="11" name="Прямоугольник 10"/>
-          <p:cNvSpPr/>
-          <p:nvPr/>
-        </p:nvSpPr>
-        <p:spPr>
-          <a:xfrm>
-            <a:off x="7066543" y="2521841"/>
-            <a:ext cx="3997159" cy="1016021"/>
-          </a:xfrm>
-          <a:prstGeom prst="rect">
-            <a:avLst/>
-          </a:prstGeom>
-          <a:noFill/>
-          <a:ln>
-            <a:solidFill>
-              <a:schemeClr val="tx1"/>
-            </a:solidFill>
-          </a:ln>
-        </p:spPr>
-        <p:style>
-          <a:lnRef idx="2">
-            <a:schemeClr val="accent1">
-              <a:shade val="50000"/>
-            </a:schemeClr>
-          </a:lnRef>
-          <a:fillRef idx="1">
-            <a:schemeClr val="accent1"/>
-          </a:fillRef>
-          <a:effectRef idx="0">
-            <a:schemeClr val="accent1"/>
-          </a:effectRef>
-          <a:fontRef idx="minor">
-            <a:schemeClr val="lt1"/>
-          </a:fontRef>
-        </p:style>
-        <p:txBody>
-          <a:bodyPr rtlCol="0" anchor="ctr"/>
-          <a:lstStyle/>
-          <a:p>
-            <a:pPr algn="ctr"/>
-            <a:r>
-              <a:rPr lang="ru-RU" dirty="0" smtClean="0">
-                <a:solidFill>
-                  <a:schemeClr val="tx1"/>
-                </a:solidFill>
-              </a:rPr>
-              <a:t>Низкое качество драйверов</a:t>
-            </a:r>
-          </a:p>
-          <a:p>
-            <a:pPr algn="ctr"/>
-            <a:r>
-              <a:rPr lang="ru-RU" dirty="0" smtClean="0">
-                <a:solidFill>
-                  <a:schemeClr val="tx1"/>
-                </a:solidFill>
-              </a:rPr>
-              <a:t>Ограниченная поддержка ФС</a:t>
-            </a:r>
-          </a:p>
-        </p:txBody>
-      </p:sp>
-      <p:sp>
-        <p:nvSpPr>
-          <p:cNvPr id="12" name="Прямоугольник 11"/>
-          <p:cNvSpPr/>
-          <p:nvPr/>
-        </p:nvSpPr>
-        <p:spPr>
-          <a:xfrm>
-            <a:off x="7066544" y="1605642"/>
-            <a:ext cx="3997159" cy="839935"/>
-          </a:xfrm>
-          <a:prstGeom prst="rect">
-            <a:avLst/>
-          </a:prstGeom>
-          <a:noFill/>
-          <a:ln>
-            <a:solidFill>
-              <a:schemeClr val="tx1"/>
-            </a:solidFill>
-          </a:ln>
-        </p:spPr>
-        <p:style>
-          <a:lnRef idx="2">
-            <a:schemeClr val="accent1">
-              <a:shade val="50000"/>
-            </a:schemeClr>
-          </a:lnRef>
-          <a:fillRef idx="1">
-            <a:schemeClr val="accent1"/>
-          </a:fillRef>
-          <a:effectRef idx="0">
-            <a:schemeClr val="accent1"/>
-          </a:effectRef>
-          <a:fontRef idx="minor">
-            <a:schemeClr val="lt1"/>
-          </a:fontRef>
-        </p:style>
-        <p:txBody>
-          <a:bodyPr rtlCol="0" anchor="ctr"/>
-          <a:lstStyle/>
-          <a:p>
-            <a:pPr algn="ctr"/>
-            <a:r>
-              <a:rPr lang="ru-RU" dirty="0" smtClean="0">
-                <a:solidFill>
-                  <a:schemeClr val="tx1"/>
-                </a:solidFill>
-              </a:rPr>
-              <a:t>Высокая сложность разработки</a:t>
-            </a:r>
-          </a:p>
-          <a:p>
-            <a:pPr algn="ctr"/>
-            <a:r>
-              <a:rPr lang="ru-RU" dirty="0" smtClean="0">
-                <a:solidFill>
-                  <a:schemeClr val="tx1"/>
-                </a:solidFill>
-              </a:rPr>
-              <a:t>Затраты на тестирование</a:t>
-            </a:r>
-          </a:p>
-        </p:txBody>
-      </p:sp>
-      <p:sp>
-        <p:nvSpPr>
-          <p:cNvPr id="13" name="Прямоугольник 12"/>
-          <p:cNvSpPr/>
-          <p:nvPr/>
-        </p:nvSpPr>
-        <p:spPr>
-          <a:xfrm>
-            <a:off x="7066545" y="4475748"/>
-            <a:ext cx="3997159" cy="1526298"/>
-          </a:xfrm>
-          <a:prstGeom prst="rect">
-            <a:avLst/>
-          </a:prstGeom>
-          <a:noFill/>
-          <a:ln>
-            <a:solidFill>
-              <a:schemeClr val="tx1"/>
-            </a:solidFill>
-          </a:ln>
-        </p:spPr>
-        <p:style>
-          <a:lnRef idx="2">
-            <a:schemeClr val="accent1">
-              <a:shade val="50000"/>
-            </a:schemeClr>
-          </a:lnRef>
-          <a:fillRef idx="1">
-            <a:schemeClr val="accent1"/>
-          </a:fillRef>
-          <a:effectRef idx="0">
-            <a:schemeClr val="accent1"/>
-          </a:effectRef>
-          <a:fontRef idx="minor">
-            <a:schemeClr val="lt1"/>
-          </a:fontRef>
-        </p:style>
-        <p:txBody>
-          <a:bodyPr rtlCol="0" anchor="ctr"/>
-          <a:lstStyle/>
-          <a:p>
-            <a:pPr algn="ctr"/>
-            <a:r>
-              <a:rPr lang="ru-RU" dirty="0" smtClean="0">
-                <a:solidFill>
-                  <a:schemeClr val="tx1"/>
-                </a:solidFill>
-              </a:rPr>
-              <a:t>Высокая надежность, эффективность</a:t>
-            </a:r>
-          </a:p>
-          <a:p>
-            <a:pPr algn="ctr"/>
-            <a:r>
-              <a:rPr lang="ru-RU" dirty="0" smtClean="0">
-                <a:solidFill>
-                  <a:schemeClr val="tx1"/>
-                </a:solidFill>
-              </a:rPr>
-              <a:t>Полный доступ к файловой системе</a:t>
-            </a:r>
-          </a:p>
-          <a:p>
-            <a:pPr algn="ctr"/>
-            <a:r>
-              <a:rPr lang="ru-RU" dirty="0" smtClean="0">
-                <a:solidFill>
-                  <a:schemeClr val="tx1"/>
-                </a:solidFill>
-              </a:rPr>
-              <a:t>Поддержка всех файловых систем</a:t>
-            </a:r>
-          </a:p>
-          <a:p>
-            <a:pPr algn="ctr"/>
-            <a:r>
-              <a:rPr lang="ru-RU" dirty="0" smtClean="0">
-                <a:solidFill>
-                  <a:schemeClr val="tx1"/>
-                </a:solidFill>
-              </a:rPr>
-              <a:t>Разработка и тестирование </a:t>
-            </a:r>
-            <a:r>
-              <a:rPr lang="en-US" dirty="0" smtClean="0">
-                <a:solidFill>
-                  <a:schemeClr val="tx1"/>
-                </a:solidFill>
-              </a:rPr>
-              <a:t>Linux</a:t>
-            </a:r>
-            <a:r>
-              <a:rPr lang="ru-RU" dirty="0" smtClean="0">
-                <a:solidFill>
-                  <a:schemeClr val="tx1"/>
-                </a:solidFill>
-              </a:rPr>
-              <a:t>-сообществом</a:t>
-            </a:r>
-            <a:endParaRPr lang="ru-RU" dirty="0">
-              <a:solidFill>
-                <a:schemeClr val="tx1"/>
-              </a:solidFill>
-            </a:endParaRPr>
-          </a:p>
-        </p:txBody>
-      </p:sp>
-      <p:pic>
-        <p:nvPicPr>
-          <p:cNvPr id="1030" name="Picture 6" descr="https://cdn4.iconfinder.com/data/icons/Antares_Complete_Pack/512/Devices/HD%20OpenDrive%20Alt2.png"/>
-          <p:cNvPicPr>
-            <a:picLocks noChangeAspect="1" noChangeArrowheads="1"/>
-          </p:cNvPicPr>
-          <p:nvPr/>
-        </p:nvPicPr>
-        <p:blipFill>
-          <a:blip r:embed="rId3" cstate="print">
-            <a:extLst>
-              <a:ext uri="{28A0092B-C50C-407E-A947-70E740481C1C}">
-                <a14:useLocalDpi xmlns:a14="http://schemas.microsoft.com/office/drawing/2010/main" val="0"/>
-              </a:ext>
-            </a:extLst>
-          </a:blip>
-          <a:srcRect/>
-          <a:stretch>
-            <a:fillRect/>
-          </a:stretch>
-        </p:blipFill>
-        <p:spPr bwMode="auto">
-          <a:xfrm>
-            <a:off x="3640763" y="5490578"/>
-            <a:ext cx="1022935" cy="1022935"/>
-          </a:xfrm>
-          <a:prstGeom prst="rect">
-            <a:avLst/>
-          </a:prstGeom>
-          <a:noFill/>
-          <a:extLst>
-            <a:ext uri="{909E8E84-426E-40DD-AFC4-6F175D3DCCD1}">
-              <a14:hiddenFill xmlns:a14="http://schemas.microsoft.com/office/drawing/2010/main">
-                <a:solidFill>
-                  <a:srgbClr val="FFFFFF"/>
-                </a:solidFill>
-              </a14:hiddenFill>
-            </a:ext>
-          </a:extLst>
-        </p:spPr>
-      </p:pic>
-      <p:pic>
-        <p:nvPicPr>
-          <p:cNvPr id="1032" name="Picture 8" descr="http://freeiconbox.com/icon/256/40097.png"/>
-          <p:cNvPicPr>
-            <a:picLocks noChangeAspect="1" noChangeArrowheads="1"/>
-          </p:cNvPicPr>
-          <p:nvPr/>
-        </p:nvPicPr>
-        <p:blipFill>
-          <a:blip r:embed="rId4">
-            <a:extLst>
-              <a:ext uri="{28A0092B-C50C-407E-A947-70E740481C1C}">
-                <a14:useLocalDpi xmlns:a14="http://schemas.microsoft.com/office/drawing/2010/main" val="0"/>
-              </a:ext>
-            </a:extLst>
-          </a:blip>
-          <a:srcRect/>
-          <a:stretch>
-            <a:fillRect/>
-          </a:stretch>
-        </p:blipFill>
-        <p:spPr bwMode="auto">
-          <a:xfrm>
-            <a:off x="4685880" y="5186570"/>
-            <a:ext cx="1716505" cy="1716505"/>
-          </a:xfrm>
-          <a:prstGeom prst="rect">
-            <a:avLst/>
-          </a:prstGeom>
-          <a:noFill/>
-          <a:extLst>
-            <a:ext uri="{909E8E84-426E-40DD-AFC4-6F175D3DCCD1}">
-              <a14:hiddenFill xmlns:a14="http://schemas.microsoft.com/office/drawing/2010/main">
-                <a:solidFill>
-                  <a:srgbClr val="FFFFFF"/>
-                </a:solidFill>
-              </a14:hiddenFill>
-            </a:ext>
-          </a:extLst>
-        </p:spPr>
-      </p:pic>
-      <p:sp>
-        <p:nvSpPr>
-          <p:cNvPr id="16" name="Прямоугольник 15"/>
-          <p:cNvSpPr/>
-          <p:nvPr/>
-        </p:nvSpPr>
-        <p:spPr>
-          <a:xfrm>
-            <a:off x="7066545" y="6139926"/>
-            <a:ext cx="3997159" cy="552307"/>
-          </a:xfrm>
-          <a:prstGeom prst="rect">
-            <a:avLst/>
-          </a:prstGeom>
-          <a:noFill/>
-          <a:ln>
-            <a:solidFill>
-              <a:schemeClr val="tx1"/>
-            </a:solidFill>
-          </a:ln>
-        </p:spPr>
-        <p:style>
-          <a:lnRef idx="2">
-            <a:schemeClr val="accent1">
-              <a:shade val="50000"/>
-            </a:schemeClr>
-          </a:lnRef>
-          <a:fillRef idx="1">
-            <a:schemeClr val="accent1"/>
-          </a:fillRef>
-          <a:effectRef idx="0">
-            <a:schemeClr val="accent1"/>
-          </a:effectRef>
-          <a:fontRef idx="minor">
-            <a:schemeClr val="lt1"/>
-          </a:fontRef>
-        </p:style>
-        <p:txBody>
-          <a:bodyPr rtlCol="0" anchor="ctr"/>
-          <a:lstStyle/>
-          <a:p>
-            <a:pPr algn="ctr"/>
-            <a:r>
-              <a:rPr lang="ru-RU" dirty="0" smtClean="0">
-                <a:solidFill>
-                  <a:schemeClr val="tx1"/>
-                </a:solidFill>
-              </a:rPr>
-              <a:t>Реализация окружения </a:t>
-            </a:r>
-            <a:r>
-              <a:rPr lang="en-US" dirty="0" smtClean="0">
-                <a:solidFill>
-                  <a:schemeClr val="tx1"/>
-                </a:solidFill>
-              </a:rPr>
-              <a:t>Linux</a:t>
-            </a:r>
-            <a:r>
-              <a:rPr lang="ru-RU" dirty="0" smtClean="0">
-                <a:solidFill>
-                  <a:schemeClr val="tx1"/>
-                </a:solidFill>
-              </a:rPr>
-              <a:t> в </a:t>
-            </a:r>
-            <a:r>
-              <a:rPr lang="en-US" dirty="0" smtClean="0">
-                <a:solidFill>
-                  <a:schemeClr val="tx1"/>
-                </a:solidFill>
-              </a:rPr>
-              <a:t>Windows</a:t>
-            </a:r>
-            <a:endParaRPr lang="ru-RU" dirty="0">
-              <a:solidFill>
-                <a:schemeClr val="tx1"/>
-              </a:solidFill>
-            </a:endParaRPr>
-          </a:p>
-        </p:txBody>
-      </p:sp>
-      <p:sp>
-        <p:nvSpPr>
-          <p:cNvPr id="18" name="Прямоугольник 17"/>
-          <p:cNvSpPr/>
-          <p:nvPr/>
-        </p:nvSpPr>
-        <p:spPr>
-          <a:xfrm>
-            <a:off x="7066542" y="3603551"/>
-            <a:ext cx="3997159" cy="839935"/>
-          </a:xfrm>
-          <a:prstGeom prst="rect">
-            <a:avLst/>
-          </a:prstGeom>
-          <a:noFill/>
-          <a:ln>
-            <a:solidFill>
-              <a:schemeClr val="tx1"/>
-            </a:solidFill>
-          </a:ln>
-        </p:spPr>
-        <p:style>
-          <a:lnRef idx="2">
-            <a:schemeClr val="accent1">
-              <a:shade val="50000"/>
-            </a:schemeClr>
-          </a:lnRef>
-          <a:fillRef idx="1">
-            <a:schemeClr val="accent1"/>
-          </a:fillRef>
-          <a:effectRef idx="0">
-            <a:schemeClr val="accent1"/>
-          </a:effectRef>
-          <a:fontRef idx="minor">
-            <a:schemeClr val="lt1"/>
-          </a:fontRef>
-        </p:style>
-        <p:txBody>
-          <a:bodyPr rtlCol="0" anchor="ctr"/>
-          <a:lstStyle/>
-          <a:p>
-            <a:pPr algn="ctr"/>
-            <a:r>
-              <a:rPr lang="en-US" dirty="0" smtClean="0">
-                <a:solidFill>
-                  <a:schemeClr val="tx1"/>
-                </a:solidFill>
-              </a:rPr>
-              <a:t>N </a:t>
-            </a:r>
-            <a:r>
-              <a:rPr lang="ru-RU" dirty="0" err="1" smtClean="0">
-                <a:solidFill>
-                  <a:schemeClr val="tx1"/>
-                </a:solidFill>
-              </a:rPr>
-              <a:t>файловы</a:t>
-            </a:r>
-            <a:r>
-              <a:rPr lang="ru-RU" dirty="0" smtClean="0">
-                <a:solidFill>
-                  <a:schemeClr val="tx1"/>
-                </a:solidFill>
-              </a:rPr>
-              <a:t> систем – в </a:t>
-            </a:r>
-            <a:r>
-              <a:rPr lang="en-US" dirty="0" smtClean="0">
-                <a:solidFill>
-                  <a:schemeClr val="tx1"/>
-                </a:solidFill>
-              </a:rPr>
-              <a:t>N</a:t>
-            </a:r>
-            <a:r>
-              <a:rPr lang="ru-RU" dirty="0" smtClean="0">
-                <a:solidFill>
-                  <a:schemeClr val="tx1"/>
-                </a:solidFill>
-              </a:rPr>
-              <a:t> раз больше проблем</a:t>
-            </a:r>
-          </a:p>
-        </p:txBody>
-      </p:sp>
       <p:pic>
         <p:nvPicPr>
           <p:cNvPr id="19" name="Picture 4" descr="http://windowsapptutorials.com/wp-content/uploads/2014/12/Windows-8.1.jpg"/>
@@ -8283,7 +8026,7 @@
           <p:nvPr/>
         </p:nvPicPr>
         <p:blipFill rotWithShape="1">
-          <a:blip r:embed="rId5">
+          <a:blip r:embed="rId2">
             <a:extLst>
               <a:ext uri="{28A0092B-C50C-407E-A947-70E740481C1C}">
                 <a14:useLocalDpi xmlns:a14="http://schemas.microsoft.com/office/drawing/2010/main" val="0"/>
@@ -8313,10 +8056,514 @@
           </a:extLst>
         </p:spPr>
       </p:pic>
+      <p:sp>
+        <p:nvSpPr>
+          <p:cNvPr id="2" name="Заголовок 1"/>
+          <p:cNvSpPr>
+            <a:spLocks noGrp="1"/>
+          </p:cNvSpPr>
+          <p:nvPr>
+            <p:ph type="title"/>
+          </p:nvPr>
+        </p:nvSpPr>
+        <p:spPr/>
+        <p:txBody>
+          <a:bodyPr>
+            <a:normAutofit/>
+          </a:bodyPr>
+          <a:lstStyle/>
+          <a:p>
+            <a:r>
+              <a:rPr lang="ru-RU" dirty="0" smtClean="0">
+                <a:solidFill>
+                  <a:schemeClr val="bg1"/>
+                </a:solidFill>
+              </a:rPr>
+              <a:t>Организация доступа к файловой системе</a:t>
+            </a:r>
+            <a:endParaRPr lang="ru-RU" dirty="0">
+              <a:solidFill>
+                <a:schemeClr val="bg1"/>
+              </a:solidFill>
+            </a:endParaRPr>
+          </a:p>
+        </p:txBody>
+      </p:sp>
+      <p:sp>
+        <p:nvSpPr>
+          <p:cNvPr id="4" name="Номер слайда 3"/>
+          <p:cNvSpPr>
+            <a:spLocks noGrp="1"/>
+          </p:cNvSpPr>
+          <p:nvPr>
+            <p:ph type="sldNum" sz="quarter" idx="12"/>
+          </p:nvPr>
+        </p:nvSpPr>
+        <p:spPr>
+          <a:xfrm>
+            <a:off x="9242612" y="6414885"/>
+            <a:ext cx="2743200" cy="365125"/>
+          </a:xfrm>
+        </p:spPr>
+        <p:txBody>
+          <a:bodyPr/>
+          <a:lstStyle/>
+          <a:p>
+            <a:fld id="{7E7C1622-4091-4E7B-99B0-4C976627CE55}" type="slidenum">
+              <a:rPr lang="ru-RU" smtClean="0"/>
+              <a:t>4</a:t>
+            </a:fld>
+            <a:endParaRPr lang="ru-RU" dirty="0"/>
+          </a:p>
+        </p:txBody>
+      </p:sp>
+      <p:sp>
+        <p:nvSpPr>
+          <p:cNvPr id="5" name="Прямоугольник 4"/>
+          <p:cNvSpPr/>
+          <p:nvPr/>
+        </p:nvSpPr>
+        <p:spPr>
+          <a:xfrm>
+            <a:off x="2058740" y="1919705"/>
+            <a:ext cx="1748589" cy="475915"/>
+          </a:xfrm>
+          <a:prstGeom prst="rect">
+            <a:avLst/>
+          </a:prstGeom>
+          <a:ln w="28575"/>
+        </p:spPr>
+        <p:style>
+          <a:lnRef idx="2">
+            <a:schemeClr val="accent5"/>
+          </a:lnRef>
+          <a:fillRef idx="1">
+            <a:schemeClr val="lt1"/>
+          </a:fillRef>
+          <a:effectRef idx="0">
+            <a:schemeClr val="accent5"/>
+          </a:effectRef>
+          <a:fontRef idx="minor">
+            <a:schemeClr val="dk1"/>
+          </a:fontRef>
+        </p:style>
+        <p:txBody>
+          <a:bodyPr rtlCol="0" anchor="ctr"/>
+          <a:lstStyle/>
+          <a:p>
+            <a:pPr algn="ctr"/>
+            <a:r>
+              <a:rPr lang="ru-RU" dirty="0" smtClean="0">
+                <a:solidFill>
+                  <a:schemeClr val="tx1"/>
+                </a:solidFill>
+              </a:rPr>
+              <a:t>Приложение</a:t>
+            </a:r>
+            <a:endParaRPr lang="ru-RU" dirty="0">
+              <a:solidFill>
+                <a:schemeClr val="tx1"/>
+              </a:solidFill>
+            </a:endParaRPr>
+          </a:p>
+        </p:txBody>
+      </p:sp>
+      <p:sp>
+        <p:nvSpPr>
+          <p:cNvPr id="6" name="Прямоугольник 5"/>
+          <p:cNvSpPr/>
+          <p:nvPr/>
+        </p:nvSpPr>
+        <p:spPr>
+          <a:xfrm>
+            <a:off x="1851216" y="3376174"/>
+            <a:ext cx="2163636" cy="855203"/>
+          </a:xfrm>
+          <a:prstGeom prst="rect">
+            <a:avLst/>
+          </a:prstGeom>
+          <a:ln w="28575"/>
+        </p:spPr>
+        <p:style>
+          <a:lnRef idx="2">
+            <a:schemeClr val="accent5"/>
+          </a:lnRef>
+          <a:fillRef idx="1">
+            <a:schemeClr val="lt1"/>
+          </a:fillRef>
+          <a:effectRef idx="0">
+            <a:schemeClr val="accent5"/>
+          </a:effectRef>
+          <a:fontRef idx="minor">
+            <a:schemeClr val="dk1"/>
+          </a:fontRef>
+        </p:style>
+        <p:txBody>
+          <a:bodyPr rtlCol="0" anchor="ctr"/>
+          <a:lstStyle/>
+          <a:p>
+            <a:pPr algn="ctr"/>
+            <a:r>
+              <a:rPr lang="ru-RU" dirty="0" smtClean="0">
+                <a:solidFill>
+                  <a:schemeClr val="tx1"/>
+                </a:solidFill>
+              </a:rPr>
+              <a:t>Драйвер</a:t>
+            </a:r>
+          </a:p>
+          <a:p>
+            <a:pPr algn="ctr"/>
+            <a:r>
+              <a:rPr lang="ru-RU" dirty="0" smtClean="0">
+                <a:solidFill>
+                  <a:schemeClr val="tx1"/>
+                </a:solidFill>
+              </a:rPr>
+              <a:t>файловой системы</a:t>
+            </a:r>
+            <a:endParaRPr lang="ru-RU" dirty="0">
+              <a:solidFill>
+                <a:schemeClr val="tx1"/>
+              </a:solidFill>
+            </a:endParaRPr>
+          </a:p>
+        </p:txBody>
+      </p:sp>
+      <p:sp>
+        <p:nvSpPr>
+          <p:cNvPr id="7" name="Прямоугольник 6"/>
+          <p:cNvSpPr/>
+          <p:nvPr/>
+        </p:nvSpPr>
+        <p:spPr>
+          <a:xfrm>
+            <a:off x="1918451" y="4657778"/>
+            <a:ext cx="2029166" cy="633645"/>
+          </a:xfrm>
+          <a:prstGeom prst="rect">
+            <a:avLst/>
+          </a:prstGeom>
+          <a:ln w="28575"/>
+        </p:spPr>
+        <p:style>
+          <a:lnRef idx="2">
+            <a:schemeClr val="accent5"/>
+          </a:lnRef>
+          <a:fillRef idx="1">
+            <a:schemeClr val="lt1"/>
+          </a:fillRef>
+          <a:effectRef idx="0">
+            <a:schemeClr val="accent5"/>
+          </a:effectRef>
+          <a:fontRef idx="minor">
+            <a:schemeClr val="dk1"/>
+          </a:fontRef>
+        </p:style>
+        <p:txBody>
+          <a:bodyPr rtlCol="0" anchor="ctr"/>
+          <a:lstStyle/>
+          <a:p>
+            <a:pPr algn="ctr"/>
+            <a:r>
+              <a:rPr lang="ru-RU" dirty="0" smtClean="0">
+                <a:solidFill>
+                  <a:schemeClr val="tx1"/>
+                </a:solidFill>
+              </a:rPr>
+              <a:t>Драйвер устройства</a:t>
+            </a:r>
+            <a:endParaRPr lang="ru-RU" dirty="0">
+              <a:solidFill>
+                <a:schemeClr val="tx1"/>
+              </a:solidFill>
+            </a:endParaRPr>
+          </a:p>
+        </p:txBody>
+      </p:sp>
+      <p:pic>
+        <p:nvPicPr>
+          <p:cNvPr id="1028" name="Picture 4" descr="http://kerneldrivers.com/wp-content/uploads/2014/04/icon-file.png"/>
+          <p:cNvPicPr>
+            <a:picLocks noChangeAspect="1" noChangeArrowheads="1"/>
+          </p:cNvPicPr>
+          <p:nvPr/>
+        </p:nvPicPr>
+        <p:blipFill>
+          <a:blip r:embed="rId3">
+            <a:duotone>
+              <a:schemeClr val="accent5">
+                <a:shade val="45000"/>
+                <a:satMod val="135000"/>
+              </a:schemeClr>
+              <a:prstClr val="white"/>
+            </a:duotone>
+            <a:extLst>
+              <a:ext uri="{28A0092B-C50C-407E-A947-70E740481C1C}">
+                <a14:useLocalDpi xmlns:a14="http://schemas.microsoft.com/office/drawing/2010/main" val="0"/>
+              </a:ext>
+            </a:extLst>
+          </a:blip>
+          <a:srcRect/>
+          <a:stretch>
+            <a:fillRect/>
+          </a:stretch>
+        </p:blipFill>
+        <p:spPr bwMode="auto">
+          <a:xfrm>
+            <a:off x="355940" y="1647322"/>
+            <a:ext cx="1020679" cy="1020679"/>
+          </a:xfrm>
+          <a:prstGeom prst="rect">
+            <a:avLst/>
+          </a:prstGeom>
+          <a:noFill/>
+          <a:extLst>
+            <a:ext uri="{909E8E84-426E-40DD-AFC4-6F175D3DCCD1}">
+              <a14:hiddenFill xmlns:a14="http://schemas.microsoft.com/office/drawing/2010/main">
+                <a:solidFill>
+                  <a:srgbClr val="FFFFFF"/>
+                </a:solidFill>
+              </a14:hiddenFill>
+            </a:ext>
+          </a:extLst>
+        </p:spPr>
+      </p:pic>
+      <p:pic>
+        <p:nvPicPr>
+          <p:cNvPr id="1032" name="Picture 8" descr="http://freeiconbox.com/icon/256/40097.png"/>
+          <p:cNvPicPr>
+            <a:picLocks noChangeAspect="1" noChangeArrowheads="1"/>
+          </p:cNvPicPr>
+          <p:nvPr/>
+        </p:nvPicPr>
+        <p:blipFill rotWithShape="1">
+          <a:blip r:embed="rId4">
+            <a:duotone>
+              <a:schemeClr val="accent5">
+                <a:shade val="45000"/>
+                <a:satMod val="135000"/>
+              </a:schemeClr>
+              <a:prstClr val="white"/>
+            </a:duotone>
+            <a:extLst>
+              <a:ext uri="{28A0092B-C50C-407E-A947-70E740481C1C}">
+                <a14:useLocalDpi xmlns:a14="http://schemas.microsoft.com/office/drawing/2010/main" val="0"/>
+              </a:ext>
+            </a:extLst>
+          </a:blip>
+          <a:srcRect l="28438" t="21939" r="28303" b="21817"/>
+          <a:stretch/>
+        </p:blipFill>
+        <p:spPr bwMode="auto">
+          <a:xfrm>
+            <a:off x="2575112" y="5701556"/>
+            <a:ext cx="726141" cy="948019"/>
+          </a:xfrm>
+          <a:prstGeom prst="rect">
+            <a:avLst/>
+          </a:prstGeom>
+          <a:noFill/>
+          <a:extLst>
+            <a:ext uri="{909E8E84-426E-40DD-AFC4-6F175D3DCCD1}">
+              <a14:hiddenFill xmlns:a14="http://schemas.microsoft.com/office/drawing/2010/main">
+                <a:solidFill>
+                  <a:srgbClr val="FFFFFF"/>
+                </a:solidFill>
+              </a14:hiddenFill>
+            </a:ext>
+          </a:extLst>
+        </p:spPr>
+      </p:pic>
+      <p:cxnSp>
+        <p:nvCxnSpPr>
+          <p:cNvPr id="14" name="Прямая соединительная линия 13"/>
+          <p:cNvCxnSpPr>
+            <a:stCxn id="6" idx="2"/>
+            <a:endCxn id="7" idx="0"/>
+          </p:cNvCxnSpPr>
+          <p:nvPr/>
+        </p:nvCxnSpPr>
+        <p:spPr>
+          <a:xfrm>
+            <a:off x="2933034" y="4231377"/>
+            <a:ext cx="0" cy="426401"/>
+          </a:xfrm>
+          <a:prstGeom prst="line">
+            <a:avLst/>
+          </a:prstGeom>
+          <a:ln w="19050">
+            <a:headEnd type="triangle" w="med" len="med"/>
+            <a:tailEnd type="triangle" w="med" len="med"/>
+          </a:ln>
+        </p:spPr>
+        <p:style>
+          <a:lnRef idx="1">
+            <a:schemeClr val="accent1"/>
+          </a:lnRef>
+          <a:fillRef idx="0">
+            <a:schemeClr val="accent1"/>
+          </a:fillRef>
+          <a:effectRef idx="0">
+            <a:schemeClr val="accent1"/>
+          </a:effectRef>
+          <a:fontRef idx="minor">
+            <a:schemeClr val="tx1"/>
+          </a:fontRef>
+        </p:style>
+      </p:cxnSp>
+      <p:cxnSp>
+        <p:nvCxnSpPr>
+          <p:cNvPr id="17" name="Прямая соединительная линия 16"/>
+          <p:cNvCxnSpPr>
+            <a:stCxn id="5" idx="2"/>
+            <a:endCxn id="6" idx="0"/>
+          </p:cNvCxnSpPr>
+          <p:nvPr/>
+        </p:nvCxnSpPr>
+        <p:spPr>
+          <a:xfrm flipH="1">
+            <a:off x="2933034" y="2395620"/>
+            <a:ext cx="1" cy="980554"/>
+          </a:xfrm>
+          <a:prstGeom prst="line">
+            <a:avLst/>
+          </a:prstGeom>
+          <a:ln w="19050">
+            <a:headEnd type="none" w="med" len="med"/>
+            <a:tailEnd type="triangle" w="med" len="med"/>
+          </a:ln>
+        </p:spPr>
+        <p:style>
+          <a:lnRef idx="1">
+            <a:schemeClr val="accent1"/>
+          </a:lnRef>
+          <a:fillRef idx="0">
+            <a:schemeClr val="accent1"/>
+          </a:fillRef>
+          <a:effectRef idx="0">
+            <a:schemeClr val="accent1"/>
+          </a:effectRef>
+          <a:fontRef idx="minor">
+            <a:schemeClr val="tx1"/>
+          </a:fontRef>
+        </p:style>
+      </p:cxnSp>
+      <p:cxnSp>
+        <p:nvCxnSpPr>
+          <p:cNvPr id="21" name="Прямая соединительная линия 20"/>
+          <p:cNvCxnSpPr>
+            <a:stCxn id="7" idx="2"/>
+            <a:endCxn id="1032" idx="0"/>
+          </p:cNvCxnSpPr>
+          <p:nvPr/>
+        </p:nvCxnSpPr>
+        <p:spPr>
+          <a:xfrm>
+            <a:off x="2933034" y="5291423"/>
+            <a:ext cx="5149" cy="410133"/>
+          </a:xfrm>
+          <a:prstGeom prst="line">
+            <a:avLst/>
+          </a:prstGeom>
+          <a:ln w="19050">
+            <a:headEnd type="triangle" w="med" len="med"/>
+            <a:tailEnd type="triangle" w="med" len="med"/>
+          </a:ln>
+        </p:spPr>
+        <p:style>
+          <a:lnRef idx="1">
+            <a:schemeClr val="accent1"/>
+          </a:lnRef>
+          <a:fillRef idx="0">
+            <a:schemeClr val="accent1"/>
+          </a:fillRef>
+          <a:effectRef idx="0">
+            <a:schemeClr val="accent1"/>
+          </a:effectRef>
+          <a:fontRef idx="minor">
+            <a:schemeClr val="tx1"/>
+          </a:fontRef>
+        </p:style>
+      </p:cxnSp>
+      <p:cxnSp>
+        <p:nvCxnSpPr>
+          <p:cNvPr id="27" name="Соединительная линия уступом 26"/>
+          <p:cNvCxnSpPr>
+            <a:stCxn id="6" idx="1"/>
+            <a:endCxn id="1028" idx="2"/>
+          </p:cNvCxnSpPr>
+          <p:nvPr/>
+        </p:nvCxnSpPr>
+        <p:spPr>
+          <a:xfrm rot="10800000">
+            <a:off x="866280" y="2668002"/>
+            <a:ext cx="984936" cy="1135775"/>
+          </a:xfrm>
+          <a:prstGeom prst="bentConnector2">
+            <a:avLst/>
+          </a:prstGeom>
+          <a:ln w="19050">
+            <a:prstDash val="dash"/>
+            <a:tailEnd type="triangle"/>
+          </a:ln>
+        </p:spPr>
+        <p:style>
+          <a:lnRef idx="1">
+            <a:schemeClr val="accent1"/>
+          </a:lnRef>
+          <a:fillRef idx="0">
+            <a:schemeClr val="accent1"/>
+          </a:fillRef>
+          <a:effectRef idx="0">
+            <a:schemeClr val="accent1"/>
+          </a:effectRef>
+          <a:fontRef idx="minor">
+            <a:schemeClr val="tx1"/>
+          </a:fontRef>
+        </p:style>
+      </p:cxnSp>
+      <p:cxnSp>
+        <p:nvCxnSpPr>
+          <p:cNvPr id="29" name="Прямая со стрелкой 28"/>
+          <p:cNvCxnSpPr>
+            <a:stCxn id="1028" idx="3"/>
+            <a:endCxn id="5" idx="1"/>
+          </p:cNvCxnSpPr>
+          <p:nvPr/>
+        </p:nvCxnSpPr>
+        <p:spPr>
+          <a:xfrm>
+            <a:off x="1376619" y="2157662"/>
+            <a:ext cx="682121" cy="1"/>
+          </a:xfrm>
+          <a:prstGeom prst="straightConnector1">
+            <a:avLst/>
+          </a:prstGeom>
+          <a:ln w="19050">
+            <a:prstDash val="dash"/>
+            <a:tailEnd type="triangle"/>
+          </a:ln>
+        </p:spPr>
+        <p:style>
+          <a:lnRef idx="1">
+            <a:schemeClr val="accent1"/>
+          </a:lnRef>
+          <a:fillRef idx="0">
+            <a:schemeClr val="accent1"/>
+          </a:fillRef>
+          <a:effectRef idx="0">
+            <a:schemeClr val="accent1"/>
+          </a:effectRef>
+          <a:fontRef idx="minor">
+            <a:schemeClr val="tx1"/>
+          </a:fontRef>
+        </p:style>
+      </p:cxnSp>
     </p:spTree>
     <p:extLst>
       <p:ext uri="{BB962C8B-B14F-4D97-AF65-F5344CB8AC3E}">
-        <p14:creationId xmlns:p14="http://schemas.microsoft.com/office/powerpoint/2010/main" val="1516749049"/>
+        <p14:creationId xmlns:p14="http://schemas.microsoft.com/office/powerpoint/2010/main" val="2664064400"/>
       </p:ext>
     </p:extLst>
   </p:cSld>
@@ -8350,6 +8597,45 @@
           <a:chExt cx="0" cy="0"/>
         </a:xfrm>
       </p:grpSpPr>
+      <p:pic>
+        <p:nvPicPr>
+          <p:cNvPr id="19" name="Picture 4" descr="http://windowsapptutorials.com/wp-content/uploads/2014/12/Windows-8.1.jpg"/>
+          <p:cNvPicPr>
+            <a:picLocks noChangeAspect="1" noChangeArrowheads="1"/>
+          </p:cNvPicPr>
+          <p:nvPr/>
+        </p:nvPicPr>
+        <p:blipFill rotWithShape="1">
+          <a:blip r:embed="rId2">
+            <a:extLst>
+              <a:ext uri="{28A0092B-C50C-407E-A947-70E740481C1C}">
+                <a14:useLocalDpi xmlns:a14="http://schemas.microsoft.com/office/drawing/2010/main" val="0"/>
+              </a:ext>
+            </a:extLst>
+          </a:blip>
+          <a:srcRect l="-426" t="189" r="426" b="72317"/>
+          <a:stretch/>
+        </p:blipFill>
+        <p:spPr bwMode="auto">
+          <a:xfrm rot="10800000">
+            <a:off x="-6720" y="134472"/>
+            <a:ext cx="12265959" cy="1311088"/>
+          </a:xfrm>
+          <a:prstGeom prst="rect">
+            <a:avLst/>
+          </a:prstGeom>
+          <a:noFill/>
+          <a:extLst>
+            <a:ext uri="{909E8E84-426E-40DD-AFC4-6F175D3DCCD1}">
+              <a14:hiddenFill xmlns:a14="http://schemas.microsoft.com/office/drawing/2010/main">
+                <a:solidFill>
+                  <a:srgbClr val="FFFFFF"/>
+                </a:solidFill>
+              </a14:hiddenFill>
+            </a:ext>
+          </a:extLst>
+        </p:spPr>
+      </p:pic>
       <p:sp>
         <p:nvSpPr>
           <p:cNvPr id="2" name="Заголовок 1"/>
@@ -8362,14 +8648,24 @@
         </p:nvSpPr>
         <p:spPr/>
         <p:txBody>
-          <a:bodyPr/>
+          <a:bodyPr>
+            <a:normAutofit/>
+          </a:bodyPr>
           <a:lstStyle/>
           <a:p>
             <a:r>
-              <a:rPr lang="ru-RU" dirty="0" smtClean="0"/>
-              <a:t>Архитектура</a:t>
-            </a:r>
-            <a:endParaRPr lang="ru-RU" dirty="0"/>
+              <a:rPr lang="ru-RU" dirty="0" smtClean="0">
+                <a:solidFill>
+                  <a:schemeClr val="bg1"/>
+                </a:solidFill>
+              </a:rPr>
+              <a:t>Организация доступа к файловой системе</a:t>
+            </a:r>
+            <a:endParaRPr lang="ru-RU" dirty="0">
+              <a:solidFill>
+                <a:schemeClr val="bg1"/>
+              </a:solidFill>
+            </a:endParaRPr>
           </a:p>
         </p:txBody>
       </p:sp>
@@ -8383,7 +8679,12 @@
             <p:ph type="sldNum" sz="quarter" idx="12"/>
           </p:nvPr>
         </p:nvSpPr>
-        <p:spPr/>
+        <p:spPr>
+          <a:xfrm>
+            <a:off x="9242612" y="6414885"/>
+            <a:ext cx="2743200" cy="365125"/>
+          </a:xfrm>
+        </p:spPr>
         <p:txBody>
           <a:bodyPr/>
           <a:lstStyle/>
@@ -8392,7 +8693,58 @@
               <a:rPr lang="ru-RU" smtClean="0"/>
               <a:t>5</a:t>
             </a:fld>
-            <a:endParaRPr lang="ru-RU"/>
+            <a:endParaRPr lang="ru-RU" dirty="0"/>
+          </a:p>
+        </p:txBody>
+      </p:sp>
+      <p:sp>
+        <p:nvSpPr>
+          <p:cNvPr id="5" name="Прямоугольник 4"/>
+          <p:cNvSpPr/>
+          <p:nvPr/>
+        </p:nvSpPr>
+        <p:spPr>
+          <a:xfrm>
+            <a:off x="2058740" y="1919705"/>
+            <a:ext cx="1748589" cy="475915"/>
+          </a:xfrm>
+          <a:prstGeom prst="rect">
+            <a:avLst/>
+          </a:prstGeom>
+          <a:ln w="28575"/>
+        </p:spPr>
+        <p:style>
+          <a:lnRef idx="2">
+            <a:schemeClr val="accent5"/>
+          </a:lnRef>
+          <a:fillRef idx="1">
+            <a:schemeClr val="lt1"/>
+          </a:fillRef>
+          <a:effectRef idx="0">
+            <a:schemeClr val="accent5"/>
+          </a:effectRef>
+          <a:fontRef idx="minor">
+            <a:schemeClr val="dk1"/>
+          </a:fontRef>
+        </p:style>
+        <p:txBody>
+          <a:bodyPr rtlCol="0" anchor="ctr"/>
+          <a:lstStyle/>
+          <a:p>
+            <a:pPr algn="ctr"/>
+            <a:r>
+              <a:rPr lang="ru-RU" dirty="0" smtClean="0">
+                <a:solidFill>
+                  <a:schemeClr val="tx1"/>
+                </a:solidFill>
+              </a:rPr>
+              <a:t>Приложение</a:t>
+            </a:r>
+            <a:endParaRPr lang="ru-RU" dirty="0">
+              <a:solidFill>
+                <a:schemeClr val="tx1"/>
+              </a:solidFill>
+            </a:endParaRPr>
           </a:p>
         </p:txBody>
       </p:sp>
@@ -8404,17 +8756,479 @@
         </p:nvSpPr>
         <p:spPr>
           <a:xfrm>
-            <a:off x="1705811" y="3780589"/>
-            <a:ext cx="2213810" cy="914400"/>
+            <a:off x="1851216" y="3376174"/>
+            <a:ext cx="2163636" cy="855203"/>
+          </a:xfrm>
+          <a:prstGeom prst="rect">
+            <a:avLst/>
+          </a:prstGeom>
+          <a:ln w="28575"/>
+        </p:spPr>
+        <p:style>
+          <a:lnRef idx="2">
+            <a:schemeClr val="accent5"/>
+          </a:lnRef>
+          <a:fillRef idx="1">
+            <a:schemeClr val="lt1"/>
+          </a:fillRef>
+          <a:effectRef idx="0">
+            <a:schemeClr val="accent5"/>
+          </a:effectRef>
+          <a:fontRef idx="minor">
+            <a:schemeClr val="dk1"/>
+          </a:fontRef>
+        </p:style>
+        <p:txBody>
+          <a:bodyPr rtlCol="0" anchor="ctr"/>
+          <a:lstStyle/>
+          <a:p>
+            <a:pPr algn="ctr"/>
+            <a:r>
+              <a:rPr lang="ru-RU" dirty="0" smtClean="0">
+                <a:solidFill>
+                  <a:schemeClr val="tx1"/>
+                </a:solidFill>
+              </a:rPr>
+              <a:t>Драйвер</a:t>
+            </a:r>
+          </a:p>
+          <a:p>
+            <a:pPr algn="ctr"/>
+            <a:r>
+              <a:rPr lang="ru-RU" dirty="0" smtClean="0">
+                <a:solidFill>
+                  <a:schemeClr val="tx1"/>
+                </a:solidFill>
+              </a:rPr>
+              <a:t>файловой системы</a:t>
+            </a:r>
+            <a:endParaRPr lang="ru-RU" dirty="0">
+              <a:solidFill>
+                <a:schemeClr val="tx1"/>
+              </a:solidFill>
+            </a:endParaRPr>
+          </a:p>
+        </p:txBody>
+      </p:sp>
+      <p:sp>
+        <p:nvSpPr>
+          <p:cNvPr id="7" name="Прямоугольник 6"/>
+          <p:cNvSpPr/>
+          <p:nvPr/>
+        </p:nvSpPr>
+        <p:spPr>
+          <a:xfrm>
+            <a:off x="1918451" y="4657778"/>
+            <a:ext cx="2029166" cy="633645"/>
+          </a:xfrm>
+          <a:prstGeom prst="rect">
+            <a:avLst/>
+          </a:prstGeom>
+          <a:ln w="28575"/>
+        </p:spPr>
+        <p:style>
+          <a:lnRef idx="2">
+            <a:schemeClr val="accent5"/>
+          </a:lnRef>
+          <a:fillRef idx="1">
+            <a:schemeClr val="lt1"/>
+          </a:fillRef>
+          <a:effectRef idx="0">
+            <a:schemeClr val="accent5"/>
+          </a:effectRef>
+          <a:fontRef idx="minor">
+            <a:schemeClr val="dk1"/>
+          </a:fontRef>
+        </p:style>
+        <p:txBody>
+          <a:bodyPr rtlCol="0" anchor="ctr"/>
+          <a:lstStyle/>
+          <a:p>
+            <a:pPr algn="ctr"/>
+            <a:r>
+              <a:rPr lang="ru-RU" dirty="0" smtClean="0">
+                <a:solidFill>
+                  <a:schemeClr val="tx1"/>
+                </a:solidFill>
+              </a:rPr>
+              <a:t>Драйвер устройства</a:t>
+            </a:r>
+            <a:endParaRPr lang="ru-RU" dirty="0">
+              <a:solidFill>
+                <a:schemeClr val="tx1"/>
+              </a:solidFill>
+            </a:endParaRPr>
+          </a:p>
+        </p:txBody>
+      </p:sp>
+      <p:pic>
+        <p:nvPicPr>
+          <p:cNvPr id="1028" name="Picture 4" descr="http://kerneldrivers.com/wp-content/uploads/2014/04/icon-file.png"/>
+          <p:cNvPicPr>
+            <a:picLocks noChangeAspect="1" noChangeArrowheads="1"/>
+          </p:cNvPicPr>
+          <p:nvPr/>
+        </p:nvPicPr>
+        <p:blipFill>
+          <a:blip r:embed="rId3">
+            <a:duotone>
+              <a:schemeClr val="accent5">
+                <a:shade val="45000"/>
+                <a:satMod val="135000"/>
+              </a:schemeClr>
+              <a:prstClr val="white"/>
+            </a:duotone>
+            <a:extLst>
+              <a:ext uri="{28A0092B-C50C-407E-A947-70E740481C1C}">
+                <a14:useLocalDpi xmlns:a14="http://schemas.microsoft.com/office/drawing/2010/main" val="0"/>
+              </a:ext>
+            </a:extLst>
+          </a:blip>
+          <a:srcRect/>
+          <a:stretch>
+            <a:fillRect/>
+          </a:stretch>
+        </p:blipFill>
+        <p:spPr bwMode="auto">
+          <a:xfrm>
+            <a:off x="355940" y="1647322"/>
+            <a:ext cx="1020679" cy="1020679"/>
+          </a:xfrm>
+          <a:prstGeom prst="rect">
+            <a:avLst/>
+          </a:prstGeom>
+          <a:noFill/>
+          <a:extLst>
+            <a:ext uri="{909E8E84-426E-40DD-AFC4-6F175D3DCCD1}">
+              <a14:hiddenFill xmlns:a14="http://schemas.microsoft.com/office/drawing/2010/main">
+                <a:solidFill>
+                  <a:srgbClr val="FFFFFF"/>
+                </a:solidFill>
+              </a14:hiddenFill>
+            </a:ext>
+          </a:extLst>
+        </p:spPr>
+      </p:pic>
+      <p:pic>
+        <p:nvPicPr>
+          <p:cNvPr id="1032" name="Picture 8" descr="http://freeiconbox.com/icon/256/40097.png"/>
+          <p:cNvPicPr>
+            <a:picLocks noChangeAspect="1" noChangeArrowheads="1"/>
+          </p:cNvPicPr>
+          <p:nvPr/>
+        </p:nvPicPr>
+        <p:blipFill rotWithShape="1">
+          <a:blip r:embed="rId4">
+            <a:duotone>
+              <a:schemeClr val="accent5">
+                <a:shade val="45000"/>
+                <a:satMod val="135000"/>
+              </a:schemeClr>
+              <a:prstClr val="white"/>
+            </a:duotone>
+            <a:extLst>
+              <a:ext uri="{28A0092B-C50C-407E-A947-70E740481C1C}">
+                <a14:useLocalDpi xmlns:a14="http://schemas.microsoft.com/office/drawing/2010/main" val="0"/>
+              </a:ext>
+            </a:extLst>
+          </a:blip>
+          <a:srcRect l="28438" t="21939" r="28303" b="21817"/>
+          <a:stretch/>
+        </p:blipFill>
+        <p:spPr bwMode="auto">
+          <a:xfrm>
+            <a:off x="2575112" y="5701556"/>
+            <a:ext cx="726141" cy="948019"/>
+          </a:xfrm>
+          <a:prstGeom prst="rect">
+            <a:avLst/>
+          </a:prstGeom>
+          <a:noFill/>
+          <a:extLst>
+            <a:ext uri="{909E8E84-426E-40DD-AFC4-6F175D3DCCD1}">
+              <a14:hiddenFill xmlns:a14="http://schemas.microsoft.com/office/drawing/2010/main">
+                <a:solidFill>
+                  <a:srgbClr val="FFFFFF"/>
+                </a:solidFill>
+              </a14:hiddenFill>
+            </a:ext>
+          </a:extLst>
+        </p:spPr>
+      </p:pic>
+      <p:sp>
+        <p:nvSpPr>
+          <p:cNvPr id="18" name="Прямоугольник 17"/>
+          <p:cNvSpPr/>
+          <p:nvPr/>
+        </p:nvSpPr>
+        <p:spPr>
+          <a:xfrm>
+            <a:off x="5909983" y="3983716"/>
+            <a:ext cx="5153718" cy="386125"/>
+          </a:xfrm>
+          <a:prstGeom prst="rect">
+            <a:avLst/>
+          </a:prstGeom>
+          <a:ln w="19050">
+            <a:prstDash val="dash"/>
+          </a:ln>
+        </p:spPr>
+        <p:style>
+          <a:lnRef idx="2">
+            <a:schemeClr val="accent5"/>
+          </a:lnRef>
+          <a:fillRef idx="1">
+            <a:schemeClr val="lt1"/>
+          </a:fillRef>
+          <a:effectRef idx="0">
+            <a:schemeClr val="accent5"/>
+          </a:effectRef>
+          <a:fontRef idx="minor">
+            <a:schemeClr val="dk1"/>
+          </a:fontRef>
+        </p:style>
+        <p:txBody>
+          <a:bodyPr rtlCol="0" anchor="ctr"/>
+          <a:lstStyle/>
+          <a:p>
+            <a:pPr algn="ctr"/>
+            <a:r>
+              <a:rPr lang="en-US" b="1" dirty="0" smtClean="0">
+                <a:solidFill>
+                  <a:schemeClr val="tx1"/>
+                </a:solidFill>
+              </a:rPr>
+              <a:t>N </a:t>
+            </a:r>
+            <a:r>
+              <a:rPr lang="ru-RU" b="1" dirty="0" smtClean="0">
+                <a:solidFill>
+                  <a:schemeClr val="tx1"/>
+                </a:solidFill>
+              </a:rPr>
+              <a:t>файловых систем – в </a:t>
+            </a:r>
+            <a:r>
+              <a:rPr lang="en-US" b="1" dirty="0" smtClean="0">
+                <a:solidFill>
+                  <a:schemeClr val="tx1"/>
+                </a:solidFill>
+              </a:rPr>
+              <a:t>N</a:t>
+            </a:r>
+            <a:r>
+              <a:rPr lang="ru-RU" b="1" dirty="0" smtClean="0">
+                <a:solidFill>
+                  <a:schemeClr val="tx1"/>
+                </a:solidFill>
+              </a:rPr>
+              <a:t> раз больше проблем</a:t>
+            </a:r>
+          </a:p>
+        </p:txBody>
+      </p:sp>
+      <p:cxnSp>
+        <p:nvCxnSpPr>
+          <p:cNvPr id="14" name="Прямая соединительная линия 13"/>
+          <p:cNvCxnSpPr>
+            <a:stCxn id="6" idx="2"/>
+            <a:endCxn id="7" idx="0"/>
+          </p:cNvCxnSpPr>
+          <p:nvPr/>
+        </p:nvCxnSpPr>
+        <p:spPr>
+          <a:xfrm>
+            <a:off x="2933034" y="4231377"/>
+            <a:ext cx="0" cy="426401"/>
+          </a:xfrm>
+          <a:prstGeom prst="line">
+            <a:avLst/>
+          </a:prstGeom>
+          <a:ln w="19050">
+            <a:headEnd type="triangle" w="med" len="med"/>
+            <a:tailEnd type="triangle" w="med" len="med"/>
+          </a:ln>
+        </p:spPr>
+        <p:style>
+          <a:lnRef idx="1">
+            <a:schemeClr val="accent1"/>
+          </a:lnRef>
+          <a:fillRef idx="0">
+            <a:schemeClr val="accent1"/>
+          </a:fillRef>
+          <a:effectRef idx="0">
+            <a:schemeClr val="accent1"/>
+          </a:effectRef>
+          <a:fontRef idx="minor">
+            <a:schemeClr val="tx1"/>
+          </a:fontRef>
+        </p:style>
+      </p:cxnSp>
+      <p:cxnSp>
+        <p:nvCxnSpPr>
+          <p:cNvPr id="17" name="Прямая соединительная линия 16"/>
+          <p:cNvCxnSpPr>
+            <a:stCxn id="5" idx="2"/>
+            <a:endCxn id="6" idx="0"/>
+          </p:cNvCxnSpPr>
+          <p:nvPr/>
+        </p:nvCxnSpPr>
+        <p:spPr>
+          <a:xfrm flipH="1">
+            <a:off x="2933034" y="2395620"/>
+            <a:ext cx="1" cy="980554"/>
+          </a:xfrm>
+          <a:prstGeom prst="line">
+            <a:avLst/>
+          </a:prstGeom>
+          <a:ln w="19050">
+            <a:headEnd type="none" w="med" len="med"/>
+            <a:tailEnd type="triangle" w="med" len="med"/>
+          </a:ln>
+        </p:spPr>
+        <p:style>
+          <a:lnRef idx="1">
+            <a:schemeClr val="accent1"/>
+          </a:lnRef>
+          <a:fillRef idx="0">
+            <a:schemeClr val="accent1"/>
+          </a:fillRef>
+          <a:effectRef idx="0">
+            <a:schemeClr val="accent1"/>
+          </a:effectRef>
+          <a:fontRef idx="minor">
+            <a:schemeClr val="tx1"/>
+          </a:fontRef>
+        </p:style>
+      </p:cxnSp>
+      <p:cxnSp>
+        <p:nvCxnSpPr>
+          <p:cNvPr id="21" name="Прямая соединительная линия 20"/>
+          <p:cNvCxnSpPr>
+            <a:stCxn id="7" idx="2"/>
+            <a:endCxn id="1032" idx="0"/>
+          </p:cNvCxnSpPr>
+          <p:nvPr/>
+        </p:nvCxnSpPr>
+        <p:spPr>
+          <a:xfrm>
+            <a:off x="2933034" y="5291423"/>
+            <a:ext cx="5149" cy="410133"/>
+          </a:xfrm>
+          <a:prstGeom prst="line">
+            <a:avLst/>
+          </a:prstGeom>
+          <a:ln w="19050">
+            <a:headEnd type="triangle" w="med" len="med"/>
+            <a:tailEnd type="triangle" w="med" len="med"/>
+          </a:ln>
+        </p:spPr>
+        <p:style>
+          <a:lnRef idx="1">
+            <a:schemeClr val="accent1"/>
+          </a:lnRef>
+          <a:fillRef idx="0">
+            <a:schemeClr val="accent1"/>
+          </a:fillRef>
+          <a:effectRef idx="0">
+            <a:schemeClr val="accent1"/>
+          </a:effectRef>
+          <a:fontRef idx="minor">
+            <a:schemeClr val="tx1"/>
+          </a:fontRef>
+        </p:style>
+      </p:cxnSp>
+      <p:cxnSp>
+        <p:nvCxnSpPr>
+          <p:cNvPr id="27" name="Соединительная линия уступом 26"/>
+          <p:cNvCxnSpPr>
+            <a:stCxn id="6" idx="1"/>
+            <a:endCxn id="1028" idx="2"/>
+          </p:cNvCxnSpPr>
+          <p:nvPr/>
+        </p:nvCxnSpPr>
+        <p:spPr>
+          <a:xfrm rot="10800000">
+            <a:off x="866280" y="2668002"/>
+            <a:ext cx="984936" cy="1135775"/>
+          </a:xfrm>
+          <a:prstGeom prst="bentConnector2">
+            <a:avLst/>
+          </a:prstGeom>
+          <a:ln w="19050">
+            <a:prstDash val="dash"/>
+            <a:tailEnd type="triangle"/>
+          </a:ln>
+        </p:spPr>
+        <p:style>
+          <a:lnRef idx="1">
+            <a:schemeClr val="accent1"/>
+          </a:lnRef>
+          <a:fillRef idx="0">
+            <a:schemeClr val="accent1"/>
+          </a:fillRef>
+          <a:effectRef idx="0">
+            <a:schemeClr val="accent1"/>
+          </a:effectRef>
+          <a:fontRef idx="minor">
+            <a:schemeClr val="tx1"/>
+          </a:fontRef>
+        </p:style>
+      </p:cxnSp>
+      <p:cxnSp>
+        <p:nvCxnSpPr>
+          <p:cNvPr id="29" name="Прямая со стрелкой 28"/>
+          <p:cNvCxnSpPr>
+            <a:stCxn id="1028" idx="3"/>
+            <a:endCxn id="5" idx="1"/>
+          </p:cNvCxnSpPr>
+          <p:nvPr/>
+        </p:nvCxnSpPr>
+        <p:spPr>
+          <a:xfrm>
+            <a:off x="1376619" y="2157662"/>
+            <a:ext cx="682121" cy="1"/>
+          </a:xfrm>
+          <a:prstGeom prst="straightConnector1">
+            <a:avLst/>
+          </a:prstGeom>
+          <a:ln w="19050">
+            <a:prstDash val="dash"/>
+            <a:tailEnd type="triangle"/>
+          </a:ln>
+        </p:spPr>
+        <p:style>
+          <a:lnRef idx="1">
+            <a:schemeClr val="accent1"/>
+          </a:lnRef>
+          <a:fillRef idx="0">
+            <a:schemeClr val="accent1"/>
+          </a:fillRef>
+          <a:effectRef idx="0">
+            <a:schemeClr val="accent1"/>
+          </a:effectRef>
+          <a:fontRef idx="minor">
+            <a:schemeClr val="tx1"/>
+          </a:fontRef>
+        </p:style>
+      </p:cxnSp>
+      <p:sp>
+        <p:nvSpPr>
+          <p:cNvPr id="37" name="Прямоугольник 36"/>
+          <p:cNvSpPr/>
+          <p:nvPr/>
+        </p:nvSpPr>
+        <p:spPr>
+          <a:xfrm>
+            <a:off x="5909983" y="1554343"/>
+            <a:ext cx="5153718" cy="386125"/>
           </a:xfrm>
           <a:prstGeom prst="rect">
             <a:avLst/>
           </a:prstGeom>
           <a:noFill/>
           <a:ln>
-            <a:solidFill>
-              <a:schemeClr val="tx1"/>
-            </a:solidFill>
+            <a:noFill/>
           </a:ln>
         </p:spPr>
         <p:style>
@@ -8437,51 +9251,302 @@
           <a:bodyPr rtlCol="0" anchor="ctr"/>
           <a:lstStyle/>
           <a:p>
-            <a:pPr algn="ctr"/>
-            <a:r>
-              <a:rPr lang="en-US" dirty="0" smtClean="0">
+            <a:r>
+              <a:rPr lang="ru-RU" sz="2000" b="1" dirty="0" err="1" smtClean="0">
                 <a:solidFill>
-                  <a:schemeClr val="tx1"/>
+                  <a:srgbClr val="1580D0"/>
                 </a:solidFill>
               </a:rPr>
-              <a:t>Windows-</a:t>
-            </a:r>
-            <a:r>
-              <a:rPr lang="ru-RU" dirty="0" smtClean="0">
+              <a:t>Портированные</a:t>
+            </a:r>
+            <a:r>
+              <a:rPr lang="ru-RU" sz="2000" b="1" dirty="0" smtClean="0">
                 <a:solidFill>
-                  <a:schemeClr val="tx1"/>
+                  <a:srgbClr val="1580D0"/>
                 </a:solidFill>
               </a:rPr>
-              <a:t>библиотека</a:t>
-            </a:r>
-            <a:endParaRPr lang="ru-RU" dirty="0">
-              <a:solidFill>
-                <a:schemeClr val="tx1"/>
-              </a:solidFill>
-            </a:endParaRPr>
-          </a:p>
-        </p:txBody>
-      </p:sp>
-      <p:sp>
-        <p:nvSpPr>
-          <p:cNvPr id="7" name="Прямоугольник 6"/>
+              <a:t> </a:t>
+            </a:r>
+            <a:r>
+              <a:rPr lang="en-US" sz="2000" b="1" dirty="0" smtClean="0">
+                <a:solidFill>
+                  <a:srgbClr val="1580D0"/>
+                </a:solidFill>
+              </a:rPr>
+              <a:t>Windows</a:t>
+            </a:r>
+            <a:r>
+              <a:rPr lang="ru-RU" sz="2000" b="1" dirty="0" smtClean="0">
+                <a:solidFill>
+                  <a:srgbClr val="1580D0"/>
+                </a:solidFill>
+              </a:rPr>
+              <a:t>-драйвера</a:t>
+            </a:r>
+          </a:p>
+        </p:txBody>
+      </p:sp>
+      <p:grpSp>
+        <p:nvGrpSpPr>
+          <p:cNvPr id="32" name="Группа 31"/>
+          <p:cNvGrpSpPr/>
+          <p:nvPr/>
+        </p:nvGrpSpPr>
+        <p:grpSpPr>
+          <a:xfrm>
+            <a:off x="5909983" y="1889467"/>
+            <a:ext cx="5153720" cy="953112"/>
+            <a:chOff x="5909983" y="2131525"/>
+            <a:chExt cx="5153720" cy="953112"/>
+          </a:xfrm>
+        </p:grpSpPr>
+        <p:sp>
+          <p:nvSpPr>
+            <p:cNvPr id="12" name="Прямоугольник 11"/>
+            <p:cNvSpPr/>
+            <p:nvPr/>
+          </p:nvSpPr>
+          <p:spPr>
+            <a:xfrm>
+              <a:off x="5909983" y="2467629"/>
+              <a:ext cx="5153720" cy="617008"/>
+            </a:xfrm>
+            <a:prstGeom prst="rect">
+              <a:avLst/>
+            </a:prstGeom>
+            <a:ln w="19050">
+              <a:prstDash val="dash"/>
+            </a:ln>
+          </p:spPr>
+          <p:style>
+            <a:lnRef idx="2">
+              <a:schemeClr val="accent5"/>
+            </a:lnRef>
+            <a:fillRef idx="1">
+              <a:schemeClr val="lt1"/>
+            </a:fillRef>
+            <a:effectRef idx="0">
+              <a:schemeClr val="accent5"/>
+            </a:effectRef>
+            <a:fontRef idx="minor">
+              <a:schemeClr val="dk1"/>
+            </a:fontRef>
+          </p:style>
+          <p:txBody>
+            <a:bodyPr rtlCol="0" anchor="ctr"/>
+            <a:lstStyle/>
+            <a:p>
+              <a:r>
+                <a:rPr lang="ru-RU" dirty="0" smtClean="0">
+                  <a:solidFill>
+                    <a:schemeClr val="tx1"/>
+                  </a:solidFill>
+                </a:rPr>
+                <a:t>Высокая сложность разработки</a:t>
+              </a:r>
+            </a:p>
+            <a:p>
+              <a:r>
+                <a:rPr lang="ru-RU" dirty="0" smtClean="0">
+                  <a:solidFill>
+                    <a:schemeClr val="tx1"/>
+                  </a:solidFill>
+                </a:rPr>
+                <a:t>Затраты на тестирование</a:t>
+              </a:r>
+            </a:p>
+          </p:txBody>
+        </p:sp>
+        <p:sp>
+          <p:nvSpPr>
+            <p:cNvPr id="38" name="Прямоугольник 37"/>
+            <p:cNvSpPr/>
+            <p:nvPr/>
+          </p:nvSpPr>
+          <p:spPr>
+            <a:xfrm>
+              <a:off x="5909983" y="2131525"/>
+              <a:ext cx="5153718" cy="386125"/>
+            </a:xfrm>
+            <a:prstGeom prst="rect">
+              <a:avLst/>
+            </a:prstGeom>
+            <a:noFill/>
+            <a:ln>
+              <a:noFill/>
+            </a:ln>
+          </p:spPr>
+          <p:style>
+            <a:lnRef idx="2">
+              <a:schemeClr val="accent1">
+                <a:shade val="50000"/>
+              </a:schemeClr>
+            </a:lnRef>
+            <a:fillRef idx="1">
+              <a:schemeClr val="accent1"/>
+            </a:fillRef>
+            <a:effectRef idx="0">
+              <a:schemeClr val="accent1"/>
+            </a:effectRef>
+            <a:fontRef idx="minor">
+              <a:schemeClr val="lt1"/>
+            </a:fontRef>
+          </p:style>
+          <p:txBody>
+            <a:bodyPr rtlCol="0" anchor="ctr"/>
+            <a:lstStyle/>
+            <a:p>
+              <a:r>
+                <a:rPr lang="ru-RU" i="1" dirty="0" smtClean="0">
+                  <a:solidFill>
+                    <a:srgbClr val="1580D0"/>
+                  </a:solidFill>
+                </a:rPr>
+                <a:t>Реализация драйвера «с нуля»</a:t>
+              </a:r>
+            </a:p>
+          </p:txBody>
+        </p:sp>
+      </p:grpSp>
+      <p:grpSp>
+        <p:nvGrpSpPr>
+          <p:cNvPr id="33" name="Группа 32"/>
+          <p:cNvGrpSpPr/>
+          <p:nvPr/>
+        </p:nvGrpSpPr>
+        <p:grpSpPr>
+          <a:xfrm>
+            <a:off x="5909983" y="2894658"/>
+            <a:ext cx="5153719" cy="946262"/>
+            <a:chOff x="5909983" y="3076200"/>
+            <a:chExt cx="5153719" cy="946262"/>
+          </a:xfrm>
+        </p:grpSpPr>
+        <p:sp>
+          <p:nvSpPr>
+            <p:cNvPr id="11" name="Прямоугольник 10"/>
+            <p:cNvSpPr/>
+            <p:nvPr/>
+          </p:nvSpPr>
+          <p:spPr>
+            <a:xfrm>
+              <a:off x="5909983" y="3449676"/>
+              <a:ext cx="5153719" cy="572786"/>
+            </a:xfrm>
+            <a:prstGeom prst="rect">
+              <a:avLst/>
+            </a:prstGeom>
+            <a:ln w="19050">
+              <a:prstDash val="dash"/>
+            </a:ln>
+          </p:spPr>
+          <p:style>
+            <a:lnRef idx="2">
+              <a:schemeClr val="accent5"/>
+            </a:lnRef>
+            <a:fillRef idx="1">
+              <a:schemeClr val="lt1"/>
+            </a:fillRef>
+            <a:effectRef idx="0">
+              <a:schemeClr val="accent5"/>
+            </a:effectRef>
+            <a:fontRef idx="minor">
+              <a:schemeClr val="dk1"/>
+            </a:fontRef>
+          </p:style>
+          <p:txBody>
+            <a:bodyPr rtlCol="0" anchor="ctr"/>
+            <a:lstStyle/>
+            <a:p>
+              <a:r>
+                <a:rPr lang="ru-RU" dirty="0" smtClean="0">
+                  <a:solidFill>
+                    <a:schemeClr val="tx1"/>
+                  </a:solidFill>
+                </a:rPr>
+                <a:t>Низкое качество драйверов</a:t>
+              </a:r>
+            </a:p>
+            <a:p>
+              <a:r>
+                <a:rPr lang="ru-RU" dirty="0" smtClean="0">
+                  <a:solidFill>
+                    <a:schemeClr val="tx1"/>
+                  </a:solidFill>
+                </a:rPr>
+                <a:t>Ограниченная поддержка ФС</a:t>
+              </a:r>
+            </a:p>
+          </p:txBody>
+        </p:sp>
+        <p:sp>
+          <p:nvSpPr>
+            <p:cNvPr id="39" name="Прямоугольник 38"/>
+            <p:cNvSpPr/>
+            <p:nvPr/>
+          </p:nvSpPr>
+          <p:spPr>
+            <a:xfrm>
+              <a:off x="5909983" y="3076200"/>
+              <a:ext cx="5153718" cy="386125"/>
+            </a:xfrm>
+            <a:prstGeom prst="rect">
+              <a:avLst/>
+            </a:prstGeom>
+            <a:noFill/>
+            <a:ln>
+              <a:noFill/>
+            </a:ln>
+          </p:spPr>
+          <p:style>
+            <a:lnRef idx="2">
+              <a:schemeClr val="accent1">
+                <a:shade val="50000"/>
+              </a:schemeClr>
+            </a:lnRef>
+            <a:fillRef idx="1">
+              <a:schemeClr val="accent1"/>
+            </a:fillRef>
+            <a:effectRef idx="0">
+              <a:schemeClr val="accent1"/>
+            </a:effectRef>
+            <a:fontRef idx="minor">
+              <a:schemeClr val="lt1"/>
+            </a:fontRef>
+          </p:style>
+          <p:txBody>
+            <a:bodyPr rtlCol="0" anchor="ctr"/>
+            <a:lstStyle/>
+            <a:p>
+              <a:r>
+                <a:rPr lang="ru-RU" i="1" dirty="0" smtClean="0">
+                  <a:solidFill>
+                    <a:srgbClr val="1580D0"/>
+                  </a:solidFill>
+                </a:rPr>
+                <a:t>Драйвера сторонних разработчиков</a:t>
+              </a:r>
+            </a:p>
+          </p:txBody>
+        </p:sp>
+      </p:grpSp>
+      <p:sp>
+        <p:nvSpPr>
+          <p:cNvPr id="44" name="Стрелка вправо 43"/>
           <p:cNvSpPr/>
           <p:nvPr/>
         </p:nvSpPr>
         <p:spPr>
-          <a:xfrm>
-            <a:off x="4767179" y="1959809"/>
-            <a:ext cx="5825957" cy="3264569"/>
+          <a:xfrm rot="20137724">
+            <a:off x="4092116" y="3126164"/>
+            <a:ext cx="1472095" cy="464954"/>
           </a:xfrm>
-          <a:prstGeom prst="rect">
-            <a:avLst/>
+          <a:prstGeom prst="rightArrow">
+            <a:avLst>
+              <a:gd name="adj1" fmla="val 26093"/>
+              <a:gd name="adj2" fmla="val 109991"/>
+            </a:avLst>
           </a:prstGeom>
-          <a:noFill/>
-          <a:ln>
-            <a:solidFill>
-              <a:schemeClr val="tx1"/>
-            </a:solidFill>
-          </a:ln>
         </p:spPr>
         <p:style>
           <a:lnRef idx="2">
@@ -8500,129 +9565,18 @@
           </a:fontRef>
         </p:style>
         <p:txBody>
-          <a:bodyPr rtlCol="0" anchor="t" anchorCtr="0"/>
-          <a:lstStyle/>
-          <a:p>
-            <a:pPr algn="r"/>
-            <a:r>
-              <a:rPr lang="ru-RU" dirty="0" smtClean="0">
-                <a:solidFill>
-                  <a:schemeClr val="tx1"/>
-                </a:solidFill>
-              </a:rPr>
-              <a:t>Виртуальная машина</a:t>
-            </a:r>
-            <a:endParaRPr lang="ru-RU" dirty="0">
-              <a:solidFill>
-                <a:schemeClr val="tx1"/>
-              </a:solidFill>
-            </a:endParaRPr>
-          </a:p>
-        </p:txBody>
-      </p:sp>
-      <p:sp>
-        <p:nvSpPr>
-          <p:cNvPr id="8" name="Прямоугольник 7"/>
-          <p:cNvSpPr/>
-          <p:nvPr/>
-        </p:nvSpPr>
-        <p:spPr>
-          <a:xfrm>
-            <a:off x="5107948" y="2278437"/>
-            <a:ext cx="2871671" cy="2747473"/>
-          </a:xfrm>
-          <a:prstGeom prst="rect">
-            <a:avLst/>
-          </a:prstGeom>
-          <a:noFill/>
-          <a:ln>
-            <a:solidFill>
-              <a:schemeClr val="tx1"/>
-            </a:solidFill>
-          </a:ln>
-        </p:spPr>
-        <p:style>
-          <a:lnRef idx="2">
-            <a:schemeClr val="accent1">
-              <a:shade val="50000"/>
-            </a:schemeClr>
-          </a:lnRef>
-          <a:fillRef idx="1">
-            <a:schemeClr val="accent1"/>
-          </a:fillRef>
-          <a:effectRef idx="0">
-            <a:schemeClr val="accent1"/>
-          </a:effectRef>
-          <a:fontRef idx="minor">
-            <a:schemeClr val="lt1"/>
-          </a:fontRef>
-        </p:style>
-        <p:txBody>
           <a:bodyPr rtlCol="0" anchor="ctr"/>
           <a:lstStyle/>
           <a:p>
             <a:pPr algn="ctr"/>
-            <a:r>
-              <a:rPr lang="en-US" dirty="0" smtClean="0">
-                <a:solidFill>
-                  <a:schemeClr val="tx1"/>
-                </a:solidFill>
-              </a:rPr>
-              <a:t>Linux</a:t>
-            </a:r>
-            <a:endParaRPr lang="ru-RU" dirty="0">
-              <a:solidFill>
-                <a:schemeClr val="tx1"/>
-              </a:solidFill>
-            </a:endParaRPr>
-          </a:p>
-        </p:txBody>
-      </p:sp>
-      <p:pic>
-        <p:nvPicPr>
-          <p:cNvPr id="9" name="Picture 8" descr="http://freeiconbox.com/icon/256/40097.png"/>
-          <p:cNvPicPr>
-            <a:picLocks noChangeAspect="1" noChangeArrowheads="1"/>
-          </p:cNvPicPr>
-          <p:nvPr/>
-        </p:nvPicPr>
-        <p:blipFill>
-          <a:blip r:embed="rId2">
-            <a:extLst>
-              <a:ext uri="{28A0092B-C50C-407E-A947-70E740481C1C}">
-                <a14:useLocalDpi xmlns:a14="http://schemas.microsoft.com/office/drawing/2010/main" val="0"/>
-              </a:ext>
-            </a:extLst>
-          </a:blip>
-          <a:srcRect/>
-          <a:stretch>
-            <a:fillRect/>
-          </a:stretch>
-        </p:blipFill>
-        <p:spPr bwMode="auto">
-          <a:xfrm>
-            <a:off x="8610600" y="3215607"/>
-            <a:ext cx="1716505" cy="1716505"/>
-          </a:xfrm>
-          <a:prstGeom prst="rect">
-            <a:avLst/>
-          </a:prstGeom>
-          <a:noFill/>
-          <a:extLst>
-            <a:ext uri="{909E8E84-426E-40DD-AFC4-6F175D3DCCD1}">
-              <a14:hiddenFill xmlns:a14="http://schemas.microsoft.com/office/drawing/2010/main">
-                <a:solidFill>
-                  <a:srgbClr val="FFFFFF"/>
-                </a:solidFill>
-              </a14:hiddenFill>
-            </a:ext>
-          </a:extLst>
-        </p:spPr>
-      </p:pic>
+            <a:endParaRPr lang="ru-RU"/>
+          </a:p>
+        </p:txBody>
+      </p:sp>
     </p:spTree>
     <p:extLst>
       <p:ext uri="{BB962C8B-B14F-4D97-AF65-F5344CB8AC3E}">
-        <p14:creationId xmlns:p14="http://schemas.microsoft.com/office/powerpoint/2010/main" val="587646788"/>
+        <p14:creationId xmlns:p14="http://schemas.microsoft.com/office/powerpoint/2010/main" val="1516749049"/>
       </p:ext>
     </p:extLst>
   </p:cSld>
@@ -8658,6 +9612,2406 @@
       </p:grpSpPr>
       <p:pic>
         <p:nvPicPr>
+          <p:cNvPr id="19" name="Picture 4" descr="http://windowsapptutorials.com/wp-content/uploads/2014/12/Windows-8.1.jpg"/>
+          <p:cNvPicPr>
+            <a:picLocks noChangeAspect="1" noChangeArrowheads="1"/>
+          </p:cNvPicPr>
+          <p:nvPr/>
+        </p:nvPicPr>
+        <p:blipFill rotWithShape="1">
+          <a:blip r:embed="rId2">
+            <a:extLst>
+              <a:ext uri="{28A0092B-C50C-407E-A947-70E740481C1C}">
+                <a14:useLocalDpi xmlns:a14="http://schemas.microsoft.com/office/drawing/2010/main" val="0"/>
+              </a:ext>
+            </a:extLst>
+          </a:blip>
+          <a:srcRect l="-426" t="189" r="426" b="72317"/>
+          <a:stretch/>
+        </p:blipFill>
+        <p:spPr bwMode="auto">
+          <a:xfrm rot="10800000">
+            <a:off x="-6720" y="134472"/>
+            <a:ext cx="12265959" cy="1311088"/>
+          </a:xfrm>
+          <a:prstGeom prst="rect">
+            <a:avLst/>
+          </a:prstGeom>
+          <a:noFill/>
+          <a:extLst>
+            <a:ext uri="{909E8E84-426E-40DD-AFC4-6F175D3DCCD1}">
+              <a14:hiddenFill xmlns:a14="http://schemas.microsoft.com/office/drawing/2010/main">
+                <a:solidFill>
+                  <a:srgbClr val="FFFFFF"/>
+                </a:solidFill>
+              </a14:hiddenFill>
+            </a:ext>
+          </a:extLst>
+        </p:spPr>
+      </p:pic>
+      <p:sp>
+        <p:nvSpPr>
+          <p:cNvPr id="2" name="Заголовок 1"/>
+          <p:cNvSpPr>
+            <a:spLocks noGrp="1"/>
+          </p:cNvSpPr>
+          <p:nvPr>
+            <p:ph type="title"/>
+          </p:nvPr>
+        </p:nvSpPr>
+        <p:spPr/>
+        <p:txBody>
+          <a:bodyPr>
+            <a:normAutofit/>
+          </a:bodyPr>
+          <a:lstStyle/>
+          <a:p>
+            <a:r>
+              <a:rPr lang="ru-RU" dirty="0" smtClean="0">
+                <a:solidFill>
+                  <a:schemeClr val="bg1"/>
+                </a:solidFill>
+              </a:rPr>
+              <a:t>Организация доступа к файловой системе</a:t>
+            </a:r>
+            <a:endParaRPr lang="ru-RU" dirty="0">
+              <a:solidFill>
+                <a:schemeClr val="bg1"/>
+              </a:solidFill>
+            </a:endParaRPr>
+          </a:p>
+        </p:txBody>
+      </p:sp>
+      <p:sp>
+        <p:nvSpPr>
+          <p:cNvPr id="4" name="Номер слайда 3"/>
+          <p:cNvSpPr>
+            <a:spLocks noGrp="1"/>
+          </p:cNvSpPr>
+          <p:nvPr>
+            <p:ph type="sldNum" sz="quarter" idx="12"/>
+          </p:nvPr>
+        </p:nvSpPr>
+        <p:spPr>
+          <a:xfrm>
+            <a:off x="9242612" y="6414885"/>
+            <a:ext cx="2743200" cy="365125"/>
+          </a:xfrm>
+        </p:spPr>
+        <p:txBody>
+          <a:bodyPr/>
+          <a:lstStyle/>
+          <a:p>
+            <a:fld id="{7E7C1622-4091-4E7B-99B0-4C976627CE55}" type="slidenum">
+              <a:rPr lang="ru-RU" smtClean="0"/>
+              <a:t>6</a:t>
+            </a:fld>
+            <a:endParaRPr lang="ru-RU" dirty="0"/>
+          </a:p>
+        </p:txBody>
+      </p:sp>
+      <p:sp>
+        <p:nvSpPr>
+          <p:cNvPr id="5" name="Прямоугольник 4"/>
+          <p:cNvSpPr/>
+          <p:nvPr/>
+        </p:nvSpPr>
+        <p:spPr>
+          <a:xfrm>
+            <a:off x="2058740" y="1919705"/>
+            <a:ext cx="1748589" cy="475915"/>
+          </a:xfrm>
+          <a:prstGeom prst="rect">
+            <a:avLst/>
+          </a:prstGeom>
+          <a:ln w="28575"/>
+        </p:spPr>
+        <p:style>
+          <a:lnRef idx="2">
+            <a:schemeClr val="accent5"/>
+          </a:lnRef>
+          <a:fillRef idx="1">
+            <a:schemeClr val="lt1"/>
+          </a:fillRef>
+          <a:effectRef idx="0">
+            <a:schemeClr val="accent5"/>
+          </a:effectRef>
+          <a:fontRef idx="minor">
+            <a:schemeClr val="dk1"/>
+          </a:fontRef>
+        </p:style>
+        <p:txBody>
+          <a:bodyPr rtlCol="0" anchor="ctr"/>
+          <a:lstStyle/>
+          <a:p>
+            <a:pPr algn="ctr"/>
+            <a:r>
+              <a:rPr lang="ru-RU" dirty="0" smtClean="0">
+                <a:solidFill>
+                  <a:schemeClr val="tx1"/>
+                </a:solidFill>
+              </a:rPr>
+              <a:t>Приложение</a:t>
+            </a:r>
+            <a:endParaRPr lang="ru-RU" dirty="0">
+              <a:solidFill>
+                <a:schemeClr val="tx1"/>
+              </a:solidFill>
+            </a:endParaRPr>
+          </a:p>
+        </p:txBody>
+      </p:sp>
+      <p:sp>
+        <p:nvSpPr>
+          <p:cNvPr id="6" name="Прямоугольник 5"/>
+          <p:cNvSpPr/>
+          <p:nvPr/>
+        </p:nvSpPr>
+        <p:spPr>
+          <a:xfrm>
+            <a:off x="1851216" y="3376174"/>
+            <a:ext cx="2163636" cy="855203"/>
+          </a:xfrm>
+          <a:prstGeom prst="rect">
+            <a:avLst/>
+          </a:prstGeom>
+          <a:ln w="28575"/>
+        </p:spPr>
+        <p:style>
+          <a:lnRef idx="2">
+            <a:schemeClr val="accent5"/>
+          </a:lnRef>
+          <a:fillRef idx="1">
+            <a:schemeClr val="lt1"/>
+          </a:fillRef>
+          <a:effectRef idx="0">
+            <a:schemeClr val="accent5"/>
+          </a:effectRef>
+          <a:fontRef idx="minor">
+            <a:schemeClr val="dk1"/>
+          </a:fontRef>
+        </p:style>
+        <p:txBody>
+          <a:bodyPr rtlCol="0" anchor="ctr"/>
+          <a:lstStyle/>
+          <a:p>
+            <a:pPr algn="ctr"/>
+            <a:r>
+              <a:rPr lang="ru-RU" dirty="0" smtClean="0">
+                <a:solidFill>
+                  <a:schemeClr val="tx1"/>
+                </a:solidFill>
+              </a:rPr>
+              <a:t>Драйвер</a:t>
+            </a:r>
+          </a:p>
+          <a:p>
+            <a:pPr algn="ctr"/>
+            <a:r>
+              <a:rPr lang="ru-RU" dirty="0" smtClean="0">
+                <a:solidFill>
+                  <a:schemeClr val="tx1"/>
+                </a:solidFill>
+              </a:rPr>
+              <a:t>файловой системы</a:t>
+            </a:r>
+            <a:endParaRPr lang="ru-RU" dirty="0">
+              <a:solidFill>
+                <a:schemeClr val="tx1"/>
+              </a:solidFill>
+            </a:endParaRPr>
+          </a:p>
+        </p:txBody>
+      </p:sp>
+      <p:sp>
+        <p:nvSpPr>
+          <p:cNvPr id="7" name="Прямоугольник 6"/>
+          <p:cNvSpPr/>
+          <p:nvPr/>
+        </p:nvSpPr>
+        <p:spPr>
+          <a:xfrm>
+            <a:off x="1918451" y="4657778"/>
+            <a:ext cx="2029166" cy="633645"/>
+          </a:xfrm>
+          <a:prstGeom prst="rect">
+            <a:avLst/>
+          </a:prstGeom>
+          <a:ln w="28575"/>
+        </p:spPr>
+        <p:style>
+          <a:lnRef idx="2">
+            <a:schemeClr val="accent5"/>
+          </a:lnRef>
+          <a:fillRef idx="1">
+            <a:schemeClr val="lt1"/>
+          </a:fillRef>
+          <a:effectRef idx="0">
+            <a:schemeClr val="accent5"/>
+          </a:effectRef>
+          <a:fontRef idx="minor">
+            <a:schemeClr val="dk1"/>
+          </a:fontRef>
+        </p:style>
+        <p:txBody>
+          <a:bodyPr rtlCol="0" anchor="ctr"/>
+          <a:lstStyle/>
+          <a:p>
+            <a:pPr algn="ctr"/>
+            <a:r>
+              <a:rPr lang="ru-RU" dirty="0" smtClean="0">
+                <a:solidFill>
+                  <a:schemeClr val="tx1"/>
+                </a:solidFill>
+              </a:rPr>
+              <a:t>Драйвер устройства</a:t>
+            </a:r>
+            <a:endParaRPr lang="ru-RU" dirty="0">
+              <a:solidFill>
+                <a:schemeClr val="tx1"/>
+              </a:solidFill>
+            </a:endParaRPr>
+          </a:p>
+        </p:txBody>
+      </p:sp>
+      <p:pic>
+        <p:nvPicPr>
+          <p:cNvPr id="1028" name="Picture 4" descr="http://kerneldrivers.com/wp-content/uploads/2014/04/icon-file.png"/>
+          <p:cNvPicPr>
+            <a:picLocks noChangeAspect="1" noChangeArrowheads="1"/>
+          </p:cNvPicPr>
+          <p:nvPr/>
+        </p:nvPicPr>
+        <p:blipFill>
+          <a:blip r:embed="rId3">
+            <a:duotone>
+              <a:schemeClr val="accent5">
+                <a:shade val="45000"/>
+                <a:satMod val="135000"/>
+              </a:schemeClr>
+              <a:prstClr val="white"/>
+            </a:duotone>
+            <a:extLst>
+              <a:ext uri="{28A0092B-C50C-407E-A947-70E740481C1C}">
+                <a14:useLocalDpi xmlns:a14="http://schemas.microsoft.com/office/drawing/2010/main" val="0"/>
+              </a:ext>
+            </a:extLst>
+          </a:blip>
+          <a:srcRect/>
+          <a:stretch>
+            <a:fillRect/>
+          </a:stretch>
+        </p:blipFill>
+        <p:spPr bwMode="auto">
+          <a:xfrm>
+            <a:off x="355940" y="1647322"/>
+            <a:ext cx="1020679" cy="1020679"/>
+          </a:xfrm>
+          <a:prstGeom prst="rect">
+            <a:avLst/>
+          </a:prstGeom>
+          <a:noFill/>
+          <a:extLst>
+            <a:ext uri="{909E8E84-426E-40DD-AFC4-6F175D3DCCD1}">
+              <a14:hiddenFill xmlns:a14="http://schemas.microsoft.com/office/drawing/2010/main">
+                <a:solidFill>
+                  <a:srgbClr val="FFFFFF"/>
+                </a:solidFill>
+              </a14:hiddenFill>
+            </a:ext>
+          </a:extLst>
+        </p:spPr>
+      </p:pic>
+      <p:pic>
+        <p:nvPicPr>
+          <p:cNvPr id="1032" name="Picture 8" descr="http://freeiconbox.com/icon/256/40097.png"/>
+          <p:cNvPicPr>
+            <a:picLocks noChangeAspect="1" noChangeArrowheads="1"/>
+          </p:cNvPicPr>
+          <p:nvPr/>
+        </p:nvPicPr>
+        <p:blipFill rotWithShape="1">
+          <a:blip r:embed="rId4">
+            <a:duotone>
+              <a:schemeClr val="accent5">
+                <a:shade val="45000"/>
+                <a:satMod val="135000"/>
+              </a:schemeClr>
+              <a:prstClr val="white"/>
+            </a:duotone>
+            <a:extLst>
+              <a:ext uri="{28A0092B-C50C-407E-A947-70E740481C1C}">
+                <a14:useLocalDpi xmlns:a14="http://schemas.microsoft.com/office/drawing/2010/main" val="0"/>
+              </a:ext>
+            </a:extLst>
+          </a:blip>
+          <a:srcRect l="28438" t="21939" r="28303" b="21817"/>
+          <a:stretch/>
+        </p:blipFill>
+        <p:spPr bwMode="auto">
+          <a:xfrm>
+            <a:off x="2575112" y="5701556"/>
+            <a:ext cx="726141" cy="948019"/>
+          </a:xfrm>
+          <a:prstGeom prst="rect">
+            <a:avLst/>
+          </a:prstGeom>
+          <a:noFill/>
+          <a:extLst>
+            <a:ext uri="{909E8E84-426E-40DD-AFC4-6F175D3DCCD1}">
+              <a14:hiddenFill xmlns:a14="http://schemas.microsoft.com/office/drawing/2010/main">
+                <a:solidFill>
+                  <a:srgbClr val="FFFFFF"/>
+                </a:solidFill>
+              </a14:hiddenFill>
+            </a:ext>
+          </a:extLst>
+        </p:spPr>
+      </p:pic>
+      <p:sp>
+        <p:nvSpPr>
+          <p:cNvPr id="16" name="Прямоугольник 15"/>
+          <p:cNvSpPr/>
+          <p:nvPr/>
+        </p:nvSpPr>
+        <p:spPr>
+          <a:xfrm>
+            <a:off x="5909983" y="6299610"/>
+            <a:ext cx="5153721" cy="337637"/>
+          </a:xfrm>
+          <a:prstGeom prst="rect">
+            <a:avLst/>
+          </a:prstGeom>
+          <a:noFill/>
+          <a:ln w="19050">
+            <a:solidFill>
+              <a:srgbClr val="FFC000"/>
+            </a:solidFill>
+            <a:prstDash val="dash"/>
+          </a:ln>
+        </p:spPr>
+        <p:style>
+          <a:lnRef idx="2">
+            <a:schemeClr val="accent1">
+              <a:shade val="50000"/>
+            </a:schemeClr>
+          </a:lnRef>
+          <a:fillRef idx="1">
+            <a:schemeClr val="accent1"/>
+          </a:fillRef>
+          <a:effectRef idx="0">
+            <a:schemeClr val="accent1"/>
+          </a:effectRef>
+          <a:fontRef idx="minor">
+            <a:schemeClr val="lt1"/>
+          </a:fontRef>
+        </p:style>
+        <p:txBody>
+          <a:bodyPr rtlCol="0" anchor="ctr"/>
+          <a:lstStyle/>
+          <a:p>
+            <a:pPr algn="ctr"/>
+            <a:r>
+              <a:rPr lang="ru-RU" b="1" dirty="0" smtClean="0">
+                <a:solidFill>
+                  <a:schemeClr val="tx1"/>
+                </a:solidFill>
+              </a:rPr>
+              <a:t>Реализация окружения </a:t>
+            </a:r>
+            <a:r>
+              <a:rPr lang="en-US" b="1" dirty="0" smtClean="0">
+                <a:solidFill>
+                  <a:schemeClr val="tx1"/>
+                </a:solidFill>
+              </a:rPr>
+              <a:t>Linux</a:t>
+            </a:r>
+            <a:r>
+              <a:rPr lang="ru-RU" b="1" dirty="0" smtClean="0">
+                <a:solidFill>
+                  <a:schemeClr val="tx1"/>
+                </a:solidFill>
+              </a:rPr>
+              <a:t> в </a:t>
+            </a:r>
+            <a:r>
+              <a:rPr lang="en-US" b="1" dirty="0" smtClean="0">
+                <a:solidFill>
+                  <a:schemeClr val="tx1"/>
+                </a:solidFill>
+              </a:rPr>
+              <a:t>Windows</a:t>
+            </a:r>
+            <a:endParaRPr lang="ru-RU" b="1" dirty="0">
+              <a:solidFill>
+                <a:schemeClr val="tx1"/>
+              </a:solidFill>
+            </a:endParaRPr>
+          </a:p>
+        </p:txBody>
+      </p:sp>
+      <p:sp>
+        <p:nvSpPr>
+          <p:cNvPr id="18" name="Прямоугольник 17"/>
+          <p:cNvSpPr/>
+          <p:nvPr/>
+        </p:nvSpPr>
+        <p:spPr>
+          <a:xfrm>
+            <a:off x="5909983" y="3983716"/>
+            <a:ext cx="5153718" cy="386125"/>
+          </a:xfrm>
+          <a:prstGeom prst="rect">
+            <a:avLst/>
+          </a:prstGeom>
+          <a:ln w="19050">
+            <a:prstDash val="dash"/>
+          </a:ln>
+        </p:spPr>
+        <p:style>
+          <a:lnRef idx="2">
+            <a:schemeClr val="accent5"/>
+          </a:lnRef>
+          <a:fillRef idx="1">
+            <a:schemeClr val="lt1"/>
+          </a:fillRef>
+          <a:effectRef idx="0">
+            <a:schemeClr val="accent5"/>
+          </a:effectRef>
+          <a:fontRef idx="minor">
+            <a:schemeClr val="dk1"/>
+          </a:fontRef>
+        </p:style>
+        <p:txBody>
+          <a:bodyPr rtlCol="0" anchor="ctr"/>
+          <a:lstStyle/>
+          <a:p>
+            <a:pPr algn="ctr"/>
+            <a:r>
+              <a:rPr lang="en-US" b="1" dirty="0" smtClean="0">
+                <a:solidFill>
+                  <a:schemeClr val="tx1"/>
+                </a:solidFill>
+              </a:rPr>
+              <a:t>N </a:t>
+            </a:r>
+            <a:r>
+              <a:rPr lang="ru-RU" b="1" dirty="0" smtClean="0">
+                <a:solidFill>
+                  <a:schemeClr val="tx1"/>
+                </a:solidFill>
+              </a:rPr>
+              <a:t>файловых систем – в </a:t>
+            </a:r>
+            <a:r>
+              <a:rPr lang="en-US" b="1" dirty="0" smtClean="0">
+                <a:solidFill>
+                  <a:schemeClr val="tx1"/>
+                </a:solidFill>
+              </a:rPr>
+              <a:t>N</a:t>
+            </a:r>
+            <a:r>
+              <a:rPr lang="ru-RU" b="1" dirty="0" smtClean="0">
+                <a:solidFill>
+                  <a:schemeClr val="tx1"/>
+                </a:solidFill>
+              </a:rPr>
+              <a:t> раз больше проблем</a:t>
+            </a:r>
+          </a:p>
+        </p:txBody>
+      </p:sp>
+      <p:cxnSp>
+        <p:nvCxnSpPr>
+          <p:cNvPr id="14" name="Прямая соединительная линия 13"/>
+          <p:cNvCxnSpPr>
+            <a:stCxn id="6" idx="2"/>
+            <a:endCxn id="7" idx="0"/>
+          </p:cNvCxnSpPr>
+          <p:nvPr/>
+        </p:nvCxnSpPr>
+        <p:spPr>
+          <a:xfrm>
+            <a:off x="2933034" y="4231377"/>
+            <a:ext cx="0" cy="426401"/>
+          </a:xfrm>
+          <a:prstGeom prst="line">
+            <a:avLst/>
+          </a:prstGeom>
+          <a:ln w="19050">
+            <a:headEnd type="triangle" w="med" len="med"/>
+            <a:tailEnd type="triangle" w="med" len="med"/>
+          </a:ln>
+        </p:spPr>
+        <p:style>
+          <a:lnRef idx="1">
+            <a:schemeClr val="accent1"/>
+          </a:lnRef>
+          <a:fillRef idx="0">
+            <a:schemeClr val="accent1"/>
+          </a:fillRef>
+          <a:effectRef idx="0">
+            <a:schemeClr val="accent1"/>
+          </a:effectRef>
+          <a:fontRef idx="minor">
+            <a:schemeClr val="tx1"/>
+          </a:fontRef>
+        </p:style>
+      </p:cxnSp>
+      <p:cxnSp>
+        <p:nvCxnSpPr>
+          <p:cNvPr id="17" name="Прямая соединительная линия 16"/>
+          <p:cNvCxnSpPr>
+            <a:stCxn id="5" idx="2"/>
+            <a:endCxn id="6" idx="0"/>
+          </p:cNvCxnSpPr>
+          <p:nvPr/>
+        </p:nvCxnSpPr>
+        <p:spPr>
+          <a:xfrm flipH="1">
+            <a:off x="2933034" y="2395620"/>
+            <a:ext cx="1" cy="980554"/>
+          </a:xfrm>
+          <a:prstGeom prst="line">
+            <a:avLst/>
+          </a:prstGeom>
+          <a:ln w="19050">
+            <a:headEnd type="none" w="med" len="med"/>
+            <a:tailEnd type="triangle" w="med" len="med"/>
+          </a:ln>
+        </p:spPr>
+        <p:style>
+          <a:lnRef idx="1">
+            <a:schemeClr val="accent1"/>
+          </a:lnRef>
+          <a:fillRef idx="0">
+            <a:schemeClr val="accent1"/>
+          </a:fillRef>
+          <a:effectRef idx="0">
+            <a:schemeClr val="accent1"/>
+          </a:effectRef>
+          <a:fontRef idx="minor">
+            <a:schemeClr val="tx1"/>
+          </a:fontRef>
+        </p:style>
+      </p:cxnSp>
+      <p:cxnSp>
+        <p:nvCxnSpPr>
+          <p:cNvPr id="21" name="Прямая соединительная линия 20"/>
+          <p:cNvCxnSpPr>
+            <a:stCxn id="7" idx="2"/>
+            <a:endCxn id="1032" idx="0"/>
+          </p:cNvCxnSpPr>
+          <p:nvPr/>
+        </p:nvCxnSpPr>
+        <p:spPr>
+          <a:xfrm>
+            <a:off x="2933034" y="5291423"/>
+            <a:ext cx="5149" cy="410133"/>
+          </a:xfrm>
+          <a:prstGeom prst="line">
+            <a:avLst/>
+          </a:prstGeom>
+          <a:ln w="19050">
+            <a:headEnd type="triangle" w="med" len="med"/>
+            <a:tailEnd type="triangle" w="med" len="med"/>
+          </a:ln>
+        </p:spPr>
+        <p:style>
+          <a:lnRef idx="1">
+            <a:schemeClr val="accent1"/>
+          </a:lnRef>
+          <a:fillRef idx="0">
+            <a:schemeClr val="accent1"/>
+          </a:fillRef>
+          <a:effectRef idx="0">
+            <a:schemeClr val="accent1"/>
+          </a:effectRef>
+          <a:fontRef idx="minor">
+            <a:schemeClr val="tx1"/>
+          </a:fontRef>
+        </p:style>
+      </p:cxnSp>
+      <p:cxnSp>
+        <p:nvCxnSpPr>
+          <p:cNvPr id="27" name="Соединительная линия уступом 26"/>
+          <p:cNvCxnSpPr>
+            <a:stCxn id="6" idx="1"/>
+            <a:endCxn id="1028" idx="2"/>
+          </p:cNvCxnSpPr>
+          <p:nvPr/>
+        </p:nvCxnSpPr>
+        <p:spPr>
+          <a:xfrm rot="10800000">
+            <a:off x="866280" y="2668002"/>
+            <a:ext cx="984936" cy="1135775"/>
+          </a:xfrm>
+          <a:prstGeom prst="bentConnector2">
+            <a:avLst/>
+          </a:prstGeom>
+          <a:ln w="19050">
+            <a:prstDash val="dash"/>
+            <a:tailEnd type="triangle"/>
+          </a:ln>
+        </p:spPr>
+        <p:style>
+          <a:lnRef idx="1">
+            <a:schemeClr val="accent1"/>
+          </a:lnRef>
+          <a:fillRef idx="0">
+            <a:schemeClr val="accent1"/>
+          </a:fillRef>
+          <a:effectRef idx="0">
+            <a:schemeClr val="accent1"/>
+          </a:effectRef>
+          <a:fontRef idx="minor">
+            <a:schemeClr val="tx1"/>
+          </a:fontRef>
+        </p:style>
+      </p:cxnSp>
+      <p:cxnSp>
+        <p:nvCxnSpPr>
+          <p:cNvPr id="29" name="Прямая со стрелкой 28"/>
+          <p:cNvCxnSpPr>
+            <a:stCxn id="1028" idx="3"/>
+            <a:endCxn id="5" idx="1"/>
+          </p:cNvCxnSpPr>
+          <p:nvPr/>
+        </p:nvCxnSpPr>
+        <p:spPr>
+          <a:xfrm>
+            <a:off x="1376619" y="2157662"/>
+            <a:ext cx="682121" cy="1"/>
+          </a:xfrm>
+          <a:prstGeom prst="straightConnector1">
+            <a:avLst/>
+          </a:prstGeom>
+          <a:ln w="19050">
+            <a:prstDash val="dash"/>
+            <a:tailEnd type="triangle"/>
+          </a:ln>
+        </p:spPr>
+        <p:style>
+          <a:lnRef idx="1">
+            <a:schemeClr val="accent1"/>
+          </a:lnRef>
+          <a:fillRef idx="0">
+            <a:schemeClr val="accent1"/>
+          </a:fillRef>
+          <a:effectRef idx="0">
+            <a:schemeClr val="accent1"/>
+          </a:effectRef>
+          <a:fontRef idx="minor">
+            <a:schemeClr val="tx1"/>
+          </a:fontRef>
+        </p:style>
+      </p:cxnSp>
+      <p:sp>
+        <p:nvSpPr>
+          <p:cNvPr id="13" name="Прямоугольник 12"/>
+          <p:cNvSpPr/>
+          <p:nvPr/>
+        </p:nvSpPr>
+        <p:spPr>
+          <a:xfrm>
+            <a:off x="5909983" y="5049375"/>
+            <a:ext cx="5153722" cy="1107317"/>
+          </a:xfrm>
+          <a:prstGeom prst="rect">
+            <a:avLst/>
+          </a:prstGeom>
+          <a:ln w="19050">
+            <a:prstDash val="dash"/>
+          </a:ln>
+        </p:spPr>
+        <p:style>
+          <a:lnRef idx="2">
+            <a:schemeClr val="accent4"/>
+          </a:lnRef>
+          <a:fillRef idx="1">
+            <a:schemeClr val="lt1"/>
+          </a:fillRef>
+          <a:effectRef idx="0">
+            <a:schemeClr val="accent4"/>
+          </a:effectRef>
+          <a:fontRef idx="minor">
+            <a:schemeClr val="dk1"/>
+          </a:fontRef>
+        </p:style>
+        <p:txBody>
+          <a:bodyPr rtlCol="0" anchor="ctr"/>
+          <a:lstStyle/>
+          <a:p>
+            <a:r>
+              <a:rPr lang="ru-RU" dirty="0" smtClean="0">
+                <a:solidFill>
+                  <a:schemeClr val="tx1"/>
+                </a:solidFill>
+              </a:rPr>
+              <a:t>Высокая надежность, эффективность</a:t>
+            </a:r>
+          </a:p>
+          <a:p>
+            <a:r>
+              <a:rPr lang="ru-RU" dirty="0" smtClean="0">
+                <a:solidFill>
+                  <a:schemeClr val="tx1"/>
+                </a:solidFill>
+              </a:rPr>
+              <a:t>Полный доступ к файловой системе</a:t>
+            </a:r>
+          </a:p>
+          <a:p>
+            <a:r>
+              <a:rPr lang="ru-RU" dirty="0" smtClean="0">
+                <a:solidFill>
+                  <a:schemeClr val="tx1"/>
+                </a:solidFill>
+              </a:rPr>
+              <a:t>Поддержка всех файловых систем</a:t>
+            </a:r>
+          </a:p>
+          <a:p>
+            <a:r>
+              <a:rPr lang="ru-RU" dirty="0" smtClean="0">
+                <a:solidFill>
+                  <a:schemeClr val="tx1"/>
+                </a:solidFill>
+              </a:rPr>
+              <a:t>Разработка и тестирование </a:t>
+            </a:r>
+            <a:r>
+              <a:rPr lang="en-US" dirty="0" smtClean="0">
+                <a:solidFill>
+                  <a:schemeClr val="tx1"/>
+                </a:solidFill>
+              </a:rPr>
+              <a:t>Linux</a:t>
+            </a:r>
+            <a:r>
+              <a:rPr lang="ru-RU" dirty="0" smtClean="0">
+                <a:solidFill>
+                  <a:schemeClr val="tx1"/>
+                </a:solidFill>
+              </a:rPr>
+              <a:t>-сообществом</a:t>
+            </a:r>
+            <a:endParaRPr lang="ru-RU" dirty="0">
+              <a:solidFill>
+                <a:schemeClr val="tx1"/>
+              </a:solidFill>
+            </a:endParaRPr>
+          </a:p>
+        </p:txBody>
+      </p:sp>
+      <p:sp>
+        <p:nvSpPr>
+          <p:cNvPr id="36" name="Прямоугольник 35"/>
+          <p:cNvSpPr/>
+          <p:nvPr/>
+        </p:nvSpPr>
+        <p:spPr>
+          <a:xfrm>
+            <a:off x="5909983" y="4615557"/>
+            <a:ext cx="5153718" cy="386125"/>
+          </a:xfrm>
+          <a:prstGeom prst="rect">
+            <a:avLst/>
+          </a:prstGeom>
+          <a:noFill/>
+          <a:ln>
+            <a:noFill/>
+          </a:ln>
+        </p:spPr>
+        <p:style>
+          <a:lnRef idx="2">
+            <a:schemeClr val="accent1">
+              <a:shade val="50000"/>
+            </a:schemeClr>
+          </a:lnRef>
+          <a:fillRef idx="1">
+            <a:schemeClr val="accent1"/>
+          </a:fillRef>
+          <a:effectRef idx="0">
+            <a:schemeClr val="accent1"/>
+          </a:effectRef>
+          <a:fontRef idx="minor">
+            <a:schemeClr val="lt1"/>
+          </a:fontRef>
+        </p:style>
+        <p:txBody>
+          <a:bodyPr rtlCol="0" anchor="ctr"/>
+          <a:lstStyle/>
+          <a:p>
+            <a:r>
+              <a:rPr lang="ru-RU" sz="2000" b="1" dirty="0" err="1" smtClean="0">
+                <a:solidFill>
+                  <a:schemeClr val="accent4"/>
+                </a:solidFill>
+              </a:rPr>
+              <a:t>Нативные</a:t>
+            </a:r>
+            <a:r>
+              <a:rPr lang="ru-RU" sz="2000" b="1" dirty="0" smtClean="0">
+                <a:solidFill>
+                  <a:schemeClr val="accent4"/>
+                </a:solidFill>
+              </a:rPr>
+              <a:t> </a:t>
+            </a:r>
+            <a:r>
+              <a:rPr lang="en-US" sz="2000" b="1" dirty="0" smtClean="0">
+                <a:solidFill>
+                  <a:schemeClr val="accent4"/>
+                </a:solidFill>
+              </a:rPr>
+              <a:t>Linux</a:t>
+            </a:r>
+            <a:r>
+              <a:rPr lang="ru-RU" sz="2000" b="1" dirty="0" smtClean="0">
+                <a:solidFill>
+                  <a:schemeClr val="accent4"/>
+                </a:solidFill>
+              </a:rPr>
+              <a:t>-драйвера</a:t>
+            </a:r>
+          </a:p>
+        </p:txBody>
+      </p:sp>
+      <p:sp>
+        <p:nvSpPr>
+          <p:cNvPr id="37" name="Прямоугольник 36"/>
+          <p:cNvSpPr/>
+          <p:nvPr/>
+        </p:nvSpPr>
+        <p:spPr>
+          <a:xfrm>
+            <a:off x="5909983" y="1554343"/>
+            <a:ext cx="5153718" cy="386125"/>
+          </a:xfrm>
+          <a:prstGeom prst="rect">
+            <a:avLst/>
+          </a:prstGeom>
+          <a:noFill/>
+          <a:ln>
+            <a:noFill/>
+          </a:ln>
+        </p:spPr>
+        <p:style>
+          <a:lnRef idx="2">
+            <a:schemeClr val="accent1">
+              <a:shade val="50000"/>
+            </a:schemeClr>
+          </a:lnRef>
+          <a:fillRef idx="1">
+            <a:schemeClr val="accent1"/>
+          </a:fillRef>
+          <a:effectRef idx="0">
+            <a:schemeClr val="accent1"/>
+          </a:effectRef>
+          <a:fontRef idx="minor">
+            <a:schemeClr val="lt1"/>
+          </a:fontRef>
+        </p:style>
+        <p:txBody>
+          <a:bodyPr rtlCol="0" anchor="ctr"/>
+          <a:lstStyle/>
+          <a:p>
+            <a:r>
+              <a:rPr lang="ru-RU" sz="2000" b="1" dirty="0" err="1" smtClean="0">
+                <a:solidFill>
+                  <a:srgbClr val="1580D0"/>
+                </a:solidFill>
+              </a:rPr>
+              <a:t>Портированные</a:t>
+            </a:r>
+            <a:r>
+              <a:rPr lang="ru-RU" sz="2000" b="1" dirty="0" smtClean="0">
+                <a:solidFill>
+                  <a:srgbClr val="1580D0"/>
+                </a:solidFill>
+              </a:rPr>
+              <a:t> </a:t>
+            </a:r>
+            <a:r>
+              <a:rPr lang="en-US" sz="2000" b="1" dirty="0" smtClean="0">
+                <a:solidFill>
+                  <a:srgbClr val="1580D0"/>
+                </a:solidFill>
+              </a:rPr>
+              <a:t>Windows</a:t>
+            </a:r>
+            <a:r>
+              <a:rPr lang="ru-RU" sz="2000" b="1" dirty="0" smtClean="0">
+                <a:solidFill>
+                  <a:srgbClr val="1580D0"/>
+                </a:solidFill>
+              </a:rPr>
+              <a:t>-драйвера</a:t>
+            </a:r>
+          </a:p>
+        </p:txBody>
+      </p:sp>
+      <p:grpSp>
+        <p:nvGrpSpPr>
+          <p:cNvPr id="32" name="Группа 31"/>
+          <p:cNvGrpSpPr/>
+          <p:nvPr/>
+        </p:nvGrpSpPr>
+        <p:grpSpPr>
+          <a:xfrm>
+            <a:off x="5909983" y="1889467"/>
+            <a:ext cx="5153720" cy="953112"/>
+            <a:chOff x="5909983" y="2131525"/>
+            <a:chExt cx="5153720" cy="953112"/>
+          </a:xfrm>
+        </p:grpSpPr>
+        <p:sp>
+          <p:nvSpPr>
+            <p:cNvPr id="12" name="Прямоугольник 11"/>
+            <p:cNvSpPr/>
+            <p:nvPr/>
+          </p:nvSpPr>
+          <p:spPr>
+            <a:xfrm>
+              <a:off x="5909983" y="2467629"/>
+              <a:ext cx="5153720" cy="617008"/>
+            </a:xfrm>
+            <a:prstGeom prst="rect">
+              <a:avLst/>
+            </a:prstGeom>
+            <a:ln w="19050">
+              <a:prstDash val="dash"/>
+            </a:ln>
+          </p:spPr>
+          <p:style>
+            <a:lnRef idx="2">
+              <a:schemeClr val="accent5"/>
+            </a:lnRef>
+            <a:fillRef idx="1">
+              <a:schemeClr val="lt1"/>
+            </a:fillRef>
+            <a:effectRef idx="0">
+              <a:schemeClr val="accent5"/>
+            </a:effectRef>
+            <a:fontRef idx="minor">
+              <a:schemeClr val="dk1"/>
+            </a:fontRef>
+          </p:style>
+          <p:txBody>
+            <a:bodyPr rtlCol="0" anchor="ctr"/>
+            <a:lstStyle/>
+            <a:p>
+              <a:r>
+                <a:rPr lang="ru-RU" dirty="0" smtClean="0">
+                  <a:solidFill>
+                    <a:schemeClr val="tx1"/>
+                  </a:solidFill>
+                </a:rPr>
+                <a:t>Высокая сложность разработки</a:t>
+              </a:r>
+            </a:p>
+            <a:p>
+              <a:r>
+                <a:rPr lang="ru-RU" dirty="0" smtClean="0">
+                  <a:solidFill>
+                    <a:schemeClr val="tx1"/>
+                  </a:solidFill>
+                </a:rPr>
+                <a:t>Затраты на тестирование</a:t>
+              </a:r>
+            </a:p>
+          </p:txBody>
+        </p:sp>
+        <p:sp>
+          <p:nvSpPr>
+            <p:cNvPr id="38" name="Прямоугольник 37"/>
+            <p:cNvSpPr/>
+            <p:nvPr/>
+          </p:nvSpPr>
+          <p:spPr>
+            <a:xfrm>
+              <a:off x="5909983" y="2131525"/>
+              <a:ext cx="5153718" cy="386125"/>
+            </a:xfrm>
+            <a:prstGeom prst="rect">
+              <a:avLst/>
+            </a:prstGeom>
+            <a:noFill/>
+            <a:ln>
+              <a:noFill/>
+            </a:ln>
+          </p:spPr>
+          <p:style>
+            <a:lnRef idx="2">
+              <a:schemeClr val="accent1">
+                <a:shade val="50000"/>
+              </a:schemeClr>
+            </a:lnRef>
+            <a:fillRef idx="1">
+              <a:schemeClr val="accent1"/>
+            </a:fillRef>
+            <a:effectRef idx="0">
+              <a:schemeClr val="accent1"/>
+            </a:effectRef>
+            <a:fontRef idx="minor">
+              <a:schemeClr val="lt1"/>
+            </a:fontRef>
+          </p:style>
+          <p:txBody>
+            <a:bodyPr rtlCol="0" anchor="ctr"/>
+            <a:lstStyle/>
+            <a:p>
+              <a:r>
+                <a:rPr lang="ru-RU" i="1" dirty="0" smtClean="0">
+                  <a:solidFill>
+                    <a:srgbClr val="1580D0"/>
+                  </a:solidFill>
+                </a:rPr>
+                <a:t>Реализация драйвера «с нуля»</a:t>
+              </a:r>
+            </a:p>
+          </p:txBody>
+        </p:sp>
+      </p:grpSp>
+      <p:grpSp>
+        <p:nvGrpSpPr>
+          <p:cNvPr id="33" name="Группа 32"/>
+          <p:cNvGrpSpPr/>
+          <p:nvPr/>
+        </p:nvGrpSpPr>
+        <p:grpSpPr>
+          <a:xfrm>
+            <a:off x="5909983" y="2894658"/>
+            <a:ext cx="5153719" cy="946262"/>
+            <a:chOff x="5909983" y="3076200"/>
+            <a:chExt cx="5153719" cy="946262"/>
+          </a:xfrm>
+        </p:grpSpPr>
+        <p:sp>
+          <p:nvSpPr>
+            <p:cNvPr id="11" name="Прямоугольник 10"/>
+            <p:cNvSpPr/>
+            <p:nvPr/>
+          </p:nvSpPr>
+          <p:spPr>
+            <a:xfrm>
+              <a:off x="5909983" y="3449676"/>
+              <a:ext cx="5153719" cy="572786"/>
+            </a:xfrm>
+            <a:prstGeom prst="rect">
+              <a:avLst/>
+            </a:prstGeom>
+            <a:ln w="19050">
+              <a:prstDash val="dash"/>
+            </a:ln>
+          </p:spPr>
+          <p:style>
+            <a:lnRef idx="2">
+              <a:schemeClr val="accent5"/>
+            </a:lnRef>
+            <a:fillRef idx="1">
+              <a:schemeClr val="lt1"/>
+            </a:fillRef>
+            <a:effectRef idx="0">
+              <a:schemeClr val="accent5"/>
+            </a:effectRef>
+            <a:fontRef idx="minor">
+              <a:schemeClr val="dk1"/>
+            </a:fontRef>
+          </p:style>
+          <p:txBody>
+            <a:bodyPr rtlCol="0" anchor="ctr"/>
+            <a:lstStyle/>
+            <a:p>
+              <a:r>
+                <a:rPr lang="ru-RU" dirty="0" smtClean="0">
+                  <a:solidFill>
+                    <a:schemeClr val="tx1"/>
+                  </a:solidFill>
+                </a:rPr>
+                <a:t>Низкое качество драйверов</a:t>
+              </a:r>
+            </a:p>
+            <a:p>
+              <a:r>
+                <a:rPr lang="ru-RU" dirty="0" smtClean="0">
+                  <a:solidFill>
+                    <a:schemeClr val="tx1"/>
+                  </a:solidFill>
+                </a:rPr>
+                <a:t>Ограниченная поддержка ФС</a:t>
+              </a:r>
+            </a:p>
+          </p:txBody>
+        </p:sp>
+        <p:sp>
+          <p:nvSpPr>
+            <p:cNvPr id="39" name="Прямоугольник 38"/>
+            <p:cNvSpPr/>
+            <p:nvPr/>
+          </p:nvSpPr>
+          <p:spPr>
+            <a:xfrm>
+              <a:off x="5909983" y="3076200"/>
+              <a:ext cx="5153718" cy="386125"/>
+            </a:xfrm>
+            <a:prstGeom prst="rect">
+              <a:avLst/>
+            </a:prstGeom>
+            <a:noFill/>
+            <a:ln>
+              <a:noFill/>
+            </a:ln>
+          </p:spPr>
+          <p:style>
+            <a:lnRef idx="2">
+              <a:schemeClr val="accent1">
+                <a:shade val="50000"/>
+              </a:schemeClr>
+            </a:lnRef>
+            <a:fillRef idx="1">
+              <a:schemeClr val="accent1"/>
+            </a:fillRef>
+            <a:effectRef idx="0">
+              <a:schemeClr val="accent1"/>
+            </a:effectRef>
+            <a:fontRef idx="minor">
+              <a:schemeClr val="lt1"/>
+            </a:fontRef>
+          </p:style>
+          <p:txBody>
+            <a:bodyPr rtlCol="0" anchor="ctr"/>
+            <a:lstStyle/>
+            <a:p>
+              <a:r>
+                <a:rPr lang="ru-RU" i="1" dirty="0" smtClean="0">
+                  <a:solidFill>
+                    <a:srgbClr val="1580D0"/>
+                  </a:solidFill>
+                </a:rPr>
+                <a:t>Драйвера сторонних разработчиков</a:t>
+              </a:r>
+            </a:p>
+          </p:txBody>
+        </p:sp>
+      </p:grpSp>
+      <p:grpSp>
+        <p:nvGrpSpPr>
+          <p:cNvPr id="41" name="Группа 40"/>
+          <p:cNvGrpSpPr/>
+          <p:nvPr/>
+        </p:nvGrpSpPr>
+        <p:grpSpPr>
+          <a:xfrm>
+            <a:off x="5533465" y="4507978"/>
+            <a:ext cx="6010835" cy="78439"/>
+            <a:chOff x="5533465" y="4655901"/>
+            <a:chExt cx="6010835" cy="78439"/>
+          </a:xfrm>
+        </p:grpSpPr>
+        <p:cxnSp>
+          <p:nvCxnSpPr>
+            <p:cNvPr id="40" name="Прямая соединительная линия 39"/>
+            <p:cNvCxnSpPr/>
+            <p:nvPr/>
+          </p:nvCxnSpPr>
+          <p:spPr>
+            <a:xfrm>
+              <a:off x="5533465" y="4655901"/>
+              <a:ext cx="6010835" cy="0"/>
+            </a:xfrm>
+            <a:prstGeom prst="line">
+              <a:avLst/>
+            </a:prstGeom>
+            <a:ln w="28575"/>
+          </p:spPr>
+          <p:style>
+            <a:lnRef idx="1">
+              <a:schemeClr val="accent1"/>
+            </a:lnRef>
+            <a:fillRef idx="0">
+              <a:schemeClr val="accent1"/>
+            </a:fillRef>
+            <a:effectRef idx="0">
+              <a:schemeClr val="accent1"/>
+            </a:effectRef>
+            <a:fontRef idx="minor">
+              <a:schemeClr val="tx1"/>
+            </a:fontRef>
+          </p:style>
+        </p:cxnSp>
+        <p:cxnSp>
+          <p:nvCxnSpPr>
+            <p:cNvPr id="45" name="Прямая соединительная линия 44"/>
+            <p:cNvCxnSpPr/>
+            <p:nvPr/>
+          </p:nvCxnSpPr>
+          <p:spPr>
+            <a:xfrm>
+              <a:off x="5533465" y="4734340"/>
+              <a:ext cx="6010835" cy="0"/>
+            </a:xfrm>
+            <a:prstGeom prst="line">
+              <a:avLst/>
+            </a:prstGeom>
+            <a:ln w="28575"/>
+          </p:spPr>
+          <p:style>
+            <a:lnRef idx="1">
+              <a:schemeClr val="accent4"/>
+            </a:lnRef>
+            <a:fillRef idx="0">
+              <a:schemeClr val="accent4"/>
+            </a:fillRef>
+            <a:effectRef idx="0">
+              <a:schemeClr val="accent4"/>
+            </a:effectRef>
+            <a:fontRef idx="minor">
+              <a:schemeClr val="tx1"/>
+            </a:fontRef>
+          </p:style>
+        </p:cxnSp>
+      </p:grpSp>
+      <p:sp>
+        <p:nvSpPr>
+          <p:cNvPr id="44" name="Стрелка вправо 43"/>
+          <p:cNvSpPr/>
+          <p:nvPr/>
+        </p:nvSpPr>
+        <p:spPr>
+          <a:xfrm rot="20137724">
+            <a:off x="4092116" y="3126164"/>
+            <a:ext cx="1472095" cy="464954"/>
+          </a:xfrm>
+          <a:prstGeom prst="rightArrow">
+            <a:avLst>
+              <a:gd name="adj1" fmla="val 26093"/>
+              <a:gd name="adj2" fmla="val 109991"/>
+            </a:avLst>
+          </a:prstGeom>
+        </p:spPr>
+        <p:style>
+          <a:lnRef idx="2">
+            <a:schemeClr val="accent1">
+              <a:shade val="50000"/>
+            </a:schemeClr>
+          </a:lnRef>
+          <a:fillRef idx="1">
+            <a:schemeClr val="accent1"/>
+          </a:fillRef>
+          <a:effectRef idx="0">
+            <a:schemeClr val="accent1"/>
+          </a:effectRef>
+          <a:fontRef idx="minor">
+            <a:schemeClr val="lt1"/>
+          </a:fontRef>
+        </p:style>
+        <p:txBody>
+          <a:bodyPr rtlCol="0" anchor="ctr"/>
+          <a:lstStyle/>
+          <a:p>
+            <a:pPr algn="ctr"/>
+            <a:endParaRPr lang="ru-RU"/>
+          </a:p>
+        </p:txBody>
+      </p:sp>
+      <p:sp>
+        <p:nvSpPr>
+          <p:cNvPr id="50" name="Стрелка вправо 49"/>
+          <p:cNvSpPr/>
+          <p:nvPr/>
+        </p:nvSpPr>
+        <p:spPr>
+          <a:xfrm rot="2620760" flipV="1">
+            <a:off x="4018601" y="4353939"/>
+            <a:ext cx="1472095" cy="464954"/>
+          </a:xfrm>
+          <a:prstGeom prst="rightArrow">
+            <a:avLst>
+              <a:gd name="adj1" fmla="val 26093"/>
+              <a:gd name="adj2" fmla="val 109991"/>
+            </a:avLst>
+          </a:prstGeom>
+        </p:spPr>
+        <p:style>
+          <a:lnRef idx="2">
+            <a:schemeClr val="accent4">
+              <a:shade val="50000"/>
+            </a:schemeClr>
+          </a:lnRef>
+          <a:fillRef idx="1">
+            <a:schemeClr val="accent4"/>
+          </a:fillRef>
+          <a:effectRef idx="0">
+            <a:schemeClr val="accent4"/>
+          </a:effectRef>
+          <a:fontRef idx="minor">
+            <a:schemeClr val="lt1"/>
+          </a:fontRef>
+        </p:style>
+        <p:txBody>
+          <a:bodyPr rtlCol="0" anchor="ctr"/>
+          <a:lstStyle/>
+          <a:p>
+            <a:pPr algn="ctr"/>
+            <a:endParaRPr lang="ru-RU"/>
+          </a:p>
+        </p:txBody>
+      </p:sp>
+    </p:spTree>
+    <p:extLst>
+      <p:ext uri="{BB962C8B-B14F-4D97-AF65-F5344CB8AC3E}">
+        <p14:creationId xmlns:p14="http://schemas.microsoft.com/office/powerpoint/2010/main" val="2464141840"/>
+      </p:ext>
+    </p:extLst>
+  </p:cSld>
+  <p:clrMapOvr>
+    <a:masterClrMapping/>
+  </p:clrMapOvr>
+  <p:timing>
+    <p:tnLst>
+      <p:par>
+        <p:cTn id="1" dur="indefinite" restart="never" nodeType="tmRoot"/>
+      </p:par>
+    </p:tnLst>
+  </p:timing>
+</p:sld>
+</file>
+
+<file path=ppt/slides/slide7.xml><?xml version="1.0" encoding="utf-8"?>
+<p:sld xmlns:a="http://schemas.openxmlformats.org/drawingml/2006/main" xmlns:r="http://schemas.openxmlformats.org/officeDocument/2006/relationships" xmlns:p="http://schemas.openxmlformats.org/presentationml/2006/main">
+  <p:cSld>
+    <p:spTree>
+      <p:nvGrpSpPr>
+        <p:cNvPr id="1" name=""/>
+        <p:cNvGrpSpPr/>
+        <p:nvPr/>
+      </p:nvGrpSpPr>
+      <p:grpSpPr>
+        <a:xfrm>
+          <a:off x="0" y="0"/>
+          <a:ext cx="0" cy="0"/>
+          <a:chOff x="0" y="0"/>
+          <a:chExt cx="0" cy="0"/>
+        </a:xfrm>
+      </p:grpSpPr>
+      <p:grpSp>
+        <p:nvGrpSpPr>
+          <p:cNvPr id="18" name="Группа 17"/>
+          <p:cNvGrpSpPr/>
+          <p:nvPr/>
+        </p:nvGrpSpPr>
+        <p:grpSpPr>
+          <a:xfrm>
+            <a:off x="5460066" y="2588566"/>
+            <a:ext cx="2487144" cy="2530497"/>
+            <a:chOff x="4942351" y="2548222"/>
+            <a:chExt cx="2487144" cy="2530497"/>
+          </a:xfrm>
+        </p:grpSpPr>
+        <p:sp>
+          <p:nvSpPr>
+            <p:cNvPr id="20" name="Прямоугольник 19"/>
+            <p:cNvSpPr/>
+            <p:nvPr/>
+          </p:nvSpPr>
+          <p:spPr>
+            <a:xfrm>
+              <a:off x="4942351" y="2548222"/>
+              <a:ext cx="2487144" cy="2530497"/>
+            </a:xfrm>
+            <a:prstGeom prst="rect">
+              <a:avLst/>
+            </a:prstGeom>
+            <a:noFill/>
+            <a:ln w="28575"/>
+          </p:spPr>
+          <p:style>
+            <a:lnRef idx="2">
+              <a:schemeClr val="accent4"/>
+            </a:lnRef>
+            <a:fillRef idx="1">
+              <a:schemeClr val="lt1"/>
+            </a:fillRef>
+            <a:effectRef idx="0">
+              <a:schemeClr val="accent4"/>
+            </a:effectRef>
+            <a:fontRef idx="minor">
+              <a:schemeClr val="dk1"/>
+            </a:fontRef>
+          </p:style>
+          <p:txBody>
+            <a:bodyPr rtlCol="0" anchor="b" anchorCtr="0"/>
+            <a:lstStyle/>
+            <a:p>
+              <a:pPr algn="ctr"/>
+              <a:endParaRPr lang="ru-RU" dirty="0">
+                <a:solidFill>
+                  <a:schemeClr val="tx1"/>
+                </a:solidFill>
+              </a:endParaRPr>
+            </a:p>
+          </p:txBody>
+        </p:sp>
+        <p:sp>
+          <p:nvSpPr>
+            <p:cNvPr id="8" name="Прямоугольник 7"/>
+            <p:cNvSpPr/>
+            <p:nvPr/>
+          </p:nvSpPr>
+          <p:spPr>
+            <a:xfrm>
+              <a:off x="5016315" y="2642347"/>
+              <a:ext cx="2332503" cy="2362717"/>
+            </a:xfrm>
+            <a:prstGeom prst="rect">
+              <a:avLst/>
+            </a:prstGeom>
+            <a:ln w="28575"/>
+          </p:spPr>
+          <p:style>
+            <a:lnRef idx="2">
+              <a:schemeClr val="accent4"/>
+            </a:lnRef>
+            <a:fillRef idx="1">
+              <a:schemeClr val="lt1"/>
+            </a:fillRef>
+            <a:effectRef idx="0">
+              <a:schemeClr val="accent4"/>
+            </a:effectRef>
+            <a:fontRef idx="minor">
+              <a:schemeClr val="dk1"/>
+            </a:fontRef>
+          </p:style>
+          <p:txBody>
+            <a:bodyPr rtlCol="0" anchor="b" anchorCtr="0"/>
+            <a:lstStyle/>
+            <a:p>
+              <a:pPr algn="ctr"/>
+              <a:r>
+                <a:rPr lang="ru-RU" dirty="0" smtClean="0">
+                  <a:solidFill>
+                    <a:schemeClr val="tx1"/>
+                  </a:solidFill>
+                </a:rPr>
+                <a:t>Дистрибутив </a:t>
+              </a:r>
+              <a:r>
+                <a:rPr lang="en-US" dirty="0" smtClean="0">
+                  <a:solidFill>
+                    <a:schemeClr val="tx1"/>
+                  </a:solidFill>
+                </a:rPr>
+                <a:t>Linux</a:t>
+              </a:r>
+              <a:endParaRPr lang="ru-RU" dirty="0" smtClean="0">
+                <a:solidFill>
+                  <a:schemeClr val="tx1"/>
+                </a:solidFill>
+              </a:endParaRPr>
+            </a:p>
+          </p:txBody>
+        </p:sp>
+        <p:sp>
+          <p:nvSpPr>
+            <p:cNvPr id="15" name="Скругленный прямоугольник 14"/>
+            <p:cNvSpPr/>
+            <p:nvPr/>
+          </p:nvSpPr>
+          <p:spPr>
+            <a:xfrm>
+              <a:off x="5170957" y="2803402"/>
+              <a:ext cx="2016496" cy="646404"/>
+            </a:xfrm>
+            <a:prstGeom prst="roundRect">
+              <a:avLst/>
+            </a:prstGeom>
+            <a:ln w="28575">
+              <a:solidFill>
+                <a:schemeClr val="tx1"/>
+              </a:solidFill>
+            </a:ln>
+          </p:spPr>
+          <p:style>
+            <a:lnRef idx="2">
+              <a:schemeClr val="accent4"/>
+            </a:lnRef>
+            <a:fillRef idx="1">
+              <a:schemeClr val="lt1"/>
+            </a:fillRef>
+            <a:effectRef idx="0">
+              <a:schemeClr val="accent4"/>
+            </a:effectRef>
+            <a:fontRef idx="minor">
+              <a:schemeClr val="dk1"/>
+            </a:fontRef>
+          </p:style>
+          <p:txBody>
+            <a:bodyPr rtlCol="0" anchor="ctr"/>
+            <a:lstStyle/>
+            <a:p>
+              <a:pPr algn="ctr"/>
+              <a:r>
+                <a:rPr lang="ru-RU" dirty="0" smtClean="0">
+                  <a:solidFill>
+                    <a:schemeClr val="tx1"/>
+                  </a:solidFill>
+                </a:rPr>
+                <a:t>Демон</a:t>
+              </a:r>
+              <a:endParaRPr lang="ru-RU" dirty="0">
+                <a:solidFill>
+                  <a:schemeClr val="tx1"/>
+                </a:solidFill>
+              </a:endParaRPr>
+            </a:p>
+          </p:txBody>
+        </p:sp>
+      </p:grpSp>
+      <p:pic>
+        <p:nvPicPr>
+          <p:cNvPr id="11" name="Picture 4" descr="http://windowsapptutorials.com/wp-content/uploads/2014/12/Windows-8.1.jpg"/>
+          <p:cNvPicPr>
+            <a:picLocks noChangeAspect="1" noChangeArrowheads="1"/>
+          </p:cNvPicPr>
+          <p:nvPr/>
+        </p:nvPicPr>
+        <p:blipFill rotWithShape="1">
+          <a:blip r:embed="rId2">
+            <a:extLst>
+              <a:ext uri="{28A0092B-C50C-407E-A947-70E740481C1C}">
+                <a14:useLocalDpi xmlns:a14="http://schemas.microsoft.com/office/drawing/2010/main" val="0"/>
+              </a:ext>
+            </a:extLst>
+          </a:blip>
+          <a:srcRect l="-426" t="189" r="426" b="72317"/>
+          <a:stretch/>
+        </p:blipFill>
+        <p:spPr bwMode="auto">
+          <a:xfrm rot="10800000">
+            <a:off x="-6720" y="134472"/>
+            <a:ext cx="12265959" cy="1311088"/>
+          </a:xfrm>
+          <a:prstGeom prst="rect">
+            <a:avLst/>
+          </a:prstGeom>
+          <a:noFill/>
+          <a:extLst>
+            <a:ext uri="{909E8E84-426E-40DD-AFC4-6F175D3DCCD1}">
+              <a14:hiddenFill xmlns:a14="http://schemas.microsoft.com/office/drawing/2010/main">
+                <a:solidFill>
+                  <a:srgbClr val="FFFFFF"/>
+                </a:solidFill>
+              </a14:hiddenFill>
+            </a:ext>
+          </a:extLst>
+        </p:spPr>
+      </p:pic>
+      <p:sp>
+        <p:nvSpPr>
+          <p:cNvPr id="2" name="Заголовок 1"/>
+          <p:cNvSpPr>
+            <a:spLocks noGrp="1"/>
+          </p:cNvSpPr>
+          <p:nvPr>
+            <p:ph type="title"/>
+          </p:nvPr>
+        </p:nvSpPr>
+        <p:spPr/>
+        <p:txBody>
+          <a:bodyPr/>
+          <a:lstStyle/>
+          <a:p>
+            <a:r>
+              <a:rPr lang="ru-RU" dirty="0" smtClean="0">
+                <a:solidFill>
+                  <a:schemeClr val="bg1"/>
+                </a:solidFill>
+              </a:rPr>
+              <a:t>Архитектура</a:t>
+            </a:r>
+            <a:endParaRPr lang="ru-RU" dirty="0">
+              <a:solidFill>
+                <a:schemeClr val="bg1"/>
+              </a:solidFill>
+            </a:endParaRPr>
+          </a:p>
+        </p:txBody>
+      </p:sp>
+      <p:sp>
+        <p:nvSpPr>
+          <p:cNvPr id="4" name="Номер слайда 3"/>
+          <p:cNvSpPr>
+            <a:spLocks noGrp="1"/>
+          </p:cNvSpPr>
+          <p:nvPr>
+            <p:ph type="sldNum" sz="quarter" idx="12"/>
+          </p:nvPr>
+        </p:nvSpPr>
+        <p:spPr/>
+        <p:txBody>
+          <a:bodyPr/>
+          <a:lstStyle/>
+          <a:p>
+            <a:fld id="{7E7C1622-4091-4E7B-99B0-4C976627CE55}" type="slidenum">
+              <a:rPr lang="ru-RU" smtClean="0"/>
+              <a:t>7</a:t>
+            </a:fld>
+            <a:endParaRPr lang="ru-RU"/>
+          </a:p>
+        </p:txBody>
+      </p:sp>
+      <p:sp>
+        <p:nvSpPr>
+          <p:cNvPr id="7" name="Прямоугольник 6"/>
+          <p:cNvSpPr/>
+          <p:nvPr/>
+        </p:nvSpPr>
+        <p:spPr>
+          <a:xfrm>
+            <a:off x="5284895" y="2460815"/>
+            <a:ext cx="4538186" cy="2803907"/>
+          </a:xfrm>
+          <a:prstGeom prst="rect">
+            <a:avLst/>
+          </a:prstGeom>
+          <a:noFill/>
+          <a:ln w="28575">
+            <a:solidFill>
+              <a:schemeClr val="tx1"/>
+            </a:solidFill>
+          </a:ln>
+        </p:spPr>
+        <p:style>
+          <a:lnRef idx="2">
+            <a:schemeClr val="accent1">
+              <a:shade val="50000"/>
+            </a:schemeClr>
+          </a:lnRef>
+          <a:fillRef idx="1">
+            <a:schemeClr val="accent1"/>
+          </a:fillRef>
+          <a:effectRef idx="0">
+            <a:schemeClr val="accent1"/>
+          </a:effectRef>
+          <a:fontRef idx="minor">
+            <a:schemeClr val="lt1"/>
+          </a:fontRef>
+        </p:style>
+        <p:txBody>
+          <a:bodyPr rtlCol="0" anchor="t" anchorCtr="0"/>
+          <a:lstStyle/>
+          <a:p>
+            <a:pPr algn="r"/>
+            <a:r>
+              <a:rPr lang="ru-RU" dirty="0" smtClean="0">
+                <a:solidFill>
+                  <a:schemeClr val="tx1"/>
+                </a:solidFill>
+              </a:rPr>
+              <a:t>Виртуальная</a:t>
+            </a:r>
+          </a:p>
+          <a:p>
+            <a:pPr algn="r"/>
+            <a:r>
+              <a:rPr lang="ru-RU" dirty="0" smtClean="0">
+                <a:solidFill>
+                  <a:schemeClr val="tx1"/>
+                </a:solidFill>
+              </a:rPr>
+              <a:t>машина</a:t>
+            </a:r>
+            <a:endParaRPr lang="ru-RU" dirty="0">
+              <a:solidFill>
+                <a:schemeClr val="tx1"/>
+              </a:solidFill>
+            </a:endParaRPr>
+          </a:p>
+        </p:txBody>
+      </p:sp>
+      <p:grpSp>
+        <p:nvGrpSpPr>
+          <p:cNvPr id="16" name="Группа 15"/>
+          <p:cNvGrpSpPr/>
+          <p:nvPr/>
+        </p:nvGrpSpPr>
+        <p:grpSpPr>
+          <a:xfrm>
+            <a:off x="1140765" y="2588566"/>
+            <a:ext cx="1938614" cy="2330924"/>
+            <a:chOff x="649945" y="2420471"/>
+            <a:chExt cx="1938614" cy="2330924"/>
+          </a:xfrm>
+        </p:grpSpPr>
+        <p:sp>
+          <p:nvSpPr>
+            <p:cNvPr id="6" name="Прямоугольник 5"/>
+            <p:cNvSpPr/>
+            <p:nvPr/>
+          </p:nvSpPr>
+          <p:spPr>
+            <a:xfrm>
+              <a:off x="649945" y="2420471"/>
+              <a:ext cx="1938614" cy="2330924"/>
+            </a:xfrm>
+            <a:prstGeom prst="rect">
+              <a:avLst/>
+            </a:prstGeom>
+            <a:ln w="28575"/>
+          </p:spPr>
+          <p:style>
+            <a:lnRef idx="2">
+              <a:schemeClr val="accent5"/>
+            </a:lnRef>
+            <a:fillRef idx="1">
+              <a:schemeClr val="lt1"/>
+            </a:fillRef>
+            <a:effectRef idx="0">
+              <a:schemeClr val="accent5"/>
+            </a:effectRef>
+            <a:fontRef idx="minor">
+              <a:schemeClr val="dk1"/>
+            </a:fontRef>
+          </p:style>
+          <p:txBody>
+            <a:bodyPr rtlCol="0" anchor="t" anchorCtr="0"/>
+            <a:lstStyle/>
+            <a:p>
+              <a:pPr algn="ctr"/>
+              <a:endParaRPr lang="ru-RU" dirty="0" smtClean="0">
+                <a:solidFill>
+                  <a:schemeClr val="tx1"/>
+                </a:solidFill>
+              </a:endParaRPr>
+            </a:p>
+            <a:p>
+              <a:pPr algn="ctr"/>
+              <a:r>
+                <a:rPr lang="ru-RU" dirty="0" smtClean="0">
+                  <a:solidFill>
+                    <a:schemeClr val="tx1"/>
+                  </a:solidFill>
+                </a:rPr>
+                <a:t>Приложение</a:t>
+              </a:r>
+            </a:p>
+            <a:p>
+              <a:pPr algn="ctr"/>
+              <a:r>
+                <a:rPr lang="ru-RU" dirty="0" smtClean="0">
+                  <a:solidFill>
+                    <a:schemeClr val="tx1"/>
+                  </a:solidFill>
+                </a:rPr>
+                <a:t>ОС </a:t>
+              </a:r>
+              <a:r>
+                <a:rPr lang="en-US" dirty="0" smtClean="0">
+                  <a:solidFill>
+                    <a:schemeClr val="tx1"/>
+                  </a:solidFill>
+                </a:rPr>
+                <a:t>Windows</a:t>
+              </a:r>
+              <a:endParaRPr lang="ru-RU" dirty="0">
+                <a:solidFill>
+                  <a:schemeClr val="tx1"/>
+                </a:solidFill>
+              </a:endParaRPr>
+            </a:p>
+          </p:txBody>
+        </p:sp>
+        <p:sp>
+          <p:nvSpPr>
+            <p:cNvPr id="12" name="Прямоугольник 11"/>
+            <p:cNvSpPr/>
+            <p:nvPr/>
+          </p:nvSpPr>
+          <p:spPr>
+            <a:xfrm>
+              <a:off x="649945" y="4121639"/>
+              <a:ext cx="1938614" cy="629754"/>
+            </a:xfrm>
+            <a:prstGeom prst="rect">
+              <a:avLst/>
+            </a:prstGeom>
+            <a:ln w="28575"/>
+          </p:spPr>
+          <p:style>
+            <a:lnRef idx="2">
+              <a:schemeClr val="accent5"/>
+            </a:lnRef>
+            <a:fillRef idx="1">
+              <a:schemeClr val="lt1"/>
+            </a:fillRef>
+            <a:effectRef idx="0">
+              <a:schemeClr val="accent5"/>
+            </a:effectRef>
+            <a:fontRef idx="minor">
+              <a:schemeClr val="dk1"/>
+            </a:fontRef>
+          </p:style>
+          <p:txBody>
+            <a:bodyPr rtlCol="0" anchor="ctr"/>
+            <a:lstStyle/>
+            <a:p>
+              <a:pPr algn="ctr"/>
+              <a:r>
+                <a:rPr lang="ru-RU" dirty="0" smtClean="0">
+                  <a:solidFill>
+                    <a:schemeClr val="tx1"/>
+                  </a:solidFill>
+                </a:rPr>
+                <a:t>Библиотека </a:t>
+              </a:r>
+              <a:r>
+                <a:rPr lang="en-US" dirty="0" smtClean="0">
+                  <a:solidFill>
+                    <a:schemeClr val="tx1"/>
+                  </a:solidFill>
+                </a:rPr>
+                <a:t>DLL</a:t>
+              </a:r>
+              <a:endParaRPr lang="ru-RU" dirty="0">
+                <a:solidFill>
+                  <a:schemeClr val="tx1"/>
+                </a:solidFill>
+              </a:endParaRPr>
+            </a:p>
+          </p:txBody>
+        </p:sp>
+        <p:sp>
+          <p:nvSpPr>
+            <p:cNvPr id="17" name="Прямоугольник 16"/>
+            <p:cNvSpPr/>
+            <p:nvPr/>
+          </p:nvSpPr>
+          <p:spPr>
+            <a:xfrm>
+              <a:off x="728381" y="4195480"/>
+              <a:ext cx="1786219" cy="486423"/>
+            </a:xfrm>
+            <a:prstGeom prst="rect">
+              <a:avLst/>
+            </a:prstGeom>
+            <a:noFill/>
+            <a:ln w="28575"/>
+          </p:spPr>
+          <p:style>
+            <a:lnRef idx="2">
+              <a:schemeClr val="accent5"/>
+            </a:lnRef>
+            <a:fillRef idx="1">
+              <a:schemeClr val="lt1"/>
+            </a:fillRef>
+            <a:effectRef idx="0">
+              <a:schemeClr val="accent5"/>
+            </a:effectRef>
+            <a:fontRef idx="minor">
+              <a:schemeClr val="dk1"/>
+            </a:fontRef>
+          </p:style>
+          <p:txBody>
+            <a:bodyPr rtlCol="0" anchor="ctr"/>
+            <a:lstStyle/>
+            <a:p>
+              <a:pPr algn="ctr"/>
+              <a:endParaRPr lang="ru-RU" dirty="0">
+                <a:solidFill>
+                  <a:schemeClr val="tx1"/>
+                </a:solidFill>
+              </a:endParaRPr>
+            </a:p>
+          </p:txBody>
+        </p:sp>
+      </p:grpSp>
+      <p:sp>
+        <p:nvSpPr>
+          <p:cNvPr id="23" name="Скругленный прямоугольник 22"/>
+          <p:cNvSpPr/>
+          <p:nvPr/>
+        </p:nvSpPr>
+        <p:spPr>
+          <a:xfrm>
+            <a:off x="5695390" y="3830456"/>
+            <a:ext cx="2016496" cy="646404"/>
+          </a:xfrm>
+          <a:prstGeom prst="roundRect">
+            <a:avLst/>
+          </a:prstGeom>
+          <a:ln w="28575">
+            <a:solidFill>
+              <a:schemeClr val="tx1"/>
+            </a:solidFill>
+          </a:ln>
+        </p:spPr>
+        <p:style>
+          <a:lnRef idx="2">
+            <a:schemeClr val="accent4"/>
+          </a:lnRef>
+          <a:fillRef idx="1">
+            <a:schemeClr val="lt1"/>
+          </a:fillRef>
+          <a:effectRef idx="0">
+            <a:schemeClr val="accent4"/>
+          </a:effectRef>
+          <a:fontRef idx="minor">
+            <a:schemeClr val="dk1"/>
+          </a:fontRef>
+        </p:style>
+        <p:txBody>
+          <a:bodyPr rtlCol="0" anchor="ctr"/>
+          <a:lstStyle/>
+          <a:p>
+            <a:pPr algn="ctr"/>
+            <a:r>
+              <a:rPr lang="ru-RU" dirty="0" smtClean="0">
+                <a:solidFill>
+                  <a:schemeClr val="tx1"/>
+                </a:solidFill>
+              </a:rPr>
+              <a:t>Драйвера</a:t>
+            </a:r>
+            <a:endParaRPr lang="ru-RU" dirty="0">
+              <a:solidFill>
+                <a:schemeClr val="tx1"/>
+              </a:solidFill>
+            </a:endParaRPr>
+          </a:p>
+        </p:txBody>
+      </p:sp>
+      <p:cxnSp>
+        <p:nvCxnSpPr>
+          <p:cNvPr id="24" name="Прямая соединительная линия 23"/>
+          <p:cNvCxnSpPr>
+            <a:endCxn id="23" idx="0"/>
+          </p:cNvCxnSpPr>
+          <p:nvPr/>
+        </p:nvCxnSpPr>
+        <p:spPr>
+          <a:xfrm>
+            <a:off x="6700281" y="3490150"/>
+            <a:ext cx="3357" cy="340306"/>
+          </a:xfrm>
+          <a:prstGeom prst="line">
+            <a:avLst/>
+          </a:prstGeom>
+          <a:ln w="28575">
+            <a:solidFill>
+              <a:schemeClr val="tx1"/>
+            </a:solidFill>
+            <a:headEnd type="triangle" w="med" len="med"/>
+            <a:tailEnd type="triangle" w="med" len="med"/>
+          </a:ln>
+        </p:spPr>
+        <p:style>
+          <a:lnRef idx="1">
+            <a:schemeClr val="accent1"/>
+          </a:lnRef>
+          <a:fillRef idx="0">
+            <a:schemeClr val="accent1"/>
+          </a:fillRef>
+          <a:effectRef idx="0">
+            <a:schemeClr val="accent1"/>
+          </a:effectRef>
+          <a:fontRef idx="minor">
+            <a:schemeClr val="tx1"/>
+          </a:fontRef>
+        </p:style>
+      </p:cxnSp>
+      <p:cxnSp>
+        <p:nvCxnSpPr>
+          <p:cNvPr id="29" name="Прямая соединительная линия 28"/>
+          <p:cNvCxnSpPr>
+            <a:stCxn id="23" idx="3"/>
+            <a:endCxn id="4098" idx="1"/>
+          </p:cNvCxnSpPr>
+          <p:nvPr/>
+        </p:nvCxnSpPr>
+        <p:spPr>
+          <a:xfrm>
+            <a:off x="7711886" y="4153658"/>
+            <a:ext cx="1069042" cy="7879"/>
+          </a:xfrm>
+          <a:prstGeom prst="line">
+            <a:avLst/>
+          </a:prstGeom>
+          <a:ln w="28575">
+            <a:solidFill>
+              <a:schemeClr val="accent4">
+                <a:lumMod val="75000"/>
+              </a:schemeClr>
+            </a:solidFill>
+            <a:prstDash val="sysDash"/>
+            <a:headEnd type="triangle" w="med" len="med"/>
+            <a:tailEnd type="triangle" w="med" len="med"/>
+          </a:ln>
+        </p:spPr>
+        <p:style>
+          <a:lnRef idx="1">
+            <a:schemeClr val="accent4"/>
+          </a:lnRef>
+          <a:fillRef idx="0">
+            <a:schemeClr val="accent4"/>
+          </a:fillRef>
+          <a:effectRef idx="0">
+            <a:schemeClr val="accent4"/>
+          </a:effectRef>
+          <a:fontRef idx="minor">
+            <a:schemeClr val="tx1"/>
+          </a:fontRef>
+        </p:style>
+      </p:cxnSp>
+      <p:grpSp>
+        <p:nvGrpSpPr>
+          <p:cNvPr id="41" name="Группа 40"/>
+          <p:cNvGrpSpPr/>
+          <p:nvPr/>
+        </p:nvGrpSpPr>
+        <p:grpSpPr>
+          <a:xfrm>
+            <a:off x="8444753" y="3500059"/>
+            <a:ext cx="2904568" cy="1291678"/>
+            <a:chOff x="8444753" y="3500059"/>
+            <a:chExt cx="2904568" cy="1291678"/>
+          </a:xfrm>
+        </p:grpSpPr>
+        <p:pic>
+          <p:nvPicPr>
+            <p:cNvPr id="4098" name="Picture 2" descr="https://lh5.googleusercontent.com/ogmzoLgKTxAugj2t40EGiIh2QefPetj5pVjXvWpnpsCwbHCing3hbfa6fs6FQSJ-bkkbfSl1hqaxrkolwuwW_GiPl2AjYcEnfOVdoMOvw7fekm8OzgiH2AnrVmE564436P9MFmiPrQ"/>
+            <p:cNvPicPr>
+              <a:picLocks noChangeAspect="1" noChangeArrowheads="1"/>
+            </p:cNvPicPr>
+            <p:nvPr/>
+          </p:nvPicPr>
+          <p:blipFill>
+            <a:blip r:embed="rId3" cstate="print">
+              <a:extLst>
+                <a:ext uri="{BEBA8EAE-BF5A-486C-A8C5-ECC9F3942E4B}">
+                  <a14:imgProps xmlns:a14="http://schemas.microsoft.com/office/drawing/2010/main">
+                    <a14:imgLayer r:embed="rId4">
+                      <a14:imgEffect>
+                        <a14:saturation sat="66000"/>
+                      </a14:imgEffect>
+                    </a14:imgLayer>
+                  </a14:imgProps>
+                </a:ext>
+                <a:ext uri="{28A0092B-C50C-407E-A947-70E740481C1C}">
+                  <a14:useLocalDpi xmlns:a14="http://schemas.microsoft.com/office/drawing/2010/main" val="0"/>
+                </a:ext>
+              </a:extLst>
+            </a:blip>
+            <a:srcRect/>
+            <a:stretch>
+              <a:fillRect/>
+            </a:stretch>
+          </p:blipFill>
+          <p:spPr bwMode="auto">
+            <a:xfrm>
+              <a:off x="8780928" y="3705441"/>
+              <a:ext cx="912191" cy="912191"/>
+            </a:xfrm>
+            <a:prstGeom prst="rect">
+              <a:avLst/>
+            </a:prstGeom>
+            <a:noFill/>
+            <a:extLst>
+              <a:ext uri="{909E8E84-426E-40DD-AFC4-6F175D3DCCD1}">
+                <a14:hiddenFill xmlns:a14="http://schemas.microsoft.com/office/drawing/2010/main">
+                  <a:solidFill>
+                    <a:srgbClr val="FFFFFF"/>
+                  </a:solidFill>
+                </a14:hiddenFill>
+              </a:ext>
+            </a:extLst>
+          </p:spPr>
+        </p:pic>
+        <p:pic>
+          <p:nvPicPr>
+            <p:cNvPr id="28" name="Picture 8" descr="http://freeiconbox.com/icon/256/40097.png"/>
+            <p:cNvPicPr>
+              <a:picLocks noChangeAspect="1" noChangeArrowheads="1"/>
+            </p:cNvPicPr>
+            <p:nvPr/>
+          </p:nvPicPr>
+          <p:blipFill rotWithShape="1">
+            <a:blip r:embed="rId5">
+              <a:extLst>
+                <a:ext uri="{28A0092B-C50C-407E-A947-70E740481C1C}">
+                  <a14:useLocalDpi xmlns:a14="http://schemas.microsoft.com/office/drawing/2010/main" val="0"/>
+                </a:ext>
+              </a:extLst>
+            </a:blip>
+            <a:srcRect l="28438" t="21939" r="28303" b="21817"/>
+            <a:stretch/>
+          </p:blipFill>
+          <p:spPr bwMode="auto">
+            <a:xfrm>
+              <a:off x="10455098" y="3679648"/>
+              <a:ext cx="726141" cy="948019"/>
+            </a:xfrm>
+            <a:prstGeom prst="rect">
+              <a:avLst/>
+            </a:prstGeom>
+            <a:noFill/>
+            <a:extLst>
+              <a:ext uri="{909E8E84-426E-40DD-AFC4-6F175D3DCCD1}">
+                <a14:hiddenFill xmlns:a14="http://schemas.microsoft.com/office/drawing/2010/main">
+                  <a:solidFill>
+                    <a:srgbClr val="FFFFFF"/>
+                  </a:solidFill>
+                </a14:hiddenFill>
+              </a:ext>
+            </a:extLst>
+          </p:spPr>
+        </p:pic>
+        <p:cxnSp>
+          <p:nvCxnSpPr>
+            <p:cNvPr id="31" name="Прямая соединительная линия 30"/>
+            <p:cNvCxnSpPr>
+              <a:stCxn id="28" idx="1"/>
+              <a:endCxn id="4098" idx="3"/>
+            </p:cNvCxnSpPr>
+            <p:nvPr/>
+          </p:nvCxnSpPr>
+          <p:spPr>
+            <a:xfrm flipH="1">
+              <a:off x="9693119" y="4153658"/>
+              <a:ext cx="761979" cy="7879"/>
+            </a:xfrm>
+            <a:prstGeom prst="line">
+              <a:avLst/>
+            </a:prstGeom>
+            <a:ln w="28575">
+              <a:solidFill>
+                <a:schemeClr val="tx1"/>
+              </a:solidFill>
+              <a:prstDash val="sysDot"/>
+              <a:headEnd type="none" w="med" len="med"/>
+              <a:tailEnd type="none" w="med" len="med"/>
+            </a:ln>
+          </p:spPr>
+          <p:style>
+            <a:lnRef idx="1">
+              <a:schemeClr val="accent1"/>
+            </a:lnRef>
+            <a:fillRef idx="0">
+              <a:schemeClr val="accent1"/>
+            </a:fillRef>
+            <a:effectRef idx="0">
+              <a:schemeClr val="accent1"/>
+            </a:effectRef>
+            <a:fontRef idx="minor">
+              <a:schemeClr val="tx1"/>
+            </a:fontRef>
+          </p:style>
+        </p:cxnSp>
+        <p:sp>
+          <p:nvSpPr>
+            <p:cNvPr id="37" name="Скругленный прямоугольник 36"/>
+            <p:cNvSpPr/>
+            <p:nvPr/>
+          </p:nvSpPr>
+          <p:spPr>
+            <a:xfrm>
+              <a:off x="8444753" y="3500059"/>
+              <a:ext cx="2904568" cy="1291678"/>
+            </a:xfrm>
+            <a:prstGeom prst="roundRect">
+              <a:avLst/>
+            </a:prstGeom>
+            <a:noFill/>
+            <a:ln w="19050">
+              <a:solidFill>
+                <a:schemeClr val="accent4">
+                  <a:lumMod val="75000"/>
+                </a:schemeClr>
+              </a:solidFill>
+              <a:prstDash val="dash"/>
+            </a:ln>
+          </p:spPr>
+          <p:style>
+            <a:lnRef idx="2">
+              <a:schemeClr val="accent1">
+                <a:shade val="50000"/>
+              </a:schemeClr>
+            </a:lnRef>
+            <a:fillRef idx="1">
+              <a:schemeClr val="accent1"/>
+            </a:fillRef>
+            <a:effectRef idx="0">
+              <a:schemeClr val="accent1"/>
+            </a:effectRef>
+            <a:fontRef idx="minor">
+              <a:schemeClr val="lt1"/>
+            </a:fontRef>
+          </p:style>
+          <p:txBody>
+            <a:bodyPr rtlCol="0" anchor="ctr"/>
+            <a:lstStyle/>
+            <a:p>
+              <a:pPr algn="ctr"/>
+              <a:endParaRPr lang="ru-RU"/>
+            </a:p>
+          </p:txBody>
+        </p:sp>
+      </p:grpSp>
+      <p:cxnSp>
+        <p:nvCxnSpPr>
+          <p:cNvPr id="39" name="Соединительная линия уступом 38"/>
+          <p:cNvCxnSpPr>
+            <a:endCxn id="15" idx="1"/>
+          </p:cNvCxnSpPr>
+          <p:nvPr/>
+        </p:nvCxnSpPr>
+        <p:spPr>
+          <a:xfrm flipV="1">
+            <a:off x="3089646" y="3166948"/>
+            <a:ext cx="2599026" cy="1450684"/>
+          </a:xfrm>
+          <a:prstGeom prst="bentConnector3">
+            <a:avLst/>
+          </a:prstGeom>
+          <a:ln w="28575">
+            <a:headEnd type="triangle" w="med" len="med"/>
+            <a:tailEnd type="triangle" w="med" len="med"/>
+          </a:ln>
+        </p:spPr>
+        <p:style>
+          <a:lnRef idx="1">
+            <a:schemeClr val="accent1"/>
+          </a:lnRef>
+          <a:fillRef idx="0">
+            <a:schemeClr val="accent1"/>
+          </a:fillRef>
+          <a:effectRef idx="0">
+            <a:schemeClr val="accent1"/>
+          </a:effectRef>
+          <a:fontRef idx="minor">
+            <a:schemeClr val="tx1"/>
+          </a:fontRef>
+        </p:style>
+      </p:cxnSp>
+      <p:sp>
+        <p:nvSpPr>
+          <p:cNvPr id="42" name="TextBox 41"/>
+          <p:cNvSpPr txBox="1"/>
+          <p:nvPr/>
+        </p:nvSpPr>
+        <p:spPr>
+          <a:xfrm>
+            <a:off x="10078570" y="4796250"/>
+            <a:ext cx="1519775" cy="646331"/>
+          </a:xfrm>
+          <a:prstGeom prst="rect">
+            <a:avLst/>
+          </a:prstGeom>
+          <a:noFill/>
+        </p:spPr>
+        <p:txBody>
+          <a:bodyPr wrap="none" rtlCol="0">
+            <a:spAutoFit/>
+          </a:bodyPr>
+          <a:lstStyle/>
+          <a:p>
+            <a:pPr algn="ctr"/>
+            <a:r>
+              <a:rPr lang="ru-RU" dirty="0" smtClean="0"/>
+              <a:t>Устройство</a:t>
+            </a:r>
+          </a:p>
+          <a:p>
+            <a:pPr algn="ctr"/>
+            <a:r>
+              <a:rPr lang="ru-RU" dirty="0" smtClean="0"/>
+              <a:t>(образ диска)</a:t>
+            </a:r>
+            <a:endParaRPr lang="ru-RU" dirty="0"/>
+          </a:p>
+        </p:txBody>
+      </p:sp>
+    </p:spTree>
+    <p:extLst>
+      <p:ext uri="{BB962C8B-B14F-4D97-AF65-F5344CB8AC3E}">
+        <p14:creationId xmlns:p14="http://schemas.microsoft.com/office/powerpoint/2010/main" val="587646788"/>
+      </p:ext>
+    </p:extLst>
+  </p:cSld>
+  <p:clrMapOvr>
+    <a:masterClrMapping/>
+  </p:clrMapOvr>
+  <p:timing>
+    <p:tnLst>
+      <p:par>
+        <p:cTn id="1" dur="indefinite" restart="never" nodeType="tmRoot"/>
+      </p:par>
+    </p:tnLst>
+  </p:timing>
+</p:sld>
+</file>
+
+<file path=ppt/slides/slide8.xml><?xml version="1.0" encoding="utf-8"?>
+<p:sld xmlns:a="http://schemas.openxmlformats.org/drawingml/2006/main" xmlns:r="http://schemas.openxmlformats.org/officeDocument/2006/relationships" xmlns:p="http://schemas.openxmlformats.org/presentationml/2006/main">
+  <p:cSld>
+    <p:spTree>
+      <p:nvGrpSpPr>
+        <p:cNvPr id="1" name=""/>
+        <p:cNvGrpSpPr/>
+        <p:nvPr/>
+      </p:nvGrpSpPr>
+      <p:grpSpPr>
+        <a:xfrm>
+          <a:off x="0" y="0"/>
+          <a:ext cx="0" cy="0"/>
+          <a:chOff x="0" y="0"/>
+          <a:chExt cx="0" cy="0"/>
+        </a:xfrm>
+      </p:grpSpPr>
+      <p:pic>
+        <p:nvPicPr>
+          <p:cNvPr id="9" name="Picture 4" descr="http://windowsapptutorials.com/wp-content/uploads/2014/12/Windows-8.1.jpg"/>
+          <p:cNvPicPr>
+            <a:picLocks noChangeAspect="1" noChangeArrowheads="1"/>
+          </p:cNvPicPr>
+          <p:nvPr/>
+        </p:nvPicPr>
+        <p:blipFill rotWithShape="1">
+          <a:blip r:embed="rId2">
+            <a:extLst>
+              <a:ext uri="{28A0092B-C50C-407E-A947-70E740481C1C}">
+                <a14:useLocalDpi xmlns:a14="http://schemas.microsoft.com/office/drawing/2010/main" val="0"/>
+              </a:ext>
+            </a:extLst>
+          </a:blip>
+          <a:srcRect l="-426" t="189" r="426" b="72317"/>
+          <a:stretch/>
+        </p:blipFill>
+        <p:spPr bwMode="auto">
+          <a:xfrm rot="10800000">
+            <a:off x="-6720" y="134472"/>
+            <a:ext cx="12265959" cy="1311088"/>
+          </a:xfrm>
+          <a:prstGeom prst="rect">
+            <a:avLst/>
+          </a:prstGeom>
+          <a:noFill/>
+          <a:extLst>
+            <a:ext uri="{909E8E84-426E-40DD-AFC4-6F175D3DCCD1}">
+              <a14:hiddenFill xmlns:a14="http://schemas.microsoft.com/office/drawing/2010/main">
+                <a:solidFill>
+                  <a:srgbClr val="FFFFFF"/>
+                </a:solidFill>
+              </a14:hiddenFill>
+            </a:ext>
+          </a:extLst>
+        </p:spPr>
+      </p:pic>
+      <p:pic>
+        <p:nvPicPr>
           <p:cNvPr id="2056" name="Picture 8" descr="http://rezat.ru/db.img/wysiwyg/shvejtsarskie_11_giant.jpg"/>
           <p:cNvPicPr>
             <a:picLocks noChangeAspect="1" noChangeArrowheads="1"/>
@@ -8665,7 +12019,7 @@
           <p:nvPr/>
         </p:nvPicPr>
         <p:blipFill>
-          <a:blip r:embed="rId2">
+          <a:blip r:embed="rId3">
             <a:extLst>
               <a:ext uri="{28A0092B-C50C-407E-A947-70E740481C1C}">
                 <a14:useLocalDpi xmlns:a14="http://schemas.microsoft.com/office/drawing/2010/main" val="0"/>
@@ -8713,14 +12067,26 @@
           <a:lstStyle/>
           <a:p>
             <a:r>
-              <a:rPr lang="ru-RU" dirty="0" smtClean="0"/>
+              <a:rPr lang="ru-RU" dirty="0" smtClean="0">
+                <a:solidFill>
+                  <a:schemeClr val="bg1"/>
+                </a:solidFill>
+              </a:rPr>
               <a:t>Проект </a:t>
             </a:r>
             <a:r>
-              <a:rPr lang="en-US" dirty="0" err="1" smtClean="0"/>
+              <a:rPr lang="en-US" b="1" dirty="0" err="1" smtClean="0">
+                <a:solidFill>
+                  <a:schemeClr val="bg1"/>
+                </a:solidFill>
+              </a:rPr>
               <a:t>libguestfs</a:t>
             </a:r>
-            <a:endParaRPr lang="ru-RU" dirty="0"/>
+            <a:endParaRPr lang="ru-RU" b="1" dirty="0">
+              <a:solidFill>
+                <a:schemeClr val="bg1"/>
+              </a:solidFill>
+            </a:endParaRPr>
           </a:p>
         </p:txBody>
       </p:sp>
@@ -8739,9 +12105,6 @@
           <a:bodyPr/>
           <a:lstStyle/>
           <a:p>
-            <a:pPr marL="0" indent="0">
-              <a:buNone/>
-            </a:pPr>
             <a:r>
               <a:rPr lang="ru-RU" dirty="0" smtClean="0"/>
               <a:t>Проект компании </a:t>
@@ -8753,9 +12116,6 @@
             <a:endParaRPr lang="ru-RU" dirty="0" smtClean="0"/>
           </a:p>
           <a:p>
-            <a:pPr marL="0" indent="0">
-              <a:buNone/>
-            </a:pPr>
             <a:r>
               <a:rPr lang="ru-RU" dirty="0" smtClean="0"/>
               <a:t>Набор утилит для работы с образами дисков виртуальных машин</a:t>
@@ -8786,7 +12146,7 @@
           <a:p>
             <a:fld id="{7E7C1622-4091-4E7B-99B0-4C976627CE55}" type="slidenum">
               <a:rPr lang="ru-RU" smtClean="0"/>
-              <a:t>6</a:t>
+              <a:t>8</a:t>
             </a:fld>
             <a:endParaRPr lang="ru-RU"/>
           </a:p>
@@ -8801,7 +12161,7 @@
           <p:nvPr/>
         </p:nvPicPr>
         <p:blipFill>
-          <a:blip r:embed="rId3">
+          <a:blip r:embed="rId4">
             <a:extLst>
               <a:ext uri="{28A0092B-C50C-407E-A947-70E740481C1C}">
                 <a14:useLocalDpi xmlns:a14="http://schemas.microsoft.com/office/drawing/2010/main" val="0"/>
@@ -8853,444 +12213,6 @@
 </p:sld>
 </file>
 
-<file path=ppt/slides/slide7.xml><?xml version="1.0" encoding="utf-8"?>
-<p:sld xmlns:a="http://schemas.openxmlformats.org/drawingml/2006/main" xmlns:r="http://schemas.openxmlformats.org/officeDocument/2006/relationships" xmlns:p="http://schemas.openxmlformats.org/presentationml/2006/main">
-  <p:cSld>
-    <p:spTree>
-      <p:nvGrpSpPr>
-        <p:cNvPr id="1" name=""/>
-        <p:cNvGrpSpPr/>
-        <p:nvPr/>
-      </p:nvGrpSpPr>
-      <p:grpSpPr>
-        <a:xfrm>
-          <a:off x="0" y="0"/>
-          <a:ext cx="0" cy="0"/>
-          <a:chOff x="0" y="0"/>
-          <a:chExt cx="0" cy="0"/>
-        </a:xfrm>
-      </p:grpSpPr>
-      <p:sp>
-        <p:nvSpPr>
-          <p:cNvPr id="2" name="Заголовок 1"/>
-          <p:cNvSpPr>
-            <a:spLocks noGrp="1"/>
-          </p:cNvSpPr>
-          <p:nvPr>
-            <p:ph type="title"/>
-          </p:nvPr>
-        </p:nvSpPr>
-        <p:spPr/>
-        <p:txBody>
-          <a:bodyPr/>
-          <a:lstStyle/>
-          <a:p>
-            <a:r>
-              <a:rPr lang="ru-RU" dirty="0" smtClean="0"/>
-              <a:t>Библиотека </a:t>
-            </a:r>
-            <a:r>
-              <a:rPr lang="en-US" dirty="0" err="1" smtClean="0"/>
-              <a:t>libguestfs</a:t>
-            </a:r>
-            <a:endParaRPr lang="ru-RU" dirty="0"/>
-          </a:p>
-        </p:txBody>
-      </p:sp>
-      <p:sp>
-        <p:nvSpPr>
-          <p:cNvPr id="3" name="Объект 2"/>
-          <p:cNvSpPr>
-            <a:spLocks noGrp="1"/>
-          </p:cNvSpPr>
-          <p:nvPr>
-            <p:ph idx="1"/>
-          </p:nvPr>
-        </p:nvSpPr>
-        <p:spPr/>
-        <p:txBody>
-          <a:bodyPr/>
-          <a:lstStyle/>
-          <a:p>
-            <a:pPr marL="0" indent="0">
-              <a:buNone/>
-            </a:pPr>
-            <a:r>
-              <a:rPr lang="ru-RU" dirty="0" smtClean="0"/>
-              <a:t>Виртуальные машины QEMU, QEMU-KVM, UML</a:t>
-            </a:r>
-          </a:p>
-          <a:p>
-            <a:pPr marL="0" indent="0">
-              <a:buNone/>
-            </a:pPr>
-            <a:r>
-              <a:rPr lang="ru-RU" dirty="0" smtClean="0"/>
-              <a:t>Удаленный вызов процедур с помощью XDR (</a:t>
-            </a:r>
-            <a:r>
-              <a:rPr lang="ru-RU" dirty="0" err="1" smtClean="0"/>
-              <a:t>eXternal</a:t>
-            </a:r>
-            <a:r>
-              <a:rPr lang="ru-RU" dirty="0" smtClean="0"/>
-              <a:t> </a:t>
-            </a:r>
-            <a:r>
-              <a:rPr lang="ru-RU" dirty="0" err="1" smtClean="0"/>
-              <a:t>Data</a:t>
-            </a:r>
-            <a:r>
-              <a:rPr lang="ru-RU" dirty="0" smtClean="0"/>
-              <a:t> </a:t>
-            </a:r>
-            <a:r>
-              <a:rPr lang="ru-RU" dirty="0" err="1" smtClean="0"/>
-              <a:t>Representation</a:t>
-            </a:r>
-            <a:r>
-              <a:rPr lang="ru-RU" dirty="0" smtClean="0"/>
-              <a:t>)</a:t>
-            </a:r>
-          </a:p>
-          <a:p>
-            <a:pPr marL="0" indent="0">
-              <a:buNone/>
-            </a:pPr>
-            <a:r>
-              <a:rPr lang="ru-RU" dirty="0" smtClean="0"/>
-              <a:t>Взаимодействие и передача данных через </a:t>
-            </a:r>
-            <a:r>
-              <a:rPr lang="ru-RU" dirty="0" err="1" smtClean="0"/>
-              <a:t>Unix</a:t>
-            </a:r>
-            <a:r>
-              <a:rPr lang="ru-RU" dirty="0" smtClean="0"/>
-              <a:t>-сокеты</a:t>
-            </a:r>
-          </a:p>
-          <a:p>
-            <a:pPr marL="0" indent="0">
-              <a:buNone/>
-            </a:pPr>
-            <a:endParaRPr lang="ru-RU" dirty="0"/>
-          </a:p>
-        </p:txBody>
-      </p:sp>
-      <p:sp>
-        <p:nvSpPr>
-          <p:cNvPr id="4" name="Номер слайда 3"/>
-          <p:cNvSpPr>
-            <a:spLocks noGrp="1"/>
-          </p:cNvSpPr>
-          <p:nvPr>
-            <p:ph type="sldNum" sz="quarter" idx="12"/>
-          </p:nvPr>
-        </p:nvSpPr>
-        <p:spPr/>
-        <p:txBody>
-          <a:bodyPr/>
-          <a:lstStyle/>
-          <a:p>
-            <a:fld id="{7E7C1622-4091-4E7B-99B0-4C976627CE55}" type="slidenum">
-              <a:rPr lang="ru-RU" smtClean="0"/>
-              <a:t>7</a:t>
-            </a:fld>
-            <a:endParaRPr lang="ru-RU"/>
-          </a:p>
-        </p:txBody>
-      </p:sp>
-    </p:spTree>
-    <p:extLst>
-      <p:ext uri="{BB962C8B-B14F-4D97-AF65-F5344CB8AC3E}">
-        <p14:creationId xmlns:p14="http://schemas.microsoft.com/office/powerpoint/2010/main" val="2885591527"/>
-      </p:ext>
-    </p:extLst>
-  </p:cSld>
-  <p:clrMapOvr>
-    <a:masterClrMapping/>
-  </p:clrMapOvr>
-  <p:timing>
-    <p:tnLst>
-      <p:par>
-        <p:cTn id="1" dur="indefinite" restart="never" nodeType="tmRoot"/>
-      </p:par>
-    </p:tnLst>
-  </p:timing>
-</p:sld>
-</file>
-
-<file path=ppt/slides/slide8.xml><?xml version="1.0" encoding="utf-8"?>
-<p:sld xmlns:a="http://schemas.openxmlformats.org/drawingml/2006/main" xmlns:r="http://schemas.openxmlformats.org/officeDocument/2006/relationships" xmlns:p="http://schemas.openxmlformats.org/presentationml/2006/main">
-  <p:cSld>
-    <p:spTree>
-      <p:nvGrpSpPr>
-        <p:cNvPr id="1" name=""/>
-        <p:cNvGrpSpPr/>
-        <p:nvPr/>
-      </p:nvGrpSpPr>
-      <p:grpSpPr>
-        <a:xfrm>
-          <a:off x="0" y="0"/>
-          <a:ext cx="0" cy="0"/>
-          <a:chOff x="0" y="0"/>
-          <a:chExt cx="0" cy="0"/>
-        </a:xfrm>
-      </p:grpSpPr>
-      <p:sp>
-        <p:nvSpPr>
-          <p:cNvPr id="2" name="Заголовок 1"/>
-          <p:cNvSpPr>
-            <a:spLocks noGrp="1"/>
-          </p:cNvSpPr>
-          <p:nvPr>
-            <p:ph type="title"/>
-          </p:nvPr>
-        </p:nvSpPr>
-        <p:spPr/>
-        <p:txBody>
-          <a:bodyPr/>
-          <a:lstStyle/>
-          <a:p>
-            <a:r>
-              <a:rPr lang="ru-RU" dirty="0" smtClean="0"/>
-              <a:t>Задачи</a:t>
-            </a:r>
-            <a:endParaRPr lang="ru-RU" dirty="0"/>
-          </a:p>
-        </p:txBody>
-      </p:sp>
-      <p:sp>
-        <p:nvSpPr>
-          <p:cNvPr id="3" name="Объект 2"/>
-          <p:cNvSpPr>
-            <a:spLocks noGrp="1"/>
-          </p:cNvSpPr>
-          <p:nvPr>
-            <p:ph idx="1"/>
-          </p:nvPr>
-        </p:nvSpPr>
-        <p:spPr/>
-        <p:txBody>
-          <a:bodyPr>
-            <a:normAutofit/>
-          </a:bodyPr>
-          <a:lstStyle/>
-          <a:p>
-            <a:pPr marL="0" indent="0">
-              <a:buNone/>
-            </a:pPr>
-            <a:r>
-              <a:rPr lang="ru-RU" dirty="0" err="1" smtClean="0"/>
-              <a:t>Портировать</a:t>
-            </a:r>
-            <a:r>
-              <a:rPr lang="ru-RU" dirty="0" smtClean="0"/>
-              <a:t> </a:t>
-            </a:r>
-            <a:r>
-              <a:rPr lang="ru-RU" dirty="0" smtClean="0"/>
-              <a:t>на </a:t>
-            </a:r>
-            <a:r>
-              <a:rPr lang="en-US" dirty="0" smtClean="0"/>
-              <a:t>Windows</a:t>
-            </a:r>
-            <a:r>
-              <a:rPr lang="ru-RU" dirty="0"/>
-              <a:t> </a:t>
-            </a:r>
-            <a:r>
-              <a:rPr lang="ru-RU" dirty="0" smtClean="0"/>
-              <a:t>библиотеку </a:t>
-            </a:r>
-            <a:r>
-              <a:rPr lang="en-US" dirty="0" err="1" smtClean="0"/>
-              <a:t>libguestfs</a:t>
-            </a:r>
-            <a:endParaRPr lang="ru-RU" dirty="0"/>
-          </a:p>
-          <a:p>
-            <a:pPr marL="0" indent="0">
-              <a:buNone/>
-            </a:pPr>
-            <a:r>
-              <a:rPr lang="ru-RU" dirty="0" err="1" smtClean="0"/>
-              <a:t>Портирование</a:t>
-            </a:r>
-            <a:r>
-              <a:rPr lang="ru-RU" dirty="0" smtClean="0"/>
-              <a:t> </a:t>
-            </a:r>
-            <a:r>
-              <a:rPr lang="en-US" dirty="0" err="1" smtClean="0"/>
-              <a:t>libguestfs</a:t>
-            </a:r>
-            <a:r>
-              <a:rPr lang="ru-RU" dirty="0" smtClean="0"/>
-              <a:t> для запуска в </a:t>
-            </a:r>
-            <a:r>
-              <a:rPr lang="en-US" dirty="0" smtClean="0"/>
-              <a:t>Cygwin</a:t>
-            </a:r>
-            <a:endParaRPr lang="ru-RU" dirty="0" smtClean="0"/>
-          </a:p>
-          <a:p>
-            <a:pPr marL="0" indent="0">
-              <a:buNone/>
-            </a:pPr>
-            <a:r>
-              <a:rPr lang="ru-RU" dirty="0" err="1" smtClean="0"/>
-              <a:t>Нативное</a:t>
-            </a:r>
-            <a:r>
-              <a:rPr lang="ru-RU" dirty="0" smtClean="0"/>
-              <a:t> </a:t>
-            </a:r>
-            <a:r>
-              <a:rPr lang="ru-RU" dirty="0" err="1" smtClean="0"/>
-              <a:t>портирование</a:t>
-            </a:r>
-            <a:r>
-              <a:rPr lang="ru-RU" dirty="0" smtClean="0"/>
-              <a:t> </a:t>
-            </a:r>
-            <a:r>
-              <a:rPr lang="en-US" dirty="0" err="1" smtClean="0"/>
-              <a:t>libguestfs</a:t>
-            </a:r>
-            <a:r>
-              <a:rPr lang="ru-RU" dirty="0" smtClean="0"/>
-              <a:t> с помощью </a:t>
-            </a:r>
-            <a:r>
-              <a:rPr lang="en-US" dirty="0" err="1" smtClean="0"/>
-              <a:t>MinGW</a:t>
-            </a:r>
-            <a:endParaRPr lang="ru-RU" dirty="0" smtClean="0"/>
-          </a:p>
-          <a:p>
-            <a:pPr marL="0" indent="0">
-              <a:buNone/>
-            </a:pPr>
-            <a:r>
-              <a:rPr lang="ru-RU" dirty="0" err="1" smtClean="0"/>
-              <a:t>Портировать</a:t>
-            </a:r>
-            <a:r>
-              <a:rPr lang="ru-RU" dirty="0" smtClean="0"/>
-              <a:t> систему сборки</a:t>
-            </a:r>
-          </a:p>
-          <a:p>
-            <a:pPr marL="0" indent="0">
-              <a:buNone/>
-            </a:pPr>
-            <a:r>
-              <a:rPr lang="ru-RU" dirty="0"/>
-              <a:t>Выбрать </a:t>
-            </a:r>
-            <a:r>
-              <a:rPr lang="ru-RU" dirty="0" smtClean="0"/>
-              <a:t>виртуальную </a:t>
-            </a:r>
-            <a:r>
-              <a:rPr lang="ru-RU" dirty="0"/>
-              <a:t>машину для запуска </a:t>
-            </a:r>
-            <a:r>
-              <a:rPr lang="ru-RU" dirty="0" err="1" smtClean="0"/>
-              <a:t>Linux</a:t>
-            </a:r>
-            <a:endParaRPr lang="ru-RU" dirty="0" smtClean="0"/>
-          </a:p>
-          <a:p>
-            <a:pPr marL="0" indent="0">
-              <a:buNone/>
-            </a:pPr>
-            <a:r>
-              <a:rPr lang="ru-RU" dirty="0" smtClean="0"/>
-              <a:t>Выбрать протокол взаимодействия с демоном</a:t>
-            </a:r>
-          </a:p>
-          <a:p>
-            <a:pPr marL="0" indent="0">
-              <a:buNone/>
-            </a:pPr>
-            <a:r>
-              <a:rPr lang="ru-RU" dirty="0" smtClean="0"/>
-              <a:t>Реализовать передачу файлов через общую память</a:t>
-            </a:r>
-          </a:p>
-          <a:p>
-            <a:pPr marL="0" indent="0">
-              <a:buNone/>
-            </a:pPr>
-            <a:r>
-              <a:rPr lang="ru-RU" dirty="0" smtClean="0"/>
-              <a:t>Сравнить производительность работы в </a:t>
-            </a:r>
-            <a:r>
-              <a:rPr lang="en-US" dirty="0" smtClean="0"/>
-              <a:t>Windows</a:t>
-            </a:r>
-            <a:r>
-              <a:rPr lang="ru-RU" dirty="0" smtClean="0"/>
-              <a:t> и </a:t>
-            </a:r>
-            <a:r>
-              <a:rPr lang="en-US" dirty="0" smtClean="0"/>
-              <a:t>Linux</a:t>
-            </a:r>
-            <a:endParaRPr lang="ru-RU" dirty="0"/>
-          </a:p>
-        </p:txBody>
-      </p:sp>
-      <p:sp>
-        <p:nvSpPr>
-          <p:cNvPr id="4" name="Номер слайда 3"/>
-          <p:cNvSpPr>
-            <a:spLocks noGrp="1"/>
-          </p:cNvSpPr>
-          <p:nvPr>
-            <p:ph type="sldNum" sz="quarter" idx="12"/>
-          </p:nvPr>
-        </p:nvSpPr>
-        <p:spPr/>
-        <p:txBody>
-          <a:bodyPr/>
-          <a:lstStyle/>
-          <a:p>
-            <a:fld id="{7E7C1622-4091-4E7B-99B0-4C976627CE55}" type="slidenum">
-              <a:rPr lang="ru-RU" smtClean="0"/>
-              <a:t>8</a:t>
-            </a:fld>
-            <a:endParaRPr lang="ru-RU"/>
-          </a:p>
-        </p:txBody>
-      </p:sp>
-    </p:spTree>
-    <p:extLst>
-      <p:ext uri="{BB962C8B-B14F-4D97-AF65-F5344CB8AC3E}">
-        <p14:creationId xmlns:p14="http://schemas.microsoft.com/office/powerpoint/2010/main" val="1433485123"/>
-      </p:ext>
-    </p:extLst>
-  </p:cSld>
-  <p:clrMapOvr>
-    <a:masterClrMapping/>
-  </p:clrMapOvr>
-  <p:timing>
-    <p:tnLst>
-      <p:par>
-        <p:cTn id="1" dur="indefinite" restart="never" nodeType="tmRoot"/>
-      </p:par>
-    </p:tnLst>
-  </p:timing>
-</p:sld>
-</file>
-
 <file path=ppt/slides/slide9.xml><?xml version="1.0" encoding="utf-8"?>
 <p:sld xmlns:a="http://schemas.openxmlformats.org/drawingml/2006/main" xmlns:r="http://schemas.openxmlformats.org/officeDocument/2006/relationships" xmlns:p="http://schemas.openxmlformats.org/presentationml/2006/main">
   <p:cSld>
@@ -9308,6 +12230,656 @@
           <a:chExt cx="0" cy="0"/>
         </a:xfrm>
       </p:grpSpPr>
+      <p:grpSp>
+        <p:nvGrpSpPr>
+          <p:cNvPr id="41" name="Группа 40"/>
+          <p:cNvGrpSpPr/>
+          <p:nvPr/>
+        </p:nvGrpSpPr>
+        <p:grpSpPr>
+          <a:xfrm>
+            <a:off x="5460066" y="2588566"/>
+            <a:ext cx="2487144" cy="2530497"/>
+            <a:chOff x="4942351" y="2548222"/>
+            <a:chExt cx="2487144" cy="2530497"/>
+          </a:xfrm>
+        </p:grpSpPr>
+        <p:sp>
+          <p:nvSpPr>
+            <p:cNvPr id="42" name="Прямоугольник 41"/>
+            <p:cNvSpPr/>
+            <p:nvPr/>
+          </p:nvSpPr>
+          <p:spPr>
+            <a:xfrm>
+              <a:off x="4942351" y="2548222"/>
+              <a:ext cx="2487144" cy="2530497"/>
+            </a:xfrm>
+            <a:prstGeom prst="rect">
+              <a:avLst/>
+            </a:prstGeom>
+            <a:noFill/>
+            <a:ln w="28575"/>
+          </p:spPr>
+          <p:style>
+            <a:lnRef idx="2">
+              <a:schemeClr val="accent4"/>
+            </a:lnRef>
+            <a:fillRef idx="1">
+              <a:schemeClr val="lt1"/>
+            </a:fillRef>
+            <a:effectRef idx="0">
+              <a:schemeClr val="accent4"/>
+            </a:effectRef>
+            <a:fontRef idx="minor">
+              <a:schemeClr val="dk1"/>
+            </a:fontRef>
+          </p:style>
+          <p:txBody>
+            <a:bodyPr rtlCol="0" anchor="b" anchorCtr="0"/>
+            <a:lstStyle/>
+            <a:p>
+              <a:pPr algn="ctr"/>
+              <a:endParaRPr lang="ru-RU" dirty="0">
+                <a:solidFill>
+                  <a:schemeClr val="tx1"/>
+                </a:solidFill>
+              </a:endParaRPr>
+            </a:p>
+          </p:txBody>
+        </p:sp>
+        <p:sp>
+          <p:nvSpPr>
+            <p:cNvPr id="43" name="Прямоугольник 42"/>
+            <p:cNvSpPr/>
+            <p:nvPr/>
+          </p:nvSpPr>
+          <p:spPr>
+            <a:xfrm>
+              <a:off x="5016315" y="2642347"/>
+              <a:ext cx="2332503" cy="2362717"/>
+            </a:xfrm>
+            <a:prstGeom prst="rect">
+              <a:avLst/>
+            </a:prstGeom>
+            <a:ln w="28575"/>
+          </p:spPr>
+          <p:style>
+            <a:lnRef idx="2">
+              <a:schemeClr val="accent4"/>
+            </a:lnRef>
+            <a:fillRef idx="1">
+              <a:schemeClr val="lt1"/>
+            </a:fillRef>
+            <a:effectRef idx="0">
+              <a:schemeClr val="accent4"/>
+            </a:effectRef>
+            <a:fontRef idx="minor">
+              <a:schemeClr val="dk1"/>
+            </a:fontRef>
+          </p:style>
+          <p:txBody>
+            <a:bodyPr rtlCol="0" anchor="b" anchorCtr="0"/>
+            <a:lstStyle/>
+            <a:p>
+              <a:pPr algn="ctr"/>
+              <a:r>
+                <a:rPr lang="ru-RU" dirty="0" smtClean="0">
+                  <a:solidFill>
+                    <a:schemeClr val="tx1"/>
+                  </a:solidFill>
+                </a:rPr>
+                <a:t>Дистрибутив </a:t>
+              </a:r>
+              <a:r>
+                <a:rPr lang="en-US" dirty="0" smtClean="0">
+                  <a:solidFill>
+                    <a:schemeClr val="tx1"/>
+                  </a:solidFill>
+                </a:rPr>
+                <a:t>Linux</a:t>
+              </a:r>
+              <a:endParaRPr lang="ru-RU" dirty="0" smtClean="0">
+                <a:solidFill>
+                  <a:schemeClr val="tx1"/>
+                </a:solidFill>
+              </a:endParaRPr>
+            </a:p>
+          </p:txBody>
+        </p:sp>
+        <p:sp>
+          <p:nvSpPr>
+            <p:cNvPr id="44" name="Скругленный прямоугольник 43"/>
+            <p:cNvSpPr/>
+            <p:nvPr/>
+          </p:nvSpPr>
+          <p:spPr>
+            <a:xfrm>
+              <a:off x="5170957" y="2803402"/>
+              <a:ext cx="2016496" cy="646404"/>
+            </a:xfrm>
+            <a:prstGeom prst="roundRect">
+              <a:avLst/>
+            </a:prstGeom>
+            <a:ln w="28575">
+              <a:solidFill>
+                <a:schemeClr val="tx1"/>
+              </a:solidFill>
+            </a:ln>
+          </p:spPr>
+          <p:style>
+            <a:lnRef idx="2">
+              <a:schemeClr val="accent4"/>
+            </a:lnRef>
+            <a:fillRef idx="1">
+              <a:schemeClr val="lt1"/>
+            </a:fillRef>
+            <a:effectRef idx="0">
+              <a:schemeClr val="accent4"/>
+            </a:effectRef>
+            <a:fontRef idx="minor">
+              <a:schemeClr val="dk1"/>
+            </a:fontRef>
+          </p:style>
+          <p:txBody>
+            <a:bodyPr rtlCol="0" anchor="ctr"/>
+            <a:lstStyle/>
+            <a:p>
+              <a:pPr algn="ctr"/>
+              <a:r>
+                <a:rPr lang="ru-RU" dirty="0" smtClean="0">
+                  <a:solidFill>
+                    <a:schemeClr val="tx1"/>
+                  </a:solidFill>
+                </a:rPr>
+                <a:t>Демон</a:t>
+              </a:r>
+              <a:endParaRPr lang="ru-RU" dirty="0">
+                <a:solidFill>
+                  <a:schemeClr val="tx1"/>
+                </a:solidFill>
+              </a:endParaRPr>
+            </a:p>
+          </p:txBody>
+        </p:sp>
+      </p:grpSp>
+      <p:sp>
+        <p:nvSpPr>
+          <p:cNvPr id="45" name="Прямоугольник 44"/>
+          <p:cNvSpPr/>
+          <p:nvPr/>
+        </p:nvSpPr>
+        <p:spPr>
+          <a:xfrm>
+            <a:off x="5284895" y="2460815"/>
+            <a:ext cx="4538186" cy="2803907"/>
+          </a:xfrm>
+          <a:prstGeom prst="rect">
+            <a:avLst/>
+          </a:prstGeom>
+          <a:noFill/>
+          <a:ln w="28575">
+            <a:solidFill>
+              <a:schemeClr val="tx1"/>
+            </a:solidFill>
+          </a:ln>
+        </p:spPr>
+        <p:style>
+          <a:lnRef idx="2">
+            <a:schemeClr val="accent1">
+              <a:shade val="50000"/>
+            </a:schemeClr>
+          </a:lnRef>
+          <a:fillRef idx="1">
+            <a:schemeClr val="accent1"/>
+          </a:fillRef>
+          <a:effectRef idx="0">
+            <a:schemeClr val="accent1"/>
+          </a:effectRef>
+          <a:fontRef idx="minor">
+            <a:schemeClr val="lt1"/>
+          </a:fontRef>
+        </p:style>
+        <p:txBody>
+          <a:bodyPr rtlCol="0" anchor="t" anchorCtr="0"/>
+          <a:lstStyle/>
+          <a:p>
+            <a:pPr algn="r"/>
+            <a:r>
+              <a:rPr lang="ru-RU" dirty="0" smtClean="0">
+                <a:solidFill>
+                  <a:schemeClr val="tx1"/>
+                </a:solidFill>
+              </a:rPr>
+              <a:t>Виртуальная</a:t>
+            </a:r>
+          </a:p>
+          <a:p>
+            <a:pPr algn="r"/>
+            <a:r>
+              <a:rPr lang="ru-RU" dirty="0" smtClean="0">
+                <a:solidFill>
+                  <a:schemeClr val="tx1"/>
+                </a:solidFill>
+              </a:rPr>
+              <a:t>машина</a:t>
+            </a:r>
+            <a:endParaRPr lang="ru-RU" dirty="0">
+              <a:solidFill>
+                <a:schemeClr val="tx1"/>
+              </a:solidFill>
+            </a:endParaRPr>
+          </a:p>
+        </p:txBody>
+      </p:sp>
+      <p:sp>
+        <p:nvSpPr>
+          <p:cNvPr id="46" name="Скругленный прямоугольник 45"/>
+          <p:cNvSpPr/>
+          <p:nvPr/>
+        </p:nvSpPr>
+        <p:spPr>
+          <a:xfrm>
+            <a:off x="5695390" y="3830456"/>
+            <a:ext cx="2016496" cy="646404"/>
+          </a:xfrm>
+          <a:prstGeom prst="roundRect">
+            <a:avLst/>
+          </a:prstGeom>
+          <a:ln w="28575">
+            <a:solidFill>
+              <a:schemeClr val="tx1"/>
+            </a:solidFill>
+          </a:ln>
+        </p:spPr>
+        <p:style>
+          <a:lnRef idx="2">
+            <a:schemeClr val="accent4"/>
+          </a:lnRef>
+          <a:fillRef idx="1">
+            <a:schemeClr val="lt1"/>
+          </a:fillRef>
+          <a:effectRef idx="0">
+            <a:schemeClr val="accent4"/>
+          </a:effectRef>
+          <a:fontRef idx="minor">
+            <a:schemeClr val="dk1"/>
+          </a:fontRef>
+        </p:style>
+        <p:txBody>
+          <a:bodyPr rtlCol="0" anchor="ctr"/>
+          <a:lstStyle/>
+          <a:p>
+            <a:pPr algn="ctr"/>
+            <a:r>
+              <a:rPr lang="ru-RU" dirty="0" smtClean="0">
+                <a:solidFill>
+                  <a:schemeClr val="tx1"/>
+                </a:solidFill>
+              </a:rPr>
+              <a:t>Драйвера</a:t>
+            </a:r>
+            <a:endParaRPr lang="ru-RU" dirty="0">
+              <a:solidFill>
+                <a:schemeClr val="tx1"/>
+              </a:solidFill>
+            </a:endParaRPr>
+          </a:p>
+        </p:txBody>
+      </p:sp>
+      <p:cxnSp>
+        <p:nvCxnSpPr>
+          <p:cNvPr id="47" name="Прямая соединительная линия 46"/>
+          <p:cNvCxnSpPr>
+            <a:endCxn id="46" idx="0"/>
+          </p:cNvCxnSpPr>
+          <p:nvPr/>
+        </p:nvCxnSpPr>
+        <p:spPr>
+          <a:xfrm>
+            <a:off x="6700281" y="3490150"/>
+            <a:ext cx="3357" cy="340306"/>
+          </a:xfrm>
+          <a:prstGeom prst="line">
+            <a:avLst/>
+          </a:prstGeom>
+          <a:ln w="28575">
+            <a:solidFill>
+              <a:schemeClr val="tx1"/>
+            </a:solidFill>
+            <a:headEnd type="triangle" w="med" len="med"/>
+            <a:tailEnd type="triangle" w="med" len="med"/>
+          </a:ln>
+        </p:spPr>
+        <p:style>
+          <a:lnRef idx="1">
+            <a:schemeClr val="accent1"/>
+          </a:lnRef>
+          <a:fillRef idx="0">
+            <a:schemeClr val="accent1"/>
+          </a:fillRef>
+          <a:effectRef idx="0">
+            <a:schemeClr val="accent1"/>
+          </a:effectRef>
+          <a:fontRef idx="minor">
+            <a:schemeClr val="tx1"/>
+          </a:fontRef>
+        </p:style>
+      </p:cxnSp>
+      <p:cxnSp>
+        <p:nvCxnSpPr>
+          <p:cNvPr id="48" name="Прямая соединительная линия 47"/>
+          <p:cNvCxnSpPr>
+            <a:stCxn id="46" idx="3"/>
+            <a:endCxn id="50" idx="1"/>
+          </p:cNvCxnSpPr>
+          <p:nvPr/>
+        </p:nvCxnSpPr>
+        <p:spPr>
+          <a:xfrm>
+            <a:off x="7711886" y="4153658"/>
+            <a:ext cx="1069042" cy="7879"/>
+          </a:xfrm>
+          <a:prstGeom prst="line">
+            <a:avLst/>
+          </a:prstGeom>
+          <a:ln w="28575">
+            <a:solidFill>
+              <a:schemeClr val="accent4">
+                <a:lumMod val="75000"/>
+              </a:schemeClr>
+            </a:solidFill>
+            <a:prstDash val="sysDash"/>
+            <a:headEnd type="triangle" w="med" len="med"/>
+            <a:tailEnd type="triangle" w="med" len="med"/>
+          </a:ln>
+        </p:spPr>
+        <p:style>
+          <a:lnRef idx="1">
+            <a:schemeClr val="accent4"/>
+          </a:lnRef>
+          <a:fillRef idx="0">
+            <a:schemeClr val="accent4"/>
+          </a:fillRef>
+          <a:effectRef idx="0">
+            <a:schemeClr val="accent4"/>
+          </a:effectRef>
+          <a:fontRef idx="minor">
+            <a:schemeClr val="tx1"/>
+          </a:fontRef>
+        </p:style>
+      </p:cxnSp>
+      <p:grpSp>
+        <p:nvGrpSpPr>
+          <p:cNvPr id="49" name="Группа 48"/>
+          <p:cNvGrpSpPr/>
+          <p:nvPr/>
+        </p:nvGrpSpPr>
+        <p:grpSpPr>
+          <a:xfrm>
+            <a:off x="8444753" y="3500059"/>
+            <a:ext cx="2904568" cy="1291678"/>
+            <a:chOff x="8444753" y="3500059"/>
+            <a:chExt cx="2904568" cy="1291678"/>
+          </a:xfrm>
+        </p:grpSpPr>
+        <p:pic>
+          <p:nvPicPr>
+            <p:cNvPr id="50" name="Picture 2" descr="https://lh5.googleusercontent.com/ogmzoLgKTxAugj2t40EGiIh2QefPetj5pVjXvWpnpsCwbHCing3hbfa6fs6FQSJ-bkkbfSl1hqaxrkolwuwW_GiPl2AjYcEnfOVdoMOvw7fekm8OzgiH2AnrVmE564436P9MFmiPrQ"/>
+            <p:cNvPicPr>
+              <a:picLocks noChangeAspect="1" noChangeArrowheads="1"/>
+            </p:cNvPicPr>
+            <p:nvPr/>
+          </p:nvPicPr>
+          <p:blipFill>
+            <a:blip r:embed="rId2" cstate="print">
+              <a:extLst>
+                <a:ext uri="{BEBA8EAE-BF5A-486C-A8C5-ECC9F3942E4B}">
+                  <a14:imgProps xmlns:a14="http://schemas.microsoft.com/office/drawing/2010/main">
+                    <a14:imgLayer r:embed="rId3">
+                      <a14:imgEffect>
+                        <a14:saturation sat="66000"/>
+                      </a14:imgEffect>
+                    </a14:imgLayer>
+                  </a14:imgProps>
+                </a:ext>
+                <a:ext uri="{28A0092B-C50C-407E-A947-70E740481C1C}">
+                  <a14:useLocalDpi xmlns:a14="http://schemas.microsoft.com/office/drawing/2010/main" val="0"/>
+                </a:ext>
+              </a:extLst>
+            </a:blip>
+            <a:srcRect/>
+            <a:stretch>
+              <a:fillRect/>
+            </a:stretch>
+          </p:blipFill>
+          <p:spPr bwMode="auto">
+            <a:xfrm>
+              <a:off x="8780928" y="3705441"/>
+              <a:ext cx="912191" cy="912191"/>
+            </a:xfrm>
+            <a:prstGeom prst="rect">
+              <a:avLst/>
+            </a:prstGeom>
+            <a:noFill/>
+            <a:extLst>
+              <a:ext uri="{909E8E84-426E-40DD-AFC4-6F175D3DCCD1}">
+                <a14:hiddenFill xmlns:a14="http://schemas.microsoft.com/office/drawing/2010/main">
+                  <a:solidFill>
+                    <a:srgbClr val="FFFFFF"/>
+                  </a:solidFill>
+                </a14:hiddenFill>
+              </a:ext>
+            </a:extLst>
+          </p:spPr>
+        </p:pic>
+        <p:pic>
+          <p:nvPicPr>
+            <p:cNvPr id="51" name="Picture 8" descr="http://freeiconbox.com/icon/256/40097.png"/>
+            <p:cNvPicPr>
+              <a:picLocks noChangeAspect="1" noChangeArrowheads="1"/>
+            </p:cNvPicPr>
+            <p:nvPr/>
+          </p:nvPicPr>
+          <p:blipFill rotWithShape="1">
+            <a:blip r:embed="rId4">
+              <a:extLst>
+                <a:ext uri="{28A0092B-C50C-407E-A947-70E740481C1C}">
+                  <a14:useLocalDpi xmlns:a14="http://schemas.microsoft.com/office/drawing/2010/main" val="0"/>
+                </a:ext>
+              </a:extLst>
+            </a:blip>
+            <a:srcRect l="28438" t="21939" r="28303" b="21817"/>
+            <a:stretch/>
+          </p:blipFill>
+          <p:spPr bwMode="auto">
+            <a:xfrm>
+              <a:off x="10455098" y="3679648"/>
+              <a:ext cx="726141" cy="948019"/>
+            </a:xfrm>
+            <a:prstGeom prst="rect">
+              <a:avLst/>
+            </a:prstGeom>
+            <a:noFill/>
+            <a:extLst>
+              <a:ext uri="{909E8E84-426E-40DD-AFC4-6F175D3DCCD1}">
+                <a14:hiddenFill xmlns:a14="http://schemas.microsoft.com/office/drawing/2010/main">
+                  <a:solidFill>
+                    <a:srgbClr val="FFFFFF"/>
+                  </a:solidFill>
+                </a14:hiddenFill>
+              </a:ext>
+            </a:extLst>
+          </p:spPr>
+        </p:pic>
+        <p:cxnSp>
+          <p:nvCxnSpPr>
+            <p:cNvPr id="52" name="Прямая соединительная линия 51"/>
+            <p:cNvCxnSpPr>
+              <a:stCxn id="51" idx="1"/>
+              <a:endCxn id="50" idx="3"/>
+            </p:cNvCxnSpPr>
+            <p:nvPr/>
+          </p:nvCxnSpPr>
+          <p:spPr>
+            <a:xfrm flipH="1">
+              <a:off x="9693119" y="4153658"/>
+              <a:ext cx="761979" cy="7879"/>
+            </a:xfrm>
+            <a:prstGeom prst="line">
+              <a:avLst/>
+            </a:prstGeom>
+            <a:ln w="28575">
+              <a:solidFill>
+                <a:schemeClr val="tx1"/>
+              </a:solidFill>
+              <a:prstDash val="sysDot"/>
+              <a:headEnd type="none" w="med" len="med"/>
+              <a:tailEnd type="none" w="med" len="med"/>
+            </a:ln>
+          </p:spPr>
+          <p:style>
+            <a:lnRef idx="1">
+              <a:schemeClr val="accent1"/>
+            </a:lnRef>
+            <a:fillRef idx="0">
+              <a:schemeClr val="accent1"/>
+            </a:fillRef>
+            <a:effectRef idx="0">
+              <a:schemeClr val="accent1"/>
+            </a:effectRef>
+            <a:fontRef idx="minor">
+              <a:schemeClr val="tx1"/>
+            </a:fontRef>
+          </p:style>
+        </p:cxnSp>
+        <p:sp>
+          <p:nvSpPr>
+            <p:cNvPr id="53" name="Скругленный прямоугольник 52"/>
+            <p:cNvSpPr/>
+            <p:nvPr/>
+          </p:nvSpPr>
+          <p:spPr>
+            <a:xfrm>
+              <a:off x="8444753" y="3500059"/>
+              <a:ext cx="2904568" cy="1291678"/>
+            </a:xfrm>
+            <a:prstGeom prst="roundRect">
+              <a:avLst/>
+            </a:prstGeom>
+            <a:noFill/>
+            <a:ln w="19050">
+              <a:solidFill>
+                <a:schemeClr val="accent4">
+                  <a:lumMod val="75000"/>
+                </a:schemeClr>
+              </a:solidFill>
+              <a:prstDash val="dash"/>
+            </a:ln>
+          </p:spPr>
+          <p:style>
+            <a:lnRef idx="2">
+              <a:schemeClr val="accent1">
+                <a:shade val="50000"/>
+              </a:schemeClr>
+            </a:lnRef>
+            <a:fillRef idx="1">
+              <a:schemeClr val="accent1"/>
+            </a:fillRef>
+            <a:effectRef idx="0">
+              <a:schemeClr val="accent1"/>
+            </a:effectRef>
+            <a:fontRef idx="minor">
+              <a:schemeClr val="lt1"/>
+            </a:fontRef>
+          </p:style>
+          <p:txBody>
+            <a:bodyPr rtlCol="0" anchor="ctr"/>
+            <a:lstStyle/>
+            <a:p>
+              <a:pPr algn="ctr"/>
+              <a:endParaRPr lang="ru-RU"/>
+            </a:p>
+          </p:txBody>
+        </p:sp>
+      </p:grpSp>
+      <p:sp>
+        <p:nvSpPr>
+          <p:cNvPr id="54" name="TextBox 53"/>
+          <p:cNvSpPr txBox="1"/>
+          <p:nvPr/>
+        </p:nvSpPr>
+        <p:spPr>
+          <a:xfrm>
+            <a:off x="10078570" y="4796250"/>
+            <a:ext cx="1519775" cy="646331"/>
+          </a:xfrm>
+          <a:prstGeom prst="rect">
+            <a:avLst/>
+          </a:prstGeom>
+          <a:noFill/>
+        </p:spPr>
+        <p:txBody>
+          <a:bodyPr wrap="none" rtlCol="0">
+            <a:spAutoFit/>
+          </a:bodyPr>
+          <a:lstStyle/>
+          <a:p>
+            <a:pPr algn="ctr"/>
+            <a:r>
+              <a:rPr lang="ru-RU" dirty="0" smtClean="0"/>
+              <a:t>Устройство</a:t>
+            </a:r>
+          </a:p>
+          <a:p>
+            <a:pPr algn="ctr"/>
+            <a:r>
+              <a:rPr lang="ru-RU" dirty="0" smtClean="0"/>
+              <a:t>(образ диска)</a:t>
+            </a:r>
+            <a:endParaRPr lang="ru-RU" dirty="0"/>
+          </a:p>
+        </p:txBody>
+      </p:sp>
+      <p:pic>
+        <p:nvPicPr>
+          <p:cNvPr id="29" name="Picture 4" descr="http://windowsapptutorials.com/wp-content/uploads/2014/12/Windows-8.1.jpg"/>
+          <p:cNvPicPr>
+            <a:picLocks noChangeAspect="1" noChangeArrowheads="1"/>
+          </p:cNvPicPr>
+          <p:nvPr/>
+        </p:nvPicPr>
+        <p:blipFill rotWithShape="1">
+          <a:blip r:embed="rId5">
+            <a:extLst>
+              <a:ext uri="{28A0092B-C50C-407E-A947-70E740481C1C}">
+                <a14:useLocalDpi xmlns:a14="http://schemas.microsoft.com/office/drawing/2010/main" val="0"/>
+              </a:ext>
+            </a:extLst>
+          </a:blip>
+          <a:srcRect l="-426" t="189" r="426" b="72317"/>
+          <a:stretch/>
+        </p:blipFill>
+        <p:spPr bwMode="auto">
+          <a:xfrm rot="10800000">
+            <a:off x="-6720" y="134472"/>
+            <a:ext cx="12265959" cy="1311088"/>
+          </a:xfrm>
+          <a:prstGeom prst="rect">
+            <a:avLst/>
+          </a:prstGeom>
+          <a:noFill/>
+          <a:extLst>
+            <a:ext uri="{909E8E84-426E-40DD-AFC4-6F175D3DCCD1}">
+              <a14:hiddenFill xmlns:a14="http://schemas.microsoft.com/office/drawing/2010/main">
+                <a:solidFill>
+                  <a:srgbClr val="FFFFFF"/>
+                </a:solidFill>
+              </a14:hiddenFill>
+            </a:ext>
+          </a:extLst>
+        </p:spPr>
+      </p:pic>
       <p:sp>
         <p:nvSpPr>
           <p:cNvPr id="2" name="Заголовок 1"/>
@@ -9324,85 +12896,26 @@
           <a:lstStyle/>
           <a:p>
             <a:r>
-              <a:rPr lang="ru-RU" dirty="0" err="1" smtClean="0"/>
-              <a:t>Портирование</a:t>
-            </a:r>
-            <a:r>
-              <a:rPr lang="ru-RU" dirty="0" smtClean="0"/>
-              <a:t> </a:t>
-            </a:r>
-            <a:r>
-              <a:rPr lang="en-US" dirty="0" err="1" smtClean="0"/>
+              <a:rPr lang="ru-RU" dirty="0" smtClean="0">
+                <a:solidFill>
+                  <a:schemeClr val="bg1"/>
+                </a:solidFill>
+              </a:rPr>
+              <a:t>Библиотека </a:t>
+            </a:r>
+            <a:r>
+              <a:rPr lang="en-US" b="1" dirty="0" err="1" smtClean="0">
+                <a:solidFill>
+                  <a:schemeClr val="bg1"/>
+                </a:solidFill>
+              </a:rPr>
               <a:t>libguestfs</a:t>
             </a:r>
-            <a:r>
-              <a:rPr lang="en-US" dirty="0" smtClean="0"/>
-              <a:t> </a:t>
-            </a:r>
-            <a:r>
-              <a:rPr lang="ru-RU" dirty="0" smtClean="0"/>
-              <a:t>в </a:t>
-            </a:r>
-            <a:r>
-              <a:rPr lang="en-US" dirty="0" smtClean="0"/>
-              <a:t>Cygwin</a:t>
-            </a:r>
-            <a:endParaRPr lang="ru-RU" dirty="0"/>
-          </a:p>
-        </p:txBody>
-      </p:sp>
-      <p:sp>
-        <p:nvSpPr>
-          <p:cNvPr id="3" name="Объект 2"/>
-          <p:cNvSpPr>
-            <a:spLocks noGrp="1"/>
-          </p:cNvSpPr>
-          <p:nvPr>
-            <p:ph idx="1"/>
-          </p:nvPr>
-        </p:nvSpPr>
-        <p:spPr/>
-        <p:txBody>
-          <a:bodyPr/>
-          <a:lstStyle/>
-          <a:p>
-            <a:pPr marL="0" indent="0">
-              <a:buNone/>
-            </a:pPr>
-            <a:r>
-              <a:rPr lang="ru-RU" dirty="0" smtClean="0"/>
-              <a:t>Разрешение сторонних зависимостей</a:t>
-            </a:r>
-          </a:p>
-          <a:p>
-            <a:pPr marL="0" indent="0">
-              <a:buNone/>
-            </a:pPr>
-            <a:r>
-              <a:rPr lang="ru-RU" dirty="0" smtClean="0"/>
-              <a:t>Минимальное количество изменений</a:t>
-            </a:r>
-          </a:p>
-          <a:p>
-            <a:pPr marL="0" indent="0">
-              <a:buNone/>
-            </a:pPr>
-            <a:endParaRPr lang="ru-RU" dirty="0" smtClean="0"/>
-          </a:p>
-          <a:p>
-            <a:pPr marL="0" indent="0">
-              <a:buNone/>
-            </a:pPr>
-            <a:r>
-              <a:rPr lang="ru-RU" dirty="0" smtClean="0"/>
-              <a:t>Результаты тестирования</a:t>
-            </a:r>
-          </a:p>
-          <a:p>
-            <a:pPr marL="0" indent="0">
-              <a:buNone/>
-            </a:pPr>
-            <a:endParaRPr lang="ru-RU" dirty="0"/>
+            <a:endParaRPr lang="ru-RU" b="1" dirty="0">
+              <a:solidFill>
+                <a:schemeClr val="bg1"/>
+              </a:solidFill>
+            </a:endParaRPr>
           </a:p>
         </p:txBody>
       </p:sp>
@@ -9429,10 +12942,552 @@
           </a:p>
         </p:txBody>
       </p:sp>
+      <p:grpSp>
+        <p:nvGrpSpPr>
+          <p:cNvPr id="10" name="Группа 9"/>
+          <p:cNvGrpSpPr/>
+          <p:nvPr/>
+        </p:nvGrpSpPr>
+        <p:grpSpPr>
+          <a:xfrm>
+            <a:off x="1140765" y="2588566"/>
+            <a:ext cx="1938614" cy="2330924"/>
+            <a:chOff x="649945" y="2420471"/>
+            <a:chExt cx="1938614" cy="2330924"/>
+          </a:xfrm>
+        </p:grpSpPr>
+        <p:sp>
+          <p:nvSpPr>
+            <p:cNvPr id="11" name="Прямоугольник 10"/>
+            <p:cNvSpPr/>
+            <p:nvPr/>
+          </p:nvSpPr>
+          <p:spPr>
+            <a:xfrm>
+              <a:off x="649945" y="2420471"/>
+              <a:ext cx="1938614" cy="2330924"/>
+            </a:xfrm>
+            <a:prstGeom prst="rect">
+              <a:avLst/>
+            </a:prstGeom>
+            <a:ln w="28575">
+              <a:solidFill>
+                <a:schemeClr val="accent4">
+                  <a:lumMod val="75000"/>
+                </a:schemeClr>
+              </a:solidFill>
+            </a:ln>
+          </p:spPr>
+          <p:style>
+            <a:lnRef idx="2">
+              <a:schemeClr val="accent5"/>
+            </a:lnRef>
+            <a:fillRef idx="1">
+              <a:schemeClr val="lt1"/>
+            </a:fillRef>
+            <a:effectRef idx="0">
+              <a:schemeClr val="accent5"/>
+            </a:effectRef>
+            <a:fontRef idx="minor">
+              <a:schemeClr val="dk1"/>
+            </a:fontRef>
+          </p:style>
+          <p:txBody>
+            <a:bodyPr rtlCol="0" anchor="t" anchorCtr="0"/>
+            <a:lstStyle/>
+            <a:p>
+              <a:pPr algn="ctr"/>
+              <a:endParaRPr lang="ru-RU" dirty="0" smtClean="0">
+                <a:solidFill>
+                  <a:schemeClr val="tx1"/>
+                </a:solidFill>
+              </a:endParaRPr>
+            </a:p>
+            <a:p>
+              <a:pPr algn="ctr"/>
+              <a:r>
+                <a:rPr lang="ru-RU" dirty="0" smtClean="0">
+                  <a:solidFill>
+                    <a:schemeClr val="tx1"/>
+                  </a:solidFill>
+                </a:rPr>
+                <a:t>Приложение</a:t>
+              </a:r>
+            </a:p>
+            <a:p>
+              <a:pPr algn="ctr"/>
+              <a:r>
+                <a:rPr lang="ru-RU" dirty="0" smtClean="0">
+                  <a:solidFill>
+                    <a:schemeClr val="tx1"/>
+                  </a:solidFill>
+                </a:rPr>
+                <a:t>ОС </a:t>
+              </a:r>
+              <a:r>
+                <a:rPr lang="en-US" dirty="0" smtClean="0">
+                  <a:solidFill>
+                    <a:schemeClr val="tx1"/>
+                  </a:solidFill>
+                </a:rPr>
+                <a:t>Linux</a:t>
+              </a:r>
+              <a:endParaRPr lang="ru-RU" dirty="0">
+                <a:solidFill>
+                  <a:schemeClr val="tx1"/>
+                </a:solidFill>
+              </a:endParaRPr>
+            </a:p>
+          </p:txBody>
+        </p:sp>
+        <p:sp>
+          <p:nvSpPr>
+            <p:cNvPr id="12" name="Прямоугольник 11"/>
+            <p:cNvSpPr/>
+            <p:nvPr/>
+          </p:nvSpPr>
+          <p:spPr>
+            <a:xfrm>
+              <a:off x="649945" y="4121639"/>
+              <a:ext cx="1938614" cy="629754"/>
+            </a:xfrm>
+            <a:prstGeom prst="rect">
+              <a:avLst/>
+            </a:prstGeom>
+            <a:ln w="28575">
+              <a:solidFill>
+                <a:schemeClr val="accent4">
+                  <a:lumMod val="75000"/>
+                </a:schemeClr>
+              </a:solidFill>
+            </a:ln>
+          </p:spPr>
+          <p:style>
+            <a:lnRef idx="2">
+              <a:schemeClr val="accent5"/>
+            </a:lnRef>
+            <a:fillRef idx="1">
+              <a:schemeClr val="lt1"/>
+            </a:fillRef>
+            <a:effectRef idx="0">
+              <a:schemeClr val="accent5"/>
+            </a:effectRef>
+            <a:fontRef idx="minor">
+              <a:schemeClr val="dk1"/>
+            </a:fontRef>
+          </p:style>
+          <p:txBody>
+            <a:bodyPr rtlCol="0" anchor="ctr"/>
+            <a:lstStyle/>
+            <a:p>
+              <a:pPr algn="ctr"/>
+              <a:r>
+                <a:rPr lang="en-US" dirty="0">
+                  <a:solidFill>
+                    <a:schemeClr val="tx1"/>
+                  </a:solidFill>
+                </a:rPr>
+                <a:t>l</a:t>
+              </a:r>
+              <a:r>
+                <a:rPr lang="en-US" dirty="0" smtClean="0">
+                  <a:solidFill>
+                    <a:schemeClr val="tx1"/>
+                  </a:solidFill>
+                </a:rPr>
+                <a:t>ibguestfs.so</a:t>
+              </a:r>
+            </a:p>
+          </p:txBody>
+        </p:sp>
+        <p:sp>
+          <p:nvSpPr>
+            <p:cNvPr id="13" name="Прямоугольник 12"/>
+            <p:cNvSpPr/>
+            <p:nvPr/>
+          </p:nvSpPr>
+          <p:spPr>
+            <a:xfrm>
+              <a:off x="728381" y="4195480"/>
+              <a:ext cx="1786219" cy="486423"/>
+            </a:xfrm>
+            <a:prstGeom prst="rect">
+              <a:avLst/>
+            </a:prstGeom>
+            <a:noFill/>
+            <a:ln w="28575">
+              <a:solidFill>
+                <a:schemeClr val="accent4">
+                  <a:lumMod val="75000"/>
+                </a:schemeClr>
+              </a:solidFill>
+            </a:ln>
+          </p:spPr>
+          <p:style>
+            <a:lnRef idx="2">
+              <a:schemeClr val="accent5"/>
+            </a:lnRef>
+            <a:fillRef idx="1">
+              <a:schemeClr val="lt1"/>
+            </a:fillRef>
+            <a:effectRef idx="0">
+              <a:schemeClr val="accent5"/>
+            </a:effectRef>
+            <a:fontRef idx="minor">
+              <a:schemeClr val="dk1"/>
+            </a:fontRef>
+          </p:style>
+          <p:txBody>
+            <a:bodyPr rtlCol="0" anchor="ctr"/>
+            <a:lstStyle/>
+            <a:p>
+              <a:pPr algn="ctr"/>
+              <a:endParaRPr lang="ru-RU" dirty="0">
+                <a:solidFill>
+                  <a:schemeClr val="tx1"/>
+                </a:solidFill>
+              </a:endParaRPr>
+            </a:p>
+          </p:txBody>
+        </p:sp>
+      </p:grpSp>
+      <p:cxnSp>
+        <p:nvCxnSpPr>
+          <p:cNvPr id="22" name="Соединительная линия уступом 21"/>
+          <p:cNvCxnSpPr>
+            <a:endCxn id="8" idx="1"/>
+          </p:cNvCxnSpPr>
+          <p:nvPr/>
+        </p:nvCxnSpPr>
+        <p:spPr>
+          <a:xfrm flipV="1">
+            <a:off x="3089646" y="3166948"/>
+            <a:ext cx="2599026" cy="1450684"/>
+          </a:xfrm>
+          <a:prstGeom prst="bentConnector3">
+            <a:avLst/>
+          </a:prstGeom>
+          <a:ln w="28575">
+            <a:solidFill>
+              <a:schemeClr val="accent4">
+                <a:lumMod val="75000"/>
+              </a:schemeClr>
+            </a:solidFill>
+            <a:headEnd type="triangle" w="med" len="med"/>
+            <a:tailEnd type="triangle" w="med" len="med"/>
+          </a:ln>
+        </p:spPr>
+        <p:style>
+          <a:lnRef idx="1">
+            <a:schemeClr val="accent1"/>
+          </a:lnRef>
+          <a:fillRef idx="0">
+            <a:schemeClr val="accent1"/>
+          </a:fillRef>
+          <a:effectRef idx="0">
+            <a:schemeClr val="accent1"/>
+          </a:effectRef>
+          <a:fontRef idx="minor">
+            <a:schemeClr val="tx1"/>
+          </a:fontRef>
+        </p:style>
+      </p:cxnSp>
+      <p:sp>
+        <p:nvSpPr>
+          <p:cNvPr id="24" name="TextBox 23"/>
+          <p:cNvSpPr txBox="1"/>
+          <p:nvPr/>
+        </p:nvSpPr>
+        <p:spPr>
+          <a:xfrm>
+            <a:off x="10301598" y="1561475"/>
+            <a:ext cx="1316386" cy="923330"/>
+          </a:xfrm>
+          <a:prstGeom prst="rect">
+            <a:avLst/>
+          </a:prstGeom>
+          <a:noFill/>
+          <a:ln w="12700">
+            <a:solidFill>
+              <a:schemeClr val="tx1"/>
+            </a:solidFill>
+            <a:prstDash val="dash"/>
+          </a:ln>
+        </p:spPr>
+        <p:txBody>
+          <a:bodyPr wrap="none" rtlCol="0">
+            <a:spAutoFit/>
+          </a:bodyPr>
+          <a:lstStyle/>
+          <a:p>
+            <a:r>
+              <a:rPr lang="en-US" dirty="0" smtClean="0"/>
+              <a:t>QEMU</a:t>
+            </a:r>
+          </a:p>
+          <a:p>
+            <a:r>
+              <a:rPr lang="en-US" dirty="0" smtClean="0"/>
+              <a:t>QEMU-KVM</a:t>
+            </a:r>
+          </a:p>
+          <a:p>
+            <a:r>
+              <a:rPr lang="en-US" dirty="0" smtClean="0"/>
+              <a:t>UML</a:t>
+            </a:r>
+            <a:endParaRPr lang="ru-RU" dirty="0"/>
+          </a:p>
+        </p:txBody>
+      </p:sp>
+      <p:cxnSp>
+        <p:nvCxnSpPr>
+          <p:cNvPr id="26" name="Прямая соединительная линия 25"/>
+          <p:cNvCxnSpPr>
+            <a:stCxn id="24" idx="1"/>
+          </p:cNvCxnSpPr>
+          <p:nvPr/>
+        </p:nvCxnSpPr>
+        <p:spPr>
+          <a:xfrm flipH="1">
+            <a:off x="9823081" y="2023140"/>
+            <a:ext cx="478517" cy="422647"/>
+          </a:xfrm>
+          <a:prstGeom prst="line">
+            <a:avLst/>
+          </a:prstGeom>
+          <a:ln w="12700">
+            <a:solidFill>
+              <a:schemeClr val="tx1"/>
+            </a:solidFill>
+            <a:prstDash val="dash"/>
+          </a:ln>
+        </p:spPr>
+        <p:style>
+          <a:lnRef idx="1">
+            <a:schemeClr val="accent1"/>
+          </a:lnRef>
+          <a:fillRef idx="0">
+            <a:schemeClr val="accent1"/>
+          </a:fillRef>
+          <a:effectRef idx="0">
+            <a:schemeClr val="accent1"/>
+          </a:effectRef>
+          <a:fontRef idx="minor">
+            <a:schemeClr val="tx1"/>
+          </a:fontRef>
+        </p:style>
+      </p:cxnSp>
+      <p:sp>
+        <p:nvSpPr>
+          <p:cNvPr id="31" name="TextBox 30"/>
+          <p:cNvSpPr txBox="1"/>
+          <p:nvPr/>
+        </p:nvSpPr>
+        <p:spPr>
+          <a:xfrm>
+            <a:off x="3284629" y="5533465"/>
+            <a:ext cx="1559466" cy="369332"/>
+          </a:xfrm>
+          <a:prstGeom prst="rect">
+            <a:avLst/>
+          </a:prstGeom>
+          <a:noFill/>
+          <a:ln w="12700">
+            <a:solidFill>
+              <a:schemeClr val="accent4">
+                <a:lumMod val="75000"/>
+              </a:schemeClr>
+            </a:solidFill>
+            <a:prstDash val="dash"/>
+          </a:ln>
+        </p:spPr>
+        <p:txBody>
+          <a:bodyPr wrap="none" rtlCol="0">
+            <a:spAutoFit/>
+          </a:bodyPr>
+          <a:lstStyle/>
+          <a:p>
+            <a:r>
+              <a:rPr lang="ru-RU" dirty="0" smtClean="0"/>
+              <a:t>Протокол </a:t>
+            </a:r>
+            <a:r>
+              <a:rPr lang="en-US" dirty="0" smtClean="0"/>
+              <a:t>XDR</a:t>
+            </a:r>
+            <a:endParaRPr lang="ru-RU" dirty="0"/>
+          </a:p>
+        </p:txBody>
+      </p:sp>
+      <p:cxnSp>
+        <p:nvCxnSpPr>
+          <p:cNvPr id="35" name="Прямая соединительная линия 34"/>
+          <p:cNvCxnSpPr>
+            <a:stCxn id="31" idx="0"/>
+          </p:cNvCxnSpPr>
+          <p:nvPr/>
+        </p:nvCxnSpPr>
+        <p:spPr>
+          <a:xfrm flipV="1">
+            <a:off x="4064362" y="4604611"/>
+            <a:ext cx="0" cy="928854"/>
+          </a:xfrm>
+          <a:prstGeom prst="line">
+            <a:avLst/>
+          </a:prstGeom>
+          <a:ln w="12700">
+            <a:solidFill>
+              <a:schemeClr val="accent4">
+                <a:lumMod val="75000"/>
+              </a:schemeClr>
+            </a:solidFill>
+            <a:prstDash val="dash"/>
+          </a:ln>
+        </p:spPr>
+        <p:style>
+          <a:lnRef idx="1">
+            <a:schemeClr val="accent1"/>
+          </a:lnRef>
+          <a:fillRef idx="0">
+            <a:schemeClr val="accent1"/>
+          </a:fillRef>
+          <a:effectRef idx="0">
+            <a:schemeClr val="accent1"/>
+          </a:effectRef>
+          <a:fontRef idx="minor">
+            <a:schemeClr val="tx1"/>
+          </a:fontRef>
+        </p:style>
+      </p:cxnSp>
+      <p:sp>
+        <p:nvSpPr>
+          <p:cNvPr id="36" name="TextBox 35"/>
+          <p:cNvSpPr txBox="1"/>
+          <p:nvPr/>
+        </p:nvSpPr>
+        <p:spPr>
+          <a:xfrm>
+            <a:off x="3530975" y="1985804"/>
+            <a:ext cx="1359283" cy="369332"/>
+          </a:xfrm>
+          <a:prstGeom prst="rect">
+            <a:avLst/>
+          </a:prstGeom>
+          <a:noFill/>
+          <a:ln w="12700">
+            <a:solidFill>
+              <a:schemeClr val="accent4">
+                <a:lumMod val="75000"/>
+              </a:schemeClr>
+            </a:solidFill>
+            <a:prstDash val="dash"/>
+          </a:ln>
+        </p:spPr>
+        <p:txBody>
+          <a:bodyPr wrap="none" rtlCol="0">
+            <a:spAutoFit/>
+          </a:bodyPr>
+          <a:lstStyle/>
+          <a:p>
+            <a:r>
+              <a:rPr lang="en-US" dirty="0" smtClean="0"/>
+              <a:t>Unix</a:t>
+            </a:r>
+            <a:r>
+              <a:rPr lang="ru-RU" dirty="0" smtClean="0"/>
+              <a:t>-сокеты</a:t>
+            </a:r>
+            <a:endParaRPr lang="ru-RU" dirty="0"/>
+          </a:p>
+        </p:txBody>
+      </p:sp>
+      <p:cxnSp>
+        <p:nvCxnSpPr>
+          <p:cNvPr id="38" name="Прямая со стрелкой 37"/>
+          <p:cNvCxnSpPr>
+            <a:stCxn id="36" idx="2"/>
+          </p:cNvCxnSpPr>
+          <p:nvPr/>
+        </p:nvCxnSpPr>
+        <p:spPr>
+          <a:xfrm flipH="1">
+            <a:off x="3166782" y="2355136"/>
+            <a:ext cx="1043835" cy="2121724"/>
+          </a:xfrm>
+          <a:prstGeom prst="straightConnector1">
+            <a:avLst/>
+          </a:prstGeom>
+          <a:ln w="12700">
+            <a:solidFill>
+              <a:schemeClr val="accent4">
+                <a:lumMod val="75000"/>
+              </a:schemeClr>
+            </a:solidFill>
+            <a:prstDash val="dash"/>
+            <a:tailEnd type="triangle"/>
+          </a:ln>
+        </p:spPr>
+        <p:style>
+          <a:lnRef idx="1">
+            <a:schemeClr val="accent1"/>
+          </a:lnRef>
+          <a:fillRef idx="0">
+            <a:schemeClr val="accent1"/>
+          </a:fillRef>
+          <a:effectRef idx="0">
+            <a:schemeClr val="accent1"/>
+          </a:effectRef>
+          <a:fontRef idx="minor">
+            <a:schemeClr val="tx1"/>
+          </a:fontRef>
+        </p:style>
+      </p:cxnSp>
+      <p:cxnSp>
+        <p:nvCxnSpPr>
+          <p:cNvPr id="40" name="Прямая со стрелкой 39"/>
+          <p:cNvCxnSpPr>
+            <a:stCxn id="36" idx="2"/>
+          </p:cNvCxnSpPr>
+          <p:nvPr/>
+        </p:nvCxnSpPr>
+        <p:spPr>
+          <a:xfrm>
+            <a:off x="4210617" y="2355136"/>
+            <a:ext cx="1409675" cy="706133"/>
+          </a:xfrm>
+          <a:prstGeom prst="straightConnector1">
+            <a:avLst/>
+          </a:prstGeom>
+          <a:ln w="12700">
+            <a:solidFill>
+              <a:schemeClr val="accent4">
+                <a:lumMod val="75000"/>
+              </a:schemeClr>
+            </a:solidFill>
+            <a:prstDash val="dash"/>
+            <a:tailEnd type="triangle"/>
+          </a:ln>
+        </p:spPr>
+        <p:style>
+          <a:lnRef idx="1">
+            <a:schemeClr val="accent1"/>
+          </a:lnRef>
+          <a:fillRef idx="0">
+            <a:schemeClr val="accent1"/>
+          </a:fillRef>
+          <a:effectRef idx="0">
+            <a:schemeClr val="accent1"/>
+          </a:effectRef>
+          <a:fontRef idx="minor">
+            <a:schemeClr val="tx1"/>
+          </a:fontRef>
+        </p:style>
+      </p:cxnSp>
     </p:spTree>
     <p:extLst>
       <p:ext uri="{BB962C8B-B14F-4D97-AF65-F5344CB8AC3E}">
-        <p14:creationId xmlns:p14="http://schemas.microsoft.com/office/powerpoint/2010/main" val="1597690361"/>
+        <p14:creationId xmlns:p14="http://schemas.microsoft.com/office/powerpoint/2010/main" val="2885591527"/>
       </p:ext>
     </p:extLst>
   </p:cSld>

--- a/presentation.pptx
+++ b/presentation.pptx
@@ -5,28 +5,27 @@
     <p:sldMasterId id="2147483744" r:id="rId1"/>
   </p:sldMasterIdLst>
   <p:notesMasterIdLst>
-    <p:notesMasterId r:id="rId18"/>
+    <p:notesMasterId r:id="rId17"/>
   </p:notesMasterIdLst>
   <p:handoutMasterIdLst>
-    <p:handoutMasterId r:id="rId19"/>
+    <p:handoutMasterId r:id="rId18"/>
   </p:handoutMasterIdLst>
   <p:sldIdLst>
     <p:sldId id="256" r:id="rId2"/>
     <p:sldId id="259" r:id="rId3"/>
     <p:sldId id="258" r:id="rId4"/>
-    <p:sldId id="270" r:id="rId5"/>
-    <p:sldId id="257" r:id="rId6"/>
-    <p:sldId id="271" r:id="rId7"/>
-    <p:sldId id="265" r:id="rId8"/>
-    <p:sldId id="266" r:id="rId9"/>
-    <p:sldId id="267" r:id="rId10"/>
-    <p:sldId id="260" r:id="rId11"/>
-    <p:sldId id="261" r:id="rId12"/>
-    <p:sldId id="262" r:id="rId13"/>
-    <p:sldId id="263" r:id="rId14"/>
-    <p:sldId id="264" r:id="rId15"/>
-    <p:sldId id="269" r:id="rId16"/>
-    <p:sldId id="268" r:id="rId17"/>
+    <p:sldId id="271" r:id="rId5"/>
+    <p:sldId id="265" r:id="rId6"/>
+    <p:sldId id="266" r:id="rId7"/>
+    <p:sldId id="267" r:id="rId8"/>
+    <p:sldId id="260" r:id="rId9"/>
+    <p:sldId id="261" r:id="rId10"/>
+    <p:sldId id="262" r:id="rId11"/>
+    <p:sldId id="273" r:id="rId12"/>
+    <p:sldId id="272" r:id="rId13"/>
+    <p:sldId id="264" r:id="rId14"/>
+    <p:sldId id="269" r:id="rId15"/>
+    <p:sldId id="268" r:id="rId16"/>
   </p:sldIdLst>
   <p:sldSz cx="12192000" cy="6858000"/>
   <p:notesSz cx="6858000" cy="9144000"/>
@@ -162,13 +161,10 @@
               </a:defRPr>
             </a:pPr>
             <a:r>
-              <a:rPr lang="ru-RU" dirty="0" smtClean="0"/>
-              <a:t>Время</a:t>
-            </a:r>
-            <a:r>
               <a:rPr lang="ru-RU" baseline="0" dirty="0" smtClean="0"/>
-              <a:t> выполнения операций</a:t>
-            </a:r>
+              <a:t>1</a:t>
+            </a:r>
+            <a:endParaRPr lang="ru-RU" baseline="0" dirty="0" smtClean="0"/>
           </a:p>
         </c:rich>
       </c:tx>
@@ -531,11 +527,11 @@
         </c:dLbls>
         <c:gapWidth val="219"/>
         <c:overlap val="-27"/>
-        <c:axId val="45332192"/>
-        <c:axId val="45337232"/>
+        <c:axId val="224396976"/>
+        <c:axId val="224397536"/>
       </c:barChart>
       <c:catAx>
-        <c:axId val="45332192"/>
+        <c:axId val="224396976"/>
         <c:scaling>
           <c:orientation val="minMax"/>
         </c:scaling>
@@ -578,7 +574,7 @@
             <a:endParaRPr lang="ru-RU"/>
           </a:p>
         </c:txPr>
-        <c:crossAx val="45337232"/>
+        <c:crossAx val="224397536"/>
         <c:crosses val="autoZero"/>
         <c:auto val="1"/>
         <c:lblAlgn val="ctr"/>
@@ -586,7 +582,7 @@
         <c:noMultiLvlLbl val="0"/>
       </c:catAx>
       <c:valAx>
-        <c:axId val="45337232"/>
+        <c:axId val="224397536"/>
         <c:scaling>
           <c:orientation val="minMax"/>
         </c:scaling>
@@ -637,7 +633,7 @@
             <a:endParaRPr lang="ru-RU"/>
           </a:p>
         </c:txPr>
-        <c:crossAx val="45332192"/>
+        <c:crossAx val="224396976"/>
         <c:crosses val="autoZero"/>
         <c:crossBetween val="between"/>
       </c:valAx>
@@ -5542,212 +5538,61 @@
             <p:ph type="title"/>
           </p:nvPr>
         </p:nvSpPr>
-        <p:spPr/>
+        <p:spPr>
+          <a:xfrm>
+            <a:off x="838199" y="365125"/>
+            <a:ext cx="11157214" cy="1325563"/>
+          </a:xfrm>
+        </p:spPr>
         <p:txBody>
           <a:bodyPr/>
           <a:lstStyle/>
           <a:p>
             <a:r>
+              <a:rPr lang="ru-RU" dirty="0" err="1" smtClean="0">
+                <a:solidFill>
+                  <a:schemeClr val="bg1"/>
+                </a:solidFill>
+              </a:rPr>
+              <a:t>Нативное</a:t>
+            </a:r>
+            <a:r>
               <a:rPr lang="ru-RU" dirty="0" smtClean="0">
                 <a:solidFill>
                   <a:schemeClr val="bg1"/>
                 </a:solidFill>
               </a:rPr>
-              <a:t>Задачи</a:t>
-            </a:r>
-            <a:endParaRPr lang="ru-RU" dirty="0">
+              <a:t> </a:t>
+            </a:r>
+            <a:r>
+              <a:rPr lang="ru-RU" dirty="0" err="1" smtClean="0">
+                <a:solidFill>
+                  <a:schemeClr val="bg1"/>
+                </a:solidFill>
+              </a:rPr>
+              <a:t>портирование</a:t>
+            </a:r>
+            <a:r>
+              <a:rPr lang="ru-RU" dirty="0" smtClean="0">
+                <a:solidFill>
+                  <a:schemeClr val="bg1"/>
+                </a:solidFill>
+              </a:rPr>
+              <a:t> </a:t>
+            </a:r>
+            <a:r>
+              <a:rPr lang="en-US" b="1" dirty="0" err="1" smtClean="0">
+                <a:solidFill>
+                  <a:schemeClr val="bg1"/>
+                </a:solidFill>
+              </a:rPr>
+              <a:t>libguestfs</a:t>
+            </a:r>
+            <a:endParaRPr lang="ru-RU" b="1" dirty="0">
               <a:solidFill>
                 <a:schemeClr val="bg1"/>
               </a:solidFill>
             </a:endParaRPr>
-          </a:p>
-        </p:txBody>
-      </p:sp>
-      <p:sp>
-        <p:nvSpPr>
-          <p:cNvPr id="3" name="Объект 2"/>
-          <p:cNvSpPr>
-            <a:spLocks noGrp="1"/>
-          </p:cNvSpPr>
-          <p:nvPr>
-            <p:ph idx="1"/>
-          </p:nvPr>
-        </p:nvSpPr>
-        <p:spPr/>
-        <p:txBody>
-          <a:bodyPr>
-            <a:normAutofit/>
-          </a:bodyPr>
-          <a:lstStyle/>
-          <a:p>
-            <a:pPr marL="0" indent="0">
-              <a:buNone/>
-            </a:pPr>
-            <a:r>
-              <a:rPr lang="ru-RU" dirty="0" err="1" smtClean="0"/>
-              <a:t>Портировать</a:t>
-            </a:r>
-            <a:r>
-              <a:rPr lang="ru-RU" dirty="0"/>
-              <a:t> </a:t>
-            </a:r>
-            <a:r>
-              <a:rPr lang="ru-RU" dirty="0" smtClean="0"/>
-              <a:t>библиотеку </a:t>
-            </a:r>
-            <a:r>
-              <a:rPr lang="en-US" dirty="0" err="1" smtClean="0"/>
-              <a:t>libguestfs</a:t>
-            </a:r>
-            <a:r>
-              <a:rPr lang="ru-RU" dirty="0" smtClean="0"/>
-              <a:t> для работы в ОС </a:t>
-            </a:r>
-            <a:r>
-              <a:rPr lang="en-US" dirty="0" smtClean="0"/>
-              <a:t>Windows</a:t>
-            </a:r>
-            <a:endParaRPr lang="ru-RU" dirty="0"/>
-          </a:p>
-          <a:p>
-            <a:pPr marL="0" indent="0">
-              <a:buNone/>
-            </a:pPr>
-            <a:r>
-              <a:rPr lang="ru-RU" dirty="0" err="1" smtClean="0"/>
-              <a:t>Портирование</a:t>
-            </a:r>
-            <a:r>
-              <a:rPr lang="ru-RU" dirty="0" smtClean="0"/>
-              <a:t> </a:t>
-            </a:r>
-            <a:r>
-              <a:rPr lang="en-US" dirty="0" err="1" smtClean="0"/>
-              <a:t>libguestfs</a:t>
-            </a:r>
-            <a:r>
-              <a:rPr lang="ru-RU" dirty="0" smtClean="0"/>
-              <a:t> для запуска в </a:t>
-            </a:r>
-            <a:r>
-              <a:rPr lang="en-US" dirty="0" smtClean="0"/>
-              <a:t>Cygwin</a:t>
-            </a:r>
-            <a:endParaRPr lang="ru-RU" dirty="0" smtClean="0"/>
-          </a:p>
-          <a:p>
-            <a:pPr marL="0" indent="0">
-              <a:buNone/>
-            </a:pPr>
-            <a:r>
-              <a:rPr lang="ru-RU" dirty="0" err="1" smtClean="0"/>
-              <a:t>Нативное</a:t>
-            </a:r>
-            <a:r>
-              <a:rPr lang="ru-RU" dirty="0" smtClean="0"/>
-              <a:t> </a:t>
-            </a:r>
-            <a:r>
-              <a:rPr lang="ru-RU" dirty="0" err="1" smtClean="0"/>
-              <a:t>портирование</a:t>
-            </a:r>
-            <a:r>
-              <a:rPr lang="ru-RU" dirty="0" smtClean="0"/>
-              <a:t> </a:t>
-            </a:r>
-            <a:r>
-              <a:rPr lang="en-US" dirty="0" err="1" smtClean="0"/>
-              <a:t>libguestfs</a:t>
-            </a:r>
-            <a:r>
-              <a:rPr lang="ru-RU" dirty="0" smtClean="0"/>
-              <a:t> с помощью </a:t>
-            </a:r>
-            <a:r>
-              <a:rPr lang="en-US" dirty="0" err="1" smtClean="0"/>
-              <a:t>MinGW</a:t>
-            </a:r>
-            <a:endParaRPr lang="ru-RU" dirty="0" smtClean="0"/>
-          </a:p>
-          <a:p>
-            <a:pPr marL="0" indent="0">
-              <a:buNone/>
-            </a:pPr>
-            <a:r>
-              <a:rPr lang="ru-RU" dirty="0" err="1" smtClean="0"/>
-              <a:t>Портировать</a:t>
-            </a:r>
-            <a:r>
-              <a:rPr lang="ru-RU" dirty="0" smtClean="0"/>
-              <a:t> систему сборки </a:t>
-            </a:r>
-            <a:r>
-              <a:rPr lang="en-US" smtClean="0"/>
-              <a:t>libguestfs</a:t>
-            </a:r>
-            <a:endParaRPr lang="ru-RU" dirty="0" smtClean="0"/>
-          </a:p>
-          <a:p>
-            <a:pPr marL="0" indent="0">
-              <a:buNone/>
-            </a:pPr>
-            <a:r>
-              <a:rPr lang="ru-RU" dirty="0"/>
-              <a:t>Выбрать </a:t>
-            </a:r>
-            <a:r>
-              <a:rPr lang="ru-RU" dirty="0" smtClean="0"/>
-              <a:t>виртуальную </a:t>
-            </a:r>
-            <a:r>
-              <a:rPr lang="ru-RU" dirty="0"/>
-              <a:t>машину для запуска </a:t>
-            </a:r>
-            <a:r>
-              <a:rPr lang="ru-RU" dirty="0" err="1" smtClean="0"/>
-              <a:t>Linux</a:t>
-            </a:r>
-            <a:endParaRPr lang="ru-RU" dirty="0" smtClean="0"/>
-          </a:p>
-          <a:p>
-            <a:pPr marL="0" indent="0">
-              <a:buNone/>
-            </a:pPr>
-            <a:r>
-              <a:rPr lang="ru-RU" dirty="0" smtClean="0"/>
-              <a:t>Выбрать протокол взаимодействия с демоном</a:t>
-            </a:r>
-          </a:p>
-          <a:p>
-            <a:pPr marL="0" indent="0">
-              <a:buNone/>
-            </a:pPr>
-            <a:r>
-              <a:rPr lang="ru-RU" dirty="0" smtClean="0"/>
-              <a:t>Реализовать передачу файлов через общую память</a:t>
-            </a:r>
-          </a:p>
-          <a:p>
-            <a:pPr marL="0" indent="0">
-              <a:buNone/>
-            </a:pPr>
-            <a:r>
-              <a:rPr lang="ru-RU" dirty="0" smtClean="0"/>
-              <a:t>Сравнить производительность работы в </a:t>
-            </a:r>
-            <a:r>
-              <a:rPr lang="en-US" dirty="0" smtClean="0"/>
-              <a:t>Windows</a:t>
-            </a:r>
-            <a:r>
-              <a:rPr lang="ru-RU" dirty="0" smtClean="0"/>
-              <a:t> и </a:t>
-            </a:r>
-            <a:r>
-              <a:rPr lang="en-US" dirty="0" smtClean="0"/>
-              <a:t>Linux</a:t>
-            </a:r>
-            <a:endParaRPr lang="ru-RU" dirty="0"/>
           </a:p>
         </p:txBody>
       </p:sp>
@@ -5774,10 +5619,553 @@
           </a:p>
         </p:txBody>
       </p:sp>
+      <p:graphicFrame>
+        <p:nvGraphicFramePr>
+          <p:cNvPr id="6" name="Таблица 5"/>
+          <p:cNvGraphicFramePr>
+            <a:graphicFrameLocks noGrp="1"/>
+          </p:cNvGraphicFramePr>
+          <p:nvPr>
+            <p:extLst>
+              <p:ext uri="{D42A27DB-BD31-4B8C-83A1-F6EECF244321}">
+                <p14:modId xmlns:p14="http://schemas.microsoft.com/office/powerpoint/2010/main" val="1739680685"/>
+              </p:ext>
+            </p:extLst>
+          </p:nvPr>
+        </p:nvGraphicFramePr>
+        <p:xfrm>
+          <a:off x="618564" y="1999296"/>
+          <a:ext cx="11255189" cy="4411518"/>
+        </p:xfrm>
+        <a:graphic>
+          <a:graphicData uri="http://schemas.openxmlformats.org/drawingml/2006/table">
+            <a:tbl>
+              <a:tblPr firstRow="1" bandRow="1">
+                <a:tableStyleId>{5940675A-B579-460E-94D1-54222C63F5DA}</a:tableStyleId>
+              </a:tblPr>
+              <a:tblGrid>
+                <a:gridCol w="5957048"/>
+                <a:gridCol w="5298141"/>
+              </a:tblGrid>
+              <a:tr h="510078">
+                <a:tc>
+                  <a:txBody>
+                    <a:bodyPr/>
+                    <a:lstStyle/>
+                    <a:p>
+                      <a:r>
+                        <a:rPr lang="ru-RU" sz="2400" b="1" dirty="0" smtClean="0"/>
+                        <a:t>Исходный код</a:t>
+                      </a:r>
+                      <a:endParaRPr lang="ru-RU" sz="2400" b="1" dirty="0"/>
+                    </a:p>
+                  </a:txBody>
+                  <a:tcPr anchor="ctr">
+                    <a:lnL w="12700" cmpd="sng">
+                      <a:noFill/>
+                    </a:lnL>
+                    <a:lnR w="28575" cap="flat" cmpd="sng" algn="ctr">
+                      <a:solidFill>
+                        <a:srgbClr val="1580D0"/>
+                      </a:solidFill>
+                      <a:prstDash val="solid"/>
+                      <a:round/>
+                      <a:headEnd type="none" w="med" len="med"/>
+                      <a:tailEnd type="none" w="med" len="med"/>
+                    </a:lnR>
+                    <a:lnT w="12700" cmpd="sng">
+                      <a:noFill/>
+                    </a:lnT>
+                    <a:lnB w="28575" cap="flat" cmpd="sng" algn="ctr">
+                      <a:solidFill>
+                        <a:srgbClr val="1580D0"/>
+                      </a:solidFill>
+                      <a:prstDash val="solid"/>
+                      <a:round/>
+                      <a:headEnd type="none" w="med" len="med"/>
+                      <a:tailEnd type="none" w="med" len="med"/>
+                    </a:lnB>
+                    <a:lnTlToBr w="12700" cmpd="sng">
+                      <a:noFill/>
+                      <a:prstDash val="solid"/>
+                    </a:lnTlToBr>
+                    <a:lnBlToTr w="12700" cmpd="sng">
+                      <a:noFill/>
+                      <a:prstDash val="solid"/>
+                    </a:lnBlToTr>
+                  </a:tcPr>
+                </a:tc>
+                <a:tc>
+                  <a:txBody>
+                    <a:bodyPr/>
+                    <a:lstStyle/>
+                    <a:p>
+                      <a:pPr algn="r"/>
+                      <a:r>
+                        <a:rPr lang="ru-RU" sz="2400" b="1" dirty="0" smtClean="0"/>
+                        <a:t>Система сборки</a:t>
+                      </a:r>
+                      <a:endParaRPr lang="ru-RU" sz="2400" b="1" dirty="0"/>
+                    </a:p>
+                  </a:txBody>
+                  <a:tcPr anchor="ctr">
+                    <a:lnL w="28575" cap="flat" cmpd="sng" algn="ctr">
+                      <a:solidFill>
+                        <a:srgbClr val="1580D0"/>
+                      </a:solidFill>
+                      <a:prstDash val="solid"/>
+                      <a:round/>
+                      <a:headEnd type="none" w="med" len="med"/>
+                      <a:tailEnd type="none" w="med" len="med"/>
+                    </a:lnL>
+                    <a:lnR w="12700" cmpd="sng">
+                      <a:noFill/>
+                    </a:lnR>
+                    <a:lnT w="12700" cmpd="sng">
+                      <a:noFill/>
+                    </a:lnT>
+                    <a:lnB w="28575" cap="flat" cmpd="sng" algn="ctr">
+                      <a:solidFill>
+                        <a:srgbClr val="1580D0"/>
+                      </a:solidFill>
+                      <a:prstDash val="solid"/>
+                      <a:round/>
+                      <a:headEnd type="none" w="med" len="med"/>
+                      <a:tailEnd type="none" w="med" len="med"/>
+                    </a:lnB>
+                    <a:lnTlToBr w="12700" cmpd="sng">
+                      <a:noFill/>
+                      <a:prstDash val="solid"/>
+                    </a:lnTlToBr>
+                    <a:lnBlToTr w="12700" cmpd="sng">
+                      <a:noFill/>
+                      <a:prstDash val="solid"/>
+                    </a:lnBlToTr>
+                  </a:tcPr>
+                </a:tc>
+              </a:tr>
+              <a:tr h="3521631">
+                <a:tc>
+                  <a:txBody>
+                    <a:bodyPr/>
+                    <a:lstStyle/>
+                    <a:p>
+                      <a:pPr marL="285750" indent="-285750">
+                        <a:lnSpc>
+                          <a:spcPct val="150000"/>
+                        </a:lnSpc>
+                        <a:buFont typeface="Arial" panose="020B0604020202020204" pitchFamily="34" charset="0"/>
+                        <a:buChar char="•"/>
+                      </a:pPr>
+                      <a:r>
+                        <a:rPr lang="ru-RU" sz="2000" dirty="0" smtClean="0"/>
+                        <a:t>Реализация </a:t>
+                      </a:r>
+                      <a:r>
+                        <a:rPr lang="en-US" sz="2000" dirty="0" smtClean="0">
+                          <a:solidFill>
+                            <a:srgbClr val="1580D0"/>
+                          </a:solidFill>
+                        </a:rPr>
+                        <a:t>Windows-</a:t>
+                      </a:r>
+                      <a:r>
+                        <a:rPr lang="ru-RU" sz="2000" dirty="0" smtClean="0">
+                          <a:solidFill>
+                            <a:srgbClr val="1580D0"/>
+                          </a:solidFill>
+                        </a:rPr>
+                        <a:t>аналогов </a:t>
+                      </a:r>
+                      <a:r>
+                        <a:rPr lang="en-US" sz="2000" dirty="0" smtClean="0"/>
+                        <a:t>Linux</a:t>
+                      </a:r>
+                      <a:r>
+                        <a:rPr lang="ru-RU" sz="2000" dirty="0" smtClean="0"/>
+                        <a:t>-функций</a:t>
+                      </a:r>
+                    </a:p>
+                    <a:p>
+                      <a:pPr marL="285750" indent="-285750">
+                        <a:lnSpc>
+                          <a:spcPct val="150000"/>
+                        </a:lnSpc>
+                        <a:buFont typeface="Arial" panose="020B0604020202020204" pitchFamily="34" charset="0"/>
+                        <a:buChar char="•"/>
+                      </a:pPr>
+                      <a:r>
+                        <a:rPr lang="ru-RU" sz="2000" dirty="0" smtClean="0"/>
+                        <a:t>Локализация </a:t>
+                      </a:r>
+                      <a:r>
+                        <a:rPr lang="ru-RU" sz="2000" dirty="0" err="1" smtClean="0"/>
+                        <a:t>платформозависимого</a:t>
+                      </a:r>
+                      <a:r>
+                        <a:rPr lang="ru-RU" sz="2000" dirty="0" smtClean="0"/>
+                        <a:t> кода</a:t>
+                      </a:r>
+                    </a:p>
+                    <a:p>
+                      <a:pPr marL="285750" indent="-285750">
+                        <a:lnSpc>
+                          <a:spcPct val="150000"/>
+                        </a:lnSpc>
+                        <a:buFont typeface="Arial" panose="020B0604020202020204" pitchFamily="34" charset="0"/>
+                        <a:buChar char="•"/>
+                      </a:pPr>
+                      <a:r>
+                        <a:rPr lang="ru-RU" sz="2000" dirty="0" smtClean="0"/>
+                        <a:t>Проектирование и реализация </a:t>
+                      </a:r>
+                      <a:r>
+                        <a:rPr lang="ru-RU" sz="2000" dirty="0" smtClean="0">
+                          <a:solidFill>
+                            <a:srgbClr val="1580D0"/>
+                          </a:solidFill>
+                        </a:rPr>
+                        <a:t>кроссплатформенных интерфейсов</a:t>
+                      </a:r>
+                    </a:p>
+                    <a:p>
+                      <a:pPr marL="0" indent="0">
+                        <a:lnSpc>
+                          <a:spcPct val="150000"/>
+                        </a:lnSpc>
+                        <a:buFont typeface="Arial" panose="020B0604020202020204" pitchFamily="34" charset="0"/>
+                        <a:buNone/>
+                      </a:pPr>
+                      <a:endParaRPr lang="ru-RU" sz="2000" dirty="0" smtClean="0"/>
+                    </a:p>
+                    <a:p>
+                      <a:pPr marL="0" indent="0">
+                        <a:lnSpc>
+                          <a:spcPct val="100000"/>
+                        </a:lnSpc>
+                        <a:buFont typeface="Arial" panose="020B0604020202020204" pitchFamily="34" charset="0"/>
+                        <a:buNone/>
+                      </a:pPr>
+                      <a:r>
+                        <a:rPr lang="ru-RU" sz="2000" b="0" dirty="0" smtClean="0">
+                          <a:solidFill>
+                            <a:srgbClr val="1580D0"/>
+                          </a:solidFill>
+                        </a:rPr>
+                        <a:t>Примеры</a:t>
+                      </a:r>
+                    </a:p>
+                    <a:p>
+                      <a:pPr marL="342900" indent="-342900">
+                        <a:lnSpc>
+                          <a:spcPct val="100000"/>
+                        </a:lnSpc>
+                        <a:buFont typeface="Arial" panose="020B0604020202020204" pitchFamily="34" charset="0"/>
+                        <a:buChar char="•"/>
+                      </a:pPr>
+                      <a:r>
+                        <a:rPr lang="ru-RU" sz="2000" i="1" dirty="0" smtClean="0"/>
+                        <a:t>изменения в запуске виртуальной машины</a:t>
+                      </a:r>
+                    </a:p>
+                    <a:p>
+                      <a:pPr marL="342900" indent="-342900">
+                        <a:lnSpc>
+                          <a:spcPct val="100000"/>
+                        </a:lnSpc>
+                        <a:buFont typeface="Arial" panose="020B0604020202020204" pitchFamily="34" charset="0"/>
+                        <a:buChar char="•"/>
+                      </a:pPr>
+                      <a:r>
+                        <a:rPr lang="ru-RU" sz="2000" i="1" dirty="0" smtClean="0"/>
+                        <a:t>изменения в организации сетевого взаимодействия</a:t>
+                      </a:r>
+                    </a:p>
+                    <a:p>
+                      <a:pPr marL="342900" indent="-342900">
+                        <a:lnSpc>
+                          <a:spcPct val="100000"/>
+                        </a:lnSpc>
+                        <a:buFont typeface="Arial" panose="020B0604020202020204" pitchFamily="34" charset="0"/>
+                        <a:buChar char="•"/>
+                      </a:pPr>
+                      <a:r>
+                        <a:rPr lang="ru-RU" sz="2000" i="1" dirty="0" smtClean="0"/>
+                        <a:t>изменения в способе выполнения команд и т.д.</a:t>
+                      </a:r>
+                    </a:p>
+                  </a:txBody>
+                  <a:tcPr anchor="ctr">
+                    <a:lnL w="12700" cmpd="sng">
+                      <a:noFill/>
+                    </a:lnL>
+                    <a:lnR w="28575" cap="flat" cmpd="sng" algn="ctr">
+                      <a:solidFill>
+                        <a:srgbClr val="1580D0"/>
+                      </a:solidFill>
+                      <a:prstDash val="solid"/>
+                      <a:round/>
+                      <a:headEnd type="none" w="med" len="med"/>
+                      <a:tailEnd type="none" w="med" len="med"/>
+                    </a:lnR>
+                    <a:lnT w="28575" cap="flat" cmpd="sng" algn="ctr">
+                      <a:solidFill>
+                        <a:srgbClr val="1580D0"/>
+                      </a:solidFill>
+                      <a:prstDash val="solid"/>
+                      <a:round/>
+                      <a:headEnd type="none" w="med" len="med"/>
+                      <a:tailEnd type="none" w="med" len="med"/>
+                    </a:lnT>
+                    <a:lnB w="12700" cmpd="sng">
+                      <a:noFill/>
+                    </a:lnB>
+                    <a:lnTlToBr w="12700" cmpd="sng">
+                      <a:noFill/>
+                      <a:prstDash val="solid"/>
+                    </a:lnTlToBr>
+                    <a:lnBlToTr w="12700" cmpd="sng">
+                      <a:noFill/>
+                      <a:prstDash val="solid"/>
+                    </a:lnBlToTr>
+                  </a:tcPr>
+                </a:tc>
+                <a:tc>
+                  <a:txBody>
+                    <a:bodyPr/>
+                    <a:lstStyle/>
+                    <a:p>
+                      <a:pPr marL="285750" indent="-285750">
+                        <a:lnSpc>
+                          <a:spcPct val="150000"/>
+                        </a:lnSpc>
+                        <a:buFont typeface="Arial" panose="020B0604020202020204" pitchFamily="34" charset="0"/>
+                        <a:buChar char="•"/>
+                      </a:pPr>
+                      <a:r>
+                        <a:rPr lang="ru-RU" sz="2000" dirty="0" smtClean="0"/>
+                        <a:t>Разрешение внешних зависимостей от сторонних библиотек</a:t>
+                      </a:r>
+                      <a:r>
+                        <a:rPr lang="en-US" sz="2000" dirty="0" smtClean="0"/>
+                        <a:t> </a:t>
+                      </a:r>
+                    </a:p>
+                    <a:p>
+                      <a:pPr marL="0" indent="0">
+                        <a:lnSpc>
+                          <a:spcPct val="150000"/>
+                        </a:lnSpc>
+                        <a:buFont typeface="Arial" panose="020B0604020202020204" pitchFamily="34" charset="0"/>
+                        <a:buNone/>
+                      </a:pPr>
+                      <a:r>
+                        <a:rPr lang="en-US" sz="2000" dirty="0" smtClean="0"/>
+                        <a:t>                      libxml2,</a:t>
+                      </a:r>
+                      <a:r>
+                        <a:rPr lang="en-US" sz="2000" baseline="0" dirty="0" smtClean="0"/>
+                        <a:t> XDR, </a:t>
+                      </a:r>
+                      <a:r>
+                        <a:rPr lang="en-US" sz="2000" baseline="0" dirty="0" err="1" smtClean="0"/>
+                        <a:t>libintl</a:t>
+                      </a:r>
+                      <a:r>
+                        <a:rPr lang="en-US" sz="2000" baseline="0" dirty="0" smtClean="0"/>
+                        <a:t>, </a:t>
+                      </a:r>
+                      <a:r>
+                        <a:rPr lang="en-US" sz="2000" baseline="0" dirty="0" err="1" smtClean="0"/>
+                        <a:t>iconv</a:t>
+                      </a:r>
+                      <a:r>
+                        <a:rPr lang="en-US" sz="2000" baseline="0" dirty="0" smtClean="0"/>
+                        <a:t>, …</a:t>
+                      </a:r>
+                      <a:endParaRPr lang="en-US" sz="2000" dirty="0" smtClean="0"/>
+                    </a:p>
+                    <a:p>
+                      <a:pPr marL="285750" indent="-285750">
+                        <a:lnSpc>
+                          <a:spcPct val="150000"/>
+                        </a:lnSpc>
+                        <a:buFont typeface="Arial" panose="020B0604020202020204" pitchFamily="34" charset="0"/>
+                        <a:buChar char="•"/>
+                      </a:pPr>
+                      <a:endParaRPr lang="ru-RU" sz="2000" dirty="0" smtClean="0"/>
+                    </a:p>
+                    <a:p>
+                      <a:pPr marL="285750" indent="-285750">
+                        <a:lnSpc>
+                          <a:spcPct val="150000"/>
+                        </a:lnSpc>
+                        <a:buFont typeface="Arial" panose="020B0604020202020204" pitchFamily="34" charset="0"/>
+                        <a:buChar char="•"/>
+                      </a:pPr>
+                      <a:r>
+                        <a:rPr lang="ru-RU" sz="2000" dirty="0" smtClean="0"/>
+                        <a:t>Интеграция в систему сборки </a:t>
+                      </a:r>
+                      <a:r>
+                        <a:rPr lang="en-US" sz="2000" dirty="0" smtClean="0">
+                          <a:solidFill>
+                            <a:srgbClr val="1580D0"/>
+                          </a:solidFill>
+                        </a:rPr>
+                        <a:t>GNU </a:t>
+                      </a:r>
+                      <a:r>
+                        <a:rPr lang="en-US" sz="2000" dirty="0" err="1" smtClean="0">
+                          <a:solidFill>
+                            <a:srgbClr val="1580D0"/>
+                          </a:solidFill>
+                        </a:rPr>
+                        <a:t>Autotools</a:t>
+                      </a:r>
+                      <a:endParaRPr lang="ru-RU" sz="2000" dirty="0" smtClean="0">
+                        <a:solidFill>
+                          <a:srgbClr val="1580D0"/>
+                        </a:solidFill>
+                      </a:endParaRPr>
+                    </a:p>
+                    <a:p>
+                      <a:pPr>
+                        <a:lnSpc>
+                          <a:spcPct val="150000"/>
+                        </a:lnSpc>
+                      </a:pPr>
+                      <a:endParaRPr lang="ru-RU" sz="2000" dirty="0"/>
+                    </a:p>
+                  </a:txBody>
+                  <a:tcPr anchor="ctr">
+                    <a:lnL w="28575" cap="flat" cmpd="sng" algn="ctr">
+                      <a:solidFill>
+                        <a:srgbClr val="1580D0"/>
+                      </a:solidFill>
+                      <a:prstDash val="solid"/>
+                      <a:round/>
+                      <a:headEnd type="none" w="med" len="med"/>
+                      <a:tailEnd type="none" w="med" len="med"/>
+                    </a:lnL>
+                    <a:lnR w="12700" cmpd="sng">
+                      <a:noFill/>
+                    </a:lnR>
+                    <a:lnT w="28575" cap="flat" cmpd="sng" algn="ctr">
+                      <a:solidFill>
+                        <a:srgbClr val="1580D0"/>
+                      </a:solidFill>
+                      <a:prstDash val="solid"/>
+                      <a:round/>
+                      <a:headEnd type="none" w="med" len="med"/>
+                      <a:tailEnd type="none" w="med" len="med"/>
+                    </a:lnT>
+                    <a:lnB w="12700" cmpd="sng">
+                      <a:noFill/>
+                    </a:lnB>
+                    <a:lnTlToBr w="12700" cmpd="sng">
+                      <a:noFill/>
+                      <a:prstDash val="solid"/>
+                    </a:lnTlToBr>
+                    <a:lnBlToTr w="12700" cmpd="sng">
+                      <a:noFill/>
+                      <a:prstDash val="solid"/>
+                    </a:lnBlToTr>
+                  </a:tcPr>
+                </a:tc>
+              </a:tr>
+            </a:tbl>
+          </a:graphicData>
+        </a:graphic>
+      </p:graphicFrame>
+      <p:sp>
+        <p:nvSpPr>
+          <p:cNvPr id="9" name="Прямоугольник 8"/>
+          <p:cNvSpPr/>
+          <p:nvPr/>
+        </p:nvSpPr>
+        <p:spPr>
+          <a:xfrm>
+            <a:off x="605118" y="4773706"/>
+            <a:ext cx="5788958" cy="1687604"/>
+          </a:xfrm>
+          <a:prstGeom prst="rect">
+            <a:avLst/>
+          </a:prstGeom>
+          <a:noFill/>
+          <a:ln w="19050">
+            <a:prstDash val="sysDash"/>
+          </a:ln>
+        </p:spPr>
+        <p:style>
+          <a:lnRef idx="2">
+            <a:schemeClr val="accent5"/>
+          </a:lnRef>
+          <a:fillRef idx="1">
+            <a:schemeClr val="lt1"/>
+          </a:fillRef>
+          <a:effectRef idx="0">
+            <a:schemeClr val="accent5"/>
+          </a:effectRef>
+          <a:fontRef idx="minor">
+            <a:schemeClr val="dk1"/>
+          </a:fontRef>
+        </p:style>
+        <p:txBody>
+          <a:bodyPr rtlCol="0" anchor="ctr"/>
+          <a:lstStyle/>
+          <a:p>
+            <a:pPr algn="ctr"/>
+            <a:endParaRPr lang="ru-RU"/>
+          </a:p>
+        </p:txBody>
+      </p:sp>
+      <p:sp>
+        <p:nvSpPr>
+          <p:cNvPr id="10" name="Прямоугольник 9"/>
+          <p:cNvSpPr/>
+          <p:nvPr/>
+        </p:nvSpPr>
+        <p:spPr>
+          <a:xfrm>
+            <a:off x="7651376" y="4027393"/>
+            <a:ext cx="3509683" cy="527051"/>
+          </a:xfrm>
+          <a:prstGeom prst="rect">
+            <a:avLst/>
+          </a:prstGeom>
+          <a:noFill/>
+          <a:ln w="19050">
+            <a:prstDash val="sysDash"/>
+          </a:ln>
+        </p:spPr>
+        <p:style>
+          <a:lnRef idx="2">
+            <a:schemeClr val="accent5"/>
+          </a:lnRef>
+          <a:fillRef idx="1">
+            <a:schemeClr val="lt1"/>
+          </a:fillRef>
+          <a:effectRef idx="0">
+            <a:schemeClr val="accent5"/>
+          </a:effectRef>
+          <a:fontRef idx="minor">
+            <a:schemeClr val="dk1"/>
+          </a:fontRef>
+        </p:style>
+        <p:txBody>
+          <a:bodyPr rtlCol="0" anchor="ctr"/>
+          <a:lstStyle/>
+          <a:p>
+            <a:pPr algn="ctr"/>
+            <a:endParaRPr lang="ru-RU"/>
+          </a:p>
+        </p:txBody>
+      </p:sp>
     </p:spTree>
     <p:extLst>
       <p:ext uri="{BB962C8B-B14F-4D97-AF65-F5344CB8AC3E}">
-        <p14:creationId xmlns:p14="http://schemas.microsoft.com/office/powerpoint/2010/main" val="1433485123"/>
+        <p14:creationId xmlns:p14="http://schemas.microsoft.com/office/powerpoint/2010/main" val="2637212501"/>
       </p:ext>
     </p:extLst>
   </p:cSld>
@@ -5811,6 +6199,45 @@
           <a:chExt cx="0" cy="0"/>
         </a:xfrm>
       </p:grpSpPr>
+      <p:pic>
+        <p:nvPicPr>
+          <p:cNvPr id="5" name="Picture 4" descr="http://windowsapptutorials.com/wp-content/uploads/2014/12/Windows-8.1.jpg"/>
+          <p:cNvPicPr>
+            <a:picLocks noChangeAspect="1" noChangeArrowheads="1"/>
+          </p:cNvPicPr>
+          <p:nvPr/>
+        </p:nvPicPr>
+        <p:blipFill rotWithShape="1">
+          <a:blip r:embed="rId2">
+            <a:extLst>
+              <a:ext uri="{28A0092B-C50C-407E-A947-70E740481C1C}">
+                <a14:useLocalDpi xmlns:a14="http://schemas.microsoft.com/office/drawing/2010/main" val="0"/>
+              </a:ext>
+            </a:extLst>
+          </a:blip>
+          <a:srcRect l="-426" t="189" r="426" b="72317"/>
+          <a:stretch/>
+        </p:blipFill>
+        <p:spPr bwMode="auto">
+          <a:xfrm rot="10800000">
+            <a:off x="-6720" y="134472"/>
+            <a:ext cx="12265959" cy="1311088"/>
+          </a:xfrm>
+          <a:prstGeom prst="rect">
+            <a:avLst/>
+          </a:prstGeom>
+          <a:noFill/>
+          <a:extLst>
+            <a:ext uri="{909E8E84-426E-40DD-AFC4-6F175D3DCCD1}">
+              <a14:hiddenFill xmlns:a14="http://schemas.microsoft.com/office/drawing/2010/main">
+                <a:solidFill>
+                  <a:srgbClr val="FFFFFF"/>
+                </a:solidFill>
+              </a14:hiddenFill>
+            </a:ext>
+          </a:extLst>
+        </p:spPr>
+      </p:pic>
       <p:sp>
         <p:nvSpPr>
           <p:cNvPr id="2" name="Заголовок 1"/>
@@ -5821,91 +6248,61 @@
             <p:ph type="title"/>
           </p:nvPr>
         </p:nvSpPr>
-        <p:spPr/>
+        <p:spPr>
+          <a:xfrm>
+            <a:off x="838199" y="365125"/>
+            <a:ext cx="11157214" cy="1325563"/>
+          </a:xfrm>
+        </p:spPr>
         <p:txBody>
           <a:bodyPr/>
           <a:lstStyle/>
           <a:p>
             <a:r>
-              <a:rPr lang="ru-RU" dirty="0" err="1" smtClean="0"/>
-              <a:t>Портирование</a:t>
-            </a:r>
-            <a:r>
-              <a:rPr lang="ru-RU" dirty="0" smtClean="0"/>
+              <a:rPr lang="ru-RU" dirty="0" err="1" smtClean="0">
+                <a:solidFill>
+                  <a:schemeClr val="bg1"/>
+                </a:solidFill>
+              </a:rPr>
+              <a:t>Нативное</a:t>
+            </a:r>
+            <a:r>
+              <a:rPr lang="ru-RU" dirty="0" smtClean="0">
+                <a:solidFill>
+                  <a:schemeClr val="bg1"/>
+                </a:solidFill>
+              </a:rPr>
               <a:t> </a:t>
             </a:r>
             <a:r>
-              <a:rPr lang="en-US" dirty="0" err="1" smtClean="0"/>
+              <a:rPr lang="ru-RU" dirty="0" err="1" smtClean="0">
+                <a:solidFill>
+                  <a:schemeClr val="bg1"/>
+                </a:solidFill>
+              </a:rPr>
+              <a:t>портирование</a:t>
+            </a:r>
+            <a:r>
+              <a:rPr lang="ru-RU" dirty="0" smtClean="0">
+                <a:solidFill>
+                  <a:schemeClr val="bg1"/>
+                </a:solidFill>
+              </a:rPr>
+              <a:t> </a:t>
+            </a:r>
+            <a:r>
+              <a:rPr lang="en-US" b="1" dirty="0" err="1" smtClean="0">
+                <a:solidFill>
+                  <a:schemeClr val="bg1"/>
+                </a:solidFill>
+              </a:rPr>
               <a:t>libguestfs</a:t>
             </a:r>
-            <a:r>
-              <a:rPr lang="en-US" dirty="0" smtClean="0"/>
-              <a:t> </a:t>
-            </a:r>
-            <a:r>
-              <a:rPr lang="ru-RU" dirty="0" smtClean="0"/>
-              <a:t>в </a:t>
-            </a:r>
-            <a:r>
-              <a:rPr lang="en-US" dirty="0" smtClean="0"/>
-              <a:t>Cygwin</a:t>
-            </a:r>
-            <a:endParaRPr lang="ru-RU" dirty="0"/>
-          </a:p>
-        </p:txBody>
-      </p:sp>
-      <p:sp>
-        <p:nvSpPr>
-          <p:cNvPr id="3" name="Объект 2"/>
-          <p:cNvSpPr>
-            <a:spLocks noGrp="1"/>
-          </p:cNvSpPr>
-          <p:nvPr>
-            <p:ph idx="1"/>
-          </p:nvPr>
-        </p:nvSpPr>
-        <p:spPr/>
-        <p:txBody>
-          <a:bodyPr/>
-          <a:lstStyle/>
-          <a:p>
-            <a:pPr marL="0" indent="0">
-              <a:buNone/>
-            </a:pPr>
-            <a:r>
-              <a:rPr lang="ru-RU" dirty="0" smtClean="0"/>
-              <a:t>Разрешение сторонних зависимостей</a:t>
-            </a:r>
-          </a:p>
-          <a:p>
-            <a:pPr marL="0" indent="0">
-              <a:buNone/>
-            </a:pPr>
-            <a:r>
-              <a:rPr lang="ru-RU" dirty="0" smtClean="0"/>
-              <a:t>Минимальное количество изменений</a:t>
-            </a:r>
-          </a:p>
-          <a:p>
-            <a:pPr marL="0" indent="0">
-              <a:buNone/>
-            </a:pPr>
-            <a:endParaRPr lang="ru-RU" dirty="0" smtClean="0"/>
-          </a:p>
-          <a:p>
-            <a:pPr marL="0" indent="0">
-              <a:buNone/>
-            </a:pPr>
-            <a:r>
-              <a:rPr lang="ru-RU" dirty="0" smtClean="0"/>
-              <a:t>Результаты тестирования</a:t>
-            </a:r>
-          </a:p>
-          <a:p>
-            <a:pPr marL="0" indent="0">
-              <a:buNone/>
-            </a:pPr>
-            <a:endParaRPr lang="ru-RU" dirty="0"/>
+            <a:endParaRPr lang="ru-RU" b="1" dirty="0">
+              <a:solidFill>
+                <a:schemeClr val="bg1"/>
+              </a:solidFill>
+            </a:endParaRPr>
           </a:p>
         </p:txBody>
       </p:sp>
@@ -5932,10 +6329,454 @@
           </a:p>
         </p:txBody>
       </p:sp>
+      <p:graphicFrame>
+        <p:nvGraphicFramePr>
+          <p:cNvPr id="6" name="Таблица 5"/>
+          <p:cNvGraphicFramePr>
+            <a:graphicFrameLocks noGrp="1"/>
+          </p:cNvGraphicFramePr>
+          <p:nvPr>
+            <p:extLst>
+              <p:ext uri="{D42A27DB-BD31-4B8C-83A1-F6EECF244321}">
+                <p14:modId xmlns:p14="http://schemas.microsoft.com/office/powerpoint/2010/main" val="1799985777"/>
+              </p:ext>
+            </p:extLst>
+          </p:nvPr>
+        </p:nvGraphicFramePr>
+        <p:xfrm>
+          <a:off x="618564" y="1999296"/>
+          <a:ext cx="11073654" cy="4411518"/>
+        </p:xfrm>
+        <a:graphic>
+          <a:graphicData uri="http://schemas.openxmlformats.org/drawingml/2006/table">
+            <a:tbl>
+              <a:tblPr firstRow="1" bandRow="1">
+                <a:tableStyleId>{5940675A-B579-460E-94D1-54222C63F5DA}</a:tableStyleId>
+              </a:tblPr>
+              <a:tblGrid>
+                <a:gridCol w="6118412"/>
+                <a:gridCol w="4955242"/>
+              </a:tblGrid>
+              <a:tr h="510078">
+                <a:tc>
+                  <a:txBody>
+                    <a:bodyPr/>
+                    <a:lstStyle/>
+                    <a:p>
+                      <a:r>
+                        <a:rPr lang="ru-RU" sz="2400" b="1" dirty="0" smtClean="0"/>
+                        <a:t>Исходный код</a:t>
+                      </a:r>
+                      <a:endParaRPr lang="ru-RU" sz="2400" b="1" dirty="0"/>
+                    </a:p>
+                  </a:txBody>
+                  <a:tcPr anchor="ctr">
+                    <a:lnL w="12700" cmpd="sng">
+                      <a:noFill/>
+                    </a:lnL>
+                    <a:lnR w="28575" cap="flat" cmpd="sng" algn="ctr">
+                      <a:solidFill>
+                        <a:srgbClr val="1580D0"/>
+                      </a:solidFill>
+                      <a:prstDash val="solid"/>
+                      <a:round/>
+                      <a:headEnd type="none" w="med" len="med"/>
+                      <a:tailEnd type="none" w="med" len="med"/>
+                    </a:lnR>
+                    <a:lnT w="12700" cmpd="sng">
+                      <a:noFill/>
+                    </a:lnT>
+                    <a:lnB w="28575" cap="flat" cmpd="sng" algn="ctr">
+                      <a:solidFill>
+                        <a:srgbClr val="1580D0"/>
+                      </a:solidFill>
+                      <a:prstDash val="solid"/>
+                      <a:round/>
+                      <a:headEnd type="none" w="med" len="med"/>
+                      <a:tailEnd type="none" w="med" len="med"/>
+                    </a:lnB>
+                    <a:lnTlToBr w="12700" cmpd="sng">
+                      <a:noFill/>
+                      <a:prstDash val="solid"/>
+                    </a:lnTlToBr>
+                    <a:lnBlToTr w="12700" cmpd="sng">
+                      <a:noFill/>
+                      <a:prstDash val="solid"/>
+                    </a:lnBlToTr>
+                  </a:tcPr>
+                </a:tc>
+                <a:tc>
+                  <a:txBody>
+                    <a:bodyPr/>
+                    <a:lstStyle/>
+                    <a:p>
+                      <a:pPr algn="r"/>
+                      <a:r>
+                        <a:rPr lang="ru-RU" sz="2400" b="1" dirty="0" smtClean="0"/>
+                        <a:t>Система сборки</a:t>
+                      </a:r>
+                      <a:endParaRPr lang="ru-RU" sz="2400" b="1" dirty="0"/>
+                    </a:p>
+                  </a:txBody>
+                  <a:tcPr anchor="ctr">
+                    <a:lnL w="28575" cap="flat" cmpd="sng" algn="ctr">
+                      <a:solidFill>
+                        <a:srgbClr val="1580D0"/>
+                      </a:solidFill>
+                      <a:prstDash val="solid"/>
+                      <a:round/>
+                      <a:headEnd type="none" w="med" len="med"/>
+                      <a:tailEnd type="none" w="med" len="med"/>
+                    </a:lnL>
+                    <a:lnR w="12700" cmpd="sng">
+                      <a:noFill/>
+                    </a:lnR>
+                    <a:lnT w="12700" cmpd="sng">
+                      <a:noFill/>
+                    </a:lnT>
+                    <a:lnB w="28575" cap="flat" cmpd="sng" algn="ctr">
+                      <a:solidFill>
+                        <a:srgbClr val="1580D0"/>
+                      </a:solidFill>
+                      <a:prstDash val="solid"/>
+                      <a:round/>
+                      <a:headEnd type="none" w="med" len="med"/>
+                      <a:tailEnd type="none" w="med" len="med"/>
+                    </a:lnB>
+                    <a:lnTlToBr w="12700" cmpd="sng">
+                      <a:noFill/>
+                      <a:prstDash val="solid"/>
+                    </a:lnTlToBr>
+                    <a:lnBlToTr w="12700" cmpd="sng">
+                      <a:noFill/>
+                      <a:prstDash val="solid"/>
+                    </a:lnBlToTr>
+                  </a:tcPr>
+                </a:tc>
+              </a:tr>
+              <a:tr h="3521631">
+                <a:tc>
+                  <a:txBody>
+                    <a:bodyPr/>
+                    <a:lstStyle/>
+                    <a:p>
+                      <a:pPr marL="285750" indent="-285750">
+                        <a:lnSpc>
+                          <a:spcPct val="150000"/>
+                        </a:lnSpc>
+                        <a:buFont typeface="Arial" panose="020B0604020202020204" pitchFamily="34" charset="0"/>
+                        <a:buChar char="•"/>
+                      </a:pPr>
+                      <a:r>
+                        <a:rPr lang="ru-RU" sz="2000" dirty="0" smtClean="0"/>
+                        <a:t>Реализация </a:t>
+                      </a:r>
+                      <a:r>
+                        <a:rPr lang="en-US" sz="2000" dirty="0" smtClean="0"/>
+                        <a:t>Windows-</a:t>
+                      </a:r>
+                      <a:r>
+                        <a:rPr lang="ru-RU" sz="2000" dirty="0" smtClean="0"/>
+                        <a:t>аналогов </a:t>
+                      </a:r>
+                      <a:r>
+                        <a:rPr lang="en-US" sz="2000" dirty="0" smtClean="0"/>
+                        <a:t>Linux</a:t>
+                      </a:r>
+                      <a:r>
+                        <a:rPr lang="ru-RU" sz="2000" dirty="0" smtClean="0"/>
+                        <a:t>-функций</a:t>
+                      </a:r>
+                    </a:p>
+                    <a:p>
+                      <a:pPr marL="285750" indent="-285750">
+                        <a:lnSpc>
+                          <a:spcPct val="150000"/>
+                        </a:lnSpc>
+                        <a:buFont typeface="Arial" panose="020B0604020202020204" pitchFamily="34" charset="0"/>
+                        <a:buChar char="•"/>
+                      </a:pPr>
+                      <a:r>
+                        <a:rPr lang="ru-RU" sz="2000" dirty="0" smtClean="0"/>
+                        <a:t>Локализация </a:t>
+                      </a:r>
+                      <a:r>
+                        <a:rPr lang="ru-RU" sz="2000" dirty="0" err="1" smtClean="0"/>
+                        <a:t>платформозависимого</a:t>
+                      </a:r>
+                      <a:r>
+                        <a:rPr lang="ru-RU" sz="2000" dirty="0" smtClean="0"/>
+                        <a:t> кода</a:t>
+                      </a:r>
+                    </a:p>
+                    <a:p>
+                      <a:pPr marL="285750" indent="-285750">
+                        <a:lnSpc>
+                          <a:spcPct val="150000"/>
+                        </a:lnSpc>
+                        <a:buFont typeface="Arial" panose="020B0604020202020204" pitchFamily="34" charset="0"/>
+                        <a:buChar char="•"/>
+                      </a:pPr>
+                      <a:r>
+                        <a:rPr lang="ru-RU" sz="2000" dirty="0" smtClean="0"/>
+                        <a:t>Проектирование и реализация кроссплатформенных интерфейсов</a:t>
+                      </a:r>
+                    </a:p>
+                    <a:p>
+                      <a:pPr marL="0" indent="0">
+                        <a:lnSpc>
+                          <a:spcPct val="150000"/>
+                        </a:lnSpc>
+                        <a:buFont typeface="Arial" panose="020B0604020202020204" pitchFamily="34" charset="0"/>
+                        <a:buNone/>
+                      </a:pPr>
+                      <a:endParaRPr lang="ru-RU" sz="2000" dirty="0" smtClean="0"/>
+                    </a:p>
+                    <a:p>
+                      <a:pPr marL="0" indent="0">
+                        <a:lnSpc>
+                          <a:spcPct val="100000"/>
+                        </a:lnSpc>
+                        <a:buFont typeface="Arial" panose="020B0604020202020204" pitchFamily="34" charset="0"/>
+                        <a:buNone/>
+                      </a:pPr>
+                      <a:r>
+                        <a:rPr lang="ru-RU" sz="2000" b="0" i="0" dirty="0" smtClean="0"/>
+                        <a:t>Примеры</a:t>
+                      </a:r>
+                    </a:p>
+                    <a:p>
+                      <a:pPr marL="342900" indent="-342900">
+                        <a:lnSpc>
+                          <a:spcPct val="100000"/>
+                        </a:lnSpc>
+                        <a:buFont typeface="Arial" panose="020B0604020202020204" pitchFamily="34" charset="0"/>
+                        <a:buChar char="•"/>
+                      </a:pPr>
+                      <a:r>
+                        <a:rPr lang="ru-RU" sz="2000" i="1" dirty="0" smtClean="0"/>
+                        <a:t>изменения в запуске виртуальной машины</a:t>
+                      </a:r>
+                    </a:p>
+                    <a:p>
+                      <a:pPr marL="342900" indent="-342900">
+                        <a:lnSpc>
+                          <a:spcPct val="100000"/>
+                        </a:lnSpc>
+                        <a:buFont typeface="Arial" panose="020B0604020202020204" pitchFamily="34" charset="0"/>
+                        <a:buChar char="•"/>
+                      </a:pPr>
+                      <a:r>
+                        <a:rPr lang="ru-RU" sz="2000" i="1" dirty="0" smtClean="0"/>
+                        <a:t>изменения в организации сетевого взаимодействия</a:t>
+                      </a:r>
+                    </a:p>
+                    <a:p>
+                      <a:pPr marL="342900" indent="-342900">
+                        <a:lnSpc>
+                          <a:spcPct val="100000"/>
+                        </a:lnSpc>
+                        <a:buFont typeface="Arial" panose="020B0604020202020204" pitchFamily="34" charset="0"/>
+                        <a:buChar char="•"/>
+                      </a:pPr>
+                      <a:r>
+                        <a:rPr lang="ru-RU" sz="2000" i="1" dirty="0" smtClean="0"/>
+                        <a:t>изменения в способе выполнения команд и т.д.</a:t>
+                      </a:r>
+                    </a:p>
+                  </a:txBody>
+                  <a:tcPr anchor="ctr">
+                    <a:lnL w="12700" cmpd="sng">
+                      <a:noFill/>
+                    </a:lnL>
+                    <a:lnR w="28575" cap="flat" cmpd="sng" algn="ctr">
+                      <a:solidFill>
+                        <a:srgbClr val="1580D0"/>
+                      </a:solidFill>
+                      <a:prstDash val="solid"/>
+                      <a:round/>
+                      <a:headEnd type="none" w="med" len="med"/>
+                      <a:tailEnd type="none" w="med" len="med"/>
+                    </a:lnR>
+                    <a:lnT w="28575" cap="flat" cmpd="sng" algn="ctr">
+                      <a:solidFill>
+                        <a:srgbClr val="1580D0"/>
+                      </a:solidFill>
+                      <a:prstDash val="solid"/>
+                      <a:round/>
+                      <a:headEnd type="none" w="med" len="med"/>
+                      <a:tailEnd type="none" w="med" len="med"/>
+                    </a:lnT>
+                    <a:lnB w="12700" cmpd="sng">
+                      <a:noFill/>
+                    </a:lnB>
+                    <a:lnTlToBr w="12700" cmpd="sng">
+                      <a:noFill/>
+                      <a:prstDash val="solid"/>
+                    </a:lnTlToBr>
+                    <a:lnBlToTr w="12700" cmpd="sng">
+                      <a:noFill/>
+                      <a:prstDash val="solid"/>
+                    </a:lnBlToTr>
+                  </a:tcPr>
+                </a:tc>
+                <a:tc>
+                  <a:txBody>
+                    <a:bodyPr/>
+                    <a:lstStyle/>
+                    <a:p>
+                      <a:pPr>
+                        <a:lnSpc>
+                          <a:spcPct val="150000"/>
+                        </a:lnSpc>
+                      </a:pPr>
+                      <a:endParaRPr lang="ru-RU" sz="2000" dirty="0"/>
+                    </a:p>
+                  </a:txBody>
+                  <a:tcPr anchor="ctr">
+                    <a:lnL w="28575" cap="flat" cmpd="sng" algn="ctr">
+                      <a:solidFill>
+                        <a:srgbClr val="1580D0"/>
+                      </a:solidFill>
+                      <a:prstDash val="solid"/>
+                      <a:round/>
+                      <a:headEnd type="none" w="med" len="med"/>
+                      <a:tailEnd type="none" w="med" len="med"/>
+                    </a:lnL>
+                    <a:lnR w="12700" cmpd="sng">
+                      <a:noFill/>
+                    </a:lnR>
+                    <a:lnT w="28575" cap="flat" cmpd="sng" algn="ctr">
+                      <a:solidFill>
+                        <a:srgbClr val="1580D0"/>
+                      </a:solidFill>
+                      <a:prstDash val="solid"/>
+                      <a:round/>
+                      <a:headEnd type="none" w="med" len="med"/>
+                      <a:tailEnd type="none" w="med" len="med"/>
+                    </a:lnT>
+                    <a:lnB w="12700" cmpd="sng">
+                      <a:noFill/>
+                    </a:lnB>
+                    <a:lnTlToBr w="12700" cmpd="sng">
+                      <a:noFill/>
+                      <a:prstDash val="solid"/>
+                    </a:lnTlToBr>
+                    <a:lnBlToTr w="12700" cmpd="sng">
+                      <a:noFill/>
+                      <a:prstDash val="solid"/>
+                    </a:lnBlToTr>
+                  </a:tcPr>
+                </a:tc>
+              </a:tr>
+            </a:tbl>
+          </a:graphicData>
+        </a:graphic>
+      </p:graphicFrame>
+      <p:sp>
+        <p:nvSpPr>
+          <p:cNvPr id="7" name="TextBox 6"/>
+          <p:cNvSpPr txBox="1"/>
+          <p:nvPr/>
+        </p:nvSpPr>
+        <p:spPr>
+          <a:xfrm>
+            <a:off x="8258379" y="3100189"/>
+            <a:ext cx="2528683" cy="923330"/>
+          </a:xfrm>
+          <a:prstGeom prst="rect">
+            <a:avLst/>
+          </a:prstGeom>
+          <a:noFill/>
+          <a:ln w="19050">
+            <a:solidFill>
+              <a:srgbClr val="1580D0"/>
+            </a:solidFill>
+          </a:ln>
+        </p:spPr>
+        <p:txBody>
+          <a:bodyPr wrap="square" rtlCol="0">
+            <a:spAutoFit/>
+          </a:bodyPr>
+          <a:lstStyle/>
+          <a:p>
+            <a:pPr algn="ctr"/>
+            <a:r>
+              <a:rPr lang="ru-RU" dirty="0" smtClean="0"/>
+              <a:t>Разрешение внешних зависимостей</a:t>
+            </a:r>
+            <a:endParaRPr lang="en-US" dirty="0" smtClean="0"/>
+          </a:p>
+          <a:p>
+            <a:pPr algn="ctr"/>
+            <a:r>
+              <a:rPr lang="en-US" dirty="0"/>
+              <a:t>(</a:t>
+            </a:r>
+            <a:r>
+              <a:rPr lang="en-US" dirty="0" smtClean="0"/>
+              <a:t>LibXml2, </a:t>
+            </a:r>
+            <a:r>
+              <a:rPr lang="en-US" dirty="0" err="1" smtClean="0"/>
+              <a:t>LibIntl</a:t>
+            </a:r>
+            <a:r>
+              <a:rPr lang="en-US" dirty="0" smtClean="0"/>
+              <a:t>, XDR,…)</a:t>
+            </a:r>
+            <a:endParaRPr lang="ru-RU" dirty="0" smtClean="0"/>
+          </a:p>
+        </p:txBody>
+      </p:sp>
+      <p:sp>
+        <p:nvSpPr>
+          <p:cNvPr id="8" name="TextBox 7"/>
+          <p:cNvSpPr txBox="1"/>
+          <p:nvPr/>
+        </p:nvSpPr>
+        <p:spPr>
+          <a:xfrm>
+            <a:off x="8258379" y="4977180"/>
+            <a:ext cx="2353235" cy="646331"/>
+          </a:xfrm>
+          <a:prstGeom prst="rect">
+            <a:avLst/>
+          </a:prstGeom>
+          <a:noFill/>
+          <a:ln w="19050">
+            <a:solidFill>
+              <a:srgbClr val="1580D0"/>
+            </a:solidFill>
+          </a:ln>
+        </p:spPr>
+        <p:txBody>
+          <a:bodyPr wrap="square" rtlCol="0">
+            <a:spAutoFit/>
+          </a:bodyPr>
+          <a:lstStyle/>
+          <a:p>
+            <a:pPr algn="ctr"/>
+            <a:r>
+              <a:rPr lang="ru-RU" dirty="0" smtClean="0"/>
+              <a:t>Интеграция в систему сборки </a:t>
+            </a:r>
+            <a:r>
+              <a:rPr lang="en-US" dirty="0" smtClean="0"/>
+              <a:t>GNU </a:t>
+            </a:r>
+            <a:r>
+              <a:rPr lang="en-US" dirty="0" err="1" smtClean="0"/>
+              <a:t>Autotools</a:t>
+            </a:r>
+            <a:endParaRPr lang="ru-RU" dirty="0" smtClean="0"/>
+          </a:p>
+        </p:txBody>
+      </p:sp>
     </p:spTree>
     <p:extLst>
       <p:ext uri="{BB962C8B-B14F-4D97-AF65-F5344CB8AC3E}">
-        <p14:creationId xmlns:p14="http://schemas.microsoft.com/office/powerpoint/2010/main" val="1597690361"/>
+        <p14:creationId xmlns:p14="http://schemas.microsoft.com/office/powerpoint/2010/main" val="17170634"/>
       </p:ext>
     </p:extLst>
   </p:cSld>
@@ -5969,6 +6810,45 @@
           <a:chExt cx="0" cy="0"/>
         </a:xfrm>
       </p:grpSpPr>
+      <p:pic>
+        <p:nvPicPr>
+          <p:cNvPr id="5" name="Picture 4" descr="http://windowsapptutorials.com/wp-content/uploads/2014/12/Windows-8.1.jpg"/>
+          <p:cNvPicPr>
+            <a:picLocks noChangeAspect="1" noChangeArrowheads="1"/>
+          </p:cNvPicPr>
+          <p:nvPr/>
+        </p:nvPicPr>
+        <p:blipFill rotWithShape="1">
+          <a:blip r:embed="rId2">
+            <a:extLst>
+              <a:ext uri="{28A0092B-C50C-407E-A947-70E740481C1C}">
+                <a14:useLocalDpi xmlns:a14="http://schemas.microsoft.com/office/drawing/2010/main" val="0"/>
+              </a:ext>
+            </a:extLst>
+          </a:blip>
+          <a:srcRect l="-426" t="189" r="426" b="72317"/>
+          <a:stretch/>
+        </p:blipFill>
+        <p:spPr bwMode="auto">
+          <a:xfrm rot="10800000">
+            <a:off x="-6720" y="134472"/>
+            <a:ext cx="12265959" cy="1311088"/>
+          </a:xfrm>
+          <a:prstGeom prst="rect">
+            <a:avLst/>
+          </a:prstGeom>
+          <a:noFill/>
+          <a:extLst>
+            <a:ext uri="{909E8E84-426E-40DD-AFC4-6F175D3DCCD1}">
+              <a14:hiddenFill xmlns:a14="http://schemas.microsoft.com/office/drawing/2010/main">
+                <a:solidFill>
+                  <a:srgbClr val="FFFFFF"/>
+                </a:solidFill>
+              </a14:hiddenFill>
+            </a:ext>
+          </a:extLst>
+        </p:spPr>
+      </p:pic>
       <p:sp>
         <p:nvSpPr>
           <p:cNvPr id="2" name="Заголовок 1"/>
@@ -5985,103 +6865,18 @@
           <a:lstStyle/>
           <a:p>
             <a:r>
-              <a:rPr lang="ru-RU" dirty="0" err="1" smtClean="0"/>
-              <a:t>Нативное</a:t>
-            </a:r>
-            <a:r>
-              <a:rPr lang="ru-RU" dirty="0" smtClean="0"/>
-              <a:t> </a:t>
-            </a:r>
-            <a:r>
-              <a:rPr lang="ru-RU" dirty="0" err="1" smtClean="0"/>
-              <a:t>портирование</a:t>
-            </a:r>
-            <a:r>
-              <a:rPr lang="ru-RU" dirty="0" smtClean="0"/>
-              <a:t> </a:t>
-            </a:r>
-            <a:r>
-              <a:rPr lang="en-US" dirty="0" err="1" smtClean="0"/>
-              <a:t>libguestfs</a:t>
-            </a:r>
-            <a:endParaRPr lang="ru-RU" dirty="0"/>
-          </a:p>
-        </p:txBody>
-      </p:sp>
-      <p:sp>
-        <p:nvSpPr>
-          <p:cNvPr id="3" name="Объект 2"/>
-          <p:cNvSpPr>
-            <a:spLocks noGrp="1"/>
-          </p:cNvSpPr>
-          <p:nvPr>
-            <p:ph idx="1"/>
-          </p:nvPr>
-        </p:nvSpPr>
-        <p:spPr/>
-        <p:txBody>
-          <a:bodyPr/>
-          <a:lstStyle/>
-          <a:p>
-            <a:pPr marL="0" indent="0">
-              <a:buNone/>
-            </a:pPr>
-            <a:r>
-              <a:rPr lang="ru-RU" dirty="0" smtClean="0"/>
-              <a:t>Реализация кроссплатформенных интерфейсов</a:t>
-            </a:r>
-          </a:p>
-          <a:p>
-            <a:pPr marL="0" indent="0">
-              <a:buNone/>
-            </a:pPr>
-            <a:r>
-              <a:rPr lang="ru-RU" dirty="0" smtClean="0"/>
-              <a:t>Локализация </a:t>
-            </a:r>
-            <a:r>
-              <a:rPr lang="ru-RU" dirty="0" err="1" smtClean="0"/>
-              <a:t>платформо</a:t>
-            </a:r>
-            <a:r>
-              <a:rPr lang="ru-RU" dirty="0" smtClean="0"/>
-              <a:t>-зависимого кода внутри кроссплатформенных интерфейсов</a:t>
-            </a:r>
-          </a:p>
-          <a:p>
-            <a:pPr marL="0" indent="0">
-              <a:buNone/>
-            </a:pPr>
-            <a:r>
-              <a:rPr lang="ru-RU" dirty="0" smtClean="0"/>
-              <a:t>Изменения в запуске виртуальной машины</a:t>
-            </a:r>
-          </a:p>
-          <a:p>
-            <a:pPr marL="0" indent="0">
-              <a:buNone/>
-            </a:pPr>
-            <a:r>
-              <a:rPr lang="ru-RU" dirty="0" smtClean="0"/>
-              <a:t>Сравнение </a:t>
-            </a:r>
-            <a:r>
-              <a:rPr lang="en-US" dirty="0" err="1" smtClean="0"/>
-              <a:t>Protobuf</a:t>
-            </a:r>
-            <a:r>
-              <a:rPr lang="en-US" dirty="0" smtClean="0"/>
-              <a:t> </a:t>
-            </a:r>
-            <a:r>
-              <a:rPr lang="ru-RU" dirty="0" smtClean="0"/>
-              <a:t>и </a:t>
-            </a:r>
-            <a:r>
-              <a:rPr lang="en-US" dirty="0" smtClean="0"/>
-              <a:t>XDR</a:t>
-            </a:r>
-            <a:endParaRPr lang="ru-RU" dirty="0"/>
+              <a:rPr lang="ru-RU" dirty="0" smtClean="0">
+                <a:solidFill>
+                  <a:schemeClr val="bg1"/>
+                </a:solidFill>
+              </a:rPr>
+              <a:t>Тестирование производительности</a:t>
+            </a:r>
+            <a:endParaRPr lang="ru-RU" dirty="0">
+              <a:solidFill>
+                <a:schemeClr val="bg1"/>
+              </a:solidFill>
+            </a:endParaRPr>
           </a:p>
         </p:txBody>
       </p:sp>
@@ -6108,10 +6903,32 @@
           </a:p>
         </p:txBody>
       </p:sp>
+      <p:graphicFrame>
+        <p:nvGraphicFramePr>
+          <p:cNvPr id="6" name="Диаграмма 5"/>
+          <p:cNvGraphicFramePr/>
+          <p:nvPr>
+            <p:extLst>
+              <p:ext uri="{D42A27DB-BD31-4B8C-83A1-F6EECF244321}">
+                <p14:modId xmlns:p14="http://schemas.microsoft.com/office/powerpoint/2010/main" val="3403357618"/>
+              </p:ext>
+            </p:extLst>
+          </p:nvPr>
+        </p:nvGraphicFramePr>
+        <p:xfrm>
+          <a:off x="2124098" y="1390664"/>
+          <a:ext cx="8128000" cy="5418667"/>
+        </p:xfrm>
+        <a:graphic>
+          <a:graphicData uri="http://schemas.openxmlformats.org/drawingml/2006/chart">
+            <c:chart xmlns:c="http://schemas.openxmlformats.org/drawingml/2006/chart" xmlns:r="http://schemas.openxmlformats.org/officeDocument/2006/relationships" r:id="rId3"/>
+          </a:graphicData>
+        </a:graphic>
+      </p:graphicFrame>
     </p:spTree>
     <p:extLst>
       <p:ext uri="{BB962C8B-B14F-4D97-AF65-F5344CB8AC3E}">
-        <p14:creationId xmlns:p14="http://schemas.microsoft.com/office/powerpoint/2010/main" val="2637212501"/>
+        <p14:creationId xmlns:p14="http://schemas.microsoft.com/office/powerpoint/2010/main" val="2906045555"/>
       </p:ext>
     </p:extLst>
   </p:cSld>
@@ -6145,6 +6962,45 @@
           <a:chExt cx="0" cy="0"/>
         </a:xfrm>
       </p:grpSpPr>
+      <p:pic>
+        <p:nvPicPr>
+          <p:cNvPr id="5" name="Picture 4" descr="http://windowsapptutorials.com/wp-content/uploads/2014/12/Windows-8.1.jpg"/>
+          <p:cNvPicPr>
+            <a:picLocks noChangeAspect="1" noChangeArrowheads="1"/>
+          </p:cNvPicPr>
+          <p:nvPr/>
+        </p:nvPicPr>
+        <p:blipFill rotWithShape="1">
+          <a:blip r:embed="rId2">
+            <a:extLst>
+              <a:ext uri="{28A0092B-C50C-407E-A947-70E740481C1C}">
+                <a14:useLocalDpi xmlns:a14="http://schemas.microsoft.com/office/drawing/2010/main" val="0"/>
+              </a:ext>
+            </a:extLst>
+          </a:blip>
+          <a:srcRect l="-426" t="189" r="426" b="72317"/>
+          <a:stretch/>
+        </p:blipFill>
+        <p:spPr bwMode="auto">
+          <a:xfrm rot="10800000">
+            <a:off x="-6720" y="134472"/>
+            <a:ext cx="12265959" cy="1311088"/>
+          </a:xfrm>
+          <a:prstGeom prst="rect">
+            <a:avLst/>
+          </a:prstGeom>
+          <a:noFill/>
+          <a:extLst>
+            <a:ext uri="{909E8E84-426E-40DD-AFC4-6F175D3DCCD1}">
+              <a14:hiddenFill xmlns:a14="http://schemas.microsoft.com/office/drawing/2010/main">
+                <a:solidFill>
+                  <a:srgbClr val="FFFFFF"/>
+                </a:solidFill>
+              </a14:hiddenFill>
+            </a:ext>
+          </a:extLst>
+        </p:spPr>
+      </p:pic>
       <p:sp>
         <p:nvSpPr>
           <p:cNvPr id="2" name="Заголовок 1"/>
@@ -6161,26 +7017,18 @@
           <a:lstStyle/>
           <a:p>
             <a:r>
-              <a:rPr lang="ru-RU" dirty="0" err="1" smtClean="0"/>
-              <a:t>Нативное</a:t>
-            </a:r>
-            <a:r>
-              <a:rPr lang="ru-RU" dirty="0" smtClean="0"/>
-              <a:t> </a:t>
-            </a:r>
-            <a:r>
-              <a:rPr lang="ru-RU" dirty="0" err="1" smtClean="0"/>
-              <a:t>портирование</a:t>
-            </a:r>
-            <a:r>
-              <a:rPr lang="ru-RU" dirty="0" smtClean="0"/>
-              <a:t> </a:t>
-            </a:r>
-            <a:r>
-              <a:rPr lang="en-US" dirty="0" err="1" smtClean="0"/>
-              <a:t>libguestfs</a:t>
-            </a:r>
-            <a:endParaRPr lang="ru-RU" dirty="0"/>
+              <a:rPr lang="ru-RU" dirty="0" smtClean="0">
+                <a:solidFill>
+                  <a:schemeClr val="bg1"/>
+                </a:solidFill>
+              </a:rPr>
+              <a:t>Разделяемая память </a:t>
+            </a:r>
+            <a:endParaRPr lang="ru-RU" dirty="0">
+              <a:solidFill>
+                <a:schemeClr val="bg1"/>
+              </a:solidFill>
+            </a:endParaRPr>
           </a:p>
         </p:txBody>
       </p:sp>
@@ -6207,32 +7055,10 @@
           </a:p>
         </p:txBody>
       </p:sp>
-      <p:graphicFrame>
-        <p:nvGraphicFramePr>
-          <p:cNvPr id="9" name="Диаграмма 8"/>
-          <p:cNvGraphicFramePr/>
-          <p:nvPr>
-            <p:extLst>
-              <p:ext uri="{D42A27DB-BD31-4B8C-83A1-F6EECF244321}">
-                <p14:modId xmlns:p14="http://schemas.microsoft.com/office/powerpoint/2010/main" val="3153679452"/>
-              </p:ext>
-            </p:extLst>
-          </p:nvPr>
-        </p:nvGraphicFramePr>
-        <p:xfrm>
-          <a:off x="2124098" y="1390664"/>
-          <a:ext cx="8128000" cy="5418667"/>
-        </p:xfrm>
-        <a:graphic>
-          <a:graphicData uri="http://schemas.openxmlformats.org/drawingml/2006/chart">
-            <c:chart xmlns:c="http://schemas.openxmlformats.org/drawingml/2006/chart" xmlns:r="http://schemas.openxmlformats.org/officeDocument/2006/relationships" r:id="rId2"/>
-          </a:graphicData>
-        </a:graphic>
-      </p:graphicFrame>
     </p:spTree>
     <p:extLst>
       <p:ext uri="{BB962C8B-B14F-4D97-AF65-F5344CB8AC3E}">
-        <p14:creationId xmlns:p14="http://schemas.microsoft.com/office/powerpoint/2010/main" val="4124411370"/>
+        <p14:creationId xmlns:p14="http://schemas.microsoft.com/office/powerpoint/2010/main" val="3625238544"/>
       </p:ext>
     </p:extLst>
   </p:cSld>
@@ -6283,7 +7109,7 @@
           <a:p>
             <a:r>
               <a:rPr lang="ru-RU" dirty="0" smtClean="0"/>
-              <a:t>Разделяемая память </a:t>
+              <a:t>Разделяемая память</a:t>
             </a:r>
             <a:endParaRPr lang="ru-RU" dirty="0"/>
           </a:p>
@@ -6304,6 +7130,13 @@
           <a:bodyPr/>
           <a:lstStyle/>
           <a:p>
+            <a:pPr marL="0" indent="0">
+              <a:buNone/>
+            </a:pPr>
+            <a:r>
+              <a:rPr lang="ru-RU" dirty="0" smtClean="0"/>
+              <a:t>Результаты</a:t>
+            </a:r>
             <a:endParaRPr lang="ru-RU" dirty="0"/>
           </a:p>
         </p:txBody>
@@ -6334,7 +7167,7 @@
     </p:spTree>
     <p:extLst>
       <p:ext uri="{BB962C8B-B14F-4D97-AF65-F5344CB8AC3E}">
-        <p14:creationId xmlns:p14="http://schemas.microsoft.com/office/powerpoint/2010/main" val="3625238544"/>
+        <p14:creationId xmlns:p14="http://schemas.microsoft.com/office/powerpoint/2010/main" val="3936668746"/>
       </p:ext>
     </p:extLst>
   </p:cSld>
@@ -6385,7 +7218,7 @@
           <a:p>
             <a:r>
               <a:rPr lang="ru-RU" dirty="0" smtClean="0"/>
-              <a:t>Разделяемая память</a:t>
+              <a:t>Результаты</a:t>
             </a:r>
             <a:endParaRPr lang="ru-RU" dirty="0"/>
           </a:p>
@@ -6406,14 +7239,7 @@
           <a:bodyPr/>
           <a:lstStyle/>
           <a:p>
-            <a:pPr marL="0" indent="0">
-              <a:buNone/>
-            </a:pPr>
-            <a:r>
-              <a:rPr lang="ru-RU" dirty="0" smtClean="0"/>
-              <a:t>Результаты</a:t>
-            </a:r>
-            <a:endParaRPr lang="ru-RU" dirty="0"/>
+            <a:endParaRPr lang="ru-RU"/>
           </a:p>
         </p:txBody>
       </p:sp>
@@ -6435,108 +7261,6 @@
             <a:fld id="{7E7C1622-4091-4E7B-99B0-4C976627CE55}" type="slidenum">
               <a:rPr lang="ru-RU" smtClean="0"/>
               <a:t>15</a:t>
-            </a:fld>
-            <a:endParaRPr lang="ru-RU"/>
-          </a:p>
-        </p:txBody>
-      </p:sp>
-    </p:spTree>
-    <p:extLst>
-      <p:ext uri="{BB962C8B-B14F-4D97-AF65-F5344CB8AC3E}">
-        <p14:creationId xmlns:p14="http://schemas.microsoft.com/office/powerpoint/2010/main" val="3936668746"/>
-      </p:ext>
-    </p:extLst>
-  </p:cSld>
-  <p:clrMapOvr>
-    <a:masterClrMapping/>
-  </p:clrMapOvr>
-  <p:timing>
-    <p:tnLst>
-      <p:par>
-        <p:cTn id="1" dur="indefinite" restart="never" nodeType="tmRoot"/>
-      </p:par>
-    </p:tnLst>
-  </p:timing>
-</p:sld>
-</file>
-
-<file path=ppt/slides/slide16.xml><?xml version="1.0" encoding="utf-8"?>
-<p:sld xmlns:a="http://schemas.openxmlformats.org/drawingml/2006/main" xmlns:r="http://schemas.openxmlformats.org/officeDocument/2006/relationships" xmlns:p="http://schemas.openxmlformats.org/presentationml/2006/main">
-  <p:cSld>
-    <p:spTree>
-      <p:nvGrpSpPr>
-        <p:cNvPr id="1" name=""/>
-        <p:cNvGrpSpPr/>
-        <p:nvPr/>
-      </p:nvGrpSpPr>
-      <p:grpSpPr>
-        <a:xfrm>
-          <a:off x="0" y="0"/>
-          <a:ext cx="0" cy="0"/>
-          <a:chOff x="0" y="0"/>
-          <a:chExt cx="0" cy="0"/>
-        </a:xfrm>
-      </p:grpSpPr>
-      <p:sp>
-        <p:nvSpPr>
-          <p:cNvPr id="2" name="Заголовок 1"/>
-          <p:cNvSpPr>
-            <a:spLocks noGrp="1"/>
-          </p:cNvSpPr>
-          <p:nvPr>
-            <p:ph type="title"/>
-          </p:nvPr>
-        </p:nvSpPr>
-        <p:spPr/>
-        <p:txBody>
-          <a:bodyPr/>
-          <a:lstStyle/>
-          <a:p>
-            <a:r>
-              <a:rPr lang="ru-RU" dirty="0" smtClean="0"/>
-              <a:t>Результаты</a:t>
-            </a:r>
-            <a:endParaRPr lang="ru-RU" dirty="0"/>
-          </a:p>
-        </p:txBody>
-      </p:sp>
-      <p:sp>
-        <p:nvSpPr>
-          <p:cNvPr id="3" name="Объект 2"/>
-          <p:cNvSpPr>
-            <a:spLocks noGrp="1"/>
-          </p:cNvSpPr>
-          <p:nvPr>
-            <p:ph idx="1"/>
-          </p:nvPr>
-        </p:nvSpPr>
-        <p:spPr/>
-        <p:txBody>
-          <a:bodyPr/>
-          <a:lstStyle/>
-          <a:p>
-            <a:endParaRPr lang="ru-RU"/>
-          </a:p>
-        </p:txBody>
-      </p:sp>
-      <p:sp>
-        <p:nvSpPr>
-          <p:cNvPr id="4" name="Номер слайда 3"/>
-          <p:cNvSpPr>
-            <a:spLocks noGrp="1"/>
-          </p:cNvSpPr>
-          <p:nvPr>
-            <p:ph type="sldNum" sz="quarter" idx="12"/>
-          </p:nvPr>
-        </p:nvSpPr>
-        <p:spPr/>
-        <p:txBody>
-          <a:bodyPr/>
-          <a:lstStyle/>
-          <a:p>
-            <a:fld id="{7E7C1622-4091-4E7B-99B0-4C976627CE55}" type="slidenum">
-              <a:rPr lang="ru-RU" smtClean="0"/>
-              <a:t>16</a:t>
             </a:fld>
             <a:endParaRPr lang="ru-RU"/>
           </a:p>
@@ -8311,7 +9035,7 @@
         </p:blipFill>
         <p:spPr bwMode="auto">
           <a:xfrm>
-            <a:off x="355940" y="1647322"/>
+            <a:off x="212138" y="3349162"/>
             <a:ext cx="1020679" cy="1020679"/>
           </a:xfrm>
           <a:prstGeom prst="rect">
@@ -8375,356 +9099,42 @@
           </a:extLst>
         </p:spPr>
       </p:pic>
-      <p:cxnSp>
-        <p:nvCxnSpPr>
-          <p:cNvPr id="14" name="Прямая соединительная линия 13"/>
-          <p:cNvCxnSpPr>
-            <a:stCxn id="6" idx="2"/>
-            <a:endCxn id="7" idx="0"/>
-          </p:cNvCxnSpPr>
+      <p:sp>
+        <p:nvSpPr>
+          <p:cNvPr id="16" name="Прямоугольник 15"/>
+          <p:cNvSpPr/>
           <p:nvPr/>
-        </p:nvCxnSpPr>
+        </p:nvSpPr>
         <p:spPr>
           <a:xfrm>
-            <a:off x="2933034" y="4231377"/>
-            <a:ext cx="0" cy="426401"/>
+            <a:off x="5909983" y="6299610"/>
+            <a:ext cx="5153721" cy="337637"/>
           </a:xfrm>
-          <a:prstGeom prst="line">
+          <a:prstGeom prst="rect">
             <a:avLst/>
           </a:prstGeom>
+          <a:noFill/>
           <a:ln w="19050">
-            <a:headEnd type="triangle" w="med" len="med"/>
-            <a:tailEnd type="triangle" w="med" len="med"/>
+            <a:solidFill>
+              <a:srgbClr val="FFC000"/>
+            </a:solidFill>
+            <a:prstDash val="dash"/>
           </a:ln>
         </p:spPr>
         <p:style>
-          <a:lnRef idx="1">
-            <a:schemeClr val="accent1"/>
+          <a:lnRef idx="2">
+            <a:schemeClr val="accent1">
+              <a:shade val="50000"/>
+            </a:schemeClr>
           </a:lnRef>
-          <a:fillRef idx="0">
+          <a:fillRef idx="1">
             <a:schemeClr val="accent1"/>
           </a:fillRef>
           <a:effectRef idx="0">
             <a:schemeClr val="accent1"/>
           </a:effectRef>
           <a:fontRef idx="minor">
-            <a:schemeClr val="tx1"/>
-          </a:fontRef>
-        </p:style>
-      </p:cxnSp>
-      <p:cxnSp>
-        <p:nvCxnSpPr>
-          <p:cNvPr id="17" name="Прямая соединительная линия 16"/>
-          <p:cNvCxnSpPr>
-            <a:stCxn id="5" idx="2"/>
-            <a:endCxn id="6" idx="0"/>
-          </p:cNvCxnSpPr>
-          <p:nvPr/>
-        </p:nvCxnSpPr>
-        <p:spPr>
-          <a:xfrm flipH="1">
-            <a:off x="2933034" y="2395620"/>
-            <a:ext cx="1" cy="980554"/>
-          </a:xfrm>
-          <a:prstGeom prst="line">
-            <a:avLst/>
-          </a:prstGeom>
-          <a:ln w="19050">
-            <a:headEnd type="none" w="med" len="med"/>
-            <a:tailEnd type="triangle" w="med" len="med"/>
-          </a:ln>
-        </p:spPr>
-        <p:style>
-          <a:lnRef idx="1">
-            <a:schemeClr val="accent1"/>
-          </a:lnRef>
-          <a:fillRef idx="0">
-            <a:schemeClr val="accent1"/>
-          </a:fillRef>
-          <a:effectRef idx="0">
-            <a:schemeClr val="accent1"/>
-          </a:effectRef>
-          <a:fontRef idx="minor">
-            <a:schemeClr val="tx1"/>
-          </a:fontRef>
-        </p:style>
-      </p:cxnSp>
-      <p:cxnSp>
-        <p:nvCxnSpPr>
-          <p:cNvPr id="21" name="Прямая соединительная линия 20"/>
-          <p:cNvCxnSpPr>
-            <a:stCxn id="7" idx="2"/>
-            <a:endCxn id="1032" idx="0"/>
-          </p:cNvCxnSpPr>
-          <p:nvPr/>
-        </p:nvCxnSpPr>
-        <p:spPr>
-          <a:xfrm>
-            <a:off x="2933034" y="5291423"/>
-            <a:ext cx="5149" cy="410133"/>
-          </a:xfrm>
-          <a:prstGeom prst="line">
-            <a:avLst/>
-          </a:prstGeom>
-          <a:ln w="19050">
-            <a:headEnd type="triangle" w="med" len="med"/>
-            <a:tailEnd type="triangle" w="med" len="med"/>
-          </a:ln>
-        </p:spPr>
-        <p:style>
-          <a:lnRef idx="1">
-            <a:schemeClr val="accent1"/>
-          </a:lnRef>
-          <a:fillRef idx="0">
-            <a:schemeClr val="accent1"/>
-          </a:fillRef>
-          <a:effectRef idx="0">
-            <a:schemeClr val="accent1"/>
-          </a:effectRef>
-          <a:fontRef idx="minor">
-            <a:schemeClr val="tx1"/>
-          </a:fontRef>
-        </p:style>
-      </p:cxnSp>
-      <p:cxnSp>
-        <p:nvCxnSpPr>
-          <p:cNvPr id="27" name="Соединительная линия уступом 26"/>
-          <p:cNvCxnSpPr>
-            <a:stCxn id="6" idx="1"/>
-            <a:endCxn id="1028" idx="2"/>
-          </p:cNvCxnSpPr>
-          <p:nvPr/>
-        </p:nvCxnSpPr>
-        <p:spPr>
-          <a:xfrm rot="10800000">
-            <a:off x="866280" y="2668002"/>
-            <a:ext cx="984936" cy="1135775"/>
-          </a:xfrm>
-          <a:prstGeom prst="bentConnector2">
-            <a:avLst/>
-          </a:prstGeom>
-          <a:ln w="19050">
-            <a:prstDash val="dash"/>
-            <a:tailEnd type="triangle"/>
-          </a:ln>
-        </p:spPr>
-        <p:style>
-          <a:lnRef idx="1">
-            <a:schemeClr val="accent1"/>
-          </a:lnRef>
-          <a:fillRef idx="0">
-            <a:schemeClr val="accent1"/>
-          </a:fillRef>
-          <a:effectRef idx="0">
-            <a:schemeClr val="accent1"/>
-          </a:effectRef>
-          <a:fontRef idx="minor">
-            <a:schemeClr val="tx1"/>
-          </a:fontRef>
-        </p:style>
-      </p:cxnSp>
-      <p:cxnSp>
-        <p:nvCxnSpPr>
-          <p:cNvPr id="29" name="Прямая со стрелкой 28"/>
-          <p:cNvCxnSpPr>
-            <a:stCxn id="1028" idx="3"/>
-            <a:endCxn id="5" idx="1"/>
-          </p:cNvCxnSpPr>
-          <p:nvPr/>
-        </p:nvCxnSpPr>
-        <p:spPr>
-          <a:xfrm>
-            <a:off x="1376619" y="2157662"/>
-            <a:ext cx="682121" cy="1"/>
-          </a:xfrm>
-          <a:prstGeom prst="straightConnector1">
-            <a:avLst/>
-          </a:prstGeom>
-          <a:ln w="19050">
-            <a:prstDash val="dash"/>
-            <a:tailEnd type="triangle"/>
-          </a:ln>
-        </p:spPr>
-        <p:style>
-          <a:lnRef idx="1">
-            <a:schemeClr val="accent1"/>
-          </a:lnRef>
-          <a:fillRef idx="0">
-            <a:schemeClr val="accent1"/>
-          </a:fillRef>
-          <a:effectRef idx="0">
-            <a:schemeClr val="accent1"/>
-          </a:effectRef>
-          <a:fontRef idx="minor">
-            <a:schemeClr val="tx1"/>
-          </a:fontRef>
-        </p:style>
-      </p:cxnSp>
-    </p:spTree>
-    <p:extLst>
-      <p:ext uri="{BB962C8B-B14F-4D97-AF65-F5344CB8AC3E}">
-        <p14:creationId xmlns:p14="http://schemas.microsoft.com/office/powerpoint/2010/main" val="2664064400"/>
-      </p:ext>
-    </p:extLst>
-  </p:cSld>
-  <p:clrMapOvr>
-    <a:masterClrMapping/>
-  </p:clrMapOvr>
-  <p:timing>
-    <p:tnLst>
-      <p:par>
-        <p:cTn id="1" dur="indefinite" restart="never" nodeType="tmRoot"/>
-      </p:par>
-    </p:tnLst>
-  </p:timing>
-</p:sld>
-</file>
-
-<file path=ppt/slides/slide5.xml><?xml version="1.0" encoding="utf-8"?>
-<p:sld xmlns:a="http://schemas.openxmlformats.org/drawingml/2006/main" xmlns:r="http://schemas.openxmlformats.org/officeDocument/2006/relationships" xmlns:p="http://schemas.openxmlformats.org/presentationml/2006/main">
-  <p:cSld>
-    <p:spTree>
-      <p:nvGrpSpPr>
-        <p:cNvPr id="1" name=""/>
-        <p:cNvGrpSpPr/>
-        <p:nvPr/>
-      </p:nvGrpSpPr>
-      <p:grpSpPr>
-        <a:xfrm>
-          <a:off x="0" y="0"/>
-          <a:ext cx="0" cy="0"/>
-          <a:chOff x="0" y="0"/>
-          <a:chExt cx="0" cy="0"/>
-        </a:xfrm>
-      </p:grpSpPr>
-      <p:pic>
-        <p:nvPicPr>
-          <p:cNvPr id="19" name="Picture 4" descr="http://windowsapptutorials.com/wp-content/uploads/2014/12/Windows-8.1.jpg"/>
-          <p:cNvPicPr>
-            <a:picLocks noChangeAspect="1" noChangeArrowheads="1"/>
-          </p:cNvPicPr>
-          <p:nvPr/>
-        </p:nvPicPr>
-        <p:blipFill rotWithShape="1">
-          <a:blip r:embed="rId2">
-            <a:extLst>
-              <a:ext uri="{28A0092B-C50C-407E-A947-70E740481C1C}">
-                <a14:useLocalDpi xmlns:a14="http://schemas.microsoft.com/office/drawing/2010/main" val="0"/>
-              </a:ext>
-            </a:extLst>
-          </a:blip>
-          <a:srcRect l="-426" t="189" r="426" b="72317"/>
-          <a:stretch/>
-        </p:blipFill>
-        <p:spPr bwMode="auto">
-          <a:xfrm rot="10800000">
-            <a:off x="-6720" y="134472"/>
-            <a:ext cx="12265959" cy="1311088"/>
-          </a:xfrm>
-          <a:prstGeom prst="rect">
-            <a:avLst/>
-          </a:prstGeom>
-          <a:noFill/>
-          <a:extLst>
-            <a:ext uri="{909E8E84-426E-40DD-AFC4-6F175D3DCCD1}">
-              <a14:hiddenFill xmlns:a14="http://schemas.microsoft.com/office/drawing/2010/main">
-                <a:solidFill>
-                  <a:srgbClr val="FFFFFF"/>
-                </a:solidFill>
-              </a14:hiddenFill>
-            </a:ext>
-          </a:extLst>
-        </p:spPr>
-      </p:pic>
-      <p:sp>
-        <p:nvSpPr>
-          <p:cNvPr id="2" name="Заголовок 1"/>
-          <p:cNvSpPr>
-            <a:spLocks noGrp="1"/>
-          </p:cNvSpPr>
-          <p:nvPr>
-            <p:ph type="title"/>
-          </p:nvPr>
-        </p:nvSpPr>
-        <p:spPr/>
-        <p:txBody>
-          <a:bodyPr>
-            <a:normAutofit/>
-          </a:bodyPr>
-          <a:lstStyle/>
-          <a:p>
-            <a:r>
-              <a:rPr lang="ru-RU" dirty="0" smtClean="0">
-                <a:solidFill>
-                  <a:schemeClr val="bg1"/>
-                </a:solidFill>
-              </a:rPr>
-              <a:t>Организация доступа к файловой системе</a:t>
-            </a:r>
-            <a:endParaRPr lang="ru-RU" dirty="0">
-              <a:solidFill>
-                <a:schemeClr val="bg1"/>
-              </a:solidFill>
-            </a:endParaRPr>
-          </a:p>
-        </p:txBody>
-      </p:sp>
-      <p:sp>
-        <p:nvSpPr>
-          <p:cNvPr id="4" name="Номер слайда 3"/>
-          <p:cNvSpPr>
-            <a:spLocks noGrp="1"/>
-          </p:cNvSpPr>
-          <p:nvPr>
-            <p:ph type="sldNum" sz="quarter" idx="12"/>
-          </p:nvPr>
-        </p:nvSpPr>
-        <p:spPr>
-          <a:xfrm>
-            <a:off x="9242612" y="6414885"/>
-            <a:ext cx="2743200" cy="365125"/>
-          </a:xfrm>
-        </p:spPr>
-        <p:txBody>
-          <a:bodyPr/>
-          <a:lstStyle/>
-          <a:p>
-            <a:fld id="{7E7C1622-4091-4E7B-99B0-4C976627CE55}" type="slidenum">
-              <a:rPr lang="ru-RU" smtClean="0"/>
-              <a:t>5</a:t>
-            </a:fld>
-            <a:endParaRPr lang="ru-RU" dirty="0"/>
-          </a:p>
-        </p:txBody>
-      </p:sp>
-      <p:sp>
-        <p:nvSpPr>
-          <p:cNvPr id="5" name="Прямоугольник 4"/>
-          <p:cNvSpPr/>
-          <p:nvPr/>
-        </p:nvSpPr>
-        <p:spPr>
-          <a:xfrm>
-            <a:off x="2058740" y="1919705"/>
-            <a:ext cx="1748589" cy="475915"/>
-          </a:xfrm>
-          <a:prstGeom prst="rect">
-            <a:avLst/>
-          </a:prstGeom>
-          <a:ln w="28575"/>
-        </p:spPr>
-        <p:style>
-          <a:lnRef idx="2">
-            <a:schemeClr val="accent5"/>
-          </a:lnRef>
-          <a:fillRef idx="1">
             <a:schemeClr val="lt1"/>
-          </a:fillRef>
-          <a:effectRef idx="0">
-            <a:schemeClr val="accent5"/>
-          </a:effectRef>
-          <a:fontRef idx="minor">
-            <a:schemeClr val="dk1"/>
           </a:fontRef>
         </p:style>
         <p:txBody>
@@ -8733,14 +9143,38 @@
           <a:p>
             <a:pPr algn="ctr"/>
             <a:r>
-              <a:rPr lang="ru-RU" dirty="0" smtClean="0">
+              <a:rPr lang="ru-RU" b="1" dirty="0" smtClean="0">
                 <a:solidFill>
                   <a:schemeClr val="tx1"/>
                 </a:solidFill>
               </a:rPr>
-              <a:t>Приложение</a:t>
-            </a:r>
-            <a:endParaRPr lang="ru-RU" dirty="0">
+              <a:t>Реализация окружения </a:t>
+            </a:r>
+            <a:r>
+              <a:rPr lang="en-US" b="1" dirty="0" smtClean="0">
+                <a:solidFill>
+                  <a:schemeClr val="tx1"/>
+                </a:solidFill>
+              </a:rPr>
+              <a:t>Linux</a:t>
+            </a:r>
+            <a:r>
+              <a:rPr lang="ru-RU" b="1" dirty="0" smtClean="0">
+                <a:solidFill>
+                  <a:schemeClr val="tx1"/>
+                </a:solidFill>
+              </a:rPr>
+              <a:t> в </a:t>
+            </a:r>
+            <a:r>
+              <a:rPr lang="en-US" b="1" dirty="0" smtClean="0">
+                <a:solidFill>
+                  <a:schemeClr val="tx1"/>
+                </a:solidFill>
+              </a:rPr>
+              <a:t>Windows</a:t>
+            </a:r>
+            <a:endParaRPr lang="ru-RU" b="1" dirty="0">
               <a:solidFill>
                 <a:schemeClr val="tx1"/>
               </a:solidFill>
@@ -8748,213 +9182,6 @@
           </a:p>
         </p:txBody>
       </p:sp>
-      <p:sp>
-        <p:nvSpPr>
-          <p:cNvPr id="6" name="Прямоугольник 5"/>
-          <p:cNvSpPr/>
-          <p:nvPr/>
-        </p:nvSpPr>
-        <p:spPr>
-          <a:xfrm>
-            <a:off x="1851216" y="3376174"/>
-            <a:ext cx="2163636" cy="855203"/>
-          </a:xfrm>
-          <a:prstGeom prst="rect">
-            <a:avLst/>
-          </a:prstGeom>
-          <a:ln w="28575"/>
-        </p:spPr>
-        <p:style>
-          <a:lnRef idx="2">
-            <a:schemeClr val="accent5"/>
-          </a:lnRef>
-          <a:fillRef idx="1">
-            <a:schemeClr val="lt1"/>
-          </a:fillRef>
-          <a:effectRef idx="0">
-            <a:schemeClr val="accent5"/>
-          </a:effectRef>
-          <a:fontRef idx="minor">
-            <a:schemeClr val="dk1"/>
-          </a:fontRef>
-        </p:style>
-        <p:txBody>
-          <a:bodyPr rtlCol="0" anchor="ctr"/>
-          <a:lstStyle/>
-          <a:p>
-            <a:pPr algn="ctr"/>
-            <a:r>
-              <a:rPr lang="ru-RU" dirty="0" smtClean="0">
-                <a:solidFill>
-                  <a:schemeClr val="tx1"/>
-                </a:solidFill>
-              </a:rPr>
-              <a:t>Драйвер</a:t>
-            </a:r>
-          </a:p>
-          <a:p>
-            <a:pPr algn="ctr"/>
-            <a:r>
-              <a:rPr lang="ru-RU" dirty="0" smtClean="0">
-                <a:solidFill>
-                  <a:schemeClr val="tx1"/>
-                </a:solidFill>
-              </a:rPr>
-              <a:t>файловой системы</a:t>
-            </a:r>
-            <a:endParaRPr lang="ru-RU" dirty="0">
-              <a:solidFill>
-                <a:schemeClr val="tx1"/>
-              </a:solidFill>
-            </a:endParaRPr>
-          </a:p>
-        </p:txBody>
-      </p:sp>
-      <p:sp>
-        <p:nvSpPr>
-          <p:cNvPr id="7" name="Прямоугольник 6"/>
-          <p:cNvSpPr/>
-          <p:nvPr/>
-        </p:nvSpPr>
-        <p:spPr>
-          <a:xfrm>
-            <a:off x="1918451" y="4657778"/>
-            <a:ext cx="2029166" cy="633645"/>
-          </a:xfrm>
-          <a:prstGeom prst="rect">
-            <a:avLst/>
-          </a:prstGeom>
-          <a:ln w="28575"/>
-        </p:spPr>
-        <p:style>
-          <a:lnRef idx="2">
-            <a:schemeClr val="accent5"/>
-          </a:lnRef>
-          <a:fillRef idx="1">
-            <a:schemeClr val="lt1"/>
-          </a:fillRef>
-          <a:effectRef idx="0">
-            <a:schemeClr val="accent5"/>
-          </a:effectRef>
-          <a:fontRef idx="minor">
-            <a:schemeClr val="dk1"/>
-          </a:fontRef>
-        </p:style>
-        <p:txBody>
-          <a:bodyPr rtlCol="0" anchor="ctr"/>
-          <a:lstStyle/>
-          <a:p>
-            <a:pPr algn="ctr"/>
-            <a:r>
-              <a:rPr lang="ru-RU" dirty="0" smtClean="0">
-                <a:solidFill>
-                  <a:schemeClr val="tx1"/>
-                </a:solidFill>
-              </a:rPr>
-              <a:t>Драйвер устройства</a:t>
-            </a:r>
-            <a:endParaRPr lang="ru-RU" dirty="0">
-              <a:solidFill>
-                <a:schemeClr val="tx1"/>
-              </a:solidFill>
-            </a:endParaRPr>
-          </a:p>
-        </p:txBody>
-      </p:sp>
-      <p:pic>
-        <p:nvPicPr>
-          <p:cNvPr id="1028" name="Picture 4" descr="http://kerneldrivers.com/wp-content/uploads/2014/04/icon-file.png"/>
-          <p:cNvPicPr>
-            <a:picLocks noChangeAspect="1" noChangeArrowheads="1"/>
-          </p:cNvPicPr>
-          <p:nvPr/>
-        </p:nvPicPr>
-        <p:blipFill>
-          <a:blip r:embed="rId3">
-            <a:duotone>
-              <a:schemeClr val="accent5">
-                <a:shade val="45000"/>
-                <a:satMod val="135000"/>
-              </a:schemeClr>
-              <a:prstClr val="white"/>
-            </a:duotone>
-            <a:extLst>
-              <a:ext uri="{28A0092B-C50C-407E-A947-70E740481C1C}">
-                <a14:useLocalDpi xmlns:a14="http://schemas.microsoft.com/office/drawing/2010/main" val="0"/>
-              </a:ext>
-            </a:extLst>
-          </a:blip>
-          <a:srcRect/>
-          <a:stretch>
-            <a:fillRect/>
-          </a:stretch>
-        </p:blipFill>
-        <p:spPr bwMode="auto">
-          <a:xfrm>
-            <a:off x="355940" y="1647322"/>
-            <a:ext cx="1020679" cy="1020679"/>
-          </a:xfrm>
-          <a:prstGeom prst="rect">
-            <a:avLst/>
-          </a:prstGeom>
-          <a:noFill/>
-          <a:extLst>
-            <a:ext uri="{909E8E84-426E-40DD-AFC4-6F175D3DCCD1}">
-              <a14:hiddenFill xmlns:a14="http://schemas.microsoft.com/office/drawing/2010/main">
-                <a:solidFill>
-                  <a:srgbClr val="FFFFFF"/>
-                </a:solidFill>
-              </a14:hiddenFill>
-            </a:ext>
-          </a:extLst>
-        </p:spPr>
-      </p:pic>
-      <p:pic>
-        <p:nvPicPr>
-          <p:cNvPr id="1032" name="Picture 8" descr="http://freeiconbox.com/icon/256/40097.png"/>
-          <p:cNvPicPr>
-            <a:picLocks noChangeAspect="1" noChangeArrowheads="1"/>
-          </p:cNvPicPr>
-          <p:nvPr/>
-        </p:nvPicPr>
-        <p:blipFill rotWithShape="1">
-          <a:blip r:embed="rId4">
-            <a:duotone>
-              <a:schemeClr val="accent5">
-                <a:shade val="45000"/>
-                <a:satMod val="135000"/>
-              </a:schemeClr>
-              <a:prstClr val="white"/>
-            </a:duotone>
-            <a:extLst>
-              <a:ext uri="{28A0092B-C50C-407E-A947-70E740481C1C}">
-                <a14:useLocalDpi xmlns:a14="http://schemas.microsoft.com/office/drawing/2010/main" val="0"/>
-              </a:ext>
-            </a:extLst>
-          </a:blip>
-          <a:srcRect l="28438" t="21939" r="28303" b="21817"/>
-          <a:stretch/>
-        </p:blipFill>
-        <p:spPr bwMode="auto">
-          <a:xfrm>
-            <a:off x="2575112" y="5701556"/>
-            <a:ext cx="726141" cy="948019"/>
-          </a:xfrm>
-          <a:prstGeom prst="rect">
-            <a:avLst/>
-          </a:prstGeom>
-          <a:noFill/>
-          <a:extLst>
-            <a:ext uri="{909E8E84-426E-40DD-AFC4-6F175D3DCCD1}">
-              <a14:hiddenFill xmlns:a14="http://schemas.microsoft.com/office/drawing/2010/main">
-                <a:solidFill>
-                  <a:srgbClr val="FFFFFF"/>
-                </a:solidFill>
-              </a14:hiddenFill>
-            </a:ext>
-          </a:extLst>
-        </p:spPr>
-      </p:pic>
       <p:sp>
         <p:nvSpPr>
           <p:cNvPr id="18" name="Прямоугольник 17"/>
@@ -8963,7 +9190,7 @@
         </p:nvSpPr>
         <p:spPr>
           <a:xfrm>
-            <a:off x="5909983" y="3983716"/>
+            <a:off x="5909983" y="3883357"/>
             <a:ext cx="5153718" cy="386125"/>
           </a:xfrm>
           <a:prstGeom prst="rect">
@@ -9142,22 +9369,23 @@
         <p:nvCxnSpPr>
           <p:cNvPr id="27" name="Соединительная линия уступом 26"/>
           <p:cNvCxnSpPr>
-            <a:stCxn id="6" idx="1"/>
+            <a:stCxn id="1032" idx="1"/>
             <a:endCxn id="1028" idx="2"/>
           </p:cNvCxnSpPr>
           <p:nvPr/>
         </p:nvCxnSpPr>
         <p:spPr>
           <a:xfrm rot="10800000">
-            <a:off x="866280" y="2668002"/>
-            <a:ext cx="984936" cy="1135775"/>
+            <a:off x="722478" y="4369842"/>
+            <a:ext cx="1852634" cy="1805725"/>
           </a:xfrm>
           <a:prstGeom prst="bentConnector2">
             <a:avLst/>
           </a:prstGeom>
           <a:ln w="19050">
             <a:prstDash val="dash"/>
-            <a:tailEnd type="triangle"/>
+            <a:headEnd type="triangle" w="med" len="med"/>
+            <a:tailEnd type="triangle" w="med" len="med"/>
           </a:ln>
         </p:spPr>
         <p:style>
@@ -9175,43 +9403,178 @@
           </a:fontRef>
         </p:style>
       </p:cxnSp>
-      <p:cxnSp>
-        <p:nvCxnSpPr>
-          <p:cNvPr id="29" name="Прямая со стрелкой 28"/>
-          <p:cNvCxnSpPr>
-            <a:stCxn id="1028" idx="3"/>
-            <a:endCxn id="5" idx="1"/>
-          </p:cNvCxnSpPr>
+      <p:sp>
+        <p:nvSpPr>
+          <p:cNvPr id="13" name="Прямоугольник 12"/>
+          <p:cNvSpPr/>
           <p:nvPr/>
-        </p:nvCxnSpPr>
+        </p:nvSpPr>
         <p:spPr>
           <a:xfrm>
-            <a:off x="1376619" y="2157662"/>
-            <a:ext cx="682121" cy="1"/>
+            <a:off x="5909983" y="5049375"/>
+            <a:ext cx="5153722" cy="1107317"/>
           </a:xfrm>
-          <a:prstGeom prst="straightConnector1">
+          <a:prstGeom prst="rect">
             <a:avLst/>
           </a:prstGeom>
           <a:ln w="19050">
             <a:prstDash val="dash"/>
-            <a:tailEnd type="triangle"/>
           </a:ln>
         </p:spPr>
         <p:style>
-          <a:lnRef idx="1">
-            <a:schemeClr val="accent1"/>
+          <a:lnRef idx="2">
+            <a:schemeClr val="accent4"/>
           </a:lnRef>
-          <a:fillRef idx="0">
+          <a:fillRef idx="1">
+            <a:schemeClr val="lt1"/>
+          </a:fillRef>
+          <a:effectRef idx="0">
+            <a:schemeClr val="accent4"/>
+          </a:effectRef>
+          <a:fontRef idx="minor">
+            <a:schemeClr val="dk1"/>
+          </a:fontRef>
+        </p:style>
+        <p:txBody>
+          <a:bodyPr rtlCol="0" anchor="ctr"/>
+          <a:lstStyle/>
+          <a:p>
+            <a:r>
+              <a:rPr lang="ru-RU" dirty="0" smtClean="0">
+                <a:solidFill>
+                  <a:schemeClr val="tx1"/>
+                </a:solidFill>
+              </a:rPr>
+              <a:t>Высокая надежность, эффективность</a:t>
+            </a:r>
+          </a:p>
+          <a:p>
+            <a:r>
+              <a:rPr lang="ru-RU" dirty="0" smtClean="0">
+                <a:solidFill>
+                  <a:schemeClr val="tx1"/>
+                </a:solidFill>
+              </a:rPr>
+              <a:t>Полный доступ к файловой системе</a:t>
+            </a:r>
+          </a:p>
+          <a:p>
+            <a:r>
+              <a:rPr lang="ru-RU" dirty="0" smtClean="0">
+                <a:solidFill>
+                  <a:schemeClr val="tx1"/>
+                </a:solidFill>
+              </a:rPr>
+              <a:t>Поддержка всех файловых систем</a:t>
+            </a:r>
+          </a:p>
+          <a:p>
+            <a:r>
+              <a:rPr lang="ru-RU" dirty="0" smtClean="0">
+                <a:solidFill>
+                  <a:schemeClr val="tx1"/>
+                </a:solidFill>
+              </a:rPr>
+              <a:t>Разработка и тестирование </a:t>
+            </a:r>
+            <a:r>
+              <a:rPr lang="en-US" dirty="0" smtClean="0">
+                <a:solidFill>
+                  <a:schemeClr val="tx1"/>
+                </a:solidFill>
+              </a:rPr>
+              <a:t>Linux</a:t>
+            </a:r>
+            <a:r>
+              <a:rPr lang="ru-RU" dirty="0" smtClean="0">
+                <a:solidFill>
+                  <a:schemeClr val="tx1"/>
+                </a:solidFill>
+              </a:rPr>
+              <a:t>-сообществом</a:t>
+            </a:r>
+            <a:endParaRPr lang="ru-RU" dirty="0">
+              <a:solidFill>
+                <a:schemeClr val="tx1"/>
+              </a:solidFill>
+            </a:endParaRPr>
+          </a:p>
+        </p:txBody>
+      </p:sp>
+      <p:sp>
+        <p:nvSpPr>
+          <p:cNvPr id="36" name="Прямоугольник 35"/>
+          <p:cNvSpPr/>
+          <p:nvPr/>
+        </p:nvSpPr>
+        <p:spPr>
+          <a:xfrm>
+            <a:off x="5909983" y="4615557"/>
+            <a:ext cx="5153718" cy="386125"/>
+          </a:xfrm>
+          <a:prstGeom prst="rect">
+            <a:avLst/>
+          </a:prstGeom>
+          <a:noFill/>
+          <a:ln>
+            <a:noFill/>
+          </a:ln>
+        </p:spPr>
+        <p:style>
+          <a:lnRef idx="2">
+            <a:schemeClr val="accent1">
+              <a:shade val="50000"/>
+            </a:schemeClr>
+          </a:lnRef>
+          <a:fillRef idx="1">
             <a:schemeClr val="accent1"/>
           </a:fillRef>
           <a:effectRef idx="0">
             <a:schemeClr val="accent1"/>
           </a:effectRef>
           <a:fontRef idx="minor">
-            <a:schemeClr val="tx1"/>
+            <a:schemeClr val="lt1"/>
           </a:fontRef>
         </p:style>
-      </p:cxnSp>
+        <p:txBody>
+          <a:bodyPr rtlCol="0" anchor="ctr"/>
+          <a:lstStyle/>
+          <a:p>
+            <a:r>
+              <a:rPr lang="ru-RU" sz="2000" b="1" dirty="0" err="1" smtClean="0">
+                <a:solidFill>
+                  <a:schemeClr val="accent4"/>
+                </a:solidFill>
+              </a:rPr>
+              <a:t>Нативные</a:t>
+            </a:r>
+            <a:r>
+              <a:rPr lang="ru-RU" sz="2000" b="1" dirty="0" smtClean="0">
+                <a:solidFill>
+                  <a:schemeClr val="accent4"/>
+                </a:solidFill>
+              </a:rPr>
+              <a:t> </a:t>
+            </a:r>
+            <a:r>
+              <a:rPr lang="en-US" sz="2000" b="1" dirty="0" smtClean="0">
+                <a:solidFill>
+                  <a:schemeClr val="accent4"/>
+                </a:solidFill>
+              </a:rPr>
+              <a:t>Linux</a:t>
+            </a:r>
+            <a:r>
+              <a:rPr lang="ru-RU" sz="2000" b="1" dirty="0" smtClean="0">
+                <a:solidFill>
+                  <a:schemeClr val="accent4"/>
+                </a:solidFill>
+              </a:rPr>
+              <a:t>-драйверы</a:t>
+            </a:r>
+          </a:p>
+        </p:txBody>
+      </p:sp>
       <p:sp>
         <p:nvSpPr>
           <p:cNvPr id="37" name="Прямоугольник 36"/>
@@ -9281,7 +9644,7 @@
                   <a:srgbClr val="1580D0"/>
                 </a:solidFill>
               </a:rPr>
-              <a:t>-драйвера</a:t>
+              <a:t>-драйверы</a:t>
             </a:r>
           </a:p>
         </p:txBody>
@@ -9295,9 +9658,9 @@
         <p:grpSpPr>
           <a:xfrm>
             <a:off x="5909983" y="1889467"/>
-            <a:ext cx="5153720" cy="953112"/>
+            <a:ext cx="5153720" cy="790045"/>
             <a:chOff x="5909983" y="2131525"/>
-            <a:chExt cx="5153720" cy="953112"/>
+            <a:chExt cx="5153720" cy="729544"/>
           </a:xfrm>
         </p:grpSpPr>
         <p:sp>
@@ -9309,7 +9672,7 @@
           <p:spPr>
             <a:xfrm>
               <a:off x="5909983" y="2467629"/>
-              <a:ext cx="5153720" cy="617008"/>
+              <a:ext cx="5153720" cy="393440"/>
             </a:xfrm>
             <a:prstGeom prst="rect">
               <a:avLst/>
@@ -9343,16 +9706,6 @@
                   </a:solidFill>
                 </a:rPr>
                 <a:t>Высокая сложность разработки</a:t>
-              </a:r>
-            </a:p>
-            <a:p>
-              <a:r>
-                <a:rPr lang="ru-RU" dirty="0" smtClean="0">
-                  <a:solidFill>
-                    <a:schemeClr val="tx1"/>
-                  </a:solidFill>
-                </a:rPr>
-                <a:t>Затраты на тестирование</a:t>
               </a:r>
             </a:p>
           </p:txBody>
@@ -9416,1275 +9769,7 @@
         </p:nvGrpSpPr>
         <p:grpSpPr>
           <a:xfrm>
-            <a:off x="5909983" y="2894658"/>
-            <a:ext cx="5153719" cy="946262"/>
-            <a:chOff x="5909983" y="3076200"/>
-            <a:chExt cx="5153719" cy="946262"/>
-          </a:xfrm>
-        </p:grpSpPr>
-        <p:sp>
-          <p:nvSpPr>
-            <p:cNvPr id="11" name="Прямоугольник 10"/>
-            <p:cNvSpPr/>
-            <p:nvPr/>
-          </p:nvSpPr>
-          <p:spPr>
-            <a:xfrm>
-              <a:off x="5909983" y="3449676"/>
-              <a:ext cx="5153719" cy="572786"/>
-            </a:xfrm>
-            <a:prstGeom prst="rect">
-              <a:avLst/>
-            </a:prstGeom>
-            <a:ln w="19050">
-              <a:prstDash val="dash"/>
-            </a:ln>
-          </p:spPr>
-          <p:style>
-            <a:lnRef idx="2">
-              <a:schemeClr val="accent5"/>
-            </a:lnRef>
-            <a:fillRef idx="1">
-              <a:schemeClr val="lt1"/>
-            </a:fillRef>
-            <a:effectRef idx="0">
-              <a:schemeClr val="accent5"/>
-            </a:effectRef>
-            <a:fontRef idx="minor">
-              <a:schemeClr val="dk1"/>
-            </a:fontRef>
-          </p:style>
-          <p:txBody>
-            <a:bodyPr rtlCol="0" anchor="ctr"/>
-            <a:lstStyle/>
-            <a:p>
-              <a:r>
-                <a:rPr lang="ru-RU" dirty="0" smtClean="0">
-                  <a:solidFill>
-                    <a:schemeClr val="tx1"/>
-                  </a:solidFill>
-                </a:rPr>
-                <a:t>Низкое качество драйверов</a:t>
-              </a:r>
-            </a:p>
-            <a:p>
-              <a:r>
-                <a:rPr lang="ru-RU" dirty="0" smtClean="0">
-                  <a:solidFill>
-                    <a:schemeClr val="tx1"/>
-                  </a:solidFill>
-                </a:rPr>
-                <a:t>Ограниченная поддержка ФС</a:t>
-              </a:r>
-            </a:p>
-          </p:txBody>
-        </p:sp>
-        <p:sp>
-          <p:nvSpPr>
-            <p:cNvPr id="39" name="Прямоугольник 38"/>
-            <p:cNvSpPr/>
-            <p:nvPr/>
-          </p:nvSpPr>
-          <p:spPr>
-            <a:xfrm>
-              <a:off x="5909983" y="3076200"/>
-              <a:ext cx="5153718" cy="386125"/>
-            </a:xfrm>
-            <a:prstGeom prst="rect">
-              <a:avLst/>
-            </a:prstGeom>
-            <a:noFill/>
-            <a:ln>
-              <a:noFill/>
-            </a:ln>
-          </p:spPr>
-          <p:style>
-            <a:lnRef idx="2">
-              <a:schemeClr val="accent1">
-                <a:shade val="50000"/>
-              </a:schemeClr>
-            </a:lnRef>
-            <a:fillRef idx="1">
-              <a:schemeClr val="accent1"/>
-            </a:fillRef>
-            <a:effectRef idx="0">
-              <a:schemeClr val="accent1"/>
-            </a:effectRef>
-            <a:fontRef idx="minor">
-              <a:schemeClr val="lt1"/>
-            </a:fontRef>
-          </p:style>
-          <p:txBody>
-            <a:bodyPr rtlCol="0" anchor="ctr"/>
-            <a:lstStyle/>
-            <a:p>
-              <a:r>
-                <a:rPr lang="ru-RU" i="1" dirty="0" smtClean="0">
-                  <a:solidFill>
-                    <a:srgbClr val="1580D0"/>
-                  </a:solidFill>
-                </a:rPr>
-                <a:t>Драйвера сторонних разработчиков</a:t>
-              </a:r>
-            </a:p>
-          </p:txBody>
-        </p:sp>
-      </p:grpSp>
-      <p:sp>
-        <p:nvSpPr>
-          <p:cNvPr id="44" name="Стрелка вправо 43"/>
-          <p:cNvSpPr/>
-          <p:nvPr/>
-        </p:nvSpPr>
-        <p:spPr>
-          <a:xfrm rot="20137724">
-            <a:off x="4092116" y="3126164"/>
-            <a:ext cx="1472095" cy="464954"/>
-          </a:xfrm>
-          <a:prstGeom prst="rightArrow">
-            <a:avLst>
-              <a:gd name="adj1" fmla="val 26093"/>
-              <a:gd name="adj2" fmla="val 109991"/>
-            </a:avLst>
-          </a:prstGeom>
-        </p:spPr>
-        <p:style>
-          <a:lnRef idx="2">
-            <a:schemeClr val="accent1">
-              <a:shade val="50000"/>
-            </a:schemeClr>
-          </a:lnRef>
-          <a:fillRef idx="1">
-            <a:schemeClr val="accent1"/>
-          </a:fillRef>
-          <a:effectRef idx="0">
-            <a:schemeClr val="accent1"/>
-          </a:effectRef>
-          <a:fontRef idx="minor">
-            <a:schemeClr val="lt1"/>
-          </a:fontRef>
-        </p:style>
-        <p:txBody>
-          <a:bodyPr rtlCol="0" anchor="ctr"/>
-          <a:lstStyle/>
-          <a:p>
-            <a:pPr algn="ctr"/>
-            <a:endParaRPr lang="ru-RU"/>
-          </a:p>
-        </p:txBody>
-      </p:sp>
-    </p:spTree>
-    <p:extLst>
-      <p:ext uri="{BB962C8B-B14F-4D97-AF65-F5344CB8AC3E}">
-        <p14:creationId xmlns:p14="http://schemas.microsoft.com/office/powerpoint/2010/main" val="1516749049"/>
-      </p:ext>
-    </p:extLst>
-  </p:cSld>
-  <p:clrMapOvr>
-    <a:masterClrMapping/>
-  </p:clrMapOvr>
-  <p:timing>
-    <p:tnLst>
-      <p:par>
-        <p:cTn id="1" dur="indefinite" restart="never" nodeType="tmRoot"/>
-      </p:par>
-    </p:tnLst>
-  </p:timing>
-</p:sld>
-</file>
-
-<file path=ppt/slides/slide6.xml><?xml version="1.0" encoding="utf-8"?>
-<p:sld xmlns:a="http://schemas.openxmlformats.org/drawingml/2006/main" xmlns:r="http://schemas.openxmlformats.org/officeDocument/2006/relationships" xmlns:p="http://schemas.openxmlformats.org/presentationml/2006/main">
-  <p:cSld>
-    <p:spTree>
-      <p:nvGrpSpPr>
-        <p:cNvPr id="1" name=""/>
-        <p:cNvGrpSpPr/>
-        <p:nvPr/>
-      </p:nvGrpSpPr>
-      <p:grpSpPr>
-        <a:xfrm>
-          <a:off x="0" y="0"/>
-          <a:ext cx="0" cy="0"/>
-          <a:chOff x="0" y="0"/>
-          <a:chExt cx="0" cy="0"/>
-        </a:xfrm>
-      </p:grpSpPr>
-      <p:pic>
-        <p:nvPicPr>
-          <p:cNvPr id="19" name="Picture 4" descr="http://windowsapptutorials.com/wp-content/uploads/2014/12/Windows-8.1.jpg"/>
-          <p:cNvPicPr>
-            <a:picLocks noChangeAspect="1" noChangeArrowheads="1"/>
-          </p:cNvPicPr>
-          <p:nvPr/>
-        </p:nvPicPr>
-        <p:blipFill rotWithShape="1">
-          <a:blip r:embed="rId2">
-            <a:extLst>
-              <a:ext uri="{28A0092B-C50C-407E-A947-70E740481C1C}">
-                <a14:useLocalDpi xmlns:a14="http://schemas.microsoft.com/office/drawing/2010/main" val="0"/>
-              </a:ext>
-            </a:extLst>
-          </a:blip>
-          <a:srcRect l="-426" t="189" r="426" b="72317"/>
-          <a:stretch/>
-        </p:blipFill>
-        <p:spPr bwMode="auto">
-          <a:xfrm rot="10800000">
-            <a:off x="-6720" y="134472"/>
-            <a:ext cx="12265959" cy="1311088"/>
-          </a:xfrm>
-          <a:prstGeom prst="rect">
-            <a:avLst/>
-          </a:prstGeom>
-          <a:noFill/>
-          <a:extLst>
-            <a:ext uri="{909E8E84-426E-40DD-AFC4-6F175D3DCCD1}">
-              <a14:hiddenFill xmlns:a14="http://schemas.microsoft.com/office/drawing/2010/main">
-                <a:solidFill>
-                  <a:srgbClr val="FFFFFF"/>
-                </a:solidFill>
-              </a14:hiddenFill>
-            </a:ext>
-          </a:extLst>
-        </p:spPr>
-      </p:pic>
-      <p:sp>
-        <p:nvSpPr>
-          <p:cNvPr id="2" name="Заголовок 1"/>
-          <p:cNvSpPr>
-            <a:spLocks noGrp="1"/>
-          </p:cNvSpPr>
-          <p:nvPr>
-            <p:ph type="title"/>
-          </p:nvPr>
-        </p:nvSpPr>
-        <p:spPr/>
-        <p:txBody>
-          <a:bodyPr>
-            <a:normAutofit/>
-          </a:bodyPr>
-          <a:lstStyle/>
-          <a:p>
-            <a:r>
-              <a:rPr lang="ru-RU" dirty="0" smtClean="0">
-                <a:solidFill>
-                  <a:schemeClr val="bg1"/>
-                </a:solidFill>
-              </a:rPr>
-              <a:t>Организация доступа к файловой системе</a:t>
-            </a:r>
-            <a:endParaRPr lang="ru-RU" dirty="0">
-              <a:solidFill>
-                <a:schemeClr val="bg1"/>
-              </a:solidFill>
-            </a:endParaRPr>
-          </a:p>
-        </p:txBody>
-      </p:sp>
-      <p:sp>
-        <p:nvSpPr>
-          <p:cNvPr id="4" name="Номер слайда 3"/>
-          <p:cNvSpPr>
-            <a:spLocks noGrp="1"/>
-          </p:cNvSpPr>
-          <p:nvPr>
-            <p:ph type="sldNum" sz="quarter" idx="12"/>
-          </p:nvPr>
-        </p:nvSpPr>
-        <p:spPr>
-          <a:xfrm>
-            <a:off x="9242612" y="6414885"/>
-            <a:ext cx="2743200" cy="365125"/>
-          </a:xfrm>
-        </p:spPr>
-        <p:txBody>
-          <a:bodyPr/>
-          <a:lstStyle/>
-          <a:p>
-            <a:fld id="{7E7C1622-4091-4E7B-99B0-4C976627CE55}" type="slidenum">
-              <a:rPr lang="ru-RU" smtClean="0"/>
-              <a:t>6</a:t>
-            </a:fld>
-            <a:endParaRPr lang="ru-RU" dirty="0"/>
-          </a:p>
-        </p:txBody>
-      </p:sp>
-      <p:sp>
-        <p:nvSpPr>
-          <p:cNvPr id="5" name="Прямоугольник 4"/>
-          <p:cNvSpPr/>
-          <p:nvPr/>
-        </p:nvSpPr>
-        <p:spPr>
-          <a:xfrm>
-            <a:off x="2058740" y="1919705"/>
-            <a:ext cx="1748589" cy="475915"/>
-          </a:xfrm>
-          <a:prstGeom prst="rect">
-            <a:avLst/>
-          </a:prstGeom>
-          <a:ln w="28575"/>
-        </p:spPr>
-        <p:style>
-          <a:lnRef idx="2">
-            <a:schemeClr val="accent5"/>
-          </a:lnRef>
-          <a:fillRef idx="1">
-            <a:schemeClr val="lt1"/>
-          </a:fillRef>
-          <a:effectRef idx="0">
-            <a:schemeClr val="accent5"/>
-          </a:effectRef>
-          <a:fontRef idx="minor">
-            <a:schemeClr val="dk1"/>
-          </a:fontRef>
-        </p:style>
-        <p:txBody>
-          <a:bodyPr rtlCol="0" anchor="ctr"/>
-          <a:lstStyle/>
-          <a:p>
-            <a:pPr algn="ctr"/>
-            <a:r>
-              <a:rPr lang="ru-RU" dirty="0" smtClean="0">
-                <a:solidFill>
-                  <a:schemeClr val="tx1"/>
-                </a:solidFill>
-              </a:rPr>
-              <a:t>Приложение</a:t>
-            </a:r>
-            <a:endParaRPr lang="ru-RU" dirty="0">
-              <a:solidFill>
-                <a:schemeClr val="tx1"/>
-              </a:solidFill>
-            </a:endParaRPr>
-          </a:p>
-        </p:txBody>
-      </p:sp>
-      <p:sp>
-        <p:nvSpPr>
-          <p:cNvPr id="6" name="Прямоугольник 5"/>
-          <p:cNvSpPr/>
-          <p:nvPr/>
-        </p:nvSpPr>
-        <p:spPr>
-          <a:xfrm>
-            <a:off x="1851216" y="3376174"/>
-            <a:ext cx="2163636" cy="855203"/>
-          </a:xfrm>
-          <a:prstGeom prst="rect">
-            <a:avLst/>
-          </a:prstGeom>
-          <a:ln w="28575"/>
-        </p:spPr>
-        <p:style>
-          <a:lnRef idx="2">
-            <a:schemeClr val="accent5"/>
-          </a:lnRef>
-          <a:fillRef idx="1">
-            <a:schemeClr val="lt1"/>
-          </a:fillRef>
-          <a:effectRef idx="0">
-            <a:schemeClr val="accent5"/>
-          </a:effectRef>
-          <a:fontRef idx="minor">
-            <a:schemeClr val="dk1"/>
-          </a:fontRef>
-        </p:style>
-        <p:txBody>
-          <a:bodyPr rtlCol="0" anchor="ctr"/>
-          <a:lstStyle/>
-          <a:p>
-            <a:pPr algn="ctr"/>
-            <a:r>
-              <a:rPr lang="ru-RU" dirty="0" smtClean="0">
-                <a:solidFill>
-                  <a:schemeClr val="tx1"/>
-                </a:solidFill>
-              </a:rPr>
-              <a:t>Драйвер</a:t>
-            </a:r>
-          </a:p>
-          <a:p>
-            <a:pPr algn="ctr"/>
-            <a:r>
-              <a:rPr lang="ru-RU" dirty="0" smtClean="0">
-                <a:solidFill>
-                  <a:schemeClr val="tx1"/>
-                </a:solidFill>
-              </a:rPr>
-              <a:t>файловой системы</a:t>
-            </a:r>
-            <a:endParaRPr lang="ru-RU" dirty="0">
-              <a:solidFill>
-                <a:schemeClr val="tx1"/>
-              </a:solidFill>
-            </a:endParaRPr>
-          </a:p>
-        </p:txBody>
-      </p:sp>
-      <p:sp>
-        <p:nvSpPr>
-          <p:cNvPr id="7" name="Прямоугольник 6"/>
-          <p:cNvSpPr/>
-          <p:nvPr/>
-        </p:nvSpPr>
-        <p:spPr>
-          <a:xfrm>
-            <a:off x="1918451" y="4657778"/>
-            <a:ext cx="2029166" cy="633645"/>
-          </a:xfrm>
-          <a:prstGeom prst="rect">
-            <a:avLst/>
-          </a:prstGeom>
-          <a:ln w="28575"/>
-        </p:spPr>
-        <p:style>
-          <a:lnRef idx="2">
-            <a:schemeClr val="accent5"/>
-          </a:lnRef>
-          <a:fillRef idx="1">
-            <a:schemeClr val="lt1"/>
-          </a:fillRef>
-          <a:effectRef idx="0">
-            <a:schemeClr val="accent5"/>
-          </a:effectRef>
-          <a:fontRef idx="minor">
-            <a:schemeClr val="dk1"/>
-          </a:fontRef>
-        </p:style>
-        <p:txBody>
-          <a:bodyPr rtlCol="0" anchor="ctr"/>
-          <a:lstStyle/>
-          <a:p>
-            <a:pPr algn="ctr"/>
-            <a:r>
-              <a:rPr lang="ru-RU" dirty="0" smtClean="0">
-                <a:solidFill>
-                  <a:schemeClr val="tx1"/>
-                </a:solidFill>
-              </a:rPr>
-              <a:t>Драйвер устройства</a:t>
-            </a:r>
-            <a:endParaRPr lang="ru-RU" dirty="0">
-              <a:solidFill>
-                <a:schemeClr val="tx1"/>
-              </a:solidFill>
-            </a:endParaRPr>
-          </a:p>
-        </p:txBody>
-      </p:sp>
-      <p:pic>
-        <p:nvPicPr>
-          <p:cNvPr id="1028" name="Picture 4" descr="http://kerneldrivers.com/wp-content/uploads/2014/04/icon-file.png"/>
-          <p:cNvPicPr>
-            <a:picLocks noChangeAspect="1" noChangeArrowheads="1"/>
-          </p:cNvPicPr>
-          <p:nvPr/>
-        </p:nvPicPr>
-        <p:blipFill>
-          <a:blip r:embed="rId3">
-            <a:duotone>
-              <a:schemeClr val="accent5">
-                <a:shade val="45000"/>
-                <a:satMod val="135000"/>
-              </a:schemeClr>
-              <a:prstClr val="white"/>
-            </a:duotone>
-            <a:extLst>
-              <a:ext uri="{28A0092B-C50C-407E-A947-70E740481C1C}">
-                <a14:useLocalDpi xmlns:a14="http://schemas.microsoft.com/office/drawing/2010/main" val="0"/>
-              </a:ext>
-            </a:extLst>
-          </a:blip>
-          <a:srcRect/>
-          <a:stretch>
-            <a:fillRect/>
-          </a:stretch>
-        </p:blipFill>
-        <p:spPr bwMode="auto">
-          <a:xfrm>
-            <a:off x="355940" y="1647322"/>
-            <a:ext cx="1020679" cy="1020679"/>
-          </a:xfrm>
-          <a:prstGeom prst="rect">
-            <a:avLst/>
-          </a:prstGeom>
-          <a:noFill/>
-          <a:extLst>
-            <a:ext uri="{909E8E84-426E-40DD-AFC4-6F175D3DCCD1}">
-              <a14:hiddenFill xmlns:a14="http://schemas.microsoft.com/office/drawing/2010/main">
-                <a:solidFill>
-                  <a:srgbClr val="FFFFFF"/>
-                </a:solidFill>
-              </a14:hiddenFill>
-            </a:ext>
-          </a:extLst>
-        </p:spPr>
-      </p:pic>
-      <p:pic>
-        <p:nvPicPr>
-          <p:cNvPr id="1032" name="Picture 8" descr="http://freeiconbox.com/icon/256/40097.png"/>
-          <p:cNvPicPr>
-            <a:picLocks noChangeAspect="1" noChangeArrowheads="1"/>
-          </p:cNvPicPr>
-          <p:nvPr/>
-        </p:nvPicPr>
-        <p:blipFill rotWithShape="1">
-          <a:blip r:embed="rId4">
-            <a:duotone>
-              <a:schemeClr val="accent5">
-                <a:shade val="45000"/>
-                <a:satMod val="135000"/>
-              </a:schemeClr>
-              <a:prstClr val="white"/>
-            </a:duotone>
-            <a:extLst>
-              <a:ext uri="{28A0092B-C50C-407E-A947-70E740481C1C}">
-                <a14:useLocalDpi xmlns:a14="http://schemas.microsoft.com/office/drawing/2010/main" val="0"/>
-              </a:ext>
-            </a:extLst>
-          </a:blip>
-          <a:srcRect l="28438" t="21939" r="28303" b="21817"/>
-          <a:stretch/>
-        </p:blipFill>
-        <p:spPr bwMode="auto">
-          <a:xfrm>
-            <a:off x="2575112" y="5701556"/>
-            <a:ext cx="726141" cy="948019"/>
-          </a:xfrm>
-          <a:prstGeom prst="rect">
-            <a:avLst/>
-          </a:prstGeom>
-          <a:noFill/>
-          <a:extLst>
-            <a:ext uri="{909E8E84-426E-40DD-AFC4-6F175D3DCCD1}">
-              <a14:hiddenFill xmlns:a14="http://schemas.microsoft.com/office/drawing/2010/main">
-                <a:solidFill>
-                  <a:srgbClr val="FFFFFF"/>
-                </a:solidFill>
-              </a14:hiddenFill>
-            </a:ext>
-          </a:extLst>
-        </p:spPr>
-      </p:pic>
-      <p:sp>
-        <p:nvSpPr>
-          <p:cNvPr id="16" name="Прямоугольник 15"/>
-          <p:cNvSpPr/>
-          <p:nvPr/>
-        </p:nvSpPr>
-        <p:spPr>
-          <a:xfrm>
-            <a:off x="5909983" y="6299610"/>
-            <a:ext cx="5153721" cy="337637"/>
-          </a:xfrm>
-          <a:prstGeom prst="rect">
-            <a:avLst/>
-          </a:prstGeom>
-          <a:noFill/>
-          <a:ln w="19050">
-            <a:solidFill>
-              <a:srgbClr val="FFC000"/>
-            </a:solidFill>
-            <a:prstDash val="dash"/>
-          </a:ln>
-        </p:spPr>
-        <p:style>
-          <a:lnRef idx="2">
-            <a:schemeClr val="accent1">
-              <a:shade val="50000"/>
-            </a:schemeClr>
-          </a:lnRef>
-          <a:fillRef idx="1">
-            <a:schemeClr val="accent1"/>
-          </a:fillRef>
-          <a:effectRef idx="0">
-            <a:schemeClr val="accent1"/>
-          </a:effectRef>
-          <a:fontRef idx="minor">
-            <a:schemeClr val="lt1"/>
-          </a:fontRef>
-        </p:style>
-        <p:txBody>
-          <a:bodyPr rtlCol="0" anchor="ctr"/>
-          <a:lstStyle/>
-          <a:p>
-            <a:pPr algn="ctr"/>
-            <a:r>
-              <a:rPr lang="ru-RU" b="1" dirty="0" smtClean="0">
-                <a:solidFill>
-                  <a:schemeClr val="tx1"/>
-                </a:solidFill>
-              </a:rPr>
-              <a:t>Реализация окружения </a:t>
-            </a:r>
-            <a:r>
-              <a:rPr lang="en-US" b="1" dirty="0" smtClean="0">
-                <a:solidFill>
-                  <a:schemeClr val="tx1"/>
-                </a:solidFill>
-              </a:rPr>
-              <a:t>Linux</a:t>
-            </a:r>
-            <a:r>
-              <a:rPr lang="ru-RU" b="1" dirty="0" smtClean="0">
-                <a:solidFill>
-                  <a:schemeClr val="tx1"/>
-                </a:solidFill>
-              </a:rPr>
-              <a:t> в </a:t>
-            </a:r>
-            <a:r>
-              <a:rPr lang="en-US" b="1" dirty="0" smtClean="0">
-                <a:solidFill>
-                  <a:schemeClr val="tx1"/>
-                </a:solidFill>
-              </a:rPr>
-              <a:t>Windows</a:t>
-            </a:r>
-            <a:endParaRPr lang="ru-RU" b="1" dirty="0">
-              <a:solidFill>
-                <a:schemeClr val="tx1"/>
-              </a:solidFill>
-            </a:endParaRPr>
-          </a:p>
-        </p:txBody>
-      </p:sp>
-      <p:sp>
-        <p:nvSpPr>
-          <p:cNvPr id="18" name="Прямоугольник 17"/>
-          <p:cNvSpPr/>
-          <p:nvPr/>
-        </p:nvSpPr>
-        <p:spPr>
-          <a:xfrm>
-            <a:off x="5909983" y="3983716"/>
-            <a:ext cx="5153718" cy="386125"/>
-          </a:xfrm>
-          <a:prstGeom prst="rect">
-            <a:avLst/>
-          </a:prstGeom>
-          <a:ln w="19050">
-            <a:prstDash val="dash"/>
-          </a:ln>
-        </p:spPr>
-        <p:style>
-          <a:lnRef idx="2">
-            <a:schemeClr val="accent5"/>
-          </a:lnRef>
-          <a:fillRef idx="1">
-            <a:schemeClr val="lt1"/>
-          </a:fillRef>
-          <a:effectRef idx="0">
-            <a:schemeClr val="accent5"/>
-          </a:effectRef>
-          <a:fontRef idx="minor">
-            <a:schemeClr val="dk1"/>
-          </a:fontRef>
-        </p:style>
-        <p:txBody>
-          <a:bodyPr rtlCol="0" anchor="ctr"/>
-          <a:lstStyle/>
-          <a:p>
-            <a:pPr algn="ctr"/>
-            <a:r>
-              <a:rPr lang="en-US" b="1" dirty="0" smtClean="0">
-                <a:solidFill>
-                  <a:schemeClr val="tx1"/>
-                </a:solidFill>
-              </a:rPr>
-              <a:t>N </a:t>
-            </a:r>
-            <a:r>
-              <a:rPr lang="ru-RU" b="1" dirty="0" smtClean="0">
-                <a:solidFill>
-                  <a:schemeClr val="tx1"/>
-                </a:solidFill>
-              </a:rPr>
-              <a:t>файловых систем – в </a:t>
-            </a:r>
-            <a:r>
-              <a:rPr lang="en-US" b="1" dirty="0" smtClean="0">
-                <a:solidFill>
-                  <a:schemeClr val="tx1"/>
-                </a:solidFill>
-              </a:rPr>
-              <a:t>N</a:t>
-            </a:r>
-            <a:r>
-              <a:rPr lang="ru-RU" b="1" dirty="0" smtClean="0">
-                <a:solidFill>
-                  <a:schemeClr val="tx1"/>
-                </a:solidFill>
-              </a:rPr>
-              <a:t> раз больше проблем</a:t>
-            </a:r>
-          </a:p>
-        </p:txBody>
-      </p:sp>
-      <p:cxnSp>
-        <p:nvCxnSpPr>
-          <p:cNvPr id="14" name="Прямая соединительная линия 13"/>
-          <p:cNvCxnSpPr>
-            <a:stCxn id="6" idx="2"/>
-            <a:endCxn id="7" idx="0"/>
-          </p:cNvCxnSpPr>
-          <p:nvPr/>
-        </p:nvCxnSpPr>
-        <p:spPr>
-          <a:xfrm>
-            <a:off x="2933034" y="4231377"/>
-            <a:ext cx="0" cy="426401"/>
-          </a:xfrm>
-          <a:prstGeom prst="line">
-            <a:avLst/>
-          </a:prstGeom>
-          <a:ln w="19050">
-            <a:headEnd type="triangle" w="med" len="med"/>
-            <a:tailEnd type="triangle" w="med" len="med"/>
-          </a:ln>
-        </p:spPr>
-        <p:style>
-          <a:lnRef idx="1">
-            <a:schemeClr val="accent1"/>
-          </a:lnRef>
-          <a:fillRef idx="0">
-            <a:schemeClr val="accent1"/>
-          </a:fillRef>
-          <a:effectRef idx="0">
-            <a:schemeClr val="accent1"/>
-          </a:effectRef>
-          <a:fontRef idx="minor">
-            <a:schemeClr val="tx1"/>
-          </a:fontRef>
-        </p:style>
-      </p:cxnSp>
-      <p:cxnSp>
-        <p:nvCxnSpPr>
-          <p:cNvPr id="17" name="Прямая соединительная линия 16"/>
-          <p:cNvCxnSpPr>
-            <a:stCxn id="5" idx="2"/>
-            <a:endCxn id="6" idx="0"/>
-          </p:cNvCxnSpPr>
-          <p:nvPr/>
-        </p:nvCxnSpPr>
-        <p:spPr>
-          <a:xfrm flipH="1">
-            <a:off x="2933034" y="2395620"/>
-            <a:ext cx="1" cy="980554"/>
-          </a:xfrm>
-          <a:prstGeom prst="line">
-            <a:avLst/>
-          </a:prstGeom>
-          <a:ln w="19050">
-            <a:headEnd type="none" w="med" len="med"/>
-            <a:tailEnd type="triangle" w="med" len="med"/>
-          </a:ln>
-        </p:spPr>
-        <p:style>
-          <a:lnRef idx="1">
-            <a:schemeClr val="accent1"/>
-          </a:lnRef>
-          <a:fillRef idx="0">
-            <a:schemeClr val="accent1"/>
-          </a:fillRef>
-          <a:effectRef idx="0">
-            <a:schemeClr val="accent1"/>
-          </a:effectRef>
-          <a:fontRef idx="minor">
-            <a:schemeClr val="tx1"/>
-          </a:fontRef>
-        </p:style>
-      </p:cxnSp>
-      <p:cxnSp>
-        <p:nvCxnSpPr>
-          <p:cNvPr id="21" name="Прямая соединительная линия 20"/>
-          <p:cNvCxnSpPr>
-            <a:stCxn id="7" idx="2"/>
-            <a:endCxn id="1032" idx="0"/>
-          </p:cNvCxnSpPr>
-          <p:nvPr/>
-        </p:nvCxnSpPr>
-        <p:spPr>
-          <a:xfrm>
-            <a:off x="2933034" y="5291423"/>
-            <a:ext cx="5149" cy="410133"/>
-          </a:xfrm>
-          <a:prstGeom prst="line">
-            <a:avLst/>
-          </a:prstGeom>
-          <a:ln w="19050">
-            <a:headEnd type="triangle" w="med" len="med"/>
-            <a:tailEnd type="triangle" w="med" len="med"/>
-          </a:ln>
-        </p:spPr>
-        <p:style>
-          <a:lnRef idx="1">
-            <a:schemeClr val="accent1"/>
-          </a:lnRef>
-          <a:fillRef idx="0">
-            <a:schemeClr val="accent1"/>
-          </a:fillRef>
-          <a:effectRef idx="0">
-            <a:schemeClr val="accent1"/>
-          </a:effectRef>
-          <a:fontRef idx="minor">
-            <a:schemeClr val="tx1"/>
-          </a:fontRef>
-        </p:style>
-      </p:cxnSp>
-      <p:cxnSp>
-        <p:nvCxnSpPr>
-          <p:cNvPr id="27" name="Соединительная линия уступом 26"/>
-          <p:cNvCxnSpPr>
-            <a:stCxn id="6" idx="1"/>
-            <a:endCxn id="1028" idx="2"/>
-          </p:cNvCxnSpPr>
-          <p:nvPr/>
-        </p:nvCxnSpPr>
-        <p:spPr>
-          <a:xfrm rot="10800000">
-            <a:off x="866280" y="2668002"/>
-            <a:ext cx="984936" cy="1135775"/>
-          </a:xfrm>
-          <a:prstGeom prst="bentConnector2">
-            <a:avLst/>
-          </a:prstGeom>
-          <a:ln w="19050">
-            <a:prstDash val="dash"/>
-            <a:tailEnd type="triangle"/>
-          </a:ln>
-        </p:spPr>
-        <p:style>
-          <a:lnRef idx="1">
-            <a:schemeClr val="accent1"/>
-          </a:lnRef>
-          <a:fillRef idx="0">
-            <a:schemeClr val="accent1"/>
-          </a:fillRef>
-          <a:effectRef idx="0">
-            <a:schemeClr val="accent1"/>
-          </a:effectRef>
-          <a:fontRef idx="minor">
-            <a:schemeClr val="tx1"/>
-          </a:fontRef>
-        </p:style>
-      </p:cxnSp>
-      <p:cxnSp>
-        <p:nvCxnSpPr>
-          <p:cNvPr id="29" name="Прямая со стрелкой 28"/>
-          <p:cNvCxnSpPr>
-            <a:stCxn id="1028" idx="3"/>
-            <a:endCxn id="5" idx="1"/>
-          </p:cNvCxnSpPr>
-          <p:nvPr/>
-        </p:nvCxnSpPr>
-        <p:spPr>
-          <a:xfrm>
-            <a:off x="1376619" y="2157662"/>
-            <a:ext cx="682121" cy="1"/>
-          </a:xfrm>
-          <a:prstGeom prst="straightConnector1">
-            <a:avLst/>
-          </a:prstGeom>
-          <a:ln w="19050">
-            <a:prstDash val="dash"/>
-            <a:tailEnd type="triangle"/>
-          </a:ln>
-        </p:spPr>
-        <p:style>
-          <a:lnRef idx="1">
-            <a:schemeClr val="accent1"/>
-          </a:lnRef>
-          <a:fillRef idx="0">
-            <a:schemeClr val="accent1"/>
-          </a:fillRef>
-          <a:effectRef idx="0">
-            <a:schemeClr val="accent1"/>
-          </a:effectRef>
-          <a:fontRef idx="minor">
-            <a:schemeClr val="tx1"/>
-          </a:fontRef>
-        </p:style>
-      </p:cxnSp>
-      <p:sp>
-        <p:nvSpPr>
-          <p:cNvPr id="13" name="Прямоугольник 12"/>
-          <p:cNvSpPr/>
-          <p:nvPr/>
-        </p:nvSpPr>
-        <p:spPr>
-          <a:xfrm>
-            <a:off x="5909983" y="5049375"/>
-            <a:ext cx="5153722" cy="1107317"/>
-          </a:xfrm>
-          <a:prstGeom prst="rect">
-            <a:avLst/>
-          </a:prstGeom>
-          <a:ln w="19050">
-            <a:prstDash val="dash"/>
-          </a:ln>
-        </p:spPr>
-        <p:style>
-          <a:lnRef idx="2">
-            <a:schemeClr val="accent4"/>
-          </a:lnRef>
-          <a:fillRef idx="1">
-            <a:schemeClr val="lt1"/>
-          </a:fillRef>
-          <a:effectRef idx="0">
-            <a:schemeClr val="accent4"/>
-          </a:effectRef>
-          <a:fontRef idx="minor">
-            <a:schemeClr val="dk1"/>
-          </a:fontRef>
-        </p:style>
-        <p:txBody>
-          <a:bodyPr rtlCol="0" anchor="ctr"/>
-          <a:lstStyle/>
-          <a:p>
-            <a:r>
-              <a:rPr lang="ru-RU" dirty="0" smtClean="0">
-                <a:solidFill>
-                  <a:schemeClr val="tx1"/>
-                </a:solidFill>
-              </a:rPr>
-              <a:t>Высокая надежность, эффективность</a:t>
-            </a:r>
-          </a:p>
-          <a:p>
-            <a:r>
-              <a:rPr lang="ru-RU" dirty="0" smtClean="0">
-                <a:solidFill>
-                  <a:schemeClr val="tx1"/>
-                </a:solidFill>
-              </a:rPr>
-              <a:t>Полный доступ к файловой системе</a:t>
-            </a:r>
-          </a:p>
-          <a:p>
-            <a:r>
-              <a:rPr lang="ru-RU" dirty="0" smtClean="0">
-                <a:solidFill>
-                  <a:schemeClr val="tx1"/>
-                </a:solidFill>
-              </a:rPr>
-              <a:t>Поддержка всех файловых систем</a:t>
-            </a:r>
-          </a:p>
-          <a:p>
-            <a:r>
-              <a:rPr lang="ru-RU" dirty="0" smtClean="0">
-                <a:solidFill>
-                  <a:schemeClr val="tx1"/>
-                </a:solidFill>
-              </a:rPr>
-              <a:t>Разработка и тестирование </a:t>
-            </a:r>
-            <a:r>
-              <a:rPr lang="en-US" dirty="0" smtClean="0">
-                <a:solidFill>
-                  <a:schemeClr val="tx1"/>
-                </a:solidFill>
-              </a:rPr>
-              <a:t>Linux</a:t>
-            </a:r>
-            <a:r>
-              <a:rPr lang="ru-RU" dirty="0" smtClean="0">
-                <a:solidFill>
-                  <a:schemeClr val="tx1"/>
-                </a:solidFill>
-              </a:rPr>
-              <a:t>-сообществом</a:t>
-            </a:r>
-            <a:endParaRPr lang="ru-RU" dirty="0">
-              <a:solidFill>
-                <a:schemeClr val="tx1"/>
-              </a:solidFill>
-            </a:endParaRPr>
-          </a:p>
-        </p:txBody>
-      </p:sp>
-      <p:sp>
-        <p:nvSpPr>
-          <p:cNvPr id="36" name="Прямоугольник 35"/>
-          <p:cNvSpPr/>
-          <p:nvPr/>
-        </p:nvSpPr>
-        <p:spPr>
-          <a:xfrm>
-            <a:off x="5909983" y="4615557"/>
-            <a:ext cx="5153718" cy="386125"/>
-          </a:xfrm>
-          <a:prstGeom prst="rect">
-            <a:avLst/>
-          </a:prstGeom>
-          <a:noFill/>
-          <a:ln>
-            <a:noFill/>
-          </a:ln>
-        </p:spPr>
-        <p:style>
-          <a:lnRef idx="2">
-            <a:schemeClr val="accent1">
-              <a:shade val="50000"/>
-            </a:schemeClr>
-          </a:lnRef>
-          <a:fillRef idx="1">
-            <a:schemeClr val="accent1"/>
-          </a:fillRef>
-          <a:effectRef idx="0">
-            <a:schemeClr val="accent1"/>
-          </a:effectRef>
-          <a:fontRef idx="minor">
-            <a:schemeClr val="lt1"/>
-          </a:fontRef>
-        </p:style>
-        <p:txBody>
-          <a:bodyPr rtlCol="0" anchor="ctr"/>
-          <a:lstStyle/>
-          <a:p>
-            <a:r>
-              <a:rPr lang="ru-RU" sz="2000" b="1" dirty="0" err="1" smtClean="0">
-                <a:solidFill>
-                  <a:schemeClr val="accent4"/>
-                </a:solidFill>
-              </a:rPr>
-              <a:t>Нативные</a:t>
-            </a:r>
-            <a:r>
-              <a:rPr lang="ru-RU" sz="2000" b="1" dirty="0" smtClean="0">
-                <a:solidFill>
-                  <a:schemeClr val="accent4"/>
-                </a:solidFill>
-              </a:rPr>
-              <a:t> </a:t>
-            </a:r>
-            <a:r>
-              <a:rPr lang="en-US" sz="2000" b="1" dirty="0" smtClean="0">
-                <a:solidFill>
-                  <a:schemeClr val="accent4"/>
-                </a:solidFill>
-              </a:rPr>
-              <a:t>Linux</a:t>
-            </a:r>
-            <a:r>
-              <a:rPr lang="ru-RU" sz="2000" b="1" dirty="0" smtClean="0">
-                <a:solidFill>
-                  <a:schemeClr val="accent4"/>
-                </a:solidFill>
-              </a:rPr>
-              <a:t>-драйвера</a:t>
-            </a:r>
-          </a:p>
-        </p:txBody>
-      </p:sp>
-      <p:sp>
-        <p:nvSpPr>
-          <p:cNvPr id="37" name="Прямоугольник 36"/>
-          <p:cNvSpPr/>
-          <p:nvPr/>
-        </p:nvSpPr>
-        <p:spPr>
-          <a:xfrm>
-            <a:off x="5909983" y="1554343"/>
-            <a:ext cx="5153718" cy="386125"/>
-          </a:xfrm>
-          <a:prstGeom prst="rect">
-            <a:avLst/>
-          </a:prstGeom>
-          <a:noFill/>
-          <a:ln>
-            <a:noFill/>
-          </a:ln>
-        </p:spPr>
-        <p:style>
-          <a:lnRef idx="2">
-            <a:schemeClr val="accent1">
-              <a:shade val="50000"/>
-            </a:schemeClr>
-          </a:lnRef>
-          <a:fillRef idx="1">
-            <a:schemeClr val="accent1"/>
-          </a:fillRef>
-          <a:effectRef idx="0">
-            <a:schemeClr val="accent1"/>
-          </a:effectRef>
-          <a:fontRef idx="minor">
-            <a:schemeClr val="lt1"/>
-          </a:fontRef>
-        </p:style>
-        <p:txBody>
-          <a:bodyPr rtlCol="0" anchor="ctr"/>
-          <a:lstStyle/>
-          <a:p>
-            <a:r>
-              <a:rPr lang="ru-RU" sz="2000" b="1" dirty="0" err="1" smtClean="0">
-                <a:solidFill>
-                  <a:srgbClr val="1580D0"/>
-                </a:solidFill>
-              </a:rPr>
-              <a:t>Портированные</a:t>
-            </a:r>
-            <a:r>
-              <a:rPr lang="ru-RU" sz="2000" b="1" dirty="0" smtClean="0">
-                <a:solidFill>
-                  <a:srgbClr val="1580D0"/>
-                </a:solidFill>
-              </a:rPr>
-              <a:t> </a:t>
-            </a:r>
-            <a:r>
-              <a:rPr lang="en-US" sz="2000" b="1" dirty="0" smtClean="0">
-                <a:solidFill>
-                  <a:srgbClr val="1580D0"/>
-                </a:solidFill>
-              </a:rPr>
-              <a:t>Windows</a:t>
-            </a:r>
-            <a:r>
-              <a:rPr lang="ru-RU" sz="2000" b="1" dirty="0" smtClean="0">
-                <a:solidFill>
-                  <a:srgbClr val="1580D0"/>
-                </a:solidFill>
-              </a:rPr>
-              <a:t>-драйвера</a:t>
-            </a:r>
-          </a:p>
-        </p:txBody>
-      </p:sp>
-      <p:grpSp>
-        <p:nvGrpSpPr>
-          <p:cNvPr id="32" name="Группа 31"/>
-          <p:cNvGrpSpPr/>
-          <p:nvPr/>
-        </p:nvGrpSpPr>
-        <p:grpSpPr>
-          <a:xfrm>
-            <a:off x="5909983" y="1889467"/>
-            <a:ext cx="5153720" cy="953112"/>
-            <a:chOff x="5909983" y="2131525"/>
-            <a:chExt cx="5153720" cy="953112"/>
-          </a:xfrm>
-        </p:grpSpPr>
-        <p:sp>
-          <p:nvSpPr>
-            <p:cNvPr id="12" name="Прямоугольник 11"/>
-            <p:cNvSpPr/>
-            <p:nvPr/>
-          </p:nvSpPr>
-          <p:spPr>
-            <a:xfrm>
-              <a:off x="5909983" y="2467629"/>
-              <a:ext cx="5153720" cy="617008"/>
-            </a:xfrm>
-            <a:prstGeom prst="rect">
-              <a:avLst/>
-            </a:prstGeom>
-            <a:ln w="19050">
-              <a:prstDash val="dash"/>
-            </a:ln>
-          </p:spPr>
-          <p:style>
-            <a:lnRef idx="2">
-              <a:schemeClr val="accent5"/>
-            </a:lnRef>
-            <a:fillRef idx="1">
-              <a:schemeClr val="lt1"/>
-            </a:fillRef>
-            <a:effectRef idx="0">
-              <a:schemeClr val="accent5"/>
-            </a:effectRef>
-            <a:fontRef idx="minor">
-              <a:schemeClr val="dk1"/>
-            </a:fontRef>
-          </p:style>
-          <p:txBody>
-            <a:bodyPr rtlCol="0" anchor="ctr"/>
-            <a:lstStyle/>
-            <a:p>
-              <a:r>
-                <a:rPr lang="ru-RU" dirty="0" smtClean="0">
-                  <a:solidFill>
-                    <a:schemeClr val="tx1"/>
-                  </a:solidFill>
-                </a:rPr>
-                <a:t>Высокая сложность разработки</a:t>
-              </a:r>
-            </a:p>
-            <a:p>
-              <a:r>
-                <a:rPr lang="ru-RU" dirty="0" smtClean="0">
-                  <a:solidFill>
-                    <a:schemeClr val="tx1"/>
-                  </a:solidFill>
-                </a:rPr>
-                <a:t>Затраты на тестирование</a:t>
-              </a:r>
-            </a:p>
-          </p:txBody>
-        </p:sp>
-        <p:sp>
-          <p:nvSpPr>
-            <p:cNvPr id="38" name="Прямоугольник 37"/>
-            <p:cNvSpPr/>
-            <p:nvPr/>
-          </p:nvSpPr>
-          <p:spPr>
-            <a:xfrm>
-              <a:off x="5909983" y="2131525"/>
-              <a:ext cx="5153718" cy="386125"/>
-            </a:xfrm>
-            <a:prstGeom prst="rect">
-              <a:avLst/>
-            </a:prstGeom>
-            <a:noFill/>
-            <a:ln>
-              <a:noFill/>
-            </a:ln>
-          </p:spPr>
-          <p:style>
-            <a:lnRef idx="2">
-              <a:schemeClr val="accent1">
-                <a:shade val="50000"/>
-              </a:schemeClr>
-            </a:lnRef>
-            <a:fillRef idx="1">
-              <a:schemeClr val="accent1"/>
-            </a:fillRef>
-            <a:effectRef idx="0">
-              <a:schemeClr val="accent1"/>
-            </a:effectRef>
-            <a:fontRef idx="minor">
-              <a:schemeClr val="lt1"/>
-            </a:fontRef>
-          </p:style>
-          <p:txBody>
-            <a:bodyPr rtlCol="0" anchor="ctr"/>
-            <a:lstStyle/>
-            <a:p>
-              <a:r>
-                <a:rPr lang="ru-RU" i="1" dirty="0" smtClean="0">
-                  <a:solidFill>
-                    <a:srgbClr val="1580D0"/>
-                  </a:solidFill>
-                </a:rPr>
-                <a:t>Реализация драйвера «с нуля»</a:t>
-              </a:r>
-            </a:p>
-          </p:txBody>
-        </p:sp>
-      </p:grpSp>
-      <p:grpSp>
-        <p:nvGrpSpPr>
-          <p:cNvPr id="33" name="Группа 32"/>
-          <p:cNvGrpSpPr/>
-          <p:nvPr/>
-        </p:nvGrpSpPr>
-        <p:grpSpPr>
-          <a:xfrm>
-            <a:off x="5909983" y="2894658"/>
+            <a:off x="5909983" y="2738544"/>
             <a:ext cx="5153719" cy="946262"/>
             <a:chOff x="5909983" y="3076200"/>
             <a:chExt cx="5153719" cy="946262"/>
@@ -10961,6 +10046,44 @@
           </a:p>
         </p:txBody>
       </p:sp>
+      <p:cxnSp>
+        <p:nvCxnSpPr>
+          <p:cNvPr id="34" name="Соединительная линия уступом 33"/>
+          <p:cNvCxnSpPr>
+            <a:stCxn id="5" idx="1"/>
+            <a:endCxn id="1028" idx="0"/>
+          </p:cNvCxnSpPr>
+          <p:nvPr/>
+        </p:nvCxnSpPr>
+        <p:spPr>
+          <a:xfrm rot="10800000" flipV="1">
+            <a:off x="722478" y="2157662"/>
+            <a:ext cx="1336262" cy="1191499"/>
+          </a:xfrm>
+          <a:prstGeom prst="bentConnector2">
+            <a:avLst/>
+          </a:prstGeom>
+          <a:ln w="19050">
+            <a:prstDash val="dash"/>
+            <a:headEnd type="triangle" w="med" len="med"/>
+            <a:tailEnd type="triangle" w="med" len="med"/>
+          </a:ln>
+        </p:spPr>
+        <p:style>
+          <a:lnRef idx="1">
+            <a:schemeClr val="accent1"/>
+          </a:lnRef>
+          <a:fillRef idx="0">
+            <a:schemeClr val="accent1"/>
+          </a:fillRef>
+          <a:effectRef idx="0">
+            <a:schemeClr val="accent1"/>
+          </a:effectRef>
+          <a:fontRef idx="minor">
+            <a:schemeClr val="tx1"/>
+          </a:fontRef>
+        </p:style>
+      </p:cxnSp>
     </p:spTree>
     <p:extLst>
       <p:ext uri="{BB962C8B-B14F-4D97-AF65-F5344CB8AC3E}">
@@ -10981,7 +10104,7 @@
 </p:sld>
 </file>
 
-<file path=ppt/slides/slide7.xml><?xml version="1.0" encoding="utf-8"?>
+<file path=ppt/slides/slide5.xml><?xml version="1.0" encoding="utf-8"?>
 <p:sld xmlns:a="http://schemas.openxmlformats.org/drawingml/2006/main" xmlns:r="http://schemas.openxmlformats.org/officeDocument/2006/relationships" xmlns:p="http://schemas.openxmlformats.org/presentationml/2006/main">
   <p:cSld>
     <p:spTree>
@@ -11258,7 +10381,7 @@
           <a:p>
             <a:fld id="{7E7C1622-4091-4E7B-99B0-4C976627CE55}" type="slidenum">
               <a:rPr lang="ru-RU" smtClean="0"/>
-              <a:t>7</a:t>
+              <a:t>5</a:t>
             </a:fld>
             <a:endParaRPr lang="ru-RU"/>
           </a:p>
@@ -11466,7 +10589,7 @@
                     <a:schemeClr val="tx1"/>
                   </a:solidFill>
                 </a:rPr>
-                <a:t>Библиотека </a:t>
+                <a:t>Библиотека (</a:t>
               </a:r>
               <a:r>
                 <a:rPr lang="en-US" dirty="0" smtClean="0">
@@ -11475,6 +10598,14 @@
                   </a:solidFill>
                 </a:rPr>
                 <a:t>DLL</a:t>
+              </a:r>
+              <a:r>
+                <a:rPr lang="ru-RU" dirty="0" smtClean="0">
+                  <a:solidFill>
+                    <a:schemeClr val="tx1"/>
+                  </a:solidFill>
+                </a:rPr>
+                <a:t>)</a:t>
               </a:r>
               <a:endParaRPr lang="ru-RU" dirty="0">
                 <a:solidFill>
@@ -11574,7 +10705,7 @@
                   <a:schemeClr val="tx1"/>
                 </a:solidFill>
               </a:rPr>
-              <a:t>Драйвера</a:t>
+              <a:t>Драйверы</a:t>
             </a:r>
             <a:endParaRPr lang="ru-RU" dirty="0">
               <a:solidFill>
@@ -11954,7 +11085,7 @@
 </p:sld>
 </file>
 
-<file path=ppt/slides/slide8.xml><?xml version="1.0" encoding="utf-8"?>
+<file path=ppt/slides/slide6.xml><?xml version="1.0" encoding="utf-8"?>
 <p:sld xmlns:a="http://schemas.openxmlformats.org/drawingml/2006/main" xmlns:r="http://schemas.openxmlformats.org/officeDocument/2006/relationships" xmlns:p="http://schemas.openxmlformats.org/presentationml/2006/main">
   <p:cSld>
     <p:spTree>
@@ -12146,7 +11277,7 @@
           <a:p>
             <a:fld id="{7E7C1622-4091-4E7B-99B0-4C976627CE55}" type="slidenum">
               <a:rPr lang="ru-RU" smtClean="0"/>
-              <a:t>8</a:t>
+              <a:t>6</a:t>
             </a:fld>
             <a:endParaRPr lang="ru-RU"/>
           </a:p>
@@ -12213,7 +11344,7 @@
 </p:sld>
 </file>
 
-<file path=ppt/slides/slide9.xml><?xml version="1.0" encoding="utf-8"?>
+<file path=ppt/slides/slide7.xml><?xml version="1.0" encoding="utf-8"?>
 <p:sld xmlns:a="http://schemas.openxmlformats.org/drawingml/2006/main" xmlns:r="http://schemas.openxmlformats.org/officeDocument/2006/relationships" xmlns:p="http://schemas.openxmlformats.org/presentationml/2006/main">
   <p:cSld>
     <p:spTree>
@@ -12517,7 +11648,7 @@
                   <a:schemeClr val="tx1"/>
                 </a:solidFill>
               </a:rPr>
-              <a:t>Драйвера</a:t>
+              <a:t>Драйверы</a:t>
             </a:r>
             <a:endParaRPr lang="ru-RU" dirty="0">
               <a:solidFill>
@@ -12936,7 +12067,7 @@
           <a:p>
             <a:fld id="{7E7C1622-4091-4E7B-99B0-4C976627CE55}" type="slidenum">
               <a:rPr lang="ru-RU" smtClean="0"/>
-              <a:t>9</a:t>
+              <a:t>7</a:t>
             </a:fld>
             <a:endParaRPr lang="ru-RU"/>
           </a:p>
@@ -13488,6 +12619,1595 @@
     <p:extLst>
       <p:ext uri="{BB962C8B-B14F-4D97-AF65-F5344CB8AC3E}">
         <p14:creationId xmlns:p14="http://schemas.microsoft.com/office/powerpoint/2010/main" val="2885591527"/>
+      </p:ext>
+    </p:extLst>
+  </p:cSld>
+  <p:clrMapOvr>
+    <a:masterClrMapping/>
+  </p:clrMapOvr>
+  <p:timing>
+    <p:tnLst>
+      <p:par>
+        <p:cTn id="1" dur="indefinite" restart="never" nodeType="tmRoot"/>
+      </p:par>
+    </p:tnLst>
+  </p:timing>
+</p:sld>
+</file>
+
+<file path=ppt/slides/slide8.xml><?xml version="1.0" encoding="utf-8"?>
+<p:sld xmlns:a="http://schemas.openxmlformats.org/drawingml/2006/main" xmlns:r="http://schemas.openxmlformats.org/officeDocument/2006/relationships" xmlns:p="http://schemas.openxmlformats.org/presentationml/2006/main">
+  <p:cSld>
+    <p:spTree>
+      <p:nvGrpSpPr>
+        <p:cNvPr id="1" name=""/>
+        <p:cNvGrpSpPr/>
+        <p:nvPr/>
+      </p:nvGrpSpPr>
+      <p:grpSpPr>
+        <a:xfrm>
+          <a:off x="0" y="0"/>
+          <a:ext cx="0" cy="0"/>
+          <a:chOff x="0" y="0"/>
+          <a:chExt cx="0" cy="0"/>
+        </a:xfrm>
+      </p:grpSpPr>
+      <p:pic>
+        <p:nvPicPr>
+          <p:cNvPr id="5" name="Picture 4" descr="http://windowsapptutorials.com/wp-content/uploads/2014/12/Windows-8.1.jpg"/>
+          <p:cNvPicPr>
+            <a:picLocks noChangeAspect="1" noChangeArrowheads="1"/>
+          </p:cNvPicPr>
+          <p:nvPr/>
+        </p:nvPicPr>
+        <p:blipFill rotWithShape="1">
+          <a:blip r:embed="rId2">
+            <a:extLst>
+              <a:ext uri="{28A0092B-C50C-407E-A947-70E740481C1C}">
+                <a14:useLocalDpi xmlns:a14="http://schemas.microsoft.com/office/drawing/2010/main" val="0"/>
+              </a:ext>
+            </a:extLst>
+          </a:blip>
+          <a:srcRect l="-426" t="189" r="426" b="72317"/>
+          <a:stretch/>
+        </p:blipFill>
+        <p:spPr bwMode="auto">
+          <a:xfrm rot="10800000">
+            <a:off x="-6720" y="134472"/>
+            <a:ext cx="12265959" cy="1311088"/>
+          </a:xfrm>
+          <a:prstGeom prst="rect">
+            <a:avLst/>
+          </a:prstGeom>
+          <a:noFill/>
+          <a:extLst>
+            <a:ext uri="{909E8E84-426E-40DD-AFC4-6F175D3DCCD1}">
+              <a14:hiddenFill xmlns:a14="http://schemas.microsoft.com/office/drawing/2010/main">
+                <a:solidFill>
+                  <a:srgbClr val="FFFFFF"/>
+                </a:solidFill>
+              </a14:hiddenFill>
+            </a:ext>
+          </a:extLst>
+        </p:spPr>
+      </p:pic>
+      <p:sp>
+        <p:nvSpPr>
+          <p:cNvPr id="2" name="Заголовок 1"/>
+          <p:cNvSpPr>
+            <a:spLocks noGrp="1"/>
+          </p:cNvSpPr>
+          <p:nvPr>
+            <p:ph type="title"/>
+          </p:nvPr>
+        </p:nvSpPr>
+        <p:spPr/>
+        <p:txBody>
+          <a:bodyPr/>
+          <a:lstStyle/>
+          <a:p>
+            <a:r>
+              <a:rPr lang="ru-RU" dirty="0" smtClean="0">
+                <a:solidFill>
+                  <a:schemeClr val="bg1"/>
+                </a:solidFill>
+              </a:rPr>
+              <a:t>Задачи</a:t>
+            </a:r>
+            <a:endParaRPr lang="ru-RU" dirty="0">
+              <a:solidFill>
+                <a:schemeClr val="bg1"/>
+              </a:solidFill>
+            </a:endParaRPr>
+          </a:p>
+        </p:txBody>
+      </p:sp>
+      <p:sp>
+        <p:nvSpPr>
+          <p:cNvPr id="3" name="Объект 2"/>
+          <p:cNvSpPr>
+            <a:spLocks noGrp="1"/>
+          </p:cNvSpPr>
+          <p:nvPr>
+            <p:ph idx="1"/>
+          </p:nvPr>
+        </p:nvSpPr>
+        <p:spPr/>
+        <p:txBody>
+          <a:bodyPr>
+            <a:normAutofit/>
+          </a:bodyPr>
+          <a:lstStyle/>
+          <a:p>
+            <a:pPr>
+              <a:lnSpc>
+                <a:spcPct val="150000"/>
+              </a:lnSpc>
+            </a:pPr>
+            <a:r>
+              <a:rPr lang="ru-RU" dirty="0" smtClean="0"/>
+              <a:t>Выбрать </a:t>
+            </a:r>
+            <a:r>
+              <a:rPr lang="ru-RU" dirty="0" smtClean="0">
+                <a:solidFill>
+                  <a:srgbClr val="1580D0"/>
+                </a:solidFill>
+              </a:rPr>
+              <a:t>виртуальную машину</a:t>
+            </a:r>
+            <a:r>
+              <a:rPr lang="ru-RU" dirty="0" smtClean="0"/>
+              <a:t> для запуска </a:t>
+            </a:r>
+            <a:r>
+              <a:rPr lang="ru-RU" dirty="0" err="1" smtClean="0"/>
+              <a:t>Linux</a:t>
+            </a:r>
+            <a:endParaRPr lang="ru-RU" dirty="0" smtClean="0"/>
+          </a:p>
+          <a:p>
+            <a:pPr>
+              <a:lnSpc>
+                <a:spcPct val="150000"/>
+              </a:lnSpc>
+            </a:pPr>
+            <a:r>
+              <a:rPr lang="ru-RU" dirty="0" err="1" smtClean="0">
+                <a:solidFill>
+                  <a:srgbClr val="1580D0"/>
+                </a:solidFill>
+              </a:rPr>
+              <a:t>Портировать</a:t>
+            </a:r>
+            <a:r>
+              <a:rPr lang="ru-RU" dirty="0" smtClean="0">
+                <a:solidFill>
+                  <a:srgbClr val="1580D0"/>
+                </a:solidFill>
+              </a:rPr>
+              <a:t> </a:t>
+            </a:r>
+            <a:r>
+              <a:rPr lang="ru-RU" dirty="0" smtClean="0"/>
+              <a:t>библиотеку </a:t>
+            </a:r>
+            <a:r>
+              <a:rPr lang="en-US" b="1" dirty="0" err="1" smtClean="0">
+                <a:solidFill>
+                  <a:srgbClr val="1580D0"/>
+                </a:solidFill>
+              </a:rPr>
+              <a:t>libguestfs</a:t>
+            </a:r>
+            <a:r>
+              <a:rPr lang="ru-RU" dirty="0" smtClean="0">
+                <a:solidFill>
+                  <a:srgbClr val="1580D0"/>
+                </a:solidFill>
+              </a:rPr>
+              <a:t> </a:t>
+            </a:r>
+            <a:r>
+              <a:rPr lang="ru-RU" dirty="0" smtClean="0"/>
+              <a:t>для работы в </a:t>
+            </a:r>
+            <a:r>
+              <a:rPr lang="en-US" dirty="0" smtClean="0">
+                <a:solidFill>
+                  <a:srgbClr val="1580D0"/>
+                </a:solidFill>
+              </a:rPr>
+              <a:t>Windows</a:t>
+            </a:r>
+            <a:endParaRPr lang="ru-RU" dirty="0">
+              <a:solidFill>
+                <a:srgbClr val="1580D0"/>
+              </a:solidFill>
+            </a:endParaRPr>
+          </a:p>
+          <a:p>
+            <a:pPr>
+              <a:lnSpc>
+                <a:spcPct val="150000"/>
+              </a:lnSpc>
+            </a:pPr>
+            <a:r>
+              <a:rPr lang="ru-RU" dirty="0" smtClean="0"/>
+              <a:t>Реализовать передачу файлов через </a:t>
+            </a:r>
+            <a:r>
+              <a:rPr lang="ru-RU" dirty="0" smtClean="0">
+                <a:solidFill>
+                  <a:srgbClr val="1580D0"/>
+                </a:solidFill>
+              </a:rPr>
+              <a:t>общую память</a:t>
+            </a:r>
+          </a:p>
+          <a:p>
+            <a:pPr>
+              <a:lnSpc>
+                <a:spcPct val="150000"/>
+              </a:lnSpc>
+            </a:pPr>
+            <a:r>
+              <a:rPr lang="ru-RU" dirty="0" smtClean="0"/>
+              <a:t>Сравнить </a:t>
+            </a:r>
+            <a:r>
+              <a:rPr lang="ru-RU" dirty="0" smtClean="0">
+                <a:solidFill>
+                  <a:srgbClr val="1580D0"/>
+                </a:solidFill>
+              </a:rPr>
+              <a:t>производительность</a:t>
+            </a:r>
+            <a:r>
+              <a:rPr lang="ru-RU" dirty="0" smtClean="0"/>
+              <a:t> работы в </a:t>
+            </a:r>
+            <a:r>
+              <a:rPr lang="en-US" dirty="0" smtClean="0">
+                <a:solidFill>
+                  <a:srgbClr val="1580D0"/>
+                </a:solidFill>
+              </a:rPr>
+              <a:t>Windows</a:t>
+            </a:r>
+            <a:r>
+              <a:rPr lang="ru-RU" dirty="0" smtClean="0">
+                <a:solidFill>
+                  <a:srgbClr val="1580D0"/>
+                </a:solidFill>
+              </a:rPr>
+              <a:t> </a:t>
+            </a:r>
+            <a:r>
+              <a:rPr lang="ru-RU" dirty="0" smtClean="0"/>
+              <a:t>и </a:t>
+            </a:r>
+            <a:r>
+              <a:rPr lang="en-US" dirty="0" smtClean="0">
+                <a:solidFill>
+                  <a:srgbClr val="1580D0"/>
+                </a:solidFill>
+              </a:rPr>
+              <a:t>Linux</a:t>
+            </a:r>
+            <a:endParaRPr lang="ru-RU" dirty="0">
+              <a:solidFill>
+                <a:srgbClr val="1580D0"/>
+              </a:solidFill>
+            </a:endParaRPr>
+          </a:p>
+        </p:txBody>
+      </p:sp>
+      <p:sp>
+        <p:nvSpPr>
+          <p:cNvPr id="4" name="Номер слайда 3"/>
+          <p:cNvSpPr>
+            <a:spLocks noGrp="1"/>
+          </p:cNvSpPr>
+          <p:nvPr>
+            <p:ph type="sldNum" sz="quarter" idx="12"/>
+          </p:nvPr>
+        </p:nvSpPr>
+        <p:spPr/>
+        <p:txBody>
+          <a:bodyPr/>
+          <a:lstStyle/>
+          <a:p>
+            <a:fld id="{7E7C1622-4091-4E7B-99B0-4C976627CE55}" type="slidenum">
+              <a:rPr lang="ru-RU" smtClean="0"/>
+              <a:t>8</a:t>
+            </a:fld>
+            <a:endParaRPr lang="ru-RU"/>
+          </a:p>
+        </p:txBody>
+      </p:sp>
+    </p:spTree>
+    <p:extLst>
+      <p:ext uri="{BB962C8B-B14F-4D97-AF65-F5344CB8AC3E}">
+        <p14:creationId xmlns:p14="http://schemas.microsoft.com/office/powerpoint/2010/main" val="1433485123"/>
+      </p:ext>
+    </p:extLst>
+  </p:cSld>
+  <p:clrMapOvr>
+    <a:masterClrMapping/>
+  </p:clrMapOvr>
+  <p:timing>
+    <p:tnLst>
+      <p:par>
+        <p:cTn id="1" dur="indefinite" restart="never" nodeType="tmRoot"/>
+      </p:par>
+    </p:tnLst>
+  </p:timing>
+</p:sld>
+</file>
+
+<file path=ppt/slides/slide9.xml><?xml version="1.0" encoding="utf-8"?>
+<p:sld xmlns:a="http://schemas.openxmlformats.org/drawingml/2006/main" xmlns:r="http://schemas.openxmlformats.org/officeDocument/2006/relationships" xmlns:p="http://schemas.openxmlformats.org/presentationml/2006/main">
+  <p:cSld>
+    <p:spTree>
+      <p:nvGrpSpPr>
+        <p:cNvPr id="1" name=""/>
+        <p:cNvGrpSpPr/>
+        <p:nvPr/>
+      </p:nvGrpSpPr>
+      <p:grpSpPr>
+        <a:xfrm>
+          <a:off x="0" y="0"/>
+          <a:ext cx="0" cy="0"/>
+          <a:chOff x="0" y="0"/>
+          <a:chExt cx="0" cy="0"/>
+        </a:xfrm>
+      </p:grpSpPr>
+      <p:pic>
+        <p:nvPicPr>
+          <p:cNvPr id="6" name="Picture 4" descr="http://windowsapptutorials.com/wp-content/uploads/2014/12/Windows-8.1.jpg"/>
+          <p:cNvPicPr>
+            <a:picLocks noChangeAspect="1" noChangeArrowheads="1"/>
+          </p:cNvPicPr>
+          <p:nvPr/>
+        </p:nvPicPr>
+        <p:blipFill rotWithShape="1">
+          <a:blip r:embed="rId2">
+            <a:extLst>
+              <a:ext uri="{28A0092B-C50C-407E-A947-70E740481C1C}">
+                <a14:useLocalDpi xmlns:a14="http://schemas.microsoft.com/office/drawing/2010/main" val="0"/>
+              </a:ext>
+            </a:extLst>
+          </a:blip>
+          <a:srcRect l="-426" t="189" r="426" b="72317"/>
+          <a:stretch/>
+        </p:blipFill>
+        <p:spPr bwMode="auto">
+          <a:xfrm rot="10800000">
+            <a:off x="-6720" y="134472"/>
+            <a:ext cx="12265959" cy="1311088"/>
+          </a:xfrm>
+          <a:prstGeom prst="rect">
+            <a:avLst/>
+          </a:prstGeom>
+          <a:noFill/>
+          <a:extLst>
+            <a:ext uri="{909E8E84-426E-40DD-AFC4-6F175D3DCCD1}">
+              <a14:hiddenFill xmlns:a14="http://schemas.microsoft.com/office/drawing/2010/main">
+                <a:solidFill>
+                  <a:srgbClr val="FFFFFF"/>
+                </a:solidFill>
+              </a14:hiddenFill>
+            </a:ext>
+          </a:extLst>
+        </p:spPr>
+      </p:pic>
+      <p:sp>
+        <p:nvSpPr>
+          <p:cNvPr id="2" name="Заголовок 1"/>
+          <p:cNvSpPr>
+            <a:spLocks noGrp="1"/>
+          </p:cNvSpPr>
+          <p:nvPr>
+            <p:ph type="title"/>
+          </p:nvPr>
+        </p:nvSpPr>
+        <p:spPr/>
+        <p:txBody>
+          <a:bodyPr/>
+          <a:lstStyle/>
+          <a:p>
+            <a:r>
+              <a:rPr lang="ru-RU" dirty="0" err="1" smtClean="0">
+                <a:solidFill>
+                  <a:schemeClr val="bg1"/>
+                </a:solidFill>
+              </a:rPr>
+              <a:t>Портирование</a:t>
+            </a:r>
+            <a:r>
+              <a:rPr lang="ru-RU" dirty="0" smtClean="0">
+                <a:solidFill>
+                  <a:schemeClr val="bg1"/>
+                </a:solidFill>
+              </a:rPr>
+              <a:t> </a:t>
+            </a:r>
+            <a:r>
+              <a:rPr lang="en-US" b="1" dirty="0" err="1" smtClean="0">
+                <a:solidFill>
+                  <a:schemeClr val="bg1"/>
+                </a:solidFill>
+              </a:rPr>
+              <a:t>libguestfs</a:t>
+            </a:r>
+            <a:r>
+              <a:rPr lang="en-US" dirty="0" smtClean="0">
+                <a:solidFill>
+                  <a:schemeClr val="bg1"/>
+                </a:solidFill>
+              </a:rPr>
+              <a:t> </a:t>
+            </a:r>
+            <a:r>
+              <a:rPr lang="ru-RU" dirty="0" smtClean="0">
+                <a:solidFill>
+                  <a:schemeClr val="bg1"/>
+                </a:solidFill>
+              </a:rPr>
+              <a:t>на </a:t>
+            </a:r>
+            <a:r>
+              <a:rPr lang="en-US" dirty="0" smtClean="0">
+                <a:solidFill>
+                  <a:schemeClr val="bg1"/>
+                </a:solidFill>
+              </a:rPr>
+              <a:t>Windows</a:t>
+            </a:r>
+            <a:endParaRPr lang="ru-RU" dirty="0">
+              <a:solidFill>
+                <a:schemeClr val="bg1"/>
+              </a:solidFill>
+            </a:endParaRPr>
+          </a:p>
+        </p:txBody>
+      </p:sp>
+      <p:sp>
+        <p:nvSpPr>
+          <p:cNvPr id="4" name="Номер слайда 3"/>
+          <p:cNvSpPr>
+            <a:spLocks noGrp="1"/>
+          </p:cNvSpPr>
+          <p:nvPr>
+            <p:ph type="sldNum" sz="quarter" idx="12"/>
+          </p:nvPr>
+        </p:nvSpPr>
+        <p:spPr/>
+        <p:txBody>
+          <a:bodyPr/>
+          <a:lstStyle/>
+          <a:p>
+            <a:fld id="{7E7C1622-4091-4E7B-99B0-4C976627CE55}" type="slidenum">
+              <a:rPr lang="ru-RU" smtClean="0"/>
+              <a:t>9</a:t>
+            </a:fld>
+            <a:endParaRPr lang="ru-RU"/>
+          </a:p>
+        </p:txBody>
+      </p:sp>
+      <p:sp>
+        <p:nvSpPr>
+          <p:cNvPr id="7" name="Прямоугольник 6"/>
+          <p:cNvSpPr/>
+          <p:nvPr/>
+        </p:nvSpPr>
+        <p:spPr>
+          <a:xfrm>
+            <a:off x="1201165" y="2172093"/>
+            <a:ext cx="1466286" cy="438262"/>
+          </a:xfrm>
+          <a:prstGeom prst="rect">
+            <a:avLst/>
+          </a:prstGeom>
+          <a:ln w="19050"/>
+        </p:spPr>
+        <p:style>
+          <a:lnRef idx="2">
+            <a:schemeClr val="accent5"/>
+          </a:lnRef>
+          <a:fillRef idx="1">
+            <a:schemeClr val="lt1"/>
+          </a:fillRef>
+          <a:effectRef idx="0">
+            <a:schemeClr val="accent5"/>
+          </a:effectRef>
+          <a:fontRef idx="minor">
+            <a:schemeClr val="dk1"/>
+          </a:fontRef>
+        </p:style>
+        <p:txBody>
+          <a:bodyPr rtlCol="0" anchor="ctr"/>
+          <a:lstStyle/>
+          <a:p>
+            <a:pPr algn="ctr"/>
+            <a:r>
+              <a:rPr lang="en-US" b="1" dirty="0" smtClean="0"/>
+              <a:t>Visual C++</a:t>
+            </a:r>
+            <a:endParaRPr lang="ru-RU" b="1" dirty="0"/>
+          </a:p>
+        </p:txBody>
+      </p:sp>
+      <p:sp>
+        <p:nvSpPr>
+          <p:cNvPr id="8" name="Прямоугольник 7"/>
+          <p:cNvSpPr/>
+          <p:nvPr/>
+        </p:nvSpPr>
+        <p:spPr>
+          <a:xfrm>
+            <a:off x="1201165" y="3967643"/>
+            <a:ext cx="1466286" cy="438262"/>
+          </a:xfrm>
+          <a:prstGeom prst="rect">
+            <a:avLst/>
+          </a:prstGeom>
+          <a:ln w="19050"/>
+        </p:spPr>
+        <p:style>
+          <a:lnRef idx="2">
+            <a:schemeClr val="accent5"/>
+          </a:lnRef>
+          <a:fillRef idx="1">
+            <a:schemeClr val="lt1"/>
+          </a:fillRef>
+          <a:effectRef idx="0">
+            <a:schemeClr val="accent5"/>
+          </a:effectRef>
+          <a:fontRef idx="minor">
+            <a:schemeClr val="dk1"/>
+          </a:fontRef>
+        </p:style>
+        <p:txBody>
+          <a:bodyPr rtlCol="0" anchor="ctr"/>
+          <a:lstStyle/>
+          <a:p>
+            <a:pPr algn="ctr"/>
+            <a:r>
+              <a:rPr lang="en-US" b="1" dirty="0" smtClean="0"/>
+              <a:t>Cygwin</a:t>
+            </a:r>
+            <a:endParaRPr lang="ru-RU" b="1" dirty="0"/>
+          </a:p>
+        </p:txBody>
+      </p:sp>
+      <p:sp>
+        <p:nvSpPr>
+          <p:cNvPr id="9" name="Прямоугольник 8"/>
+          <p:cNvSpPr/>
+          <p:nvPr/>
+        </p:nvSpPr>
+        <p:spPr>
+          <a:xfrm>
+            <a:off x="1201165" y="5590502"/>
+            <a:ext cx="1466286" cy="438262"/>
+          </a:xfrm>
+          <a:prstGeom prst="rect">
+            <a:avLst/>
+          </a:prstGeom>
+          <a:ln w="19050"/>
+        </p:spPr>
+        <p:style>
+          <a:lnRef idx="2">
+            <a:schemeClr val="accent5"/>
+          </a:lnRef>
+          <a:fillRef idx="1">
+            <a:schemeClr val="lt1"/>
+          </a:fillRef>
+          <a:effectRef idx="0">
+            <a:schemeClr val="accent5"/>
+          </a:effectRef>
+          <a:fontRef idx="minor">
+            <a:schemeClr val="dk1"/>
+          </a:fontRef>
+        </p:style>
+        <p:txBody>
+          <a:bodyPr rtlCol="0" anchor="ctr"/>
+          <a:lstStyle/>
+          <a:p>
+            <a:pPr algn="ctr"/>
+            <a:r>
+              <a:rPr lang="en-US" b="1" dirty="0" err="1" smtClean="0"/>
+              <a:t>MinGW</a:t>
+            </a:r>
+            <a:endParaRPr lang="ru-RU" b="1" dirty="0"/>
+          </a:p>
+        </p:txBody>
+      </p:sp>
+      <p:sp>
+        <p:nvSpPr>
+          <p:cNvPr id="10" name="Прямоугольник 9"/>
+          <p:cNvSpPr/>
+          <p:nvPr/>
+        </p:nvSpPr>
+        <p:spPr>
+          <a:xfrm>
+            <a:off x="4658570" y="1763872"/>
+            <a:ext cx="6162732" cy="1266092"/>
+          </a:xfrm>
+          <a:prstGeom prst="rect">
+            <a:avLst/>
+          </a:prstGeom>
+          <a:noFill/>
+          <a:ln w="19050">
+            <a:prstDash val="dash"/>
+          </a:ln>
+        </p:spPr>
+        <p:style>
+          <a:lnRef idx="2">
+            <a:schemeClr val="accent1">
+              <a:shade val="50000"/>
+            </a:schemeClr>
+          </a:lnRef>
+          <a:fillRef idx="1">
+            <a:schemeClr val="accent1"/>
+          </a:fillRef>
+          <a:effectRef idx="0">
+            <a:schemeClr val="accent1"/>
+          </a:effectRef>
+          <a:fontRef idx="minor">
+            <a:schemeClr val="lt1"/>
+          </a:fontRef>
+        </p:style>
+        <p:txBody>
+          <a:bodyPr rtlCol="0" anchor="ctr"/>
+          <a:lstStyle/>
+          <a:p>
+            <a:r>
+              <a:rPr lang="ru-RU" dirty="0" smtClean="0">
+                <a:solidFill>
+                  <a:schemeClr val="tx1"/>
+                </a:solidFill>
+              </a:rPr>
+              <a:t>    «Родной» для </a:t>
+            </a:r>
+            <a:r>
+              <a:rPr lang="en-US" dirty="0" smtClean="0">
+                <a:solidFill>
+                  <a:schemeClr val="tx1"/>
+                </a:solidFill>
+              </a:rPr>
+              <a:t>Windows</a:t>
+            </a:r>
+            <a:endParaRPr lang="ru-RU" dirty="0" smtClean="0">
+              <a:solidFill>
+                <a:schemeClr val="tx1"/>
+              </a:solidFill>
+            </a:endParaRPr>
+          </a:p>
+          <a:p>
+            <a:endParaRPr lang="ru-RU" dirty="0">
+              <a:solidFill>
+                <a:schemeClr val="tx1"/>
+              </a:solidFill>
+            </a:endParaRPr>
+          </a:p>
+          <a:p>
+            <a:r>
+              <a:rPr lang="ru-RU" dirty="0">
+                <a:solidFill>
+                  <a:schemeClr val="tx1"/>
+                </a:solidFill>
+              </a:rPr>
+              <a:t> </a:t>
+            </a:r>
+            <a:r>
+              <a:rPr lang="ru-RU" dirty="0" smtClean="0">
+                <a:solidFill>
+                  <a:schemeClr val="tx1"/>
+                </a:solidFill>
+              </a:rPr>
+              <a:t>   </a:t>
+            </a:r>
+            <a:r>
+              <a:rPr lang="ru-RU" dirty="0" smtClean="0">
+                <a:solidFill>
+                  <a:schemeClr val="tx1"/>
+                </a:solidFill>
+              </a:rPr>
+              <a:t>Отсутствие аналогов</a:t>
+            </a:r>
+            <a:r>
+              <a:rPr lang="en-US" dirty="0" smtClean="0">
+                <a:solidFill>
+                  <a:schemeClr val="tx1"/>
+                </a:solidFill>
+              </a:rPr>
+              <a:t> </a:t>
+            </a:r>
+            <a:r>
+              <a:rPr lang="ru-RU" dirty="0" smtClean="0">
+                <a:solidFill>
+                  <a:schemeClr val="tx1"/>
+                </a:solidFill>
+              </a:rPr>
+              <a:t>расширений языка </a:t>
+            </a:r>
+            <a:r>
+              <a:rPr lang="en-US" dirty="0" smtClean="0">
+                <a:solidFill>
+                  <a:schemeClr val="tx1"/>
+                </a:solidFill>
+              </a:rPr>
+              <a:t>C</a:t>
+            </a:r>
+            <a:r>
+              <a:rPr lang="ru-RU" dirty="0" smtClean="0">
+                <a:solidFill>
+                  <a:schemeClr val="tx1"/>
+                </a:solidFill>
+              </a:rPr>
+              <a:t> как в </a:t>
+            </a:r>
+            <a:r>
+              <a:rPr lang="en-US" dirty="0" smtClean="0">
+                <a:solidFill>
+                  <a:schemeClr val="tx1"/>
+                </a:solidFill>
+              </a:rPr>
+              <a:t>GCC</a:t>
+            </a:r>
+            <a:endParaRPr lang="ru-RU" dirty="0" smtClean="0">
+              <a:solidFill>
+                <a:schemeClr val="tx1"/>
+              </a:solidFill>
+            </a:endParaRPr>
+          </a:p>
+          <a:p>
+            <a:pPr>
+              <a:buClr>
+                <a:srgbClr val="FF0000"/>
+              </a:buClr>
+            </a:pPr>
+            <a:r>
+              <a:rPr lang="ru-RU" dirty="0" smtClean="0">
+                <a:solidFill>
+                  <a:schemeClr val="tx1"/>
+                </a:solidFill>
+              </a:rPr>
+              <a:t>    Отсутствие поддержки системы сборки </a:t>
+            </a:r>
+            <a:r>
+              <a:rPr lang="en-US" dirty="0" smtClean="0">
+                <a:solidFill>
+                  <a:schemeClr val="tx1"/>
+                </a:solidFill>
+              </a:rPr>
+              <a:t>GNU</a:t>
+            </a:r>
+            <a:r>
+              <a:rPr lang="ru-RU" dirty="0" smtClean="0">
+                <a:solidFill>
+                  <a:schemeClr val="tx1"/>
+                </a:solidFill>
+              </a:rPr>
+              <a:t> </a:t>
+            </a:r>
+            <a:r>
+              <a:rPr lang="en-US" dirty="0" err="1" smtClean="0">
+                <a:solidFill>
+                  <a:schemeClr val="tx1"/>
+                </a:solidFill>
+              </a:rPr>
+              <a:t>Autotools</a:t>
+            </a:r>
+            <a:endParaRPr lang="ru-RU" dirty="0" smtClean="0">
+              <a:solidFill>
+                <a:schemeClr val="tx1"/>
+              </a:solidFill>
+            </a:endParaRPr>
+          </a:p>
+        </p:txBody>
+      </p:sp>
+      <mc:AlternateContent xmlns:mc="http://schemas.openxmlformats.org/markup-compatibility/2006">
+        <mc:Choice xmlns:a14="http://schemas.microsoft.com/office/drawing/2010/main" Requires="a14">
+          <p:sp>
+            <p:nvSpPr>
+              <p:cNvPr id="12" name="Прямоугольник 11"/>
+              <p:cNvSpPr/>
+              <p:nvPr/>
+            </p:nvSpPr>
+            <p:spPr>
+              <a:xfrm>
+                <a:off x="4658570" y="3439369"/>
+                <a:ext cx="6162732" cy="1496094"/>
+              </a:xfrm>
+              <a:prstGeom prst="rect">
+                <a:avLst/>
+              </a:prstGeom>
+              <a:noFill/>
+              <a:ln w="19050">
+                <a:prstDash val="dash"/>
+              </a:ln>
+            </p:spPr>
+            <p:style>
+              <a:lnRef idx="2">
+                <a:schemeClr val="accent1">
+                  <a:shade val="50000"/>
+                </a:schemeClr>
+              </a:lnRef>
+              <a:fillRef idx="1">
+                <a:schemeClr val="accent1"/>
+              </a:fillRef>
+              <a:effectRef idx="0">
+                <a:schemeClr val="accent1"/>
+              </a:effectRef>
+              <a:fontRef idx="minor">
+                <a:schemeClr val="lt1"/>
+              </a:fontRef>
+            </p:style>
+            <p:txBody>
+              <a:bodyPr rtlCol="0" anchor="ctr"/>
+              <a:lstStyle/>
+              <a:p>
+                <a:r>
+                  <a:rPr lang="ru-RU" dirty="0" smtClean="0">
+                    <a:solidFill>
+                      <a:schemeClr val="tx1"/>
+                    </a:solidFill>
+                  </a:rPr>
+                  <a:t>    Наличие </a:t>
+                </a:r>
+                <a:r>
+                  <a:rPr lang="en-US" dirty="0" smtClean="0">
+                    <a:solidFill>
+                      <a:schemeClr val="tx1"/>
+                    </a:solidFill>
+                  </a:rPr>
+                  <a:t>GCC </a:t>
+                </a:r>
+                <a:r>
+                  <a:rPr lang="ru-RU" dirty="0" smtClean="0">
+                    <a:solidFill>
+                      <a:schemeClr val="tx1"/>
+                    </a:solidFill>
+                  </a:rPr>
+                  <a:t>и </a:t>
+                </a:r>
+                <a:r>
+                  <a:rPr lang="en-US" dirty="0" smtClean="0">
+                    <a:solidFill>
+                      <a:schemeClr val="tx1"/>
+                    </a:solidFill>
+                  </a:rPr>
+                  <a:t>GNU </a:t>
+                </a:r>
+                <a:r>
+                  <a:rPr lang="en-US" dirty="0" err="1" smtClean="0">
+                    <a:solidFill>
+                      <a:schemeClr val="tx1"/>
+                    </a:solidFill>
+                  </a:rPr>
+                  <a:t>Autotools</a:t>
+                </a:r>
+                <a:endParaRPr lang="en-US" dirty="0" smtClean="0">
+                  <a:solidFill>
+                    <a:schemeClr val="tx1"/>
+                  </a:solidFill>
+                </a:endParaRPr>
+              </a:p>
+              <a:p>
+                <a:r>
+                  <a:rPr lang="ru-RU" dirty="0" smtClean="0">
+                    <a:solidFill>
+                      <a:schemeClr val="tx1"/>
+                    </a:solidFill>
+                  </a:rPr>
+                  <a:t>    Реализация </a:t>
+                </a:r>
+                <a:r>
+                  <a:rPr lang="en-US" dirty="0" smtClean="0">
+                    <a:solidFill>
+                      <a:schemeClr val="tx1"/>
+                    </a:solidFill>
+                  </a:rPr>
+                  <a:t>POSIX </a:t>
+                </a:r>
+                <a:r>
+                  <a:rPr lang="ru-RU" dirty="0" smtClean="0">
+                    <a:solidFill>
+                      <a:schemeClr val="tx1"/>
+                    </a:solidFill>
+                  </a:rPr>
+                  <a:t>окружения</a:t>
+                </a:r>
+              </a:p>
+              <a:p>
+                <a:endParaRPr lang="en-US" dirty="0" smtClean="0">
+                  <a:solidFill>
+                    <a:schemeClr val="tx1"/>
+                  </a:solidFill>
+                </a:endParaRPr>
+              </a:p>
+              <a:p>
+                <a:r>
+                  <a:rPr lang="ru-RU" dirty="0" smtClean="0">
+                    <a:solidFill>
+                      <a:schemeClr val="tx1"/>
+                    </a:solidFill>
+                  </a:rPr>
+                  <a:t>    Зависимость приложений от </a:t>
+                </a:r>
+                <a:r>
+                  <a:rPr lang="en-US" dirty="0" smtClean="0">
+                    <a:solidFill>
+                      <a:schemeClr val="tx1"/>
+                    </a:solidFill>
+                  </a:rPr>
+                  <a:t>Cygwin</a:t>
+                </a:r>
+                <a:r>
+                  <a:rPr lang="ru-RU" dirty="0" smtClean="0">
+                    <a:solidFill>
+                      <a:schemeClr val="tx1"/>
+                    </a:solidFill>
+                  </a:rPr>
+                  <a:t>-окружения</a:t>
+                </a:r>
+              </a:p>
+              <a:p>
+                <a:r>
+                  <a:rPr lang="ru-RU" dirty="0" smtClean="0">
+                    <a:solidFill>
+                      <a:schemeClr val="tx1"/>
+                    </a:solidFill>
+                  </a:rPr>
+                  <a:t>    Большой размер дистрибутива </a:t>
+                </a:r>
+                <a:r>
+                  <a:rPr lang="en-US" dirty="0" smtClean="0">
+                    <a:solidFill>
+                      <a:schemeClr val="tx1"/>
+                    </a:solidFill>
+                  </a:rPr>
+                  <a:t>Cygwin</a:t>
+                </a:r>
+                <a:r>
+                  <a:rPr lang="ru-RU" dirty="0" smtClean="0">
+                    <a:solidFill>
+                      <a:schemeClr val="tx1"/>
+                    </a:solidFill>
+                  </a:rPr>
+                  <a:t> (</a:t>
+                </a:r>
+                <a14:m>
+                  <m:oMath xmlns:m="http://schemas.openxmlformats.org/officeDocument/2006/math">
+                    <m:r>
+                      <a:rPr lang="ru-RU" i="1" smtClean="0">
+                        <a:solidFill>
+                          <a:schemeClr val="tx1"/>
+                        </a:solidFill>
+                        <a:latin typeface="Cambria Math" panose="02040503050406030204" pitchFamily="18" charset="0"/>
+                        <a:ea typeface="Cambria Math" panose="02040503050406030204" pitchFamily="18" charset="0"/>
+                      </a:rPr>
+                      <m:t>~</m:t>
+                    </m:r>
+                  </m:oMath>
+                </a14:m>
+                <a:r>
+                  <a:rPr lang="en-US" dirty="0" smtClean="0">
+                    <a:solidFill>
+                      <a:schemeClr val="tx1"/>
+                    </a:solidFill>
+                  </a:rPr>
+                  <a:t> 1</a:t>
+                </a:r>
+                <a:r>
+                  <a:rPr lang="ru-RU" dirty="0" smtClean="0">
+                    <a:solidFill>
+                      <a:schemeClr val="tx1"/>
+                    </a:solidFill>
+                  </a:rPr>
+                  <a:t> ГБ)</a:t>
+                </a:r>
+              </a:p>
+            </p:txBody>
+          </p:sp>
+        </mc:Choice>
+        <mc:Fallback>
+          <p:sp>
+            <p:nvSpPr>
+              <p:cNvPr id="12" name="Прямоугольник 11"/>
+              <p:cNvSpPr>
+                <a:spLocks noRot="1" noChangeAspect="1" noMove="1" noResize="1" noEditPoints="1" noAdjustHandles="1" noChangeArrowheads="1" noChangeShapeType="1" noTextEdit="1"/>
+              </p:cNvSpPr>
+              <p:nvPr/>
+            </p:nvSpPr>
+            <p:spPr>
+              <a:xfrm>
+                <a:off x="4658570" y="3439369"/>
+                <a:ext cx="6162732" cy="1496094"/>
+              </a:xfrm>
+              <a:prstGeom prst="rect">
+                <a:avLst/>
+              </a:prstGeom>
+              <a:blipFill rotWithShape="0">
+                <a:blip r:embed="rId3"/>
+                <a:stretch>
+                  <a:fillRect t="-803" b="-4418"/>
+                </a:stretch>
+              </a:blipFill>
+              <a:ln w="19050">
+                <a:prstDash val="dash"/>
+              </a:ln>
+            </p:spPr>
+            <p:txBody>
+              <a:bodyPr/>
+              <a:lstStyle/>
+              <a:p>
+                <a:r>
+                  <a:rPr lang="ru-RU">
+                    <a:noFill/>
+                  </a:rPr>
+                  <a:t> </a:t>
+                </a:r>
+              </a:p>
+            </p:txBody>
+          </p:sp>
+        </mc:Fallback>
+      </mc:AlternateContent>
+      <p:sp>
+        <p:nvSpPr>
+          <p:cNvPr id="13" name="Прямоугольник 12"/>
+          <p:cNvSpPr/>
+          <p:nvPr/>
+        </p:nvSpPr>
+        <p:spPr>
+          <a:xfrm>
+            <a:off x="4658570" y="5508043"/>
+            <a:ext cx="6162732" cy="603180"/>
+          </a:xfrm>
+          <a:prstGeom prst="rect">
+            <a:avLst/>
+          </a:prstGeom>
+          <a:noFill/>
+          <a:ln w="19050">
+            <a:prstDash val="dash"/>
+          </a:ln>
+        </p:spPr>
+        <p:style>
+          <a:lnRef idx="2">
+            <a:schemeClr val="accent1">
+              <a:shade val="50000"/>
+            </a:schemeClr>
+          </a:lnRef>
+          <a:fillRef idx="1">
+            <a:schemeClr val="accent1"/>
+          </a:fillRef>
+          <a:effectRef idx="0">
+            <a:schemeClr val="accent1"/>
+          </a:effectRef>
+          <a:fontRef idx="minor">
+            <a:schemeClr val="lt1"/>
+          </a:fontRef>
+        </p:style>
+        <p:txBody>
+          <a:bodyPr rtlCol="0" anchor="ctr"/>
+          <a:lstStyle/>
+          <a:p>
+            <a:r>
+              <a:rPr lang="ru-RU" dirty="0" smtClean="0">
+                <a:solidFill>
+                  <a:schemeClr val="tx1"/>
+                </a:solidFill>
+              </a:rPr>
+              <a:t>    Наличие </a:t>
+            </a:r>
+            <a:r>
+              <a:rPr lang="en-US" dirty="0" smtClean="0">
+                <a:solidFill>
+                  <a:schemeClr val="tx1"/>
+                </a:solidFill>
+              </a:rPr>
+              <a:t>GCC </a:t>
+            </a:r>
+            <a:r>
+              <a:rPr lang="ru-RU" dirty="0" smtClean="0">
+                <a:solidFill>
+                  <a:schemeClr val="tx1"/>
+                </a:solidFill>
+              </a:rPr>
+              <a:t>и </a:t>
+            </a:r>
+            <a:r>
+              <a:rPr lang="en-US" dirty="0" smtClean="0">
+                <a:solidFill>
+                  <a:schemeClr val="tx1"/>
+                </a:solidFill>
+              </a:rPr>
+              <a:t>GNU </a:t>
+            </a:r>
+            <a:r>
+              <a:rPr lang="en-US" dirty="0" err="1" smtClean="0">
+                <a:solidFill>
+                  <a:schemeClr val="tx1"/>
+                </a:solidFill>
+              </a:rPr>
+              <a:t>Autotools</a:t>
+            </a:r>
+            <a:endParaRPr lang="en-US" dirty="0" smtClean="0">
+              <a:solidFill>
+                <a:schemeClr val="tx1"/>
+              </a:solidFill>
+            </a:endParaRPr>
+          </a:p>
+        </p:txBody>
+      </p:sp>
+      <p:sp>
+        <p:nvSpPr>
+          <p:cNvPr id="15" name="Прямоугольник 14"/>
+          <p:cNvSpPr/>
+          <p:nvPr/>
+        </p:nvSpPr>
+        <p:spPr>
+          <a:xfrm>
+            <a:off x="4761385" y="2519810"/>
+            <a:ext cx="145834" cy="45719"/>
+          </a:xfrm>
+          <a:prstGeom prst="rect">
+            <a:avLst/>
+          </a:prstGeom>
+          <a:solidFill>
+            <a:srgbClr val="FF0000"/>
+          </a:solidFill>
+        </p:spPr>
+        <p:style>
+          <a:lnRef idx="2">
+            <a:schemeClr val="accent2">
+              <a:shade val="50000"/>
+            </a:schemeClr>
+          </a:lnRef>
+          <a:fillRef idx="1">
+            <a:schemeClr val="accent2"/>
+          </a:fillRef>
+          <a:effectRef idx="0">
+            <a:schemeClr val="accent2"/>
+          </a:effectRef>
+          <a:fontRef idx="minor">
+            <a:schemeClr val="lt1"/>
+          </a:fontRef>
+        </p:style>
+        <p:txBody>
+          <a:bodyPr rtlCol="0" anchor="ctr"/>
+          <a:lstStyle/>
+          <a:p>
+            <a:pPr algn="ctr"/>
+            <a:endParaRPr lang="ru-RU"/>
+          </a:p>
+        </p:txBody>
+      </p:sp>
+      <p:sp>
+        <p:nvSpPr>
+          <p:cNvPr id="19" name="Крест 18"/>
+          <p:cNvSpPr/>
+          <p:nvPr/>
+        </p:nvSpPr>
+        <p:spPr>
+          <a:xfrm>
+            <a:off x="4761385" y="3848232"/>
+            <a:ext cx="145834" cy="141997"/>
+          </a:xfrm>
+          <a:prstGeom prst="plus">
+            <a:avLst>
+              <a:gd name="adj" fmla="val 42905"/>
+            </a:avLst>
+          </a:prstGeom>
+          <a:solidFill>
+            <a:srgbClr val="00B050"/>
+          </a:solidFill>
+        </p:spPr>
+        <p:style>
+          <a:lnRef idx="2">
+            <a:schemeClr val="accent6">
+              <a:shade val="50000"/>
+            </a:schemeClr>
+          </a:lnRef>
+          <a:fillRef idx="1">
+            <a:schemeClr val="accent6"/>
+          </a:fillRef>
+          <a:effectRef idx="0">
+            <a:schemeClr val="accent6"/>
+          </a:effectRef>
+          <a:fontRef idx="minor">
+            <a:schemeClr val="lt1"/>
+          </a:fontRef>
+        </p:style>
+        <p:txBody>
+          <a:bodyPr rtlCol="0" anchor="ctr"/>
+          <a:lstStyle/>
+          <a:p>
+            <a:pPr algn="ctr"/>
+            <a:endParaRPr lang="ru-RU"/>
+          </a:p>
+        </p:txBody>
+      </p:sp>
+      <p:sp>
+        <p:nvSpPr>
+          <p:cNvPr id="20" name="Крест 19"/>
+          <p:cNvSpPr/>
+          <p:nvPr/>
+        </p:nvSpPr>
+        <p:spPr>
+          <a:xfrm>
+            <a:off x="4761385" y="3580900"/>
+            <a:ext cx="145834" cy="141997"/>
+          </a:xfrm>
+          <a:prstGeom prst="plus">
+            <a:avLst>
+              <a:gd name="adj" fmla="val 42905"/>
+            </a:avLst>
+          </a:prstGeom>
+          <a:solidFill>
+            <a:srgbClr val="00B050"/>
+          </a:solidFill>
+        </p:spPr>
+        <p:style>
+          <a:lnRef idx="2">
+            <a:schemeClr val="accent6">
+              <a:shade val="50000"/>
+            </a:schemeClr>
+          </a:lnRef>
+          <a:fillRef idx="1">
+            <a:schemeClr val="accent6"/>
+          </a:fillRef>
+          <a:effectRef idx="0">
+            <a:schemeClr val="accent6"/>
+          </a:effectRef>
+          <a:fontRef idx="minor">
+            <a:schemeClr val="lt1"/>
+          </a:fontRef>
+        </p:style>
+        <p:txBody>
+          <a:bodyPr rtlCol="0" anchor="ctr"/>
+          <a:lstStyle/>
+          <a:p>
+            <a:pPr algn="ctr"/>
+            <a:endParaRPr lang="ru-RU"/>
+          </a:p>
+        </p:txBody>
+      </p:sp>
+      <p:sp>
+        <p:nvSpPr>
+          <p:cNvPr id="21" name="Крест 20"/>
+          <p:cNvSpPr/>
+          <p:nvPr/>
+        </p:nvSpPr>
+        <p:spPr>
+          <a:xfrm>
+            <a:off x="4761385" y="1933692"/>
+            <a:ext cx="145834" cy="141997"/>
+          </a:xfrm>
+          <a:prstGeom prst="plus">
+            <a:avLst>
+              <a:gd name="adj" fmla="val 42905"/>
+            </a:avLst>
+          </a:prstGeom>
+          <a:solidFill>
+            <a:srgbClr val="00B050"/>
+          </a:solidFill>
+        </p:spPr>
+        <p:style>
+          <a:lnRef idx="2">
+            <a:schemeClr val="accent6">
+              <a:shade val="50000"/>
+            </a:schemeClr>
+          </a:lnRef>
+          <a:fillRef idx="1">
+            <a:schemeClr val="accent6"/>
+          </a:fillRef>
+          <a:effectRef idx="0">
+            <a:schemeClr val="accent6"/>
+          </a:effectRef>
+          <a:fontRef idx="minor">
+            <a:schemeClr val="lt1"/>
+          </a:fontRef>
+        </p:style>
+        <p:txBody>
+          <a:bodyPr rtlCol="0" anchor="ctr"/>
+          <a:lstStyle/>
+          <a:p>
+            <a:pPr algn="ctr"/>
+            <a:endParaRPr lang="ru-RU"/>
+          </a:p>
+        </p:txBody>
+      </p:sp>
+      <p:sp>
+        <p:nvSpPr>
+          <p:cNvPr id="22" name="Прямоугольник 21"/>
+          <p:cNvSpPr/>
+          <p:nvPr/>
+        </p:nvSpPr>
+        <p:spPr>
+          <a:xfrm>
+            <a:off x="4761385" y="2806627"/>
+            <a:ext cx="145834" cy="45719"/>
+          </a:xfrm>
+          <a:prstGeom prst="rect">
+            <a:avLst/>
+          </a:prstGeom>
+          <a:solidFill>
+            <a:srgbClr val="FF0000"/>
+          </a:solidFill>
+        </p:spPr>
+        <p:style>
+          <a:lnRef idx="2">
+            <a:schemeClr val="accent2">
+              <a:shade val="50000"/>
+            </a:schemeClr>
+          </a:lnRef>
+          <a:fillRef idx="1">
+            <a:schemeClr val="accent2"/>
+          </a:fillRef>
+          <a:effectRef idx="0">
+            <a:schemeClr val="accent2"/>
+          </a:effectRef>
+          <a:fontRef idx="minor">
+            <a:schemeClr val="lt1"/>
+          </a:fontRef>
+        </p:style>
+        <p:txBody>
+          <a:bodyPr rtlCol="0" anchor="ctr"/>
+          <a:lstStyle/>
+          <a:p>
+            <a:pPr algn="ctr"/>
+            <a:endParaRPr lang="ru-RU"/>
+          </a:p>
+        </p:txBody>
+      </p:sp>
+      <p:sp>
+        <p:nvSpPr>
+          <p:cNvPr id="23" name="Прямоугольник 22"/>
+          <p:cNvSpPr/>
+          <p:nvPr/>
+        </p:nvSpPr>
+        <p:spPr>
+          <a:xfrm>
+            <a:off x="4764878" y="4709368"/>
+            <a:ext cx="145834" cy="45719"/>
+          </a:xfrm>
+          <a:prstGeom prst="rect">
+            <a:avLst/>
+          </a:prstGeom>
+          <a:solidFill>
+            <a:srgbClr val="FF0000"/>
+          </a:solidFill>
+        </p:spPr>
+        <p:style>
+          <a:lnRef idx="2">
+            <a:schemeClr val="accent2">
+              <a:shade val="50000"/>
+            </a:schemeClr>
+          </a:lnRef>
+          <a:fillRef idx="1">
+            <a:schemeClr val="accent2"/>
+          </a:fillRef>
+          <a:effectRef idx="0">
+            <a:schemeClr val="accent2"/>
+          </a:effectRef>
+          <a:fontRef idx="minor">
+            <a:schemeClr val="lt1"/>
+          </a:fontRef>
+        </p:style>
+        <p:txBody>
+          <a:bodyPr rtlCol="0" anchor="ctr"/>
+          <a:lstStyle/>
+          <a:p>
+            <a:pPr algn="ctr"/>
+            <a:endParaRPr lang="ru-RU"/>
+          </a:p>
+        </p:txBody>
+      </p:sp>
+      <p:sp>
+        <p:nvSpPr>
+          <p:cNvPr id="24" name="Прямоугольник 23"/>
+          <p:cNvSpPr/>
+          <p:nvPr/>
+        </p:nvSpPr>
+        <p:spPr>
+          <a:xfrm>
+            <a:off x="4761385" y="4439986"/>
+            <a:ext cx="145834" cy="45719"/>
+          </a:xfrm>
+          <a:prstGeom prst="rect">
+            <a:avLst/>
+          </a:prstGeom>
+          <a:solidFill>
+            <a:srgbClr val="FF0000"/>
+          </a:solidFill>
+        </p:spPr>
+        <p:style>
+          <a:lnRef idx="2">
+            <a:schemeClr val="accent2">
+              <a:shade val="50000"/>
+            </a:schemeClr>
+          </a:lnRef>
+          <a:fillRef idx="1">
+            <a:schemeClr val="accent2"/>
+          </a:fillRef>
+          <a:effectRef idx="0">
+            <a:schemeClr val="accent2"/>
+          </a:effectRef>
+          <a:fontRef idx="minor">
+            <a:schemeClr val="lt1"/>
+          </a:fontRef>
+        </p:style>
+        <p:txBody>
+          <a:bodyPr rtlCol="0" anchor="ctr"/>
+          <a:lstStyle/>
+          <a:p>
+            <a:pPr algn="ctr"/>
+            <a:endParaRPr lang="ru-RU"/>
+          </a:p>
+        </p:txBody>
+      </p:sp>
+      <p:sp>
+        <p:nvSpPr>
+          <p:cNvPr id="25" name="Крест 24"/>
+          <p:cNvSpPr/>
+          <p:nvPr/>
+        </p:nvSpPr>
+        <p:spPr>
+          <a:xfrm>
+            <a:off x="4761385" y="5742060"/>
+            <a:ext cx="145834" cy="141997"/>
+          </a:xfrm>
+          <a:prstGeom prst="plus">
+            <a:avLst>
+              <a:gd name="adj" fmla="val 42905"/>
+            </a:avLst>
+          </a:prstGeom>
+          <a:solidFill>
+            <a:srgbClr val="00B050"/>
+          </a:solidFill>
+        </p:spPr>
+        <p:style>
+          <a:lnRef idx="2">
+            <a:schemeClr val="accent6">
+              <a:shade val="50000"/>
+            </a:schemeClr>
+          </a:lnRef>
+          <a:fillRef idx="1">
+            <a:schemeClr val="accent6"/>
+          </a:fillRef>
+          <a:effectRef idx="0">
+            <a:schemeClr val="accent6"/>
+          </a:effectRef>
+          <a:fontRef idx="minor">
+            <a:schemeClr val="lt1"/>
+          </a:fontRef>
+        </p:style>
+        <p:txBody>
+          <a:bodyPr rtlCol="0" anchor="ctr"/>
+          <a:lstStyle/>
+          <a:p>
+            <a:pPr algn="ctr"/>
+            <a:endParaRPr lang="ru-RU"/>
+          </a:p>
+        </p:txBody>
+      </p:sp>
+      <p:cxnSp>
+        <p:nvCxnSpPr>
+          <p:cNvPr id="27" name="Прямая соединительная линия 26"/>
+          <p:cNvCxnSpPr>
+            <a:stCxn id="7" idx="3"/>
+            <a:endCxn id="10" idx="1"/>
+          </p:cNvCxnSpPr>
+          <p:nvPr/>
+        </p:nvCxnSpPr>
+        <p:spPr>
+          <a:xfrm>
+            <a:off x="2667451" y="2391224"/>
+            <a:ext cx="1991119" cy="5694"/>
+          </a:xfrm>
+          <a:prstGeom prst="line">
+            <a:avLst/>
+          </a:prstGeom>
+          <a:ln w="19050">
+            <a:prstDash val="sysDot"/>
+          </a:ln>
+        </p:spPr>
+        <p:style>
+          <a:lnRef idx="1">
+            <a:schemeClr val="accent1"/>
+          </a:lnRef>
+          <a:fillRef idx="0">
+            <a:schemeClr val="accent1"/>
+          </a:fillRef>
+          <a:effectRef idx="0">
+            <a:schemeClr val="accent1"/>
+          </a:effectRef>
+          <a:fontRef idx="minor">
+            <a:schemeClr val="tx1"/>
+          </a:fontRef>
+        </p:style>
+      </p:cxnSp>
+      <p:cxnSp>
+        <p:nvCxnSpPr>
+          <p:cNvPr id="29" name="Прямая соединительная линия 28"/>
+          <p:cNvCxnSpPr>
+            <a:stCxn id="8" idx="3"/>
+            <a:endCxn id="12" idx="1"/>
+          </p:cNvCxnSpPr>
+          <p:nvPr/>
+        </p:nvCxnSpPr>
+        <p:spPr>
+          <a:xfrm>
+            <a:off x="2667451" y="4186774"/>
+            <a:ext cx="1991119" cy="642"/>
+          </a:xfrm>
+          <a:prstGeom prst="line">
+            <a:avLst/>
+          </a:prstGeom>
+          <a:ln w="19050">
+            <a:prstDash val="sysDot"/>
+          </a:ln>
+        </p:spPr>
+        <p:style>
+          <a:lnRef idx="1">
+            <a:schemeClr val="accent1"/>
+          </a:lnRef>
+          <a:fillRef idx="0">
+            <a:schemeClr val="accent1"/>
+          </a:fillRef>
+          <a:effectRef idx="0">
+            <a:schemeClr val="accent1"/>
+          </a:effectRef>
+          <a:fontRef idx="minor">
+            <a:schemeClr val="tx1"/>
+          </a:fontRef>
+        </p:style>
+      </p:cxnSp>
+      <p:cxnSp>
+        <p:nvCxnSpPr>
+          <p:cNvPr id="31" name="Прямая соединительная линия 30"/>
+          <p:cNvCxnSpPr>
+            <a:stCxn id="9" idx="3"/>
+            <a:endCxn id="13" idx="1"/>
+          </p:cNvCxnSpPr>
+          <p:nvPr/>
+        </p:nvCxnSpPr>
+        <p:spPr>
+          <a:xfrm>
+            <a:off x="2667451" y="5809633"/>
+            <a:ext cx="1991119" cy="0"/>
+          </a:xfrm>
+          <a:prstGeom prst="line">
+            <a:avLst/>
+          </a:prstGeom>
+          <a:ln w="19050">
+            <a:prstDash val="sysDot"/>
+          </a:ln>
+        </p:spPr>
+        <p:style>
+          <a:lnRef idx="1">
+            <a:schemeClr val="accent1"/>
+          </a:lnRef>
+          <a:fillRef idx="0">
+            <a:schemeClr val="accent1"/>
+          </a:fillRef>
+          <a:effectRef idx="0">
+            <a:schemeClr val="accent1"/>
+          </a:effectRef>
+          <a:fontRef idx="minor">
+            <a:schemeClr val="tx1"/>
+          </a:fontRef>
+        </p:style>
+      </p:cxnSp>
+    </p:spTree>
+    <p:extLst>
+      <p:ext uri="{BB962C8B-B14F-4D97-AF65-F5344CB8AC3E}">
+        <p14:creationId xmlns:p14="http://schemas.microsoft.com/office/powerpoint/2010/main" val="1597690361"/>
       </p:ext>
     </p:extLst>
   </p:cSld>

--- a/presentation.pptx
+++ b/presentation.pptx
@@ -5,10 +5,10 @@
     <p:sldMasterId id="2147483744" r:id="rId1"/>
   </p:sldMasterIdLst>
   <p:notesMasterIdLst>
-    <p:notesMasterId r:id="rId20"/>
+    <p:notesMasterId r:id="rId21"/>
   </p:notesMasterIdLst>
   <p:handoutMasterIdLst>
-    <p:handoutMasterId r:id="rId21"/>
+    <p:handoutMasterId r:id="rId22"/>
   </p:handoutMasterIdLst>
   <p:sldIdLst>
     <p:sldId id="256" r:id="rId2"/>
@@ -25,10 +25,11 @@
     <p:sldId id="262" r:id="rId13"/>
     <p:sldId id="272" r:id="rId14"/>
     <p:sldId id="274" r:id="rId15"/>
-    <p:sldId id="264" r:id="rId16"/>
-    <p:sldId id="276" r:id="rId17"/>
-    <p:sldId id="268" r:id="rId18"/>
-    <p:sldId id="279" r:id="rId19"/>
+    <p:sldId id="280" r:id="rId16"/>
+    <p:sldId id="264" r:id="rId17"/>
+    <p:sldId id="276" r:id="rId18"/>
+    <p:sldId id="268" r:id="rId19"/>
+    <p:sldId id="279" r:id="rId20"/>
   </p:sldIdLst>
   <p:sldSz cx="12192000" cy="6858000"/>
   <p:notesSz cx="6858000" cy="9144000"/>
@@ -144,64 +145,7 @@
     </mc:Fallback>
   </mc:AlternateContent>
   <c:chart>
-    <c:title>
-      <c:tx>
-        <c:rich>
-          <a:bodyPr rot="0" spcFirstLastPara="1" vertOverflow="ellipsis" vert="horz" wrap="square" anchor="ctr" anchorCtr="1"/>
-          <a:lstStyle/>
-          <a:p>
-            <a:pPr>
-              <a:defRPr sz="1862" b="0" i="0" u="none" strike="noStrike" kern="1200" spc="0" baseline="0">
-                <a:solidFill>
-                  <a:schemeClr val="tx1">
-                    <a:lumMod val="65000"/>
-                    <a:lumOff val="35000"/>
-                  </a:schemeClr>
-                </a:solidFill>
-                <a:latin typeface="+mn-lt"/>
-                <a:ea typeface="+mn-ea"/>
-                <a:cs typeface="+mn-cs"/>
-              </a:defRPr>
-            </a:pPr>
-            <a:r>
-              <a:rPr lang="ru-RU" baseline="0" dirty="0" smtClean="0"/>
-              <a:t>1</a:t>
-            </a:r>
-            <a:endParaRPr lang="ru-RU" baseline="0" dirty="0" smtClean="0"/>
-          </a:p>
-        </c:rich>
-      </c:tx>
-      <c:layout/>
-      <c:overlay val="0"/>
-      <c:spPr>
-        <a:noFill/>
-        <a:ln>
-          <a:noFill/>
-        </a:ln>
-        <a:effectLst/>
-      </c:spPr>
-      <c:txPr>
-        <a:bodyPr rot="0" spcFirstLastPara="1" vertOverflow="ellipsis" vert="horz" wrap="square" anchor="ctr" anchorCtr="1"/>
-        <a:lstStyle/>
-        <a:p>
-          <a:pPr>
-            <a:defRPr sz="1862" b="0" i="0" u="none" strike="noStrike" kern="1200" spc="0" baseline="0">
-              <a:solidFill>
-                <a:schemeClr val="tx1">
-                  <a:lumMod val="65000"/>
-                  <a:lumOff val="35000"/>
-                </a:schemeClr>
-              </a:solidFill>
-              <a:latin typeface="+mn-lt"/>
-              <a:ea typeface="+mn-ea"/>
-              <a:cs typeface="+mn-cs"/>
-            </a:defRPr>
-          </a:pPr>
-          <a:endParaRPr lang="ru-RU"/>
-        </a:p>
-      </c:txPr>
-    </c:title>
-    <c:autoTitleDeleted val="0"/>
+    <c:autoTitleDeleted val="1"/>
     <c:plotArea>
       <c:layout/>
       <c:barChart>
@@ -224,7 +168,7 @@
           </c:tx>
           <c:spPr>
             <a:solidFill>
-              <a:schemeClr val="accent1"/>
+              <a:schemeClr val="accent4"/>
             </a:solidFill>
             <a:ln>
               <a:noFill/>
@@ -302,7 +246,7 @@
           </c:tx>
           <c:spPr>
             <a:solidFill>
-              <a:schemeClr val="accent2"/>
+              <a:schemeClr val="accent6"/>
             </a:solidFill>
             <a:ln>
               <a:noFill/>
@@ -373,14 +317,14 @@
               <c:strCache>
                 <c:ptCount val="1"/>
                 <c:pt idx="0">
-                  <c:v>Windows: XDR</c:v>
+                  <c:v>MinGW</c:v>
                 </c:pt>
               </c:strCache>
             </c:strRef>
           </c:tx>
           <c:spPr>
             <a:solidFill>
-              <a:schemeClr val="accent3"/>
+              <a:schemeClr val="accent1"/>
             </a:solidFill>
             <a:ln>
               <a:noFill/>
@@ -417,84 +361,6 @@
           <c:val>
             <c:numRef>
               <c:f>Лист1!$D$2:$D$7</c:f>
-              <c:numCache>
-                <c:formatCode>General</c:formatCode>
-                <c:ptCount val="6"/>
-                <c:pt idx="0">
-                  <c:v>2</c:v>
-                </c:pt>
-                <c:pt idx="1">
-                  <c:v>2</c:v>
-                </c:pt>
-                <c:pt idx="2">
-                  <c:v>2</c:v>
-                </c:pt>
-                <c:pt idx="3">
-                  <c:v>2</c:v>
-                </c:pt>
-                <c:pt idx="4">
-                  <c:v>2</c:v>
-                </c:pt>
-                <c:pt idx="5">
-                  <c:v>2</c:v>
-                </c:pt>
-              </c:numCache>
-            </c:numRef>
-          </c:val>
-        </c:ser>
-        <c:ser>
-          <c:idx val="3"/>
-          <c:order val="3"/>
-          <c:tx>
-            <c:strRef>
-              <c:f>Лист1!$E$1</c:f>
-              <c:strCache>
-                <c:ptCount val="1"/>
-                <c:pt idx="0">
-                  <c:v>Windows: protobuf</c:v>
-                </c:pt>
-              </c:strCache>
-            </c:strRef>
-          </c:tx>
-          <c:spPr>
-            <a:solidFill>
-              <a:schemeClr val="accent4"/>
-            </a:solidFill>
-            <a:ln>
-              <a:noFill/>
-            </a:ln>
-            <a:effectLst/>
-          </c:spPr>
-          <c:invertIfNegative val="0"/>
-          <c:cat>
-            <c:strRef>
-              <c:f>Лист1!$A$2:$A$7</c:f>
-              <c:strCache>
-                <c:ptCount val="6"/>
-                <c:pt idx="0">
-                  <c:v>Запуск</c:v>
-                </c:pt>
-                <c:pt idx="1">
-                  <c:v>Монтирование</c:v>
-                </c:pt>
-                <c:pt idx="2">
-                  <c:v>Чтение 1 х 1.5 ГБ</c:v>
-                </c:pt>
-                <c:pt idx="3">
-                  <c:v>Чтение 10000 х 4 КБ</c:v>
-                </c:pt>
-                <c:pt idx="4">
-                  <c:v>Запись 1 х 1.5 ГБ</c:v>
-                </c:pt>
-                <c:pt idx="5">
-                  <c:v>Запись 10000 х 4 КБ</c:v>
-                </c:pt>
-              </c:strCache>
-            </c:strRef>
-          </c:cat>
-          <c:val>
-            <c:numRef>
-              <c:f>Лист1!$E$2:$E$7</c:f>
               <c:numCache>
                 <c:formatCode>General</c:formatCode>
                 <c:ptCount val="6"/>
@@ -741,9 +607,10 @@
               </a:defRPr>
             </a:pPr>
             <a:r>
-              <a:rPr lang="ru-RU" baseline="0" dirty="0" smtClean="0"/>
-              <a:t>1</a:t>
-            </a:r>
+              <a:rPr lang="en-US" baseline="0" dirty="0" smtClean="0"/>
+              <a:t>Linux</a:t>
+            </a:r>
+            <a:endParaRPr lang="ru-RU" baseline="0" dirty="0" smtClean="0"/>
           </a:p>
         </c:rich>
       </c:tx>
@@ -793,7 +660,7 @@
               <c:strCache>
                 <c:ptCount val="1"/>
                 <c:pt idx="0">
-                  <c:v>Linux</c:v>
+                  <c:v>XDR</c:v>
                 </c:pt>
               </c:strCache>
             </c:strRef>
@@ -810,25 +677,19 @@
           <c:invertIfNegative val="0"/>
           <c:cat>
             <c:strRef>
-              <c:f>Лист1!$A$2:$A$7</c:f>
+              <c:f>Лист1!$A$4:$A$7</c:f>
               <c:strCache>
-                <c:ptCount val="6"/>
+                <c:ptCount val="4"/>
                 <c:pt idx="0">
-                  <c:v>Запуск</c:v>
+                  <c:v>Чтение 1 х 1.5 ГБ</c:v>
                 </c:pt>
                 <c:pt idx="1">
-                  <c:v>Монтирование</c:v>
+                  <c:v>Чтение 10000 х 4 КБ</c:v>
                 </c:pt>
                 <c:pt idx="2">
-                  <c:v>Чтение 1 х 1.5 ГБ</c:v>
+                  <c:v>Запись 1 х 1.5 ГБ</c:v>
                 </c:pt>
                 <c:pt idx="3">
-                  <c:v>Чтение 10000 х 4 КБ</c:v>
-                </c:pt>
-                <c:pt idx="4">
-                  <c:v>Запись 1 х 1.5 ГБ</c:v>
-                </c:pt>
-                <c:pt idx="5">
                   <c:v>Запись 10000 х 4 КБ</c:v>
                 </c:pt>
               </c:strCache>
@@ -836,27 +697,21 @@
           </c:cat>
           <c:val>
             <c:numRef>
-              <c:f>Лист1!$B$2:$B$7</c:f>
+              <c:f>Лист1!$B$4:$B$7</c:f>
               <c:numCache>
                 <c:formatCode>General</c:formatCode>
-                <c:ptCount val="6"/>
+                <c:ptCount val="4"/>
                 <c:pt idx="0">
-                  <c:v>1</c:v>
+                  <c:v>10</c:v>
                 </c:pt>
                 <c:pt idx="1">
-                  <c:v>1</c:v>
+                  <c:v>10</c:v>
                 </c:pt>
                 <c:pt idx="2">
-                  <c:v>1</c:v>
+                  <c:v>10</c:v>
                 </c:pt>
                 <c:pt idx="3">
-                  <c:v>1</c:v>
-                </c:pt>
-                <c:pt idx="4">
-                  <c:v>1</c:v>
-                </c:pt>
-                <c:pt idx="5">
-                  <c:v>1</c:v>
+                  <c:v>10</c:v>
                 </c:pt>
               </c:numCache>
             </c:numRef>
@@ -871,7 +726,7 @@
               <c:strCache>
                 <c:ptCount val="1"/>
                 <c:pt idx="0">
-                  <c:v>Cygwin</c:v>
+                  <c:v>ProtoBuf</c:v>
                 </c:pt>
               </c:strCache>
             </c:strRef>
@@ -888,25 +743,19 @@
           <c:invertIfNegative val="0"/>
           <c:cat>
             <c:strRef>
-              <c:f>Лист1!$A$2:$A$7</c:f>
+              <c:f>Лист1!$A$4:$A$7</c:f>
               <c:strCache>
-                <c:ptCount val="6"/>
+                <c:ptCount val="4"/>
                 <c:pt idx="0">
-                  <c:v>Запуск</c:v>
+                  <c:v>Чтение 1 х 1.5 ГБ</c:v>
                 </c:pt>
                 <c:pt idx="1">
-                  <c:v>Монтирование</c:v>
+                  <c:v>Чтение 10000 х 4 КБ</c:v>
                 </c:pt>
                 <c:pt idx="2">
-                  <c:v>Чтение 1 х 1.5 ГБ</c:v>
+                  <c:v>Запись 1 х 1.5 ГБ</c:v>
                 </c:pt>
                 <c:pt idx="3">
-                  <c:v>Чтение 10000 х 4 КБ</c:v>
-                </c:pt>
-                <c:pt idx="4">
-                  <c:v>Запись 1 х 1.5 ГБ</c:v>
-                </c:pt>
-                <c:pt idx="5">
                   <c:v>Запись 10000 х 4 КБ</c:v>
                 </c:pt>
               </c:strCache>
@@ -914,183 +763,21 @@
           </c:cat>
           <c:val>
             <c:numRef>
-              <c:f>Лист1!$C$2:$C$7</c:f>
+              <c:f>Лист1!$C$4:$C$7</c:f>
               <c:numCache>
                 <c:formatCode>General</c:formatCode>
-                <c:ptCount val="6"/>
+                <c:ptCount val="4"/>
                 <c:pt idx="0">
-                  <c:v>3</c:v>
+                  <c:v>11</c:v>
                 </c:pt>
                 <c:pt idx="1">
-                  <c:v>3</c:v>
+                  <c:v>9</c:v>
                 </c:pt>
                 <c:pt idx="2">
-                  <c:v>3</c:v>
+                  <c:v>11</c:v>
                 </c:pt>
                 <c:pt idx="3">
-                  <c:v>3</c:v>
-                </c:pt>
-                <c:pt idx="4">
-                  <c:v>3</c:v>
-                </c:pt>
-                <c:pt idx="5">
-                  <c:v>3</c:v>
-                </c:pt>
-              </c:numCache>
-            </c:numRef>
-          </c:val>
-        </c:ser>
-        <c:ser>
-          <c:idx val="2"/>
-          <c:order val="2"/>
-          <c:tx>
-            <c:strRef>
-              <c:f>Лист1!$D$1</c:f>
-              <c:strCache>
-                <c:ptCount val="1"/>
-                <c:pt idx="0">
-                  <c:v>Windows: XDR</c:v>
-                </c:pt>
-              </c:strCache>
-            </c:strRef>
-          </c:tx>
-          <c:spPr>
-            <a:solidFill>
-              <a:schemeClr val="accent3"/>
-            </a:solidFill>
-            <a:ln>
-              <a:noFill/>
-            </a:ln>
-            <a:effectLst/>
-          </c:spPr>
-          <c:invertIfNegative val="0"/>
-          <c:cat>
-            <c:strRef>
-              <c:f>Лист1!$A$2:$A$7</c:f>
-              <c:strCache>
-                <c:ptCount val="6"/>
-                <c:pt idx="0">
-                  <c:v>Запуск</c:v>
-                </c:pt>
-                <c:pt idx="1">
-                  <c:v>Монтирование</c:v>
-                </c:pt>
-                <c:pt idx="2">
-                  <c:v>Чтение 1 х 1.5 ГБ</c:v>
-                </c:pt>
-                <c:pt idx="3">
-                  <c:v>Чтение 10000 х 4 КБ</c:v>
-                </c:pt>
-                <c:pt idx="4">
-                  <c:v>Запись 1 х 1.5 ГБ</c:v>
-                </c:pt>
-                <c:pt idx="5">
-                  <c:v>Запись 10000 х 4 КБ</c:v>
-                </c:pt>
-              </c:strCache>
-            </c:strRef>
-          </c:cat>
-          <c:val>
-            <c:numRef>
-              <c:f>Лист1!$D$2:$D$7</c:f>
-              <c:numCache>
-                <c:formatCode>General</c:formatCode>
-                <c:ptCount val="6"/>
-                <c:pt idx="0">
-                  <c:v>2</c:v>
-                </c:pt>
-                <c:pt idx="1">
-                  <c:v>2</c:v>
-                </c:pt>
-                <c:pt idx="2">
-                  <c:v>2</c:v>
-                </c:pt>
-                <c:pt idx="3">
-                  <c:v>2</c:v>
-                </c:pt>
-                <c:pt idx="4">
-                  <c:v>2</c:v>
-                </c:pt>
-                <c:pt idx="5">
-                  <c:v>2</c:v>
-                </c:pt>
-              </c:numCache>
-            </c:numRef>
-          </c:val>
-        </c:ser>
-        <c:ser>
-          <c:idx val="3"/>
-          <c:order val="3"/>
-          <c:tx>
-            <c:strRef>
-              <c:f>Лист1!$E$1</c:f>
-              <c:strCache>
-                <c:ptCount val="1"/>
-                <c:pt idx="0">
-                  <c:v>Windows: protobuf</c:v>
-                </c:pt>
-              </c:strCache>
-            </c:strRef>
-          </c:tx>
-          <c:spPr>
-            <a:solidFill>
-              <a:schemeClr val="accent4"/>
-            </a:solidFill>
-            <a:ln>
-              <a:noFill/>
-            </a:ln>
-            <a:effectLst/>
-          </c:spPr>
-          <c:invertIfNegative val="0"/>
-          <c:cat>
-            <c:strRef>
-              <c:f>Лист1!$A$2:$A$7</c:f>
-              <c:strCache>
-                <c:ptCount val="6"/>
-                <c:pt idx="0">
-                  <c:v>Запуск</c:v>
-                </c:pt>
-                <c:pt idx="1">
-                  <c:v>Монтирование</c:v>
-                </c:pt>
-                <c:pt idx="2">
-                  <c:v>Чтение 1 х 1.5 ГБ</c:v>
-                </c:pt>
-                <c:pt idx="3">
-                  <c:v>Чтение 10000 х 4 КБ</c:v>
-                </c:pt>
-                <c:pt idx="4">
-                  <c:v>Запись 1 х 1.5 ГБ</c:v>
-                </c:pt>
-                <c:pt idx="5">
-                  <c:v>Запись 10000 х 4 КБ</c:v>
-                </c:pt>
-              </c:strCache>
-            </c:strRef>
-          </c:cat>
-          <c:val>
-            <c:numRef>
-              <c:f>Лист1!$E$2:$E$7</c:f>
-              <c:numCache>
-                <c:formatCode>General</c:formatCode>
-                <c:ptCount val="6"/>
-                <c:pt idx="0">
-                  <c:v>2</c:v>
-                </c:pt>
-                <c:pt idx="1">
-                  <c:v>2</c:v>
-                </c:pt>
-                <c:pt idx="2">
-                  <c:v>2</c:v>
-                </c:pt>
-                <c:pt idx="3">
-                  <c:v>2</c:v>
-                </c:pt>
-                <c:pt idx="4">
-                  <c:v>2</c:v>
-                </c:pt>
-                <c:pt idx="5">
-                  <c:v>2</c:v>
+                  <c:v>10</c:v>
                 </c:pt>
               </c:numCache>
             </c:numRef>
@@ -1106,11 +793,11 @@
         </c:dLbls>
         <c:gapWidth val="219"/>
         <c:overlap val="-27"/>
-        <c:axId val="492536768"/>
-        <c:axId val="492538448"/>
+        <c:axId val="503138240"/>
+        <c:axId val="503143280"/>
       </c:barChart>
       <c:catAx>
-        <c:axId val="492536768"/>
+        <c:axId val="503138240"/>
         <c:scaling>
           <c:orientation val="minMax"/>
         </c:scaling>
@@ -1153,7 +840,7 @@
             <a:endParaRPr lang="ru-RU"/>
           </a:p>
         </c:txPr>
-        <c:crossAx val="492538448"/>
+        <c:crossAx val="503143280"/>
         <c:crosses val="autoZero"/>
         <c:auto val="1"/>
         <c:lblAlgn val="ctr"/>
@@ -1161,7 +848,7 @@
         <c:noMultiLvlLbl val="0"/>
       </c:catAx>
       <c:valAx>
-        <c:axId val="492538448"/>
+        <c:axId val="503143280"/>
         <c:scaling>
           <c:orientation val="minMax"/>
         </c:scaling>
@@ -1212,7 +899,876 @@
             <a:endParaRPr lang="ru-RU"/>
           </a:p>
         </c:txPr>
-        <c:crossAx val="492536768"/>
+        <c:crossAx val="503138240"/>
+        <c:crosses val="autoZero"/>
+        <c:crossBetween val="between"/>
+      </c:valAx>
+      <c:spPr>
+        <a:noFill/>
+        <a:ln>
+          <a:noFill/>
+        </a:ln>
+        <a:effectLst/>
+      </c:spPr>
+    </c:plotArea>
+    <c:legend>
+      <c:legendPos val="b"/>
+      <c:layout/>
+      <c:overlay val="0"/>
+      <c:spPr>
+        <a:noFill/>
+        <a:ln>
+          <a:noFill/>
+        </a:ln>
+        <a:effectLst/>
+      </c:spPr>
+      <c:txPr>
+        <a:bodyPr rot="0" spcFirstLastPara="1" vertOverflow="ellipsis" vert="horz" wrap="square" anchor="ctr" anchorCtr="1"/>
+        <a:lstStyle/>
+        <a:p>
+          <a:pPr>
+            <a:defRPr sz="1197" b="0" i="0" u="none" strike="noStrike" kern="1200" baseline="0">
+              <a:solidFill>
+                <a:schemeClr val="tx1">
+                  <a:lumMod val="65000"/>
+                  <a:lumOff val="35000"/>
+                </a:schemeClr>
+              </a:solidFill>
+              <a:latin typeface="+mn-lt"/>
+              <a:ea typeface="+mn-ea"/>
+              <a:cs typeface="+mn-cs"/>
+            </a:defRPr>
+          </a:pPr>
+          <a:endParaRPr lang="ru-RU"/>
+        </a:p>
+      </c:txPr>
+    </c:legend>
+    <c:plotVisOnly val="1"/>
+    <c:dispBlanksAs val="gap"/>
+    <c:showDLblsOverMax val="0"/>
+  </c:chart>
+  <c:spPr>
+    <a:noFill/>
+    <a:ln>
+      <a:noFill/>
+    </a:ln>
+    <a:effectLst/>
+  </c:spPr>
+  <c:txPr>
+    <a:bodyPr/>
+    <a:lstStyle/>
+    <a:p>
+      <a:pPr>
+        <a:defRPr/>
+      </a:pPr>
+      <a:endParaRPr lang="ru-RU"/>
+    </a:p>
+  </c:txPr>
+  <c:externalData r:id="rId3">
+    <c:autoUpdate val="0"/>
+  </c:externalData>
+</c:chartSpace>
+</file>
+
+<file path=ppt/charts/chart3.xml><?xml version="1.0" encoding="utf-8"?>
+<c:chartSpace xmlns:c="http://schemas.openxmlformats.org/drawingml/2006/chart" xmlns:a="http://schemas.openxmlformats.org/drawingml/2006/main" xmlns:r="http://schemas.openxmlformats.org/officeDocument/2006/relationships">
+  <c:date1904 val="0"/>
+  <c:lang val="ru-RU"/>
+  <c:roundedCorners val="0"/>
+  <mc:AlternateContent xmlns:mc="http://schemas.openxmlformats.org/markup-compatibility/2006">
+    <mc:Choice xmlns:c14="http://schemas.microsoft.com/office/drawing/2007/8/2/chart" Requires="c14">
+      <c14:style val="102"/>
+    </mc:Choice>
+    <mc:Fallback>
+      <c:style val="2"/>
+    </mc:Fallback>
+  </mc:AlternateContent>
+  <c:chart>
+    <c:title>
+      <c:tx>
+        <c:rich>
+          <a:bodyPr rot="0" spcFirstLastPara="1" vertOverflow="ellipsis" vert="horz" wrap="square" anchor="ctr" anchorCtr="1"/>
+          <a:lstStyle/>
+          <a:p>
+            <a:pPr>
+              <a:defRPr sz="1862" b="0" i="0" u="none" strike="noStrike" kern="1200" spc="0" baseline="0">
+                <a:solidFill>
+                  <a:schemeClr val="tx1">
+                    <a:lumMod val="65000"/>
+                    <a:lumOff val="35000"/>
+                  </a:schemeClr>
+                </a:solidFill>
+                <a:latin typeface="+mn-lt"/>
+                <a:ea typeface="+mn-ea"/>
+                <a:cs typeface="+mn-cs"/>
+              </a:defRPr>
+            </a:pPr>
+            <a:r>
+              <a:rPr lang="en-US" baseline="0" dirty="0" smtClean="0"/>
+              <a:t>Windows</a:t>
+            </a:r>
+            <a:endParaRPr lang="ru-RU" baseline="0" dirty="0" smtClean="0"/>
+          </a:p>
+        </c:rich>
+      </c:tx>
+      <c:layout/>
+      <c:overlay val="0"/>
+      <c:spPr>
+        <a:noFill/>
+        <a:ln>
+          <a:noFill/>
+        </a:ln>
+        <a:effectLst/>
+      </c:spPr>
+      <c:txPr>
+        <a:bodyPr rot="0" spcFirstLastPara="1" vertOverflow="ellipsis" vert="horz" wrap="square" anchor="ctr" anchorCtr="1"/>
+        <a:lstStyle/>
+        <a:p>
+          <a:pPr>
+            <a:defRPr sz="1862" b="0" i="0" u="none" strike="noStrike" kern="1200" spc="0" baseline="0">
+              <a:solidFill>
+                <a:schemeClr val="tx1">
+                  <a:lumMod val="65000"/>
+                  <a:lumOff val="35000"/>
+                </a:schemeClr>
+              </a:solidFill>
+              <a:latin typeface="+mn-lt"/>
+              <a:ea typeface="+mn-ea"/>
+              <a:cs typeface="+mn-cs"/>
+            </a:defRPr>
+          </a:pPr>
+          <a:endParaRPr lang="ru-RU"/>
+        </a:p>
+      </c:txPr>
+    </c:title>
+    <c:autoTitleDeleted val="0"/>
+    <c:plotArea>
+      <c:layout/>
+      <c:barChart>
+        <c:barDir val="col"/>
+        <c:grouping val="clustered"/>
+        <c:varyColors val="0"/>
+        <c:ser>
+          <c:idx val="0"/>
+          <c:order val="0"/>
+          <c:tx>
+            <c:strRef>
+              <c:f>Лист1!$B$1</c:f>
+              <c:strCache>
+                <c:ptCount val="1"/>
+                <c:pt idx="0">
+                  <c:v>XDR</c:v>
+                </c:pt>
+              </c:strCache>
+            </c:strRef>
+          </c:tx>
+          <c:spPr>
+            <a:solidFill>
+              <a:schemeClr val="accent1"/>
+            </a:solidFill>
+            <a:ln>
+              <a:noFill/>
+            </a:ln>
+            <a:effectLst/>
+          </c:spPr>
+          <c:invertIfNegative val="0"/>
+          <c:cat>
+            <c:strRef>
+              <c:f>Лист1!$A$4:$A$7</c:f>
+              <c:strCache>
+                <c:ptCount val="4"/>
+                <c:pt idx="0">
+                  <c:v>Чтение 1 х 1.5 ГБ</c:v>
+                </c:pt>
+                <c:pt idx="1">
+                  <c:v>Чтение 10000 х 4 КБ</c:v>
+                </c:pt>
+                <c:pt idx="2">
+                  <c:v>Запись 1 х 1.5 ГБ</c:v>
+                </c:pt>
+                <c:pt idx="3">
+                  <c:v>Запись 10000 х 4 КБ</c:v>
+                </c:pt>
+              </c:strCache>
+            </c:strRef>
+          </c:cat>
+          <c:val>
+            <c:numRef>
+              <c:f>Лист1!$B$4:$B$7</c:f>
+              <c:numCache>
+                <c:formatCode>General</c:formatCode>
+                <c:ptCount val="4"/>
+                <c:pt idx="0">
+                  <c:v>10</c:v>
+                </c:pt>
+                <c:pt idx="1">
+                  <c:v>10</c:v>
+                </c:pt>
+                <c:pt idx="2">
+                  <c:v>10</c:v>
+                </c:pt>
+                <c:pt idx="3">
+                  <c:v>10</c:v>
+                </c:pt>
+              </c:numCache>
+            </c:numRef>
+          </c:val>
+        </c:ser>
+        <c:ser>
+          <c:idx val="1"/>
+          <c:order val="1"/>
+          <c:tx>
+            <c:strRef>
+              <c:f>Лист1!$C$1</c:f>
+              <c:strCache>
+                <c:ptCount val="1"/>
+                <c:pt idx="0">
+                  <c:v>ProtoBuf</c:v>
+                </c:pt>
+              </c:strCache>
+            </c:strRef>
+          </c:tx>
+          <c:spPr>
+            <a:solidFill>
+              <a:schemeClr val="accent2"/>
+            </a:solidFill>
+            <a:ln>
+              <a:noFill/>
+            </a:ln>
+            <a:effectLst/>
+          </c:spPr>
+          <c:invertIfNegative val="0"/>
+          <c:cat>
+            <c:strRef>
+              <c:f>Лист1!$A$4:$A$7</c:f>
+              <c:strCache>
+                <c:ptCount val="4"/>
+                <c:pt idx="0">
+                  <c:v>Чтение 1 х 1.5 ГБ</c:v>
+                </c:pt>
+                <c:pt idx="1">
+                  <c:v>Чтение 10000 х 4 КБ</c:v>
+                </c:pt>
+                <c:pt idx="2">
+                  <c:v>Запись 1 х 1.5 ГБ</c:v>
+                </c:pt>
+                <c:pt idx="3">
+                  <c:v>Запись 10000 х 4 КБ</c:v>
+                </c:pt>
+              </c:strCache>
+            </c:strRef>
+          </c:cat>
+          <c:val>
+            <c:numRef>
+              <c:f>Лист1!$C$4:$C$7</c:f>
+              <c:numCache>
+                <c:formatCode>General</c:formatCode>
+                <c:ptCount val="4"/>
+                <c:pt idx="0">
+                  <c:v>11</c:v>
+                </c:pt>
+                <c:pt idx="1">
+                  <c:v>9</c:v>
+                </c:pt>
+                <c:pt idx="2">
+                  <c:v>11</c:v>
+                </c:pt>
+                <c:pt idx="3">
+                  <c:v>10</c:v>
+                </c:pt>
+              </c:numCache>
+            </c:numRef>
+          </c:val>
+        </c:ser>
+        <c:dLbls>
+          <c:showLegendKey val="0"/>
+          <c:showVal val="0"/>
+          <c:showCatName val="0"/>
+          <c:showSerName val="0"/>
+          <c:showPercent val="0"/>
+          <c:showBubbleSize val="0"/>
+        </c:dLbls>
+        <c:gapWidth val="219"/>
+        <c:overlap val="-27"/>
+        <c:axId val="210864464"/>
+        <c:axId val="210863904"/>
+      </c:barChart>
+      <c:catAx>
+        <c:axId val="210864464"/>
+        <c:scaling>
+          <c:orientation val="minMax"/>
+        </c:scaling>
+        <c:delete val="0"/>
+        <c:axPos val="b"/>
+        <c:numFmt formatCode="General" sourceLinked="1"/>
+        <c:majorTickMark val="none"/>
+        <c:minorTickMark val="none"/>
+        <c:tickLblPos val="nextTo"/>
+        <c:spPr>
+          <a:noFill/>
+          <a:ln w="9525" cap="flat" cmpd="sng" algn="ctr">
+            <a:solidFill>
+              <a:schemeClr val="tx1">
+                <a:lumMod val="15000"/>
+                <a:lumOff val="85000"/>
+              </a:schemeClr>
+            </a:solidFill>
+            <a:round/>
+          </a:ln>
+          <a:effectLst/>
+        </c:spPr>
+        <c:txPr>
+          <a:bodyPr rot="-60000000" spcFirstLastPara="1" vertOverflow="ellipsis" vert="horz" wrap="square" anchor="ctr" anchorCtr="1"/>
+          <a:lstStyle/>
+          <a:p>
+            <a:pPr>
+              <a:defRPr sz="1197" b="0" i="0" u="none" strike="noStrike" kern="1200" baseline="0">
+                <a:solidFill>
+                  <a:schemeClr val="tx1">
+                    <a:lumMod val="65000"/>
+                    <a:lumOff val="35000"/>
+                  </a:schemeClr>
+                </a:solidFill>
+                <a:latin typeface="+mn-lt"/>
+                <a:ea typeface="+mn-ea"/>
+                <a:cs typeface="+mn-cs"/>
+              </a:defRPr>
+            </a:pPr>
+            <a:endParaRPr lang="ru-RU"/>
+          </a:p>
+        </c:txPr>
+        <c:crossAx val="210863904"/>
+        <c:crosses val="autoZero"/>
+        <c:auto val="1"/>
+        <c:lblAlgn val="ctr"/>
+        <c:lblOffset val="100"/>
+        <c:noMultiLvlLbl val="0"/>
+      </c:catAx>
+      <c:valAx>
+        <c:axId val="210863904"/>
+        <c:scaling>
+          <c:orientation val="minMax"/>
+        </c:scaling>
+        <c:delete val="0"/>
+        <c:axPos val="l"/>
+        <c:majorGridlines>
+          <c:spPr>
+            <a:ln w="9525" cap="flat" cmpd="sng" algn="ctr">
+              <a:solidFill>
+                <a:schemeClr val="tx1">
+                  <a:lumMod val="15000"/>
+                  <a:lumOff val="85000"/>
+                </a:schemeClr>
+              </a:solidFill>
+              <a:round/>
+            </a:ln>
+            <a:effectLst/>
+          </c:spPr>
+        </c:majorGridlines>
+        <c:numFmt formatCode="General" sourceLinked="1"/>
+        <c:majorTickMark val="none"/>
+        <c:minorTickMark val="none"/>
+        <c:tickLblPos val="nextTo"/>
+        <c:spPr>
+          <a:noFill/>
+          <a:ln>
+            <a:noFill/>
+          </a:ln>
+          <a:effectLst/>
+        </c:spPr>
+        <c:txPr>
+          <a:bodyPr rot="-60000000" spcFirstLastPara="1" vertOverflow="ellipsis" vert="horz" wrap="square" anchor="ctr" anchorCtr="1"/>
+          <a:lstStyle/>
+          <a:p>
+            <a:pPr>
+              <a:defRPr sz="1197" b="0" i="0" u="none" strike="noStrike" kern="1200" baseline="0">
+                <a:solidFill>
+                  <a:schemeClr val="tx1">
+                    <a:lumMod val="65000"/>
+                    <a:lumOff val="35000"/>
+                  </a:schemeClr>
+                </a:solidFill>
+                <a:latin typeface="+mn-lt"/>
+                <a:ea typeface="+mn-ea"/>
+                <a:cs typeface="+mn-cs"/>
+              </a:defRPr>
+            </a:pPr>
+            <a:endParaRPr lang="ru-RU"/>
+          </a:p>
+        </c:txPr>
+        <c:crossAx val="210864464"/>
+        <c:crosses val="autoZero"/>
+        <c:crossBetween val="between"/>
+      </c:valAx>
+      <c:spPr>
+        <a:noFill/>
+        <a:ln>
+          <a:noFill/>
+        </a:ln>
+        <a:effectLst/>
+      </c:spPr>
+    </c:plotArea>
+    <c:legend>
+      <c:legendPos val="b"/>
+      <c:layout/>
+      <c:overlay val="0"/>
+      <c:spPr>
+        <a:noFill/>
+        <a:ln>
+          <a:noFill/>
+        </a:ln>
+        <a:effectLst/>
+      </c:spPr>
+      <c:txPr>
+        <a:bodyPr rot="0" spcFirstLastPara="1" vertOverflow="ellipsis" vert="horz" wrap="square" anchor="ctr" anchorCtr="1"/>
+        <a:lstStyle/>
+        <a:p>
+          <a:pPr>
+            <a:defRPr sz="1197" b="0" i="0" u="none" strike="noStrike" kern="1200" baseline="0">
+              <a:solidFill>
+                <a:schemeClr val="tx1">
+                  <a:lumMod val="65000"/>
+                  <a:lumOff val="35000"/>
+                </a:schemeClr>
+              </a:solidFill>
+              <a:latin typeface="+mn-lt"/>
+              <a:ea typeface="+mn-ea"/>
+              <a:cs typeface="+mn-cs"/>
+            </a:defRPr>
+          </a:pPr>
+          <a:endParaRPr lang="ru-RU"/>
+        </a:p>
+      </c:txPr>
+    </c:legend>
+    <c:plotVisOnly val="1"/>
+    <c:dispBlanksAs val="gap"/>
+    <c:showDLblsOverMax val="0"/>
+  </c:chart>
+  <c:spPr>
+    <a:noFill/>
+    <a:ln>
+      <a:noFill/>
+    </a:ln>
+    <a:effectLst/>
+  </c:spPr>
+  <c:txPr>
+    <a:bodyPr/>
+    <a:lstStyle/>
+    <a:p>
+      <a:pPr>
+        <a:defRPr/>
+      </a:pPr>
+      <a:endParaRPr lang="ru-RU"/>
+    </a:p>
+  </c:txPr>
+  <c:externalData r:id="rId3">
+    <c:autoUpdate val="0"/>
+  </c:externalData>
+</c:chartSpace>
+</file>
+
+<file path=ppt/charts/chart4.xml><?xml version="1.0" encoding="utf-8"?>
+<c:chartSpace xmlns:c="http://schemas.openxmlformats.org/drawingml/2006/chart" xmlns:a="http://schemas.openxmlformats.org/drawingml/2006/main" xmlns:r="http://schemas.openxmlformats.org/officeDocument/2006/relationships">
+  <c:date1904 val="0"/>
+  <c:lang val="ru-RU"/>
+  <c:roundedCorners val="0"/>
+  <mc:AlternateContent xmlns:mc="http://schemas.openxmlformats.org/markup-compatibility/2006">
+    <mc:Choice xmlns:c14="http://schemas.microsoft.com/office/drawing/2007/8/2/chart" Requires="c14">
+      <c14:style val="102"/>
+    </mc:Choice>
+    <mc:Fallback>
+      <c:style val="2"/>
+    </mc:Fallback>
+  </mc:AlternateContent>
+  <c:chart>
+    <c:autoTitleDeleted val="1"/>
+    <c:plotArea>
+      <c:layout/>
+      <c:barChart>
+        <c:barDir val="col"/>
+        <c:grouping val="clustered"/>
+        <c:varyColors val="0"/>
+        <c:ser>
+          <c:idx val="0"/>
+          <c:order val="0"/>
+          <c:tx>
+            <c:strRef>
+              <c:f>Лист1!$B$1</c:f>
+              <c:strCache>
+                <c:ptCount val="1"/>
+                <c:pt idx="0">
+                  <c:v>Linux</c:v>
+                </c:pt>
+              </c:strCache>
+            </c:strRef>
+          </c:tx>
+          <c:spPr>
+            <a:solidFill>
+              <a:schemeClr val="accent4"/>
+            </a:solidFill>
+            <a:ln>
+              <a:noFill/>
+            </a:ln>
+            <a:effectLst/>
+          </c:spPr>
+          <c:invertIfNegative val="0"/>
+          <c:cat>
+            <c:strRef>
+              <c:f>Лист1!$A$4:$A$7</c:f>
+              <c:strCache>
+                <c:ptCount val="4"/>
+                <c:pt idx="0">
+                  <c:v>Чтение 1 х 1.5 ГБ</c:v>
+                </c:pt>
+                <c:pt idx="1">
+                  <c:v>Чтение 10000 х 4 КБ</c:v>
+                </c:pt>
+                <c:pt idx="2">
+                  <c:v>Запись 1 х 1.5 ГБ</c:v>
+                </c:pt>
+                <c:pt idx="3">
+                  <c:v>Запись 10000 х 4 КБ</c:v>
+                </c:pt>
+              </c:strCache>
+            </c:strRef>
+          </c:cat>
+          <c:val>
+            <c:numRef>
+              <c:f>Лист1!$B$4:$B$7</c:f>
+              <c:numCache>
+                <c:formatCode>General</c:formatCode>
+                <c:ptCount val="4"/>
+                <c:pt idx="0">
+                  <c:v>16</c:v>
+                </c:pt>
+                <c:pt idx="1">
+                  <c:v>16</c:v>
+                </c:pt>
+                <c:pt idx="2">
+                  <c:v>16</c:v>
+                </c:pt>
+                <c:pt idx="3">
+                  <c:v>16</c:v>
+                </c:pt>
+              </c:numCache>
+            </c:numRef>
+          </c:val>
+        </c:ser>
+        <c:ser>
+          <c:idx val="1"/>
+          <c:order val="1"/>
+          <c:tx>
+            <c:strRef>
+              <c:f>Лист1!$C$1</c:f>
+              <c:strCache>
+                <c:ptCount val="1"/>
+                <c:pt idx="0">
+                  <c:v>Linux: общая память</c:v>
+                </c:pt>
+              </c:strCache>
+            </c:strRef>
+          </c:tx>
+          <c:spPr>
+            <a:solidFill>
+              <a:schemeClr val="accent2"/>
+            </a:solidFill>
+            <a:ln>
+              <a:noFill/>
+            </a:ln>
+            <a:effectLst/>
+          </c:spPr>
+          <c:invertIfNegative val="0"/>
+          <c:cat>
+            <c:strRef>
+              <c:f>Лист1!$A$4:$A$7</c:f>
+              <c:strCache>
+                <c:ptCount val="4"/>
+                <c:pt idx="0">
+                  <c:v>Чтение 1 х 1.5 ГБ</c:v>
+                </c:pt>
+                <c:pt idx="1">
+                  <c:v>Чтение 10000 х 4 КБ</c:v>
+                </c:pt>
+                <c:pt idx="2">
+                  <c:v>Запись 1 х 1.5 ГБ</c:v>
+                </c:pt>
+                <c:pt idx="3">
+                  <c:v>Запись 10000 х 4 КБ</c:v>
+                </c:pt>
+              </c:strCache>
+            </c:strRef>
+          </c:cat>
+          <c:val>
+            <c:numRef>
+              <c:f>Лист1!$C$4:$C$7</c:f>
+              <c:numCache>
+                <c:formatCode>General</c:formatCode>
+                <c:ptCount val="4"/>
+                <c:pt idx="0">
+                  <c:v>4</c:v>
+                </c:pt>
+                <c:pt idx="1">
+                  <c:v>4</c:v>
+                </c:pt>
+                <c:pt idx="2">
+                  <c:v>4</c:v>
+                </c:pt>
+                <c:pt idx="3">
+                  <c:v>4</c:v>
+                </c:pt>
+              </c:numCache>
+            </c:numRef>
+          </c:val>
+        </c:ser>
+        <c:ser>
+          <c:idx val="2"/>
+          <c:order val="2"/>
+          <c:tx>
+            <c:strRef>
+              <c:f>Лист1!$D$1</c:f>
+              <c:strCache>
+                <c:ptCount val="1"/>
+                <c:pt idx="0">
+                  <c:v>Windows</c:v>
+                </c:pt>
+              </c:strCache>
+            </c:strRef>
+          </c:tx>
+          <c:spPr>
+            <a:solidFill>
+              <a:schemeClr val="accent1"/>
+            </a:solidFill>
+            <a:ln>
+              <a:noFill/>
+            </a:ln>
+            <a:effectLst/>
+          </c:spPr>
+          <c:invertIfNegative val="0"/>
+          <c:cat>
+            <c:strRef>
+              <c:f>Лист1!$A$4:$A$7</c:f>
+              <c:strCache>
+                <c:ptCount val="4"/>
+                <c:pt idx="0">
+                  <c:v>Чтение 1 х 1.5 ГБ</c:v>
+                </c:pt>
+                <c:pt idx="1">
+                  <c:v>Чтение 10000 х 4 КБ</c:v>
+                </c:pt>
+                <c:pt idx="2">
+                  <c:v>Запись 1 х 1.5 ГБ</c:v>
+                </c:pt>
+                <c:pt idx="3">
+                  <c:v>Запись 10000 х 4 КБ</c:v>
+                </c:pt>
+              </c:strCache>
+            </c:strRef>
+          </c:cat>
+          <c:val>
+            <c:numRef>
+              <c:f>Лист1!$D$4:$D$7</c:f>
+              <c:numCache>
+                <c:formatCode>General</c:formatCode>
+                <c:ptCount val="4"/>
+                <c:pt idx="0">
+                  <c:v>16</c:v>
+                </c:pt>
+                <c:pt idx="1">
+                  <c:v>16</c:v>
+                </c:pt>
+                <c:pt idx="2">
+                  <c:v>16</c:v>
+                </c:pt>
+                <c:pt idx="3">
+                  <c:v>16</c:v>
+                </c:pt>
+              </c:numCache>
+            </c:numRef>
+          </c:val>
+        </c:ser>
+        <c:ser>
+          <c:idx val="3"/>
+          <c:order val="3"/>
+          <c:tx>
+            <c:strRef>
+              <c:f>Лист1!$E$1</c:f>
+              <c:strCache>
+                <c:ptCount val="1"/>
+                <c:pt idx="0">
+                  <c:v>Windows: общая память</c:v>
+                </c:pt>
+              </c:strCache>
+            </c:strRef>
+          </c:tx>
+          <c:spPr>
+            <a:solidFill>
+              <a:schemeClr val="accent5"/>
+            </a:solidFill>
+            <a:ln>
+              <a:noFill/>
+            </a:ln>
+            <a:effectLst/>
+          </c:spPr>
+          <c:invertIfNegative val="0"/>
+          <c:cat>
+            <c:strRef>
+              <c:f>Лист1!$A$4:$A$7</c:f>
+              <c:strCache>
+                <c:ptCount val="4"/>
+                <c:pt idx="0">
+                  <c:v>Чтение 1 х 1.5 ГБ</c:v>
+                </c:pt>
+                <c:pt idx="1">
+                  <c:v>Чтение 10000 х 4 КБ</c:v>
+                </c:pt>
+                <c:pt idx="2">
+                  <c:v>Запись 1 х 1.5 ГБ</c:v>
+                </c:pt>
+                <c:pt idx="3">
+                  <c:v>Запись 10000 х 4 КБ</c:v>
+                </c:pt>
+              </c:strCache>
+            </c:strRef>
+          </c:cat>
+          <c:val>
+            <c:numRef>
+              <c:f>Лист1!$E$4:$E$7</c:f>
+              <c:numCache>
+                <c:formatCode>General</c:formatCode>
+                <c:ptCount val="4"/>
+                <c:pt idx="0">
+                  <c:v>4</c:v>
+                </c:pt>
+                <c:pt idx="1">
+                  <c:v>4</c:v>
+                </c:pt>
+                <c:pt idx="2">
+                  <c:v>4</c:v>
+                </c:pt>
+                <c:pt idx="3">
+                  <c:v>4</c:v>
+                </c:pt>
+              </c:numCache>
+            </c:numRef>
+          </c:val>
+        </c:ser>
+        <c:dLbls>
+          <c:showLegendKey val="0"/>
+          <c:showVal val="0"/>
+          <c:showCatName val="0"/>
+          <c:showSerName val="0"/>
+          <c:showPercent val="0"/>
+          <c:showBubbleSize val="0"/>
+        </c:dLbls>
+        <c:gapWidth val="219"/>
+        <c:overlap val="-27"/>
+        <c:axId val="488690160"/>
+        <c:axId val="488686240"/>
+      </c:barChart>
+      <c:catAx>
+        <c:axId val="488690160"/>
+        <c:scaling>
+          <c:orientation val="minMax"/>
+        </c:scaling>
+        <c:delete val="0"/>
+        <c:axPos val="b"/>
+        <c:numFmt formatCode="General" sourceLinked="1"/>
+        <c:majorTickMark val="none"/>
+        <c:minorTickMark val="none"/>
+        <c:tickLblPos val="nextTo"/>
+        <c:spPr>
+          <a:noFill/>
+          <a:ln w="9525" cap="flat" cmpd="sng" algn="ctr">
+            <a:solidFill>
+              <a:schemeClr val="tx1">
+                <a:lumMod val="15000"/>
+                <a:lumOff val="85000"/>
+              </a:schemeClr>
+            </a:solidFill>
+            <a:round/>
+          </a:ln>
+          <a:effectLst/>
+        </c:spPr>
+        <c:txPr>
+          <a:bodyPr rot="-60000000" spcFirstLastPara="1" vertOverflow="ellipsis" vert="horz" wrap="square" anchor="ctr" anchorCtr="1"/>
+          <a:lstStyle/>
+          <a:p>
+            <a:pPr>
+              <a:defRPr sz="1197" b="0" i="0" u="none" strike="noStrike" kern="1200" baseline="0">
+                <a:solidFill>
+                  <a:schemeClr val="tx1">
+                    <a:lumMod val="65000"/>
+                    <a:lumOff val="35000"/>
+                  </a:schemeClr>
+                </a:solidFill>
+                <a:latin typeface="+mn-lt"/>
+                <a:ea typeface="+mn-ea"/>
+                <a:cs typeface="+mn-cs"/>
+              </a:defRPr>
+            </a:pPr>
+            <a:endParaRPr lang="ru-RU"/>
+          </a:p>
+        </c:txPr>
+        <c:crossAx val="488686240"/>
+        <c:crosses val="autoZero"/>
+        <c:auto val="1"/>
+        <c:lblAlgn val="ctr"/>
+        <c:lblOffset val="100"/>
+        <c:noMultiLvlLbl val="0"/>
+      </c:catAx>
+      <c:valAx>
+        <c:axId val="488686240"/>
+        <c:scaling>
+          <c:orientation val="minMax"/>
+        </c:scaling>
+        <c:delete val="0"/>
+        <c:axPos val="l"/>
+        <c:majorGridlines>
+          <c:spPr>
+            <a:ln w="9525" cap="flat" cmpd="sng" algn="ctr">
+              <a:solidFill>
+                <a:schemeClr val="tx1">
+                  <a:lumMod val="15000"/>
+                  <a:lumOff val="85000"/>
+                </a:schemeClr>
+              </a:solidFill>
+              <a:round/>
+            </a:ln>
+            <a:effectLst/>
+          </c:spPr>
+        </c:majorGridlines>
+        <c:numFmt formatCode="General" sourceLinked="1"/>
+        <c:majorTickMark val="none"/>
+        <c:minorTickMark val="none"/>
+        <c:tickLblPos val="nextTo"/>
+        <c:spPr>
+          <a:noFill/>
+          <a:ln>
+            <a:noFill/>
+          </a:ln>
+          <a:effectLst/>
+        </c:spPr>
+        <c:txPr>
+          <a:bodyPr rot="-60000000" spcFirstLastPara="1" vertOverflow="ellipsis" vert="horz" wrap="square" anchor="ctr" anchorCtr="1"/>
+          <a:lstStyle/>
+          <a:p>
+            <a:pPr>
+              <a:defRPr sz="1197" b="0" i="0" u="none" strike="noStrike" kern="1200" baseline="0">
+                <a:solidFill>
+                  <a:schemeClr val="tx1">
+                    <a:lumMod val="65000"/>
+                    <a:lumOff val="35000"/>
+                  </a:schemeClr>
+                </a:solidFill>
+                <a:latin typeface="+mn-lt"/>
+                <a:ea typeface="+mn-ea"/>
+                <a:cs typeface="+mn-cs"/>
+              </a:defRPr>
+            </a:pPr>
+            <a:endParaRPr lang="ru-RU"/>
+          </a:p>
+        </c:txPr>
+        <c:crossAx val="488690160"/>
         <c:crosses val="autoZero"/>
         <c:crossBetween val="between"/>
       </c:valAx>
@@ -1324,6 +1880,86 @@
 </file>
 
 <file path=ppt/charts/colors2.xml><?xml version="1.0" encoding="utf-8"?>
+<cs:colorStyle xmlns:cs="http://schemas.microsoft.com/office/drawing/2012/chartStyle" xmlns:a="http://schemas.openxmlformats.org/drawingml/2006/main" meth="cycle" id="10">
+  <a:schemeClr val="accent1"/>
+  <a:schemeClr val="accent2"/>
+  <a:schemeClr val="accent3"/>
+  <a:schemeClr val="accent4"/>
+  <a:schemeClr val="accent5"/>
+  <a:schemeClr val="accent6"/>
+  <cs:variation/>
+  <cs:variation>
+    <a:lumMod val="60000"/>
+  </cs:variation>
+  <cs:variation>
+    <a:lumMod val="80000"/>
+    <a:lumOff val="20000"/>
+  </cs:variation>
+  <cs:variation>
+    <a:lumMod val="80000"/>
+  </cs:variation>
+  <cs:variation>
+    <a:lumMod val="60000"/>
+    <a:lumOff val="40000"/>
+  </cs:variation>
+  <cs:variation>
+    <a:lumMod val="50000"/>
+  </cs:variation>
+  <cs:variation>
+    <a:lumMod val="70000"/>
+    <a:lumOff val="30000"/>
+  </cs:variation>
+  <cs:variation>
+    <a:lumMod val="70000"/>
+  </cs:variation>
+  <cs:variation>
+    <a:lumMod val="50000"/>
+    <a:lumOff val="50000"/>
+  </cs:variation>
+</cs:colorStyle>
+</file>
+
+<file path=ppt/charts/colors3.xml><?xml version="1.0" encoding="utf-8"?>
+<cs:colorStyle xmlns:cs="http://schemas.microsoft.com/office/drawing/2012/chartStyle" xmlns:a="http://schemas.openxmlformats.org/drawingml/2006/main" meth="cycle" id="10">
+  <a:schemeClr val="accent1"/>
+  <a:schemeClr val="accent2"/>
+  <a:schemeClr val="accent3"/>
+  <a:schemeClr val="accent4"/>
+  <a:schemeClr val="accent5"/>
+  <a:schemeClr val="accent6"/>
+  <cs:variation/>
+  <cs:variation>
+    <a:lumMod val="60000"/>
+  </cs:variation>
+  <cs:variation>
+    <a:lumMod val="80000"/>
+    <a:lumOff val="20000"/>
+  </cs:variation>
+  <cs:variation>
+    <a:lumMod val="80000"/>
+  </cs:variation>
+  <cs:variation>
+    <a:lumMod val="60000"/>
+    <a:lumOff val="40000"/>
+  </cs:variation>
+  <cs:variation>
+    <a:lumMod val="50000"/>
+  </cs:variation>
+  <cs:variation>
+    <a:lumMod val="70000"/>
+    <a:lumOff val="30000"/>
+  </cs:variation>
+  <cs:variation>
+    <a:lumMod val="70000"/>
+  </cs:variation>
+  <cs:variation>
+    <a:lumMod val="50000"/>
+    <a:lumOff val="50000"/>
+  </cs:variation>
+</cs:colorStyle>
+</file>
+
+<file path=ppt/charts/colors4.xml><?xml version="1.0" encoding="utf-8"?>
 <cs:colorStyle xmlns:cs="http://schemas.microsoft.com/office/drawing/2012/chartStyle" xmlns:a="http://schemas.openxmlformats.org/drawingml/2006/main" meth="cycle" id="10">
   <a:schemeClr val="accent1"/>
   <a:schemeClr val="accent2"/>
@@ -2369,6 +3005,1012 @@
 </cs:chartStyle>
 </file>
 
+<file path=ppt/charts/style3.xml><?xml version="1.0" encoding="utf-8"?>
+<cs:chartStyle xmlns:cs="http://schemas.microsoft.com/office/drawing/2012/chartStyle" xmlns:a="http://schemas.openxmlformats.org/drawingml/2006/main" id="201">
+  <cs:axisTitle>
+    <cs:lnRef idx="0"/>
+    <cs:fillRef idx="0"/>
+    <cs:effectRef idx="0"/>
+    <cs:fontRef idx="minor">
+      <a:schemeClr val="tx1">
+        <a:lumMod val="65000"/>
+        <a:lumOff val="35000"/>
+      </a:schemeClr>
+    </cs:fontRef>
+    <cs:defRPr sz="1330" kern="1200"/>
+  </cs:axisTitle>
+  <cs:categoryAxis>
+    <cs:lnRef idx="0"/>
+    <cs:fillRef idx="0"/>
+    <cs:effectRef idx="0"/>
+    <cs:fontRef idx="minor">
+      <a:schemeClr val="tx1">
+        <a:lumMod val="65000"/>
+        <a:lumOff val="35000"/>
+      </a:schemeClr>
+    </cs:fontRef>
+    <cs:spPr>
+      <a:ln w="9525" cap="flat" cmpd="sng" algn="ctr">
+        <a:solidFill>
+          <a:schemeClr val="tx1">
+            <a:lumMod val="15000"/>
+            <a:lumOff val="85000"/>
+          </a:schemeClr>
+        </a:solidFill>
+        <a:round/>
+      </a:ln>
+    </cs:spPr>
+    <cs:defRPr sz="1197" kern="1200"/>
+  </cs:categoryAxis>
+  <cs:chartArea mods="allowNoFillOverride allowNoLineOverride">
+    <cs:lnRef idx="0"/>
+    <cs:fillRef idx="0"/>
+    <cs:effectRef idx="0"/>
+    <cs:fontRef idx="minor">
+      <a:schemeClr val="tx1"/>
+    </cs:fontRef>
+    <cs:spPr>
+      <a:solidFill>
+        <a:schemeClr val="bg1"/>
+      </a:solidFill>
+      <a:ln w="9525" cap="flat" cmpd="sng" algn="ctr">
+        <a:solidFill>
+          <a:schemeClr val="tx1">
+            <a:lumMod val="15000"/>
+            <a:lumOff val="85000"/>
+          </a:schemeClr>
+        </a:solidFill>
+        <a:round/>
+      </a:ln>
+    </cs:spPr>
+    <cs:defRPr sz="1330" kern="1200"/>
+  </cs:chartArea>
+  <cs:dataLabel>
+    <cs:lnRef idx="0"/>
+    <cs:fillRef idx="0"/>
+    <cs:effectRef idx="0"/>
+    <cs:fontRef idx="minor">
+      <a:schemeClr val="tx1">
+        <a:lumMod val="75000"/>
+        <a:lumOff val="25000"/>
+      </a:schemeClr>
+    </cs:fontRef>
+    <cs:defRPr sz="1197" kern="1200"/>
+  </cs:dataLabel>
+  <cs:dataLabelCallout>
+    <cs:lnRef idx="0"/>
+    <cs:fillRef idx="0"/>
+    <cs:effectRef idx="0"/>
+    <cs:fontRef idx="minor">
+      <a:schemeClr val="dk1">
+        <a:lumMod val="65000"/>
+        <a:lumOff val="35000"/>
+      </a:schemeClr>
+    </cs:fontRef>
+    <cs:spPr>
+      <a:solidFill>
+        <a:schemeClr val="lt1"/>
+      </a:solidFill>
+      <a:ln>
+        <a:solidFill>
+          <a:schemeClr val="dk1">
+            <a:lumMod val="25000"/>
+            <a:lumOff val="75000"/>
+          </a:schemeClr>
+        </a:solidFill>
+      </a:ln>
+    </cs:spPr>
+    <cs:defRPr sz="1197" kern="1200"/>
+    <cs:bodyPr rot="0" spcFirstLastPara="1" vertOverflow="clip" horzOverflow="clip" vert="horz" wrap="square" lIns="36576" tIns="18288" rIns="36576" bIns="18288" anchor="ctr" anchorCtr="1">
+      <a:spAutoFit/>
+    </cs:bodyPr>
+  </cs:dataLabelCallout>
+  <cs:dataPoint>
+    <cs:lnRef idx="0"/>
+    <cs:fillRef idx="1">
+      <cs:styleClr val="auto"/>
+    </cs:fillRef>
+    <cs:effectRef idx="0"/>
+    <cs:fontRef idx="minor">
+      <a:schemeClr val="tx1"/>
+    </cs:fontRef>
+  </cs:dataPoint>
+  <cs:dataPoint3D>
+    <cs:lnRef idx="0"/>
+    <cs:fillRef idx="1">
+      <cs:styleClr val="auto"/>
+    </cs:fillRef>
+    <cs:effectRef idx="0"/>
+    <cs:fontRef idx="minor">
+      <a:schemeClr val="tx1"/>
+    </cs:fontRef>
+  </cs:dataPoint3D>
+  <cs:dataPointLine>
+    <cs:lnRef idx="0">
+      <cs:styleClr val="auto"/>
+    </cs:lnRef>
+    <cs:fillRef idx="1"/>
+    <cs:effectRef idx="0"/>
+    <cs:fontRef idx="minor">
+      <a:schemeClr val="tx1"/>
+    </cs:fontRef>
+    <cs:spPr>
+      <a:ln w="28575" cap="rnd">
+        <a:solidFill>
+          <a:schemeClr val="phClr"/>
+        </a:solidFill>
+        <a:round/>
+      </a:ln>
+    </cs:spPr>
+  </cs:dataPointLine>
+  <cs:dataPointMarker>
+    <cs:lnRef idx="0">
+      <cs:styleClr val="auto"/>
+    </cs:lnRef>
+    <cs:fillRef idx="1">
+      <cs:styleClr val="auto"/>
+    </cs:fillRef>
+    <cs:effectRef idx="0"/>
+    <cs:fontRef idx="minor">
+      <a:schemeClr val="tx1"/>
+    </cs:fontRef>
+    <cs:spPr>
+      <a:ln w="9525">
+        <a:solidFill>
+          <a:schemeClr val="phClr"/>
+        </a:solidFill>
+      </a:ln>
+    </cs:spPr>
+  </cs:dataPointMarker>
+  <cs:dataPointMarkerLayout symbol="circle" size="5"/>
+  <cs:dataPointWireframe>
+    <cs:lnRef idx="0">
+      <cs:styleClr val="auto"/>
+    </cs:lnRef>
+    <cs:fillRef idx="1"/>
+    <cs:effectRef idx="0"/>
+    <cs:fontRef idx="minor">
+      <a:schemeClr val="tx1"/>
+    </cs:fontRef>
+    <cs:spPr>
+      <a:ln w="9525" cap="rnd">
+        <a:solidFill>
+          <a:schemeClr val="phClr"/>
+        </a:solidFill>
+        <a:round/>
+      </a:ln>
+    </cs:spPr>
+  </cs:dataPointWireframe>
+  <cs:dataTable>
+    <cs:lnRef idx="0"/>
+    <cs:fillRef idx="0"/>
+    <cs:effectRef idx="0"/>
+    <cs:fontRef idx="minor">
+      <a:schemeClr val="tx1">
+        <a:lumMod val="65000"/>
+        <a:lumOff val="35000"/>
+      </a:schemeClr>
+    </cs:fontRef>
+    <cs:spPr>
+      <a:noFill/>
+      <a:ln w="9525" cap="flat" cmpd="sng" algn="ctr">
+        <a:solidFill>
+          <a:schemeClr val="tx1">
+            <a:lumMod val="15000"/>
+            <a:lumOff val="85000"/>
+          </a:schemeClr>
+        </a:solidFill>
+        <a:round/>
+      </a:ln>
+    </cs:spPr>
+    <cs:defRPr sz="1197" kern="1200"/>
+  </cs:dataTable>
+  <cs:downBar>
+    <cs:lnRef idx="0"/>
+    <cs:fillRef idx="0"/>
+    <cs:effectRef idx="0"/>
+    <cs:fontRef idx="minor">
+      <a:schemeClr val="dk1"/>
+    </cs:fontRef>
+    <cs:spPr>
+      <a:solidFill>
+        <a:schemeClr val="dk1">
+          <a:lumMod val="65000"/>
+          <a:lumOff val="35000"/>
+        </a:schemeClr>
+      </a:solidFill>
+      <a:ln w="9525">
+        <a:solidFill>
+          <a:schemeClr val="tx1">
+            <a:lumMod val="65000"/>
+            <a:lumOff val="35000"/>
+          </a:schemeClr>
+        </a:solidFill>
+      </a:ln>
+    </cs:spPr>
+  </cs:downBar>
+  <cs:dropLine>
+    <cs:lnRef idx="0"/>
+    <cs:fillRef idx="0"/>
+    <cs:effectRef idx="0"/>
+    <cs:fontRef idx="minor">
+      <a:schemeClr val="tx1"/>
+    </cs:fontRef>
+    <cs:spPr>
+      <a:ln w="9525" cap="flat" cmpd="sng" algn="ctr">
+        <a:solidFill>
+          <a:schemeClr val="tx1">
+            <a:lumMod val="35000"/>
+            <a:lumOff val="65000"/>
+          </a:schemeClr>
+        </a:solidFill>
+        <a:round/>
+      </a:ln>
+    </cs:spPr>
+  </cs:dropLine>
+  <cs:errorBar>
+    <cs:lnRef idx="0"/>
+    <cs:fillRef idx="0"/>
+    <cs:effectRef idx="0"/>
+    <cs:fontRef idx="minor">
+      <a:schemeClr val="tx1"/>
+    </cs:fontRef>
+    <cs:spPr>
+      <a:ln w="9525" cap="flat" cmpd="sng" algn="ctr">
+        <a:solidFill>
+          <a:schemeClr val="tx1">
+            <a:lumMod val="65000"/>
+            <a:lumOff val="35000"/>
+          </a:schemeClr>
+        </a:solidFill>
+        <a:round/>
+      </a:ln>
+    </cs:spPr>
+  </cs:errorBar>
+  <cs:floor>
+    <cs:lnRef idx="0"/>
+    <cs:fillRef idx="0"/>
+    <cs:effectRef idx="0"/>
+    <cs:fontRef idx="minor">
+      <a:schemeClr val="tx1"/>
+    </cs:fontRef>
+    <cs:spPr>
+      <a:noFill/>
+      <a:ln>
+        <a:noFill/>
+      </a:ln>
+    </cs:spPr>
+  </cs:floor>
+  <cs:gridlineMajor>
+    <cs:lnRef idx="0"/>
+    <cs:fillRef idx="0"/>
+    <cs:effectRef idx="0"/>
+    <cs:fontRef idx="minor">
+      <a:schemeClr val="tx1"/>
+    </cs:fontRef>
+    <cs:spPr>
+      <a:ln w="9525" cap="flat" cmpd="sng" algn="ctr">
+        <a:solidFill>
+          <a:schemeClr val="tx1">
+            <a:lumMod val="15000"/>
+            <a:lumOff val="85000"/>
+          </a:schemeClr>
+        </a:solidFill>
+        <a:round/>
+      </a:ln>
+    </cs:spPr>
+  </cs:gridlineMajor>
+  <cs:gridlineMinor>
+    <cs:lnRef idx="0"/>
+    <cs:fillRef idx="0"/>
+    <cs:effectRef idx="0"/>
+    <cs:fontRef idx="minor">
+      <a:schemeClr val="tx1"/>
+    </cs:fontRef>
+    <cs:spPr>
+      <a:ln w="9525" cap="flat" cmpd="sng" algn="ctr">
+        <a:solidFill>
+          <a:schemeClr val="tx1">
+            <a:lumMod val="5000"/>
+            <a:lumOff val="95000"/>
+          </a:schemeClr>
+        </a:solidFill>
+        <a:round/>
+      </a:ln>
+    </cs:spPr>
+  </cs:gridlineMinor>
+  <cs:hiLoLine>
+    <cs:lnRef idx="0"/>
+    <cs:fillRef idx="0"/>
+    <cs:effectRef idx="0"/>
+    <cs:fontRef idx="minor">
+      <a:schemeClr val="tx1"/>
+    </cs:fontRef>
+    <cs:spPr>
+      <a:ln w="9525" cap="flat" cmpd="sng" algn="ctr">
+        <a:solidFill>
+          <a:schemeClr val="tx1">
+            <a:lumMod val="75000"/>
+            <a:lumOff val="25000"/>
+          </a:schemeClr>
+        </a:solidFill>
+        <a:round/>
+      </a:ln>
+    </cs:spPr>
+  </cs:hiLoLine>
+  <cs:leaderLine>
+    <cs:lnRef idx="0"/>
+    <cs:fillRef idx="0"/>
+    <cs:effectRef idx="0"/>
+    <cs:fontRef idx="minor">
+      <a:schemeClr val="tx1"/>
+    </cs:fontRef>
+    <cs:spPr>
+      <a:ln w="9525" cap="flat" cmpd="sng" algn="ctr">
+        <a:solidFill>
+          <a:schemeClr val="tx1">
+            <a:lumMod val="35000"/>
+            <a:lumOff val="65000"/>
+          </a:schemeClr>
+        </a:solidFill>
+        <a:round/>
+      </a:ln>
+    </cs:spPr>
+  </cs:leaderLine>
+  <cs:legend>
+    <cs:lnRef idx="0"/>
+    <cs:fillRef idx="0"/>
+    <cs:effectRef idx="0"/>
+    <cs:fontRef idx="minor">
+      <a:schemeClr val="tx1">
+        <a:lumMod val="65000"/>
+        <a:lumOff val="35000"/>
+      </a:schemeClr>
+    </cs:fontRef>
+    <cs:defRPr sz="1197" kern="1200"/>
+  </cs:legend>
+  <cs:plotArea mods="allowNoFillOverride allowNoLineOverride">
+    <cs:lnRef idx="0"/>
+    <cs:fillRef idx="0"/>
+    <cs:effectRef idx="0"/>
+    <cs:fontRef idx="minor">
+      <a:schemeClr val="tx1"/>
+    </cs:fontRef>
+  </cs:plotArea>
+  <cs:plotArea3D mods="allowNoFillOverride allowNoLineOverride">
+    <cs:lnRef idx="0"/>
+    <cs:fillRef idx="0"/>
+    <cs:effectRef idx="0"/>
+    <cs:fontRef idx="minor">
+      <a:schemeClr val="tx1"/>
+    </cs:fontRef>
+  </cs:plotArea3D>
+  <cs:seriesAxis>
+    <cs:lnRef idx="0"/>
+    <cs:fillRef idx="0"/>
+    <cs:effectRef idx="0"/>
+    <cs:fontRef idx="minor">
+      <a:schemeClr val="tx1">
+        <a:lumMod val="65000"/>
+        <a:lumOff val="35000"/>
+      </a:schemeClr>
+    </cs:fontRef>
+    <cs:defRPr sz="1197" kern="1200"/>
+  </cs:seriesAxis>
+  <cs:seriesLine>
+    <cs:lnRef idx="0"/>
+    <cs:fillRef idx="0"/>
+    <cs:effectRef idx="0"/>
+    <cs:fontRef idx="minor">
+      <a:schemeClr val="tx1"/>
+    </cs:fontRef>
+    <cs:spPr>
+      <a:ln w="9525" cap="flat" cmpd="sng" algn="ctr">
+        <a:solidFill>
+          <a:schemeClr val="tx1">
+            <a:lumMod val="35000"/>
+            <a:lumOff val="65000"/>
+          </a:schemeClr>
+        </a:solidFill>
+        <a:round/>
+      </a:ln>
+    </cs:spPr>
+  </cs:seriesLine>
+  <cs:title>
+    <cs:lnRef idx="0"/>
+    <cs:fillRef idx="0"/>
+    <cs:effectRef idx="0"/>
+    <cs:fontRef idx="minor">
+      <a:schemeClr val="tx1">
+        <a:lumMod val="65000"/>
+        <a:lumOff val="35000"/>
+      </a:schemeClr>
+    </cs:fontRef>
+    <cs:defRPr sz="1862" b="0" kern="1200" spc="0" baseline="0"/>
+  </cs:title>
+  <cs:trendline>
+    <cs:lnRef idx="0">
+      <cs:styleClr val="auto"/>
+    </cs:lnRef>
+    <cs:fillRef idx="0"/>
+    <cs:effectRef idx="0"/>
+    <cs:fontRef idx="minor">
+      <a:schemeClr val="tx1"/>
+    </cs:fontRef>
+    <cs:spPr>
+      <a:ln w="19050" cap="rnd">
+        <a:solidFill>
+          <a:schemeClr val="phClr"/>
+        </a:solidFill>
+        <a:prstDash val="sysDot"/>
+      </a:ln>
+    </cs:spPr>
+  </cs:trendline>
+  <cs:trendlineLabel>
+    <cs:lnRef idx="0"/>
+    <cs:fillRef idx="0"/>
+    <cs:effectRef idx="0"/>
+    <cs:fontRef idx="minor">
+      <a:schemeClr val="tx1">
+        <a:lumMod val="65000"/>
+        <a:lumOff val="35000"/>
+      </a:schemeClr>
+    </cs:fontRef>
+    <cs:defRPr sz="1197" kern="1200"/>
+  </cs:trendlineLabel>
+  <cs:upBar>
+    <cs:lnRef idx="0"/>
+    <cs:fillRef idx="0"/>
+    <cs:effectRef idx="0"/>
+    <cs:fontRef idx="minor">
+      <a:schemeClr val="dk1"/>
+    </cs:fontRef>
+    <cs:spPr>
+      <a:solidFill>
+        <a:schemeClr val="lt1"/>
+      </a:solidFill>
+      <a:ln w="9525">
+        <a:solidFill>
+          <a:schemeClr val="tx1">
+            <a:lumMod val="15000"/>
+            <a:lumOff val="85000"/>
+          </a:schemeClr>
+        </a:solidFill>
+      </a:ln>
+    </cs:spPr>
+  </cs:upBar>
+  <cs:valueAxis>
+    <cs:lnRef idx="0"/>
+    <cs:fillRef idx="0"/>
+    <cs:effectRef idx="0"/>
+    <cs:fontRef idx="minor">
+      <a:schemeClr val="tx1">
+        <a:lumMod val="65000"/>
+        <a:lumOff val="35000"/>
+      </a:schemeClr>
+    </cs:fontRef>
+    <cs:defRPr sz="1197" kern="1200"/>
+  </cs:valueAxis>
+  <cs:wall>
+    <cs:lnRef idx="0"/>
+    <cs:fillRef idx="0"/>
+    <cs:effectRef idx="0"/>
+    <cs:fontRef idx="minor">
+      <a:schemeClr val="tx1"/>
+    </cs:fontRef>
+    <cs:spPr>
+      <a:noFill/>
+      <a:ln>
+        <a:noFill/>
+      </a:ln>
+    </cs:spPr>
+  </cs:wall>
+</cs:chartStyle>
+</file>
+
+<file path=ppt/charts/style4.xml><?xml version="1.0" encoding="utf-8"?>
+<cs:chartStyle xmlns:cs="http://schemas.microsoft.com/office/drawing/2012/chartStyle" xmlns:a="http://schemas.openxmlformats.org/drawingml/2006/main" id="201">
+  <cs:axisTitle>
+    <cs:lnRef idx="0"/>
+    <cs:fillRef idx="0"/>
+    <cs:effectRef idx="0"/>
+    <cs:fontRef idx="minor">
+      <a:schemeClr val="tx1">
+        <a:lumMod val="65000"/>
+        <a:lumOff val="35000"/>
+      </a:schemeClr>
+    </cs:fontRef>
+    <cs:defRPr sz="1330" kern="1200"/>
+  </cs:axisTitle>
+  <cs:categoryAxis>
+    <cs:lnRef idx="0"/>
+    <cs:fillRef idx="0"/>
+    <cs:effectRef idx="0"/>
+    <cs:fontRef idx="minor">
+      <a:schemeClr val="tx1">
+        <a:lumMod val="65000"/>
+        <a:lumOff val="35000"/>
+      </a:schemeClr>
+    </cs:fontRef>
+    <cs:spPr>
+      <a:ln w="9525" cap="flat" cmpd="sng" algn="ctr">
+        <a:solidFill>
+          <a:schemeClr val="tx1">
+            <a:lumMod val="15000"/>
+            <a:lumOff val="85000"/>
+          </a:schemeClr>
+        </a:solidFill>
+        <a:round/>
+      </a:ln>
+    </cs:spPr>
+    <cs:defRPr sz="1197" kern="1200"/>
+  </cs:categoryAxis>
+  <cs:chartArea mods="allowNoFillOverride allowNoLineOverride">
+    <cs:lnRef idx="0"/>
+    <cs:fillRef idx="0"/>
+    <cs:effectRef idx="0"/>
+    <cs:fontRef idx="minor">
+      <a:schemeClr val="tx1"/>
+    </cs:fontRef>
+    <cs:spPr>
+      <a:solidFill>
+        <a:schemeClr val="bg1"/>
+      </a:solidFill>
+      <a:ln w="9525" cap="flat" cmpd="sng" algn="ctr">
+        <a:solidFill>
+          <a:schemeClr val="tx1">
+            <a:lumMod val="15000"/>
+            <a:lumOff val="85000"/>
+          </a:schemeClr>
+        </a:solidFill>
+        <a:round/>
+      </a:ln>
+    </cs:spPr>
+    <cs:defRPr sz="1330" kern="1200"/>
+  </cs:chartArea>
+  <cs:dataLabel>
+    <cs:lnRef idx="0"/>
+    <cs:fillRef idx="0"/>
+    <cs:effectRef idx="0"/>
+    <cs:fontRef idx="minor">
+      <a:schemeClr val="tx1">
+        <a:lumMod val="75000"/>
+        <a:lumOff val="25000"/>
+      </a:schemeClr>
+    </cs:fontRef>
+    <cs:defRPr sz="1197" kern="1200"/>
+  </cs:dataLabel>
+  <cs:dataLabelCallout>
+    <cs:lnRef idx="0"/>
+    <cs:fillRef idx="0"/>
+    <cs:effectRef idx="0"/>
+    <cs:fontRef idx="minor">
+      <a:schemeClr val="dk1">
+        <a:lumMod val="65000"/>
+        <a:lumOff val="35000"/>
+      </a:schemeClr>
+    </cs:fontRef>
+    <cs:spPr>
+      <a:solidFill>
+        <a:schemeClr val="lt1"/>
+      </a:solidFill>
+      <a:ln>
+        <a:solidFill>
+          <a:schemeClr val="dk1">
+            <a:lumMod val="25000"/>
+            <a:lumOff val="75000"/>
+          </a:schemeClr>
+        </a:solidFill>
+      </a:ln>
+    </cs:spPr>
+    <cs:defRPr sz="1197" kern="1200"/>
+    <cs:bodyPr rot="0" spcFirstLastPara="1" vertOverflow="clip" horzOverflow="clip" vert="horz" wrap="square" lIns="36576" tIns="18288" rIns="36576" bIns="18288" anchor="ctr" anchorCtr="1">
+      <a:spAutoFit/>
+    </cs:bodyPr>
+  </cs:dataLabelCallout>
+  <cs:dataPoint>
+    <cs:lnRef idx="0"/>
+    <cs:fillRef idx="1">
+      <cs:styleClr val="auto"/>
+    </cs:fillRef>
+    <cs:effectRef idx="0"/>
+    <cs:fontRef idx="minor">
+      <a:schemeClr val="tx1"/>
+    </cs:fontRef>
+  </cs:dataPoint>
+  <cs:dataPoint3D>
+    <cs:lnRef idx="0"/>
+    <cs:fillRef idx="1">
+      <cs:styleClr val="auto"/>
+    </cs:fillRef>
+    <cs:effectRef idx="0"/>
+    <cs:fontRef idx="minor">
+      <a:schemeClr val="tx1"/>
+    </cs:fontRef>
+  </cs:dataPoint3D>
+  <cs:dataPointLine>
+    <cs:lnRef idx="0">
+      <cs:styleClr val="auto"/>
+    </cs:lnRef>
+    <cs:fillRef idx="1"/>
+    <cs:effectRef idx="0"/>
+    <cs:fontRef idx="minor">
+      <a:schemeClr val="tx1"/>
+    </cs:fontRef>
+    <cs:spPr>
+      <a:ln w="28575" cap="rnd">
+        <a:solidFill>
+          <a:schemeClr val="phClr"/>
+        </a:solidFill>
+        <a:round/>
+      </a:ln>
+    </cs:spPr>
+  </cs:dataPointLine>
+  <cs:dataPointMarker>
+    <cs:lnRef idx="0">
+      <cs:styleClr val="auto"/>
+    </cs:lnRef>
+    <cs:fillRef idx="1">
+      <cs:styleClr val="auto"/>
+    </cs:fillRef>
+    <cs:effectRef idx="0"/>
+    <cs:fontRef idx="minor">
+      <a:schemeClr val="tx1"/>
+    </cs:fontRef>
+    <cs:spPr>
+      <a:ln w="9525">
+        <a:solidFill>
+          <a:schemeClr val="phClr"/>
+        </a:solidFill>
+      </a:ln>
+    </cs:spPr>
+  </cs:dataPointMarker>
+  <cs:dataPointMarkerLayout symbol="circle" size="5"/>
+  <cs:dataPointWireframe>
+    <cs:lnRef idx="0">
+      <cs:styleClr val="auto"/>
+    </cs:lnRef>
+    <cs:fillRef idx="1"/>
+    <cs:effectRef idx="0"/>
+    <cs:fontRef idx="minor">
+      <a:schemeClr val="tx1"/>
+    </cs:fontRef>
+    <cs:spPr>
+      <a:ln w="9525" cap="rnd">
+        <a:solidFill>
+          <a:schemeClr val="phClr"/>
+        </a:solidFill>
+        <a:round/>
+      </a:ln>
+    </cs:spPr>
+  </cs:dataPointWireframe>
+  <cs:dataTable>
+    <cs:lnRef idx="0"/>
+    <cs:fillRef idx="0"/>
+    <cs:effectRef idx="0"/>
+    <cs:fontRef idx="minor">
+      <a:schemeClr val="tx1">
+        <a:lumMod val="65000"/>
+        <a:lumOff val="35000"/>
+      </a:schemeClr>
+    </cs:fontRef>
+    <cs:spPr>
+      <a:noFill/>
+      <a:ln w="9525" cap="flat" cmpd="sng" algn="ctr">
+        <a:solidFill>
+          <a:schemeClr val="tx1">
+            <a:lumMod val="15000"/>
+            <a:lumOff val="85000"/>
+          </a:schemeClr>
+        </a:solidFill>
+        <a:round/>
+      </a:ln>
+    </cs:spPr>
+    <cs:defRPr sz="1197" kern="1200"/>
+  </cs:dataTable>
+  <cs:downBar>
+    <cs:lnRef idx="0"/>
+    <cs:fillRef idx="0"/>
+    <cs:effectRef idx="0"/>
+    <cs:fontRef idx="minor">
+      <a:schemeClr val="dk1"/>
+    </cs:fontRef>
+    <cs:spPr>
+      <a:solidFill>
+        <a:schemeClr val="dk1">
+          <a:lumMod val="65000"/>
+          <a:lumOff val="35000"/>
+        </a:schemeClr>
+      </a:solidFill>
+      <a:ln w="9525">
+        <a:solidFill>
+          <a:schemeClr val="tx1">
+            <a:lumMod val="65000"/>
+            <a:lumOff val="35000"/>
+          </a:schemeClr>
+        </a:solidFill>
+      </a:ln>
+    </cs:spPr>
+  </cs:downBar>
+  <cs:dropLine>
+    <cs:lnRef idx="0"/>
+    <cs:fillRef idx="0"/>
+    <cs:effectRef idx="0"/>
+    <cs:fontRef idx="minor">
+      <a:schemeClr val="tx1"/>
+    </cs:fontRef>
+    <cs:spPr>
+      <a:ln w="9525" cap="flat" cmpd="sng" algn="ctr">
+        <a:solidFill>
+          <a:schemeClr val="tx1">
+            <a:lumMod val="35000"/>
+            <a:lumOff val="65000"/>
+          </a:schemeClr>
+        </a:solidFill>
+        <a:round/>
+      </a:ln>
+    </cs:spPr>
+  </cs:dropLine>
+  <cs:errorBar>
+    <cs:lnRef idx="0"/>
+    <cs:fillRef idx="0"/>
+    <cs:effectRef idx="0"/>
+    <cs:fontRef idx="minor">
+      <a:schemeClr val="tx1"/>
+    </cs:fontRef>
+    <cs:spPr>
+      <a:ln w="9525" cap="flat" cmpd="sng" algn="ctr">
+        <a:solidFill>
+          <a:schemeClr val="tx1">
+            <a:lumMod val="65000"/>
+            <a:lumOff val="35000"/>
+          </a:schemeClr>
+        </a:solidFill>
+        <a:round/>
+      </a:ln>
+    </cs:spPr>
+  </cs:errorBar>
+  <cs:floor>
+    <cs:lnRef idx="0"/>
+    <cs:fillRef idx="0"/>
+    <cs:effectRef idx="0"/>
+    <cs:fontRef idx="minor">
+      <a:schemeClr val="tx1"/>
+    </cs:fontRef>
+    <cs:spPr>
+      <a:noFill/>
+      <a:ln>
+        <a:noFill/>
+      </a:ln>
+    </cs:spPr>
+  </cs:floor>
+  <cs:gridlineMajor>
+    <cs:lnRef idx="0"/>
+    <cs:fillRef idx="0"/>
+    <cs:effectRef idx="0"/>
+    <cs:fontRef idx="minor">
+      <a:schemeClr val="tx1"/>
+    </cs:fontRef>
+    <cs:spPr>
+      <a:ln w="9525" cap="flat" cmpd="sng" algn="ctr">
+        <a:solidFill>
+          <a:schemeClr val="tx1">
+            <a:lumMod val="15000"/>
+            <a:lumOff val="85000"/>
+          </a:schemeClr>
+        </a:solidFill>
+        <a:round/>
+      </a:ln>
+    </cs:spPr>
+  </cs:gridlineMajor>
+  <cs:gridlineMinor>
+    <cs:lnRef idx="0"/>
+    <cs:fillRef idx="0"/>
+    <cs:effectRef idx="0"/>
+    <cs:fontRef idx="minor">
+      <a:schemeClr val="tx1"/>
+    </cs:fontRef>
+    <cs:spPr>
+      <a:ln w="9525" cap="flat" cmpd="sng" algn="ctr">
+        <a:solidFill>
+          <a:schemeClr val="tx1">
+            <a:lumMod val="5000"/>
+            <a:lumOff val="95000"/>
+          </a:schemeClr>
+        </a:solidFill>
+        <a:round/>
+      </a:ln>
+    </cs:spPr>
+  </cs:gridlineMinor>
+  <cs:hiLoLine>
+    <cs:lnRef idx="0"/>
+    <cs:fillRef idx="0"/>
+    <cs:effectRef idx="0"/>
+    <cs:fontRef idx="minor">
+      <a:schemeClr val="tx1"/>
+    </cs:fontRef>
+    <cs:spPr>
+      <a:ln w="9525" cap="flat" cmpd="sng" algn="ctr">
+        <a:solidFill>
+          <a:schemeClr val="tx1">
+            <a:lumMod val="75000"/>
+            <a:lumOff val="25000"/>
+          </a:schemeClr>
+        </a:solidFill>
+        <a:round/>
+      </a:ln>
+    </cs:spPr>
+  </cs:hiLoLine>
+  <cs:leaderLine>
+    <cs:lnRef idx="0"/>
+    <cs:fillRef idx="0"/>
+    <cs:effectRef idx="0"/>
+    <cs:fontRef idx="minor">
+      <a:schemeClr val="tx1"/>
+    </cs:fontRef>
+    <cs:spPr>
+      <a:ln w="9525" cap="flat" cmpd="sng" algn="ctr">
+        <a:solidFill>
+          <a:schemeClr val="tx1">
+            <a:lumMod val="35000"/>
+            <a:lumOff val="65000"/>
+          </a:schemeClr>
+        </a:solidFill>
+        <a:round/>
+      </a:ln>
+    </cs:spPr>
+  </cs:leaderLine>
+  <cs:legend>
+    <cs:lnRef idx="0"/>
+    <cs:fillRef idx="0"/>
+    <cs:effectRef idx="0"/>
+    <cs:fontRef idx="minor">
+      <a:schemeClr val="tx1">
+        <a:lumMod val="65000"/>
+        <a:lumOff val="35000"/>
+      </a:schemeClr>
+    </cs:fontRef>
+    <cs:defRPr sz="1197" kern="1200"/>
+  </cs:legend>
+  <cs:plotArea mods="allowNoFillOverride allowNoLineOverride">
+    <cs:lnRef idx="0"/>
+    <cs:fillRef idx="0"/>
+    <cs:effectRef idx="0"/>
+    <cs:fontRef idx="minor">
+      <a:schemeClr val="tx1"/>
+    </cs:fontRef>
+  </cs:plotArea>
+  <cs:plotArea3D mods="allowNoFillOverride allowNoLineOverride">
+    <cs:lnRef idx="0"/>
+    <cs:fillRef idx="0"/>
+    <cs:effectRef idx="0"/>
+    <cs:fontRef idx="minor">
+      <a:schemeClr val="tx1"/>
+    </cs:fontRef>
+  </cs:plotArea3D>
+  <cs:seriesAxis>
+    <cs:lnRef idx="0"/>
+    <cs:fillRef idx="0"/>
+    <cs:effectRef idx="0"/>
+    <cs:fontRef idx="minor">
+      <a:schemeClr val="tx1">
+        <a:lumMod val="65000"/>
+        <a:lumOff val="35000"/>
+      </a:schemeClr>
+    </cs:fontRef>
+    <cs:defRPr sz="1197" kern="1200"/>
+  </cs:seriesAxis>
+  <cs:seriesLine>
+    <cs:lnRef idx="0"/>
+    <cs:fillRef idx="0"/>
+    <cs:effectRef idx="0"/>
+    <cs:fontRef idx="minor">
+      <a:schemeClr val="tx1"/>
+    </cs:fontRef>
+    <cs:spPr>
+      <a:ln w="9525" cap="flat" cmpd="sng" algn="ctr">
+        <a:solidFill>
+          <a:schemeClr val="tx1">
+            <a:lumMod val="35000"/>
+            <a:lumOff val="65000"/>
+          </a:schemeClr>
+        </a:solidFill>
+        <a:round/>
+      </a:ln>
+    </cs:spPr>
+  </cs:seriesLine>
+  <cs:title>
+    <cs:lnRef idx="0"/>
+    <cs:fillRef idx="0"/>
+    <cs:effectRef idx="0"/>
+    <cs:fontRef idx="minor">
+      <a:schemeClr val="tx1">
+        <a:lumMod val="65000"/>
+        <a:lumOff val="35000"/>
+      </a:schemeClr>
+    </cs:fontRef>
+    <cs:defRPr sz="1862" b="0" kern="1200" spc="0" baseline="0"/>
+  </cs:title>
+  <cs:trendline>
+    <cs:lnRef idx="0">
+      <cs:styleClr val="auto"/>
+    </cs:lnRef>
+    <cs:fillRef idx="0"/>
+    <cs:effectRef idx="0"/>
+    <cs:fontRef idx="minor">
+      <a:schemeClr val="tx1"/>
+    </cs:fontRef>
+    <cs:spPr>
+      <a:ln w="19050" cap="rnd">
+        <a:solidFill>
+          <a:schemeClr val="phClr"/>
+        </a:solidFill>
+        <a:prstDash val="sysDot"/>
+      </a:ln>
+    </cs:spPr>
+  </cs:trendline>
+  <cs:trendlineLabel>
+    <cs:lnRef idx="0"/>
+    <cs:fillRef idx="0"/>
+    <cs:effectRef idx="0"/>
+    <cs:fontRef idx="minor">
+      <a:schemeClr val="tx1">
+        <a:lumMod val="65000"/>
+        <a:lumOff val="35000"/>
+      </a:schemeClr>
+    </cs:fontRef>
+    <cs:defRPr sz="1197" kern="1200"/>
+  </cs:trendlineLabel>
+  <cs:upBar>
+    <cs:lnRef idx="0"/>
+    <cs:fillRef idx="0"/>
+    <cs:effectRef idx="0"/>
+    <cs:fontRef idx="minor">
+      <a:schemeClr val="dk1"/>
+    </cs:fontRef>
+    <cs:spPr>
+      <a:solidFill>
+        <a:schemeClr val="lt1"/>
+      </a:solidFill>
+      <a:ln w="9525">
+        <a:solidFill>
+          <a:schemeClr val="tx1">
+            <a:lumMod val="15000"/>
+            <a:lumOff val="85000"/>
+          </a:schemeClr>
+        </a:solidFill>
+      </a:ln>
+    </cs:spPr>
+  </cs:upBar>
+  <cs:valueAxis>
+    <cs:lnRef idx="0"/>
+    <cs:fillRef idx="0"/>
+    <cs:effectRef idx="0"/>
+    <cs:fontRef idx="minor">
+      <a:schemeClr val="tx1">
+        <a:lumMod val="65000"/>
+        <a:lumOff val="35000"/>
+      </a:schemeClr>
+    </cs:fontRef>
+    <cs:defRPr sz="1197" kern="1200"/>
+  </cs:valueAxis>
+  <cs:wall>
+    <cs:lnRef idx="0"/>
+    <cs:fillRef idx="0"/>
+    <cs:effectRef idx="0"/>
+    <cs:fontRef idx="minor">
+      <a:schemeClr val="tx1"/>
+    </cs:fontRef>
+    <cs:spPr>
+      <a:noFill/>
+      <a:ln>
+        <a:noFill/>
+      </a:ln>
+    </cs:spPr>
+  </cs:wall>
+</cs:chartStyle>
+</file>
+
 <file path=ppt/handoutMasters/handoutMaster1.xml><?xml version="1.0" encoding="utf-8"?>
 <p:handoutMaster xmlns:a="http://schemas.openxmlformats.org/drawingml/2006/main" xmlns:r="http://schemas.openxmlformats.org/officeDocument/2006/relationships" xmlns:p="http://schemas.openxmlformats.org/presentationml/2006/main">
   <p:cSld>
@@ -5931,34 +7573,6 @@
       </p:sp>
       <p:sp>
         <p:nvSpPr>
-          <p:cNvPr id="7" name="Номер слайда 6"/>
-          <p:cNvSpPr>
-            <a:spLocks noGrp="1"/>
-          </p:cNvSpPr>
-          <p:nvPr>
-            <p:ph type="sldNum" sz="quarter" idx="12"/>
-          </p:nvPr>
-        </p:nvSpPr>
-        <p:spPr>
-          <a:xfrm>
-            <a:off x="8610600" y="6309079"/>
-            <a:ext cx="2743200" cy="365125"/>
-          </a:xfrm>
-        </p:spPr>
-        <p:txBody>
-          <a:bodyPr/>
-          <a:lstStyle/>
-          <a:p>
-            <a:fld id="{7E7C1622-4091-4E7B-99B0-4C976627CE55}" type="slidenum">
-              <a:rPr lang="ru-RU" smtClean="0"/>
-              <a:t>1</a:t>
-            </a:fld>
-            <a:endParaRPr lang="ru-RU" dirty="0"/>
-          </a:p>
-        </p:txBody>
-      </p:sp>
-      <p:sp>
-        <p:nvSpPr>
           <p:cNvPr id="5" name="Подзаголовок 2"/>
           <p:cNvSpPr txBox="1">
             <a:spLocks/>
@@ -6574,6 +8188,34 @@
           </a:graphicData>
         </a:graphic>
       </p:graphicFrame>
+      <p:sp>
+        <p:nvSpPr>
+          <p:cNvPr id="13" name="Номер слайда 3"/>
+          <p:cNvSpPr>
+            <a:spLocks noGrp="1"/>
+          </p:cNvSpPr>
+          <p:nvPr>
+            <p:ph type="sldNum" sz="quarter" idx="12"/>
+          </p:nvPr>
+        </p:nvSpPr>
+        <p:spPr>
+          <a:xfrm>
+            <a:off x="9242612" y="6414885"/>
+            <a:ext cx="2743200" cy="365125"/>
+          </a:xfrm>
+        </p:spPr>
+        <p:txBody>
+          <a:bodyPr/>
+          <a:lstStyle/>
+          <a:p>
+            <a:r>
+              <a:rPr lang="en-US" dirty="0" smtClean="0"/>
+              <a:t>1/19</a:t>
+            </a:r>
+            <a:endParaRPr lang="ru-RU" dirty="0"/>
+          </a:p>
+        </p:txBody>
+      </p:sp>
     </p:spTree>
     <p:extLst>
       <p:ext uri="{BB962C8B-B14F-4D97-AF65-F5344CB8AC3E}">
@@ -6864,7 +8506,7 @@
       </p:sp>
       <p:sp>
         <p:nvSpPr>
-          <p:cNvPr id="4" name="Номер слайда 3"/>
+          <p:cNvPr id="6" name="Номер слайда 3"/>
           <p:cNvSpPr>
             <a:spLocks noGrp="1"/>
           </p:cNvSpPr>
@@ -6872,16 +8514,21 @@
             <p:ph type="sldNum" sz="quarter" idx="12"/>
           </p:nvPr>
         </p:nvSpPr>
-        <p:spPr/>
+        <p:spPr>
+          <a:xfrm>
+            <a:off x="9235888" y="6414885"/>
+            <a:ext cx="2743200" cy="365125"/>
+          </a:xfrm>
+        </p:spPr>
         <p:txBody>
           <a:bodyPr/>
           <a:lstStyle/>
           <a:p>
-            <a:fld id="{7E7C1622-4091-4E7B-99B0-4C976627CE55}" type="slidenum">
-              <a:rPr lang="ru-RU" smtClean="0"/>
-              <a:t>10</a:t>
-            </a:fld>
-            <a:endParaRPr lang="ru-RU"/>
+            <a:r>
+              <a:rPr lang="en-US" dirty="0" smtClean="0"/>
+              <a:t>10/19</a:t>
+            </a:r>
+            <a:endParaRPr lang="ru-RU" dirty="0"/>
           </a:p>
         </p:txBody>
       </p:sp>
@@ -7029,29 +8676,6 @@
                 <a:schemeClr val="bg1"/>
               </a:solidFill>
             </a:endParaRPr>
-          </a:p>
-        </p:txBody>
-      </p:sp>
-      <p:sp>
-        <p:nvSpPr>
-          <p:cNvPr id="4" name="Номер слайда 3"/>
-          <p:cNvSpPr>
-            <a:spLocks noGrp="1"/>
-          </p:cNvSpPr>
-          <p:nvPr>
-            <p:ph type="sldNum" sz="quarter" idx="12"/>
-          </p:nvPr>
-        </p:nvSpPr>
-        <p:spPr/>
-        <p:txBody>
-          <a:bodyPr/>
-          <a:lstStyle/>
-          <a:p>
-            <a:fld id="{7E7C1622-4091-4E7B-99B0-4C976627CE55}" type="slidenum">
-              <a:rPr lang="ru-RU" smtClean="0"/>
-              <a:t>11</a:t>
-            </a:fld>
-            <a:endParaRPr lang="ru-RU"/>
           </a:p>
         </p:txBody>
       </p:sp>
@@ -8163,6 +9787,34 @@
           </a:fontRef>
         </p:style>
       </p:cxnSp>
+      <p:sp>
+        <p:nvSpPr>
+          <p:cNvPr id="32" name="Номер слайда 3"/>
+          <p:cNvSpPr>
+            <a:spLocks noGrp="1"/>
+          </p:cNvSpPr>
+          <p:nvPr>
+            <p:ph type="sldNum" sz="quarter" idx="12"/>
+          </p:nvPr>
+        </p:nvSpPr>
+        <p:spPr>
+          <a:xfrm>
+            <a:off x="9242612" y="6414885"/>
+            <a:ext cx="2743200" cy="365125"/>
+          </a:xfrm>
+        </p:spPr>
+        <p:txBody>
+          <a:bodyPr/>
+          <a:lstStyle/>
+          <a:p>
+            <a:r>
+              <a:rPr lang="en-US" dirty="0" smtClean="0"/>
+              <a:t>11/19</a:t>
+            </a:r>
+            <a:endParaRPr lang="ru-RU" dirty="0"/>
+          </a:p>
+        </p:txBody>
+      </p:sp>
     </p:spTree>
     <p:extLst>
       <p:ext uri="{BB962C8B-B14F-4D97-AF65-F5344CB8AC3E}">
@@ -8304,29 +9956,6 @@
                 <a:schemeClr val="bg1"/>
               </a:solidFill>
             </a:endParaRPr>
-          </a:p>
-        </p:txBody>
-      </p:sp>
-      <p:sp>
-        <p:nvSpPr>
-          <p:cNvPr id="4" name="Номер слайда 3"/>
-          <p:cNvSpPr>
-            <a:spLocks noGrp="1"/>
-          </p:cNvSpPr>
-          <p:nvPr>
-            <p:ph type="sldNum" sz="quarter" idx="12"/>
-          </p:nvPr>
-        </p:nvSpPr>
-        <p:spPr/>
-        <p:txBody>
-          <a:bodyPr/>
-          <a:lstStyle/>
-          <a:p>
-            <a:fld id="{7E7C1622-4091-4E7B-99B0-4C976627CE55}" type="slidenum">
-              <a:rPr lang="ru-RU" smtClean="0"/>
-              <a:t>12</a:t>
-            </a:fld>
-            <a:endParaRPr lang="ru-RU"/>
           </a:p>
         </p:txBody>
       </p:sp>
@@ -8873,6 +10502,34 @@
           </a:p>
         </p:txBody>
       </p:sp>
+      <p:sp>
+        <p:nvSpPr>
+          <p:cNvPr id="11" name="Номер слайда 3"/>
+          <p:cNvSpPr>
+            <a:spLocks noGrp="1"/>
+          </p:cNvSpPr>
+          <p:nvPr>
+            <p:ph type="sldNum" sz="quarter" idx="12"/>
+          </p:nvPr>
+        </p:nvSpPr>
+        <p:spPr>
+          <a:xfrm>
+            <a:off x="9242612" y="6414885"/>
+            <a:ext cx="2743200" cy="365125"/>
+          </a:xfrm>
+        </p:spPr>
+        <p:txBody>
+          <a:bodyPr/>
+          <a:lstStyle/>
+          <a:p>
+            <a:r>
+              <a:rPr lang="en-US" dirty="0" smtClean="0"/>
+              <a:t>12/19</a:t>
+            </a:r>
+            <a:endParaRPr lang="ru-RU" dirty="0"/>
+          </a:p>
+        </p:txBody>
+      </p:sp>
     </p:spTree>
     <p:extLst>
       <p:ext uri="{BB962C8B-B14F-4D97-AF65-F5344CB8AC3E}">
@@ -8980,9 +10637,31 @@
           </a:p>
         </p:txBody>
       </p:sp>
+      <p:graphicFrame>
+        <p:nvGraphicFramePr>
+          <p:cNvPr id="6" name="Диаграмма 5"/>
+          <p:cNvGraphicFramePr/>
+          <p:nvPr>
+            <p:extLst>
+              <p:ext uri="{D42A27DB-BD31-4B8C-83A1-F6EECF244321}">
+                <p14:modId xmlns:p14="http://schemas.microsoft.com/office/powerpoint/2010/main" val="2240565739"/>
+              </p:ext>
+            </p:extLst>
+          </p:nvPr>
+        </p:nvGraphicFramePr>
+        <p:xfrm>
+          <a:off x="1211356" y="1633818"/>
+          <a:ext cx="9769288" cy="5162066"/>
+        </p:xfrm>
+        <a:graphic>
+          <a:graphicData uri="http://schemas.openxmlformats.org/drawingml/2006/chart">
+            <c:chart xmlns:c="http://schemas.openxmlformats.org/drawingml/2006/chart" xmlns:r="http://schemas.openxmlformats.org/officeDocument/2006/relationships" r:id="rId3"/>
+          </a:graphicData>
+        </a:graphic>
+      </p:graphicFrame>
       <p:sp>
         <p:nvSpPr>
-          <p:cNvPr id="4" name="Номер слайда 3"/>
+          <p:cNvPr id="7" name="Номер слайда 3"/>
           <p:cNvSpPr>
             <a:spLocks noGrp="1"/>
           </p:cNvSpPr>
@@ -8990,41 +10669,24 @@
             <p:ph type="sldNum" sz="quarter" idx="12"/>
           </p:nvPr>
         </p:nvSpPr>
-        <p:spPr/>
+        <p:spPr>
+          <a:xfrm>
+            <a:off x="9242612" y="6414885"/>
+            <a:ext cx="2743200" cy="365125"/>
+          </a:xfrm>
+        </p:spPr>
         <p:txBody>
           <a:bodyPr/>
           <a:lstStyle/>
           <a:p>
-            <a:fld id="{7E7C1622-4091-4E7B-99B0-4C976627CE55}" type="slidenum">
-              <a:rPr lang="ru-RU" smtClean="0"/>
-              <a:t>13</a:t>
-            </a:fld>
-            <a:endParaRPr lang="ru-RU"/>
+            <a:r>
+              <a:rPr lang="en-US" dirty="0" smtClean="0"/>
+              <a:t>13/19</a:t>
+            </a:r>
+            <a:endParaRPr lang="ru-RU" dirty="0"/>
           </a:p>
         </p:txBody>
       </p:sp>
-      <p:graphicFrame>
-        <p:nvGraphicFramePr>
-          <p:cNvPr id="6" name="Диаграмма 5"/>
-          <p:cNvGraphicFramePr/>
-          <p:nvPr>
-            <p:extLst>
-              <p:ext uri="{D42A27DB-BD31-4B8C-83A1-F6EECF244321}">
-                <p14:modId xmlns:p14="http://schemas.microsoft.com/office/powerpoint/2010/main" val="3403357618"/>
-              </p:ext>
-            </p:extLst>
-          </p:nvPr>
-        </p:nvGraphicFramePr>
-        <p:xfrm>
-          <a:off x="2124098" y="1390664"/>
-          <a:ext cx="8128000" cy="5418667"/>
-        </p:xfrm>
-        <a:graphic>
-          <a:graphicData uri="http://schemas.openxmlformats.org/drawingml/2006/chart">
-            <c:chart xmlns:c="http://schemas.openxmlformats.org/drawingml/2006/chart" xmlns:r="http://schemas.openxmlformats.org/officeDocument/2006/relationships" r:id="rId3"/>
-          </a:graphicData>
-        </a:graphic>
-      </p:graphicFrame>
     </p:spTree>
     <p:extLst>
       <p:ext uri="{BB962C8B-B14F-4D97-AF65-F5344CB8AC3E}">
@@ -9161,29 +10823,6 @@
                 <a:schemeClr val="bg1"/>
               </a:solidFill>
             </a:endParaRPr>
-          </a:p>
-        </p:txBody>
-      </p:sp>
-      <p:sp>
-        <p:nvSpPr>
-          <p:cNvPr id="4" name="Номер слайда 3"/>
-          <p:cNvSpPr>
-            <a:spLocks noGrp="1"/>
-          </p:cNvSpPr>
-          <p:nvPr>
-            <p:ph type="sldNum" sz="quarter" idx="12"/>
-          </p:nvPr>
-        </p:nvSpPr>
-        <p:spPr/>
-        <p:txBody>
-          <a:bodyPr/>
-          <a:lstStyle/>
-          <a:p>
-            <a:fld id="{7E7C1622-4091-4E7B-99B0-4C976627CE55}" type="slidenum">
-              <a:rPr lang="ru-RU" smtClean="0"/>
-              <a:t>14</a:t>
-            </a:fld>
-            <a:endParaRPr lang="ru-RU"/>
           </a:p>
         </p:txBody>
       </p:sp>
@@ -10340,6 +11979,34 @@
           </p:spPr>
         </p:pic>
       </p:grpSp>
+      <p:sp>
+        <p:nvSpPr>
+          <p:cNvPr id="45" name="Номер слайда 3"/>
+          <p:cNvSpPr>
+            <a:spLocks noGrp="1"/>
+          </p:cNvSpPr>
+          <p:nvPr>
+            <p:ph type="sldNum" sz="quarter" idx="12"/>
+          </p:nvPr>
+        </p:nvSpPr>
+        <p:spPr>
+          <a:xfrm>
+            <a:off x="9242612" y="6414885"/>
+            <a:ext cx="2743200" cy="365125"/>
+          </a:xfrm>
+        </p:spPr>
+        <p:txBody>
+          <a:bodyPr/>
+          <a:lstStyle/>
+          <a:p>
+            <a:r>
+              <a:rPr lang="en-US" dirty="0" smtClean="0"/>
+              <a:t>14/19</a:t>
+            </a:r>
+            <a:endParaRPr lang="ru-RU" dirty="0"/>
+          </a:p>
+        </p:txBody>
+      </p:sp>
     </p:spTree>
     <p:extLst>
       <p:ext uri="{BB962C8B-B14F-4D97-AF65-F5344CB8AC3E}">
@@ -10361,6 +12028,217 @@
 </file>
 
 <file path=ppt/slides/slide15.xml><?xml version="1.0" encoding="utf-8"?>
+<p:sld xmlns:a="http://schemas.openxmlformats.org/drawingml/2006/main" xmlns:r="http://schemas.openxmlformats.org/officeDocument/2006/relationships" xmlns:p="http://schemas.openxmlformats.org/presentationml/2006/main">
+  <p:cSld>
+    <p:spTree>
+      <p:nvGrpSpPr>
+        <p:cNvPr id="1" name=""/>
+        <p:cNvGrpSpPr/>
+        <p:nvPr/>
+      </p:nvGrpSpPr>
+      <p:grpSpPr>
+        <a:xfrm>
+          <a:off x="0" y="0"/>
+          <a:ext cx="0" cy="0"/>
+          <a:chOff x="0" y="0"/>
+          <a:chExt cx="0" cy="0"/>
+        </a:xfrm>
+      </p:grpSpPr>
+      <p:graphicFrame>
+        <p:nvGraphicFramePr>
+          <p:cNvPr id="8" name="Диаграмма 7"/>
+          <p:cNvGraphicFramePr/>
+          <p:nvPr>
+            <p:extLst>
+              <p:ext uri="{D42A27DB-BD31-4B8C-83A1-F6EECF244321}">
+                <p14:modId xmlns:p14="http://schemas.microsoft.com/office/powerpoint/2010/main" val="2835814668"/>
+              </p:ext>
+            </p:extLst>
+          </p:nvPr>
+        </p:nvGraphicFramePr>
+        <p:xfrm>
+          <a:off x="6126259" y="1676215"/>
+          <a:ext cx="5500385" cy="5118643"/>
+        </p:xfrm>
+        <a:graphic>
+          <a:graphicData uri="http://schemas.openxmlformats.org/drawingml/2006/chart">
+            <c:chart xmlns:c="http://schemas.openxmlformats.org/drawingml/2006/chart" xmlns:r="http://schemas.openxmlformats.org/officeDocument/2006/relationships" r:id="rId2"/>
+          </a:graphicData>
+        </a:graphic>
+      </p:graphicFrame>
+      <p:pic>
+        <p:nvPicPr>
+          <p:cNvPr id="5" name="Picture 4" descr="http://windowsapptutorials.com/wp-content/uploads/2014/12/Windows-8.1.jpg"/>
+          <p:cNvPicPr>
+            <a:picLocks noChangeAspect="1" noChangeArrowheads="1"/>
+          </p:cNvPicPr>
+          <p:nvPr/>
+        </p:nvPicPr>
+        <p:blipFill rotWithShape="1">
+          <a:blip r:embed="rId3">
+            <a:extLst>
+              <a:ext uri="{28A0092B-C50C-407E-A947-70E740481C1C}">
+                <a14:useLocalDpi xmlns:a14="http://schemas.microsoft.com/office/drawing/2010/main" val="0"/>
+              </a:ext>
+            </a:extLst>
+          </a:blip>
+          <a:srcRect l="-426" t="189" r="426" b="72317"/>
+          <a:stretch/>
+        </p:blipFill>
+        <p:spPr bwMode="auto">
+          <a:xfrm rot="10800000">
+            <a:off x="-6720" y="134472"/>
+            <a:ext cx="12265959" cy="1311088"/>
+          </a:xfrm>
+          <a:prstGeom prst="rect">
+            <a:avLst/>
+          </a:prstGeom>
+          <a:noFill/>
+          <a:extLst>
+            <a:ext uri="{909E8E84-426E-40DD-AFC4-6F175D3DCCD1}">
+              <a14:hiddenFill xmlns:a14="http://schemas.microsoft.com/office/drawing/2010/main">
+                <a:solidFill>
+                  <a:srgbClr val="FFFFFF"/>
+                </a:solidFill>
+              </a14:hiddenFill>
+            </a:ext>
+          </a:extLst>
+        </p:spPr>
+      </p:pic>
+      <p:sp>
+        <p:nvSpPr>
+          <p:cNvPr id="2" name="Заголовок 1"/>
+          <p:cNvSpPr>
+            <a:spLocks noGrp="1"/>
+          </p:cNvSpPr>
+          <p:nvPr>
+            <p:ph type="title"/>
+          </p:nvPr>
+        </p:nvSpPr>
+        <p:spPr/>
+        <p:txBody>
+          <a:bodyPr/>
+          <a:lstStyle/>
+          <a:p>
+            <a:r>
+              <a:rPr lang="ru-RU" dirty="0" smtClean="0">
+                <a:solidFill>
+                  <a:schemeClr val="bg1"/>
+                </a:solidFill>
+              </a:rPr>
+              <a:t>Замена </a:t>
+            </a:r>
+            <a:r>
+              <a:rPr lang="en-US" b="1" dirty="0" smtClean="0">
+                <a:solidFill>
+                  <a:schemeClr val="bg1"/>
+                </a:solidFill>
+              </a:rPr>
+              <a:t>XDR</a:t>
+            </a:r>
+            <a:r>
+              <a:rPr lang="en-US" dirty="0" smtClean="0">
+                <a:solidFill>
+                  <a:schemeClr val="bg1"/>
+                </a:solidFill>
+              </a:rPr>
+              <a:t> </a:t>
+            </a:r>
+            <a:r>
+              <a:rPr lang="ru-RU" dirty="0" smtClean="0">
+                <a:solidFill>
+                  <a:schemeClr val="bg1"/>
+                </a:solidFill>
+              </a:rPr>
+              <a:t>на </a:t>
+            </a:r>
+            <a:r>
+              <a:rPr lang="en-US" b="1" dirty="0" err="1" smtClean="0">
+                <a:solidFill>
+                  <a:schemeClr val="bg1"/>
+                </a:solidFill>
+              </a:rPr>
+              <a:t>ProtoBuf</a:t>
+            </a:r>
+            <a:endParaRPr lang="ru-RU" dirty="0">
+              <a:solidFill>
+                <a:schemeClr val="bg1"/>
+              </a:solidFill>
+            </a:endParaRPr>
+          </a:p>
+        </p:txBody>
+      </p:sp>
+      <p:graphicFrame>
+        <p:nvGraphicFramePr>
+          <p:cNvPr id="6" name="Диаграмма 5"/>
+          <p:cNvGraphicFramePr/>
+          <p:nvPr>
+            <p:extLst>
+              <p:ext uri="{D42A27DB-BD31-4B8C-83A1-F6EECF244321}">
+                <p14:modId xmlns:p14="http://schemas.microsoft.com/office/powerpoint/2010/main" val="364297307"/>
+              </p:ext>
+            </p:extLst>
+          </p:nvPr>
+        </p:nvGraphicFramePr>
+        <p:xfrm>
+          <a:off x="416320" y="1676215"/>
+          <a:ext cx="5500385" cy="5118643"/>
+        </p:xfrm>
+        <a:graphic>
+          <a:graphicData uri="http://schemas.openxmlformats.org/drawingml/2006/chart">
+            <c:chart xmlns:c="http://schemas.openxmlformats.org/drawingml/2006/chart" xmlns:r="http://schemas.openxmlformats.org/officeDocument/2006/relationships" r:id="rId4"/>
+          </a:graphicData>
+        </a:graphic>
+      </p:graphicFrame>
+      <p:sp>
+        <p:nvSpPr>
+          <p:cNvPr id="9" name="Номер слайда 3"/>
+          <p:cNvSpPr>
+            <a:spLocks noGrp="1"/>
+          </p:cNvSpPr>
+          <p:nvPr>
+            <p:ph type="sldNum" sz="quarter" idx="12"/>
+          </p:nvPr>
+        </p:nvSpPr>
+        <p:spPr>
+          <a:xfrm>
+            <a:off x="9242612" y="6414885"/>
+            <a:ext cx="2743200" cy="365125"/>
+          </a:xfrm>
+        </p:spPr>
+        <p:txBody>
+          <a:bodyPr/>
+          <a:lstStyle/>
+          <a:p>
+            <a:r>
+              <a:rPr lang="en-US" dirty="0" smtClean="0"/>
+              <a:t>15/19</a:t>
+            </a:r>
+            <a:endParaRPr lang="ru-RU" dirty="0"/>
+          </a:p>
+        </p:txBody>
+      </p:sp>
+    </p:spTree>
+    <p:extLst>
+      <p:ext uri="{BB962C8B-B14F-4D97-AF65-F5344CB8AC3E}">
+        <p14:creationId xmlns:p14="http://schemas.microsoft.com/office/powerpoint/2010/main" val="1698562532"/>
+      </p:ext>
+    </p:extLst>
+  </p:cSld>
+  <p:clrMapOvr>
+    <a:masterClrMapping/>
+  </p:clrMapOvr>
+  <p:timing>
+    <p:tnLst>
+      <p:par>
+        <p:cTn id="1" dur="indefinite" restart="never" nodeType="tmRoot"/>
+      </p:par>
+    </p:tnLst>
+  </p:timing>
+</p:sld>
+</file>
+
+<file path=ppt/slides/slide16.xml><?xml version="1.0" encoding="utf-8"?>
 <p:sld xmlns:a="http://schemas.openxmlformats.org/drawingml/2006/main" xmlns:r="http://schemas.openxmlformats.org/officeDocument/2006/relationships" xmlns:p="http://schemas.openxmlformats.org/presentationml/2006/main">
   <p:cSld>
     <p:spTree>
@@ -10442,36 +12320,13 @@
                   <a:schemeClr val="bg1"/>
                 </a:solidFill>
               </a:rPr>
-              <a:t>Передача файлов через разделяемую память </a:t>
+              <a:t>Передача файлов через общую память </a:t>
             </a:r>
             <a:endParaRPr lang="ru-RU" dirty="0">
               <a:solidFill>
                 <a:schemeClr val="bg1"/>
               </a:solidFill>
             </a:endParaRPr>
-          </a:p>
-        </p:txBody>
-      </p:sp>
-      <p:sp>
-        <p:nvSpPr>
-          <p:cNvPr id="4" name="Номер слайда 3"/>
-          <p:cNvSpPr>
-            <a:spLocks noGrp="1"/>
-          </p:cNvSpPr>
-          <p:nvPr>
-            <p:ph type="sldNum" sz="quarter" idx="12"/>
-          </p:nvPr>
-        </p:nvSpPr>
-        <p:spPr/>
-        <p:txBody>
-          <a:bodyPr/>
-          <a:lstStyle/>
-          <a:p>
-            <a:fld id="{7E7C1622-4091-4E7B-99B0-4C976627CE55}" type="slidenum">
-              <a:rPr lang="ru-RU" smtClean="0"/>
-              <a:t>15</a:t>
-            </a:fld>
-            <a:endParaRPr lang="ru-RU"/>
           </a:p>
         </p:txBody>
       </p:sp>
@@ -11784,116 +13639,9 @@
           </a:p>
         </p:txBody>
       </p:sp>
-    </p:spTree>
-    <p:extLst>
-      <p:ext uri="{BB962C8B-B14F-4D97-AF65-F5344CB8AC3E}">
-        <p14:creationId xmlns:p14="http://schemas.microsoft.com/office/powerpoint/2010/main" val="3625238544"/>
-      </p:ext>
-    </p:extLst>
-  </p:cSld>
-  <p:clrMapOvr>
-    <a:masterClrMapping/>
-  </p:clrMapOvr>
-  <p:timing>
-    <p:tnLst>
-      <p:par>
-        <p:cTn id="1" dur="indefinite" restart="never" nodeType="tmRoot"/>
-      </p:par>
-    </p:tnLst>
-  </p:timing>
-</p:sld>
-</file>
-
-<file path=ppt/slides/slide16.xml><?xml version="1.0" encoding="utf-8"?>
-<p:sld xmlns:a="http://schemas.openxmlformats.org/drawingml/2006/main" xmlns:r="http://schemas.openxmlformats.org/officeDocument/2006/relationships" xmlns:p="http://schemas.openxmlformats.org/presentationml/2006/main">
-  <p:cSld>
-    <p:spTree>
-      <p:nvGrpSpPr>
-        <p:cNvPr id="1" name=""/>
-        <p:cNvGrpSpPr/>
-        <p:nvPr/>
-      </p:nvGrpSpPr>
-      <p:grpSpPr>
-        <a:xfrm>
-          <a:off x="0" y="0"/>
-          <a:ext cx="0" cy="0"/>
-          <a:chOff x="0" y="0"/>
-          <a:chExt cx="0" cy="0"/>
-        </a:xfrm>
-      </p:grpSpPr>
-      <p:pic>
-        <p:nvPicPr>
-          <p:cNvPr id="5" name="Picture 4" descr="http://windowsapptutorials.com/wp-content/uploads/2014/12/Windows-8.1.jpg"/>
-          <p:cNvPicPr>
-            <a:picLocks noChangeAspect="1" noChangeArrowheads="1"/>
-          </p:cNvPicPr>
-          <p:nvPr/>
-        </p:nvPicPr>
-        <p:blipFill rotWithShape="1">
-          <a:blip r:embed="rId2">
-            <a:extLst>
-              <a:ext uri="{28A0092B-C50C-407E-A947-70E740481C1C}">
-                <a14:useLocalDpi xmlns:a14="http://schemas.microsoft.com/office/drawing/2010/main" val="0"/>
-              </a:ext>
-            </a:extLst>
-          </a:blip>
-          <a:srcRect l="-426" t="189" r="426" b="72317"/>
-          <a:stretch/>
-        </p:blipFill>
-        <p:spPr bwMode="auto">
-          <a:xfrm rot="10800000">
-            <a:off x="-6720" y="134472"/>
-            <a:ext cx="12265959" cy="1311088"/>
-          </a:xfrm>
-          <a:prstGeom prst="rect">
-            <a:avLst/>
-          </a:prstGeom>
-          <a:noFill/>
-          <a:extLst>
-            <a:ext uri="{909E8E84-426E-40DD-AFC4-6F175D3DCCD1}">
-              <a14:hiddenFill xmlns:a14="http://schemas.microsoft.com/office/drawing/2010/main">
-                <a:solidFill>
-                  <a:srgbClr val="FFFFFF"/>
-                </a:solidFill>
-              </a14:hiddenFill>
-            </a:ext>
-          </a:extLst>
-        </p:spPr>
-      </p:pic>
       <p:sp>
         <p:nvSpPr>
-          <p:cNvPr id="2" name="Заголовок 1"/>
-          <p:cNvSpPr>
-            <a:spLocks noGrp="1"/>
-          </p:cNvSpPr>
-          <p:nvPr>
-            <p:ph type="title"/>
-          </p:nvPr>
-        </p:nvSpPr>
-        <p:spPr/>
-        <p:txBody>
-          <a:bodyPr/>
-          <a:lstStyle/>
-          <a:p>
-            <a:r>
-              <a:rPr lang="ru-RU" dirty="0" smtClean="0">
-                <a:solidFill>
-                  <a:schemeClr val="bg1"/>
-                </a:solidFill>
-              </a:rPr>
-              <a:t>Сравнение производительности</a:t>
-            </a:r>
-            <a:endParaRPr lang="ru-RU" dirty="0">
-              <a:solidFill>
-                <a:schemeClr val="bg1"/>
-              </a:solidFill>
-            </a:endParaRPr>
-          </a:p>
-        </p:txBody>
-      </p:sp>
-      <p:sp>
-        <p:nvSpPr>
-          <p:cNvPr id="4" name="Номер слайда 3"/>
+          <p:cNvPr id="58" name="Номер слайда 3"/>
           <p:cNvSpPr>
             <a:spLocks noGrp="1"/>
           </p:cNvSpPr>
@@ -11901,45 +13649,28 @@
             <p:ph type="sldNum" sz="quarter" idx="12"/>
           </p:nvPr>
         </p:nvSpPr>
-        <p:spPr/>
+        <p:spPr>
+          <a:xfrm>
+            <a:off x="9242612" y="6414885"/>
+            <a:ext cx="2743200" cy="365125"/>
+          </a:xfrm>
+        </p:spPr>
         <p:txBody>
           <a:bodyPr/>
           <a:lstStyle/>
           <a:p>
-            <a:fld id="{7E7C1622-4091-4E7B-99B0-4C976627CE55}" type="slidenum">
-              <a:rPr lang="ru-RU" smtClean="0"/>
-              <a:t>16</a:t>
-            </a:fld>
-            <a:endParaRPr lang="ru-RU"/>
+            <a:r>
+              <a:rPr lang="en-US" dirty="0" smtClean="0"/>
+              <a:t>16/19</a:t>
+            </a:r>
+            <a:endParaRPr lang="ru-RU" dirty="0"/>
           </a:p>
         </p:txBody>
       </p:sp>
-      <p:graphicFrame>
-        <p:nvGraphicFramePr>
-          <p:cNvPr id="6" name="Диаграмма 5"/>
-          <p:cNvGraphicFramePr/>
-          <p:nvPr>
-            <p:extLst>
-              <p:ext uri="{D42A27DB-BD31-4B8C-83A1-F6EECF244321}">
-                <p14:modId xmlns:p14="http://schemas.microsoft.com/office/powerpoint/2010/main" val="3403357618"/>
-              </p:ext>
-            </p:extLst>
-          </p:nvPr>
-        </p:nvGraphicFramePr>
-        <p:xfrm>
-          <a:off x="2124098" y="1390664"/>
-          <a:ext cx="8128000" cy="5418667"/>
-        </p:xfrm>
-        <a:graphic>
-          <a:graphicData uri="http://schemas.openxmlformats.org/drawingml/2006/chart">
-            <c:chart xmlns:c="http://schemas.openxmlformats.org/drawingml/2006/chart" xmlns:r="http://schemas.openxmlformats.org/officeDocument/2006/relationships" r:id="rId3"/>
-          </a:graphicData>
-        </a:graphic>
-      </p:graphicFrame>
     </p:spTree>
     <p:extLst>
       <p:ext uri="{BB962C8B-B14F-4D97-AF65-F5344CB8AC3E}">
-        <p14:creationId xmlns:p14="http://schemas.microsoft.com/office/powerpoint/2010/main" val="459316706"/>
+        <p14:creationId xmlns:p14="http://schemas.microsoft.com/office/powerpoint/2010/main" val="3625238544"/>
       </p:ext>
     </p:extLst>
   </p:cSld>
@@ -12022,7 +13753,12 @@
             <p:ph type="title"/>
           </p:nvPr>
         </p:nvSpPr>
-        <p:spPr/>
+        <p:spPr>
+          <a:xfrm>
+            <a:off x="838199" y="365125"/>
+            <a:ext cx="10975041" cy="1325563"/>
+          </a:xfrm>
+        </p:spPr>
         <p:txBody>
           <a:bodyPr/>
           <a:lstStyle/>
@@ -12033,7 +13769,23 @@
                   <a:schemeClr val="bg1"/>
                 </a:solidFill>
               </a:rPr>
-              <a:t>Результаты</a:t>
+              <a:t>Передача файлов через </a:t>
+            </a:r>
+            <a:r>
+              <a:rPr lang="ru-RU" dirty="0" smtClean="0">
+                <a:solidFill>
+                  <a:schemeClr val="bg1"/>
+                </a:solidFill>
+              </a:rPr>
+              <a:t>общую </a:t>
+            </a:r>
+            <a:r>
+              <a:rPr lang="ru-RU" dirty="0" smtClean="0">
+                <a:solidFill>
+                  <a:schemeClr val="bg1"/>
+                </a:solidFill>
+              </a:rPr>
+              <a:t>память </a:t>
             </a:r>
             <a:endParaRPr lang="ru-RU" dirty="0">
               <a:solidFill>
@@ -12043,161 +13795,31 @@
           </a:p>
         </p:txBody>
       </p:sp>
+      <p:graphicFrame>
+        <p:nvGraphicFramePr>
+          <p:cNvPr id="7" name="Диаграмма 6"/>
+          <p:cNvGraphicFramePr/>
+          <p:nvPr>
+            <p:extLst>
+              <p:ext uri="{D42A27DB-BD31-4B8C-83A1-F6EECF244321}">
+                <p14:modId xmlns:p14="http://schemas.microsoft.com/office/powerpoint/2010/main" val="1341230382"/>
+              </p:ext>
+            </p:extLst>
+          </p:nvPr>
+        </p:nvGraphicFramePr>
+        <p:xfrm>
+          <a:off x="2124098" y="1690688"/>
+          <a:ext cx="8128000" cy="5118643"/>
+        </p:xfrm>
+        <a:graphic>
+          <a:graphicData uri="http://schemas.openxmlformats.org/drawingml/2006/chart">
+            <c:chart xmlns:c="http://schemas.openxmlformats.org/drawingml/2006/chart" xmlns:r="http://schemas.openxmlformats.org/officeDocument/2006/relationships" r:id="rId3"/>
+          </a:graphicData>
+        </a:graphic>
+      </p:graphicFrame>
       <p:sp>
         <p:nvSpPr>
-          <p:cNvPr id="3" name="Объект 2"/>
-          <p:cNvSpPr>
-            <a:spLocks noGrp="1"/>
-          </p:cNvSpPr>
-          <p:nvPr>
-            <p:ph idx="1"/>
-          </p:nvPr>
-        </p:nvSpPr>
-        <p:spPr/>
-        <p:txBody>
-          <a:bodyPr/>
-          <a:lstStyle/>
-          <a:p>
-            <a:pPr marL="0" indent="0">
-              <a:lnSpc>
-                <a:spcPct val="150000"/>
-              </a:lnSpc>
-              <a:buNone/>
-            </a:pPr>
-            <a:r>
-              <a:rPr lang="ru-RU" dirty="0" smtClean="0">
-                <a:solidFill>
-                  <a:srgbClr val="1580D0"/>
-                </a:solidFill>
-              </a:rPr>
-              <a:t>Библиотека</a:t>
-            </a:r>
-            <a:r>
-              <a:rPr lang="ru-RU" dirty="0" smtClean="0"/>
-              <a:t> для доступа к файловым системам </a:t>
-            </a:r>
-            <a:r>
-              <a:rPr lang="en-US" dirty="0" smtClean="0"/>
-              <a:t>Linux</a:t>
-            </a:r>
-            <a:r>
-              <a:rPr lang="ru-RU" dirty="0" smtClean="0"/>
-              <a:t> в </a:t>
-            </a:r>
-            <a:r>
-              <a:rPr lang="en-US" dirty="0" smtClean="0"/>
-              <a:t>Windows</a:t>
-            </a:r>
-            <a:endParaRPr lang="ru-RU" dirty="0" smtClean="0"/>
-          </a:p>
-          <a:p>
-            <a:pPr>
-              <a:lnSpc>
-                <a:spcPct val="150000"/>
-              </a:lnSpc>
-            </a:pPr>
-            <a:r>
-              <a:rPr lang="ru-RU" sz="2400" dirty="0"/>
-              <a:t>и</a:t>
-            </a:r>
-            <a:r>
-              <a:rPr lang="ru-RU" sz="2400" dirty="0" smtClean="0"/>
-              <a:t>спользование </a:t>
-            </a:r>
-            <a:r>
-              <a:rPr lang="ru-RU" sz="2400" dirty="0" err="1" smtClean="0">
-                <a:solidFill>
-                  <a:srgbClr val="1580D0"/>
-                </a:solidFill>
-              </a:rPr>
-              <a:t>нативных</a:t>
-            </a:r>
-            <a:r>
-              <a:rPr lang="ru-RU" sz="2400" dirty="0" smtClean="0">
-                <a:solidFill>
-                  <a:srgbClr val="1580D0"/>
-                </a:solidFill>
-              </a:rPr>
-              <a:t> </a:t>
-            </a:r>
-            <a:r>
-              <a:rPr lang="en-US" sz="2400" dirty="0" smtClean="0"/>
-              <a:t>Linux</a:t>
-            </a:r>
-            <a:r>
-              <a:rPr lang="ru-RU" sz="2400" dirty="0" smtClean="0"/>
-              <a:t>-драйверов</a:t>
-            </a:r>
-          </a:p>
-          <a:p>
-            <a:pPr>
-              <a:lnSpc>
-                <a:spcPct val="150000"/>
-              </a:lnSpc>
-            </a:pPr>
-            <a:r>
-              <a:rPr lang="ru-RU" sz="2400" dirty="0"/>
-              <a:t>э</a:t>
-            </a:r>
-            <a:r>
-              <a:rPr lang="ru-RU" sz="2400" dirty="0" smtClean="0"/>
-              <a:t>муляция </a:t>
-            </a:r>
-            <a:r>
-              <a:rPr lang="en-US" sz="2400" dirty="0" smtClean="0"/>
-              <a:t>Linux</a:t>
-            </a:r>
-            <a:r>
-              <a:rPr lang="ru-RU" sz="2400" dirty="0" smtClean="0"/>
-              <a:t>-окружения с помощью </a:t>
-            </a:r>
-            <a:r>
-              <a:rPr lang="en-US" sz="2400" dirty="0" smtClean="0">
-                <a:solidFill>
-                  <a:srgbClr val="1580D0"/>
-                </a:solidFill>
-              </a:rPr>
-              <a:t>QEMU</a:t>
-            </a:r>
-            <a:endParaRPr lang="ru-RU" sz="2400" dirty="0" smtClean="0">
-              <a:solidFill>
-                <a:srgbClr val="1580D0"/>
-              </a:solidFill>
-            </a:endParaRPr>
-          </a:p>
-          <a:p>
-            <a:pPr>
-              <a:lnSpc>
-                <a:spcPct val="150000"/>
-              </a:lnSpc>
-            </a:pPr>
-            <a:r>
-              <a:rPr lang="ru-RU" sz="2400" dirty="0"/>
-              <a:t>п</a:t>
-            </a:r>
-            <a:r>
-              <a:rPr lang="ru-RU" sz="2400" dirty="0" smtClean="0"/>
-              <a:t>ередача файлов через </a:t>
-            </a:r>
-            <a:r>
-              <a:rPr lang="ru-RU" sz="2400" dirty="0" smtClean="0">
-                <a:solidFill>
-                  <a:srgbClr val="1580D0"/>
-                </a:solidFill>
-              </a:rPr>
-              <a:t>разделяемую память</a:t>
-            </a:r>
-            <a:endParaRPr lang="ru-RU" sz="2400" dirty="0">
-              <a:solidFill>
-                <a:srgbClr val="1580D0"/>
-              </a:solidFill>
-            </a:endParaRPr>
-          </a:p>
-        </p:txBody>
-      </p:sp>
-      <p:sp>
-        <p:nvSpPr>
-          <p:cNvPr id="4" name="Номер слайда 3"/>
+          <p:cNvPr id="8" name="Номер слайда 3"/>
           <p:cNvSpPr>
             <a:spLocks noGrp="1"/>
           </p:cNvSpPr>
@@ -12205,23 +13827,28 @@
             <p:ph type="sldNum" sz="quarter" idx="12"/>
           </p:nvPr>
         </p:nvSpPr>
-        <p:spPr/>
+        <p:spPr>
+          <a:xfrm>
+            <a:off x="9242612" y="6414885"/>
+            <a:ext cx="2743200" cy="365125"/>
+          </a:xfrm>
+        </p:spPr>
         <p:txBody>
           <a:bodyPr/>
           <a:lstStyle/>
           <a:p>
-            <a:fld id="{7E7C1622-4091-4E7B-99B0-4C976627CE55}" type="slidenum">
-              <a:rPr lang="ru-RU" smtClean="0"/>
-              <a:t>17</a:t>
-            </a:fld>
-            <a:endParaRPr lang="ru-RU"/>
+            <a:r>
+              <a:rPr lang="en-US" dirty="0" smtClean="0"/>
+              <a:t>17/19</a:t>
+            </a:r>
+            <a:endParaRPr lang="ru-RU" dirty="0"/>
           </a:p>
         </p:txBody>
       </p:sp>
     </p:spTree>
     <p:extLst>
       <p:ext uri="{BB962C8B-B14F-4D97-AF65-F5344CB8AC3E}">
-        <p14:creationId xmlns:p14="http://schemas.microsoft.com/office/powerpoint/2010/main" val="884907377"/>
+        <p14:creationId xmlns:p14="http://schemas.microsoft.com/office/powerpoint/2010/main" val="459316706"/>
       </p:ext>
     </p:extLst>
   </p:cSld>
@@ -12276,6 +13903,293 @@
         </p:blipFill>
         <p:spPr bwMode="auto">
           <a:xfrm rot="10800000">
+            <a:off x="-6720" y="134472"/>
+            <a:ext cx="12265959" cy="1311088"/>
+          </a:xfrm>
+          <a:prstGeom prst="rect">
+            <a:avLst/>
+          </a:prstGeom>
+          <a:noFill/>
+          <a:extLst>
+            <a:ext uri="{909E8E84-426E-40DD-AFC4-6F175D3DCCD1}">
+              <a14:hiddenFill xmlns:a14="http://schemas.microsoft.com/office/drawing/2010/main">
+                <a:solidFill>
+                  <a:srgbClr val="FFFFFF"/>
+                </a:solidFill>
+              </a14:hiddenFill>
+            </a:ext>
+          </a:extLst>
+        </p:spPr>
+      </p:pic>
+      <p:sp>
+        <p:nvSpPr>
+          <p:cNvPr id="2" name="Заголовок 1"/>
+          <p:cNvSpPr>
+            <a:spLocks noGrp="1"/>
+          </p:cNvSpPr>
+          <p:nvPr>
+            <p:ph type="title"/>
+          </p:nvPr>
+        </p:nvSpPr>
+        <p:spPr/>
+        <p:txBody>
+          <a:bodyPr/>
+          <a:lstStyle/>
+          <a:p>
+            <a:r>
+              <a:rPr lang="ru-RU" dirty="0" smtClean="0">
+                <a:solidFill>
+                  <a:schemeClr val="bg1"/>
+                </a:solidFill>
+              </a:rPr>
+              <a:t>Результаты</a:t>
+            </a:r>
+            <a:endParaRPr lang="ru-RU" dirty="0">
+              <a:solidFill>
+                <a:schemeClr val="bg1"/>
+              </a:solidFill>
+            </a:endParaRPr>
+          </a:p>
+        </p:txBody>
+      </p:sp>
+      <p:sp>
+        <p:nvSpPr>
+          <p:cNvPr id="3" name="Объект 2"/>
+          <p:cNvSpPr>
+            <a:spLocks noGrp="1"/>
+          </p:cNvSpPr>
+          <p:nvPr>
+            <p:ph idx="1"/>
+          </p:nvPr>
+        </p:nvSpPr>
+        <p:spPr/>
+        <p:txBody>
+          <a:bodyPr/>
+          <a:lstStyle/>
+          <a:p>
+            <a:pPr marL="0" indent="0">
+              <a:lnSpc>
+                <a:spcPct val="150000"/>
+              </a:lnSpc>
+              <a:buNone/>
+            </a:pPr>
+            <a:r>
+              <a:rPr lang="ru-RU" dirty="0" smtClean="0">
+                <a:solidFill>
+                  <a:srgbClr val="1580D0"/>
+                </a:solidFill>
+              </a:rPr>
+              <a:t>Библиотека</a:t>
+            </a:r>
+            <a:r>
+              <a:rPr lang="ru-RU" dirty="0" smtClean="0"/>
+              <a:t> для доступа к файловым системам </a:t>
+            </a:r>
+            <a:r>
+              <a:rPr lang="en-US" dirty="0" smtClean="0"/>
+              <a:t>Linux</a:t>
+            </a:r>
+            <a:r>
+              <a:rPr lang="ru-RU" dirty="0" smtClean="0"/>
+              <a:t> в </a:t>
+            </a:r>
+            <a:r>
+              <a:rPr lang="en-US" dirty="0" smtClean="0"/>
+              <a:t>Windows</a:t>
+            </a:r>
+            <a:endParaRPr lang="ru-RU" dirty="0" smtClean="0"/>
+          </a:p>
+          <a:p>
+            <a:pPr>
+              <a:lnSpc>
+                <a:spcPct val="150000"/>
+              </a:lnSpc>
+            </a:pPr>
+            <a:r>
+              <a:rPr lang="ru-RU" sz="2400" dirty="0"/>
+              <a:t>и</a:t>
+            </a:r>
+            <a:r>
+              <a:rPr lang="ru-RU" sz="2400" dirty="0" smtClean="0"/>
+              <a:t>спользование </a:t>
+            </a:r>
+            <a:r>
+              <a:rPr lang="ru-RU" sz="2400" dirty="0" err="1" smtClean="0">
+                <a:solidFill>
+                  <a:srgbClr val="1580D0"/>
+                </a:solidFill>
+              </a:rPr>
+              <a:t>нативных</a:t>
+            </a:r>
+            <a:r>
+              <a:rPr lang="ru-RU" sz="2400" dirty="0" smtClean="0">
+                <a:solidFill>
+                  <a:srgbClr val="1580D0"/>
+                </a:solidFill>
+              </a:rPr>
+              <a:t> </a:t>
+            </a:r>
+            <a:r>
+              <a:rPr lang="en-US" sz="2400" dirty="0" smtClean="0"/>
+              <a:t>Linux</a:t>
+            </a:r>
+            <a:r>
+              <a:rPr lang="ru-RU" sz="2400" dirty="0" smtClean="0"/>
+              <a:t>-драйверов</a:t>
+            </a:r>
+          </a:p>
+          <a:p>
+            <a:pPr>
+              <a:lnSpc>
+                <a:spcPct val="150000"/>
+              </a:lnSpc>
+            </a:pPr>
+            <a:r>
+              <a:rPr lang="ru-RU" sz="2400" dirty="0"/>
+              <a:t>э</a:t>
+            </a:r>
+            <a:r>
+              <a:rPr lang="ru-RU" sz="2400" dirty="0" smtClean="0"/>
+              <a:t>муляция </a:t>
+            </a:r>
+            <a:r>
+              <a:rPr lang="en-US" sz="2400" dirty="0" smtClean="0"/>
+              <a:t>Linux</a:t>
+            </a:r>
+            <a:r>
+              <a:rPr lang="ru-RU" sz="2400" dirty="0" smtClean="0"/>
+              <a:t>-окружения с помощью </a:t>
+            </a:r>
+            <a:r>
+              <a:rPr lang="en-US" sz="2400" dirty="0" smtClean="0">
+                <a:solidFill>
+                  <a:srgbClr val="1580D0"/>
+                </a:solidFill>
+              </a:rPr>
+              <a:t>QEMU</a:t>
+            </a:r>
+            <a:endParaRPr lang="ru-RU" sz="2400" dirty="0" smtClean="0">
+              <a:solidFill>
+                <a:srgbClr val="1580D0"/>
+              </a:solidFill>
+            </a:endParaRPr>
+          </a:p>
+          <a:p>
+            <a:pPr>
+              <a:lnSpc>
+                <a:spcPct val="150000"/>
+              </a:lnSpc>
+            </a:pPr>
+            <a:r>
+              <a:rPr lang="ru-RU" sz="2400" dirty="0"/>
+              <a:t>п</a:t>
+            </a:r>
+            <a:r>
+              <a:rPr lang="ru-RU" sz="2400" dirty="0" smtClean="0"/>
+              <a:t>ередача файлов через </a:t>
+            </a:r>
+            <a:r>
+              <a:rPr lang="ru-RU" sz="2400" dirty="0" smtClean="0">
+                <a:solidFill>
+                  <a:srgbClr val="1580D0"/>
+                </a:solidFill>
+              </a:rPr>
+              <a:t>разделяемую память</a:t>
+            </a:r>
+            <a:endParaRPr lang="ru-RU" sz="2400" dirty="0">
+              <a:solidFill>
+                <a:srgbClr val="1580D0"/>
+              </a:solidFill>
+            </a:endParaRPr>
+          </a:p>
+        </p:txBody>
+      </p:sp>
+      <p:sp>
+        <p:nvSpPr>
+          <p:cNvPr id="6" name="Номер слайда 3"/>
+          <p:cNvSpPr>
+            <a:spLocks noGrp="1"/>
+          </p:cNvSpPr>
+          <p:nvPr>
+            <p:ph type="sldNum" sz="quarter" idx="12"/>
+          </p:nvPr>
+        </p:nvSpPr>
+        <p:spPr>
+          <a:xfrm>
+            <a:off x="9242612" y="6414885"/>
+            <a:ext cx="2743200" cy="365125"/>
+          </a:xfrm>
+        </p:spPr>
+        <p:txBody>
+          <a:bodyPr/>
+          <a:lstStyle/>
+          <a:p>
+            <a:r>
+              <a:rPr lang="en-US" dirty="0" smtClean="0"/>
+              <a:t>18/19</a:t>
+            </a:r>
+            <a:endParaRPr lang="ru-RU" dirty="0"/>
+          </a:p>
+        </p:txBody>
+      </p:sp>
+    </p:spTree>
+    <p:extLst>
+      <p:ext uri="{BB962C8B-B14F-4D97-AF65-F5344CB8AC3E}">
+        <p14:creationId xmlns:p14="http://schemas.microsoft.com/office/powerpoint/2010/main" val="884907377"/>
+      </p:ext>
+    </p:extLst>
+  </p:cSld>
+  <p:clrMapOvr>
+    <a:masterClrMapping/>
+  </p:clrMapOvr>
+  <p:timing>
+    <p:tnLst>
+      <p:par>
+        <p:cTn id="1" dur="indefinite" restart="never" nodeType="tmRoot"/>
+      </p:par>
+    </p:tnLst>
+  </p:timing>
+</p:sld>
+</file>
+
+<file path=ppt/slides/slide19.xml><?xml version="1.0" encoding="utf-8"?>
+<p:sld xmlns:a="http://schemas.openxmlformats.org/drawingml/2006/main" xmlns:r="http://schemas.openxmlformats.org/officeDocument/2006/relationships" xmlns:p="http://schemas.openxmlformats.org/presentationml/2006/main">
+  <p:cSld>
+    <p:spTree>
+      <p:nvGrpSpPr>
+        <p:cNvPr id="1" name=""/>
+        <p:cNvGrpSpPr/>
+        <p:nvPr/>
+      </p:nvGrpSpPr>
+      <p:grpSpPr>
+        <a:xfrm>
+          <a:off x="0" y="0"/>
+          <a:ext cx="0" cy="0"/>
+          <a:chOff x="0" y="0"/>
+          <a:chExt cx="0" cy="0"/>
+        </a:xfrm>
+      </p:grpSpPr>
+      <p:pic>
+        <p:nvPicPr>
+          <p:cNvPr id="5" name="Picture 4" descr="http://windowsapptutorials.com/wp-content/uploads/2014/12/Windows-8.1.jpg"/>
+          <p:cNvPicPr>
+            <a:picLocks noChangeAspect="1" noChangeArrowheads="1"/>
+          </p:cNvPicPr>
+          <p:nvPr/>
+        </p:nvPicPr>
+        <p:blipFill rotWithShape="1">
+          <a:blip r:embed="rId2">
+            <a:extLst>
+              <a:ext uri="{28A0092B-C50C-407E-A947-70E740481C1C}">
+                <a14:useLocalDpi xmlns:a14="http://schemas.microsoft.com/office/drawing/2010/main" val="0"/>
+              </a:ext>
+            </a:extLst>
+          </a:blip>
+          <a:srcRect l="-426" t="189" r="426" b="72317"/>
+          <a:stretch/>
+        </p:blipFill>
+        <p:spPr bwMode="auto">
+          <a:xfrm rot="10800000">
             <a:off x="-1" y="1707777"/>
             <a:ext cx="12265959" cy="2823882"/>
           </a:xfrm>
@@ -12340,7 +14254,7 @@
       </p:sp>
       <p:sp>
         <p:nvSpPr>
-          <p:cNvPr id="4" name="Номер слайда 3"/>
+          <p:cNvPr id="7" name="Номер слайда 3"/>
           <p:cNvSpPr>
             <a:spLocks noGrp="1"/>
           </p:cNvSpPr>
@@ -12348,16 +14262,21 @@
             <p:ph type="sldNum" sz="quarter" idx="12"/>
           </p:nvPr>
         </p:nvSpPr>
-        <p:spPr/>
+        <p:spPr>
+          <a:xfrm>
+            <a:off x="9242612" y="6414885"/>
+            <a:ext cx="2743200" cy="365125"/>
+          </a:xfrm>
+        </p:spPr>
         <p:txBody>
           <a:bodyPr/>
           <a:lstStyle/>
           <a:p>
-            <a:fld id="{7E7C1622-4091-4E7B-99B0-4C976627CE55}" type="slidenum">
-              <a:rPr lang="ru-RU" smtClean="0"/>
-              <a:t>18</a:t>
-            </a:fld>
-            <a:endParaRPr lang="ru-RU"/>
+            <a:r>
+              <a:rPr lang="en-US" dirty="0" smtClean="0"/>
+              <a:t>19/19</a:t>
+            </a:r>
+            <a:endParaRPr lang="ru-RU" dirty="0"/>
           </a:p>
         </p:txBody>
       </p:sp>
@@ -12766,29 +14685,6 @@
           </a:graphicData>
         </a:graphic>
       </p:graphicFrame>
-      <p:sp>
-        <p:nvSpPr>
-          <p:cNvPr id="4" name="Номер слайда 3"/>
-          <p:cNvSpPr>
-            <a:spLocks noGrp="1"/>
-          </p:cNvSpPr>
-          <p:nvPr>
-            <p:ph type="sldNum" sz="quarter" idx="12"/>
-          </p:nvPr>
-        </p:nvSpPr>
-        <p:spPr/>
-        <p:txBody>
-          <a:bodyPr/>
-          <a:lstStyle/>
-          <a:p>
-            <a:fld id="{7E7C1622-4091-4E7B-99B0-4C976627CE55}" type="slidenum">
-              <a:rPr lang="ru-RU" smtClean="0"/>
-              <a:t>2</a:t>
-            </a:fld>
-            <a:endParaRPr lang="ru-RU"/>
-          </a:p>
-        </p:txBody>
-      </p:sp>
       <p:graphicFrame>
         <p:nvGraphicFramePr>
           <p:cNvPr id="6" name="Таблица 5"/>
@@ -13568,6 +15464,38 @@
           </a:graphicData>
         </a:graphic>
       </p:graphicFrame>
+      <p:sp>
+        <p:nvSpPr>
+          <p:cNvPr id="12" name="Номер слайда 3"/>
+          <p:cNvSpPr>
+            <a:spLocks noGrp="1"/>
+          </p:cNvSpPr>
+          <p:nvPr>
+            <p:ph type="sldNum" sz="quarter" idx="12"/>
+          </p:nvPr>
+        </p:nvSpPr>
+        <p:spPr>
+          <a:xfrm>
+            <a:off x="9242612" y="6414885"/>
+            <a:ext cx="2743200" cy="365125"/>
+          </a:xfrm>
+        </p:spPr>
+        <p:txBody>
+          <a:bodyPr/>
+          <a:lstStyle/>
+          <a:p>
+            <a:r>
+              <a:rPr lang="en-US" dirty="0"/>
+              <a:t>2</a:t>
+            </a:r>
+            <a:r>
+              <a:rPr lang="en-US" dirty="0" smtClean="0"/>
+              <a:t>/19</a:t>
+            </a:r>
+            <a:endParaRPr lang="ru-RU" dirty="0"/>
+          </a:p>
+        </p:txBody>
+      </p:sp>
     </p:spTree>
     <p:extLst>
       <p:ext uri="{BB962C8B-B14F-4D97-AF65-F5344CB8AC3E}">
@@ -13778,7 +15706,7 @@
       </p:sp>
       <p:sp>
         <p:nvSpPr>
-          <p:cNvPr id="4" name="Номер слайда 3"/>
+          <p:cNvPr id="8" name="Номер слайда 3"/>
           <p:cNvSpPr>
             <a:spLocks noGrp="1"/>
           </p:cNvSpPr>
@@ -13786,16 +15714,25 @@
             <p:ph type="sldNum" sz="quarter" idx="12"/>
           </p:nvPr>
         </p:nvSpPr>
-        <p:spPr/>
+        <p:spPr>
+          <a:xfrm>
+            <a:off x="9242612" y="6414885"/>
+            <a:ext cx="2743200" cy="365125"/>
+          </a:xfrm>
+        </p:spPr>
         <p:txBody>
           <a:bodyPr/>
           <a:lstStyle/>
           <a:p>
-            <a:fld id="{7E7C1622-4091-4E7B-99B0-4C976627CE55}" type="slidenum">
-              <a:rPr lang="ru-RU" smtClean="0"/>
+            <a:r>
+              <a:rPr lang="en-US" dirty="0"/>
               <a:t>3</a:t>
-            </a:fld>
-            <a:endParaRPr lang="ru-RU"/>
+            </a:r>
+            <a:r>
+              <a:rPr lang="en-US" dirty="0" smtClean="0"/>
+              <a:t>/19</a:t>
+            </a:r>
+            <a:endParaRPr lang="ru-RU" dirty="0"/>
           </a:p>
         </p:txBody>
       </p:sp>
@@ -13932,6 +15869,10 @@
               <a:rPr lang="ru-RU" smtClean="0"/>
               <a:t>4</a:t>
             </a:fld>
+            <a:r>
+              <a:rPr lang="en-US" dirty="0" smtClean="0"/>
+              <a:t>/19</a:t>
+            </a:r>
             <a:endParaRPr lang="ru-RU" dirty="0"/>
           </a:p>
         </p:txBody>
@@ -14514,6 +16455,10 @@
               <a:rPr lang="ru-RU" smtClean="0"/>
               <a:t>5</a:t>
             </a:fld>
+            <a:r>
+              <a:rPr lang="en-US" dirty="0" smtClean="0"/>
+              <a:t>/19</a:t>
+            </a:r>
             <a:endParaRPr lang="ru-RU" dirty="0"/>
           </a:p>
         </p:txBody>
@@ -15550,6 +17495,10 @@
               <a:rPr lang="ru-RU" smtClean="0"/>
               <a:t>6</a:t>
             </a:fld>
+            <a:r>
+              <a:rPr lang="en-US" dirty="0" smtClean="0"/>
+              <a:t>/19</a:t>
+            </a:r>
             <a:endParaRPr lang="ru-RU" dirty="0"/>
           </a:p>
         </p:txBody>
@@ -17079,29 +19028,6 @@
       </p:sp>
       <p:sp>
         <p:nvSpPr>
-          <p:cNvPr id="4" name="Номер слайда 3"/>
-          <p:cNvSpPr>
-            <a:spLocks noGrp="1"/>
-          </p:cNvSpPr>
-          <p:nvPr>
-            <p:ph type="sldNum" sz="quarter" idx="12"/>
-          </p:nvPr>
-        </p:nvSpPr>
-        <p:spPr/>
-        <p:txBody>
-          <a:bodyPr/>
-          <a:lstStyle/>
-          <a:p>
-            <a:fld id="{7E7C1622-4091-4E7B-99B0-4C976627CE55}" type="slidenum">
-              <a:rPr lang="ru-RU" smtClean="0"/>
-              <a:t>7</a:t>
-            </a:fld>
-            <a:endParaRPr lang="ru-RU"/>
-          </a:p>
-        </p:txBody>
-      </p:sp>
-      <p:sp>
-        <p:nvSpPr>
           <p:cNvPr id="7" name="Прямоугольник 6"/>
           <p:cNvSpPr/>
           <p:nvPr/>
@@ -17780,6 +19706,34 @@
           </p:spPr>
         </p:pic>
       </p:grpSp>
+      <p:sp>
+        <p:nvSpPr>
+          <p:cNvPr id="65" name="Номер слайда 3"/>
+          <p:cNvSpPr>
+            <a:spLocks noGrp="1"/>
+          </p:cNvSpPr>
+          <p:nvPr>
+            <p:ph type="sldNum" sz="quarter" idx="12"/>
+          </p:nvPr>
+        </p:nvSpPr>
+        <p:spPr>
+          <a:xfrm>
+            <a:off x="9242612" y="6414885"/>
+            <a:ext cx="2743200" cy="365125"/>
+          </a:xfrm>
+        </p:spPr>
+        <p:txBody>
+          <a:bodyPr/>
+          <a:lstStyle/>
+          <a:p>
+            <a:r>
+              <a:rPr lang="en-US" dirty="0" smtClean="0"/>
+              <a:t>7/19</a:t>
+            </a:r>
+            <a:endParaRPr lang="ru-RU" dirty="0"/>
+          </a:p>
+        </p:txBody>
+      </p:sp>
     </p:spTree>
     <p:extLst>
       <p:ext uri="{BB962C8B-B14F-4D97-AF65-F5344CB8AC3E}">
@@ -17983,29 +19937,6 @@
           </a:p>
         </p:txBody>
       </p:sp>
-      <p:sp>
-        <p:nvSpPr>
-          <p:cNvPr id="4" name="Номер слайда 3"/>
-          <p:cNvSpPr>
-            <a:spLocks noGrp="1"/>
-          </p:cNvSpPr>
-          <p:nvPr>
-            <p:ph type="sldNum" sz="quarter" idx="12"/>
-          </p:nvPr>
-        </p:nvSpPr>
-        <p:spPr/>
-        <p:txBody>
-          <a:bodyPr/>
-          <a:lstStyle/>
-          <a:p>
-            <a:fld id="{7E7C1622-4091-4E7B-99B0-4C976627CE55}" type="slidenum">
-              <a:rPr lang="ru-RU" smtClean="0"/>
-              <a:t>8</a:t>
-            </a:fld>
-            <a:endParaRPr lang="ru-RU"/>
-          </a:p>
-        </p:txBody>
-      </p:sp>
       <p:pic>
         <p:nvPicPr>
           <p:cNvPr id="2054" name="Picture 6" descr="https://lh5.googleusercontent.com/kyf12ipisKVx46oR-1csBeadYfTAHIsU4iQti41lhgqRJossf02De-sEEjzSraOUnLLN4Zyu8AspIDZLZFeFYXQR8k-VfsNABh3unJh9KZFIZxugf6XNgISrCKfQEO7S8AzBMUbAVA"/>
@@ -18047,6 +19978,38 @@
           </a:extLst>
         </p:spPr>
       </p:pic>
+      <p:sp>
+        <p:nvSpPr>
+          <p:cNvPr id="10" name="Номер слайда 3"/>
+          <p:cNvSpPr>
+            <a:spLocks noGrp="1"/>
+          </p:cNvSpPr>
+          <p:nvPr>
+            <p:ph type="sldNum" sz="quarter" idx="12"/>
+          </p:nvPr>
+        </p:nvSpPr>
+        <p:spPr>
+          <a:xfrm>
+            <a:off x="9242612" y="6414885"/>
+            <a:ext cx="2743200" cy="365125"/>
+          </a:xfrm>
+        </p:spPr>
+        <p:txBody>
+          <a:bodyPr/>
+          <a:lstStyle/>
+          <a:p>
+            <a:r>
+              <a:rPr lang="en-US" dirty="0"/>
+              <a:t>8</a:t>
+            </a:r>
+            <a:r>
+              <a:rPr lang="en-US" dirty="0" smtClean="0"/>
+              <a:t>/19</a:t>
+            </a:r>
+            <a:endParaRPr lang="ru-RU" dirty="0"/>
+          </a:p>
+        </p:txBody>
+      </p:sp>
     </p:spTree>
     <p:extLst>
       <p:ext uri="{BB962C8B-B14F-4D97-AF65-F5344CB8AC3E}">
@@ -18773,29 +20736,6 @@
           </a:p>
         </p:txBody>
       </p:sp>
-      <p:sp>
-        <p:nvSpPr>
-          <p:cNvPr id="4" name="Номер слайда 3"/>
-          <p:cNvSpPr>
-            <a:spLocks noGrp="1"/>
-          </p:cNvSpPr>
-          <p:nvPr>
-            <p:ph type="sldNum" sz="quarter" idx="12"/>
-          </p:nvPr>
-        </p:nvSpPr>
-        <p:spPr/>
-        <p:txBody>
-          <a:bodyPr/>
-          <a:lstStyle/>
-          <a:p>
-            <a:fld id="{7E7C1622-4091-4E7B-99B0-4C976627CE55}" type="slidenum">
-              <a:rPr lang="ru-RU" smtClean="0"/>
-              <a:t>9</a:t>
-            </a:fld>
-            <a:endParaRPr lang="ru-RU"/>
-          </a:p>
-        </p:txBody>
-      </p:sp>
       <p:grpSp>
         <p:nvGrpSpPr>
           <p:cNvPr id="10" name="Группа 9"/>
@@ -19338,6 +21278,38 @@
           </a:fontRef>
         </p:style>
       </p:cxnSp>
+      <p:sp>
+        <p:nvSpPr>
+          <p:cNvPr id="55" name="Номер слайда 3"/>
+          <p:cNvSpPr>
+            <a:spLocks noGrp="1"/>
+          </p:cNvSpPr>
+          <p:nvPr>
+            <p:ph type="sldNum" sz="quarter" idx="12"/>
+          </p:nvPr>
+        </p:nvSpPr>
+        <p:spPr>
+          <a:xfrm>
+            <a:off x="9242612" y="6414885"/>
+            <a:ext cx="2743200" cy="365125"/>
+          </a:xfrm>
+        </p:spPr>
+        <p:txBody>
+          <a:bodyPr/>
+          <a:lstStyle/>
+          <a:p>
+            <a:r>
+              <a:rPr lang="en-US" dirty="0"/>
+              <a:t>9</a:t>
+            </a:r>
+            <a:r>
+              <a:rPr lang="en-US" dirty="0" smtClean="0"/>
+              <a:t>/19</a:t>
+            </a:r>
+            <a:endParaRPr lang="ru-RU" dirty="0"/>
+          </a:p>
+        </p:txBody>
+      </p:sp>
     </p:spTree>
     <p:extLst>
       <p:ext uri="{BB962C8B-B14F-4D97-AF65-F5344CB8AC3E}">

--- a/presentation.pptx
+++ b/presentation.pptx
@@ -5,10 +5,10 @@
     <p:sldMasterId id="2147483744" r:id="rId1"/>
   </p:sldMasterIdLst>
   <p:notesMasterIdLst>
-    <p:notesMasterId r:id="rId21"/>
+    <p:notesMasterId r:id="rId22"/>
   </p:notesMasterIdLst>
   <p:handoutMasterIdLst>
-    <p:handoutMasterId r:id="rId22"/>
+    <p:handoutMasterId r:id="rId23"/>
   </p:handoutMasterIdLst>
   <p:sldIdLst>
     <p:sldId id="256" r:id="rId2"/>
@@ -24,12 +24,13 @@
     <p:sldId id="261" r:id="rId12"/>
     <p:sldId id="262" r:id="rId13"/>
     <p:sldId id="272" r:id="rId14"/>
-    <p:sldId id="274" r:id="rId15"/>
-    <p:sldId id="280" r:id="rId16"/>
-    <p:sldId id="264" r:id="rId17"/>
-    <p:sldId id="276" r:id="rId18"/>
-    <p:sldId id="268" r:id="rId19"/>
+    <p:sldId id="280" r:id="rId15"/>
+    <p:sldId id="264" r:id="rId16"/>
+    <p:sldId id="276" r:id="rId17"/>
+    <p:sldId id="268" r:id="rId18"/>
+    <p:sldId id="281" r:id="rId19"/>
     <p:sldId id="279" r:id="rId20"/>
+    <p:sldId id="274" r:id="rId21"/>
   </p:sldIdLst>
   <p:sldSz cx="12192000" cy="6858000"/>
   <p:notesSz cx="6858000" cy="9144000"/>
@@ -10724,1326 +10725,6 @@
           <a:chExt cx="0" cy="0"/>
         </a:xfrm>
       </p:grpSpPr>
-      <p:pic>
-        <p:nvPicPr>
-          <p:cNvPr id="5" name="Picture 4" descr="http://windowsapptutorials.com/wp-content/uploads/2014/12/Windows-8.1.jpg"/>
-          <p:cNvPicPr>
-            <a:picLocks noChangeAspect="1" noChangeArrowheads="1"/>
-          </p:cNvPicPr>
-          <p:nvPr/>
-        </p:nvPicPr>
-        <p:blipFill rotWithShape="1">
-          <a:blip r:embed="rId2">
-            <a:extLst>
-              <a:ext uri="{28A0092B-C50C-407E-A947-70E740481C1C}">
-                <a14:useLocalDpi xmlns:a14="http://schemas.microsoft.com/office/drawing/2010/main" val="0"/>
-              </a:ext>
-            </a:extLst>
-          </a:blip>
-          <a:srcRect l="-426" t="189" r="426" b="72317"/>
-          <a:stretch/>
-        </p:blipFill>
-        <p:spPr bwMode="auto">
-          <a:xfrm rot="10800000">
-            <a:off x="-6720" y="134472"/>
-            <a:ext cx="12265959" cy="1311088"/>
-          </a:xfrm>
-          <a:prstGeom prst="rect">
-            <a:avLst/>
-          </a:prstGeom>
-          <a:noFill/>
-          <a:extLst>
-            <a:ext uri="{909E8E84-426E-40DD-AFC4-6F175D3DCCD1}">
-              <a14:hiddenFill xmlns:a14="http://schemas.microsoft.com/office/drawing/2010/main">
-                <a:solidFill>
-                  <a:srgbClr val="FFFFFF"/>
-                </a:solidFill>
-              </a14:hiddenFill>
-            </a:ext>
-          </a:extLst>
-        </p:spPr>
-      </p:pic>
-      <p:sp>
-        <p:nvSpPr>
-          <p:cNvPr id="2" name="Заголовок 1"/>
-          <p:cNvSpPr>
-            <a:spLocks noGrp="1"/>
-          </p:cNvSpPr>
-          <p:nvPr>
-            <p:ph type="title"/>
-          </p:nvPr>
-        </p:nvSpPr>
-        <p:spPr/>
-        <p:txBody>
-          <a:bodyPr/>
-          <a:lstStyle/>
-          <a:p>
-            <a:r>
-              <a:rPr lang="ru-RU" dirty="0" smtClean="0">
-                <a:solidFill>
-                  <a:schemeClr val="bg1"/>
-                </a:solidFill>
-              </a:rPr>
-              <a:t>Замена </a:t>
-            </a:r>
-            <a:r>
-              <a:rPr lang="en-US" b="1" dirty="0" smtClean="0">
-                <a:solidFill>
-                  <a:schemeClr val="bg1"/>
-                </a:solidFill>
-              </a:rPr>
-              <a:t>XDR</a:t>
-            </a:r>
-            <a:r>
-              <a:rPr lang="en-US" dirty="0" smtClean="0">
-                <a:solidFill>
-                  <a:schemeClr val="bg1"/>
-                </a:solidFill>
-              </a:rPr>
-              <a:t> </a:t>
-            </a:r>
-            <a:r>
-              <a:rPr lang="ru-RU" dirty="0" smtClean="0">
-                <a:solidFill>
-                  <a:schemeClr val="bg1"/>
-                </a:solidFill>
-              </a:rPr>
-              <a:t>на </a:t>
-            </a:r>
-            <a:r>
-              <a:rPr lang="en-US" b="1" dirty="0" err="1" smtClean="0">
-                <a:solidFill>
-                  <a:schemeClr val="bg1"/>
-                </a:solidFill>
-              </a:rPr>
-              <a:t>ProtoBuf</a:t>
-            </a:r>
-            <a:endParaRPr lang="ru-RU" b="1" dirty="0">
-              <a:solidFill>
-                <a:schemeClr val="bg1"/>
-              </a:solidFill>
-            </a:endParaRPr>
-          </a:p>
-        </p:txBody>
-      </p:sp>
-      <p:grpSp>
-        <p:nvGrpSpPr>
-          <p:cNvPr id="6" name="Группа 5"/>
-          <p:cNvGrpSpPr/>
-          <p:nvPr/>
-        </p:nvGrpSpPr>
-        <p:grpSpPr>
-          <a:xfrm>
-            <a:off x="5460066" y="2588566"/>
-            <a:ext cx="2487144" cy="2530497"/>
-            <a:chOff x="4942351" y="2548222"/>
-            <a:chExt cx="2487144" cy="2530497"/>
-          </a:xfrm>
-        </p:grpSpPr>
-        <p:sp>
-          <p:nvSpPr>
-            <p:cNvPr id="7" name="Прямоугольник 6"/>
-            <p:cNvSpPr/>
-            <p:nvPr/>
-          </p:nvSpPr>
-          <p:spPr>
-            <a:xfrm>
-              <a:off x="4942351" y="2548222"/>
-              <a:ext cx="2487144" cy="2530497"/>
-            </a:xfrm>
-            <a:prstGeom prst="rect">
-              <a:avLst/>
-            </a:prstGeom>
-            <a:noFill/>
-            <a:ln w="28575"/>
-          </p:spPr>
-          <p:style>
-            <a:lnRef idx="2">
-              <a:schemeClr val="accent4"/>
-            </a:lnRef>
-            <a:fillRef idx="1">
-              <a:schemeClr val="lt1"/>
-            </a:fillRef>
-            <a:effectRef idx="0">
-              <a:schemeClr val="accent4"/>
-            </a:effectRef>
-            <a:fontRef idx="minor">
-              <a:schemeClr val="dk1"/>
-            </a:fontRef>
-          </p:style>
-          <p:txBody>
-            <a:bodyPr rtlCol="0" anchor="b" anchorCtr="0"/>
-            <a:lstStyle/>
-            <a:p>
-              <a:pPr algn="ctr"/>
-              <a:endParaRPr lang="ru-RU" dirty="0">
-                <a:solidFill>
-                  <a:schemeClr val="tx1"/>
-                </a:solidFill>
-              </a:endParaRPr>
-            </a:p>
-          </p:txBody>
-        </p:sp>
-        <p:sp>
-          <p:nvSpPr>
-            <p:cNvPr id="8" name="Прямоугольник 7"/>
-            <p:cNvSpPr/>
-            <p:nvPr/>
-          </p:nvSpPr>
-          <p:spPr>
-            <a:xfrm>
-              <a:off x="5016315" y="2642347"/>
-              <a:ext cx="2332503" cy="2362717"/>
-            </a:xfrm>
-            <a:prstGeom prst="rect">
-              <a:avLst/>
-            </a:prstGeom>
-            <a:ln w="28575"/>
-          </p:spPr>
-          <p:style>
-            <a:lnRef idx="2">
-              <a:schemeClr val="accent4"/>
-            </a:lnRef>
-            <a:fillRef idx="1">
-              <a:schemeClr val="lt1"/>
-            </a:fillRef>
-            <a:effectRef idx="0">
-              <a:schemeClr val="accent4"/>
-            </a:effectRef>
-            <a:fontRef idx="minor">
-              <a:schemeClr val="dk1"/>
-            </a:fontRef>
-          </p:style>
-          <p:txBody>
-            <a:bodyPr rtlCol="0" anchor="b" anchorCtr="0"/>
-            <a:lstStyle/>
-            <a:p>
-              <a:pPr algn="ctr"/>
-              <a:r>
-                <a:rPr lang="ru-RU" dirty="0" smtClean="0">
-                  <a:solidFill>
-                    <a:schemeClr val="tx1"/>
-                  </a:solidFill>
-                </a:rPr>
-                <a:t>Дистрибутив </a:t>
-              </a:r>
-              <a:r>
-                <a:rPr lang="en-US" dirty="0" smtClean="0">
-                  <a:solidFill>
-                    <a:schemeClr val="tx1"/>
-                  </a:solidFill>
-                </a:rPr>
-                <a:t>Linux</a:t>
-              </a:r>
-              <a:endParaRPr lang="ru-RU" dirty="0" smtClean="0">
-                <a:solidFill>
-                  <a:schemeClr val="tx1"/>
-                </a:solidFill>
-              </a:endParaRPr>
-            </a:p>
-          </p:txBody>
-        </p:sp>
-        <p:sp>
-          <p:nvSpPr>
-            <p:cNvPr id="9" name="Скругленный прямоугольник 8"/>
-            <p:cNvSpPr/>
-            <p:nvPr/>
-          </p:nvSpPr>
-          <p:spPr>
-            <a:xfrm>
-              <a:off x="5170957" y="2803402"/>
-              <a:ext cx="2016496" cy="646404"/>
-            </a:xfrm>
-            <a:prstGeom prst="roundRect">
-              <a:avLst/>
-            </a:prstGeom>
-            <a:ln w="28575">
-              <a:solidFill>
-                <a:schemeClr val="tx1"/>
-              </a:solidFill>
-            </a:ln>
-          </p:spPr>
-          <p:style>
-            <a:lnRef idx="2">
-              <a:schemeClr val="accent4"/>
-            </a:lnRef>
-            <a:fillRef idx="1">
-              <a:schemeClr val="lt1"/>
-            </a:fillRef>
-            <a:effectRef idx="0">
-              <a:schemeClr val="accent4"/>
-            </a:effectRef>
-            <a:fontRef idx="minor">
-              <a:schemeClr val="dk1"/>
-            </a:fontRef>
-          </p:style>
-          <p:txBody>
-            <a:bodyPr rtlCol="0" anchor="ctr"/>
-            <a:lstStyle/>
-            <a:p>
-              <a:pPr algn="ctr"/>
-              <a:r>
-                <a:rPr lang="ru-RU" dirty="0" smtClean="0">
-                  <a:solidFill>
-                    <a:schemeClr val="tx1"/>
-                  </a:solidFill>
-                </a:rPr>
-                <a:t>Демон</a:t>
-              </a:r>
-              <a:endParaRPr lang="ru-RU" dirty="0">
-                <a:solidFill>
-                  <a:schemeClr val="tx1"/>
-                </a:solidFill>
-              </a:endParaRPr>
-            </a:p>
-          </p:txBody>
-        </p:sp>
-      </p:grpSp>
-      <p:sp>
-        <p:nvSpPr>
-          <p:cNvPr id="10" name="Прямоугольник 9"/>
-          <p:cNvSpPr/>
-          <p:nvPr/>
-        </p:nvSpPr>
-        <p:spPr>
-          <a:xfrm>
-            <a:off x="5284895" y="2460815"/>
-            <a:ext cx="4538186" cy="2803907"/>
-          </a:xfrm>
-          <a:prstGeom prst="rect">
-            <a:avLst/>
-          </a:prstGeom>
-          <a:noFill/>
-          <a:ln w="28575">
-            <a:solidFill>
-              <a:schemeClr val="tx1"/>
-            </a:solidFill>
-          </a:ln>
-        </p:spPr>
-        <p:style>
-          <a:lnRef idx="2">
-            <a:schemeClr val="accent1">
-              <a:shade val="50000"/>
-            </a:schemeClr>
-          </a:lnRef>
-          <a:fillRef idx="1">
-            <a:schemeClr val="accent1"/>
-          </a:fillRef>
-          <a:effectRef idx="0">
-            <a:schemeClr val="accent1"/>
-          </a:effectRef>
-          <a:fontRef idx="minor">
-            <a:schemeClr val="lt1"/>
-          </a:fontRef>
-        </p:style>
-        <p:txBody>
-          <a:bodyPr rtlCol="0" anchor="t" anchorCtr="0"/>
-          <a:lstStyle/>
-          <a:p>
-            <a:pPr algn="r"/>
-            <a:r>
-              <a:rPr lang="ru-RU" dirty="0" smtClean="0">
-                <a:solidFill>
-                  <a:schemeClr val="tx1"/>
-                </a:solidFill>
-              </a:rPr>
-              <a:t>Виртуальная</a:t>
-            </a:r>
-          </a:p>
-          <a:p>
-            <a:pPr algn="r"/>
-            <a:r>
-              <a:rPr lang="ru-RU" dirty="0" smtClean="0">
-                <a:solidFill>
-                  <a:schemeClr val="tx1"/>
-                </a:solidFill>
-              </a:rPr>
-              <a:t>машина</a:t>
-            </a:r>
-            <a:endParaRPr lang="ru-RU" dirty="0">
-              <a:solidFill>
-                <a:schemeClr val="tx1"/>
-              </a:solidFill>
-            </a:endParaRPr>
-          </a:p>
-        </p:txBody>
-      </p:sp>
-      <p:grpSp>
-        <p:nvGrpSpPr>
-          <p:cNvPr id="11" name="Группа 10"/>
-          <p:cNvGrpSpPr/>
-          <p:nvPr/>
-        </p:nvGrpSpPr>
-        <p:grpSpPr>
-          <a:xfrm>
-            <a:off x="1140765" y="2588566"/>
-            <a:ext cx="1938614" cy="2330924"/>
-            <a:chOff x="649945" y="2420471"/>
-            <a:chExt cx="1938614" cy="2330924"/>
-          </a:xfrm>
-        </p:grpSpPr>
-        <p:sp>
-          <p:nvSpPr>
-            <p:cNvPr id="12" name="Прямоугольник 11"/>
-            <p:cNvSpPr/>
-            <p:nvPr/>
-          </p:nvSpPr>
-          <p:spPr>
-            <a:xfrm>
-              <a:off x="649945" y="2420471"/>
-              <a:ext cx="1938614" cy="2330924"/>
-            </a:xfrm>
-            <a:prstGeom prst="rect">
-              <a:avLst/>
-            </a:prstGeom>
-            <a:ln w="28575"/>
-          </p:spPr>
-          <p:style>
-            <a:lnRef idx="2">
-              <a:schemeClr val="accent5"/>
-            </a:lnRef>
-            <a:fillRef idx="1">
-              <a:schemeClr val="lt1"/>
-            </a:fillRef>
-            <a:effectRef idx="0">
-              <a:schemeClr val="accent5"/>
-            </a:effectRef>
-            <a:fontRef idx="minor">
-              <a:schemeClr val="dk1"/>
-            </a:fontRef>
-          </p:style>
-          <p:txBody>
-            <a:bodyPr rtlCol="0" anchor="t" anchorCtr="0"/>
-            <a:lstStyle/>
-            <a:p>
-              <a:pPr algn="ctr"/>
-              <a:endParaRPr lang="ru-RU" dirty="0" smtClean="0">
-                <a:solidFill>
-                  <a:schemeClr val="tx1"/>
-                </a:solidFill>
-              </a:endParaRPr>
-            </a:p>
-            <a:p>
-              <a:pPr algn="ctr"/>
-              <a:r>
-                <a:rPr lang="ru-RU" dirty="0" smtClean="0">
-                  <a:solidFill>
-                    <a:schemeClr val="tx1"/>
-                  </a:solidFill>
-                </a:rPr>
-                <a:t>Приложение</a:t>
-              </a:r>
-            </a:p>
-            <a:p>
-              <a:pPr algn="ctr"/>
-              <a:r>
-                <a:rPr lang="ru-RU" dirty="0" smtClean="0">
-                  <a:solidFill>
-                    <a:schemeClr val="tx1"/>
-                  </a:solidFill>
-                </a:rPr>
-                <a:t>ОС </a:t>
-              </a:r>
-              <a:r>
-                <a:rPr lang="en-US" dirty="0" smtClean="0">
-                  <a:solidFill>
-                    <a:schemeClr val="tx1"/>
-                  </a:solidFill>
-                </a:rPr>
-                <a:t>Windows</a:t>
-              </a:r>
-              <a:endParaRPr lang="ru-RU" dirty="0">
-                <a:solidFill>
-                  <a:schemeClr val="tx1"/>
-                </a:solidFill>
-              </a:endParaRPr>
-            </a:p>
-          </p:txBody>
-        </p:sp>
-        <p:sp>
-          <p:nvSpPr>
-            <p:cNvPr id="13" name="Прямоугольник 12"/>
-            <p:cNvSpPr/>
-            <p:nvPr/>
-          </p:nvSpPr>
-          <p:spPr>
-            <a:xfrm>
-              <a:off x="649945" y="4121639"/>
-              <a:ext cx="1938614" cy="629754"/>
-            </a:xfrm>
-            <a:prstGeom prst="rect">
-              <a:avLst/>
-            </a:prstGeom>
-            <a:ln w="28575"/>
-          </p:spPr>
-          <p:style>
-            <a:lnRef idx="2">
-              <a:schemeClr val="accent5"/>
-            </a:lnRef>
-            <a:fillRef idx="1">
-              <a:schemeClr val="lt1"/>
-            </a:fillRef>
-            <a:effectRef idx="0">
-              <a:schemeClr val="accent5"/>
-            </a:effectRef>
-            <a:fontRef idx="minor">
-              <a:schemeClr val="dk1"/>
-            </a:fontRef>
-          </p:style>
-          <p:txBody>
-            <a:bodyPr rtlCol="0" anchor="ctr"/>
-            <a:lstStyle/>
-            <a:p>
-              <a:pPr algn="ctr"/>
-              <a:r>
-                <a:rPr lang="ru-RU" dirty="0" smtClean="0">
-                  <a:solidFill>
-                    <a:schemeClr val="tx1"/>
-                  </a:solidFill>
-                </a:rPr>
-                <a:t>Библиотека (</a:t>
-              </a:r>
-              <a:r>
-                <a:rPr lang="en-US" dirty="0" smtClean="0">
-                  <a:solidFill>
-                    <a:schemeClr val="tx1"/>
-                  </a:solidFill>
-                </a:rPr>
-                <a:t>DLL</a:t>
-              </a:r>
-              <a:r>
-                <a:rPr lang="ru-RU" dirty="0" smtClean="0">
-                  <a:solidFill>
-                    <a:schemeClr val="tx1"/>
-                  </a:solidFill>
-                </a:rPr>
-                <a:t>)</a:t>
-              </a:r>
-              <a:endParaRPr lang="ru-RU" dirty="0">
-                <a:solidFill>
-                  <a:schemeClr val="tx1"/>
-                </a:solidFill>
-              </a:endParaRPr>
-            </a:p>
-          </p:txBody>
-        </p:sp>
-        <p:sp>
-          <p:nvSpPr>
-            <p:cNvPr id="14" name="Прямоугольник 13"/>
-            <p:cNvSpPr/>
-            <p:nvPr/>
-          </p:nvSpPr>
-          <p:spPr>
-            <a:xfrm>
-              <a:off x="728381" y="4195480"/>
-              <a:ext cx="1786219" cy="486423"/>
-            </a:xfrm>
-            <a:prstGeom prst="rect">
-              <a:avLst/>
-            </a:prstGeom>
-            <a:noFill/>
-            <a:ln w="28575"/>
-          </p:spPr>
-          <p:style>
-            <a:lnRef idx="2">
-              <a:schemeClr val="accent5"/>
-            </a:lnRef>
-            <a:fillRef idx="1">
-              <a:schemeClr val="lt1"/>
-            </a:fillRef>
-            <a:effectRef idx="0">
-              <a:schemeClr val="accent5"/>
-            </a:effectRef>
-            <a:fontRef idx="minor">
-              <a:schemeClr val="dk1"/>
-            </a:fontRef>
-          </p:style>
-          <p:txBody>
-            <a:bodyPr rtlCol="0" anchor="ctr"/>
-            <a:lstStyle/>
-            <a:p>
-              <a:pPr algn="ctr"/>
-              <a:endParaRPr lang="ru-RU" dirty="0">
-                <a:solidFill>
-                  <a:schemeClr val="tx1"/>
-                </a:solidFill>
-              </a:endParaRPr>
-            </a:p>
-          </p:txBody>
-        </p:sp>
-      </p:grpSp>
-      <p:sp>
-        <p:nvSpPr>
-          <p:cNvPr id="15" name="Скругленный прямоугольник 14"/>
-          <p:cNvSpPr/>
-          <p:nvPr/>
-        </p:nvSpPr>
-        <p:spPr>
-          <a:xfrm>
-            <a:off x="5695390" y="3830456"/>
-            <a:ext cx="2016496" cy="646404"/>
-          </a:xfrm>
-          <a:prstGeom prst="roundRect">
-            <a:avLst/>
-          </a:prstGeom>
-          <a:ln w="28575">
-            <a:solidFill>
-              <a:schemeClr val="tx1"/>
-            </a:solidFill>
-          </a:ln>
-        </p:spPr>
-        <p:style>
-          <a:lnRef idx="2">
-            <a:schemeClr val="accent4"/>
-          </a:lnRef>
-          <a:fillRef idx="1">
-            <a:schemeClr val="lt1"/>
-          </a:fillRef>
-          <a:effectRef idx="0">
-            <a:schemeClr val="accent4"/>
-          </a:effectRef>
-          <a:fontRef idx="minor">
-            <a:schemeClr val="dk1"/>
-          </a:fontRef>
-        </p:style>
-        <p:txBody>
-          <a:bodyPr rtlCol="0" anchor="ctr"/>
-          <a:lstStyle/>
-          <a:p>
-            <a:pPr algn="ctr"/>
-            <a:r>
-              <a:rPr lang="ru-RU" dirty="0" smtClean="0">
-                <a:solidFill>
-                  <a:schemeClr val="tx1"/>
-                </a:solidFill>
-              </a:rPr>
-              <a:t>Драйверы</a:t>
-            </a:r>
-            <a:endParaRPr lang="ru-RU" dirty="0">
-              <a:solidFill>
-                <a:schemeClr val="tx1"/>
-              </a:solidFill>
-            </a:endParaRPr>
-          </a:p>
-        </p:txBody>
-      </p:sp>
-      <p:cxnSp>
-        <p:nvCxnSpPr>
-          <p:cNvPr id="16" name="Прямая соединительная линия 15"/>
-          <p:cNvCxnSpPr>
-            <a:endCxn id="15" idx="0"/>
-          </p:cNvCxnSpPr>
-          <p:nvPr/>
-        </p:nvCxnSpPr>
-        <p:spPr>
-          <a:xfrm>
-            <a:off x="6700281" y="3490150"/>
-            <a:ext cx="3357" cy="340306"/>
-          </a:xfrm>
-          <a:prstGeom prst="line">
-            <a:avLst/>
-          </a:prstGeom>
-          <a:ln w="28575">
-            <a:solidFill>
-              <a:schemeClr val="tx1"/>
-            </a:solidFill>
-            <a:headEnd type="triangle" w="med" len="med"/>
-            <a:tailEnd type="triangle" w="med" len="med"/>
-          </a:ln>
-        </p:spPr>
-        <p:style>
-          <a:lnRef idx="1">
-            <a:schemeClr val="accent1"/>
-          </a:lnRef>
-          <a:fillRef idx="0">
-            <a:schemeClr val="accent1"/>
-          </a:fillRef>
-          <a:effectRef idx="0">
-            <a:schemeClr val="accent1"/>
-          </a:effectRef>
-          <a:fontRef idx="minor">
-            <a:schemeClr val="tx1"/>
-          </a:fontRef>
-        </p:style>
-      </p:cxnSp>
-      <p:cxnSp>
-        <p:nvCxnSpPr>
-          <p:cNvPr id="17" name="Прямая соединительная линия 16"/>
-          <p:cNvCxnSpPr>
-            <a:stCxn id="15" idx="3"/>
-            <a:endCxn id="19" idx="1"/>
-          </p:cNvCxnSpPr>
-          <p:nvPr/>
-        </p:nvCxnSpPr>
-        <p:spPr>
-          <a:xfrm>
-            <a:off x="7711886" y="4153658"/>
-            <a:ext cx="1069042" cy="7879"/>
-          </a:xfrm>
-          <a:prstGeom prst="line">
-            <a:avLst/>
-          </a:prstGeom>
-          <a:ln w="28575">
-            <a:solidFill>
-              <a:schemeClr val="accent4">
-                <a:lumMod val="75000"/>
-              </a:schemeClr>
-            </a:solidFill>
-            <a:prstDash val="sysDash"/>
-            <a:headEnd type="triangle" w="med" len="med"/>
-            <a:tailEnd type="triangle" w="med" len="med"/>
-          </a:ln>
-        </p:spPr>
-        <p:style>
-          <a:lnRef idx="1">
-            <a:schemeClr val="accent4"/>
-          </a:lnRef>
-          <a:fillRef idx="0">
-            <a:schemeClr val="accent4"/>
-          </a:fillRef>
-          <a:effectRef idx="0">
-            <a:schemeClr val="accent4"/>
-          </a:effectRef>
-          <a:fontRef idx="minor">
-            <a:schemeClr val="tx1"/>
-          </a:fontRef>
-        </p:style>
-      </p:cxnSp>
-      <p:cxnSp>
-        <p:nvCxnSpPr>
-          <p:cNvPr id="23" name="Соединительная линия уступом 22"/>
-          <p:cNvCxnSpPr>
-            <a:endCxn id="9" idx="1"/>
-          </p:cNvCxnSpPr>
-          <p:nvPr/>
-        </p:nvCxnSpPr>
-        <p:spPr>
-          <a:xfrm flipV="1">
-            <a:off x="3089646" y="3166948"/>
-            <a:ext cx="2599026" cy="1450684"/>
-          </a:xfrm>
-          <a:prstGeom prst="bentConnector3">
-            <a:avLst/>
-          </a:prstGeom>
-          <a:ln w="28575">
-            <a:headEnd type="triangle" w="med" len="med"/>
-            <a:tailEnd type="triangle" w="med" len="med"/>
-          </a:ln>
-        </p:spPr>
-        <p:style>
-          <a:lnRef idx="1">
-            <a:schemeClr val="accent1"/>
-          </a:lnRef>
-          <a:fillRef idx="0">
-            <a:schemeClr val="accent1"/>
-          </a:fillRef>
-          <a:effectRef idx="0">
-            <a:schemeClr val="accent1"/>
-          </a:effectRef>
-          <a:fontRef idx="minor">
-            <a:schemeClr val="tx1"/>
-          </a:fontRef>
-        </p:style>
-      </p:cxnSp>
-      <p:sp>
-        <p:nvSpPr>
-          <p:cNvPr id="24" name="TextBox 23"/>
-          <p:cNvSpPr txBox="1"/>
-          <p:nvPr/>
-        </p:nvSpPr>
-        <p:spPr>
-          <a:xfrm>
-            <a:off x="10078570" y="4796250"/>
-            <a:ext cx="1519775" cy="646331"/>
-          </a:xfrm>
-          <a:prstGeom prst="rect">
-            <a:avLst/>
-          </a:prstGeom>
-          <a:noFill/>
-        </p:spPr>
-        <p:txBody>
-          <a:bodyPr wrap="none" rtlCol="0">
-            <a:spAutoFit/>
-          </a:bodyPr>
-          <a:lstStyle/>
-          <a:p>
-            <a:pPr algn="ctr"/>
-            <a:r>
-              <a:rPr lang="ru-RU" dirty="0" smtClean="0"/>
-              <a:t>Устройство</a:t>
-            </a:r>
-          </a:p>
-          <a:p>
-            <a:pPr algn="ctr"/>
-            <a:r>
-              <a:rPr lang="ru-RU" dirty="0" smtClean="0"/>
-              <a:t>(образ диска)</a:t>
-            </a:r>
-            <a:endParaRPr lang="ru-RU" dirty="0"/>
-          </a:p>
-        </p:txBody>
-      </p:sp>
-      <p:sp>
-        <p:nvSpPr>
-          <p:cNvPr id="25" name="TextBox 24"/>
-          <p:cNvSpPr txBox="1"/>
-          <p:nvPr/>
-        </p:nvSpPr>
-        <p:spPr>
-          <a:xfrm>
-            <a:off x="10301598" y="1561475"/>
-            <a:ext cx="797013" cy="369332"/>
-          </a:xfrm>
-          <a:prstGeom prst="rect">
-            <a:avLst/>
-          </a:prstGeom>
-          <a:noFill/>
-          <a:ln w="12700">
-            <a:solidFill>
-              <a:schemeClr val="tx1"/>
-            </a:solidFill>
-            <a:prstDash val="dash"/>
-          </a:ln>
-        </p:spPr>
-        <p:txBody>
-          <a:bodyPr wrap="none" rtlCol="0">
-            <a:spAutoFit/>
-          </a:bodyPr>
-          <a:lstStyle/>
-          <a:p>
-            <a:r>
-              <a:rPr lang="en-US" dirty="0" smtClean="0"/>
-              <a:t>QEMU</a:t>
-            </a:r>
-          </a:p>
-        </p:txBody>
-      </p:sp>
-      <p:cxnSp>
-        <p:nvCxnSpPr>
-          <p:cNvPr id="26" name="Прямая соединительная линия 25"/>
-          <p:cNvCxnSpPr>
-            <a:stCxn id="25" idx="1"/>
-          </p:cNvCxnSpPr>
-          <p:nvPr/>
-        </p:nvCxnSpPr>
-        <p:spPr>
-          <a:xfrm flipH="1">
-            <a:off x="9823082" y="1746141"/>
-            <a:ext cx="478516" cy="699646"/>
-          </a:xfrm>
-          <a:prstGeom prst="line">
-            <a:avLst/>
-          </a:prstGeom>
-          <a:ln w="12700">
-            <a:solidFill>
-              <a:schemeClr val="tx1"/>
-            </a:solidFill>
-            <a:prstDash val="dash"/>
-          </a:ln>
-        </p:spPr>
-        <p:style>
-          <a:lnRef idx="1">
-            <a:schemeClr val="accent1"/>
-          </a:lnRef>
-          <a:fillRef idx="0">
-            <a:schemeClr val="accent1"/>
-          </a:fillRef>
-          <a:effectRef idx="0">
-            <a:schemeClr val="accent1"/>
-          </a:effectRef>
-          <a:fontRef idx="minor">
-            <a:schemeClr val="tx1"/>
-          </a:fontRef>
-        </p:style>
-      </p:cxnSp>
-      <p:sp>
-        <p:nvSpPr>
-          <p:cNvPr id="27" name="TextBox 26"/>
-          <p:cNvSpPr txBox="1"/>
-          <p:nvPr/>
-        </p:nvSpPr>
-        <p:spPr>
-          <a:xfrm>
-            <a:off x="3284629" y="5526741"/>
-            <a:ext cx="1594026" cy="369332"/>
-          </a:xfrm>
-          <a:prstGeom prst="rect">
-            <a:avLst/>
-          </a:prstGeom>
-          <a:noFill/>
-          <a:ln w="12700">
-            <a:solidFill>
-              <a:srgbClr val="1580D0"/>
-            </a:solidFill>
-            <a:prstDash val="dash"/>
-          </a:ln>
-        </p:spPr>
-        <p:txBody>
-          <a:bodyPr wrap="none" rtlCol="0">
-            <a:spAutoFit/>
-          </a:bodyPr>
-          <a:lstStyle/>
-          <a:p>
-            <a:r>
-              <a:rPr lang="ru-RU" dirty="0" smtClean="0"/>
-              <a:t>Протокол </a:t>
-            </a:r>
-            <a:r>
-              <a:rPr lang="en-US" dirty="0" smtClean="0"/>
-              <a:t>XDR</a:t>
-            </a:r>
-            <a:endParaRPr lang="ru-RU" dirty="0"/>
-          </a:p>
-        </p:txBody>
-      </p:sp>
-      <p:cxnSp>
-        <p:nvCxnSpPr>
-          <p:cNvPr id="28" name="Прямая соединительная линия 27"/>
-          <p:cNvCxnSpPr>
-            <a:stCxn id="27" idx="0"/>
-          </p:cNvCxnSpPr>
-          <p:nvPr/>
-        </p:nvCxnSpPr>
-        <p:spPr>
-          <a:xfrm flipH="1" flipV="1">
-            <a:off x="4064362" y="4597887"/>
-            <a:ext cx="17280" cy="928854"/>
-          </a:xfrm>
-          <a:prstGeom prst="line">
-            <a:avLst/>
-          </a:prstGeom>
-          <a:ln w="12700">
-            <a:solidFill>
-              <a:srgbClr val="1580D0"/>
-            </a:solidFill>
-            <a:prstDash val="dash"/>
-          </a:ln>
-        </p:spPr>
-        <p:style>
-          <a:lnRef idx="1">
-            <a:schemeClr val="accent1"/>
-          </a:lnRef>
-          <a:fillRef idx="0">
-            <a:schemeClr val="accent1"/>
-          </a:fillRef>
-          <a:effectRef idx="0">
-            <a:schemeClr val="accent1"/>
-          </a:effectRef>
-          <a:fontRef idx="minor">
-            <a:schemeClr val="tx1"/>
-          </a:fontRef>
-        </p:style>
-      </p:cxnSp>
-      <p:sp>
-        <p:nvSpPr>
-          <p:cNvPr id="29" name="TextBox 28"/>
-          <p:cNvSpPr txBox="1"/>
-          <p:nvPr/>
-        </p:nvSpPr>
-        <p:spPr>
-          <a:xfrm>
-            <a:off x="3051520" y="6171684"/>
-            <a:ext cx="2045816" cy="369332"/>
-          </a:xfrm>
-          <a:prstGeom prst="rect">
-            <a:avLst/>
-          </a:prstGeom>
-          <a:noFill/>
-          <a:ln w="12700">
-            <a:solidFill>
-              <a:srgbClr val="1580D0"/>
-            </a:solidFill>
-            <a:prstDash val="dash"/>
-          </a:ln>
-        </p:spPr>
-        <p:txBody>
-          <a:bodyPr wrap="none" rtlCol="0">
-            <a:spAutoFit/>
-          </a:bodyPr>
-          <a:lstStyle/>
-          <a:p>
-            <a:r>
-              <a:rPr lang="ru-RU" b="1" dirty="0" smtClean="0"/>
-              <a:t>Протокол </a:t>
-            </a:r>
-            <a:r>
-              <a:rPr lang="en-US" b="1" dirty="0" err="1" smtClean="0"/>
-              <a:t>ProtoBuf</a:t>
-            </a:r>
-            <a:endParaRPr lang="ru-RU" b="1" dirty="0"/>
-          </a:p>
-        </p:txBody>
-      </p:sp>
-      <p:cxnSp>
-        <p:nvCxnSpPr>
-          <p:cNvPr id="30" name="Прямая соединительная линия 29"/>
-          <p:cNvCxnSpPr>
-            <a:stCxn id="29" idx="0"/>
-            <a:endCxn id="27" idx="2"/>
-          </p:cNvCxnSpPr>
-          <p:nvPr/>
-        </p:nvCxnSpPr>
-        <p:spPr>
-          <a:xfrm flipV="1">
-            <a:off x="4074428" y="5896073"/>
-            <a:ext cx="7214" cy="275611"/>
-          </a:xfrm>
-          <a:prstGeom prst="line">
-            <a:avLst/>
-          </a:prstGeom>
-          <a:ln w="12700">
-            <a:solidFill>
-              <a:srgbClr val="1580D0"/>
-            </a:solidFill>
-            <a:prstDash val="dash"/>
-          </a:ln>
-        </p:spPr>
-        <p:style>
-          <a:lnRef idx="1">
-            <a:schemeClr val="accent1"/>
-          </a:lnRef>
-          <a:fillRef idx="0">
-            <a:schemeClr val="accent1"/>
-          </a:fillRef>
-          <a:effectRef idx="0">
-            <a:schemeClr val="accent1"/>
-          </a:effectRef>
-          <a:fontRef idx="minor">
-            <a:schemeClr val="tx1"/>
-          </a:fontRef>
-        </p:style>
-      </p:cxnSp>
-      <p:cxnSp>
-        <p:nvCxnSpPr>
-          <p:cNvPr id="34" name="Прямая соединительная линия 33"/>
-          <p:cNvCxnSpPr/>
-          <p:nvPr/>
-        </p:nvCxnSpPr>
-        <p:spPr>
-          <a:xfrm>
-            <a:off x="2971801" y="5338682"/>
-            <a:ext cx="2279475" cy="705772"/>
-          </a:xfrm>
-          <a:prstGeom prst="line">
-            <a:avLst/>
-          </a:prstGeom>
-          <a:ln w="28575">
-            <a:solidFill>
-              <a:srgbClr val="FF0000"/>
-            </a:solidFill>
-          </a:ln>
-        </p:spPr>
-        <p:style>
-          <a:lnRef idx="1">
-            <a:schemeClr val="accent1"/>
-          </a:lnRef>
-          <a:fillRef idx="0">
-            <a:schemeClr val="accent1"/>
-          </a:fillRef>
-          <a:effectRef idx="0">
-            <a:schemeClr val="accent1"/>
-          </a:effectRef>
-          <a:fontRef idx="minor">
-            <a:schemeClr val="tx1"/>
-          </a:fontRef>
-        </p:style>
-      </p:cxnSp>
-      <p:cxnSp>
-        <p:nvCxnSpPr>
-          <p:cNvPr id="35" name="Прямая соединительная линия 34"/>
-          <p:cNvCxnSpPr/>
-          <p:nvPr/>
-        </p:nvCxnSpPr>
-        <p:spPr>
-          <a:xfrm flipV="1">
-            <a:off x="2915770" y="5349888"/>
-            <a:ext cx="2279475" cy="705772"/>
-          </a:xfrm>
-          <a:prstGeom prst="line">
-            <a:avLst/>
-          </a:prstGeom>
-          <a:ln w="28575">
-            <a:solidFill>
-              <a:srgbClr val="FF0000"/>
-            </a:solidFill>
-          </a:ln>
-        </p:spPr>
-        <p:style>
-          <a:lnRef idx="1">
-            <a:schemeClr val="accent1"/>
-          </a:lnRef>
-          <a:fillRef idx="0">
-            <a:schemeClr val="accent1"/>
-          </a:fillRef>
-          <a:effectRef idx="0">
-            <a:schemeClr val="accent1"/>
-          </a:effectRef>
-          <a:fontRef idx="minor">
-            <a:schemeClr val="tx1"/>
-          </a:fontRef>
-        </p:style>
-      </p:cxnSp>
-      <p:grpSp>
-        <p:nvGrpSpPr>
-          <p:cNvPr id="40" name="Группа 39"/>
-          <p:cNvGrpSpPr/>
-          <p:nvPr/>
-        </p:nvGrpSpPr>
-        <p:grpSpPr>
-          <a:xfrm>
-            <a:off x="8444753" y="3500059"/>
-            <a:ext cx="2904568" cy="1291678"/>
-            <a:chOff x="8444753" y="3500059"/>
-            <a:chExt cx="2904568" cy="1291678"/>
-          </a:xfrm>
-        </p:grpSpPr>
-        <p:pic>
-          <p:nvPicPr>
-            <p:cNvPr id="41" name="Picture 2" descr="https://lh5.googleusercontent.com/ogmzoLgKTxAugj2t40EGiIh2QefPetj5pVjXvWpnpsCwbHCing3hbfa6fs6FQSJ-bkkbfSl1hqaxrkolwuwW_GiPl2AjYcEnfOVdoMOvw7fekm8OzgiH2AnrVmE564436P9MFmiPrQ"/>
-            <p:cNvPicPr>
-              <a:picLocks noChangeAspect="1" noChangeArrowheads="1"/>
-            </p:cNvPicPr>
-            <p:nvPr/>
-          </p:nvPicPr>
-          <p:blipFill>
-            <a:blip r:embed="rId3" cstate="print">
-              <a:extLst>
-                <a:ext uri="{BEBA8EAE-BF5A-486C-A8C5-ECC9F3942E4B}">
-                  <a14:imgProps xmlns:a14="http://schemas.microsoft.com/office/drawing/2010/main">
-                    <a14:imgLayer r:embed="rId4">
-                      <a14:imgEffect>
-                        <a14:saturation sat="66000"/>
-                      </a14:imgEffect>
-                    </a14:imgLayer>
-                  </a14:imgProps>
-                </a:ext>
-                <a:ext uri="{28A0092B-C50C-407E-A947-70E740481C1C}">
-                  <a14:useLocalDpi xmlns:a14="http://schemas.microsoft.com/office/drawing/2010/main" val="0"/>
-                </a:ext>
-              </a:extLst>
-            </a:blip>
-            <a:srcRect/>
-            <a:stretch>
-              <a:fillRect/>
-            </a:stretch>
-          </p:blipFill>
-          <p:spPr bwMode="auto">
-            <a:xfrm>
-              <a:off x="8780928" y="3705441"/>
-              <a:ext cx="912191" cy="912191"/>
-            </a:xfrm>
-            <a:prstGeom prst="rect">
-              <a:avLst/>
-            </a:prstGeom>
-            <a:noFill/>
-            <a:extLst>
-              <a:ext uri="{909E8E84-426E-40DD-AFC4-6F175D3DCCD1}">
-                <a14:hiddenFill xmlns:a14="http://schemas.microsoft.com/office/drawing/2010/main">
-                  <a:solidFill>
-                    <a:srgbClr val="FFFFFF"/>
-                  </a:solidFill>
-                </a14:hiddenFill>
-              </a:ext>
-            </a:extLst>
-          </p:spPr>
-        </p:pic>
-        <p:cxnSp>
-          <p:nvCxnSpPr>
-            <p:cNvPr id="42" name="Прямая соединительная линия 41"/>
-            <p:cNvCxnSpPr>
-              <a:endCxn id="41" idx="3"/>
-            </p:cNvCxnSpPr>
-            <p:nvPr/>
-          </p:nvCxnSpPr>
-          <p:spPr>
-            <a:xfrm flipH="1">
-              <a:off x="9693119" y="4153658"/>
-              <a:ext cx="761979" cy="7879"/>
-            </a:xfrm>
-            <a:prstGeom prst="line">
-              <a:avLst/>
-            </a:prstGeom>
-            <a:ln w="28575">
-              <a:solidFill>
-                <a:schemeClr val="tx1"/>
-              </a:solidFill>
-              <a:prstDash val="sysDot"/>
-              <a:headEnd type="none" w="med" len="med"/>
-              <a:tailEnd type="none" w="med" len="med"/>
-            </a:ln>
-          </p:spPr>
-          <p:style>
-            <a:lnRef idx="1">
-              <a:schemeClr val="accent1"/>
-            </a:lnRef>
-            <a:fillRef idx="0">
-              <a:schemeClr val="accent1"/>
-            </a:fillRef>
-            <a:effectRef idx="0">
-              <a:schemeClr val="accent1"/>
-            </a:effectRef>
-            <a:fontRef idx="minor">
-              <a:schemeClr val="tx1"/>
-            </a:fontRef>
-          </p:style>
-        </p:cxnSp>
-        <p:sp>
-          <p:nvSpPr>
-            <p:cNvPr id="43" name="Скругленный прямоугольник 42"/>
-            <p:cNvSpPr/>
-            <p:nvPr/>
-          </p:nvSpPr>
-          <p:spPr>
-            <a:xfrm>
-              <a:off x="8444753" y="3500059"/>
-              <a:ext cx="2904568" cy="1291678"/>
-            </a:xfrm>
-            <a:prstGeom prst="roundRect">
-              <a:avLst/>
-            </a:prstGeom>
-            <a:noFill/>
-            <a:ln w="19050">
-              <a:solidFill>
-                <a:schemeClr val="accent4">
-                  <a:lumMod val="75000"/>
-                </a:schemeClr>
-              </a:solidFill>
-              <a:prstDash val="dash"/>
-            </a:ln>
-          </p:spPr>
-          <p:style>
-            <a:lnRef idx="2">
-              <a:schemeClr val="accent1">
-                <a:shade val="50000"/>
-              </a:schemeClr>
-            </a:lnRef>
-            <a:fillRef idx="1">
-              <a:schemeClr val="accent1"/>
-            </a:fillRef>
-            <a:effectRef idx="0">
-              <a:schemeClr val="accent1"/>
-            </a:effectRef>
-            <a:fontRef idx="minor">
-              <a:schemeClr val="lt1"/>
-            </a:fontRef>
-          </p:style>
-          <p:txBody>
-            <a:bodyPr rtlCol="0" anchor="ctr"/>
-            <a:lstStyle/>
-            <a:p>
-              <a:pPr algn="ctr"/>
-              <a:endParaRPr lang="ru-RU"/>
-            </a:p>
-          </p:txBody>
-        </p:sp>
-        <p:pic>
-          <p:nvPicPr>
-            <p:cNvPr id="44" name="Picture 4" descr="https://cdn2.iconfinder.com/data/icons/computer-hardware-3/172/Layer_9-01-512.png"/>
-            <p:cNvPicPr>
-              <a:picLocks noChangeAspect="1" noChangeArrowheads="1"/>
-            </p:cNvPicPr>
-            <p:nvPr/>
-          </p:nvPicPr>
-          <p:blipFill>
-            <a:blip r:embed="rId5" cstate="print">
-              <a:biLevel thresh="50000"/>
-              <a:extLst>
-                <a:ext uri="{28A0092B-C50C-407E-A947-70E740481C1C}">
-                  <a14:useLocalDpi xmlns:a14="http://schemas.microsoft.com/office/drawing/2010/main" val="0"/>
-                </a:ext>
-              </a:extLst>
-            </a:blip>
-            <a:srcRect/>
-            <a:stretch>
-              <a:fillRect/>
-            </a:stretch>
-          </p:blipFill>
-          <p:spPr bwMode="auto">
-            <a:xfrm>
-              <a:off x="10470944" y="3649264"/>
-              <a:ext cx="727491" cy="993268"/>
-            </a:xfrm>
-            <a:prstGeom prst="rect">
-              <a:avLst/>
-            </a:prstGeom>
-            <a:noFill/>
-            <a:extLst>
-              <a:ext uri="{909E8E84-426E-40DD-AFC4-6F175D3DCCD1}">
-                <a14:hiddenFill xmlns:a14="http://schemas.microsoft.com/office/drawing/2010/main">
-                  <a:solidFill>
-                    <a:srgbClr val="FFFFFF"/>
-                  </a:solidFill>
-                </a14:hiddenFill>
-              </a:ext>
-            </a:extLst>
-          </p:spPr>
-        </p:pic>
-      </p:grpSp>
-      <p:sp>
-        <p:nvSpPr>
-          <p:cNvPr id="45" name="Номер слайда 3"/>
-          <p:cNvSpPr>
-            <a:spLocks noGrp="1"/>
-          </p:cNvSpPr>
-          <p:nvPr>
-            <p:ph type="sldNum" sz="quarter" idx="12"/>
-          </p:nvPr>
-        </p:nvSpPr>
-        <p:spPr>
-          <a:xfrm>
-            <a:off x="9242612" y="6414885"/>
-            <a:ext cx="2743200" cy="365125"/>
-          </a:xfrm>
-        </p:spPr>
-        <p:txBody>
-          <a:bodyPr/>
-          <a:lstStyle/>
-          <a:p>
-            <a:r>
-              <a:rPr lang="en-US" dirty="0" smtClean="0"/>
-              <a:t>14/19</a:t>
-            </a:r>
-            <a:endParaRPr lang="ru-RU" dirty="0"/>
-          </a:p>
-        </p:txBody>
-      </p:sp>
-    </p:spTree>
-    <p:extLst>
-      <p:ext uri="{BB962C8B-B14F-4D97-AF65-F5344CB8AC3E}">
-        <p14:creationId xmlns:p14="http://schemas.microsoft.com/office/powerpoint/2010/main" val="2133976351"/>
-      </p:ext>
-    </p:extLst>
-  </p:cSld>
-  <p:clrMapOvr>
-    <a:masterClrMapping/>
-  </p:clrMapOvr>
-  <p:timing>
-    <p:tnLst>
-      <p:par>
-        <p:cTn id="1" dur="indefinite" restart="never" nodeType="tmRoot"/>
-      </p:par>
-    </p:tnLst>
-  </p:timing>
-</p:sld>
-</file>
-
-<file path=ppt/slides/slide15.xml><?xml version="1.0" encoding="utf-8"?>
-<p:sld xmlns:a="http://schemas.openxmlformats.org/drawingml/2006/main" xmlns:r="http://schemas.openxmlformats.org/officeDocument/2006/relationships" xmlns:p="http://schemas.openxmlformats.org/presentationml/2006/main">
-  <p:cSld>
-    <p:spTree>
-      <p:nvGrpSpPr>
-        <p:cNvPr id="1" name=""/>
-        <p:cNvGrpSpPr/>
-        <p:nvPr/>
-      </p:nvGrpSpPr>
-      <p:grpSpPr>
-        <a:xfrm>
-          <a:off x="0" y="0"/>
-          <a:ext cx="0" cy="0"/>
-          <a:chOff x="0" y="0"/>
-          <a:chExt cx="0" cy="0"/>
-        </a:xfrm>
-      </p:grpSpPr>
       <p:graphicFrame>
         <p:nvGraphicFramePr>
           <p:cNvPr id="8" name="Диаграмма 7"/>
@@ -12212,7 +10893,7 @@
           <a:p>
             <a:r>
               <a:rPr lang="en-US" dirty="0" smtClean="0"/>
-              <a:t>15/19</a:t>
+              <a:t>14/19</a:t>
             </a:r>
             <a:endParaRPr lang="ru-RU" dirty="0"/>
           </a:p>
@@ -12238,7 +10919,7 @@
 </p:sld>
 </file>
 
-<file path=ppt/slides/slide16.xml><?xml version="1.0" encoding="utf-8"?>
+<file path=ppt/slides/slide15.xml><?xml version="1.0" encoding="utf-8"?>
 <p:sld xmlns:a="http://schemas.openxmlformats.org/drawingml/2006/main" xmlns:r="http://schemas.openxmlformats.org/officeDocument/2006/relationships" xmlns:p="http://schemas.openxmlformats.org/presentationml/2006/main">
   <p:cSld>
     <p:spTree>
@@ -13661,7 +12342,7 @@
           <a:p>
             <a:r>
               <a:rPr lang="en-US" dirty="0" smtClean="0"/>
-              <a:t>16/19</a:t>
+              <a:t>15/19</a:t>
             </a:r>
             <a:endParaRPr lang="ru-RU" dirty="0"/>
           </a:p>
@@ -13671,6 +12352,184 @@
     <p:extLst>
       <p:ext uri="{BB962C8B-B14F-4D97-AF65-F5344CB8AC3E}">
         <p14:creationId xmlns:p14="http://schemas.microsoft.com/office/powerpoint/2010/main" val="3625238544"/>
+      </p:ext>
+    </p:extLst>
+  </p:cSld>
+  <p:clrMapOvr>
+    <a:masterClrMapping/>
+  </p:clrMapOvr>
+  <p:timing>
+    <p:tnLst>
+      <p:par>
+        <p:cTn id="1" dur="indefinite" restart="never" nodeType="tmRoot"/>
+      </p:par>
+    </p:tnLst>
+  </p:timing>
+</p:sld>
+</file>
+
+<file path=ppt/slides/slide16.xml><?xml version="1.0" encoding="utf-8"?>
+<p:sld xmlns:a="http://schemas.openxmlformats.org/drawingml/2006/main" xmlns:r="http://schemas.openxmlformats.org/officeDocument/2006/relationships" xmlns:p="http://schemas.openxmlformats.org/presentationml/2006/main">
+  <p:cSld>
+    <p:spTree>
+      <p:nvGrpSpPr>
+        <p:cNvPr id="1" name=""/>
+        <p:cNvGrpSpPr/>
+        <p:nvPr/>
+      </p:nvGrpSpPr>
+      <p:grpSpPr>
+        <a:xfrm>
+          <a:off x="0" y="0"/>
+          <a:ext cx="0" cy="0"/>
+          <a:chOff x="0" y="0"/>
+          <a:chExt cx="0" cy="0"/>
+        </a:xfrm>
+      </p:grpSpPr>
+      <p:pic>
+        <p:nvPicPr>
+          <p:cNvPr id="5" name="Picture 4" descr="http://windowsapptutorials.com/wp-content/uploads/2014/12/Windows-8.1.jpg"/>
+          <p:cNvPicPr>
+            <a:picLocks noChangeAspect="1" noChangeArrowheads="1"/>
+          </p:cNvPicPr>
+          <p:nvPr/>
+        </p:nvPicPr>
+        <p:blipFill rotWithShape="1">
+          <a:blip r:embed="rId2">
+            <a:extLst>
+              <a:ext uri="{28A0092B-C50C-407E-A947-70E740481C1C}">
+                <a14:useLocalDpi xmlns:a14="http://schemas.microsoft.com/office/drawing/2010/main" val="0"/>
+              </a:ext>
+            </a:extLst>
+          </a:blip>
+          <a:srcRect l="-426" t="189" r="426" b="72317"/>
+          <a:stretch/>
+        </p:blipFill>
+        <p:spPr bwMode="auto">
+          <a:xfrm rot="10800000">
+            <a:off x="-6720" y="134472"/>
+            <a:ext cx="12265959" cy="1311088"/>
+          </a:xfrm>
+          <a:prstGeom prst="rect">
+            <a:avLst/>
+          </a:prstGeom>
+          <a:noFill/>
+          <a:extLst>
+            <a:ext uri="{909E8E84-426E-40DD-AFC4-6F175D3DCCD1}">
+              <a14:hiddenFill xmlns:a14="http://schemas.microsoft.com/office/drawing/2010/main">
+                <a:solidFill>
+                  <a:srgbClr val="FFFFFF"/>
+                </a:solidFill>
+              </a14:hiddenFill>
+            </a:ext>
+          </a:extLst>
+        </p:spPr>
+      </p:pic>
+      <p:sp>
+        <p:nvSpPr>
+          <p:cNvPr id="2" name="Заголовок 1"/>
+          <p:cNvSpPr>
+            <a:spLocks noGrp="1"/>
+          </p:cNvSpPr>
+          <p:nvPr>
+            <p:ph type="title"/>
+          </p:nvPr>
+        </p:nvSpPr>
+        <p:spPr>
+          <a:xfrm>
+            <a:off x="838199" y="365125"/>
+            <a:ext cx="10975041" cy="1325563"/>
+          </a:xfrm>
+        </p:spPr>
+        <p:txBody>
+          <a:bodyPr/>
+          <a:lstStyle/>
+          <a:p>
+            <a:r>
+              <a:rPr lang="ru-RU" dirty="0" smtClean="0">
+                <a:solidFill>
+                  <a:schemeClr val="bg1"/>
+                </a:solidFill>
+              </a:rPr>
+              <a:t>Передача файлов через </a:t>
+            </a:r>
+            <a:r>
+              <a:rPr lang="ru-RU" dirty="0" smtClean="0">
+                <a:solidFill>
+                  <a:schemeClr val="bg1"/>
+                </a:solidFill>
+              </a:rPr>
+              <a:t>общую </a:t>
+            </a:r>
+            <a:r>
+              <a:rPr lang="ru-RU" dirty="0" smtClean="0">
+                <a:solidFill>
+                  <a:schemeClr val="bg1"/>
+                </a:solidFill>
+              </a:rPr>
+              <a:t>память </a:t>
+            </a:r>
+            <a:endParaRPr lang="ru-RU" dirty="0">
+              <a:solidFill>
+                <a:schemeClr val="bg1"/>
+              </a:solidFill>
+            </a:endParaRPr>
+          </a:p>
+        </p:txBody>
+      </p:sp>
+      <p:graphicFrame>
+        <p:nvGraphicFramePr>
+          <p:cNvPr id="7" name="Диаграмма 6"/>
+          <p:cNvGraphicFramePr/>
+          <p:nvPr>
+            <p:extLst>
+              <p:ext uri="{D42A27DB-BD31-4B8C-83A1-F6EECF244321}">
+                <p14:modId xmlns:p14="http://schemas.microsoft.com/office/powerpoint/2010/main" val="1341230382"/>
+              </p:ext>
+            </p:extLst>
+          </p:nvPr>
+        </p:nvGraphicFramePr>
+        <p:xfrm>
+          <a:off x="2124098" y="1690688"/>
+          <a:ext cx="8128000" cy="5118643"/>
+        </p:xfrm>
+        <a:graphic>
+          <a:graphicData uri="http://schemas.openxmlformats.org/drawingml/2006/chart">
+            <c:chart xmlns:c="http://schemas.openxmlformats.org/drawingml/2006/chart" xmlns:r="http://schemas.openxmlformats.org/officeDocument/2006/relationships" r:id="rId3"/>
+          </a:graphicData>
+        </a:graphic>
+      </p:graphicFrame>
+      <p:sp>
+        <p:nvSpPr>
+          <p:cNvPr id="8" name="Номер слайда 3"/>
+          <p:cNvSpPr>
+            <a:spLocks noGrp="1"/>
+          </p:cNvSpPr>
+          <p:nvPr>
+            <p:ph type="sldNum" sz="quarter" idx="12"/>
+          </p:nvPr>
+        </p:nvSpPr>
+        <p:spPr>
+          <a:xfrm>
+            <a:off x="9242612" y="6414885"/>
+            <a:ext cx="2743200" cy="365125"/>
+          </a:xfrm>
+        </p:spPr>
+        <p:txBody>
+          <a:bodyPr/>
+          <a:lstStyle/>
+          <a:p>
+            <a:r>
+              <a:rPr lang="en-US" dirty="0" smtClean="0"/>
+              <a:t>16/19</a:t>
+            </a:r>
+            <a:endParaRPr lang="ru-RU" dirty="0"/>
+          </a:p>
+        </p:txBody>
+      </p:sp>
+    </p:spTree>
+    <p:extLst>
+      <p:ext uri="{BB962C8B-B14F-4D97-AF65-F5344CB8AC3E}">
+        <p14:creationId xmlns:p14="http://schemas.microsoft.com/office/powerpoint/2010/main" val="459316706"/>
       </p:ext>
     </p:extLst>
   </p:cSld>
@@ -13753,12 +12612,7 @@
             <p:ph type="title"/>
           </p:nvPr>
         </p:nvSpPr>
-        <p:spPr>
-          <a:xfrm>
-            <a:off x="838199" y="365125"/>
-            <a:ext cx="10975041" cy="1325563"/>
-          </a:xfrm>
-        </p:spPr>
+        <p:spPr/>
         <p:txBody>
           <a:bodyPr/>
           <a:lstStyle/>
@@ -13769,23 +12623,7 @@
                   <a:schemeClr val="bg1"/>
                 </a:solidFill>
               </a:rPr>
-              <a:t>Передача файлов через </a:t>
-            </a:r>
-            <a:r>
-              <a:rPr lang="ru-RU" dirty="0" smtClean="0">
-                <a:solidFill>
-                  <a:schemeClr val="bg1"/>
-                </a:solidFill>
-              </a:rPr>
-              <a:t>общую </a:t>
-            </a:r>
-            <a:r>
-              <a:rPr lang="ru-RU" dirty="0" smtClean="0">
-                <a:solidFill>
-                  <a:schemeClr val="bg1"/>
-                </a:solidFill>
-              </a:rPr>
-              <a:t>память </a:t>
+              <a:t>Результаты</a:t>
             </a:r>
             <a:endParaRPr lang="ru-RU" dirty="0">
               <a:solidFill>
@@ -13795,31 +12633,161 @@
           </a:p>
         </p:txBody>
       </p:sp>
-      <p:graphicFrame>
-        <p:nvGraphicFramePr>
-          <p:cNvPr id="7" name="Диаграмма 6"/>
-          <p:cNvGraphicFramePr/>
-          <p:nvPr>
-            <p:extLst>
-              <p:ext uri="{D42A27DB-BD31-4B8C-83A1-F6EECF244321}">
-                <p14:modId xmlns:p14="http://schemas.microsoft.com/office/powerpoint/2010/main" val="1341230382"/>
-              </p:ext>
-            </p:extLst>
-          </p:nvPr>
-        </p:nvGraphicFramePr>
-        <p:xfrm>
-          <a:off x="2124098" y="1690688"/>
-          <a:ext cx="8128000" cy="5118643"/>
-        </p:xfrm>
-        <a:graphic>
-          <a:graphicData uri="http://schemas.openxmlformats.org/drawingml/2006/chart">
-            <c:chart xmlns:c="http://schemas.openxmlformats.org/drawingml/2006/chart" xmlns:r="http://schemas.openxmlformats.org/officeDocument/2006/relationships" r:id="rId3"/>
-          </a:graphicData>
-        </a:graphic>
-      </p:graphicFrame>
       <p:sp>
         <p:nvSpPr>
-          <p:cNvPr id="8" name="Номер слайда 3"/>
+          <p:cNvPr id="3" name="Объект 2"/>
+          <p:cNvSpPr>
+            <a:spLocks noGrp="1"/>
+          </p:cNvSpPr>
+          <p:nvPr>
+            <p:ph idx="1"/>
+          </p:nvPr>
+        </p:nvSpPr>
+        <p:spPr/>
+        <p:txBody>
+          <a:bodyPr/>
+          <a:lstStyle/>
+          <a:p>
+            <a:pPr marL="0" indent="0">
+              <a:lnSpc>
+                <a:spcPct val="150000"/>
+              </a:lnSpc>
+              <a:buNone/>
+            </a:pPr>
+            <a:r>
+              <a:rPr lang="ru-RU" dirty="0" smtClean="0">
+                <a:solidFill>
+                  <a:srgbClr val="1580D0"/>
+                </a:solidFill>
+              </a:rPr>
+              <a:t>Библиотека</a:t>
+            </a:r>
+            <a:r>
+              <a:rPr lang="ru-RU" dirty="0" smtClean="0"/>
+              <a:t> для доступа к файловым системам </a:t>
+            </a:r>
+            <a:r>
+              <a:rPr lang="en-US" dirty="0" smtClean="0"/>
+              <a:t>Linux</a:t>
+            </a:r>
+            <a:r>
+              <a:rPr lang="ru-RU" dirty="0" smtClean="0"/>
+              <a:t> в </a:t>
+            </a:r>
+            <a:r>
+              <a:rPr lang="en-US" dirty="0" smtClean="0"/>
+              <a:t>Windows</a:t>
+            </a:r>
+            <a:endParaRPr lang="ru-RU" dirty="0" smtClean="0"/>
+          </a:p>
+          <a:p>
+            <a:pPr>
+              <a:lnSpc>
+                <a:spcPct val="150000"/>
+              </a:lnSpc>
+            </a:pPr>
+            <a:r>
+              <a:rPr lang="ru-RU" sz="2400" dirty="0"/>
+              <a:t>и</a:t>
+            </a:r>
+            <a:r>
+              <a:rPr lang="ru-RU" sz="2400" dirty="0" smtClean="0"/>
+              <a:t>спользование </a:t>
+            </a:r>
+            <a:r>
+              <a:rPr lang="ru-RU" sz="2400" dirty="0" err="1" smtClean="0">
+                <a:solidFill>
+                  <a:srgbClr val="1580D0"/>
+                </a:solidFill>
+              </a:rPr>
+              <a:t>нативных</a:t>
+            </a:r>
+            <a:r>
+              <a:rPr lang="ru-RU" sz="2400" dirty="0" smtClean="0">
+                <a:solidFill>
+                  <a:srgbClr val="1580D0"/>
+                </a:solidFill>
+              </a:rPr>
+              <a:t> </a:t>
+            </a:r>
+            <a:r>
+              <a:rPr lang="en-US" sz="2400" dirty="0" smtClean="0"/>
+              <a:t>Linux</a:t>
+            </a:r>
+            <a:r>
+              <a:rPr lang="ru-RU" sz="2400" dirty="0" smtClean="0"/>
+              <a:t>-драйверов</a:t>
+            </a:r>
+          </a:p>
+          <a:p>
+            <a:pPr>
+              <a:lnSpc>
+                <a:spcPct val="150000"/>
+              </a:lnSpc>
+            </a:pPr>
+            <a:r>
+              <a:rPr lang="ru-RU" sz="2400" dirty="0"/>
+              <a:t>э</a:t>
+            </a:r>
+            <a:r>
+              <a:rPr lang="ru-RU" sz="2400" dirty="0" smtClean="0"/>
+              <a:t>муляция </a:t>
+            </a:r>
+            <a:r>
+              <a:rPr lang="en-US" sz="2400" dirty="0" smtClean="0"/>
+              <a:t>Linux</a:t>
+            </a:r>
+            <a:r>
+              <a:rPr lang="ru-RU" sz="2400" dirty="0" smtClean="0"/>
+              <a:t>-окружения с помощью </a:t>
+            </a:r>
+            <a:r>
+              <a:rPr lang="en-US" sz="2400" dirty="0" smtClean="0">
+                <a:solidFill>
+                  <a:srgbClr val="1580D0"/>
+                </a:solidFill>
+              </a:rPr>
+              <a:t>QEMU</a:t>
+            </a:r>
+            <a:endParaRPr lang="ru-RU" sz="2400" dirty="0" smtClean="0">
+              <a:solidFill>
+                <a:srgbClr val="1580D0"/>
+              </a:solidFill>
+            </a:endParaRPr>
+          </a:p>
+          <a:p>
+            <a:pPr>
+              <a:lnSpc>
+                <a:spcPct val="150000"/>
+              </a:lnSpc>
+            </a:pPr>
+            <a:r>
+              <a:rPr lang="ru-RU" sz="2400" dirty="0"/>
+              <a:t>п</a:t>
+            </a:r>
+            <a:r>
+              <a:rPr lang="ru-RU" sz="2400" dirty="0" smtClean="0"/>
+              <a:t>ередача файлов через </a:t>
+            </a:r>
+            <a:r>
+              <a:rPr lang="ru-RU" sz="2400" dirty="0" smtClean="0">
+                <a:solidFill>
+                  <a:srgbClr val="1580D0"/>
+                </a:solidFill>
+              </a:rPr>
+              <a:t>разделяемую память</a:t>
+            </a:r>
+            <a:endParaRPr lang="ru-RU" sz="2400" dirty="0">
+              <a:solidFill>
+                <a:srgbClr val="1580D0"/>
+              </a:solidFill>
+            </a:endParaRPr>
+          </a:p>
+        </p:txBody>
+      </p:sp>
+      <p:sp>
+        <p:nvSpPr>
+          <p:cNvPr id="6" name="Номер слайда 3"/>
           <p:cNvSpPr>
             <a:spLocks noGrp="1"/>
           </p:cNvSpPr>
@@ -13848,7 +12816,7 @@
     </p:spTree>
     <p:extLst>
       <p:ext uri="{BB962C8B-B14F-4D97-AF65-F5344CB8AC3E}">
-        <p14:creationId xmlns:p14="http://schemas.microsoft.com/office/powerpoint/2010/main" val="459316706"/>
+        <p14:creationId xmlns:p14="http://schemas.microsoft.com/office/powerpoint/2010/main" val="884907377"/>
       </p:ext>
     </p:extLst>
   </p:cSld>
@@ -13942,7 +12910,7 @@
                   <a:schemeClr val="bg1"/>
                 </a:solidFill>
               </a:rPr>
-              <a:t>Результаты</a:t>
+              <a:t>Дальнейшая работа</a:t>
             </a:r>
             <a:endParaRPr lang="ru-RU" dirty="0">
               <a:solidFill>
@@ -13967,75 +12935,30 @@
           <a:bodyPr/>
           <a:lstStyle/>
           <a:p>
-            <a:pPr marL="0" indent="0">
-              <a:lnSpc>
-                <a:spcPct val="150000"/>
-              </a:lnSpc>
-              <a:buNone/>
-            </a:pPr>
-            <a:r>
-              <a:rPr lang="ru-RU" dirty="0" smtClean="0">
-                <a:solidFill>
-                  <a:srgbClr val="1580D0"/>
-                </a:solidFill>
-              </a:rPr>
-              <a:t>Библиотека</a:t>
-            </a:r>
-            <a:r>
-              <a:rPr lang="ru-RU" dirty="0" smtClean="0"/>
-              <a:t> для доступа к файловым системам </a:t>
-            </a:r>
-            <a:r>
-              <a:rPr lang="en-US" dirty="0" smtClean="0"/>
-              <a:t>Linux</a:t>
-            </a:r>
-            <a:r>
-              <a:rPr lang="ru-RU" dirty="0" smtClean="0"/>
-              <a:t> в </a:t>
-            </a:r>
-            <a:r>
-              <a:rPr lang="en-US" dirty="0" smtClean="0"/>
-              <a:t>Windows</a:t>
-            </a:r>
-            <a:endParaRPr lang="ru-RU" dirty="0" smtClean="0"/>
-          </a:p>
-          <a:p>
             <a:pPr>
               <a:lnSpc>
                 <a:spcPct val="150000"/>
               </a:lnSpc>
             </a:pPr>
             <a:r>
-              <a:rPr lang="ru-RU" sz="2400" dirty="0"/>
-              <a:t>и</a:t>
+              <a:rPr lang="ru-RU" sz="2400" dirty="0" err="1" smtClean="0"/>
+              <a:t>Портировать</a:t>
             </a:r>
             <a:r>
               <a:rPr lang="ru-RU" sz="2400" dirty="0" smtClean="0"/>
-              <a:t>спользование </a:t>
-            </a:r>
-            <a:r>
-              <a:rPr lang="ru-RU" sz="2400" dirty="0" err="1" smtClean="0">
-                <a:solidFill>
-                  <a:srgbClr val="1580D0"/>
-                </a:solidFill>
-              </a:rPr>
-              <a:t>нативных</a:t>
-            </a:r>
-            <a:r>
-              <a:rPr lang="ru-RU" sz="2400" dirty="0" smtClean="0">
-                <a:solidFill>
-                  <a:srgbClr val="1580D0"/>
-                </a:solidFill>
-              </a:rPr>
               <a:t> </a:t>
             </a:r>
             <a:r>
               <a:rPr lang="en-US" sz="2400" dirty="0" smtClean="0"/>
-              <a:t>Linux</a:t>
+              <a:t>UML (User Mode Linux)</a:t>
             </a:r>
             <a:r>
               <a:rPr lang="ru-RU" sz="2400" dirty="0" smtClean="0"/>
-              <a:t>-драйверов</a:t>
+              <a:t> в </a:t>
+            </a:r>
+            <a:r>
+              <a:rPr lang="en-US" sz="2400" dirty="0" smtClean="0"/>
+              <a:t>Windows</a:t>
             </a:r>
           </a:p>
           <a:p>
@@ -14045,62 +12968,17 @@
               </a:lnSpc>
             </a:pPr>
             <a:r>
-              <a:rPr lang="ru-RU" sz="2400" dirty="0"/>
-              <a:t>э</a:t>
-            </a:r>
-            <a:r>
               <a:rPr lang="ru-RU" sz="2400" dirty="0" smtClean="0"/>
-              <a:t>муляция </a:t>
+              <a:t>Использовать </a:t>
             </a:r>
             <a:r>
               <a:rPr lang="en-US" sz="2400" dirty="0" smtClean="0"/>
-              <a:t>Linux</a:t>
+              <a:t>UML </a:t>
             </a:r>
             <a:r>
               <a:rPr lang="ru-RU" sz="2400" dirty="0" smtClean="0"/>
-              <a:t>-окружения с помощью </a:t>
-            </a:r>
-            <a:r>
-              <a:rPr lang="en-US" sz="2400" dirty="0" smtClean="0">
-                <a:solidFill>
-                  <a:srgbClr val="1580D0"/>
-                </a:solidFill>
-              </a:rPr>
-              <a:t>QEMU</a:t>
-            </a:r>
-            <a:endParaRPr lang="ru-RU" sz="2400" dirty="0" smtClean="0">
-              <a:solidFill>
-                <a:srgbClr val="1580D0"/>
-              </a:solidFill>
-            </a:endParaRPr>
-          </a:p>
-          <a:p>
-            <a:pPr>
-              <a:lnSpc>
-                <a:spcPct val="150000"/>
-              </a:lnSpc>
-            </a:pPr>
-            <a:r>
-              <a:rPr lang="ru-RU" sz="2400" dirty="0"/>
-              <a:t>п</a:t>
-            </a:r>
-            <a:r>
-              <a:rPr lang="ru-RU" sz="2400" dirty="0" smtClean="0"/>
-              <a:t>ередача файлов через </a:t>
-            </a:r>
-            <a:r>
-              <a:rPr lang="ru-RU" sz="2400" dirty="0" smtClean="0">
-                <a:solidFill>
-                  <a:srgbClr val="1580D0"/>
-                </a:solidFill>
-              </a:rPr>
-              <a:t>разделяемую память</a:t>
-            </a:r>
-            <a:endParaRPr lang="ru-RU" sz="2400" dirty="0">
-              <a:solidFill>
-                <a:srgbClr val="1580D0"/>
-              </a:solidFill>
-            </a:endParaRPr>
+              <a:t>в качестве виртуальной машины</a:t>
+            </a:r>
           </a:p>
         </p:txBody>
       </p:sp>
@@ -14135,7 +13013,7 @@
     </p:spTree>
     <p:extLst>
       <p:ext uri="{BB962C8B-B14F-4D97-AF65-F5344CB8AC3E}">
-        <p14:creationId xmlns:p14="http://schemas.microsoft.com/office/powerpoint/2010/main" val="884907377"/>
+        <p14:creationId xmlns:p14="http://schemas.microsoft.com/office/powerpoint/2010/main" val="2220164635"/>
       </p:ext>
     </p:extLst>
   </p:cSld>
@@ -15516,6 +14394,1326 @@
 </p:sld>
 </file>
 
+<file path=ppt/slides/slide20.xml><?xml version="1.0" encoding="utf-8"?>
+<p:sld xmlns:a="http://schemas.openxmlformats.org/drawingml/2006/main" xmlns:r="http://schemas.openxmlformats.org/officeDocument/2006/relationships" xmlns:p="http://schemas.openxmlformats.org/presentationml/2006/main">
+  <p:cSld>
+    <p:spTree>
+      <p:nvGrpSpPr>
+        <p:cNvPr id="1" name=""/>
+        <p:cNvGrpSpPr/>
+        <p:nvPr/>
+      </p:nvGrpSpPr>
+      <p:grpSpPr>
+        <a:xfrm>
+          <a:off x="0" y="0"/>
+          <a:ext cx="0" cy="0"/>
+          <a:chOff x="0" y="0"/>
+          <a:chExt cx="0" cy="0"/>
+        </a:xfrm>
+      </p:grpSpPr>
+      <p:pic>
+        <p:nvPicPr>
+          <p:cNvPr id="5" name="Picture 4" descr="http://windowsapptutorials.com/wp-content/uploads/2014/12/Windows-8.1.jpg"/>
+          <p:cNvPicPr>
+            <a:picLocks noChangeAspect="1" noChangeArrowheads="1"/>
+          </p:cNvPicPr>
+          <p:nvPr/>
+        </p:nvPicPr>
+        <p:blipFill rotWithShape="1">
+          <a:blip r:embed="rId2">
+            <a:extLst>
+              <a:ext uri="{28A0092B-C50C-407E-A947-70E740481C1C}">
+                <a14:useLocalDpi xmlns:a14="http://schemas.microsoft.com/office/drawing/2010/main" val="0"/>
+              </a:ext>
+            </a:extLst>
+          </a:blip>
+          <a:srcRect l="-426" t="189" r="426" b="72317"/>
+          <a:stretch/>
+        </p:blipFill>
+        <p:spPr bwMode="auto">
+          <a:xfrm rot="10800000">
+            <a:off x="-6720" y="134472"/>
+            <a:ext cx="12265959" cy="1311088"/>
+          </a:xfrm>
+          <a:prstGeom prst="rect">
+            <a:avLst/>
+          </a:prstGeom>
+          <a:noFill/>
+          <a:extLst>
+            <a:ext uri="{909E8E84-426E-40DD-AFC4-6F175D3DCCD1}">
+              <a14:hiddenFill xmlns:a14="http://schemas.microsoft.com/office/drawing/2010/main">
+                <a:solidFill>
+                  <a:srgbClr val="FFFFFF"/>
+                </a:solidFill>
+              </a14:hiddenFill>
+            </a:ext>
+          </a:extLst>
+        </p:spPr>
+      </p:pic>
+      <p:sp>
+        <p:nvSpPr>
+          <p:cNvPr id="2" name="Заголовок 1"/>
+          <p:cNvSpPr>
+            <a:spLocks noGrp="1"/>
+          </p:cNvSpPr>
+          <p:nvPr>
+            <p:ph type="title"/>
+          </p:nvPr>
+        </p:nvSpPr>
+        <p:spPr/>
+        <p:txBody>
+          <a:bodyPr/>
+          <a:lstStyle/>
+          <a:p>
+            <a:r>
+              <a:rPr lang="ru-RU" dirty="0" smtClean="0">
+                <a:solidFill>
+                  <a:schemeClr val="bg1"/>
+                </a:solidFill>
+              </a:rPr>
+              <a:t>Замена </a:t>
+            </a:r>
+            <a:r>
+              <a:rPr lang="en-US" b="1" dirty="0" smtClean="0">
+                <a:solidFill>
+                  <a:schemeClr val="bg1"/>
+                </a:solidFill>
+              </a:rPr>
+              <a:t>XDR</a:t>
+            </a:r>
+            <a:r>
+              <a:rPr lang="en-US" dirty="0" smtClean="0">
+                <a:solidFill>
+                  <a:schemeClr val="bg1"/>
+                </a:solidFill>
+              </a:rPr>
+              <a:t> </a:t>
+            </a:r>
+            <a:r>
+              <a:rPr lang="ru-RU" dirty="0" smtClean="0">
+                <a:solidFill>
+                  <a:schemeClr val="bg1"/>
+                </a:solidFill>
+              </a:rPr>
+              <a:t>на </a:t>
+            </a:r>
+            <a:r>
+              <a:rPr lang="en-US" b="1" dirty="0" err="1" smtClean="0">
+                <a:solidFill>
+                  <a:schemeClr val="bg1"/>
+                </a:solidFill>
+              </a:rPr>
+              <a:t>ProtoBuf</a:t>
+            </a:r>
+            <a:endParaRPr lang="ru-RU" b="1" dirty="0">
+              <a:solidFill>
+                <a:schemeClr val="bg1"/>
+              </a:solidFill>
+            </a:endParaRPr>
+          </a:p>
+        </p:txBody>
+      </p:sp>
+      <p:grpSp>
+        <p:nvGrpSpPr>
+          <p:cNvPr id="6" name="Группа 5"/>
+          <p:cNvGrpSpPr/>
+          <p:nvPr/>
+        </p:nvGrpSpPr>
+        <p:grpSpPr>
+          <a:xfrm>
+            <a:off x="5460066" y="2588566"/>
+            <a:ext cx="2487144" cy="2530497"/>
+            <a:chOff x="4942351" y="2548222"/>
+            <a:chExt cx="2487144" cy="2530497"/>
+          </a:xfrm>
+        </p:grpSpPr>
+        <p:sp>
+          <p:nvSpPr>
+            <p:cNvPr id="7" name="Прямоугольник 6"/>
+            <p:cNvSpPr/>
+            <p:nvPr/>
+          </p:nvSpPr>
+          <p:spPr>
+            <a:xfrm>
+              <a:off x="4942351" y="2548222"/>
+              <a:ext cx="2487144" cy="2530497"/>
+            </a:xfrm>
+            <a:prstGeom prst="rect">
+              <a:avLst/>
+            </a:prstGeom>
+            <a:noFill/>
+            <a:ln w="28575"/>
+          </p:spPr>
+          <p:style>
+            <a:lnRef idx="2">
+              <a:schemeClr val="accent4"/>
+            </a:lnRef>
+            <a:fillRef idx="1">
+              <a:schemeClr val="lt1"/>
+            </a:fillRef>
+            <a:effectRef idx="0">
+              <a:schemeClr val="accent4"/>
+            </a:effectRef>
+            <a:fontRef idx="minor">
+              <a:schemeClr val="dk1"/>
+            </a:fontRef>
+          </p:style>
+          <p:txBody>
+            <a:bodyPr rtlCol="0" anchor="b" anchorCtr="0"/>
+            <a:lstStyle/>
+            <a:p>
+              <a:pPr algn="ctr"/>
+              <a:endParaRPr lang="ru-RU" dirty="0">
+                <a:solidFill>
+                  <a:schemeClr val="tx1"/>
+                </a:solidFill>
+              </a:endParaRPr>
+            </a:p>
+          </p:txBody>
+        </p:sp>
+        <p:sp>
+          <p:nvSpPr>
+            <p:cNvPr id="8" name="Прямоугольник 7"/>
+            <p:cNvSpPr/>
+            <p:nvPr/>
+          </p:nvSpPr>
+          <p:spPr>
+            <a:xfrm>
+              <a:off x="5016315" y="2642347"/>
+              <a:ext cx="2332503" cy="2362717"/>
+            </a:xfrm>
+            <a:prstGeom prst="rect">
+              <a:avLst/>
+            </a:prstGeom>
+            <a:ln w="28575"/>
+          </p:spPr>
+          <p:style>
+            <a:lnRef idx="2">
+              <a:schemeClr val="accent4"/>
+            </a:lnRef>
+            <a:fillRef idx="1">
+              <a:schemeClr val="lt1"/>
+            </a:fillRef>
+            <a:effectRef idx="0">
+              <a:schemeClr val="accent4"/>
+            </a:effectRef>
+            <a:fontRef idx="minor">
+              <a:schemeClr val="dk1"/>
+            </a:fontRef>
+          </p:style>
+          <p:txBody>
+            <a:bodyPr rtlCol="0" anchor="b" anchorCtr="0"/>
+            <a:lstStyle/>
+            <a:p>
+              <a:pPr algn="ctr"/>
+              <a:r>
+                <a:rPr lang="ru-RU" dirty="0" smtClean="0">
+                  <a:solidFill>
+                    <a:schemeClr val="tx1"/>
+                  </a:solidFill>
+                </a:rPr>
+                <a:t>Дистрибутив </a:t>
+              </a:r>
+              <a:r>
+                <a:rPr lang="en-US" dirty="0" smtClean="0">
+                  <a:solidFill>
+                    <a:schemeClr val="tx1"/>
+                  </a:solidFill>
+                </a:rPr>
+                <a:t>Linux</a:t>
+              </a:r>
+              <a:endParaRPr lang="ru-RU" dirty="0" smtClean="0">
+                <a:solidFill>
+                  <a:schemeClr val="tx1"/>
+                </a:solidFill>
+              </a:endParaRPr>
+            </a:p>
+          </p:txBody>
+        </p:sp>
+        <p:sp>
+          <p:nvSpPr>
+            <p:cNvPr id="9" name="Скругленный прямоугольник 8"/>
+            <p:cNvSpPr/>
+            <p:nvPr/>
+          </p:nvSpPr>
+          <p:spPr>
+            <a:xfrm>
+              <a:off x="5170957" y="2803402"/>
+              <a:ext cx="2016496" cy="646404"/>
+            </a:xfrm>
+            <a:prstGeom prst="roundRect">
+              <a:avLst/>
+            </a:prstGeom>
+            <a:ln w="28575">
+              <a:solidFill>
+                <a:schemeClr val="tx1"/>
+              </a:solidFill>
+            </a:ln>
+          </p:spPr>
+          <p:style>
+            <a:lnRef idx="2">
+              <a:schemeClr val="accent4"/>
+            </a:lnRef>
+            <a:fillRef idx="1">
+              <a:schemeClr val="lt1"/>
+            </a:fillRef>
+            <a:effectRef idx="0">
+              <a:schemeClr val="accent4"/>
+            </a:effectRef>
+            <a:fontRef idx="minor">
+              <a:schemeClr val="dk1"/>
+            </a:fontRef>
+          </p:style>
+          <p:txBody>
+            <a:bodyPr rtlCol="0" anchor="ctr"/>
+            <a:lstStyle/>
+            <a:p>
+              <a:pPr algn="ctr"/>
+              <a:r>
+                <a:rPr lang="ru-RU" dirty="0" smtClean="0">
+                  <a:solidFill>
+                    <a:schemeClr val="tx1"/>
+                  </a:solidFill>
+                </a:rPr>
+                <a:t>Демон</a:t>
+              </a:r>
+              <a:endParaRPr lang="ru-RU" dirty="0">
+                <a:solidFill>
+                  <a:schemeClr val="tx1"/>
+                </a:solidFill>
+              </a:endParaRPr>
+            </a:p>
+          </p:txBody>
+        </p:sp>
+      </p:grpSp>
+      <p:sp>
+        <p:nvSpPr>
+          <p:cNvPr id="10" name="Прямоугольник 9"/>
+          <p:cNvSpPr/>
+          <p:nvPr/>
+        </p:nvSpPr>
+        <p:spPr>
+          <a:xfrm>
+            <a:off x="5284895" y="2460815"/>
+            <a:ext cx="4538186" cy="2803907"/>
+          </a:xfrm>
+          <a:prstGeom prst="rect">
+            <a:avLst/>
+          </a:prstGeom>
+          <a:noFill/>
+          <a:ln w="28575">
+            <a:solidFill>
+              <a:schemeClr val="tx1"/>
+            </a:solidFill>
+          </a:ln>
+        </p:spPr>
+        <p:style>
+          <a:lnRef idx="2">
+            <a:schemeClr val="accent1">
+              <a:shade val="50000"/>
+            </a:schemeClr>
+          </a:lnRef>
+          <a:fillRef idx="1">
+            <a:schemeClr val="accent1"/>
+          </a:fillRef>
+          <a:effectRef idx="0">
+            <a:schemeClr val="accent1"/>
+          </a:effectRef>
+          <a:fontRef idx="minor">
+            <a:schemeClr val="lt1"/>
+          </a:fontRef>
+        </p:style>
+        <p:txBody>
+          <a:bodyPr rtlCol="0" anchor="t" anchorCtr="0"/>
+          <a:lstStyle/>
+          <a:p>
+            <a:pPr algn="r"/>
+            <a:r>
+              <a:rPr lang="ru-RU" dirty="0" smtClean="0">
+                <a:solidFill>
+                  <a:schemeClr val="tx1"/>
+                </a:solidFill>
+              </a:rPr>
+              <a:t>Виртуальная</a:t>
+            </a:r>
+          </a:p>
+          <a:p>
+            <a:pPr algn="r"/>
+            <a:r>
+              <a:rPr lang="ru-RU" dirty="0" smtClean="0">
+                <a:solidFill>
+                  <a:schemeClr val="tx1"/>
+                </a:solidFill>
+              </a:rPr>
+              <a:t>машина</a:t>
+            </a:r>
+            <a:endParaRPr lang="ru-RU" dirty="0">
+              <a:solidFill>
+                <a:schemeClr val="tx1"/>
+              </a:solidFill>
+            </a:endParaRPr>
+          </a:p>
+        </p:txBody>
+      </p:sp>
+      <p:grpSp>
+        <p:nvGrpSpPr>
+          <p:cNvPr id="11" name="Группа 10"/>
+          <p:cNvGrpSpPr/>
+          <p:nvPr/>
+        </p:nvGrpSpPr>
+        <p:grpSpPr>
+          <a:xfrm>
+            <a:off x="1140765" y="2588566"/>
+            <a:ext cx="1938614" cy="2330924"/>
+            <a:chOff x="649945" y="2420471"/>
+            <a:chExt cx="1938614" cy="2330924"/>
+          </a:xfrm>
+        </p:grpSpPr>
+        <p:sp>
+          <p:nvSpPr>
+            <p:cNvPr id="12" name="Прямоугольник 11"/>
+            <p:cNvSpPr/>
+            <p:nvPr/>
+          </p:nvSpPr>
+          <p:spPr>
+            <a:xfrm>
+              <a:off x="649945" y="2420471"/>
+              <a:ext cx="1938614" cy="2330924"/>
+            </a:xfrm>
+            <a:prstGeom prst="rect">
+              <a:avLst/>
+            </a:prstGeom>
+            <a:ln w="28575"/>
+          </p:spPr>
+          <p:style>
+            <a:lnRef idx="2">
+              <a:schemeClr val="accent5"/>
+            </a:lnRef>
+            <a:fillRef idx="1">
+              <a:schemeClr val="lt1"/>
+            </a:fillRef>
+            <a:effectRef idx="0">
+              <a:schemeClr val="accent5"/>
+            </a:effectRef>
+            <a:fontRef idx="minor">
+              <a:schemeClr val="dk1"/>
+            </a:fontRef>
+          </p:style>
+          <p:txBody>
+            <a:bodyPr rtlCol="0" anchor="t" anchorCtr="0"/>
+            <a:lstStyle/>
+            <a:p>
+              <a:pPr algn="ctr"/>
+              <a:endParaRPr lang="ru-RU" dirty="0" smtClean="0">
+                <a:solidFill>
+                  <a:schemeClr val="tx1"/>
+                </a:solidFill>
+              </a:endParaRPr>
+            </a:p>
+            <a:p>
+              <a:pPr algn="ctr"/>
+              <a:r>
+                <a:rPr lang="ru-RU" dirty="0" smtClean="0">
+                  <a:solidFill>
+                    <a:schemeClr val="tx1"/>
+                  </a:solidFill>
+                </a:rPr>
+                <a:t>Приложение</a:t>
+              </a:r>
+            </a:p>
+            <a:p>
+              <a:pPr algn="ctr"/>
+              <a:r>
+                <a:rPr lang="ru-RU" dirty="0" smtClean="0">
+                  <a:solidFill>
+                    <a:schemeClr val="tx1"/>
+                  </a:solidFill>
+                </a:rPr>
+                <a:t>ОС </a:t>
+              </a:r>
+              <a:r>
+                <a:rPr lang="en-US" dirty="0" smtClean="0">
+                  <a:solidFill>
+                    <a:schemeClr val="tx1"/>
+                  </a:solidFill>
+                </a:rPr>
+                <a:t>Windows</a:t>
+              </a:r>
+              <a:endParaRPr lang="ru-RU" dirty="0">
+                <a:solidFill>
+                  <a:schemeClr val="tx1"/>
+                </a:solidFill>
+              </a:endParaRPr>
+            </a:p>
+          </p:txBody>
+        </p:sp>
+        <p:sp>
+          <p:nvSpPr>
+            <p:cNvPr id="13" name="Прямоугольник 12"/>
+            <p:cNvSpPr/>
+            <p:nvPr/>
+          </p:nvSpPr>
+          <p:spPr>
+            <a:xfrm>
+              <a:off x="649945" y="4121639"/>
+              <a:ext cx="1938614" cy="629754"/>
+            </a:xfrm>
+            <a:prstGeom prst="rect">
+              <a:avLst/>
+            </a:prstGeom>
+            <a:ln w="28575"/>
+          </p:spPr>
+          <p:style>
+            <a:lnRef idx="2">
+              <a:schemeClr val="accent5"/>
+            </a:lnRef>
+            <a:fillRef idx="1">
+              <a:schemeClr val="lt1"/>
+            </a:fillRef>
+            <a:effectRef idx="0">
+              <a:schemeClr val="accent5"/>
+            </a:effectRef>
+            <a:fontRef idx="minor">
+              <a:schemeClr val="dk1"/>
+            </a:fontRef>
+          </p:style>
+          <p:txBody>
+            <a:bodyPr rtlCol="0" anchor="ctr"/>
+            <a:lstStyle/>
+            <a:p>
+              <a:pPr algn="ctr"/>
+              <a:r>
+                <a:rPr lang="ru-RU" dirty="0" smtClean="0">
+                  <a:solidFill>
+                    <a:schemeClr val="tx1"/>
+                  </a:solidFill>
+                </a:rPr>
+                <a:t>Библиотека (</a:t>
+              </a:r>
+              <a:r>
+                <a:rPr lang="en-US" dirty="0" smtClean="0">
+                  <a:solidFill>
+                    <a:schemeClr val="tx1"/>
+                  </a:solidFill>
+                </a:rPr>
+                <a:t>DLL</a:t>
+              </a:r>
+              <a:r>
+                <a:rPr lang="ru-RU" dirty="0" smtClean="0">
+                  <a:solidFill>
+                    <a:schemeClr val="tx1"/>
+                  </a:solidFill>
+                </a:rPr>
+                <a:t>)</a:t>
+              </a:r>
+              <a:endParaRPr lang="ru-RU" dirty="0">
+                <a:solidFill>
+                  <a:schemeClr val="tx1"/>
+                </a:solidFill>
+              </a:endParaRPr>
+            </a:p>
+          </p:txBody>
+        </p:sp>
+        <p:sp>
+          <p:nvSpPr>
+            <p:cNvPr id="14" name="Прямоугольник 13"/>
+            <p:cNvSpPr/>
+            <p:nvPr/>
+          </p:nvSpPr>
+          <p:spPr>
+            <a:xfrm>
+              <a:off x="728381" y="4195480"/>
+              <a:ext cx="1786219" cy="486423"/>
+            </a:xfrm>
+            <a:prstGeom prst="rect">
+              <a:avLst/>
+            </a:prstGeom>
+            <a:noFill/>
+            <a:ln w="28575"/>
+          </p:spPr>
+          <p:style>
+            <a:lnRef idx="2">
+              <a:schemeClr val="accent5"/>
+            </a:lnRef>
+            <a:fillRef idx="1">
+              <a:schemeClr val="lt1"/>
+            </a:fillRef>
+            <a:effectRef idx="0">
+              <a:schemeClr val="accent5"/>
+            </a:effectRef>
+            <a:fontRef idx="minor">
+              <a:schemeClr val="dk1"/>
+            </a:fontRef>
+          </p:style>
+          <p:txBody>
+            <a:bodyPr rtlCol="0" anchor="ctr"/>
+            <a:lstStyle/>
+            <a:p>
+              <a:pPr algn="ctr"/>
+              <a:endParaRPr lang="ru-RU" dirty="0">
+                <a:solidFill>
+                  <a:schemeClr val="tx1"/>
+                </a:solidFill>
+              </a:endParaRPr>
+            </a:p>
+          </p:txBody>
+        </p:sp>
+      </p:grpSp>
+      <p:sp>
+        <p:nvSpPr>
+          <p:cNvPr id="15" name="Скругленный прямоугольник 14"/>
+          <p:cNvSpPr/>
+          <p:nvPr/>
+        </p:nvSpPr>
+        <p:spPr>
+          <a:xfrm>
+            <a:off x="5695390" y="3830456"/>
+            <a:ext cx="2016496" cy="646404"/>
+          </a:xfrm>
+          <a:prstGeom prst="roundRect">
+            <a:avLst/>
+          </a:prstGeom>
+          <a:ln w="28575">
+            <a:solidFill>
+              <a:schemeClr val="tx1"/>
+            </a:solidFill>
+          </a:ln>
+        </p:spPr>
+        <p:style>
+          <a:lnRef idx="2">
+            <a:schemeClr val="accent4"/>
+          </a:lnRef>
+          <a:fillRef idx="1">
+            <a:schemeClr val="lt1"/>
+          </a:fillRef>
+          <a:effectRef idx="0">
+            <a:schemeClr val="accent4"/>
+          </a:effectRef>
+          <a:fontRef idx="minor">
+            <a:schemeClr val="dk1"/>
+          </a:fontRef>
+        </p:style>
+        <p:txBody>
+          <a:bodyPr rtlCol="0" anchor="ctr"/>
+          <a:lstStyle/>
+          <a:p>
+            <a:pPr algn="ctr"/>
+            <a:r>
+              <a:rPr lang="ru-RU" dirty="0" smtClean="0">
+                <a:solidFill>
+                  <a:schemeClr val="tx1"/>
+                </a:solidFill>
+              </a:rPr>
+              <a:t>Драйверы</a:t>
+            </a:r>
+            <a:endParaRPr lang="ru-RU" dirty="0">
+              <a:solidFill>
+                <a:schemeClr val="tx1"/>
+              </a:solidFill>
+            </a:endParaRPr>
+          </a:p>
+        </p:txBody>
+      </p:sp>
+      <p:cxnSp>
+        <p:nvCxnSpPr>
+          <p:cNvPr id="16" name="Прямая соединительная линия 15"/>
+          <p:cNvCxnSpPr>
+            <a:endCxn id="15" idx="0"/>
+          </p:cNvCxnSpPr>
+          <p:nvPr/>
+        </p:nvCxnSpPr>
+        <p:spPr>
+          <a:xfrm>
+            <a:off x="6700281" y="3490150"/>
+            <a:ext cx="3357" cy="340306"/>
+          </a:xfrm>
+          <a:prstGeom prst="line">
+            <a:avLst/>
+          </a:prstGeom>
+          <a:ln w="28575">
+            <a:solidFill>
+              <a:schemeClr val="tx1"/>
+            </a:solidFill>
+            <a:headEnd type="triangle" w="med" len="med"/>
+            <a:tailEnd type="triangle" w="med" len="med"/>
+          </a:ln>
+        </p:spPr>
+        <p:style>
+          <a:lnRef idx="1">
+            <a:schemeClr val="accent1"/>
+          </a:lnRef>
+          <a:fillRef idx="0">
+            <a:schemeClr val="accent1"/>
+          </a:fillRef>
+          <a:effectRef idx="0">
+            <a:schemeClr val="accent1"/>
+          </a:effectRef>
+          <a:fontRef idx="minor">
+            <a:schemeClr val="tx1"/>
+          </a:fontRef>
+        </p:style>
+      </p:cxnSp>
+      <p:cxnSp>
+        <p:nvCxnSpPr>
+          <p:cNvPr id="17" name="Прямая соединительная линия 16"/>
+          <p:cNvCxnSpPr>
+            <a:stCxn id="15" idx="3"/>
+            <a:endCxn id="19" idx="1"/>
+          </p:cNvCxnSpPr>
+          <p:nvPr/>
+        </p:nvCxnSpPr>
+        <p:spPr>
+          <a:xfrm>
+            <a:off x="7711886" y="4153658"/>
+            <a:ext cx="1069042" cy="7879"/>
+          </a:xfrm>
+          <a:prstGeom prst="line">
+            <a:avLst/>
+          </a:prstGeom>
+          <a:ln w="28575">
+            <a:solidFill>
+              <a:schemeClr val="accent4">
+                <a:lumMod val="75000"/>
+              </a:schemeClr>
+            </a:solidFill>
+            <a:prstDash val="sysDash"/>
+            <a:headEnd type="triangle" w="med" len="med"/>
+            <a:tailEnd type="triangle" w="med" len="med"/>
+          </a:ln>
+        </p:spPr>
+        <p:style>
+          <a:lnRef idx="1">
+            <a:schemeClr val="accent4"/>
+          </a:lnRef>
+          <a:fillRef idx="0">
+            <a:schemeClr val="accent4"/>
+          </a:fillRef>
+          <a:effectRef idx="0">
+            <a:schemeClr val="accent4"/>
+          </a:effectRef>
+          <a:fontRef idx="minor">
+            <a:schemeClr val="tx1"/>
+          </a:fontRef>
+        </p:style>
+      </p:cxnSp>
+      <p:cxnSp>
+        <p:nvCxnSpPr>
+          <p:cNvPr id="23" name="Соединительная линия уступом 22"/>
+          <p:cNvCxnSpPr>
+            <a:endCxn id="9" idx="1"/>
+          </p:cNvCxnSpPr>
+          <p:nvPr/>
+        </p:nvCxnSpPr>
+        <p:spPr>
+          <a:xfrm flipV="1">
+            <a:off x="3089646" y="3166948"/>
+            <a:ext cx="2599026" cy="1450684"/>
+          </a:xfrm>
+          <a:prstGeom prst="bentConnector3">
+            <a:avLst/>
+          </a:prstGeom>
+          <a:ln w="28575">
+            <a:headEnd type="triangle" w="med" len="med"/>
+            <a:tailEnd type="triangle" w="med" len="med"/>
+          </a:ln>
+        </p:spPr>
+        <p:style>
+          <a:lnRef idx="1">
+            <a:schemeClr val="accent1"/>
+          </a:lnRef>
+          <a:fillRef idx="0">
+            <a:schemeClr val="accent1"/>
+          </a:fillRef>
+          <a:effectRef idx="0">
+            <a:schemeClr val="accent1"/>
+          </a:effectRef>
+          <a:fontRef idx="minor">
+            <a:schemeClr val="tx1"/>
+          </a:fontRef>
+        </p:style>
+      </p:cxnSp>
+      <p:sp>
+        <p:nvSpPr>
+          <p:cNvPr id="24" name="TextBox 23"/>
+          <p:cNvSpPr txBox="1"/>
+          <p:nvPr/>
+        </p:nvSpPr>
+        <p:spPr>
+          <a:xfrm>
+            <a:off x="10078570" y="4796250"/>
+            <a:ext cx="1519775" cy="646331"/>
+          </a:xfrm>
+          <a:prstGeom prst="rect">
+            <a:avLst/>
+          </a:prstGeom>
+          <a:noFill/>
+        </p:spPr>
+        <p:txBody>
+          <a:bodyPr wrap="none" rtlCol="0">
+            <a:spAutoFit/>
+          </a:bodyPr>
+          <a:lstStyle/>
+          <a:p>
+            <a:pPr algn="ctr"/>
+            <a:r>
+              <a:rPr lang="ru-RU" dirty="0" smtClean="0"/>
+              <a:t>Устройство</a:t>
+            </a:r>
+          </a:p>
+          <a:p>
+            <a:pPr algn="ctr"/>
+            <a:r>
+              <a:rPr lang="ru-RU" dirty="0" smtClean="0"/>
+              <a:t>(образ диска)</a:t>
+            </a:r>
+            <a:endParaRPr lang="ru-RU" dirty="0"/>
+          </a:p>
+        </p:txBody>
+      </p:sp>
+      <p:sp>
+        <p:nvSpPr>
+          <p:cNvPr id="25" name="TextBox 24"/>
+          <p:cNvSpPr txBox="1"/>
+          <p:nvPr/>
+        </p:nvSpPr>
+        <p:spPr>
+          <a:xfrm>
+            <a:off x="10301598" y="1561475"/>
+            <a:ext cx="797013" cy="369332"/>
+          </a:xfrm>
+          <a:prstGeom prst="rect">
+            <a:avLst/>
+          </a:prstGeom>
+          <a:noFill/>
+          <a:ln w="12700">
+            <a:solidFill>
+              <a:schemeClr val="tx1"/>
+            </a:solidFill>
+            <a:prstDash val="dash"/>
+          </a:ln>
+        </p:spPr>
+        <p:txBody>
+          <a:bodyPr wrap="none" rtlCol="0">
+            <a:spAutoFit/>
+          </a:bodyPr>
+          <a:lstStyle/>
+          <a:p>
+            <a:r>
+              <a:rPr lang="en-US" dirty="0" smtClean="0"/>
+              <a:t>QEMU</a:t>
+            </a:r>
+          </a:p>
+        </p:txBody>
+      </p:sp>
+      <p:cxnSp>
+        <p:nvCxnSpPr>
+          <p:cNvPr id="26" name="Прямая соединительная линия 25"/>
+          <p:cNvCxnSpPr>
+            <a:stCxn id="25" idx="1"/>
+          </p:cNvCxnSpPr>
+          <p:nvPr/>
+        </p:nvCxnSpPr>
+        <p:spPr>
+          <a:xfrm flipH="1">
+            <a:off x="9823082" y="1746141"/>
+            <a:ext cx="478516" cy="699646"/>
+          </a:xfrm>
+          <a:prstGeom prst="line">
+            <a:avLst/>
+          </a:prstGeom>
+          <a:ln w="12700">
+            <a:solidFill>
+              <a:schemeClr val="tx1"/>
+            </a:solidFill>
+            <a:prstDash val="dash"/>
+          </a:ln>
+        </p:spPr>
+        <p:style>
+          <a:lnRef idx="1">
+            <a:schemeClr val="accent1"/>
+          </a:lnRef>
+          <a:fillRef idx="0">
+            <a:schemeClr val="accent1"/>
+          </a:fillRef>
+          <a:effectRef idx="0">
+            <a:schemeClr val="accent1"/>
+          </a:effectRef>
+          <a:fontRef idx="minor">
+            <a:schemeClr val="tx1"/>
+          </a:fontRef>
+        </p:style>
+      </p:cxnSp>
+      <p:sp>
+        <p:nvSpPr>
+          <p:cNvPr id="27" name="TextBox 26"/>
+          <p:cNvSpPr txBox="1"/>
+          <p:nvPr/>
+        </p:nvSpPr>
+        <p:spPr>
+          <a:xfrm>
+            <a:off x="3284629" y="5526741"/>
+            <a:ext cx="1594026" cy="369332"/>
+          </a:xfrm>
+          <a:prstGeom prst="rect">
+            <a:avLst/>
+          </a:prstGeom>
+          <a:noFill/>
+          <a:ln w="12700">
+            <a:solidFill>
+              <a:srgbClr val="1580D0"/>
+            </a:solidFill>
+            <a:prstDash val="dash"/>
+          </a:ln>
+        </p:spPr>
+        <p:txBody>
+          <a:bodyPr wrap="none" rtlCol="0">
+            <a:spAutoFit/>
+          </a:bodyPr>
+          <a:lstStyle/>
+          <a:p>
+            <a:r>
+              <a:rPr lang="ru-RU" dirty="0" smtClean="0"/>
+              <a:t>Протокол </a:t>
+            </a:r>
+            <a:r>
+              <a:rPr lang="en-US" dirty="0" smtClean="0"/>
+              <a:t>XDR</a:t>
+            </a:r>
+            <a:endParaRPr lang="ru-RU" dirty="0"/>
+          </a:p>
+        </p:txBody>
+      </p:sp>
+      <p:cxnSp>
+        <p:nvCxnSpPr>
+          <p:cNvPr id="28" name="Прямая соединительная линия 27"/>
+          <p:cNvCxnSpPr>
+            <a:stCxn id="27" idx="0"/>
+          </p:cNvCxnSpPr>
+          <p:nvPr/>
+        </p:nvCxnSpPr>
+        <p:spPr>
+          <a:xfrm flipH="1" flipV="1">
+            <a:off x="4064362" y="4597887"/>
+            <a:ext cx="17280" cy="928854"/>
+          </a:xfrm>
+          <a:prstGeom prst="line">
+            <a:avLst/>
+          </a:prstGeom>
+          <a:ln w="12700">
+            <a:solidFill>
+              <a:srgbClr val="1580D0"/>
+            </a:solidFill>
+            <a:prstDash val="dash"/>
+          </a:ln>
+        </p:spPr>
+        <p:style>
+          <a:lnRef idx="1">
+            <a:schemeClr val="accent1"/>
+          </a:lnRef>
+          <a:fillRef idx="0">
+            <a:schemeClr val="accent1"/>
+          </a:fillRef>
+          <a:effectRef idx="0">
+            <a:schemeClr val="accent1"/>
+          </a:effectRef>
+          <a:fontRef idx="minor">
+            <a:schemeClr val="tx1"/>
+          </a:fontRef>
+        </p:style>
+      </p:cxnSp>
+      <p:sp>
+        <p:nvSpPr>
+          <p:cNvPr id="29" name="TextBox 28"/>
+          <p:cNvSpPr txBox="1"/>
+          <p:nvPr/>
+        </p:nvSpPr>
+        <p:spPr>
+          <a:xfrm>
+            <a:off x="3051520" y="6171684"/>
+            <a:ext cx="2045816" cy="369332"/>
+          </a:xfrm>
+          <a:prstGeom prst="rect">
+            <a:avLst/>
+          </a:prstGeom>
+          <a:noFill/>
+          <a:ln w="12700">
+            <a:solidFill>
+              <a:srgbClr val="1580D0"/>
+            </a:solidFill>
+            <a:prstDash val="dash"/>
+          </a:ln>
+        </p:spPr>
+        <p:txBody>
+          <a:bodyPr wrap="none" rtlCol="0">
+            <a:spAutoFit/>
+          </a:bodyPr>
+          <a:lstStyle/>
+          <a:p>
+            <a:r>
+              <a:rPr lang="ru-RU" b="1" dirty="0" smtClean="0"/>
+              <a:t>Протокол </a:t>
+            </a:r>
+            <a:r>
+              <a:rPr lang="en-US" b="1" dirty="0" err="1" smtClean="0"/>
+              <a:t>ProtoBuf</a:t>
+            </a:r>
+            <a:endParaRPr lang="ru-RU" b="1" dirty="0"/>
+          </a:p>
+        </p:txBody>
+      </p:sp>
+      <p:cxnSp>
+        <p:nvCxnSpPr>
+          <p:cNvPr id="30" name="Прямая соединительная линия 29"/>
+          <p:cNvCxnSpPr>
+            <a:stCxn id="29" idx="0"/>
+            <a:endCxn id="27" idx="2"/>
+          </p:cNvCxnSpPr>
+          <p:nvPr/>
+        </p:nvCxnSpPr>
+        <p:spPr>
+          <a:xfrm flipV="1">
+            <a:off x="4074428" y="5896073"/>
+            <a:ext cx="7214" cy="275611"/>
+          </a:xfrm>
+          <a:prstGeom prst="line">
+            <a:avLst/>
+          </a:prstGeom>
+          <a:ln w="12700">
+            <a:solidFill>
+              <a:srgbClr val="1580D0"/>
+            </a:solidFill>
+            <a:prstDash val="dash"/>
+          </a:ln>
+        </p:spPr>
+        <p:style>
+          <a:lnRef idx="1">
+            <a:schemeClr val="accent1"/>
+          </a:lnRef>
+          <a:fillRef idx="0">
+            <a:schemeClr val="accent1"/>
+          </a:fillRef>
+          <a:effectRef idx="0">
+            <a:schemeClr val="accent1"/>
+          </a:effectRef>
+          <a:fontRef idx="minor">
+            <a:schemeClr val="tx1"/>
+          </a:fontRef>
+        </p:style>
+      </p:cxnSp>
+      <p:cxnSp>
+        <p:nvCxnSpPr>
+          <p:cNvPr id="34" name="Прямая соединительная линия 33"/>
+          <p:cNvCxnSpPr/>
+          <p:nvPr/>
+        </p:nvCxnSpPr>
+        <p:spPr>
+          <a:xfrm>
+            <a:off x="2971801" y="5338682"/>
+            <a:ext cx="2279475" cy="705772"/>
+          </a:xfrm>
+          <a:prstGeom prst="line">
+            <a:avLst/>
+          </a:prstGeom>
+          <a:ln w="28575">
+            <a:solidFill>
+              <a:srgbClr val="FF0000"/>
+            </a:solidFill>
+          </a:ln>
+        </p:spPr>
+        <p:style>
+          <a:lnRef idx="1">
+            <a:schemeClr val="accent1"/>
+          </a:lnRef>
+          <a:fillRef idx="0">
+            <a:schemeClr val="accent1"/>
+          </a:fillRef>
+          <a:effectRef idx="0">
+            <a:schemeClr val="accent1"/>
+          </a:effectRef>
+          <a:fontRef idx="minor">
+            <a:schemeClr val="tx1"/>
+          </a:fontRef>
+        </p:style>
+      </p:cxnSp>
+      <p:cxnSp>
+        <p:nvCxnSpPr>
+          <p:cNvPr id="35" name="Прямая соединительная линия 34"/>
+          <p:cNvCxnSpPr/>
+          <p:nvPr/>
+        </p:nvCxnSpPr>
+        <p:spPr>
+          <a:xfrm flipV="1">
+            <a:off x="2915770" y="5349888"/>
+            <a:ext cx="2279475" cy="705772"/>
+          </a:xfrm>
+          <a:prstGeom prst="line">
+            <a:avLst/>
+          </a:prstGeom>
+          <a:ln w="28575">
+            <a:solidFill>
+              <a:srgbClr val="FF0000"/>
+            </a:solidFill>
+          </a:ln>
+        </p:spPr>
+        <p:style>
+          <a:lnRef idx="1">
+            <a:schemeClr val="accent1"/>
+          </a:lnRef>
+          <a:fillRef idx="0">
+            <a:schemeClr val="accent1"/>
+          </a:fillRef>
+          <a:effectRef idx="0">
+            <a:schemeClr val="accent1"/>
+          </a:effectRef>
+          <a:fontRef idx="minor">
+            <a:schemeClr val="tx1"/>
+          </a:fontRef>
+        </p:style>
+      </p:cxnSp>
+      <p:grpSp>
+        <p:nvGrpSpPr>
+          <p:cNvPr id="40" name="Группа 39"/>
+          <p:cNvGrpSpPr/>
+          <p:nvPr/>
+        </p:nvGrpSpPr>
+        <p:grpSpPr>
+          <a:xfrm>
+            <a:off x="8444753" y="3500059"/>
+            <a:ext cx="2904568" cy="1291678"/>
+            <a:chOff x="8444753" y="3500059"/>
+            <a:chExt cx="2904568" cy="1291678"/>
+          </a:xfrm>
+        </p:grpSpPr>
+        <p:pic>
+          <p:nvPicPr>
+            <p:cNvPr id="41" name="Picture 2" descr="https://lh5.googleusercontent.com/ogmzoLgKTxAugj2t40EGiIh2QefPetj5pVjXvWpnpsCwbHCing3hbfa6fs6FQSJ-bkkbfSl1hqaxrkolwuwW_GiPl2AjYcEnfOVdoMOvw7fekm8OzgiH2AnrVmE564436P9MFmiPrQ"/>
+            <p:cNvPicPr>
+              <a:picLocks noChangeAspect="1" noChangeArrowheads="1"/>
+            </p:cNvPicPr>
+            <p:nvPr/>
+          </p:nvPicPr>
+          <p:blipFill>
+            <a:blip r:embed="rId3" cstate="print">
+              <a:extLst>
+                <a:ext uri="{BEBA8EAE-BF5A-486C-A8C5-ECC9F3942E4B}">
+                  <a14:imgProps xmlns:a14="http://schemas.microsoft.com/office/drawing/2010/main">
+                    <a14:imgLayer r:embed="rId4">
+                      <a14:imgEffect>
+                        <a14:saturation sat="66000"/>
+                      </a14:imgEffect>
+                    </a14:imgLayer>
+                  </a14:imgProps>
+                </a:ext>
+                <a:ext uri="{28A0092B-C50C-407E-A947-70E740481C1C}">
+                  <a14:useLocalDpi xmlns:a14="http://schemas.microsoft.com/office/drawing/2010/main" val="0"/>
+                </a:ext>
+              </a:extLst>
+            </a:blip>
+            <a:srcRect/>
+            <a:stretch>
+              <a:fillRect/>
+            </a:stretch>
+          </p:blipFill>
+          <p:spPr bwMode="auto">
+            <a:xfrm>
+              <a:off x="8780928" y="3705441"/>
+              <a:ext cx="912191" cy="912191"/>
+            </a:xfrm>
+            <a:prstGeom prst="rect">
+              <a:avLst/>
+            </a:prstGeom>
+            <a:noFill/>
+            <a:extLst>
+              <a:ext uri="{909E8E84-426E-40DD-AFC4-6F175D3DCCD1}">
+                <a14:hiddenFill xmlns:a14="http://schemas.microsoft.com/office/drawing/2010/main">
+                  <a:solidFill>
+                    <a:srgbClr val="FFFFFF"/>
+                  </a:solidFill>
+                </a14:hiddenFill>
+              </a:ext>
+            </a:extLst>
+          </p:spPr>
+        </p:pic>
+        <p:cxnSp>
+          <p:nvCxnSpPr>
+            <p:cNvPr id="42" name="Прямая соединительная линия 41"/>
+            <p:cNvCxnSpPr>
+              <a:endCxn id="41" idx="3"/>
+            </p:cNvCxnSpPr>
+            <p:nvPr/>
+          </p:nvCxnSpPr>
+          <p:spPr>
+            <a:xfrm flipH="1">
+              <a:off x="9693119" y="4153658"/>
+              <a:ext cx="761979" cy="7879"/>
+            </a:xfrm>
+            <a:prstGeom prst="line">
+              <a:avLst/>
+            </a:prstGeom>
+            <a:ln w="28575">
+              <a:solidFill>
+                <a:schemeClr val="tx1"/>
+              </a:solidFill>
+              <a:prstDash val="sysDot"/>
+              <a:headEnd type="none" w="med" len="med"/>
+              <a:tailEnd type="none" w="med" len="med"/>
+            </a:ln>
+          </p:spPr>
+          <p:style>
+            <a:lnRef idx="1">
+              <a:schemeClr val="accent1"/>
+            </a:lnRef>
+            <a:fillRef idx="0">
+              <a:schemeClr val="accent1"/>
+            </a:fillRef>
+            <a:effectRef idx="0">
+              <a:schemeClr val="accent1"/>
+            </a:effectRef>
+            <a:fontRef idx="minor">
+              <a:schemeClr val="tx1"/>
+            </a:fontRef>
+          </p:style>
+        </p:cxnSp>
+        <p:sp>
+          <p:nvSpPr>
+            <p:cNvPr id="43" name="Скругленный прямоугольник 42"/>
+            <p:cNvSpPr/>
+            <p:nvPr/>
+          </p:nvSpPr>
+          <p:spPr>
+            <a:xfrm>
+              <a:off x="8444753" y="3500059"/>
+              <a:ext cx="2904568" cy="1291678"/>
+            </a:xfrm>
+            <a:prstGeom prst="roundRect">
+              <a:avLst/>
+            </a:prstGeom>
+            <a:noFill/>
+            <a:ln w="19050">
+              <a:solidFill>
+                <a:schemeClr val="accent4">
+                  <a:lumMod val="75000"/>
+                </a:schemeClr>
+              </a:solidFill>
+              <a:prstDash val="dash"/>
+            </a:ln>
+          </p:spPr>
+          <p:style>
+            <a:lnRef idx="2">
+              <a:schemeClr val="accent1">
+                <a:shade val="50000"/>
+              </a:schemeClr>
+            </a:lnRef>
+            <a:fillRef idx="1">
+              <a:schemeClr val="accent1"/>
+            </a:fillRef>
+            <a:effectRef idx="0">
+              <a:schemeClr val="accent1"/>
+            </a:effectRef>
+            <a:fontRef idx="minor">
+              <a:schemeClr val="lt1"/>
+            </a:fontRef>
+          </p:style>
+          <p:txBody>
+            <a:bodyPr rtlCol="0" anchor="ctr"/>
+            <a:lstStyle/>
+            <a:p>
+              <a:pPr algn="ctr"/>
+              <a:endParaRPr lang="ru-RU"/>
+            </a:p>
+          </p:txBody>
+        </p:sp>
+        <p:pic>
+          <p:nvPicPr>
+            <p:cNvPr id="44" name="Picture 4" descr="https://cdn2.iconfinder.com/data/icons/computer-hardware-3/172/Layer_9-01-512.png"/>
+            <p:cNvPicPr>
+              <a:picLocks noChangeAspect="1" noChangeArrowheads="1"/>
+            </p:cNvPicPr>
+            <p:nvPr/>
+          </p:nvPicPr>
+          <p:blipFill>
+            <a:blip r:embed="rId5" cstate="print">
+              <a:biLevel thresh="50000"/>
+              <a:extLst>
+                <a:ext uri="{28A0092B-C50C-407E-A947-70E740481C1C}">
+                  <a14:useLocalDpi xmlns:a14="http://schemas.microsoft.com/office/drawing/2010/main" val="0"/>
+                </a:ext>
+              </a:extLst>
+            </a:blip>
+            <a:srcRect/>
+            <a:stretch>
+              <a:fillRect/>
+            </a:stretch>
+          </p:blipFill>
+          <p:spPr bwMode="auto">
+            <a:xfrm>
+              <a:off x="10470944" y="3649264"/>
+              <a:ext cx="727491" cy="993268"/>
+            </a:xfrm>
+            <a:prstGeom prst="rect">
+              <a:avLst/>
+            </a:prstGeom>
+            <a:noFill/>
+            <a:extLst>
+              <a:ext uri="{909E8E84-426E-40DD-AFC4-6F175D3DCCD1}">
+                <a14:hiddenFill xmlns:a14="http://schemas.microsoft.com/office/drawing/2010/main">
+                  <a:solidFill>
+                    <a:srgbClr val="FFFFFF"/>
+                  </a:solidFill>
+                </a14:hiddenFill>
+              </a:ext>
+            </a:extLst>
+          </p:spPr>
+        </p:pic>
+      </p:grpSp>
+      <p:sp>
+        <p:nvSpPr>
+          <p:cNvPr id="45" name="Номер слайда 3"/>
+          <p:cNvSpPr>
+            <a:spLocks noGrp="1"/>
+          </p:cNvSpPr>
+          <p:nvPr>
+            <p:ph type="sldNum" sz="quarter" idx="12"/>
+          </p:nvPr>
+        </p:nvSpPr>
+        <p:spPr>
+          <a:xfrm>
+            <a:off x="9242612" y="6414885"/>
+            <a:ext cx="2743200" cy="365125"/>
+          </a:xfrm>
+        </p:spPr>
+        <p:txBody>
+          <a:bodyPr/>
+          <a:lstStyle/>
+          <a:p>
+            <a:r>
+              <a:rPr lang="en-US" dirty="0" smtClean="0"/>
+              <a:t>14/19</a:t>
+            </a:r>
+            <a:endParaRPr lang="ru-RU" dirty="0"/>
+          </a:p>
+        </p:txBody>
+      </p:sp>
+    </p:spTree>
+    <p:extLst>
+      <p:ext uri="{BB962C8B-B14F-4D97-AF65-F5344CB8AC3E}">
+        <p14:creationId xmlns:p14="http://schemas.microsoft.com/office/powerpoint/2010/main" val="2133976351"/>
+      </p:ext>
+    </p:extLst>
+  </p:cSld>
+  <p:clrMapOvr>
+    <a:masterClrMapping/>
+  </p:clrMapOvr>
+  <p:timing>
+    <p:tnLst>
+      <p:par>
+        <p:cTn id="1" dur="indefinite" restart="never" nodeType="tmRoot"/>
+      </p:par>
+    </p:tnLst>
+  </p:timing>
+</p:sld>
+</file>
+
 <file path=ppt/slides/slide3.xml><?xml version="1.0" encoding="utf-8"?>
 <p:sld xmlns:a="http://schemas.openxmlformats.org/drawingml/2006/main" xmlns:r="http://schemas.openxmlformats.org/officeDocument/2006/relationships" xmlns:p="http://schemas.openxmlformats.org/presentationml/2006/main">
   <p:cSld>

--- a/presentation.pptx
+++ b/presentation.pptx
@@ -5,10 +5,10 @@
     <p:sldMasterId id="2147483744" r:id="rId1"/>
   </p:sldMasterIdLst>
   <p:notesMasterIdLst>
-    <p:notesMasterId r:id="rId22"/>
+    <p:notesMasterId r:id="rId21"/>
   </p:notesMasterIdLst>
   <p:handoutMasterIdLst>
-    <p:handoutMasterId r:id="rId23"/>
+    <p:handoutMasterId r:id="rId22"/>
   </p:handoutMasterIdLst>
   <p:sldIdLst>
     <p:sldId id="256" r:id="rId2"/>
@@ -30,7 +30,6 @@
     <p:sldId id="268" r:id="rId18"/>
     <p:sldId id="281" r:id="rId19"/>
     <p:sldId id="279" r:id="rId20"/>
-    <p:sldId id="274" r:id="rId21"/>
   </p:sldIdLst>
   <p:sldSz cx="12192000" cy="6858000"/>
   <p:notesSz cx="6858000" cy="9144000"/>
@@ -210,22 +209,22 @@
                 <c:formatCode>General</c:formatCode>
                 <c:ptCount val="6"/>
                 <c:pt idx="0">
-                  <c:v>1</c:v>
+                  <c:v>8</c:v>
                 </c:pt>
                 <c:pt idx="1">
-                  <c:v>1</c:v>
+                  <c:v>8</c:v>
                 </c:pt>
                 <c:pt idx="2">
-                  <c:v>1</c:v>
+                  <c:v>46</c:v>
                 </c:pt>
                 <c:pt idx="3">
-                  <c:v>1</c:v>
+                  <c:v>16</c:v>
                 </c:pt>
                 <c:pt idx="4">
-                  <c:v>1</c:v>
+                  <c:v>51</c:v>
                 </c:pt>
                 <c:pt idx="5">
-                  <c:v>1</c:v>
+                  <c:v>24</c:v>
                 </c:pt>
               </c:numCache>
             </c:numRef>
@@ -240,85 +239,7 @@
               <c:strCache>
                 <c:ptCount val="1"/>
                 <c:pt idx="0">
-                  <c:v>Cygwin</c:v>
-                </c:pt>
-              </c:strCache>
-            </c:strRef>
-          </c:tx>
-          <c:spPr>
-            <a:solidFill>
-              <a:schemeClr val="accent6"/>
-            </a:solidFill>
-            <a:ln>
-              <a:noFill/>
-            </a:ln>
-            <a:effectLst/>
-          </c:spPr>
-          <c:invertIfNegative val="0"/>
-          <c:cat>
-            <c:strRef>
-              <c:f>Лист1!$A$2:$A$7</c:f>
-              <c:strCache>
-                <c:ptCount val="6"/>
-                <c:pt idx="0">
-                  <c:v>Запуск</c:v>
-                </c:pt>
-                <c:pt idx="1">
-                  <c:v>Монтирование</c:v>
-                </c:pt>
-                <c:pt idx="2">
-                  <c:v>Чтение 1 х 1.5 ГБ</c:v>
-                </c:pt>
-                <c:pt idx="3">
-                  <c:v>Чтение 10000 х 4 КБ</c:v>
-                </c:pt>
-                <c:pt idx="4">
-                  <c:v>Запись 1 х 1.5 ГБ</c:v>
-                </c:pt>
-                <c:pt idx="5">
-                  <c:v>Запись 10000 х 4 КБ</c:v>
-                </c:pt>
-              </c:strCache>
-            </c:strRef>
-          </c:cat>
-          <c:val>
-            <c:numRef>
-              <c:f>Лист1!$C$2:$C$7</c:f>
-              <c:numCache>
-                <c:formatCode>General</c:formatCode>
-                <c:ptCount val="6"/>
-                <c:pt idx="0">
-                  <c:v>3</c:v>
-                </c:pt>
-                <c:pt idx="1">
-                  <c:v>3</c:v>
-                </c:pt>
-                <c:pt idx="2">
-                  <c:v>3</c:v>
-                </c:pt>
-                <c:pt idx="3">
-                  <c:v>3</c:v>
-                </c:pt>
-                <c:pt idx="4">
-                  <c:v>3</c:v>
-                </c:pt>
-                <c:pt idx="5">
-                  <c:v>3</c:v>
-                </c:pt>
-              </c:numCache>
-            </c:numRef>
-          </c:val>
-        </c:ser>
-        <c:ser>
-          <c:idx val="2"/>
-          <c:order val="2"/>
-          <c:tx>
-            <c:strRef>
-              <c:f>Лист1!$D$1</c:f>
-              <c:strCache>
-                <c:ptCount val="1"/>
-                <c:pt idx="0">
-                  <c:v>MinGW</c:v>
+                  <c:v>Windows</c:v>
                 </c:pt>
               </c:strCache>
             </c:strRef>
@@ -361,27 +282,27 @@
           </c:cat>
           <c:val>
             <c:numRef>
-              <c:f>Лист1!$D$2:$D$7</c:f>
+              <c:f>Лист1!$C$2:$C$7</c:f>
               <c:numCache>
                 <c:formatCode>General</c:formatCode>
                 <c:ptCount val="6"/>
                 <c:pt idx="0">
-                  <c:v>2</c:v>
+                  <c:v>16</c:v>
                 </c:pt>
                 <c:pt idx="1">
-                  <c:v>2</c:v>
+                  <c:v>11</c:v>
                 </c:pt>
                 <c:pt idx="2">
-                  <c:v>2</c:v>
+                  <c:v>47</c:v>
                 </c:pt>
                 <c:pt idx="3">
-                  <c:v>2</c:v>
+                  <c:v>17</c:v>
                 </c:pt>
                 <c:pt idx="4">
-                  <c:v>2</c:v>
+                  <c:v>51</c:v>
                 </c:pt>
                 <c:pt idx="5">
-                  <c:v>2</c:v>
+                  <c:v>26</c:v>
                 </c:pt>
               </c:numCache>
             </c:numRef>
@@ -473,13 +394,15 @@
           </c:spPr>
         </c:majorGridlines>
         <c:numFmt formatCode="General" sourceLinked="1"/>
-        <c:majorTickMark val="none"/>
-        <c:minorTickMark val="none"/>
+        <c:majorTickMark val="cross"/>
+        <c:minorTickMark val="cross"/>
         <c:tickLblPos val="nextTo"/>
         <c:spPr>
           <a:noFill/>
           <a:ln>
-            <a:noFill/>
+            <a:solidFill>
+              <a:schemeClr val="tx1"/>
+            </a:solidFill>
           </a:ln>
           <a:effectLst/>
         </c:spPr>
@@ -506,6 +429,7 @@
         <c:crossAx val="224396976"/>
         <c:crosses val="autoZero"/>
         <c:crossBetween val="between"/>
+        <c:minorUnit val="1"/>
       </c:valAx>
       <c:spPr>
         <a:noFill/>
@@ -588,64 +512,7 @@
     </mc:Fallback>
   </mc:AlternateContent>
   <c:chart>
-    <c:title>
-      <c:tx>
-        <c:rich>
-          <a:bodyPr rot="0" spcFirstLastPara="1" vertOverflow="ellipsis" vert="horz" wrap="square" anchor="ctr" anchorCtr="1"/>
-          <a:lstStyle/>
-          <a:p>
-            <a:pPr>
-              <a:defRPr sz="1862" b="0" i="0" u="none" strike="noStrike" kern="1200" spc="0" baseline="0">
-                <a:solidFill>
-                  <a:schemeClr val="tx1">
-                    <a:lumMod val="65000"/>
-                    <a:lumOff val="35000"/>
-                  </a:schemeClr>
-                </a:solidFill>
-                <a:latin typeface="+mn-lt"/>
-                <a:ea typeface="+mn-ea"/>
-                <a:cs typeface="+mn-cs"/>
-              </a:defRPr>
-            </a:pPr>
-            <a:r>
-              <a:rPr lang="en-US" baseline="0" dirty="0" smtClean="0"/>
-              <a:t>Linux</a:t>
-            </a:r>
-            <a:endParaRPr lang="ru-RU" baseline="0" dirty="0" smtClean="0"/>
-          </a:p>
-        </c:rich>
-      </c:tx>
-      <c:layout/>
-      <c:overlay val="0"/>
-      <c:spPr>
-        <a:noFill/>
-        <a:ln>
-          <a:noFill/>
-        </a:ln>
-        <a:effectLst/>
-      </c:spPr>
-      <c:txPr>
-        <a:bodyPr rot="0" spcFirstLastPara="1" vertOverflow="ellipsis" vert="horz" wrap="square" anchor="ctr" anchorCtr="1"/>
-        <a:lstStyle/>
-        <a:p>
-          <a:pPr>
-            <a:defRPr sz="1862" b="0" i="0" u="none" strike="noStrike" kern="1200" spc="0" baseline="0">
-              <a:solidFill>
-                <a:schemeClr val="tx1">
-                  <a:lumMod val="65000"/>
-                  <a:lumOff val="35000"/>
-                </a:schemeClr>
-              </a:solidFill>
-              <a:latin typeface="+mn-lt"/>
-              <a:ea typeface="+mn-ea"/>
-              <a:cs typeface="+mn-cs"/>
-            </a:defRPr>
-          </a:pPr>
-          <a:endParaRPr lang="ru-RU"/>
-        </a:p>
-      </c:txPr>
-    </c:title>
-    <c:autoTitleDeleted val="0"/>
+    <c:autoTitleDeleted val="1"/>
     <c:plotArea>
       <c:layout/>
       <c:barChart>
@@ -661,14 +528,14 @@
               <c:strCache>
                 <c:ptCount val="1"/>
                 <c:pt idx="0">
-                  <c:v>XDR</c:v>
+                  <c:v>Linux: XDR</c:v>
                 </c:pt>
               </c:strCache>
             </c:strRef>
           </c:tx>
           <c:spPr>
             <a:solidFill>
-              <a:schemeClr val="accent1"/>
+              <a:schemeClr val="accent4"/>
             </a:solidFill>
             <a:ln>
               <a:noFill/>
@@ -678,7 +545,7 @@
           <c:invertIfNegative val="0"/>
           <c:cat>
             <c:strRef>
-              <c:f>Лист1!$A$4:$A$7</c:f>
+              <c:f>Лист1!$A$4:$A$11</c:f>
               <c:strCache>
                 <c:ptCount val="4"/>
                 <c:pt idx="0">
@@ -703,16 +570,16 @@
                 <c:formatCode>General</c:formatCode>
                 <c:ptCount val="4"/>
                 <c:pt idx="0">
-                  <c:v>10</c:v>
+                  <c:v>46</c:v>
                 </c:pt>
                 <c:pt idx="1">
-                  <c:v>10</c:v>
+                  <c:v>16</c:v>
                 </c:pt>
                 <c:pt idx="2">
-                  <c:v>10</c:v>
+                  <c:v>51</c:v>
                 </c:pt>
                 <c:pt idx="3">
-                  <c:v>10</c:v>
+                  <c:v>24</c:v>
                 </c:pt>
               </c:numCache>
             </c:numRef>
@@ -727,7 +594,7 @@
               <c:strCache>
                 <c:ptCount val="1"/>
                 <c:pt idx="0">
-                  <c:v>ProtoBuf</c:v>
+                  <c:v>Linux: ProtoBuf</c:v>
                 </c:pt>
               </c:strCache>
             </c:strRef>
@@ -744,7 +611,7 @@
           <c:invertIfNegative val="0"/>
           <c:cat>
             <c:strRef>
-              <c:f>Лист1!$A$4:$A$7</c:f>
+              <c:f>Лист1!$A$4:$A$11</c:f>
               <c:strCache>
                 <c:ptCount val="4"/>
                 <c:pt idx="0">
@@ -769,16 +636,148 @@
                 <c:formatCode>General</c:formatCode>
                 <c:ptCount val="4"/>
                 <c:pt idx="0">
-                  <c:v>11</c:v>
+                  <c:v>45.5</c:v>
                 </c:pt>
                 <c:pt idx="1">
-                  <c:v>9</c:v>
+                  <c:v>16</c:v>
                 </c:pt>
                 <c:pt idx="2">
-                  <c:v>11</c:v>
+                  <c:v>51.5</c:v>
                 </c:pt>
                 <c:pt idx="3">
-                  <c:v>10</c:v>
+                  <c:v>24</c:v>
+                </c:pt>
+              </c:numCache>
+            </c:numRef>
+          </c:val>
+        </c:ser>
+        <c:ser>
+          <c:idx val="2"/>
+          <c:order val="2"/>
+          <c:tx>
+            <c:strRef>
+              <c:f>Лист1!$D$1</c:f>
+              <c:strCache>
+                <c:ptCount val="1"/>
+                <c:pt idx="0">
+                  <c:v>Windows: XDR</c:v>
+                </c:pt>
+              </c:strCache>
+            </c:strRef>
+          </c:tx>
+          <c:spPr>
+            <a:solidFill>
+              <a:schemeClr val="accent1"/>
+            </a:solidFill>
+            <a:ln>
+              <a:noFill/>
+            </a:ln>
+            <a:effectLst/>
+          </c:spPr>
+          <c:invertIfNegative val="0"/>
+          <c:cat>
+            <c:strRef>
+              <c:f>Лист1!$A$4:$A$11</c:f>
+              <c:strCache>
+                <c:ptCount val="4"/>
+                <c:pt idx="0">
+                  <c:v>Чтение 1 х 1.5 ГБ</c:v>
+                </c:pt>
+                <c:pt idx="1">
+                  <c:v>Чтение 10000 х 4 КБ</c:v>
+                </c:pt>
+                <c:pt idx="2">
+                  <c:v>Запись 1 х 1.5 ГБ</c:v>
+                </c:pt>
+                <c:pt idx="3">
+                  <c:v>Запись 10000 х 4 КБ</c:v>
+                </c:pt>
+              </c:strCache>
+            </c:strRef>
+          </c:cat>
+          <c:val>
+            <c:numRef>
+              <c:f>Лист1!$D$4:$D$7</c:f>
+              <c:numCache>
+                <c:formatCode>General</c:formatCode>
+                <c:ptCount val="4"/>
+                <c:pt idx="0">
+                  <c:v>47</c:v>
+                </c:pt>
+                <c:pt idx="1">
+                  <c:v>17</c:v>
+                </c:pt>
+                <c:pt idx="2">
+                  <c:v>51</c:v>
+                </c:pt>
+                <c:pt idx="3">
+                  <c:v>26</c:v>
+                </c:pt>
+              </c:numCache>
+            </c:numRef>
+          </c:val>
+        </c:ser>
+        <c:ser>
+          <c:idx val="3"/>
+          <c:order val="3"/>
+          <c:tx>
+            <c:strRef>
+              <c:f>Лист1!$E$1</c:f>
+              <c:strCache>
+                <c:ptCount val="1"/>
+                <c:pt idx="0">
+                  <c:v>Windows: ProtoBuf</c:v>
+                </c:pt>
+              </c:strCache>
+            </c:strRef>
+          </c:tx>
+          <c:spPr>
+            <a:solidFill>
+              <a:schemeClr val="accent5"/>
+            </a:solidFill>
+            <a:ln>
+              <a:noFill/>
+            </a:ln>
+            <a:effectLst/>
+          </c:spPr>
+          <c:invertIfNegative val="0"/>
+          <c:cat>
+            <c:strRef>
+              <c:f>Лист1!$A$4:$A$11</c:f>
+              <c:strCache>
+                <c:ptCount val="4"/>
+                <c:pt idx="0">
+                  <c:v>Чтение 1 х 1.5 ГБ</c:v>
+                </c:pt>
+                <c:pt idx="1">
+                  <c:v>Чтение 10000 х 4 КБ</c:v>
+                </c:pt>
+                <c:pt idx="2">
+                  <c:v>Запись 1 х 1.5 ГБ</c:v>
+                </c:pt>
+                <c:pt idx="3">
+                  <c:v>Запись 10000 х 4 КБ</c:v>
+                </c:pt>
+              </c:strCache>
+            </c:strRef>
+          </c:cat>
+          <c:val>
+            <c:numRef>
+              <c:f>Лист1!$E$4:$E$7</c:f>
+              <c:numCache>
+                <c:formatCode>General</c:formatCode>
+                <c:ptCount val="4"/>
+                <c:pt idx="0">
+                  <c:v>47.5</c:v>
+                </c:pt>
+                <c:pt idx="1">
+                  <c:v>17</c:v>
+                </c:pt>
+                <c:pt idx="2">
+                  <c:v>52</c:v>
+                </c:pt>
+                <c:pt idx="3">
+                  <c:v>25.5</c:v>
                 </c:pt>
               </c:numCache>
             </c:numRef>
@@ -794,11 +793,11 @@
         </c:dLbls>
         <c:gapWidth val="219"/>
         <c:overlap val="-27"/>
-        <c:axId val="503138240"/>
-        <c:axId val="503143280"/>
+        <c:axId val="476886752"/>
+        <c:axId val="476885632"/>
       </c:barChart>
       <c:catAx>
-        <c:axId val="503138240"/>
+        <c:axId val="476886752"/>
         <c:scaling>
           <c:orientation val="minMax"/>
         </c:scaling>
@@ -841,7 +840,7 @@
             <a:endParaRPr lang="ru-RU"/>
           </a:p>
         </c:txPr>
-        <c:crossAx val="503143280"/>
+        <c:crossAx val="476885632"/>
         <c:crosses val="autoZero"/>
         <c:auto val="1"/>
         <c:lblAlgn val="ctr"/>
@@ -849,7 +848,7 @@
         <c:noMultiLvlLbl val="0"/>
       </c:catAx>
       <c:valAx>
-        <c:axId val="503143280"/>
+        <c:axId val="476885632"/>
         <c:scaling>
           <c:orientation val="minMax"/>
         </c:scaling>
@@ -870,13 +869,15 @@
           </c:spPr>
         </c:majorGridlines>
         <c:numFmt formatCode="General" sourceLinked="1"/>
-        <c:majorTickMark val="none"/>
-        <c:minorTickMark val="none"/>
+        <c:majorTickMark val="cross"/>
+        <c:minorTickMark val="cross"/>
         <c:tickLblPos val="nextTo"/>
         <c:spPr>
           <a:noFill/>
           <a:ln>
-            <a:noFill/>
+            <a:solidFill>
+              <a:schemeClr val="tx1"/>
+            </a:solidFill>
           </a:ln>
           <a:effectLst/>
         </c:spPr>
@@ -900,9 +901,10 @@
             <a:endParaRPr lang="ru-RU"/>
           </a:p>
         </c:txPr>
-        <c:crossAx val="503138240"/>
+        <c:crossAx val="476886752"/>
         <c:crosses val="autoZero"/>
         <c:crossBetween val="between"/>
+        <c:minorUnit val="1"/>
       </c:valAx>
       <c:spPr>
         <a:noFill/>
@@ -985,403 +987,6 @@
     </mc:Fallback>
   </mc:AlternateContent>
   <c:chart>
-    <c:title>
-      <c:tx>
-        <c:rich>
-          <a:bodyPr rot="0" spcFirstLastPara="1" vertOverflow="ellipsis" vert="horz" wrap="square" anchor="ctr" anchorCtr="1"/>
-          <a:lstStyle/>
-          <a:p>
-            <a:pPr>
-              <a:defRPr sz="1862" b="0" i="0" u="none" strike="noStrike" kern="1200" spc="0" baseline="0">
-                <a:solidFill>
-                  <a:schemeClr val="tx1">
-                    <a:lumMod val="65000"/>
-                    <a:lumOff val="35000"/>
-                  </a:schemeClr>
-                </a:solidFill>
-                <a:latin typeface="+mn-lt"/>
-                <a:ea typeface="+mn-ea"/>
-                <a:cs typeface="+mn-cs"/>
-              </a:defRPr>
-            </a:pPr>
-            <a:r>
-              <a:rPr lang="en-US" baseline="0" dirty="0" smtClean="0"/>
-              <a:t>Windows</a:t>
-            </a:r>
-            <a:endParaRPr lang="ru-RU" baseline="0" dirty="0" smtClean="0"/>
-          </a:p>
-        </c:rich>
-      </c:tx>
-      <c:layout/>
-      <c:overlay val="0"/>
-      <c:spPr>
-        <a:noFill/>
-        <a:ln>
-          <a:noFill/>
-        </a:ln>
-        <a:effectLst/>
-      </c:spPr>
-      <c:txPr>
-        <a:bodyPr rot="0" spcFirstLastPara="1" vertOverflow="ellipsis" vert="horz" wrap="square" anchor="ctr" anchorCtr="1"/>
-        <a:lstStyle/>
-        <a:p>
-          <a:pPr>
-            <a:defRPr sz="1862" b="0" i="0" u="none" strike="noStrike" kern="1200" spc="0" baseline="0">
-              <a:solidFill>
-                <a:schemeClr val="tx1">
-                  <a:lumMod val="65000"/>
-                  <a:lumOff val="35000"/>
-                </a:schemeClr>
-              </a:solidFill>
-              <a:latin typeface="+mn-lt"/>
-              <a:ea typeface="+mn-ea"/>
-              <a:cs typeface="+mn-cs"/>
-            </a:defRPr>
-          </a:pPr>
-          <a:endParaRPr lang="ru-RU"/>
-        </a:p>
-      </c:txPr>
-    </c:title>
-    <c:autoTitleDeleted val="0"/>
-    <c:plotArea>
-      <c:layout/>
-      <c:barChart>
-        <c:barDir val="col"/>
-        <c:grouping val="clustered"/>
-        <c:varyColors val="0"/>
-        <c:ser>
-          <c:idx val="0"/>
-          <c:order val="0"/>
-          <c:tx>
-            <c:strRef>
-              <c:f>Лист1!$B$1</c:f>
-              <c:strCache>
-                <c:ptCount val="1"/>
-                <c:pt idx="0">
-                  <c:v>XDR</c:v>
-                </c:pt>
-              </c:strCache>
-            </c:strRef>
-          </c:tx>
-          <c:spPr>
-            <a:solidFill>
-              <a:schemeClr val="accent1"/>
-            </a:solidFill>
-            <a:ln>
-              <a:noFill/>
-            </a:ln>
-            <a:effectLst/>
-          </c:spPr>
-          <c:invertIfNegative val="0"/>
-          <c:cat>
-            <c:strRef>
-              <c:f>Лист1!$A$4:$A$7</c:f>
-              <c:strCache>
-                <c:ptCount val="4"/>
-                <c:pt idx="0">
-                  <c:v>Чтение 1 х 1.5 ГБ</c:v>
-                </c:pt>
-                <c:pt idx="1">
-                  <c:v>Чтение 10000 х 4 КБ</c:v>
-                </c:pt>
-                <c:pt idx="2">
-                  <c:v>Запись 1 х 1.5 ГБ</c:v>
-                </c:pt>
-                <c:pt idx="3">
-                  <c:v>Запись 10000 х 4 КБ</c:v>
-                </c:pt>
-              </c:strCache>
-            </c:strRef>
-          </c:cat>
-          <c:val>
-            <c:numRef>
-              <c:f>Лист1!$B$4:$B$7</c:f>
-              <c:numCache>
-                <c:formatCode>General</c:formatCode>
-                <c:ptCount val="4"/>
-                <c:pt idx="0">
-                  <c:v>10</c:v>
-                </c:pt>
-                <c:pt idx="1">
-                  <c:v>10</c:v>
-                </c:pt>
-                <c:pt idx="2">
-                  <c:v>10</c:v>
-                </c:pt>
-                <c:pt idx="3">
-                  <c:v>10</c:v>
-                </c:pt>
-              </c:numCache>
-            </c:numRef>
-          </c:val>
-        </c:ser>
-        <c:ser>
-          <c:idx val="1"/>
-          <c:order val="1"/>
-          <c:tx>
-            <c:strRef>
-              <c:f>Лист1!$C$1</c:f>
-              <c:strCache>
-                <c:ptCount val="1"/>
-                <c:pt idx="0">
-                  <c:v>ProtoBuf</c:v>
-                </c:pt>
-              </c:strCache>
-            </c:strRef>
-          </c:tx>
-          <c:spPr>
-            <a:solidFill>
-              <a:schemeClr val="accent2"/>
-            </a:solidFill>
-            <a:ln>
-              <a:noFill/>
-            </a:ln>
-            <a:effectLst/>
-          </c:spPr>
-          <c:invertIfNegative val="0"/>
-          <c:cat>
-            <c:strRef>
-              <c:f>Лист1!$A$4:$A$7</c:f>
-              <c:strCache>
-                <c:ptCount val="4"/>
-                <c:pt idx="0">
-                  <c:v>Чтение 1 х 1.5 ГБ</c:v>
-                </c:pt>
-                <c:pt idx="1">
-                  <c:v>Чтение 10000 х 4 КБ</c:v>
-                </c:pt>
-                <c:pt idx="2">
-                  <c:v>Запись 1 х 1.5 ГБ</c:v>
-                </c:pt>
-                <c:pt idx="3">
-                  <c:v>Запись 10000 х 4 КБ</c:v>
-                </c:pt>
-              </c:strCache>
-            </c:strRef>
-          </c:cat>
-          <c:val>
-            <c:numRef>
-              <c:f>Лист1!$C$4:$C$7</c:f>
-              <c:numCache>
-                <c:formatCode>General</c:formatCode>
-                <c:ptCount val="4"/>
-                <c:pt idx="0">
-                  <c:v>11</c:v>
-                </c:pt>
-                <c:pt idx="1">
-                  <c:v>9</c:v>
-                </c:pt>
-                <c:pt idx="2">
-                  <c:v>11</c:v>
-                </c:pt>
-                <c:pt idx="3">
-                  <c:v>10</c:v>
-                </c:pt>
-              </c:numCache>
-            </c:numRef>
-          </c:val>
-        </c:ser>
-        <c:dLbls>
-          <c:showLegendKey val="0"/>
-          <c:showVal val="0"/>
-          <c:showCatName val="0"/>
-          <c:showSerName val="0"/>
-          <c:showPercent val="0"/>
-          <c:showBubbleSize val="0"/>
-        </c:dLbls>
-        <c:gapWidth val="219"/>
-        <c:overlap val="-27"/>
-        <c:axId val="210864464"/>
-        <c:axId val="210863904"/>
-      </c:barChart>
-      <c:catAx>
-        <c:axId val="210864464"/>
-        <c:scaling>
-          <c:orientation val="minMax"/>
-        </c:scaling>
-        <c:delete val="0"/>
-        <c:axPos val="b"/>
-        <c:numFmt formatCode="General" sourceLinked="1"/>
-        <c:majorTickMark val="none"/>
-        <c:minorTickMark val="none"/>
-        <c:tickLblPos val="nextTo"/>
-        <c:spPr>
-          <a:noFill/>
-          <a:ln w="9525" cap="flat" cmpd="sng" algn="ctr">
-            <a:solidFill>
-              <a:schemeClr val="tx1">
-                <a:lumMod val="15000"/>
-                <a:lumOff val="85000"/>
-              </a:schemeClr>
-            </a:solidFill>
-            <a:round/>
-          </a:ln>
-          <a:effectLst/>
-        </c:spPr>
-        <c:txPr>
-          <a:bodyPr rot="-60000000" spcFirstLastPara="1" vertOverflow="ellipsis" vert="horz" wrap="square" anchor="ctr" anchorCtr="1"/>
-          <a:lstStyle/>
-          <a:p>
-            <a:pPr>
-              <a:defRPr sz="1197" b="0" i="0" u="none" strike="noStrike" kern="1200" baseline="0">
-                <a:solidFill>
-                  <a:schemeClr val="tx1">
-                    <a:lumMod val="65000"/>
-                    <a:lumOff val="35000"/>
-                  </a:schemeClr>
-                </a:solidFill>
-                <a:latin typeface="+mn-lt"/>
-                <a:ea typeface="+mn-ea"/>
-                <a:cs typeface="+mn-cs"/>
-              </a:defRPr>
-            </a:pPr>
-            <a:endParaRPr lang="ru-RU"/>
-          </a:p>
-        </c:txPr>
-        <c:crossAx val="210863904"/>
-        <c:crosses val="autoZero"/>
-        <c:auto val="1"/>
-        <c:lblAlgn val="ctr"/>
-        <c:lblOffset val="100"/>
-        <c:noMultiLvlLbl val="0"/>
-      </c:catAx>
-      <c:valAx>
-        <c:axId val="210863904"/>
-        <c:scaling>
-          <c:orientation val="minMax"/>
-        </c:scaling>
-        <c:delete val="0"/>
-        <c:axPos val="l"/>
-        <c:majorGridlines>
-          <c:spPr>
-            <a:ln w="9525" cap="flat" cmpd="sng" algn="ctr">
-              <a:solidFill>
-                <a:schemeClr val="tx1">
-                  <a:lumMod val="15000"/>
-                  <a:lumOff val="85000"/>
-                </a:schemeClr>
-              </a:solidFill>
-              <a:round/>
-            </a:ln>
-            <a:effectLst/>
-          </c:spPr>
-        </c:majorGridlines>
-        <c:numFmt formatCode="General" sourceLinked="1"/>
-        <c:majorTickMark val="none"/>
-        <c:minorTickMark val="none"/>
-        <c:tickLblPos val="nextTo"/>
-        <c:spPr>
-          <a:noFill/>
-          <a:ln>
-            <a:noFill/>
-          </a:ln>
-          <a:effectLst/>
-        </c:spPr>
-        <c:txPr>
-          <a:bodyPr rot="-60000000" spcFirstLastPara="1" vertOverflow="ellipsis" vert="horz" wrap="square" anchor="ctr" anchorCtr="1"/>
-          <a:lstStyle/>
-          <a:p>
-            <a:pPr>
-              <a:defRPr sz="1197" b="0" i="0" u="none" strike="noStrike" kern="1200" baseline="0">
-                <a:solidFill>
-                  <a:schemeClr val="tx1">
-                    <a:lumMod val="65000"/>
-                    <a:lumOff val="35000"/>
-                  </a:schemeClr>
-                </a:solidFill>
-                <a:latin typeface="+mn-lt"/>
-                <a:ea typeface="+mn-ea"/>
-                <a:cs typeface="+mn-cs"/>
-              </a:defRPr>
-            </a:pPr>
-            <a:endParaRPr lang="ru-RU"/>
-          </a:p>
-        </c:txPr>
-        <c:crossAx val="210864464"/>
-        <c:crosses val="autoZero"/>
-        <c:crossBetween val="between"/>
-      </c:valAx>
-      <c:spPr>
-        <a:noFill/>
-        <a:ln>
-          <a:noFill/>
-        </a:ln>
-        <a:effectLst/>
-      </c:spPr>
-    </c:plotArea>
-    <c:legend>
-      <c:legendPos val="b"/>
-      <c:layout/>
-      <c:overlay val="0"/>
-      <c:spPr>
-        <a:noFill/>
-        <a:ln>
-          <a:noFill/>
-        </a:ln>
-        <a:effectLst/>
-      </c:spPr>
-      <c:txPr>
-        <a:bodyPr rot="0" spcFirstLastPara="1" vertOverflow="ellipsis" vert="horz" wrap="square" anchor="ctr" anchorCtr="1"/>
-        <a:lstStyle/>
-        <a:p>
-          <a:pPr>
-            <a:defRPr sz="1197" b="0" i="0" u="none" strike="noStrike" kern="1200" baseline="0">
-              <a:solidFill>
-                <a:schemeClr val="tx1">
-                  <a:lumMod val="65000"/>
-                  <a:lumOff val="35000"/>
-                </a:schemeClr>
-              </a:solidFill>
-              <a:latin typeface="+mn-lt"/>
-              <a:ea typeface="+mn-ea"/>
-              <a:cs typeface="+mn-cs"/>
-            </a:defRPr>
-          </a:pPr>
-          <a:endParaRPr lang="ru-RU"/>
-        </a:p>
-      </c:txPr>
-    </c:legend>
-    <c:plotVisOnly val="1"/>
-    <c:dispBlanksAs val="gap"/>
-    <c:showDLblsOverMax val="0"/>
-  </c:chart>
-  <c:spPr>
-    <a:noFill/>
-    <a:ln>
-      <a:noFill/>
-    </a:ln>
-    <a:effectLst/>
-  </c:spPr>
-  <c:txPr>
-    <a:bodyPr/>
-    <a:lstStyle/>
-    <a:p>
-      <a:pPr>
-        <a:defRPr/>
-      </a:pPr>
-      <a:endParaRPr lang="ru-RU"/>
-    </a:p>
-  </c:txPr>
-  <c:externalData r:id="rId3">
-    <c:autoUpdate val="0"/>
-  </c:externalData>
-</c:chartSpace>
-</file>
-
-<file path=ppt/charts/chart4.xml><?xml version="1.0" encoding="utf-8"?>
-<c:chartSpace xmlns:c="http://schemas.openxmlformats.org/drawingml/2006/chart" xmlns:a="http://schemas.openxmlformats.org/drawingml/2006/main" xmlns:r="http://schemas.openxmlformats.org/officeDocument/2006/relationships">
-  <c:date1904 val="0"/>
-  <c:lang val="ru-RU"/>
-  <c:roundedCorners val="0"/>
-  <mc:AlternateContent xmlns:mc="http://schemas.openxmlformats.org/markup-compatibility/2006">
-    <mc:Choice xmlns:c14="http://schemas.microsoft.com/office/drawing/2007/8/2/chart" Requires="c14">
-      <c14:style val="102"/>
-    </mc:Choice>
-    <mc:Fallback>
-      <c:style val="2"/>
-    </mc:Fallback>
-  </mc:AlternateContent>
-  <c:chart>
     <c:autoTitleDeleted val="1"/>
     <c:plotArea>
       <c:layout/>
@@ -1415,7 +1020,7 @@
           <c:invertIfNegative val="0"/>
           <c:cat>
             <c:strRef>
-              <c:f>Лист1!$A$4:$A$7</c:f>
+              <c:f>Лист1!$A$4:$A$11</c:f>
               <c:strCache>
                 <c:ptCount val="4"/>
                 <c:pt idx="0">
@@ -1440,16 +1045,16 @@
                 <c:formatCode>General</c:formatCode>
                 <c:ptCount val="4"/>
                 <c:pt idx="0">
-                  <c:v>16</c:v>
+                  <c:v>46</c:v>
                 </c:pt>
                 <c:pt idx="1">
                   <c:v>16</c:v>
                 </c:pt>
                 <c:pt idx="2">
-                  <c:v>16</c:v>
+                  <c:v>51</c:v>
                 </c:pt>
                 <c:pt idx="3">
-                  <c:v>16</c:v>
+                  <c:v>24</c:v>
                 </c:pt>
               </c:numCache>
             </c:numRef>
@@ -1481,7 +1086,7 @@
           <c:invertIfNegative val="0"/>
           <c:cat>
             <c:strRef>
-              <c:f>Лист1!$A$4:$A$7</c:f>
+              <c:f>Лист1!$A$4:$A$11</c:f>
               <c:strCache>
                 <c:ptCount val="4"/>
                 <c:pt idx="0">
@@ -1506,16 +1111,16 @@
                 <c:formatCode>General</c:formatCode>
                 <c:ptCount val="4"/>
                 <c:pt idx="0">
-                  <c:v>4</c:v>
+                  <c:v>13</c:v>
                 </c:pt>
                 <c:pt idx="1">
-                  <c:v>4</c:v>
+                  <c:v>16</c:v>
                 </c:pt>
                 <c:pt idx="2">
-                  <c:v>4</c:v>
+                  <c:v>25</c:v>
                 </c:pt>
                 <c:pt idx="3">
-                  <c:v>4</c:v>
+                  <c:v>24</c:v>
                 </c:pt>
               </c:numCache>
             </c:numRef>
@@ -1547,7 +1152,7 @@
           <c:invertIfNegative val="0"/>
           <c:cat>
             <c:strRef>
-              <c:f>Лист1!$A$4:$A$7</c:f>
+              <c:f>Лист1!$A$4:$A$11</c:f>
               <c:strCache>
                 <c:ptCount val="4"/>
                 <c:pt idx="0">
@@ -1572,16 +1177,16 @@
                 <c:formatCode>General</c:formatCode>
                 <c:ptCount val="4"/>
                 <c:pt idx="0">
-                  <c:v>16</c:v>
+                  <c:v>47</c:v>
                 </c:pt>
                 <c:pt idx="1">
-                  <c:v>16</c:v>
+                  <c:v>17</c:v>
                 </c:pt>
                 <c:pt idx="2">
-                  <c:v>16</c:v>
+                  <c:v>51</c:v>
                 </c:pt>
                 <c:pt idx="3">
-                  <c:v>16</c:v>
+                  <c:v>26</c:v>
                 </c:pt>
               </c:numCache>
             </c:numRef>
@@ -1613,7 +1218,7 @@
           <c:invertIfNegative val="0"/>
           <c:cat>
             <c:strRef>
-              <c:f>Лист1!$A$4:$A$7</c:f>
+              <c:f>Лист1!$A$4:$A$11</c:f>
               <c:strCache>
                 <c:ptCount val="4"/>
                 <c:pt idx="0">
@@ -1638,16 +1243,16 @@
                 <c:formatCode>General</c:formatCode>
                 <c:ptCount val="4"/>
                 <c:pt idx="0">
-                  <c:v>4</c:v>
+                  <c:v>13</c:v>
                 </c:pt>
                 <c:pt idx="1">
-                  <c:v>4</c:v>
+                  <c:v>17</c:v>
                 </c:pt>
                 <c:pt idx="2">
-                  <c:v>4</c:v>
+                  <c:v>27</c:v>
                 </c:pt>
                 <c:pt idx="3">
-                  <c:v>4</c:v>
+                  <c:v>27.5</c:v>
                 </c:pt>
               </c:numCache>
             </c:numRef>
@@ -1739,13 +1344,15 @@
           </c:spPr>
         </c:majorGridlines>
         <c:numFmt formatCode="General" sourceLinked="1"/>
-        <c:majorTickMark val="none"/>
-        <c:minorTickMark val="none"/>
+        <c:majorTickMark val="cross"/>
+        <c:minorTickMark val="cross"/>
         <c:tickLblPos val="nextTo"/>
         <c:spPr>
           <a:noFill/>
           <a:ln>
-            <a:noFill/>
+            <a:solidFill>
+              <a:schemeClr val="tx1"/>
+            </a:solidFill>
           </a:ln>
           <a:effectLst/>
         </c:spPr>
@@ -1772,6 +1379,7 @@
         <c:crossAx val="488690160"/>
         <c:crosses val="autoZero"/>
         <c:crossBetween val="between"/>
+        <c:minorUnit val="1"/>
       </c:valAx>
       <c:spPr>
         <a:noFill/>
@@ -1921,46 +1529,6 @@
 </file>
 
 <file path=ppt/charts/colors3.xml><?xml version="1.0" encoding="utf-8"?>
-<cs:colorStyle xmlns:cs="http://schemas.microsoft.com/office/drawing/2012/chartStyle" xmlns:a="http://schemas.openxmlformats.org/drawingml/2006/main" meth="cycle" id="10">
-  <a:schemeClr val="accent1"/>
-  <a:schemeClr val="accent2"/>
-  <a:schemeClr val="accent3"/>
-  <a:schemeClr val="accent4"/>
-  <a:schemeClr val="accent5"/>
-  <a:schemeClr val="accent6"/>
-  <cs:variation/>
-  <cs:variation>
-    <a:lumMod val="60000"/>
-  </cs:variation>
-  <cs:variation>
-    <a:lumMod val="80000"/>
-    <a:lumOff val="20000"/>
-  </cs:variation>
-  <cs:variation>
-    <a:lumMod val="80000"/>
-  </cs:variation>
-  <cs:variation>
-    <a:lumMod val="60000"/>
-    <a:lumOff val="40000"/>
-  </cs:variation>
-  <cs:variation>
-    <a:lumMod val="50000"/>
-  </cs:variation>
-  <cs:variation>
-    <a:lumMod val="70000"/>
-    <a:lumOff val="30000"/>
-  </cs:variation>
-  <cs:variation>
-    <a:lumMod val="70000"/>
-  </cs:variation>
-  <cs:variation>
-    <a:lumMod val="50000"/>
-    <a:lumOff val="50000"/>
-  </cs:variation>
-</cs:colorStyle>
-</file>
-
-<file path=ppt/charts/colors4.xml><?xml version="1.0" encoding="utf-8"?>
 <cs:colorStyle xmlns:cs="http://schemas.microsoft.com/office/drawing/2012/chartStyle" xmlns:a="http://schemas.openxmlformats.org/drawingml/2006/main" meth="cycle" id="10">
   <a:schemeClr val="accent1"/>
   <a:schemeClr val="accent2"/>
@@ -3509,509 +3077,6 @@
 </cs:chartStyle>
 </file>
 
-<file path=ppt/charts/style4.xml><?xml version="1.0" encoding="utf-8"?>
-<cs:chartStyle xmlns:cs="http://schemas.microsoft.com/office/drawing/2012/chartStyle" xmlns:a="http://schemas.openxmlformats.org/drawingml/2006/main" id="201">
-  <cs:axisTitle>
-    <cs:lnRef idx="0"/>
-    <cs:fillRef idx="0"/>
-    <cs:effectRef idx="0"/>
-    <cs:fontRef idx="minor">
-      <a:schemeClr val="tx1">
-        <a:lumMod val="65000"/>
-        <a:lumOff val="35000"/>
-      </a:schemeClr>
-    </cs:fontRef>
-    <cs:defRPr sz="1330" kern="1200"/>
-  </cs:axisTitle>
-  <cs:categoryAxis>
-    <cs:lnRef idx="0"/>
-    <cs:fillRef idx="0"/>
-    <cs:effectRef idx="0"/>
-    <cs:fontRef idx="minor">
-      <a:schemeClr val="tx1">
-        <a:lumMod val="65000"/>
-        <a:lumOff val="35000"/>
-      </a:schemeClr>
-    </cs:fontRef>
-    <cs:spPr>
-      <a:ln w="9525" cap="flat" cmpd="sng" algn="ctr">
-        <a:solidFill>
-          <a:schemeClr val="tx1">
-            <a:lumMod val="15000"/>
-            <a:lumOff val="85000"/>
-          </a:schemeClr>
-        </a:solidFill>
-        <a:round/>
-      </a:ln>
-    </cs:spPr>
-    <cs:defRPr sz="1197" kern="1200"/>
-  </cs:categoryAxis>
-  <cs:chartArea mods="allowNoFillOverride allowNoLineOverride">
-    <cs:lnRef idx="0"/>
-    <cs:fillRef idx="0"/>
-    <cs:effectRef idx="0"/>
-    <cs:fontRef idx="minor">
-      <a:schemeClr val="tx1"/>
-    </cs:fontRef>
-    <cs:spPr>
-      <a:solidFill>
-        <a:schemeClr val="bg1"/>
-      </a:solidFill>
-      <a:ln w="9525" cap="flat" cmpd="sng" algn="ctr">
-        <a:solidFill>
-          <a:schemeClr val="tx1">
-            <a:lumMod val="15000"/>
-            <a:lumOff val="85000"/>
-          </a:schemeClr>
-        </a:solidFill>
-        <a:round/>
-      </a:ln>
-    </cs:spPr>
-    <cs:defRPr sz="1330" kern="1200"/>
-  </cs:chartArea>
-  <cs:dataLabel>
-    <cs:lnRef idx="0"/>
-    <cs:fillRef idx="0"/>
-    <cs:effectRef idx="0"/>
-    <cs:fontRef idx="minor">
-      <a:schemeClr val="tx1">
-        <a:lumMod val="75000"/>
-        <a:lumOff val="25000"/>
-      </a:schemeClr>
-    </cs:fontRef>
-    <cs:defRPr sz="1197" kern="1200"/>
-  </cs:dataLabel>
-  <cs:dataLabelCallout>
-    <cs:lnRef idx="0"/>
-    <cs:fillRef idx="0"/>
-    <cs:effectRef idx="0"/>
-    <cs:fontRef idx="minor">
-      <a:schemeClr val="dk1">
-        <a:lumMod val="65000"/>
-        <a:lumOff val="35000"/>
-      </a:schemeClr>
-    </cs:fontRef>
-    <cs:spPr>
-      <a:solidFill>
-        <a:schemeClr val="lt1"/>
-      </a:solidFill>
-      <a:ln>
-        <a:solidFill>
-          <a:schemeClr val="dk1">
-            <a:lumMod val="25000"/>
-            <a:lumOff val="75000"/>
-          </a:schemeClr>
-        </a:solidFill>
-      </a:ln>
-    </cs:spPr>
-    <cs:defRPr sz="1197" kern="1200"/>
-    <cs:bodyPr rot="0" spcFirstLastPara="1" vertOverflow="clip" horzOverflow="clip" vert="horz" wrap="square" lIns="36576" tIns="18288" rIns="36576" bIns="18288" anchor="ctr" anchorCtr="1">
-      <a:spAutoFit/>
-    </cs:bodyPr>
-  </cs:dataLabelCallout>
-  <cs:dataPoint>
-    <cs:lnRef idx="0"/>
-    <cs:fillRef idx="1">
-      <cs:styleClr val="auto"/>
-    </cs:fillRef>
-    <cs:effectRef idx="0"/>
-    <cs:fontRef idx="minor">
-      <a:schemeClr val="tx1"/>
-    </cs:fontRef>
-  </cs:dataPoint>
-  <cs:dataPoint3D>
-    <cs:lnRef idx="0"/>
-    <cs:fillRef idx="1">
-      <cs:styleClr val="auto"/>
-    </cs:fillRef>
-    <cs:effectRef idx="0"/>
-    <cs:fontRef idx="minor">
-      <a:schemeClr val="tx1"/>
-    </cs:fontRef>
-  </cs:dataPoint3D>
-  <cs:dataPointLine>
-    <cs:lnRef idx="0">
-      <cs:styleClr val="auto"/>
-    </cs:lnRef>
-    <cs:fillRef idx="1"/>
-    <cs:effectRef idx="0"/>
-    <cs:fontRef idx="minor">
-      <a:schemeClr val="tx1"/>
-    </cs:fontRef>
-    <cs:spPr>
-      <a:ln w="28575" cap="rnd">
-        <a:solidFill>
-          <a:schemeClr val="phClr"/>
-        </a:solidFill>
-        <a:round/>
-      </a:ln>
-    </cs:spPr>
-  </cs:dataPointLine>
-  <cs:dataPointMarker>
-    <cs:lnRef idx="0">
-      <cs:styleClr val="auto"/>
-    </cs:lnRef>
-    <cs:fillRef idx="1">
-      <cs:styleClr val="auto"/>
-    </cs:fillRef>
-    <cs:effectRef idx="0"/>
-    <cs:fontRef idx="minor">
-      <a:schemeClr val="tx1"/>
-    </cs:fontRef>
-    <cs:spPr>
-      <a:ln w="9525">
-        <a:solidFill>
-          <a:schemeClr val="phClr"/>
-        </a:solidFill>
-      </a:ln>
-    </cs:spPr>
-  </cs:dataPointMarker>
-  <cs:dataPointMarkerLayout symbol="circle" size="5"/>
-  <cs:dataPointWireframe>
-    <cs:lnRef idx="0">
-      <cs:styleClr val="auto"/>
-    </cs:lnRef>
-    <cs:fillRef idx="1"/>
-    <cs:effectRef idx="0"/>
-    <cs:fontRef idx="minor">
-      <a:schemeClr val="tx1"/>
-    </cs:fontRef>
-    <cs:spPr>
-      <a:ln w="9525" cap="rnd">
-        <a:solidFill>
-          <a:schemeClr val="phClr"/>
-        </a:solidFill>
-        <a:round/>
-      </a:ln>
-    </cs:spPr>
-  </cs:dataPointWireframe>
-  <cs:dataTable>
-    <cs:lnRef idx="0"/>
-    <cs:fillRef idx="0"/>
-    <cs:effectRef idx="0"/>
-    <cs:fontRef idx="minor">
-      <a:schemeClr val="tx1">
-        <a:lumMod val="65000"/>
-        <a:lumOff val="35000"/>
-      </a:schemeClr>
-    </cs:fontRef>
-    <cs:spPr>
-      <a:noFill/>
-      <a:ln w="9525" cap="flat" cmpd="sng" algn="ctr">
-        <a:solidFill>
-          <a:schemeClr val="tx1">
-            <a:lumMod val="15000"/>
-            <a:lumOff val="85000"/>
-          </a:schemeClr>
-        </a:solidFill>
-        <a:round/>
-      </a:ln>
-    </cs:spPr>
-    <cs:defRPr sz="1197" kern="1200"/>
-  </cs:dataTable>
-  <cs:downBar>
-    <cs:lnRef idx="0"/>
-    <cs:fillRef idx="0"/>
-    <cs:effectRef idx="0"/>
-    <cs:fontRef idx="minor">
-      <a:schemeClr val="dk1"/>
-    </cs:fontRef>
-    <cs:spPr>
-      <a:solidFill>
-        <a:schemeClr val="dk1">
-          <a:lumMod val="65000"/>
-          <a:lumOff val="35000"/>
-        </a:schemeClr>
-      </a:solidFill>
-      <a:ln w="9525">
-        <a:solidFill>
-          <a:schemeClr val="tx1">
-            <a:lumMod val="65000"/>
-            <a:lumOff val="35000"/>
-          </a:schemeClr>
-        </a:solidFill>
-      </a:ln>
-    </cs:spPr>
-  </cs:downBar>
-  <cs:dropLine>
-    <cs:lnRef idx="0"/>
-    <cs:fillRef idx="0"/>
-    <cs:effectRef idx="0"/>
-    <cs:fontRef idx="minor">
-      <a:schemeClr val="tx1"/>
-    </cs:fontRef>
-    <cs:spPr>
-      <a:ln w="9525" cap="flat" cmpd="sng" algn="ctr">
-        <a:solidFill>
-          <a:schemeClr val="tx1">
-            <a:lumMod val="35000"/>
-            <a:lumOff val="65000"/>
-          </a:schemeClr>
-        </a:solidFill>
-        <a:round/>
-      </a:ln>
-    </cs:spPr>
-  </cs:dropLine>
-  <cs:errorBar>
-    <cs:lnRef idx="0"/>
-    <cs:fillRef idx="0"/>
-    <cs:effectRef idx="0"/>
-    <cs:fontRef idx="minor">
-      <a:schemeClr val="tx1"/>
-    </cs:fontRef>
-    <cs:spPr>
-      <a:ln w="9525" cap="flat" cmpd="sng" algn="ctr">
-        <a:solidFill>
-          <a:schemeClr val="tx1">
-            <a:lumMod val="65000"/>
-            <a:lumOff val="35000"/>
-          </a:schemeClr>
-        </a:solidFill>
-        <a:round/>
-      </a:ln>
-    </cs:spPr>
-  </cs:errorBar>
-  <cs:floor>
-    <cs:lnRef idx="0"/>
-    <cs:fillRef idx="0"/>
-    <cs:effectRef idx="0"/>
-    <cs:fontRef idx="minor">
-      <a:schemeClr val="tx1"/>
-    </cs:fontRef>
-    <cs:spPr>
-      <a:noFill/>
-      <a:ln>
-        <a:noFill/>
-      </a:ln>
-    </cs:spPr>
-  </cs:floor>
-  <cs:gridlineMajor>
-    <cs:lnRef idx="0"/>
-    <cs:fillRef idx="0"/>
-    <cs:effectRef idx="0"/>
-    <cs:fontRef idx="minor">
-      <a:schemeClr val="tx1"/>
-    </cs:fontRef>
-    <cs:spPr>
-      <a:ln w="9525" cap="flat" cmpd="sng" algn="ctr">
-        <a:solidFill>
-          <a:schemeClr val="tx1">
-            <a:lumMod val="15000"/>
-            <a:lumOff val="85000"/>
-          </a:schemeClr>
-        </a:solidFill>
-        <a:round/>
-      </a:ln>
-    </cs:spPr>
-  </cs:gridlineMajor>
-  <cs:gridlineMinor>
-    <cs:lnRef idx="0"/>
-    <cs:fillRef idx="0"/>
-    <cs:effectRef idx="0"/>
-    <cs:fontRef idx="minor">
-      <a:schemeClr val="tx1"/>
-    </cs:fontRef>
-    <cs:spPr>
-      <a:ln w="9525" cap="flat" cmpd="sng" algn="ctr">
-        <a:solidFill>
-          <a:schemeClr val="tx1">
-            <a:lumMod val="5000"/>
-            <a:lumOff val="95000"/>
-          </a:schemeClr>
-        </a:solidFill>
-        <a:round/>
-      </a:ln>
-    </cs:spPr>
-  </cs:gridlineMinor>
-  <cs:hiLoLine>
-    <cs:lnRef idx="0"/>
-    <cs:fillRef idx="0"/>
-    <cs:effectRef idx="0"/>
-    <cs:fontRef idx="minor">
-      <a:schemeClr val="tx1"/>
-    </cs:fontRef>
-    <cs:spPr>
-      <a:ln w="9525" cap="flat" cmpd="sng" algn="ctr">
-        <a:solidFill>
-          <a:schemeClr val="tx1">
-            <a:lumMod val="75000"/>
-            <a:lumOff val="25000"/>
-          </a:schemeClr>
-        </a:solidFill>
-        <a:round/>
-      </a:ln>
-    </cs:spPr>
-  </cs:hiLoLine>
-  <cs:leaderLine>
-    <cs:lnRef idx="0"/>
-    <cs:fillRef idx="0"/>
-    <cs:effectRef idx="0"/>
-    <cs:fontRef idx="minor">
-      <a:schemeClr val="tx1"/>
-    </cs:fontRef>
-    <cs:spPr>
-      <a:ln w="9525" cap="flat" cmpd="sng" algn="ctr">
-        <a:solidFill>
-          <a:schemeClr val="tx1">
-            <a:lumMod val="35000"/>
-            <a:lumOff val="65000"/>
-          </a:schemeClr>
-        </a:solidFill>
-        <a:round/>
-      </a:ln>
-    </cs:spPr>
-  </cs:leaderLine>
-  <cs:legend>
-    <cs:lnRef idx="0"/>
-    <cs:fillRef idx="0"/>
-    <cs:effectRef idx="0"/>
-    <cs:fontRef idx="minor">
-      <a:schemeClr val="tx1">
-        <a:lumMod val="65000"/>
-        <a:lumOff val="35000"/>
-      </a:schemeClr>
-    </cs:fontRef>
-    <cs:defRPr sz="1197" kern="1200"/>
-  </cs:legend>
-  <cs:plotArea mods="allowNoFillOverride allowNoLineOverride">
-    <cs:lnRef idx="0"/>
-    <cs:fillRef idx="0"/>
-    <cs:effectRef idx="0"/>
-    <cs:fontRef idx="minor">
-      <a:schemeClr val="tx1"/>
-    </cs:fontRef>
-  </cs:plotArea>
-  <cs:plotArea3D mods="allowNoFillOverride allowNoLineOverride">
-    <cs:lnRef idx="0"/>
-    <cs:fillRef idx="0"/>
-    <cs:effectRef idx="0"/>
-    <cs:fontRef idx="minor">
-      <a:schemeClr val="tx1"/>
-    </cs:fontRef>
-  </cs:plotArea3D>
-  <cs:seriesAxis>
-    <cs:lnRef idx="0"/>
-    <cs:fillRef idx="0"/>
-    <cs:effectRef idx="0"/>
-    <cs:fontRef idx="minor">
-      <a:schemeClr val="tx1">
-        <a:lumMod val="65000"/>
-        <a:lumOff val="35000"/>
-      </a:schemeClr>
-    </cs:fontRef>
-    <cs:defRPr sz="1197" kern="1200"/>
-  </cs:seriesAxis>
-  <cs:seriesLine>
-    <cs:lnRef idx="0"/>
-    <cs:fillRef idx="0"/>
-    <cs:effectRef idx="0"/>
-    <cs:fontRef idx="minor">
-      <a:schemeClr val="tx1"/>
-    </cs:fontRef>
-    <cs:spPr>
-      <a:ln w="9525" cap="flat" cmpd="sng" algn="ctr">
-        <a:solidFill>
-          <a:schemeClr val="tx1">
-            <a:lumMod val="35000"/>
-            <a:lumOff val="65000"/>
-          </a:schemeClr>
-        </a:solidFill>
-        <a:round/>
-      </a:ln>
-    </cs:spPr>
-  </cs:seriesLine>
-  <cs:title>
-    <cs:lnRef idx="0"/>
-    <cs:fillRef idx="0"/>
-    <cs:effectRef idx="0"/>
-    <cs:fontRef idx="minor">
-      <a:schemeClr val="tx1">
-        <a:lumMod val="65000"/>
-        <a:lumOff val="35000"/>
-      </a:schemeClr>
-    </cs:fontRef>
-    <cs:defRPr sz="1862" b="0" kern="1200" spc="0" baseline="0"/>
-  </cs:title>
-  <cs:trendline>
-    <cs:lnRef idx="0">
-      <cs:styleClr val="auto"/>
-    </cs:lnRef>
-    <cs:fillRef idx="0"/>
-    <cs:effectRef idx="0"/>
-    <cs:fontRef idx="minor">
-      <a:schemeClr val="tx1"/>
-    </cs:fontRef>
-    <cs:spPr>
-      <a:ln w="19050" cap="rnd">
-        <a:solidFill>
-          <a:schemeClr val="phClr"/>
-        </a:solidFill>
-        <a:prstDash val="sysDot"/>
-      </a:ln>
-    </cs:spPr>
-  </cs:trendline>
-  <cs:trendlineLabel>
-    <cs:lnRef idx="0"/>
-    <cs:fillRef idx="0"/>
-    <cs:effectRef idx="0"/>
-    <cs:fontRef idx="minor">
-      <a:schemeClr val="tx1">
-        <a:lumMod val="65000"/>
-        <a:lumOff val="35000"/>
-      </a:schemeClr>
-    </cs:fontRef>
-    <cs:defRPr sz="1197" kern="1200"/>
-  </cs:trendlineLabel>
-  <cs:upBar>
-    <cs:lnRef idx="0"/>
-    <cs:fillRef idx="0"/>
-    <cs:effectRef idx="0"/>
-    <cs:fontRef idx="minor">
-      <a:schemeClr val="dk1"/>
-    </cs:fontRef>
-    <cs:spPr>
-      <a:solidFill>
-        <a:schemeClr val="lt1"/>
-      </a:solidFill>
-      <a:ln w="9525">
-        <a:solidFill>
-          <a:schemeClr val="tx1">
-            <a:lumMod val="15000"/>
-            <a:lumOff val="85000"/>
-          </a:schemeClr>
-        </a:solidFill>
-      </a:ln>
-    </cs:spPr>
-  </cs:upBar>
-  <cs:valueAxis>
-    <cs:lnRef idx="0"/>
-    <cs:fillRef idx="0"/>
-    <cs:effectRef idx="0"/>
-    <cs:fontRef idx="minor">
-      <a:schemeClr val="tx1">
-        <a:lumMod val="65000"/>
-        <a:lumOff val="35000"/>
-      </a:schemeClr>
-    </cs:fontRef>
-    <cs:defRPr sz="1197" kern="1200"/>
-  </cs:valueAxis>
-  <cs:wall>
-    <cs:lnRef idx="0"/>
-    <cs:fillRef idx="0"/>
-    <cs:effectRef idx="0"/>
-    <cs:fontRef idx="minor">
-      <a:schemeClr val="tx1"/>
-    </cs:fontRef>
-    <cs:spPr>
-      <a:noFill/>
-      <a:ln>
-        <a:noFill/>
-      </a:ln>
-    </cs:spPr>
-  </cs:wall>
-</cs:chartStyle>
-</file>
-
 <file path=ppt/handoutMasters/handoutMaster1.xml><?xml version="1.0" encoding="utf-8"?>
 <p:handoutMaster xmlns:a="http://schemas.openxmlformats.org/drawingml/2006/main" xmlns:r="http://schemas.openxmlformats.org/officeDocument/2006/relationships" xmlns:p="http://schemas.openxmlformats.org/presentationml/2006/main">
   <p:cSld>
@@ -10645,7 +9710,7 @@
           <p:nvPr>
             <p:extLst>
               <p:ext uri="{D42A27DB-BD31-4B8C-83A1-F6EECF244321}">
-                <p14:modId xmlns:p14="http://schemas.microsoft.com/office/powerpoint/2010/main" val="2240565739"/>
+                <p14:modId xmlns:p14="http://schemas.microsoft.com/office/powerpoint/2010/main" val="2942796774"/>
               </p:ext>
             </p:extLst>
           </p:nvPr>
@@ -10685,6 +9750,36 @@
               <a:t>13/19</a:t>
             </a:r>
             <a:endParaRPr lang="ru-RU" dirty="0"/>
+          </a:p>
+        </p:txBody>
+      </p:sp>
+      <p:sp>
+        <p:nvSpPr>
+          <p:cNvPr id="8" name="TextBox 7"/>
+          <p:cNvSpPr txBox="1"/>
+          <p:nvPr/>
+        </p:nvSpPr>
+        <p:spPr>
+          <a:xfrm rot="16200000">
+            <a:off x="562023" y="3708547"/>
+            <a:ext cx="832279" cy="307777"/>
+          </a:xfrm>
+          <a:prstGeom prst="rect">
+            <a:avLst/>
+          </a:prstGeom>
+          <a:noFill/>
+        </p:spPr>
+        <p:txBody>
+          <a:bodyPr wrap="none" rtlCol="0">
+            <a:spAutoFit/>
+          </a:bodyPr>
+          <a:lstStyle/>
+          <a:p>
+            <a:r>
+              <a:rPr lang="ru-RU" sz="1400" dirty="0" smtClean="0"/>
+              <a:t>секунды</a:t>
+            </a:r>
+            <a:endParaRPr lang="ru-RU" sz="1400" dirty="0"/>
           </a:p>
         </p:txBody>
       </p:sp>
@@ -10725,28 +9820,6 @@
           <a:chExt cx="0" cy="0"/>
         </a:xfrm>
       </p:grpSpPr>
-      <p:graphicFrame>
-        <p:nvGraphicFramePr>
-          <p:cNvPr id="8" name="Диаграмма 7"/>
-          <p:cNvGraphicFramePr/>
-          <p:nvPr>
-            <p:extLst>
-              <p:ext uri="{D42A27DB-BD31-4B8C-83A1-F6EECF244321}">
-                <p14:modId xmlns:p14="http://schemas.microsoft.com/office/powerpoint/2010/main" val="2835814668"/>
-              </p:ext>
-            </p:extLst>
-          </p:nvPr>
-        </p:nvGraphicFramePr>
-        <p:xfrm>
-          <a:off x="6126259" y="1676215"/>
-          <a:ext cx="5500385" cy="5118643"/>
-        </p:xfrm>
-        <a:graphic>
-          <a:graphicData uri="http://schemas.openxmlformats.org/drawingml/2006/chart">
-            <c:chart xmlns:c="http://schemas.openxmlformats.org/drawingml/2006/chart" xmlns:r="http://schemas.openxmlformats.org/officeDocument/2006/relationships" r:id="rId2"/>
-          </a:graphicData>
-        </a:graphic>
-      </p:graphicFrame>
       <p:pic>
         <p:nvPicPr>
           <p:cNvPr id="5" name="Picture 4" descr="http://windowsapptutorials.com/wp-content/uploads/2014/12/Windows-8.1.jpg"/>
@@ -10756,7 +9829,7 @@
           <p:nvPr/>
         </p:nvPicPr>
         <p:blipFill rotWithShape="1">
-          <a:blip r:embed="rId3">
+          <a:blip r:embed="rId2">
             <a:extLst>
               <a:ext uri="{28A0092B-C50C-407E-A947-70E740481C1C}">
                 <a14:useLocalDpi xmlns:a14="http://schemas.microsoft.com/office/drawing/2010/main" val="0"/>
@@ -10849,28 +9922,6 @@
           </a:p>
         </p:txBody>
       </p:sp>
-      <p:graphicFrame>
-        <p:nvGraphicFramePr>
-          <p:cNvPr id="6" name="Диаграмма 5"/>
-          <p:cNvGraphicFramePr/>
-          <p:nvPr>
-            <p:extLst>
-              <p:ext uri="{D42A27DB-BD31-4B8C-83A1-F6EECF244321}">
-                <p14:modId xmlns:p14="http://schemas.microsoft.com/office/powerpoint/2010/main" val="364297307"/>
-              </p:ext>
-            </p:extLst>
-          </p:nvPr>
-        </p:nvGraphicFramePr>
-        <p:xfrm>
-          <a:off x="416320" y="1676215"/>
-          <a:ext cx="5500385" cy="5118643"/>
-        </p:xfrm>
-        <a:graphic>
-          <a:graphicData uri="http://schemas.openxmlformats.org/drawingml/2006/chart">
-            <c:chart xmlns:c="http://schemas.openxmlformats.org/drawingml/2006/chart" xmlns:r="http://schemas.openxmlformats.org/officeDocument/2006/relationships" r:id="rId4"/>
-          </a:graphicData>
-        </a:graphic>
-      </p:graphicFrame>
       <p:sp>
         <p:nvSpPr>
           <p:cNvPr id="9" name="Номер слайда 3"/>
@@ -10896,6 +9947,58 @@
               <a:t>14/19</a:t>
             </a:r>
             <a:endParaRPr lang="ru-RU" dirty="0"/>
+          </a:p>
+        </p:txBody>
+      </p:sp>
+      <p:graphicFrame>
+        <p:nvGraphicFramePr>
+          <p:cNvPr id="10" name="Диаграмма 9"/>
+          <p:cNvGraphicFramePr/>
+          <p:nvPr>
+            <p:extLst>
+              <p:ext uri="{D42A27DB-BD31-4B8C-83A1-F6EECF244321}">
+                <p14:modId xmlns:p14="http://schemas.microsoft.com/office/powerpoint/2010/main" val="2610580237"/>
+              </p:ext>
+            </p:extLst>
+          </p:nvPr>
+        </p:nvGraphicFramePr>
+        <p:xfrm>
+          <a:off x="1035424" y="1690688"/>
+          <a:ext cx="10159252" cy="5118643"/>
+        </p:xfrm>
+        <a:graphic>
+          <a:graphicData uri="http://schemas.openxmlformats.org/drawingml/2006/chart">
+            <c:chart xmlns:c="http://schemas.openxmlformats.org/drawingml/2006/chart" xmlns:r="http://schemas.openxmlformats.org/officeDocument/2006/relationships" r:id="rId3"/>
+          </a:graphicData>
+        </a:graphic>
+      </p:graphicFrame>
+      <p:sp>
+        <p:nvSpPr>
+          <p:cNvPr id="11" name="TextBox 10"/>
+          <p:cNvSpPr txBox="1"/>
+          <p:nvPr/>
+        </p:nvSpPr>
+        <p:spPr>
+          <a:xfrm rot="16200000">
+            <a:off x="400659" y="3708547"/>
+            <a:ext cx="832279" cy="307777"/>
+          </a:xfrm>
+          <a:prstGeom prst="rect">
+            <a:avLst/>
+          </a:prstGeom>
+          <a:noFill/>
+        </p:spPr>
+        <p:txBody>
+          <a:bodyPr wrap="none" rtlCol="0">
+            <a:spAutoFit/>
+          </a:bodyPr>
+          <a:lstStyle/>
+          <a:p>
+            <a:r>
+              <a:rPr lang="ru-RU" sz="1400" dirty="0" smtClean="0"/>
+              <a:t>секунды</a:t>
+            </a:r>
+            <a:endParaRPr lang="ru-RU" sz="1400" dirty="0"/>
           </a:p>
         </p:txBody>
       </p:sp>
@@ -12483,14 +11586,14 @@
           <p:nvPr>
             <p:extLst>
               <p:ext uri="{D42A27DB-BD31-4B8C-83A1-F6EECF244321}">
-                <p14:modId xmlns:p14="http://schemas.microsoft.com/office/powerpoint/2010/main" val="1341230382"/>
+                <p14:modId xmlns:p14="http://schemas.microsoft.com/office/powerpoint/2010/main" val="2427766248"/>
               </p:ext>
             </p:extLst>
           </p:nvPr>
         </p:nvGraphicFramePr>
         <p:xfrm>
-          <a:off x="2124098" y="1690688"/>
-          <a:ext cx="8128000" cy="5118643"/>
+          <a:off x="1035424" y="1690688"/>
+          <a:ext cx="10159252" cy="5118643"/>
         </p:xfrm>
         <a:graphic>
           <a:graphicData uri="http://schemas.openxmlformats.org/drawingml/2006/chart">
@@ -12523,6 +11626,36 @@
               <a:t>16/19</a:t>
             </a:r>
             <a:endParaRPr lang="ru-RU" dirty="0"/>
+          </a:p>
+        </p:txBody>
+      </p:sp>
+      <p:sp>
+        <p:nvSpPr>
+          <p:cNvPr id="9" name="TextBox 8"/>
+          <p:cNvSpPr txBox="1"/>
+          <p:nvPr/>
+        </p:nvSpPr>
+        <p:spPr>
+          <a:xfrm rot="16200000">
+            <a:off x="400659" y="3708547"/>
+            <a:ext cx="832279" cy="307777"/>
+          </a:xfrm>
+          <a:prstGeom prst="rect">
+            <a:avLst/>
+          </a:prstGeom>
+          <a:noFill/>
+        </p:spPr>
+        <p:txBody>
+          <a:bodyPr wrap="none" rtlCol="0">
+            <a:spAutoFit/>
+          </a:bodyPr>
+          <a:lstStyle/>
+          <a:p>
+            <a:r>
+              <a:rPr lang="ru-RU" sz="1400" dirty="0" smtClean="0"/>
+              <a:t>секунды</a:t>
+            </a:r>
+            <a:endParaRPr lang="ru-RU" sz="1400" dirty="0"/>
           </a:p>
         </p:txBody>
       </p:sp>
@@ -12711,11 +11844,19 @@
               <a:t> </a:t>
             </a:r>
             <a:r>
-              <a:rPr lang="en-US" sz="2400" dirty="0" smtClean="0"/>
+              <a:rPr lang="en-US" sz="2400" dirty="0" smtClean="0">
+                <a:solidFill>
+                  <a:srgbClr val="1580D0"/>
+                </a:solidFill>
+              </a:rPr>
               <a:t>Linux</a:t>
             </a:r>
             <a:r>
-              <a:rPr lang="ru-RU" sz="2400" dirty="0" smtClean="0"/>
+              <a:rPr lang="ru-RU" sz="2400" dirty="0" smtClean="0">
+                <a:solidFill>
+                  <a:srgbClr val="1580D0"/>
+                </a:solidFill>
+              </a:rPr>
               <a:t>-драйверов</a:t>
             </a:r>
           </a:p>
@@ -14394,1326 +13535,6 @@
 </p:sld>
 </file>
 
-<file path=ppt/slides/slide20.xml><?xml version="1.0" encoding="utf-8"?>
-<p:sld xmlns:a="http://schemas.openxmlformats.org/drawingml/2006/main" xmlns:r="http://schemas.openxmlformats.org/officeDocument/2006/relationships" xmlns:p="http://schemas.openxmlformats.org/presentationml/2006/main">
-  <p:cSld>
-    <p:spTree>
-      <p:nvGrpSpPr>
-        <p:cNvPr id="1" name=""/>
-        <p:cNvGrpSpPr/>
-        <p:nvPr/>
-      </p:nvGrpSpPr>
-      <p:grpSpPr>
-        <a:xfrm>
-          <a:off x="0" y="0"/>
-          <a:ext cx="0" cy="0"/>
-          <a:chOff x="0" y="0"/>
-          <a:chExt cx="0" cy="0"/>
-        </a:xfrm>
-      </p:grpSpPr>
-      <p:pic>
-        <p:nvPicPr>
-          <p:cNvPr id="5" name="Picture 4" descr="http://windowsapptutorials.com/wp-content/uploads/2014/12/Windows-8.1.jpg"/>
-          <p:cNvPicPr>
-            <a:picLocks noChangeAspect="1" noChangeArrowheads="1"/>
-          </p:cNvPicPr>
-          <p:nvPr/>
-        </p:nvPicPr>
-        <p:blipFill rotWithShape="1">
-          <a:blip r:embed="rId2">
-            <a:extLst>
-              <a:ext uri="{28A0092B-C50C-407E-A947-70E740481C1C}">
-                <a14:useLocalDpi xmlns:a14="http://schemas.microsoft.com/office/drawing/2010/main" val="0"/>
-              </a:ext>
-            </a:extLst>
-          </a:blip>
-          <a:srcRect l="-426" t="189" r="426" b="72317"/>
-          <a:stretch/>
-        </p:blipFill>
-        <p:spPr bwMode="auto">
-          <a:xfrm rot="10800000">
-            <a:off x="-6720" y="134472"/>
-            <a:ext cx="12265959" cy="1311088"/>
-          </a:xfrm>
-          <a:prstGeom prst="rect">
-            <a:avLst/>
-          </a:prstGeom>
-          <a:noFill/>
-          <a:extLst>
-            <a:ext uri="{909E8E84-426E-40DD-AFC4-6F175D3DCCD1}">
-              <a14:hiddenFill xmlns:a14="http://schemas.microsoft.com/office/drawing/2010/main">
-                <a:solidFill>
-                  <a:srgbClr val="FFFFFF"/>
-                </a:solidFill>
-              </a14:hiddenFill>
-            </a:ext>
-          </a:extLst>
-        </p:spPr>
-      </p:pic>
-      <p:sp>
-        <p:nvSpPr>
-          <p:cNvPr id="2" name="Заголовок 1"/>
-          <p:cNvSpPr>
-            <a:spLocks noGrp="1"/>
-          </p:cNvSpPr>
-          <p:nvPr>
-            <p:ph type="title"/>
-          </p:nvPr>
-        </p:nvSpPr>
-        <p:spPr/>
-        <p:txBody>
-          <a:bodyPr/>
-          <a:lstStyle/>
-          <a:p>
-            <a:r>
-              <a:rPr lang="ru-RU" dirty="0" smtClean="0">
-                <a:solidFill>
-                  <a:schemeClr val="bg1"/>
-                </a:solidFill>
-              </a:rPr>
-              <a:t>Замена </a:t>
-            </a:r>
-            <a:r>
-              <a:rPr lang="en-US" b="1" dirty="0" smtClean="0">
-                <a:solidFill>
-                  <a:schemeClr val="bg1"/>
-                </a:solidFill>
-              </a:rPr>
-              <a:t>XDR</a:t>
-            </a:r>
-            <a:r>
-              <a:rPr lang="en-US" dirty="0" smtClean="0">
-                <a:solidFill>
-                  <a:schemeClr val="bg1"/>
-                </a:solidFill>
-              </a:rPr>
-              <a:t> </a:t>
-            </a:r>
-            <a:r>
-              <a:rPr lang="ru-RU" dirty="0" smtClean="0">
-                <a:solidFill>
-                  <a:schemeClr val="bg1"/>
-                </a:solidFill>
-              </a:rPr>
-              <a:t>на </a:t>
-            </a:r>
-            <a:r>
-              <a:rPr lang="en-US" b="1" dirty="0" err="1" smtClean="0">
-                <a:solidFill>
-                  <a:schemeClr val="bg1"/>
-                </a:solidFill>
-              </a:rPr>
-              <a:t>ProtoBuf</a:t>
-            </a:r>
-            <a:endParaRPr lang="ru-RU" b="1" dirty="0">
-              <a:solidFill>
-                <a:schemeClr val="bg1"/>
-              </a:solidFill>
-            </a:endParaRPr>
-          </a:p>
-        </p:txBody>
-      </p:sp>
-      <p:grpSp>
-        <p:nvGrpSpPr>
-          <p:cNvPr id="6" name="Группа 5"/>
-          <p:cNvGrpSpPr/>
-          <p:nvPr/>
-        </p:nvGrpSpPr>
-        <p:grpSpPr>
-          <a:xfrm>
-            <a:off x="5460066" y="2588566"/>
-            <a:ext cx="2487144" cy="2530497"/>
-            <a:chOff x="4942351" y="2548222"/>
-            <a:chExt cx="2487144" cy="2530497"/>
-          </a:xfrm>
-        </p:grpSpPr>
-        <p:sp>
-          <p:nvSpPr>
-            <p:cNvPr id="7" name="Прямоугольник 6"/>
-            <p:cNvSpPr/>
-            <p:nvPr/>
-          </p:nvSpPr>
-          <p:spPr>
-            <a:xfrm>
-              <a:off x="4942351" y="2548222"/>
-              <a:ext cx="2487144" cy="2530497"/>
-            </a:xfrm>
-            <a:prstGeom prst="rect">
-              <a:avLst/>
-            </a:prstGeom>
-            <a:noFill/>
-            <a:ln w="28575"/>
-          </p:spPr>
-          <p:style>
-            <a:lnRef idx="2">
-              <a:schemeClr val="accent4"/>
-            </a:lnRef>
-            <a:fillRef idx="1">
-              <a:schemeClr val="lt1"/>
-            </a:fillRef>
-            <a:effectRef idx="0">
-              <a:schemeClr val="accent4"/>
-            </a:effectRef>
-            <a:fontRef idx="minor">
-              <a:schemeClr val="dk1"/>
-            </a:fontRef>
-          </p:style>
-          <p:txBody>
-            <a:bodyPr rtlCol="0" anchor="b" anchorCtr="0"/>
-            <a:lstStyle/>
-            <a:p>
-              <a:pPr algn="ctr"/>
-              <a:endParaRPr lang="ru-RU" dirty="0">
-                <a:solidFill>
-                  <a:schemeClr val="tx1"/>
-                </a:solidFill>
-              </a:endParaRPr>
-            </a:p>
-          </p:txBody>
-        </p:sp>
-        <p:sp>
-          <p:nvSpPr>
-            <p:cNvPr id="8" name="Прямоугольник 7"/>
-            <p:cNvSpPr/>
-            <p:nvPr/>
-          </p:nvSpPr>
-          <p:spPr>
-            <a:xfrm>
-              <a:off x="5016315" y="2642347"/>
-              <a:ext cx="2332503" cy="2362717"/>
-            </a:xfrm>
-            <a:prstGeom prst="rect">
-              <a:avLst/>
-            </a:prstGeom>
-            <a:ln w="28575"/>
-          </p:spPr>
-          <p:style>
-            <a:lnRef idx="2">
-              <a:schemeClr val="accent4"/>
-            </a:lnRef>
-            <a:fillRef idx="1">
-              <a:schemeClr val="lt1"/>
-            </a:fillRef>
-            <a:effectRef idx="0">
-              <a:schemeClr val="accent4"/>
-            </a:effectRef>
-            <a:fontRef idx="minor">
-              <a:schemeClr val="dk1"/>
-            </a:fontRef>
-          </p:style>
-          <p:txBody>
-            <a:bodyPr rtlCol="0" anchor="b" anchorCtr="0"/>
-            <a:lstStyle/>
-            <a:p>
-              <a:pPr algn="ctr"/>
-              <a:r>
-                <a:rPr lang="ru-RU" dirty="0" smtClean="0">
-                  <a:solidFill>
-                    <a:schemeClr val="tx1"/>
-                  </a:solidFill>
-                </a:rPr>
-                <a:t>Дистрибутив </a:t>
-              </a:r>
-              <a:r>
-                <a:rPr lang="en-US" dirty="0" smtClean="0">
-                  <a:solidFill>
-                    <a:schemeClr val="tx1"/>
-                  </a:solidFill>
-                </a:rPr>
-                <a:t>Linux</a:t>
-              </a:r>
-              <a:endParaRPr lang="ru-RU" dirty="0" smtClean="0">
-                <a:solidFill>
-                  <a:schemeClr val="tx1"/>
-                </a:solidFill>
-              </a:endParaRPr>
-            </a:p>
-          </p:txBody>
-        </p:sp>
-        <p:sp>
-          <p:nvSpPr>
-            <p:cNvPr id="9" name="Скругленный прямоугольник 8"/>
-            <p:cNvSpPr/>
-            <p:nvPr/>
-          </p:nvSpPr>
-          <p:spPr>
-            <a:xfrm>
-              <a:off x="5170957" y="2803402"/>
-              <a:ext cx="2016496" cy="646404"/>
-            </a:xfrm>
-            <a:prstGeom prst="roundRect">
-              <a:avLst/>
-            </a:prstGeom>
-            <a:ln w="28575">
-              <a:solidFill>
-                <a:schemeClr val="tx1"/>
-              </a:solidFill>
-            </a:ln>
-          </p:spPr>
-          <p:style>
-            <a:lnRef idx="2">
-              <a:schemeClr val="accent4"/>
-            </a:lnRef>
-            <a:fillRef idx="1">
-              <a:schemeClr val="lt1"/>
-            </a:fillRef>
-            <a:effectRef idx="0">
-              <a:schemeClr val="accent4"/>
-            </a:effectRef>
-            <a:fontRef idx="minor">
-              <a:schemeClr val="dk1"/>
-            </a:fontRef>
-          </p:style>
-          <p:txBody>
-            <a:bodyPr rtlCol="0" anchor="ctr"/>
-            <a:lstStyle/>
-            <a:p>
-              <a:pPr algn="ctr"/>
-              <a:r>
-                <a:rPr lang="ru-RU" dirty="0" smtClean="0">
-                  <a:solidFill>
-                    <a:schemeClr val="tx1"/>
-                  </a:solidFill>
-                </a:rPr>
-                <a:t>Демон</a:t>
-              </a:r>
-              <a:endParaRPr lang="ru-RU" dirty="0">
-                <a:solidFill>
-                  <a:schemeClr val="tx1"/>
-                </a:solidFill>
-              </a:endParaRPr>
-            </a:p>
-          </p:txBody>
-        </p:sp>
-      </p:grpSp>
-      <p:sp>
-        <p:nvSpPr>
-          <p:cNvPr id="10" name="Прямоугольник 9"/>
-          <p:cNvSpPr/>
-          <p:nvPr/>
-        </p:nvSpPr>
-        <p:spPr>
-          <a:xfrm>
-            <a:off x="5284895" y="2460815"/>
-            <a:ext cx="4538186" cy="2803907"/>
-          </a:xfrm>
-          <a:prstGeom prst="rect">
-            <a:avLst/>
-          </a:prstGeom>
-          <a:noFill/>
-          <a:ln w="28575">
-            <a:solidFill>
-              <a:schemeClr val="tx1"/>
-            </a:solidFill>
-          </a:ln>
-        </p:spPr>
-        <p:style>
-          <a:lnRef idx="2">
-            <a:schemeClr val="accent1">
-              <a:shade val="50000"/>
-            </a:schemeClr>
-          </a:lnRef>
-          <a:fillRef idx="1">
-            <a:schemeClr val="accent1"/>
-          </a:fillRef>
-          <a:effectRef idx="0">
-            <a:schemeClr val="accent1"/>
-          </a:effectRef>
-          <a:fontRef idx="minor">
-            <a:schemeClr val="lt1"/>
-          </a:fontRef>
-        </p:style>
-        <p:txBody>
-          <a:bodyPr rtlCol="0" anchor="t" anchorCtr="0"/>
-          <a:lstStyle/>
-          <a:p>
-            <a:pPr algn="r"/>
-            <a:r>
-              <a:rPr lang="ru-RU" dirty="0" smtClean="0">
-                <a:solidFill>
-                  <a:schemeClr val="tx1"/>
-                </a:solidFill>
-              </a:rPr>
-              <a:t>Виртуальная</a:t>
-            </a:r>
-          </a:p>
-          <a:p>
-            <a:pPr algn="r"/>
-            <a:r>
-              <a:rPr lang="ru-RU" dirty="0" smtClean="0">
-                <a:solidFill>
-                  <a:schemeClr val="tx1"/>
-                </a:solidFill>
-              </a:rPr>
-              <a:t>машина</a:t>
-            </a:r>
-            <a:endParaRPr lang="ru-RU" dirty="0">
-              <a:solidFill>
-                <a:schemeClr val="tx1"/>
-              </a:solidFill>
-            </a:endParaRPr>
-          </a:p>
-        </p:txBody>
-      </p:sp>
-      <p:grpSp>
-        <p:nvGrpSpPr>
-          <p:cNvPr id="11" name="Группа 10"/>
-          <p:cNvGrpSpPr/>
-          <p:nvPr/>
-        </p:nvGrpSpPr>
-        <p:grpSpPr>
-          <a:xfrm>
-            <a:off x="1140765" y="2588566"/>
-            <a:ext cx="1938614" cy="2330924"/>
-            <a:chOff x="649945" y="2420471"/>
-            <a:chExt cx="1938614" cy="2330924"/>
-          </a:xfrm>
-        </p:grpSpPr>
-        <p:sp>
-          <p:nvSpPr>
-            <p:cNvPr id="12" name="Прямоугольник 11"/>
-            <p:cNvSpPr/>
-            <p:nvPr/>
-          </p:nvSpPr>
-          <p:spPr>
-            <a:xfrm>
-              <a:off x="649945" y="2420471"/>
-              <a:ext cx="1938614" cy="2330924"/>
-            </a:xfrm>
-            <a:prstGeom prst="rect">
-              <a:avLst/>
-            </a:prstGeom>
-            <a:ln w="28575"/>
-          </p:spPr>
-          <p:style>
-            <a:lnRef idx="2">
-              <a:schemeClr val="accent5"/>
-            </a:lnRef>
-            <a:fillRef idx="1">
-              <a:schemeClr val="lt1"/>
-            </a:fillRef>
-            <a:effectRef idx="0">
-              <a:schemeClr val="accent5"/>
-            </a:effectRef>
-            <a:fontRef idx="minor">
-              <a:schemeClr val="dk1"/>
-            </a:fontRef>
-          </p:style>
-          <p:txBody>
-            <a:bodyPr rtlCol="0" anchor="t" anchorCtr="0"/>
-            <a:lstStyle/>
-            <a:p>
-              <a:pPr algn="ctr"/>
-              <a:endParaRPr lang="ru-RU" dirty="0" smtClean="0">
-                <a:solidFill>
-                  <a:schemeClr val="tx1"/>
-                </a:solidFill>
-              </a:endParaRPr>
-            </a:p>
-            <a:p>
-              <a:pPr algn="ctr"/>
-              <a:r>
-                <a:rPr lang="ru-RU" dirty="0" smtClean="0">
-                  <a:solidFill>
-                    <a:schemeClr val="tx1"/>
-                  </a:solidFill>
-                </a:rPr>
-                <a:t>Приложение</a:t>
-              </a:r>
-            </a:p>
-            <a:p>
-              <a:pPr algn="ctr"/>
-              <a:r>
-                <a:rPr lang="ru-RU" dirty="0" smtClean="0">
-                  <a:solidFill>
-                    <a:schemeClr val="tx1"/>
-                  </a:solidFill>
-                </a:rPr>
-                <a:t>ОС </a:t>
-              </a:r>
-              <a:r>
-                <a:rPr lang="en-US" dirty="0" smtClean="0">
-                  <a:solidFill>
-                    <a:schemeClr val="tx1"/>
-                  </a:solidFill>
-                </a:rPr>
-                <a:t>Windows</a:t>
-              </a:r>
-              <a:endParaRPr lang="ru-RU" dirty="0">
-                <a:solidFill>
-                  <a:schemeClr val="tx1"/>
-                </a:solidFill>
-              </a:endParaRPr>
-            </a:p>
-          </p:txBody>
-        </p:sp>
-        <p:sp>
-          <p:nvSpPr>
-            <p:cNvPr id="13" name="Прямоугольник 12"/>
-            <p:cNvSpPr/>
-            <p:nvPr/>
-          </p:nvSpPr>
-          <p:spPr>
-            <a:xfrm>
-              <a:off x="649945" y="4121639"/>
-              <a:ext cx="1938614" cy="629754"/>
-            </a:xfrm>
-            <a:prstGeom prst="rect">
-              <a:avLst/>
-            </a:prstGeom>
-            <a:ln w="28575"/>
-          </p:spPr>
-          <p:style>
-            <a:lnRef idx="2">
-              <a:schemeClr val="accent5"/>
-            </a:lnRef>
-            <a:fillRef idx="1">
-              <a:schemeClr val="lt1"/>
-            </a:fillRef>
-            <a:effectRef idx="0">
-              <a:schemeClr val="accent5"/>
-            </a:effectRef>
-            <a:fontRef idx="minor">
-              <a:schemeClr val="dk1"/>
-            </a:fontRef>
-          </p:style>
-          <p:txBody>
-            <a:bodyPr rtlCol="0" anchor="ctr"/>
-            <a:lstStyle/>
-            <a:p>
-              <a:pPr algn="ctr"/>
-              <a:r>
-                <a:rPr lang="ru-RU" dirty="0" smtClean="0">
-                  <a:solidFill>
-                    <a:schemeClr val="tx1"/>
-                  </a:solidFill>
-                </a:rPr>
-                <a:t>Библиотека (</a:t>
-              </a:r>
-              <a:r>
-                <a:rPr lang="en-US" dirty="0" smtClean="0">
-                  <a:solidFill>
-                    <a:schemeClr val="tx1"/>
-                  </a:solidFill>
-                </a:rPr>
-                <a:t>DLL</a:t>
-              </a:r>
-              <a:r>
-                <a:rPr lang="ru-RU" dirty="0" smtClean="0">
-                  <a:solidFill>
-                    <a:schemeClr val="tx1"/>
-                  </a:solidFill>
-                </a:rPr>
-                <a:t>)</a:t>
-              </a:r>
-              <a:endParaRPr lang="ru-RU" dirty="0">
-                <a:solidFill>
-                  <a:schemeClr val="tx1"/>
-                </a:solidFill>
-              </a:endParaRPr>
-            </a:p>
-          </p:txBody>
-        </p:sp>
-        <p:sp>
-          <p:nvSpPr>
-            <p:cNvPr id="14" name="Прямоугольник 13"/>
-            <p:cNvSpPr/>
-            <p:nvPr/>
-          </p:nvSpPr>
-          <p:spPr>
-            <a:xfrm>
-              <a:off x="728381" y="4195480"/>
-              <a:ext cx="1786219" cy="486423"/>
-            </a:xfrm>
-            <a:prstGeom prst="rect">
-              <a:avLst/>
-            </a:prstGeom>
-            <a:noFill/>
-            <a:ln w="28575"/>
-          </p:spPr>
-          <p:style>
-            <a:lnRef idx="2">
-              <a:schemeClr val="accent5"/>
-            </a:lnRef>
-            <a:fillRef idx="1">
-              <a:schemeClr val="lt1"/>
-            </a:fillRef>
-            <a:effectRef idx="0">
-              <a:schemeClr val="accent5"/>
-            </a:effectRef>
-            <a:fontRef idx="minor">
-              <a:schemeClr val="dk1"/>
-            </a:fontRef>
-          </p:style>
-          <p:txBody>
-            <a:bodyPr rtlCol="0" anchor="ctr"/>
-            <a:lstStyle/>
-            <a:p>
-              <a:pPr algn="ctr"/>
-              <a:endParaRPr lang="ru-RU" dirty="0">
-                <a:solidFill>
-                  <a:schemeClr val="tx1"/>
-                </a:solidFill>
-              </a:endParaRPr>
-            </a:p>
-          </p:txBody>
-        </p:sp>
-      </p:grpSp>
-      <p:sp>
-        <p:nvSpPr>
-          <p:cNvPr id="15" name="Скругленный прямоугольник 14"/>
-          <p:cNvSpPr/>
-          <p:nvPr/>
-        </p:nvSpPr>
-        <p:spPr>
-          <a:xfrm>
-            <a:off x="5695390" y="3830456"/>
-            <a:ext cx="2016496" cy="646404"/>
-          </a:xfrm>
-          <a:prstGeom prst="roundRect">
-            <a:avLst/>
-          </a:prstGeom>
-          <a:ln w="28575">
-            <a:solidFill>
-              <a:schemeClr val="tx1"/>
-            </a:solidFill>
-          </a:ln>
-        </p:spPr>
-        <p:style>
-          <a:lnRef idx="2">
-            <a:schemeClr val="accent4"/>
-          </a:lnRef>
-          <a:fillRef idx="1">
-            <a:schemeClr val="lt1"/>
-          </a:fillRef>
-          <a:effectRef idx="0">
-            <a:schemeClr val="accent4"/>
-          </a:effectRef>
-          <a:fontRef idx="minor">
-            <a:schemeClr val="dk1"/>
-          </a:fontRef>
-        </p:style>
-        <p:txBody>
-          <a:bodyPr rtlCol="0" anchor="ctr"/>
-          <a:lstStyle/>
-          <a:p>
-            <a:pPr algn="ctr"/>
-            <a:r>
-              <a:rPr lang="ru-RU" dirty="0" smtClean="0">
-                <a:solidFill>
-                  <a:schemeClr val="tx1"/>
-                </a:solidFill>
-              </a:rPr>
-              <a:t>Драйверы</a:t>
-            </a:r>
-            <a:endParaRPr lang="ru-RU" dirty="0">
-              <a:solidFill>
-                <a:schemeClr val="tx1"/>
-              </a:solidFill>
-            </a:endParaRPr>
-          </a:p>
-        </p:txBody>
-      </p:sp>
-      <p:cxnSp>
-        <p:nvCxnSpPr>
-          <p:cNvPr id="16" name="Прямая соединительная линия 15"/>
-          <p:cNvCxnSpPr>
-            <a:endCxn id="15" idx="0"/>
-          </p:cNvCxnSpPr>
-          <p:nvPr/>
-        </p:nvCxnSpPr>
-        <p:spPr>
-          <a:xfrm>
-            <a:off x="6700281" y="3490150"/>
-            <a:ext cx="3357" cy="340306"/>
-          </a:xfrm>
-          <a:prstGeom prst="line">
-            <a:avLst/>
-          </a:prstGeom>
-          <a:ln w="28575">
-            <a:solidFill>
-              <a:schemeClr val="tx1"/>
-            </a:solidFill>
-            <a:headEnd type="triangle" w="med" len="med"/>
-            <a:tailEnd type="triangle" w="med" len="med"/>
-          </a:ln>
-        </p:spPr>
-        <p:style>
-          <a:lnRef idx="1">
-            <a:schemeClr val="accent1"/>
-          </a:lnRef>
-          <a:fillRef idx="0">
-            <a:schemeClr val="accent1"/>
-          </a:fillRef>
-          <a:effectRef idx="0">
-            <a:schemeClr val="accent1"/>
-          </a:effectRef>
-          <a:fontRef idx="minor">
-            <a:schemeClr val="tx1"/>
-          </a:fontRef>
-        </p:style>
-      </p:cxnSp>
-      <p:cxnSp>
-        <p:nvCxnSpPr>
-          <p:cNvPr id="17" name="Прямая соединительная линия 16"/>
-          <p:cNvCxnSpPr>
-            <a:stCxn id="15" idx="3"/>
-            <a:endCxn id="19" idx="1"/>
-          </p:cNvCxnSpPr>
-          <p:nvPr/>
-        </p:nvCxnSpPr>
-        <p:spPr>
-          <a:xfrm>
-            <a:off x="7711886" y="4153658"/>
-            <a:ext cx="1069042" cy="7879"/>
-          </a:xfrm>
-          <a:prstGeom prst="line">
-            <a:avLst/>
-          </a:prstGeom>
-          <a:ln w="28575">
-            <a:solidFill>
-              <a:schemeClr val="accent4">
-                <a:lumMod val="75000"/>
-              </a:schemeClr>
-            </a:solidFill>
-            <a:prstDash val="sysDash"/>
-            <a:headEnd type="triangle" w="med" len="med"/>
-            <a:tailEnd type="triangle" w="med" len="med"/>
-          </a:ln>
-        </p:spPr>
-        <p:style>
-          <a:lnRef idx="1">
-            <a:schemeClr val="accent4"/>
-          </a:lnRef>
-          <a:fillRef idx="0">
-            <a:schemeClr val="accent4"/>
-          </a:fillRef>
-          <a:effectRef idx="0">
-            <a:schemeClr val="accent4"/>
-          </a:effectRef>
-          <a:fontRef idx="minor">
-            <a:schemeClr val="tx1"/>
-          </a:fontRef>
-        </p:style>
-      </p:cxnSp>
-      <p:cxnSp>
-        <p:nvCxnSpPr>
-          <p:cNvPr id="23" name="Соединительная линия уступом 22"/>
-          <p:cNvCxnSpPr>
-            <a:endCxn id="9" idx="1"/>
-          </p:cNvCxnSpPr>
-          <p:nvPr/>
-        </p:nvCxnSpPr>
-        <p:spPr>
-          <a:xfrm flipV="1">
-            <a:off x="3089646" y="3166948"/>
-            <a:ext cx="2599026" cy="1450684"/>
-          </a:xfrm>
-          <a:prstGeom prst="bentConnector3">
-            <a:avLst/>
-          </a:prstGeom>
-          <a:ln w="28575">
-            <a:headEnd type="triangle" w="med" len="med"/>
-            <a:tailEnd type="triangle" w="med" len="med"/>
-          </a:ln>
-        </p:spPr>
-        <p:style>
-          <a:lnRef idx="1">
-            <a:schemeClr val="accent1"/>
-          </a:lnRef>
-          <a:fillRef idx="0">
-            <a:schemeClr val="accent1"/>
-          </a:fillRef>
-          <a:effectRef idx="0">
-            <a:schemeClr val="accent1"/>
-          </a:effectRef>
-          <a:fontRef idx="minor">
-            <a:schemeClr val="tx1"/>
-          </a:fontRef>
-        </p:style>
-      </p:cxnSp>
-      <p:sp>
-        <p:nvSpPr>
-          <p:cNvPr id="24" name="TextBox 23"/>
-          <p:cNvSpPr txBox="1"/>
-          <p:nvPr/>
-        </p:nvSpPr>
-        <p:spPr>
-          <a:xfrm>
-            <a:off x="10078570" y="4796250"/>
-            <a:ext cx="1519775" cy="646331"/>
-          </a:xfrm>
-          <a:prstGeom prst="rect">
-            <a:avLst/>
-          </a:prstGeom>
-          <a:noFill/>
-        </p:spPr>
-        <p:txBody>
-          <a:bodyPr wrap="none" rtlCol="0">
-            <a:spAutoFit/>
-          </a:bodyPr>
-          <a:lstStyle/>
-          <a:p>
-            <a:pPr algn="ctr"/>
-            <a:r>
-              <a:rPr lang="ru-RU" dirty="0" smtClean="0"/>
-              <a:t>Устройство</a:t>
-            </a:r>
-          </a:p>
-          <a:p>
-            <a:pPr algn="ctr"/>
-            <a:r>
-              <a:rPr lang="ru-RU" dirty="0" smtClean="0"/>
-              <a:t>(образ диска)</a:t>
-            </a:r>
-            <a:endParaRPr lang="ru-RU" dirty="0"/>
-          </a:p>
-        </p:txBody>
-      </p:sp>
-      <p:sp>
-        <p:nvSpPr>
-          <p:cNvPr id="25" name="TextBox 24"/>
-          <p:cNvSpPr txBox="1"/>
-          <p:nvPr/>
-        </p:nvSpPr>
-        <p:spPr>
-          <a:xfrm>
-            <a:off x="10301598" y="1561475"/>
-            <a:ext cx="797013" cy="369332"/>
-          </a:xfrm>
-          <a:prstGeom prst="rect">
-            <a:avLst/>
-          </a:prstGeom>
-          <a:noFill/>
-          <a:ln w="12700">
-            <a:solidFill>
-              <a:schemeClr val="tx1"/>
-            </a:solidFill>
-            <a:prstDash val="dash"/>
-          </a:ln>
-        </p:spPr>
-        <p:txBody>
-          <a:bodyPr wrap="none" rtlCol="0">
-            <a:spAutoFit/>
-          </a:bodyPr>
-          <a:lstStyle/>
-          <a:p>
-            <a:r>
-              <a:rPr lang="en-US" dirty="0" smtClean="0"/>
-              <a:t>QEMU</a:t>
-            </a:r>
-          </a:p>
-        </p:txBody>
-      </p:sp>
-      <p:cxnSp>
-        <p:nvCxnSpPr>
-          <p:cNvPr id="26" name="Прямая соединительная линия 25"/>
-          <p:cNvCxnSpPr>
-            <a:stCxn id="25" idx="1"/>
-          </p:cNvCxnSpPr>
-          <p:nvPr/>
-        </p:nvCxnSpPr>
-        <p:spPr>
-          <a:xfrm flipH="1">
-            <a:off x="9823082" y="1746141"/>
-            <a:ext cx="478516" cy="699646"/>
-          </a:xfrm>
-          <a:prstGeom prst="line">
-            <a:avLst/>
-          </a:prstGeom>
-          <a:ln w="12700">
-            <a:solidFill>
-              <a:schemeClr val="tx1"/>
-            </a:solidFill>
-            <a:prstDash val="dash"/>
-          </a:ln>
-        </p:spPr>
-        <p:style>
-          <a:lnRef idx="1">
-            <a:schemeClr val="accent1"/>
-          </a:lnRef>
-          <a:fillRef idx="0">
-            <a:schemeClr val="accent1"/>
-          </a:fillRef>
-          <a:effectRef idx="0">
-            <a:schemeClr val="accent1"/>
-          </a:effectRef>
-          <a:fontRef idx="minor">
-            <a:schemeClr val="tx1"/>
-          </a:fontRef>
-        </p:style>
-      </p:cxnSp>
-      <p:sp>
-        <p:nvSpPr>
-          <p:cNvPr id="27" name="TextBox 26"/>
-          <p:cNvSpPr txBox="1"/>
-          <p:nvPr/>
-        </p:nvSpPr>
-        <p:spPr>
-          <a:xfrm>
-            <a:off x="3284629" y="5526741"/>
-            <a:ext cx="1594026" cy="369332"/>
-          </a:xfrm>
-          <a:prstGeom prst="rect">
-            <a:avLst/>
-          </a:prstGeom>
-          <a:noFill/>
-          <a:ln w="12700">
-            <a:solidFill>
-              <a:srgbClr val="1580D0"/>
-            </a:solidFill>
-            <a:prstDash val="dash"/>
-          </a:ln>
-        </p:spPr>
-        <p:txBody>
-          <a:bodyPr wrap="none" rtlCol="0">
-            <a:spAutoFit/>
-          </a:bodyPr>
-          <a:lstStyle/>
-          <a:p>
-            <a:r>
-              <a:rPr lang="ru-RU" dirty="0" smtClean="0"/>
-              <a:t>Протокол </a:t>
-            </a:r>
-            <a:r>
-              <a:rPr lang="en-US" dirty="0" smtClean="0"/>
-              <a:t>XDR</a:t>
-            </a:r>
-            <a:endParaRPr lang="ru-RU" dirty="0"/>
-          </a:p>
-        </p:txBody>
-      </p:sp>
-      <p:cxnSp>
-        <p:nvCxnSpPr>
-          <p:cNvPr id="28" name="Прямая соединительная линия 27"/>
-          <p:cNvCxnSpPr>
-            <a:stCxn id="27" idx="0"/>
-          </p:cNvCxnSpPr>
-          <p:nvPr/>
-        </p:nvCxnSpPr>
-        <p:spPr>
-          <a:xfrm flipH="1" flipV="1">
-            <a:off x="4064362" y="4597887"/>
-            <a:ext cx="17280" cy="928854"/>
-          </a:xfrm>
-          <a:prstGeom prst="line">
-            <a:avLst/>
-          </a:prstGeom>
-          <a:ln w="12700">
-            <a:solidFill>
-              <a:srgbClr val="1580D0"/>
-            </a:solidFill>
-            <a:prstDash val="dash"/>
-          </a:ln>
-        </p:spPr>
-        <p:style>
-          <a:lnRef idx="1">
-            <a:schemeClr val="accent1"/>
-          </a:lnRef>
-          <a:fillRef idx="0">
-            <a:schemeClr val="accent1"/>
-          </a:fillRef>
-          <a:effectRef idx="0">
-            <a:schemeClr val="accent1"/>
-          </a:effectRef>
-          <a:fontRef idx="minor">
-            <a:schemeClr val="tx1"/>
-          </a:fontRef>
-        </p:style>
-      </p:cxnSp>
-      <p:sp>
-        <p:nvSpPr>
-          <p:cNvPr id="29" name="TextBox 28"/>
-          <p:cNvSpPr txBox="1"/>
-          <p:nvPr/>
-        </p:nvSpPr>
-        <p:spPr>
-          <a:xfrm>
-            <a:off x="3051520" y="6171684"/>
-            <a:ext cx="2045816" cy="369332"/>
-          </a:xfrm>
-          <a:prstGeom prst="rect">
-            <a:avLst/>
-          </a:prstGeom>
-          <a:noFill/>
-          <a:ln w="12700">
-            <a:solidFill>
-              <a:srgbClr val="1580D0"/>
-            </a:solidFill>
-            <a:prstDash val="dash"/>
-          </a:ln>
-        </p:spPr>
-        <p:txBody>
-          <a:bodyPr wrap="none" rtlCol="0">
-            <a:spAutoFit/>
-          </a:bodyPr>
-          <a:lstStyle/>
-          <a:p>
-            <a:r>
-              <a:rPr lang="ru-RU" b="1" dirty="0" smtClean="0"/>
-              <a:t>Протокол </a:t>
-            </a:r>
-            <a:r>
-              <a:rPr lang="en-US" b="1" dirty="0" err="1" smtClean="0"/>
-              <a:t>ProtoBuf</a:t>
-            </a:r>
-            <a:endParaRPr lang="ru-RU" b="1" dirty="0"/>
-          </a:p>
-        </p:txBody>
-      </p:sp>
-      <p:cxnSp>
-        <p:nvCxnSpPr>
-          <p:cNvPr id="30" name="Прямая соединительная линия 29"/>
-          <p:cNvCxnSpPr>
-            <a:stCxn id="29" idx="0"/>
-            <a:endCxn id="27" idx="2"/>
-          </p:cNvCxnSpPr>
-          <p:nvPr/>
-        </p:nvCxnSpPr>
-        <p:spPr>
-          <a:xfrm flipV="1">
-            <a:off x="4074428" y="5896073"/>
-            <a:ext cx="7214" cy="275611"/>
-          </a:xfrm>
-          <a:prstGeom prst="line">
-            <a:avLst/>
-          </a:prstGeom>
-          <a:ln w="12700">
-            <a:solidFill>
-              <a:srgbClr val="1580D0"/>
-            </a:solidFill>
-            <a:prstDash val="dash"/>
-          </a:ln>
-        </p:spPr>
-        <p:style>
-          <a:lnRef idx="1">
-            <a:schemeClr val="accent1"/>
-          </a:lnRef>
-          <a:fillRef idx="0">
-            <a:schemeClr val="accent1"/>
-          </a:fillRef>
-          <a:effectRef idx="0">
-            <a:schemeClr val="accent1"/>
-          </a:effectRef>
-          <a:fontRef idx="minor">
-            <a:schemeClr val="tx1"/>
-          </a:fontRef>
-        </p:style>
-      </p:cxnSp>
-      <p:cxnSp>
-        <p:nvCxnSpPr>
-          <p:cNvPr id="34" name="Прямая соединительная линия 33"/>
-          <p:cNvCxnSpPr/>
-          <p:nvPr/>
-        </p:nvCxnSpPr>
-        <p:spPr>
-          <a:xfrm>
-            <a:off x="2971801" y="5338682"/>
-            <a:ext cx="2279475" cy="705772"/>
-          </a:xfrm>
-          <a:prstGeom prst="line">
-            <a:avLst/>
-          </a:prstGeom>
-          <a:ln w="28575">
-            <a:solidFill>
-              <a:srgbClr val="FF0000"/>
-            </a:solidFill>
-          </a:ln>
-        </p:spPr>
-        <p:style>
-          <a:lnRef idx="1">
-            <a:schemeClr val="accent1"/>
-          </a:lnRef>
-          <a:fillRef idx="0">
-            <a:schemeClr val="accent1"/>
-          </a:fillRef>
-          <a:effectRef idx="0">
-            <a:schemeClr val="accent1"/>
-          </a:effectRef>
-          <a:fontRef idx="minor">
-            <a:schemeClr val="tx1"/>
-          </a:fontRef>
-        </p:style>
-      </p:cxnSp>
-      <p:cxnSp>
-        <p:nvCxnSpPr>
-          <p:cNvPr id="35" name="Прямая соединительная линия 34"/>
-          <p:cNvCxnSpPr/>
-          <p:nvPr/>
-        </p:nvCxnSpPr>
-        <p:spPr>
-          <a:xfrm flipV="1">
-            <a:off x="2915770" y="5349888"/>
-            <a:ext cx="2279475" cy="705772"/>
-          </a:xfrm>
-          <a:prstGeom prst="line">
-            <a:avLst/>
-          </a:prstGeom>
-          <a:ln w="28575">
-            <a:solidFill>
-              <a:srgbClr val="FF0000"/>
-            </a:solidFill>
-          </a:ln>
-        </p:spPr>
-        <p:style>
-          <a:lnRef idx="1">
-            <a:schemeClr val="accent1"/>
-          </a:lnRef>
-          <a:fillRef idx="0">
-            <a:schemeClr val="accent1"/>
-          </a:fillRef>
-          <a:effectRef idx="0">
-            <a:schemeClr val="accent1"/>
-          </a:effectRef>
-          <a:fontRef idx="minor">
-            <a:schemeClr val="tx1"/>
-          </a:fontRef>
-        </p:style>
-      </p:cxnSp>
-      <p:grpSp>
-        <p:nvGrpSpPr>
-          <p:cNvPr id="40" name="Группа 39"/>
-          <p:cNvGrpSpPr/>
-          <p:nvPr/>
-        </p:nvGrpSpPr>
-        <p:grpSpPr>
-          <a:xfrm>
-            <a:off x="8444753" y="3500059"/>
-            <a:ext cx="2904568" cy="1291678"/>
-            <a:chOff x="8444753" y="3500059"/>
-            <a:chExt cx="2904568" cy="1291678"/>
-          </a:xfrm>
-        </p:grpSpPr>
-        <p:pic>
-          <p:nvPicPr>
-            <p:cNvPr id="41" name="Picture 2" descr="https://lh5.googleusercontent.com/ogmzoLgKTxAugj2t40EGiIh2QefPetj5pVjXvWpnpsCwbHCing3hbfa6fs6FQSJ-bkkbfSl1hqaxrkolwuwW_GiPl2AjYcEnfOVdoMOvw7fekm8OzgiH2AnrVmE564436P9MFmiPrQ"/>
-            <p:cNvPicPr>
-              <a:picLocks noChangeAspect="1" noChangeArrowheads="1"/>
-            </p:cNvPicPr>
-            <p:nvPr/>
-          </p:nvPicPr>
-          <p:blipFill>
-            <a:blip r:embed="rId3" cstate="print">
-              <a:extLst>
-                <a:ext uri="{BEBA8EAE-BF5A-486C-A8C5-ECC9F3942E4B}">
-                  <a14:imgProps xmlns:a14="http://schemas.microsoft.com/office/drawing/2010/main">
-                    <a14:imgLayer r:embed="rId4">
-                      <a14:imgEffect>
-                        <a14:saturation sat="66000"/>
-                      </a14:imgEffect>
-                    </a14:imgLayer>
-                  </a14:imgProps>
-                </a:ext>
-                <a:ext uri="{28A0092B-C50C-407E-A947-70E740481C1C}">
-                  <a14:useLocalDpi xmlns:a14="http://schemas.microsoft.com/office/drawing/2010/main" val="0"/>
-                </a:ext>
-              </a:extLst>
-            </a:blip>
-            <a:srcRect/>
-            <a:stretch>
-              <a:fillRect/>
-            </a:stretch>
-          </p:blipFill>
-          <p:spPr bwMode="auto">
-            <a:xfrm>
-              <a:off x="8780928" y="3705441"/>
-              <a:ext cx="912191" cy="912191"/>
-            </a:xfrm>
-            <a:prstGeom prst="rect">
-              <a:avLst/>
-            </a:prstGeom>
-            <a:noFill/>
-            <a:extLst>
-              <a:ext uri="{909E8E84-426E-40DD-AFC4-6F175D3DCCD1}">
-                <a14:hiddenFill xmlns:a14="http://schemas.microsoft.com/office/drawing/2010/main">
-                  <a:solidFill>
-                    <a:srgbClr val="FFFFFF"/>
-                  </a:solidFill>
-                </a14:hiddenFill>
-              </a:ext>
-            </a:extLst>
-          </p:spPr>
-        </p:pic>
-        <p:cxnSp>
-          <p:nvCxnSpPr>
-            <p:cNvPr id="42" name="Прямая соединительная линия 41"/>
-            <p:cNvCxnSpPr>
-              <a:endCxn id="41" idx="3"/>
-            </p:cNvCxnSpPr>
-            <p:nvPr/>
-          </p:nvCxnSpPr>
-          <p:spPr>
-            <a:xfrm flipH="1">
-              <a:off x="9693119" y="4153658"/>
-              <a:ext cx="761979" cy="7879"/>
-            </a:xfrm>
-            <a:prstGeom prst="line">
-              <a:avLst/>
-            </a:prstGeom>
-            <a:ln w="28575">
-              <a:solidFill>
-                <a:schemeClr val="tx1"/>
-              </a:solidFill>
-              <a:prstDash val="sysDot"/>
-              <a:headEnd type="none" w="med" len="med"/>
-              <a:tailEnd type="none" w="med" len="med"/>
-            </a:ln>
-          </p:spPr>
-          <p:style>
-            <a:lnRef idx="1">
-              <a:schemeClr val="accent1"/>
-            </a:lnRef>
-            <a:fillRef idx="0">
-              <a:schemeClr val="accent1"/>
-            </a:fillRef>
-            <a:effectRef idx="0">
-              <a:schemeClr val="accent1"/>
-            </a:effectRef>
-            <a:fontRef idx="minor">
-              <a:schemeClr val="tx1"/>
-            </a:fontRef>
-          </p:style>
-        </p:cxnSp>
-        <p:sp>
-          <p:nvSpPr>
-            <p:cNvPr id="43" name="Скругленный прямоугольник 42"/>
-            <p:cNvSpPr/>
-            <p:nvPr/>
-          </p:nvSpPr>
-          <p:spPr>
-            <a:xfrm>
-              <a:off x="8444753" y="3500059"/>
-              <a:ext cx="2904568" cy="1291678"/>
-            </a:xfrm>
-            <a:prstGeom prst="roundRect">
-              <a:avLst/>
-            </a:prstGeom>
-            <a:noFill/>
-            <a:ln w="19050">
-              <a:solidFill>
-                <a:schemeClr val="accent4">
-                  <a:lumMod val="75000"/>
-                </a:schemeClr>
-              </a:solidFill>
-              <a:prstDash val="dash"/>
-            </a:ln>
-          </p:spPr>
-          <p:style>
-            <a:lnRef idx="2">
-              <a:schemeClr val="accent1">
-                <a:shade val="50000"/>
-              </a:schemeClr>
-            </a:lnRef>
-            <a:fillRef idx="1">
-              <a:schemeClr val="accent1"/>
-            </a:fillRef>
-            <a:effectRef idx="0">
-              <a:schemeClr val="accent1"/>
-            </a:effectRef>
-            <a:fontRef idx="minor">
-              <a:schemeClr val="lt1"/>
-            </a:fontRef>
-          </p:style>
-          <p:txBody>
-            <a:bodyPr rtlCol="0" anchor="ctr"/>
-            <a:lstStyle/>
-            <a:p>
-              <a:pPr algn="ctr"/>
-              <a:endParaRPr lang="ru-RU"/>
-            </a:p>
-          </p:txBody>
-        </p:sp>
-        <p:pic>
-          <p:nvPicPr>
-            <p:cNvPr id="44" name="Picture 4" descr="https://cdn2.iconfinder.com/data/icons/computer-hardware-3/172/Layer_9-01-512.png"/>
-            <p:cNvPicPr>
-              <a:picLocks noChangeAspect="1" noChangeArrowheads="1"/>
-            </p:cNvPicPr>
-            <p:nvPr/>
-          </p:nvPicPr>
-          <p:blipFill>
-            <a:blip r:embed="rId5" cstate="print">
-              <a:biLevel thresh="50000"/>
-              <a:extLst>
-                <a:ext uri="{28A0092B-C50C-407E-A947-70E740481C1C}">
-                  <a14:useLocalDpi xmlns:a14="http://schemas.microsoft.com/office/drawing/2010/main" val="0"/>
-                </a:ext>
-              </a:extLst>
-            </a:blip>
-            <a:srcRect/>
-            <a:stretch>
-              <a:fillRect/>
-            </a:stretch>
-          </p:blipFill>
-          <p:spPr bwMode="auto">
-            <a:xfrm>
-              <a:off x="10470944" y="3649264"/>
-              <a:ext cx="727491" cy="993268"/>
-            </a:xfrm>
-            <a:prstGeom prst="rect">
-              <a:avLst/>
-            </a:prstGeom>
-            <a:noFill/>
-            <a:extLst>
-              <a:ext uri="{909E8E84-426E-40DD-AFC4-6F175D3DCCD1}">
-                <a14:hiddenFill xmlns:a14="http://schemas.microsoft.com/office/drawing/2010/main">
-                  <a:solidFill>
-                    <a:srgbClr val="FFFFFF"/>
-                  </a:solidFill>
-                </a14:hiddenFill>
-              </a:ext>
-            </a:extLst>
-          </p:spPr>
-        </p:pic>
-      </p:grpSp>
-      <p:sp>
-        <p:nvSpPr>
-          <p:cNvPr id="45" name="Номер слайда 3"/>
-          <p:cNvSpPr>
-            <a:spLocks noGrp="1"/>
-          </p:cNvSpPr>
-          <p:nvPr>
-            <p:ph type="sldNum" sz="quarter" idx="12"/>
-          </p:nvPr>
-        </p:nvSpPr>
-        <p:spPr>
-          <a:xfrm>
-            <a:off x="9242612" y="6414885"/>
-            <a:ext cx="2743200" cy="365125"/>
-          </a:xfrm>
-        </p:spPr>
-        <p:txBody>
-          <a:bodyPr/>
-          <a:lstStyle/>
-          <a:p>
-            <a:r>
-              <a:rPr lang="en-US" dirty="0" smtClean="0"/>
-              <a:t>14/19</a:t>
-            </a:r>
-            <a:endParaRPr lang="ru-RU" dirty="0"/>
-          </a:p>
-        </p:txBody>
-      </p:sp>
-    </p:spTree>
-    <p:extLst>
-      <p:ext uri="{BB962C8B-B14F-4D97-AF65-F5344CB8AC3E}">
-        <p14:creationId xmlns:p14="http://schemas.microsoft.com/office/powerpoint/2010/main" val="2133976351"/>
-      </p:ext>
-    </p:extLst>
-  </p:cSld>
-  <p:clrMapOvr>
-    <a:masterClrMapping/>
-  </p:clrMapOvr>
-  <p:timing>
-    <p:tnLst>
-      <p:par>
-        <p:cTn id="1" dur="indefinite" restart="never" nodeType="tmRoot"/>
-      </p:par>
-    </p:tnLst>
-  </p:timing>
-</p:sld>
-</file>
-
 <file path=ppt/slides/slide3.xml><?xml version="1.0" encoding="utf-8"?>
 <p:sld xmlns:a="http://schemas.openxmlformats.org/drawingml/2006/main" xmlns:r="http://schemas.openxmlformats.org/officeDocument/2006/relationships" xmlns:p="http://schemas.openxmlformats.org/presentationml/2006/main">
   <p:cSld>

--- a/presentation.pptx
+++ b/presentation.pptx
@@ -28,8 +28,8 @@
     <p:sldId id="264" r:id="rId16"/>
     <p:sldId id="276" r:id="rId17"/>
     <p:sldId id="268" r:id="rId18"/>
-    <p:sldId id="281" r:id="rId19"/>
-    <p:sldId id="279" r:id="rId20"/>
+    <p:sldId id="279" r:id="rId19"/>
+    <p:sldId id="281" r:id="rId20"/>
   </p:sldIdLst>
   <p:sldSz cx="12192000" cy="6858000"/>
   <p:notesSz cx="6858000" cy="9144000"/>
@@ -6825,7 +6825,7 @@
           <a:p>
             <a:r>
               <a:rPr lang="ru-RU" sz="2000" dirty="0" smtClean="0"/>
-              <a:t>Санкт-Петербургский академический университет – научно-образовательный центр </a:t>
+              <a:t>Санкт-Петербургский Академический университет – научно-образовательный центр </a:t>
             </a:r>
             <a:r>
               <a:rPr lang="ru-RU" sz="2000" dirty="0" err="1" smtClean="0"/>
@@ -12012,8 +12012,8 @@
         </p:blipFill>
         <p:spPr bwMode="auto">
           <a:xfrm rot="10800000">
-            <a:off x="-6720" y="134472"/>
-            <a:ext cx="12265959" cy="1311088"/>
+            <a:off x="-1" y="1707777"/>
+            <a:ext cx="12265959" cy="2823882"/>
           </a:xfrm>
           <a:prstGeom prst="rect">
             <a:avLst/>
@@ -12032,100 +12032,51 @@
       </p:pic>
       <p:sp>
         <p:nvSpPr>
-          <p:cNvPr id="2" name="Заголовок 1"/>
-          <p:cNvSpPr>
-            <a:spLocks noGrp="1"/>
-          </p:cNvSpPr>
-          <p:nvPr>
-            <p:ph type="title"/>
-          </p:nvPr>
-        </p:nvSpPr>
-        <p:spPr/>
-        <p:txBody>
-          <a:bodyPr/>
-          <a:lstStyle/>
-          <a:p>
-            <a:r>
-              <a:rPr lang="ru-RU" dirty="0" smtClean="0">
-                <a:solidFill>
-                  <a:schemeClr val="bg1"/>
-                </a:solidFill>
-              </a:rPr>
-              <a:t>Дальнейшая работа</a:t>
-            </a:r>
-            <a:endParaRPr lang="ru-RU" dirty="0">
-              <a:solidFill>
-                <a:schemeClr val="bg1"/>
-              </a:solidFill>
-            </a:endParaRPr>
-          </a:p>
-        </p:txBody>
-      </p:sp>
-      <p:sp>
-        <p:nvSpPr>
           <p:cNvPr id="3" name="Объект 2"/>
           <p:cNvSpPr>
             <a:spLocks noGrp="1"/>
           </p:cNvSpPr>
           <p:nvPr>
-            <p:ph idx="1"/>
+            <p:ph type="subTitle" idx="1"/>
           </p:nvPr>
         </p:nvSpPr>
-        <p:spPr/>
+        <p:spPr>
+          <a:xfrm>
+            <a:off x="1628218" y="2661165"/>
+            <a:ext cx="9144000" cy="1655762"/>
+          </a:xfrm>
+        </p:spPr>
         <p:txBody>
-          <a:bodyPr/>
+          <a:bodyPr>
+            <a:normAutofit/>
+          </a:bodyPr>
           <a:lstStyle/>
           <a:p>
-            <a:pPr>
+            <a:pPr marL="0" indent="0">
               <a:lnSpc>
                 <a:spcPct val="150000"/>
               </a:lnSpc>
+              <a:buNone/>
             </a:pPr>
             <a:r>
-              <a:rPr lang="ru-RU" sz="2400" dirty="0" err="1" smtClean="0"/>
-              <a:t>Портировать</a:t>
-            </a:r>
-            <a:r>
-              <a:rPr lang="ru-RU" sz="2400" dirty="0" smtClean="0"/>
-              <a:t> </a:t>
-            </a:r>
-            <a:r>
-              <a:rPr lang="en-US" sz="2400" dirty="0" smtClean="0"/>
-              <a:t>UML (User Mode Linux)</a:t>
-            </a:r>
-            <a:r>
-              <a:rPr lang="ru-RU" sz="2400" dirty="0" smtClean="0"/>
-              <a:t> в </a:t>
-            </a:r>
-            <a:r>
-              <a:rPr lang="en-US" sz="2400" dirty="0" smtClean="0"/>
-              <a:t>Windows</a:t>
-            </a:r>
-          </a:p>
-          <a:p>
-            <a:pPr>
-              <a:lnSpc>
-                <a:spcPct val="150000"/>
-              </a:lnSpc>
-            </a:pPr>
-            <a:r>
-              <a:rPr lang="ru-RU" sz="2400" dirty="0" smtClean="0"/>
-              <a:t>Использовать </a:t>
-            </a:r>
-            <a:r>
-              <a:rPr lang="en-US" sz="2400" dirty="0" smtClean="0"/>
-              <a:t>UML </a:t>
-            </a:r>
-            <a:r>
-              <a:rPr lang="ru-RU" sz="2400" dirty="0" smtClean="0"/>
-              <a:t>в качестве виртуальной машины</a:t>
-            </a:r>
+              <a:rPr lang="ru-RU" sz="4800" dirty="0" smtClean="0">
+                <a:solidFill>
+                  <a:schemeClr val="bg1"/>
+                </a:solidFill>
+              </a:rPr>
+              <a:t>Спасибо за внимание!</a:t>
+            </a:r>
+            <a:endParaRPr lang="ru-RU" sz="4800" dirty="0">
+              <a:solidFill>
+                <a:schemeClr val="bg1"/>
+              </a:solidFill>
+            </a:endParaRPr>
           </a:p>
         </p:txBody>
       </p:sp>
       <p:sp>
         <p:nvSpPr>
-          <p:cNvPr id="6" name="Номер слайда 3"/>
+          <p:cNvPr id="7" name="Номер слайда 3"/>
           <p:cNvSpPr>
             <a:spLocks noGrp="1"/>
           </p:cNvSpPr>
@@ -12145,7 +12096,7 @@
           <a:p>
             <a:r>
               <a:rPr lang="en-US" dirty="0" smtClean="0"/>
-              <a:t>18/19</a:t>
+              <a:t>19/19</a:t>
             </a:r>
             <a:endParaRPr lang="ru-RU" dirty="0"/>
           </a:p>
@@ -12154,7 +12105,7 @@
     </p:spTree>
     <p:extLst>
       <p:ext uri="{BB962C8B-B14F-4D97-AF65-F5344CB8AC3E}">
-        <p14:creationId xmlns:p14="http://schemas.microsoft.com/office/powerpoint/2010/main" val="2220164635"/>
+        <p14:creationId xmlns:p14="http://schemas.microsoft.com/office/powerpoint/2010/main" val="1009461908"/>
       </p:ext>
     </p:extLst>
   </p:cSld>
@@ -12209,8 +12160,8 @@
         </p:blipFill>
         <p:spPr bwMode="auto">
           <a:xfrm rot="10800000">
-            <a:off x="-1" y="1707777"/>
-            <a:ext cx="12265959" cy="2823882"/>
+            <a:off x="-6720" y="134472"/>
+            <a:ext cx="12265959" cy="1311088"/>
           </a:xfrm>
           <a:prstGeom prst="rect">
             <a:avLst/>
@@ -12229,51 +12180,100 @@
       </p:pic>
       <p:sp>
         <p:nvSpPr>
+          <p:cNvPr id="2" name="Заголовок 1"/>
+          <p:cNvSpPr>
+            <a:spLocks noGrp="1"/>
+          </p:cNvSpPr>
+          <p:nvPr>
+            <p:ph type="title"/>
+          </p:nvPr>
+        </p:nvSpPr>
+        <p:spPr/>
+        <p:txBody>
+          <a:bodyPr/>
+          <a:lstStyle/>
+          <a:p>
+            <a:r>
+              <a:rPr lang="ru-RU" dirty="0" smtClean="0">
+                <a:solidFill>
+                  <a:schemeClr val="bg1"/>
+                </a:solidFill>
+              </a:rPr>
+              <a:t>Дальнейшая работа</a:t>
+            </a:r>
+            <a:endParaRPr lang="ru-RU" dirty="0">
+              <a:solidFill>
+                <a:schemeClr val="bg1"/>
+              </a:solidFill>
+            </a:endParaRPr>
+          </a:p>
+        </p:txBody>
+      </p:sp>
+      <p:sp>
+        <p:nvSpPr>
           <p:cNvPr id="3" name="Объект 2"/>
           <p:cNvSpPr>
             <a:spLocks noGrp="1"/>
           </p:cNvSpPr>
           <p:nvPr>
-            <p:ph type="subTitle" idx="1"/>
+            <p:ph idx="1"/>
           </p:nvPr>
         </p:nvSpPr>
-        <p:spPr>
-          <a:xfrm>
-            <a:off x="1628218" y="2661165"/>
-            <a:ext cx="9144000" cy="1655762"/>
-          </a:xfrm>
-        </p:spPr>
+        <p:spPr/>
         <p:txBody>
-          <a:bodyPr>
-            <a:normAutofit/>
-          </a:bodyPr>
+          <a:bodyPr/>
           <a:lstStyle/>
           <a:p>
-            <a:pPr marL="0" indent="0">
+            <a:pPr>
               <a:lnSpc>
                 <a:spcPct val="150000"/>
               </a:lnSpc>
-              <a:buNone/>
             </a:pPr>
             <a:r>
-              <a:rPr lang="ru-RU" sz="4800" dirty="0" smtClean="0">
-                <a:solidFill>
-                  <a:schemeClr val="bg1"/>
-                </a:solidFill>
-              </a:rPr>
-              <a:t>Спасибо за внимание!</a:t>
-            </a:r>
-            <a:endParaRPr lang="ru-RU" sz="4800" dirty="0">
-              <a:solidFill>
-                <a:schemeClr val="bg1"/>
-              </a:solidFill>
-            </a:endParaRPr>
+              <a:rPr lang="ru-RU" sz="2400" dirty="0" err="1" smtClean="0"/>
+              <a:t>Портировать</a:t>
+            </a:r>
+            <a:r>
+              <a:rPr lang="ru-RU" sz="2400" dirty="0" smtClean="0"/>
+              <a:t> </a:t>
+            </a:r>
+            <a:r>
+              <a:rPr lang="en-US" sz="2400" dirty="0" smtClean="0"/>
+              <a:t>UML (User Mode Linux)</a:t>
+            </a:r>
+            <a:r>
+              <a:rPr lang="ru-RU" sz="2400" dirty="0" smtClean="0"/>
+              <a:t> в </a:t>
+            </a:r>
+            <a:r>
+              <a:rPr lang="en-US" sz="2400" dirty="0" smtClean="0"/>
+              <a:t>Windows</a:t>
+            </a:r>
+          </a:p>
+          <a:p>
+            <a:pPr>
+              <a:lnSpc>
+                <a:spcPct val="150000"/>
+              </a:lnSpc>
+            </a:pPr>
+            <a:r>
+              <a:rPr lang="ru-RU" sz="2400" dirty="0" smtClean="0"/>
+              <a:t>Использовать </a:t>
+            </a:r>
+            <a:r>
+              <a:rPr lang="en-US" sz="2400" dirty="0" smtClean="0"/>
+              <a:t>UML </a:t>
+            </a:r>
+            <a:r>
+              <a:rPr lang="ru-RU" sz="2400" dirty="0" smtClean="0"/>
+              <a:t>в качестве виртуальной машины</a:t>
+            </a:r>
           </a:p>
         </p:txBody>
       </p:sp>
       <p:sp>
         <p:nvSpPr>
-          <p:cNvPr id="7" name="Номер слайда 3"/>
+          <p:cNvPr id="6" name="Номер слайда 3"/>
           <p:cNvSpPr>
             <a:spLocks noGrp="1"/>
           </p:cNvSpPr>
@@ -12293,7 +12293,7 @@
           <a:p>
             <a:r>
               <a:rPr lang="en-US" dirty="0" smtClean="0"/>
-              <a:t>19/19</a:t>
+              <a:t>18/19</a:t>
             </a:r>
             <a:endParaRPr lang="ru-RU" dirty="0"/>
           </a:p>
@@ -12302,7 +12302,7 @@
     </p:spTree>
     <p:extLst>
       <p:ext uri="{BB962C8B-B14F-4D97-AF65-F5344CB8AC3E}">
-        <p14:creationId xmlns:p14="http://schemas.microsoft.com/office/powerpoint/2010/main" val="1009461908"/>
+        <p14:creationId xmlns:p14="http://schemas.microsoft.com/office/powerpoint/2010/main" val="2220164635"/>
       </p:ext>
     </p:extLst>
   </p:cSld>
@@ -13956,7 +13956,7 @@
         <p:spPr>
           <a:xfrm>
             <a:off x="1851216" y="3376174"/>
-            <a:ext cx="2163636" cy="855203"/>
+            <a:ext cx="2160000" cy="855203"/>
           </a:xfrm>
           <a:prstGeom prst="rect">
             <a:avLst/>
@@ -14165,8 +14165,8 @@
         </p:nvCxnSpPr>
         <p:spPr>
           <a:xfrm>
-            <a:off x="2933034" y="4231377"/>
-            <a:ext cx="0" cy="426401"/>
+            <a:off x="2931216" y="4231377"/>
+            <a:ext cx="1818" cy="426401"/>
           </a:xfrm>
           <a:prstGeom prst="line">
             <a:avLst/>
@@ -14202,8 +14202,8 @@
         </p:nvCxnSpPr>
         <p:spPr>
           <a:xfrm flipH="1">
-            <a:off x="2933034" y="2395620"/>
-            <a:ext cx="1" cy="980554"/>
+            <a:off x="2931216" y="2395620"/>
+            <a:ext cx="1819" cy="980554"/>
           </a:xfrm>
           <a:prstGeom prst="line">
             <a:avLst/>
@@ -14341,6 +14341,50 @@
           </a:fontRef>
         </p:style>
       </p:cxnSp>
+      <p:sp>
+        <p:nvSpPr>
+          <p:cNvPr id="42" name="Прямоугольник 41"/>
+          <p:cNvSpPr/>
+          <p:nvPr/>
+        </p:nvSpPr>
+        <p:spPr>
+          <a:xfrm>
+            <a:off x="1918447" y="3448767"/>
+            <a:ext cx="2023200" cy="720000"/>
+          </a:xfrm>
+          <a:prstGeom prst="rect">
+            <a:avLst/>
+          </a:prstGeom>
+          <a:noFill/>
+          <a:ln w="28575"/>
+        </p:spPr>
+        <p:style>
+          <a:lnRef idx="2">
+            <a:schemeClr val="accent5"/>
+          </a:lnRef>
+          <a:fillRef idx="1">
+            <a:schemeClr val="lt1"/>
+          </a:fillRef>
+          <a:effectRef idx="0">
+            <a:schemeClr val="accent5"/>
+          </a:effectRef>
+          <a:fontRef idx="minor">
+            <a:schemeClr val="dk1"/>
+          </a:fontRef>
+        </p:style>
+        <p:txBody>
+          <a:bodyPr rtlCol="0" anchor="ctr"/>
+          <a:lstStyle/>
+          <a:p>
+            <a:pPr algn="ctr"/>
+            <a:endParaRPr lang="ru-RU" dirty="0">
+              <a:solidFill>
+                <a:schemeClr val="tx1"/>
+              </a:solidFill>
+            </a:endParaRPr>
+          </a:p>
+        </p:txBody>
+      </p:sp>
     </p:spTree>
     <p:extLst>
       <p:ext uri="{BB962C8B-B14F-4D97-AF65-F5344CB8AC3E}">
@@ -15381,6 +15425,50 @@
           </a:fontRef>
         </p:style>
       </p:cxnSp>
+      <p:sp>
+        <p:nvSpPr>
+          <p:cNvPr id="46" name="Прямоугольник 45"/>
+          <p:cNvSpPr/>
+          <p:nvPr/>
+        </p:nvSpPr>
+        <p:spPr>
+          <a:xfrm>
+            <a:off x="1918447" y="3448767"/>
+            <a:ext cx="2023200" cy="720000"/>
+          </a:xfrm>
+          <a:prstGeom prst="rect">
+            <a:avLst/>
+          </a:prstGeom>
+          <a:noFill/>
+          <a:ln w="28575"/>
+        </p:spPr>
+        <p:style>
+          <a:lnRef idx="2">
+            <a:schemeClr val="accent5"/>
+          </a:lnRef>
+          <a:fillRef idx="1">
+            <a:schemeClr val="lt1"/>
+          </a:fillRef>
+          <a:effectRef idx="0">
+            <a:schemeClr val="accent5"/>
+          </a:effectRef>
+          <a:fontRef idx="minor">
+            <a:schemeClr val="dk1"/>
+          </a:fontRef>
+        </p:style>
+        <p:txBody>
+          <a:bodyPr rtlCol="0" anchor="ctr"/>
+          <a:lstStyle/>
+          <a:p>
+            <a:pPr algn="ctr"/>
+            <a:endParaRPr lang="ru-RU" dirty="0">
+              <a:solidFill>
+                <a:schemeClr val="tx1"/>
+              </a:solidFill>
+            </a:endParaRPr>
+          </a:p>
+        </p:txBody>
+      </p:sp>
     </p:spTree>
     <p:extLst>
       <p:ext uri="{BB962C8B-B14F-4D97-AF65-F5344CB8AC3E}">
@@ -16765,6 +16853,50 @@
           </a:fontRef>
         </p:style>
       </p:cxnSp>
+      <p:sp>
+        <p:nvSpPr>
+          <p:cNvPr id="31" name="Прямоугольник 30"/>
+          <p:cNvSpPr/>
+          <p:nvPr/>
+        </p:nvSpPr>
+        <p:spPr>
+          <a:xfrm>
+            <a:off x="1918447" y="3448767"/>
+            <a:ext cx="2023200" cy="720000"/>
+          </a:xfrm>
+          <a:prstGeom prst="rect">
+            <a:avLst/>
+          </a:prstGeom>
+          <a:noFill/>
+          <a:ln w="28575"/>
+        </p:spPr>
+        <p:style>
+          <a:lnRef idx="2">
+            <a:schemeClr val="accent5"/>
+          </a:lnRef>
+          <a:fillRef idx="1">
+            <a:schemeClr val="lt1"/>
+          </a:fillRef>
+          <a:effectRef idx="0">
+            <a:schemeClr val="accent5"/>
+          </a:effectRef>
+          <a:fontRef idx="minor">
+            <a:schemeClr val="dk1"/>
+          </a:fontRef>
+        </p:style>
+        <p:txBody>
+          <a:bodyPr rtlCol="0" anchor="ctr"/>
+          <a:lstStyle/>
+          <a:p>
+            <a:pPr algn="ctr"/>
+            <a:endParaRPr lang="ru-RU" dirty="0">
+              <a:solidFill>
+                <a:schemeClr val="tx1"/>
+              </a:solidFill>
+            </a:endParaRPr>
+          </a:p>
+        </p:txBody>
+      </p:sp>
     </p:spTree>
     <p:extLst>
       <p:ext uri="{BB962C8B-B14F-4D97-AF65-F5344CB8AC3E}">
@@ -17753,6 +17885,95 @@
           </a:p>
         </p:txBody>
       </p:sp>
+      <p:sp>
+        <p:nvSpPr>
+          <p:cNvPr id="59" name="TextBox 58"/>
+          <p:cNvSpPr txBox="1"/>
+          <p:nvPr/>
+        </p:nvSpPr>
+        <p:spPr>
+          <a:xfrm>
+            <a:off x="3304028" y="5414994"/>
+            <a:ext cx="1804789" cy="646331"/>
+          </a:xfrm>
+          <a:prstGeom prst="rect">
+            <a:avLst/>
+          </a:prstGeom>
+          <a:ln w="12700">
+            <a:prstDash val="dash"/>
+          </a:ln>
+        </p:spPr>
+        <p:style>
+          <a:lnRef idx="2">
+            <a:schemeClr val="accent5"/>
+          </a:lnRef>
+          <a:fillRef idx="1">
+            <a:schemeClr val="lt1"/>
+          </a:fillRef>
+          <a:effectRef idx="0">
+            <a:schemeClr val="accent5"/>
+          </a:effectRef>
+          <a:fontRef idx="minor">
+            <a:schemeClr val="dk1"/>
+          </a:fontRef>
+        </p:style>
+        <p:txBody>
+          <a:bodyPr wrap="none" rtlCol="0">
+            <a:spAutoFit/>
+          </a:bodyPr>
+          <a:lstStyle/>
+          <a:p>
+            <a:pPr algn="ctr"/>
+            <a:r>
+              <a:rPr lang="ru-RU" dirty="0" smtClean="0"/>
+              <a:t>Сетевое</a:t>
+            </a:r>
+          </a:p>
+          <a:p>
+            <a:pPr algn="ctr"/>
+            <a:r>
+              <a:rPr lang="ru-RU" dirty="0" smtClean="0"/>
+              <a:t>взаимодействие</a:t>
+            </a:r>
+            <a:endParaRPr lang="ru-RU" dirty="0"/>
+          </a:p>
+        </p:txBody>
+      </p:sp>
+      <p:cxnSp>
+        <p:nvCxnSpPr>
+          <p:cNvPr id="4097" name="Прямая соединительная линия 4096"/>
+          <p:cNvCxnSpPr>
+            <a:endCxn id="59" idx="0"/>
+          </p:cNvCxnSpPr>
+          <p:nvPr/>
+        </p:nvCxnSpPr>
+        <p:spPr>
+          <a:xfrm>
+            <a:off x="4204076" y="4617632"/>
+            <a:ext cx="2347" cy="797362"/>
+          </a:xfrm>
+          <a:prstGeom prst="line">
+            <a:avLst/>
+          </a:prstGeom>
+          <a:ln w="12700">
+            <a:prstDash val="dash"/>
+          </a:ln>
+        </p:spPr>
+        <p:style>
+          <a:lnRef idx="1">
+            <a:schemeClr val="accent1"/>
+          </a:lnRef>
+          <a:fillRef idx="0">
+            <a:schemeClr val="accent1"/>
+          </a:fillRef>
+          <a:effectRef idx="0">
+            <a:schemeClr val="accent1"/>
+          </a:effectRef>
+          <a:fontRef idx="minor">
+            <a:schemeClr val="tx1"/>
+          </a:fontRef>
+        </p:style>
+      </p:cxnSp>
     </p:spTree>
     <p:extLst>
       <p:ext uri="{BB962C8B-B14F-4D97-AF65-F5344CB8AC3E}">
@@ -18445,200 +18666,6 @@
           </a:fontRef>
         </p:style>
       </p:cxnSp>
-      <p:grpSp>
-        <p:nvGrpSpPr>
-          <p:cNvPr id="49" name="Группа 48"/>
-          <p:cNvGrpSpPr/>
-          <p:nvPr/>
-        </p:nvGrpSpPr>
-        <p:grpSpPr>
-          <a:xfrm>
-            <a:off x="8444753" y="3500059"/>
-            <a:ext cx="2904568" cy="1291678"/>
-            <a:chOff x="8444753" y="3500059"/>
-            <a:chExt cx="2904568" cy="1291678"/>
-          </a:xfrm>
-        </p:grpSpPr>
-        <p:pic>
-          <p:nvPicPr>
-            <p:cNvPr id="50" name="Picture 2" descr="https://lh5.googleusercontent.com/ogmzoLgKTxAugj2t40EGiIh2QefPetj5pVjXvWpnpsCwbHCing3hbfa6fs6FQSJ-bkkbfSl1hqaxrkolwuwW_GiPl2AjYcEnfOVdoMOvw7fekm8OzgiH2AnrVmE564436P9MFmiPrQ"/>
-            <p:cNvPicPr>
-              <a:picLocks noChangeAspect="1" noChangeArrowheads="1"/>
-            </p:cNvPicPr>
-            <p:nvPr/>
-          </p:nvPicPr>
-          <p:blipFill>
-            <a:blip r:embed="rId2" cstate="print">
-              <a:extLst>
-                <a:ext uri="{BEBA8EAE-BF5A-486C-A8C5-ECC9F3942E4B}">
-                  <a14:imgProps xmlns:a14="http://schemas.microsoft.com/office/drawing/2010/main">
-                    <a14:imgLayer r:embed="rId3">
-                      <a14:imgEffect>
-                        <a14:saturation sat="66000"/>
-                      </a14:imgEffect>
-                    </a14:imgLayer>
-                  </a14:imgProps>
-                </a:ext>
-                <a:ext uri="{28A0092B-C50C-407E-A947-70E740481C1C}">
-                  <a14:useLocalDpi xmlns:a14="http://schemas.microsoft.com/office/drawing/2010/main" val="0"/>
-                </a:ext>
-              </a:extLst>
-            </a:blip>
-            <a:srcRect/>
-            <a:stretch>
-              <a:fillRect/>
-            </a:stretch>
-          </p:blipFill>
-          <p:spPr bwMode="auto">
-            <a:xfrm>
-              <a:off x="8780928" y="3705441"/>
-              <a:ext cx="912191" cy="912191"/>
-            </a:xfrm>
-            <a:prstGeom prst="rect">
-              <a:avLst/>
-            </a:prstGeom>
-            <a:noFill/>
-            <a:extLst>
-              <a:ext uri="{909E8E84-426E-40DD-AFC4-6F175D3DCCD1}">
-                <a14:hiddenFill xmlns:a14="http://schemas.microsoft.com/office/drawing/2010/main">
-                  <a:solidFill>
-                    <a:srgbClr val="FFFFFF"/>
-                  </a:solidFill>
-                </a14:hiddenFill>
-              </a:ext>
-            </a:extLst>
-          </p:spPr>
-        </p:pic>
-        <p:pic>
-          <p:nvPicPr>
-            <p:cNvPr id="51" name="Picture 8" descr="http://freeiconbox.com/icon/256/40097.png"/>
-            <p:cNvPicPr>
-              <a:picLocks noChangeAspect="1" noChangeArrowheads="1"/>
-            </p:cNvPicPr>
-            <p:nvPr/>
-          </p:nvPicPr>
-          <p:blipFill rotWithShape="1">
-            <a:blip r:embed="rId4">
-              <a:extLst>
-                <a:ext uri="{28A0092B-C50C-407E-A947-70E740481C1C}">
-                  <a14:useLocalDpi xmlns:a14="http://schemas.microsoft.com/office/drawing/2010/main" val="0"/>
-                </a:ext>
-              </a:extLst>
-            </a:blip>
-            <a:srcRect l="28438" t="21939" r="28303" b="21817"/>
-            <a:stretch/>
-          </p:blipFill>
-          <p:spPr bwMode="auto">
-            <a:xfrm>
-              <a:off x="10455098" y="3679648"/>
-              <a:ext cx="726141" cy="948019"/>
-            </a:xfrm>
-            <a:prstGeom prst="rect">
-              <a:avLst/>
-            </a:prstGeom>
-            <a:noFill/>
-            <a:extLst>
-              <a:ext uri="{909E8E84-426E-40DD-AFC4-6F175D3DCCD1}">
-                <a14:hiddenFill xmlns:a14="http://schemas.microsoft.com/office/drawing/2010/main">
-                  <a:solidFill>
-                    <a:srgbClr val="FFFFFF"/>
-                  </a:solidFill>
-                </a14:hiddenFill>
-              </a:ext>
-            </a:extLst>
-          </p:spPr>
-        </p:pic>
-        <p:cxnSp>
-          <p:nvCxnSpPr>
-            <p:cNvPr id="52" name="Прямая соединительная линия 51"/>
-            <p:cNvCxnSpPr>
-              <a:stCxn id="51" idx="1"/>
-              <a:endCxn id="50" idx="3"/>
-            </p:cNvCxnSpPr>
-            <p:nvPr/>
-          </p:nvCxnSpPr>
-          <p:spPr>
-            <a:xfrm flipH="1">
-              <a:off x="9693119" y="4153658"/>
-              <a:ext cx="761979" cy="7879"/>
-            </a:xfrm>
-            <a:prstGeom prst="line">
-              <a:avLst/>
-            </a:prstGeom>
-            <a:ln w="28575">
-              <a:solidFill>
-                <a:schemeClr val="tx1"/>
-              </a:solidFill>
-              <a:prstDash val="sysDot"/>
-              <a:headEnd type="none" w="med" len="med"/>
-              <a:tailEnd type="none" w="med" len="med"/>
-            </a:ln>
-          </p:spPr>
-          <p:style>
-            <a:lnRef idx="1">
-              <a:schemeClr val="accent1"/>
-            </a:lnRef>
-            <a:fillRef idx="0">
-              <a:schemeClr val="accent1"/>
-            </a:fillRef>
-            <a:effectRef idx="0">
-              <a:schemeClr val="accent1"/>
-            </a:effectRef>
-            <a:fontRef idx="minor">
-              <a:schemeClr val="tx1"/>
-            </a:fontRef>
-          </p:style>
-        </p:cxnSp>
-        <p:sp>
-          <p:nvSpPr>
-            <p:cNvPr id="53" name="Скругленный прямоугольник 52"/>
-            <p:cNvSpPr/>
-            <p:nvPr/>
-          </p:nvSpPr>
-          <p:spPr>
-            <a:xfrm>
-              <a:off x="8444753" y="3500059"/>
-              <a:ext cx="2904568" cy="1291678"/>
-            </a:xfrm>
-            <a:prstGeom prst="roundRect">
-              <a:avLst/>
-            </a:prstGeom>
-            <a:noFill/>
-            <a:ln w="19050">
-              <a:solidFill>
-                <a:schemeClr val="accent4">
-                  <a:lumMod val="75000"/>
-                </a:schemeClr>
-              </a:solidFill>
-              <a:prstDash val="dash"/>
-            </a:ln>
-          </p:spPr>
-          <p:style>
-            <a:lnRef idx="2">
-              <a:schemeClr val="accent1">
-                <a:shade val="50000"/>
-              </a:schemeClr>
-            </a:lnRef>
-            <a:fillRef idx="1">
-              <a:schemeClr val="accent1"/>
-            </a:fillRef>
-            <a:effectRef idx="0">
-              <a:schemeClr val="accent1"/>
-            </a:effectRef>
-            <a:fontRef idx="minor">
-              <a:schemeClr val="lt1"/>
-            </a:fontRef>
-          </p:style>
-          <p:txBody>
-            <a:bodyPr rtlCol="0" anchor="ctr"/>
-            <a:lstStyle/>
-            <a:p>
-              <a:pPr algn="ctr"/>
-              <a:endParaRPr lang="ru-RU"/>
-            </a:p>
-          </p:txBody>
-        </p:sp>
-      </p:grpSp>
       <p:sp>
         <p:nvSpPr>
           <p:cNvPr id="54" name="TextBox 53"/>
@@ -18686,7 +18713,7 @@
           <p:nvPr/>
         </p:nvPicPr>
         <p:blipFill rotWithShape="1">
-          <a:blip r:embed="rId5">
+          <a:blip r:embed="rId2">
             <a:extLst>
               <a:ext uri="{28A0092B-C50C-407E-A947-70E740481C1C}">
                 <a14:useLocalDpi xmlns:a14="http://schemas.microsoft.com/office/drawing/2010/main" val="0"/>
@@ -19329,6 +19356,202 @@
           </a:p>
         </p:txBody>
       </p:sp>
+      <p:grpSp>
+        <p:nvGrpSpPr>
+          <p:cNvPr id="56" name="Группа 55"/>
+          <p:cNvGrpSpPr/>
+          <p:nvPr/>
+        </p:nvGrpSpPr>
+        <p:grpSpPr>
+          <a:xfrm>
+            <a:off x="8444753" y="3500059"/>
+            <a:ext cx="2904568" cy="1291678"/>
+            <a:chOff x="8444753" y="3500059"/>
+            <a:chExt cx="2904568" cy="1291678"/>
+          </a:xfrm>
+        </p:grpSpPr>
+        <p:pic>
+          <p:nvPicPr>
+            <p:cNvPr id="57" name="Picture 2" descr="https://lh5.googleusercontent.com/ogmzoLgKTxAugj2t40EGiIh2QefPetj5pVjXvWpnpsCwbHCing3hbfa6fs6FQSJ-bkkbfSl1hqaxrkolwuwW_GiPl2AjYcEnfOVdoMOvw7fekm8OzgiH2AnrVmE564436P9MFmiPrQ"/>
+            <p:cNvPicPr>
+              <a:picLocks noChangeAspect="1" noChangeArrowheads="1"/>
+            </p:cNvPicPr>
+            <p:nvPr/>
+          </p:nvPicPr>
+          <p:blipFill>
+            <a:blip r:embed="rId3" cstate="print">
+              <a:extLst>
+                <a:ext uri="{BEBA8EAE-BF5A-486C-A8C5-ECC9F3942E4B}">
+                  <a14:imgProps xmlns:a14="http://schemas.microsoft.com/office/drawing/2010/main">
+                    <a14:imgLayer r:embed="rId4">
+                      <a14:imgEffect>
+                        <a14:saturation sat="66000"/>
+                      </a14:imgEffect>
+                    </a14:imgLayer>
+                  </a14:imgProps>
+                </a:ext>
+                <a:ext uri="{28A0092B-C50C-407E-A947-70E740481C1C}">
+                  <a14:useLocalDpi xmlns:a14="http://schemas.microsoft.com/office/drawing/2010/main" val="0"/>
+                </a:ext>
+              </a:extLst>
+            </a:blip>
+            <a:srcRect/>
+            <a:stretch>
+              <a:fillRect/>
+            </a:stretch>
+          </p:blipFill>
+          <p:spPr bwMode="auto">
+            <a:xfrm>
+              <a:off x="8780928" y="3705441"/>
+              <a:ext cx="912191" cy="912191"/>
+            </a:xfrm>
+            <a:prstGeom prst="rect">
+              <a:avLst/>
+            </a:prstGeom>
+            <a:noFill/>
+            <a:extLst>
+              <a:ext uri="{909E8E84-426E-40DD-AFC4-6F175D3DCCD1}">
+                <a14:hiddenFill xmlns:a14="http://schemas.microsoft.com/office/drawing/2010/main">
+                  <a:solidFill>
+                    <a:srgbClr val="FFFFFF"/>
+                  </a:solidFill>
+                </a14:hiddenFill>
+              </a:ext>
+            </a:extLst>
+          </p:spPr>
+        </p:pic>
+        <p:cxnSp>
+          <p:nvCxnSpPr>
+            <p:cNvPr id="58" name="Прямая соединительная линия 57"/>
+            <p:cNvCxnSpPr>
+              <a:endCxn id="57" idx="3"/>
+            </p:cNvCxnSpPr>
+            <p:nvPr/>
+          </p:nvCxnSpPr>
+          <p:spPr>
+            <a:xfrm flipH="1">
+              <a:off x="9693119" y="4153658"/>
+              <a:ext cx="761979" cy="7879"/>
+            </a:xfrm>
+            <a:prstGeom prst="line">
+              <a:avLst/>
+            </a:prstGeom>
+            <a:ln w="28575">
+              <a:solidFill>
+                <a:schemeClr val="tx1"/>
+              </a:solidFill>
+              <a:prstDash val="sysDot"/>
+              <a:headEnd type="none" w="med" len="med"/>
+              <a:tailEnd type="none" w="med" len="med"/>
+            </a:ln>
+          </p:spPr>
+          <p:style>
+            <a:lnRef idx="1">
+              <a:schemeClr val="accent1"/>
+            </a:lnRef>
+            <a:fillRef idx="0">
+              <a:schemeClr val="accent1"/>
+            </a:fillRef>
+            <a:effectRef idx="0">
+              <a:schemeClr val="accent1"/>
+            </a:effectRef>
+            <a:fontRef idx="minor">
+              <a:schemeClr val="tx1"/>
+            </a:fontRef>
+          </p:style>
+        </p:cxnSp>
+        <p:sp>
+          <p:nvSpPr>
+            <p:cNvPr id="59" name="Скругленный прямоугольник 58"/>
+            <p:cNvSpPr/>
+            <p:nvPr/>
+          </p:nvSpPr>
+          <p:spPr>
+            <a:xfrm>
+              <a:off x="8444753" y="3500059"/>
+              <a:ext cx="2904568" cy="1291678"/>
+            </a:xfrm>
+            <a:prstGeom prst="roundRect">
+              <a:avLst/>
+            </a:prstGeom>
+            <a:noFill/>
+            <a:ln w="19050">
+              <a:solidFill>
+                <a:schemeClr val="accent4">
+                  <a:lumMod val="75000"/>
+                </a:schemeClr>
+              </a:solidFill>
+              <a:prstDash val="dash"/>
+            </a:ln>
+          </p:spPr>
+          <p:style>
+            <a:lnRef idx="2">
+              <a:schemeClr val="accent1">
+                <a:shade val="50000"/>
+              </a:schemeClr>
+            </a:lnRef>
+            <a:fillRef idx="1">
+              <a:schemeClr val="accent1"/>
+            </a:fillRef>
+            <a:effectRef idx="0">
+              <a:schemeClr val="accent1"/>
+            </a:effectRef>
+            <a:fontRef idx="minor">
+              <a:schemeClr val="lt1"/>
+            </a:fontRef>
+          </p:style>
+          <p:txBody>
+            <a:bodyPr rtlCol="0" anchor="ctr"/>
+            <a:lstStyle/>
+            <a:p>
+              <a:pPr algn="ctr"/>
+              <a:endParaRPr lang="ru-RU"/>
+            </a:p>
+          </p:txBody>
+        </p:sp>
+        <p:pic>
+          <p:nvPicPr>
+            <p:cNvPr id="60" name="Picture 4" descr="https://cdn2.iconfinder.com/data/icons/computer-hardware-3/172/Layer_9-01-512.png"/>
+            <p:cNvPicPr>
+              <a:picLocks noChangeAspect="1" noChangeArrowheads="1"/>
+            </p:cNvPicPr>
+            <p:nvPr/>
+          </p:nvPicPr>
+          <p:blipFill>
+            <a:blip r:embed="rId5" cstate="print">
+              <a:biLevel thresh="50000"/>
+              <a:extLst>
+                <a:ext uri="{28A0092B-C50C-407E-A947-70E740481C1C}">
+                  <a14:useLocalDpi xmlns:a14="http://schemas.microsoft.com/office/drawing/2010/main" val="0"/>
+                </a:ext>
+              </a:extLst>
+            </a:blip>
+            <a:srcRect/>
+            <a:stretch>
+              <a:fillRect/>
+            </a:stretch>
+          </p:blipFill>
+          <p:spPr bwMode="auto">
+            <a:xfrm>
+              <a:off x="10470944" y="3649264"/>
+              <a:ext cx="727491" cy="993268"/>
+            </a:xfrm>
+            <a:prstGeom prst="rect">
+              <a:avLst/>
+            </a:prstGeom>
+            <a:noFill/>
+            <a:extLst>
+              <a:ext uri="{909E8E84-426E-40DD-AFC4-6F175D3DCCD1}">
+                <a14:hiddenFill xmlns:a14="http://schemas.microsoft.com/office/drawing/2010/main">
+                  <a:solidFill>
+                    <a:srgbClr val="FFFFFF"/>
+                  </a:solidFill>
+                </a14:hiddenFill>
+              </a:ext>
+            </a:extLst>
+          </p:spPr>
+        </p:pic>
+      </p:grpSp>
     </p:spTree>
     <p:extLst>
       <p:ext uri="{BB962C8B-B14F-4D97-AF65-F5344CB8AC3E}">

--- a/presentation.pptx
+++ b/presentation.pptx
@@ -9710,7 +9710,7 @@
           <p:nvPr>
             <p:extLst>
               <p:ext uri="{D42A27DB-BD31-4B8C-83A1-F6EECF244321}">
-                <p14:modId xmlns:p14="http://schemas.microsoft.com/office/powerpoint/2010/main" val="2942796774"/>
+                <p14:modId xmlns:p14="http://schemas.microsoft.com/office/powerpoint/2010/main" val="3226926925"/>
               </p:ext>
             </p:extLst>
           </p:nvPr>
@@ -9957,7 +9957,7 @@
           <p:nvPr>
             <p:extLst>
               <p:ext uri="{D42A27DB-BD31-4B8C-83A1-F6EECF244321}">
-                <p14:modId xmlns:p14="http://schemas.microsoft.com/office/powerpoint/2010/main" val="2610580237"/>
+                <p14:modId xmlns:p14="http://schemas.microsoft.com/office/powerpoint/2010/main" val="534078779"/>
               </p:ext>
             </p:extLst>
           </p:nvPr>
@@ -11586,7 +11586,7 @@
           <p:nvPr>
             <p:extLst>
               <p:ext uri="{D42A27DB-BD31-4B8C-83A1-F6EECF244321}">
-                <p14:modId xmlns:p14="http://schemas.microsoft.com/office/powerpoint/2010/main" val="2427766248"/>
+                <p14:modId xmlns:p14="http://schemas.microsoft.com/office/powerpoint/2010/main" val="781399671"/>
               </p:ext>
             </p:extLst>
           </p:nvPr>

--- a/presentation.pptx
+++ b/presentation.pptx
@@ -5,10 +5,10 @@
     <p:sldMasterId id="2147483744" r:id="rId1"/>
   </p:sldMasterIdLst>
   <p:notesMasterIdLst>
-    <p:notesMasterId r:id="rId22"/>
+    <p:notesMasterId r:id="rId24"/>
   </p:notesMasterIdLst>
   <p:handoutMasterIdLst>
-    <p:handoutMasterId r:id="rId23"/>
+    <p:handoutMasterId r:id="rId25"/>
   </p:handoutMasterIdLst>
   <p:sldIdLst>
     <p:sldId id="256" r:id="rId2"/>
@@ -30,7 +30,9 @@
     <p:sldId id="268" r:id="rId18"/>
     <p:sldId id="279" r:id="rId19"/>
     <p:sldId id="281" r:id="rId20"/>
-    <p:sldId id="282" r:id="rId21"/>
+    <p:sldId id="283" r:id="rId21"/>
+    <p:sldId id="284" r:id="rId22"/>
+    <p:sldId id="282" r:id="rId23"/>
   </p:sldIdLst>
   <p:sldSz cx="12192000" cy="6858000"/>
   <p:notesSz cx="6858000" cy="9144000"/>
@@ -184,25 +186,22 @@
           <c:invertIfNegative val="0"/>
           <c:cat>
             <c:strRef>
-              <c:f>Лист1!$A$2:$A$7</c:f>
+              <c:f>Лист1!$A$2:$A$6</c:f>
               <c:strCache>
-                <c:ptCount val="6"/>
+                <c:ptCount val="5"/>
                 <c:pt idx="0">
                   <c:v>Запуск</c:v>
                 </c:pt>
                 <c:pt idx="1">
-                  <c:v>Монтирование</c:v>
+                  <c:v>Чтение 1 х 1.5 ГБ</c:v>
                 </c:pt>
                 <c:pt idx="2">
-                  <c:v>Чтение 1 х 1.5 ГБ</c:v>
+                  <c:v>Чтение 10000 х 4 КБ</c:v>
                 </c:pt>
                 <c:pt idx="3">
-                  <c:v>Чтение 10000 х 4 КБ</c:v>
+                  <c:v>Запись 1 х 1.5 ГБ</c:v>
                 </c:pt>
                 <c:pt idx="4">
-                  <c:v>Запись 1 х 1.5 ГБ</c:v>
-                </c:pt>
-                <c:pt idx="5">
                   <c:v>Запись 10000 х 4 КБ</c:v>
                 </c:pt>
               </c:strCache>
@@ -210,26 +209,23 @@
           </c:cat>
           <c:val>
             <c:numRef>
-              <c:f>Лист1!$B$2:$B$7</c:f>
+              <c:f>Лист1!$B$2:$B$6</c:f>
               <c:numCache>
                 <c:formatCode>General</c:formatCode>
-                <c:ptCount val="6"/>
+                <c:ptCount val="5"/>
                 <c:pt idx="0">
                   <c:v>8</c:v>
                 </c:pt>
                 <c:pt idx="1">
-                  <c:v>8</c:v>
+                  <c:v>46</c:v>
                 </c:pt>
                 <c:pt idx="2">
-                  <c:v>46</c:v>
+                  <c:v>16</c:v>
                 </c:pt>
                 <c:pt idx="3">
-                  <c:v>16</c:v>
+                  <c:v>51</c:v>
                 </c:pt>
                 <c:pt idx="4">
-                  <c:v>51</c:v>
-                </c:pt>
-                <c:pt idx="5">
                   <c:v>24</c:v>
                 </c:pt>
               </c:numCache>
@@ -262,25 +258,22 @@
           <c:invertIfNegative val="0"/>
           <c:cat>
             <c:strRef>
-              <c:f>Лист1!$A$2:$A$7</c:f>
+              <c:f>Лист1!$A$2:$A$6</c:f>
               <c:strCache>
-                <c:ptCount val="6"/>
+                <c:ptCount val="5"/>
                 <c:pt idx="0">
                   <c:v>Запуск</c:v>
                 </c:pt>
                 <c:pt idx="1">
-                  <c:v>Монтирование</c:v>
+                  <c:v>Чтение 1 х 1.5 ГБ</c:v>
                 </c:pt>
                 <c:pt idx="2">
-                  <c:v>Чтение 1 х 1.5 ГБ</c:v>
+                  <c:v>Чтение 10000 х 4 КБ</c:v>
                 </c:pt>
                 <c:pt idx="3">
-                  <c:v>Чтение 10000 х 4 КБ</c:v>
+                  <c:v>Запись 1 х 1.5 ГБ</c:v>
                 </c:pt>
                 <c:pt idx="4">
-                  <c:v>Запись 1 х 1.5 ГБ</c:v>
-                </c:pt>
-                <c:pt idx="5">
                   <c:v>Запись 10000 х 4 КБ</c:v>
                 </c:pt>
               </c:strCache>
@@ -288,26 +281,23 @@
           </c:cat>
           <c:val>
             <c:numRef>
-              <c:f>Лист1!$C$2:$C$7</c:f>
+              <c:f>Лист1!$C$2:$C$6</c:f>
               <c:numCache>
                 <c:formatCode>General</c:formatCode>
-                <c:ptCount val="6"/>
+                <c:ptCount val="5"/>
                 <c:pt idx="0">
                   <c:v>16</c:v>
                 </c:pt>
                 <c:pt idx="1">
-                  <c:v>11</c:v>
+                  <c:v>47</c:v>
                 </c:pt>
                 <c:pt idx="2">
-                  <c:v>47</c:v>
+                  <c:v>17</c:v>
                 </c:pt>
                 <c:pt idx="3">
-                  <c:v>17</c:v>
+                  <c:v>51</c:v>
                 </c:pt>
                 <c:pt idx="4">
-                  <c:v>51</c:v>
-                </c:pt>
-                <c:pt idx="5">
                   <c:v>26</c:v>
                 </c:pt>
               </c:numCache>
@@ -324,11 +314,11 @@
         </c:dLbls>
         <c:gapWidth val="219"/>
         <c:overlap val="-27"/>
-        <c:axId val="139032864"/>
-        <c:axId val="139033424"/>
+        <c:axId val="142907584"/>
+        <c:axId val="142908144"/>
       </c:barChart>
       <c:catAx>
-        <c:axId val="139032864"/>
+        <c:axId val="142907584"/>
         <c:scaling>
           <c:orientation val="minMax"/>
         </c:scaling>
@@ -356,7 +346,7 @@
           <a:lstStyle/>
           <a:p>
             <a:pPr>
-              <a:defRPr sz="1197" b="0" i="0" u="none" strike="noStrike" kern="1200" baseline="0">
+              <a:defRPr sz="1600" b="0" i="0" u="none" strike="noStrike" kern="1200" baseline="0">
                 <a:solidFill>
                   <a:schemeClr val="tx1">
                     <a:lumMod val="65000"/>
@@ -371,7 +361,7 @@
             <a:endParaRPr lang="ru-RU"/>
           </a:p>
         </c:txPr>
-        <c:crossAx val="139033424"/>
+        <c:crossAx val="142908144"/>
         <c:crosses val="autoZero"/>
         <c:auto val="1"/>
         <c:lblAlgn val="ctr"/>
@@ -379,7 +369,7 @@
         <c:noMultiLvlLbl val="0"/>
       </c:catAx>
       <c:valAx>
-        <c:axId val="139033424"/>
+        <c:axId val="142908144"/>
         <c:scaling>
           <c:orientation val="minMax"/>
         </c:scaling>
@@ -417,7 +407,7 @@
           <a:lstStyle/>
           <a:p>
             <a:pPr>
-              <a:defRPr sz="1197" b="0" i="0" u="none" strike="noStrike" kern="1200" baseline="0">
+              <a:defRPr sz="1600" b="0" i="0" u="none" strike="noStrike" kern="1200" baseline="0">
                 <a:solidFill>
                   <a:schemeClr val="tx1">
                     <a:lumMod val="65000"/>
@@ -432,7 +422,7 @@
             <a:endParaRPr lang="ru-RU"/>
           </a:p>
         </c:txPr>
-        <c:crossAx val="139032864"/>
+        <c:crossAx val="142907584"/>
         <c:crosses val="autoZero"/>
         <c:crossBetween val="between"/>
         <c:minorUnit val="1"/>
@@ -461,7 +451,7 @@
         <a:lstStyle/>
         <a:p>
           <a:pPr>
-            <a:defRPr sz="1197" b="0" i="0" u="none" strike="noStrike" kern="1200" baseline="0">
+            <a:defRPr sz="1800" b="0" i="0" u="none" strike="noStrike" kern="1200" baseline="0">
               <a:solidFill>
                 <a:schemeClr val="tx1">
                   <a:lumMod val="65000"/>
@@ -493,7 +483,7 @@
     <a:lstStyle/>
     <a:p>
       <a:pPr>
-        <a:defRPr/>
+        <a:defRPr sz="1600"/>
       </a:pPr>
       <a:endParaRPr lang="ru-RU"/>
     </a:p>
@@ -799,11 +789,11 @@
         </c:dLbls>
         <c:gapWidth val="219"/>
         <c:overlap val="-27"/>
-        <c:axId val="139036784"/>
-        <c:axId val="139037344"/>
+        <c:axId val="142911504"/>
+        <c:axId val="142912064"/>
       </c:barChart>
       <c:catAx>
-        <c:axId val="139036784"/>
+        <c:axId val="142911504"/>
         <c:scaling>
           <c:orientation val="minMax"/>
         </c:scaling>
@@ -831,7 +821,7 @@
           <a:lstStyle/>
           <a:p>
             <a:pPr>
-              <a:defRPr sz="1197" b="0" i="0" u="none" strike="noStrike" kern="1200" baseline="0">
+              <a:defRPr sz="1600" b="0" i="0" u="none" strike="noStrike" kern="1200" baseline="0">
                 <a:solidFill>
                   <a:schemeClr val="tx1">
                     <a:lumMod val="65000"/>
@@ -846,7 +836,7 @@
             <a:endParaRPr lang="ru-RU"/>
           </a:p>
         </c:txPr>
-        <c:crossAx val="139037344"/>
+        <c:crossAx val="142912064"/>
         <c:crosses val="autoZero"/>
         <c:auto val="1"/>
         <c:lblAlgn val="ctr"/>
@@ -854,7 +844,7 @@
         <c:noMultiLvlLbl val="0"/>
       </c:catAx>
       <c:valAx>
-        <c:axId val="139037344"/>
+        <c:axId val="142912064"/>
         <c:scaling>
           <c:orientation val="minMax"/>
         </c:scaling>
@@ -892,7 +882,7 @@
           <a:lstStyle/>
           <a:p>
             <a:pPr>
-              <a:defRPr sz="1197" b="0" i="0" u="none" strike="noStrike" kern="1200" baseline="0">
+              <a:defRPr sz="1600" b="0" i="0" u="none" strike="noStrike" kern="1200" baseline="0">
                 <a:solidFill>
                   <a:schemeClr val="tx1">
                     <a:lumMod val="65000"/>
@@ -907,7 +897,7 @@
             <a:endParaRPr lang="ru-RU"/>
           </a:p>
         </c:txPr>
-        <c:crossAx val="139036784"/>
+        <c:crossAx val="142911504"/>
         <c:crosses val="autoZero"/>
         <c:crossBetween val="between"/>
         <c:minorUnit val="1"/>
@@ -936,7 +926,7 @@
         <a:lstStyle/>
         <a:p>
           <a:pPr>
-            <a:defRPr sz="1197" b="0" i="0" u="none" strike="noStrike" kern="1200" baseline="0">
+            <a:defRPr sz="1800" b="0" i="0" u="none" strike="noStrike" kern="1200" baseline="0">
               <a:solidFill>
                 <a:schemeClr val="tx1">
                   <a:lumMod val="65000"/>
@@ -968,7 +958,7 @@
     <a:lstStyle/>
     <a:p>
       <a:pPr>
-        <a:defRPr/>
+        <a:defRPr sz="1600"/>
       </a:pPr>
       <a:endParaRPr lang="ru-RU"/>
     </a:p>
@@ -1274,11 +1264,11 @@
         </c:dLbls>
         <c:gapWidth val="219"/>
         <c:overlap val="-27"/>
-        <c:axId val="225197792"/>
-        <c:axId val="225197232"/>
+        <c:axId val="202185792"/>
+        <c:axId val="202186352"/>
       </c:barChart>
       <c:catAx>
-        <c:axId val="225197792"/>
+        <c:axId val="202185792"/>
         <c:scaling>
           <c:orientation val="minMax"/>
         </c:scaling>
@@ -1306,7 +1296,7 @@
           <a:lstStyle/>
           <a:p>
             <a:pPr>
-              <a:defRPr sz="1197" b="0" i="0" u="none" strike="noStrike" kern="1200" baseline="0">
+              <a:defRPr sz="1600" b="0" i="0" u="none" strike="noStrike" kern="1200" baseline="0">
                 <a:solidFill>
                   <a:schemeClr val="tx1">
                     <a:lumMod val="65000"/>
@@ -1321,7 +1311,7 @@
             <a:endParaRPr lang="ru-RU"/>
           </a:p>
         </c:txPr>
-        <c:crossAx val="225197232"/>
+        <c:crossAx val="202186352"/>
         <c:crosses val="autoZero"/>
         <c:auto val="1"/>
         <c:lblAlgn val="ctr"/>
@@ -1329,7 +1319,7 @@
         <c:noMultiLvlLbl val="0"/>
       </c:catAx>
       <c:valAx>
-        <c:axId val="225197232"/>
+        <c:axId val="202186352"/>
         <c:scaling>
           <c:orientation val="minMax"/>
         </c:scaling>
@@ -1367,7 +1357,7 @@
           <a:lstStyle/>
           <a:p>
             <a:pPr>
-              <a:defRPr sz="1197" b="0" i="0" u="none" strike="noStrike" kern="1200" baseline="0">
+              <a:defRPr sz="1600" b="0" i="0" u="none" strike="noStrike" kern="1200" baseline="0">
                 <a:solidFill>
                   <a:schemeClr val="tx1">
                     <a:lumMod val="65000"/>
@@ -1382,7 +1372,7 @@
             <a:endParaRPr lang="ru-RU"/>
           </a:p>
         </c:txPr>
-        <c:crossAx val="225197792"/>
+        <c:crossAx val="202185792"/>
         <c:crosses val="autoZero"/>
         <c:crossBetween val="between"/>
         <c:minorUnit val="1"/>
@@ -1411,7 +1401,7 @@
         <a:lstStyle/>
         <a:p>
           <a:pPr>
-            <a:defRPr sz="1197" b="0" i="0" u="none" strike="noStrike" kern="1200" baseline="0">
+            <a:defRPr sz="1800" b="0" i="0" u="none" strike="noStrike" kern="1200" baseline="0">
               <a:solidFill>
                 <a:schemeClr val="tx1">
                   <a:lumMod val="65000"/>
@@ -1443,7 +1433,7 @@
     <a:lstStyle/>
     <a:p>
       <a:pPr>
-        <a:defRPr/>
+        <a:defRPr sz="1600"/>
       </a:pPr>
       <a:endParaRPr lang="ru-RU"/>
     </a:p>
@@ -1468,14 +1458,200 @@
     </mc:Fallback>
   </mc:AlternateContent>
   <c:chart>
-    <c:title>
-      <c:tx>
-        <c:rich>
-          <a:bodyPr rot="0" spcFirstLastPara="1" vertOverflow="ellipsis" vert="horz" wrap="square" anchor="ctr" anchorCtr="1"/>
+    <c:autoTitleDeleted val="1"/>
+    <c:plotArea>
+      <c:layout/>
+      <c:barChart>
+        <c:barDir val="col"/>
+        <c:grouping val="clustered"/>
+        <c:varyColors val="0"/>
+        <c:ser>
+          <c:idx val="0"/>
+          <c:order val="0"/>
+          <c:tx>
+            <c:strRef>
+              <c:f>Лист1!$B$1</c:f>
+              <c:strCache>
+                <c:ptCount val="1"/>
+                <c:pt idx="0">
+                  <c:v>QEMU</c:v>
+                </c:pt>
+              </c:strCache>
+            </c:strRef>
+          </c:tx>
+          <c:spPr>
+            <a:solidFill>
+              <a:schemeClr val="accent6"/>
+            </a:solidFill>
+            <a:ln>
+              <a:noFill/>
+            </a:ln>
+            <a:effectLst/>
+          </c:spPr>
+          <c:invertIfNegative val="0"/>
+          <c:cat>
+            <c:strRef>
+              <c:f>Лист1!$A$2:$A$6</c:f>
+              <c:strCache>
+                <c:ptCount val="5"/>
+                <c:pt idx="0">
+                  <c:v>Запуск</c:v>
+                </c:pt>
+                <c:pt idx="1">
+                  <c:v>Чтение 1 х 1.5 ГБ</c:v>
+                </c:pt>
+                <c:pt idx="2">
+                  <c:v>Чтение 10000 х 4 КБ</c:v>
+                </c:pt>
+                <c:pt idx="3">
+                  <c:v>Запись 1 х 1.5 ГБ</c:v>
+                </c:pt>
+                <c:pt idx="4">
+                  <c:v>Запись 10000 х 4 КБ</c:v>
+                </c:pt>
+              </c:strCache>
+            </c:strRef>
+          </c:cat>
+          <c:val>
+            <c:numRef>
+              <c:f>Лист1!$B$2:$B$6</c:f>
+              <c:numCache>
+                <c:formatCode>General</c:formatCode>
+                <c:ptCount val="5"/>
+                <c:pt idx="0">
+                  <c:v>8</c:v>
+                </c:pt>
+                <c:pt idx="1">
+                  <c:v>46</c:v>
+                </c:pt>
+                <c:pt idx="2">
+                  <c:v>16</c:v>
+                </c:pt>
+                <c:pt idx="3">
+                  <c:v>51</c:v>
+                </c:pt>
+                <c:pt idx="4">
+                  <c:v>24</c:v>
+                </c:pt>
+              </c:numCache>
+            </c:numRef>
+          </c:val>
+        </c:ser>
+        <c:ser>
+          <c:idx val="1"/>
+          <c:order val="1"/>
+          <c:tx>
+            <c:strRef>
+              <c:f>Лист1!$C$1</c:f>
+              <c:strCache>
+                <c:ptCount val="1"/>
+                <c:pt idx="0">
+                  <c:v>UML</c:v>
+                </c:pt>
+              </c:strCache>
+            </c:strRef>
+          </c:tx>
+          <c:spPr>
+            <a:solidFill>
+              <a:schemeClr val="accent2"/>
+            </a:solidFill>
+            <a:ln>
+              <a:noFill/>
+            </a:ln>
+            <a:effectLst/>
+          </c:spPr>
+          <c:invertIfNegative val="0"/>
+          <c:cat>
+            <c:strRef>
+              <c:f>Лист1!$A$2:$A$6</c:f>
+              <c:strCache>
+                <c:ptCount val="5"/>
+                <c:pt idx="0">
+                  <c:v>Запуск</c:v>
+                </c:pt>
+                <c:pt idx="1">
+                  <c:v>Чтение 1 х 1.5 ГБ</c:v>
+                </c:pt>
+                <c:pt idx="2">
+                  <c:v>Чтение 10000 х 4 КБ</c:v>
+                </c:pt>
+                <c:pt idx="3">
+                  <c:v>Запись 1 х 1.5 ГБ</c:v>
+                </c:pt>
+                <c:pt idx="4">
+                  <c:v>Запись 10000 х 4 КБ</c:v>
+                </c:pt>
+              </c:strCache>
+            </c:strRef>
+          </c:cat>
+          <c:val>
+            <c:numRef>
+              <c:f>Лист1!$C$2:$C$6</c:f>
+              <c:numCache>
+                <c:formatCode>General</c:formatCode>
+                <c:ptCount val="5"/>
+                <c:pt idx="0">
+                  <c:v>1.4</c:v>
+                </c:pt>
+                <c:pt idx="1">
+                  <c:v>21</c:v>
+                </c:pt>
+                <c:pt idx="2">
+                  <c:v>11</c:v>
+                </c:pt>
+                <c:pt idx="3">
+                  <c:v>31</c:v>
+                </c:pt>
+                <c:pt idx="4">
+                  <c:v>18.5</c:v>
+                </c:pt>
+              </c:numCache>
+            </c:numRef>
+          </c:val>
+        </c:ser>
+        <c:dLbls>
+          <c:showLegendKey val="0"/>
+          <c:showVal val="0"/>
+          <c:showCatName val="0"/>
+          <c:showSerName val="0"/>
+          <c:showPercent val="0"/>
+          <c:showBubbleSize val="0"/>
+        </c:dLbls>
+        <c:gapWidth val="219"/>
+        <c:overlap val="-27"/>
+        <c:axId val="410852192"/>
+        <c:axId val="213781168"/>
+      </c:barChart>
+      <c:catAx>
+        <c:axId val="410852192"/>
+        <c:scaling>
+          <c:orientation val="minMax"/>
+        </c:scaling>
+        <c:delete val="0"/>
+        <c:axPos val="b"/>
+        <c:numFmt formatCode="General" sourceLinked="1"/>
+        <c:majorTickMark val="none"/>
+        <c:minorTickMark val="none"/>
+        <c:tickLblPos val="nextTo"/>
+        <c:spPr>
+          <a:noFill/>
+          <a:ln w="9525" cap="flat" cmpd="sng" algn="ctr">
+            <a:solidFill>
+              <a:schemeClr val="tx1">
+                <a:lumMod val="15000"/>
+                <a:lumOff val="85000"/>
+              </a:schemeClr>
+            </a:solidFill>
+            <a:round/>
+          </a:ln>
+          <a:effectLst/>
+        </c:spPr>
+        <c:txPr>
+          <a:bodyPr rot="-60000000" spcFirstLastPara="1" vertOverflow="ellipsis" vert="horz" wrap="square" anchor="ctr" anchorCtr="1"/>
           <a:lstStyle/>
           <a:p>
             <a:pPr>
-              <a:defRPr sz="1862" b="0" i="0" u="none" strike="noStrike" kern="1200" spc="0" baseline="0">
+              <a:defRPr sz="1600" b="0" i="0" u="none" strike="noStrike" kern="1200" baseline="0">
                 <a:solidFill>
                   <a:schemeClr val="tx1">
                     <a:lumMod val="65000"/>
@@ -1487,31 +1663,195 @@
                 <a:cs typeface="+mn-cs"/>
               </a:defRPr>
             </a:pPr>
-            <a:r>
-              <a:rPr lang="ru-RU" dirty="0" smtClean="0"/>
+            <a:endParaRPr lang="ru-RU"/>
+          </a:p>
+        </c:txPr>
+        <c:crossAx val="213781168"/>
+        <c:crosses val="autoZero"/>
+        <c:auto val="1"/>
+        <c:lblAlgn val="ctr"/>
+        <c:lblOffset val="100"/>
+        <c:noMultiLvlLbl val="0"/>
+      </c:catAx>
+      <c:valAx>
+        <c:axId val="213781168"/>
+        <c:scaling>
+          <c:orientation val="minMax"/>
+        </c:scaling>
+        <c:delete val="0"/>
+        <c:axPos val="l"/>
+        <c:majorGridlines>
+          <c:spPr>
+            <a:ln w="9525" cap="flat" cmpd="sng" algn="ctr">
+              <a:solidFill>
+                <a:schemeClr val="tx1">
+                  <a:lumMod val="15000"/>
+                  <a:lumOff val="85000"/>
+                </a:schemeClr>
+              </a:solidFill>
+              <a:round/>
+            </a:ln>
+            <a:effectLst/>
+          </c:spPr>
+        </c:majorGridlines>
+        <c:numFmt formatCode="General" sourceLinked="1"/>
+        <c:majorTickMark val="cross"/>
+        <c:minorTickMark val="cross"/>
+        <c:tickLblPos val="nextTo"/>
+        <c:spPr>
+          <a:noFill/>
+          <a:ln>
+            <a:solidFill>
+              <a:schemeClr val="tx1"/>
+            </a:solidFill>
+          </a:ln>
+          <a:effectLst/>
+        </c:spPr>
+        <c:txPr>
+          <a:bodyPr rot="-60000000" spcFirstLastPara="1" vertOverflow="ellipsis" vert="horz" wrap="square" anchor="ctr" anchorCtr="1"/>
+          <a:lstStyle/>
+          <a:p>
+            <a:pPr>
+              <a:defRPr sz="1600" b="0" i="0" u="none" strike="noStrike" kern="1200" baseline="0">
+                <a:solidFill>
+                  <a:schemeClr val="tx1">
+                    <a:lumMod val="65000"/>
+                    <a:lumOff val="35000"/>
+                  </a:schemeClr>
+                </a:solidFill>
+                <a:latin typeface="+mn-lt"/>
+                <a:ea typeface="+mn-ea"/>
+                <a:cs typeface="+mn-cs"/>
+              </a:defRPr>
+            </a:pPr>
+            <a:endParaRPr lang="ru-RU"/>
+          </a:p>
+        </c:txPr>
+        <c:crossAx val="410852192"/>
+        <c:crosses val="autoZero"/>
+        <c:crossBetween val="between"/>
+        <c:minorUnit val="1"/>
+      </c:valAx>
+      <c:spPr>
+        <a:noFill/>
+        <a:ln>
+          <a:noFill/>
+        </a:ln>
+        <a:effectLst/>
+      </c:spPr>
+    </c:plotArea>
+    <c:legend>
+      <c:legendPos val="b"/>
+      <c:layout/>
+      <c:overlay val="0"/>
+      <c:spPr>
+        <a:noFill/>
+        <a:ln>
+          <a:noFill/>
+        </a:ln>
+        <a:effectLst/>
+      </c:spPr>
+      <c:txPr>
+        <a:bodyPr rot="0" spcFirstLastPara="1" vertOverflow="ellipsis" vert="horz" wrap="square" anchor="ctr" anchorCtr="1"/>
+        <a:lstStyle/>
+        <a:p>
+          <a:pPr>
+            <a:defRPr sz="1600" b="0" i="0" u="none" strike="noStrike" kern="1200" baseline="0">
+              <a:solidFill>
+                <a:schemeClr val="tx1">
+                  <a:lumMod val="65000"/>
+                  <a:lumOff val="35000"/>
+                </a:schemeClr>
+              </a:solidFill>
+              <a:latin typeface="+mn-lt"/>
+              <a:ea typeface="+mn-ea"/>
+              <a:cs typeface="+mn-cs"/>
+            </a:defRPr>
+          </a:pPr>
+          <a:endParaRPr lang="ru-RU"/>
+        </a:p>
+      </c:txPr>
+    </c:legend>
+    <c:plotVisOnly val="1"/>
+    <c:dispBlanksAs val="gap"/>
+    <c:showDLblsOverMax val="0"/>
+  </c:chart>
+  <c:spPr>
+    <a:noFill/>
+    <a:ln>
+      <a:noFill/>
+    </a:ln>
+    <a:effectLst/>
+  </c:spPr>
+  <c:txPr>
+    <a:bodyPr/>
+    <a:lstStyle/>
+    <a:p>
+      <a:pPr>
+        <a:defRPr sz="1600"/>
+      </a:pPr>
+      <a:endParaRPr lang="ru-RU"/>
+    </a:p>
+  </c:txPr>
+  <c:externalData r:id="rId3">
+    <c:autoUpdate val="0"/>
+  </c:externalData>
+</c:chartSpace>
+</file>
+
+<file path=ppt/charts/chart5.xml><?xml version="1.0" encoding="utf-8"?>
+<c:chartSpace xmlns:c="http://schemas.openxmlformats.org/drawingml/2006/chart" xmlns:a="http://schemas.openxmlformats.org/drawingml/2006/main" xmlns:r="http://schemas.openxmlformats.org/officeDocument/2006/relationships">
+  <c:date1904 val="0"/>
+  <c:lang val="ru-RU"/>
+  <c:roundedCorners val="0"/>
+  <mc:AlternateContent xmlns:mc="http://schemas.openxmlformats.org/markup-compatibility/2006">
+    <mc:Choice xmlns:c14="http://schemas.microsoft.com/office/drawing/2007/8/2/chart" Requires="c14">
+      <c14:style val="102"/>
+    </mc:Choice>
+    <mc:Fallback>
+      <c:style val="2"/>
+    </mc:Fallback>
+  </mc:AlternateContent>
+  <c:chart>
+    <c:title>
+      <c:tx>
+        <c:rich>
+          <a:bodyPr rot="0" spcFirstLastPara="1" vertOverflow="ellipsis" vert="horz" wrap="square" anchor="ctr" anchorCtr="1"/>
+          <a:lstStyle/>
+          <a:p>
+            <a:pPr>
+              <a:defRPr sz="1920" b="0" i="0" u="none" strike="noStrike" kern="1200" spc="0" baseline="0">
+                <a:solidFill>
+                  <a:schemeClr val="tx1">
+                    <a:lumMod val="65000"/>
+                    <a:lumOff val="35000"/>
+                  </a:schemeClr>
+                </a:solidFill>
+                <a:latin typeface="+mn-lt"/>
+                <a:ea typeface="+mn-ea"/>
+                <a:cs typeface="+mn-cs"/>
+              </a:defRPr>
+            </a:pPr>
+            <a:r>
+              <a:rPr lang="ru-RU" sz="2400" dirty="0"/>
               <a:t>Работа с </a:t>
             </a:r>
             <a:r>
-              <a:rPr lang="en-US" dirty="0" smtClean="0"/>
+              <a:rPr lang="en-US" sz="2400" dirty="0"/>
               <a:t>USB-</a:t>
             </a:r>
             <a:r>
-              <a:rPr lang="ru-RU" dirty="0" smtClean="0"/>
-              <a:t>флэшкой:</a:t>
-            </a:r>
-            <a:r>
-              <a:rPr lang="ru-RU" baseline="0" dirty="0" smtClean="0"/>
-              <a:t> 4 ГБ, </a:t>
-            </a:r>
-            <a:r>
-              <a:rPr lang="en-US" baseline="0" dirty="0" smtClean="0"/>
+              <a:rPr lang="ru-RU" sz="2400" dirty="0"/>
+              <a:t>флэшкой: 4 ГБ, </a:t>
+            </a:r>
+            <a:r>
+              <a:rPr lang="en-US" sz="2400" dirty="0"/>
               <a:t>Ext2</a:t>
             </a:r>
             <a:r>
-              <a:rPr lang="ru-RU" baseline="0" dirty="0" smtClean="0"/>
+              <a:rPr lang="ru-RU" sz="2400" dirty="0"/>
               <a:t> </a:t>
             </a:r>
-            <a:endParaRPr lang="ru-RU" dirty="0"/>
           </a:p>
         </c:rich>
       </c:tx>
@@ -1529,7 +1869,7 @@
         <a:lstStyle/>
         <a:p>
           <a:pPr>
-            <a:defRPr sz="1862" b="0" i="0" u="none" strike="noStrike" kern="1200" spc="0" baseline="0">
+            <a:defRPr sz="1920" b="0" i="0" u="none" strike="noStrike" kern="1200" spc="0" baseline="0">
               <a:solidFill>
                 <a:schemeClr val="tx1">
                   <a:lumMod val="65000"/>
@@ -1568,7 +1908,7 @@
           </c:tx>
           <c:spPr>
             <a:solidFill>
-              <a:schemeClr val="accent1"/>
+              <a:schemeClr val="accent5"/>
             </a:solidFill>
             <a:ln>
               <a:noFill/>
@@ -1634,7 +1974,7 @@
           </c:tx>
           <c:spPr>
             <a:solidFill>
-              <a:schemeClr val="accent2"/>
+              <a:schemeClr val="accent4"/>
             </a:solidFill>
             <a:ln>
               <a:noFill/>
@@ -1694,11 +2034,11 @@
         </c:dLbls>
         <c:gapWidth val="219"/>
         <c:overlap val="-27"/>
-        <c:axId val="136271136"/>
-        <c:axId val="136271696"/>
+        <c:axId val="107738528"/>
+        <c:axId val="107739088"/>
       </c:barChart>
       <c:catAx>
-        <c:axId val="136271136"/>
+        <c:axId val="107738528"/>
         <c:scaling>
           <c:orientation val="minMax"/>
         </c:scaling>
@@ -1726,7 +2066,7 @@
           <a:lstStyle/>
           <a:p>
             <a:pPr>
-              <a:defRPr sz="1197" b="0" i="0" u="none" strike="noStrike" kern="1200" baseline="0">
+              <a:defRPr sz="1600" b="0" i="0" u="none" strike="noStrike" kern="1200" baseline="0">
                 <a:solidFill>
                   <a:schemeClr val="tx1">
                     <a:lumMod val="65000"/>
@@ -1741,7 +2081,7 @@
             <a:endParaRPr lang="ru-RU"/>
           </a:p>
         </c:txPr>
-        <c:crossAx val="136271696"/>
+        <c:crossAx val="107739088"/>
         <c:crosses val="autoZero"/>
         <c:auto val="1"/>
         <c:lblAlgn val="ctr"/>
@@ -1749,7 +2089,7 @@
         <c:noMultiLvlLbl val="0"/>
       </c:catAx>
       <c:valAx>
-        <c:axId val="136271696"/>
+        <c:axId val="107739088"/>
         <c:scaling>
           <c:orientation val="minMax"/>
         </c:scaling>
@@ -1785,7 +2125,7 @@
           <a:lstStyle/>
           <a:p>
             <a:pPr>
-              <a:defRPr sz="1197" b="0" i="0" u="none" strike="noStrike" kern="1200" baseline="0">
+              <a:defRPr sz="1600" b="0" i="0" u="none" strike="noStrike" kern="1200" baseline="0">
                 <a:solidFill>
                   <a:schemeClr val="tx1">
                     <a:lumMod val="65000"/>
@@ -1800,7 +2140,7 @@
             <a:endParaRPr lang="ru-RU"/>
           </a:p>
         </c:txPr>
-        <c:crossAx val="136271136"/>
+        <c:crossAx val="107738528"/>
         <c:crosses val="autoZero"/>
         <c:crossBetween val="between"/>
       </c:valAx>
@@ -1814,7 +2154,16 @@
     </c:plotArea>
     <c:legend>
       <c:legendPos val="b"/>
-      <c:layout/>
+      <c:layout>
+        <c:manualLayout>
+          <c:xMode val="edge"/>
+          <c:yMode val="edge"/>
+          <c:x val="0.29775676138308799"/>
+          <c:y val="0.92605722653583789"/>
+          <c:w val="0.40931739510822018"/>
+          <c:h val="7.3942773464162059E-2"/>
+        </c:manualLayout>
+      </c:layout>
       <c:overlay val="0"/>
       <c:spPr>
         <a:noFill/>
@@ -1828,7 +2177,7 @@
         <a:lstStyle/>
         <a:p>
           <a:pPr>
-            <a:defRPr sz="1197" b="0" i="0" u="none" strike="noStrike" kern="1200" baseline="0">
+            <a:defRPr sz="1800" b="0" i="0" u="none" strike="noStrike" kern="1200" baseline="0">
               <a:solidFill>
                 <a:schemeClr val="tx1">
                   <a:lumMod val="65000"/>
@@ -1860,7 +2209,7 @@
     <a:lstStyle/>
     <a:p>
       <a:pPr>
-        <a:defRPr/>
+        <a:defRPr sz="1600"/>
       </a:pPr>
       <a:endParaRPr lang="ru-RU"/>
     </a:p>
@@ -1992,6 +2341,46 @@
 </file>
 
 <file path=ppt/charts/colors4.xml><?xml version="1.0" encoding="utf-8"?>
+<cs:colorStyle xmlns:cs="http://schemas.microsoft.com/office/drawing/2012/chartStyle" xmlns:a="http://schemas.openxmlformats.org/drawingml/2006/main" meth="cycle" id="10">
+  <a:schemeClr val="accent1"/>
+  <a:schemeClr val="accent2"/>
+  <a:schemeClr val="accent3"/>
+  <a:schemeClr val="accent4"/>
+  <a:schemeClr val="accent5"/>
+  <a:schemeClr val="accent6"/>
+  <cs:variation/>
+  <cs:variation>
+    <a:lumMod val="60000"/>
+  </cs:variation>
+  <cs:variation>
+    <a:lumMod val="80000"/>
+    <a:lumOff val="20000"/>
+  </cs:variation>
+  <cs:variation>
+    <a:lumMod val="80000"/>
+  </cs:variation>
+  <cs:variation>
+    <a:lumMod val="60000"/>
+    <a:lumOff val="40000"/>
+  </cs:variation>
+  <cs:variation>
+    <a:lumMod val="50000"/>
+  </cs:variation>
+  <cs:variation>
+    <a:lumMod val="70000"/>
+    <a:lumOff val="30000"/>
+  </cs:variation>
+  <cs:variation>
+    <a:lumMod val="70000"/>
+  </cs:variation>
+  <cs:variation>
+    <a:lumMod val="50000"/>
+    <a:lumOff val="50000"/>
+  </cs:variation>
+</cs:colorStyle>
+</file>
+
+<file path=ppt/charts/colors5.xml><?xml version="1.0" encoding="utf-8"?>
 <cs:colorStyle xmlns:cs="http://schemas.microsoft.com/office/drawing/2012/chartStyle" xmlns:a="http://schemas.openxmlformats.org/drawingml/2006/main" meth="cycle" id="10">
   <a:schemeClr val="accent1"/>
   <a:schemeClr val="accent2"/>
@@ -4043,6 +4432,509 @@
 </cs:chartStyle>
 </file>
 
+<file path=ppt/charts/style5.xml><?xml version="1.0" encoding="utf-8"?>
+<cs:chartStyle xmlns:cs="http://schemas.microsoft.com/office/drawing/2012/chartStyle" xmlns:a="http://schemas.openxmlformats.org/drawingml/2006/main" id="201">
+  <cs:axisTitle>
+    <cs:lnRef idx="0"/>
+    <cs:fillRef idx="0"/>
+    <cs:effectRef idx="0"/>
+    <cs:fontRef idx="minor">
+      <a:schemeClr val="tx1">
+        <a:lumMod val="65000"/>
+        <a:lumOff val="35000"/>
+      </a:schemeClr>
+    </cs:fontRef>
+    <cs:defRPr sz="1330" kern="1200"/>
+  </cs:axisTitle>
+  <cs:categoryAxis>
+    <cs:lnRef idx="0"/>
+    <cs:fillRef idx="0"/>
+    <cs:effectRef idx="0"/>
+    <cs:fontRef idx="minor">
+      <a:schemeClr val="tx1">
+        <a:lumMod val="65000"/>
+        <a:lumOff val="35000"/>
+      </a:schemeClr>
+    </cs:fontRef>
+    <cs:spPr>
+      <a:ln w="9525" cap="flat" cmpd="sng" algn="ctr">
+        <a:solidFill>
+          <a:schemeClr val="tx1">
+            <a:lumMod val="15000"/>
+            <a:lumOff val="85000"/>
+          </a:schemeClr>
+        </a:solidFill>
+        <a:round/>
+      </a:ln>
+    </cs:spPr>
+    <cs:defRPr sz="1197" kern="1200"/>
+  </cs:categoryAxis>
+  <cs:chartArea mods="allowNoFillOverride allowNoLineOverride">
+    <cs:lnRef idx="0"/>
+    <cs:fillRef idx="0"/>
+    <cs:effectRef idx="0"/>
+    <cs:fontRef idx="minor">
+      <a:schemeClr val="tx1"/>
+    </cs:fontRef>
+    <cs:spPr>
+      <a:solidFill>
+        <a:schemeClr val="bg1"/>
+      </a:solidFill>
+      <a:ln w="9525" cap="flat" cmpd="sng" algn="ctr">
+        <a:solidFill>
+          <a:schemeClr val="tx1">
+            <a:lumMod val="15000"/>
+            <a:lumOff val="85000"/>
+          </a:schemeClr>
+        </a:solidFill>
+        <a:round/>
+      </a:ln>
+    </cs:spPr>
+    <cs:defRPr sz="1330" kern="1200"/>
+  </cs:chartArea>
+  <cs:dataLabel>
+    <cs:lnRef idx="0"/>
+    <cs:fillRef idx="0"/>
+    <cs:effectRef idx="0"/>
+    <cs:fontRef idx="minor">
+      <a:schemeClr val="tx1">
+        <a:lumMod val="75000"/>
+        <a:lumOff val="25000"/>
+      </a:schemeClr>
+    </cs:fontRef>
+    <cs:defRPr sz="1197" kern="1200"/>
+  </cs:dataLabel>
+  <cs:dataLabelCallout>
+    <cs:lnRef idx="0"/>
+    <cs:fillRef idx="0"/>
+    <cs:effectRef idx="0"/>
+    <cs:fontRef idx="minor">
+      <a:schemeClr val="dk1">
+        <a:lumMod val="65000"/>
+        <a:lumOff val="35000"/>
+      </a:schemeClr>
+    </cs:fontRef>
+    <cs:spPr>
+      <a:solidFill>
+        <a:schemeClr val="lt1"/>
+      </a:solidFill>
+      <a:ln>
+        <a:solidFill>
+          <a:schemeClr val="dk1">
+            <a:lumMod val="25000"/>
+            <a:lumOff val="75000"/>
+          </a:schemeClr>
+        </a:solidFill>
+      </a:ln>
+    </cs:spPr>
+    <cs:defRPr sz="1197" kern="1200"/>
+    <cs:bodyPr rot="0" spcFirstLastPara="1" vertOverflow="clip" horzOverflow="clip" vert="horz" wrap="square" lIns="36576" tIns="18288" rIns="36576" bIns="18288" anchor="ctr" anchorCtr="1">
+      <a:spAutoFit/>
+    </cs:bodyPr>
+  </cs:dataLabelCallout>
+  <cs:dataPoint>
+    <cs:lnRef idx="0"/>
+    <cs:fillRef idx="1">
+      <cs:styleClr val="auto"/>
+    </cs:fillRef>
+    <cs:effectRef idx="0"/>
+    <cs:fontRef idx="minor">
+      <a:schemeClr val="tx1"/>
+    </cs:fontRef>
+  </cs:dataPoint>
+  <cs:dataPoint3D>
+    <cs:lnRef idx="0"/>
+    <cs:fillRef idx="1">
+      <cs:styleClr val="auto"/>
+    </cs:fillRef>
+    <cs:effectRef idx="0"/>
+    <cs:fontRef idx="minor">
+      <a:schemeClr val="tx1"/>
+    </cs:fontRef>
+  </cs:dataPoint3D>
+  <cs:dataPointLine>
+    <cs:lnRef idx="0">
+      <cs:styleClr val="auto"/>
+    </cs:lnRef>
+    <cs:fillRef idx="1"/>
+    <cs:effectRef idx="0"/>
+    <cs:fontRef idx="minor">
+      <a:schemeClr val="tx1"/>
+    </cs:fontRef>
+    <cs:spPr>
+      <a:ln w="28575" cap="rnd">
+        <a:solidFill>
+          <a:schemeClr val="phClr"/>
+        </a:solidFill>
+        <a:round/>
+      </a:ln>
+    </cs:spPr>
+  </cs:dataPointLine>
+  <cs:dataPointMarker>
+    <cs:lnRef idx="0">
+      <cs:styleClr val="auto"/>
+    </cs:lnRef>
+    <cs:fillRef idx="1">
+      <cs:styleClr val="auto"/>
+    </cs:fillRef>
+    <cs:effectRef idx="0"/>
+    <cs:fontRef idx="minor">
+      <a:schemeClr val="tx1"/>
+    </cs:fontRef>
+    <cs:spPr>
+      <a:ln w="9525">
+        <a:solidFill>
+          <a:schemeClr val="phClr"/>
+        </a:solidFill>
+      </a:ln>
+    </cs:spPr>
+  </cs:dataPointMarker>
+  <cs:dataPointMarkerLayout symbol="circle" size="5"/>
+  <cs:dataPointWireframe>
+    <cs:lnRef idx="0">
+      <cs:styleClr val="auto"/>
+    </cs:lnRef>
+    <cs:fillRef idx="1"/>
+    <cs:effectRef idx="0"/>
+    <cs:fontRef idx="minor">
+      <a:schemeClr val="tx1"/>
+    </cs:fontRef>
+    <cs:spPr>
+      <a:ln w="9525" cap="rnd">
+        <a:solidFill>
+          <a:schemeClr val="phClr"/>
+        </a:solidFill>
+        <a:round/>
+      </a:ln>
+    </cs:spPr>
+  </cs:dataPointWireframe>
+  <cs:dataTable>
+    <cs:lnRef idx="0"/>
+    <cs:fillRef idx="0"/>
+    <cs:effectRef idx="0"/>
+    <cs:fontRef idx="minor">
+      <a:schemeClr val="tx1">
+        <a:lumMod val="65000"/>
+        <a:lumOff val="35000"/>
+      </a:schemeClr>
+    </cs:fontRef>
+    <cs:spPr>
+      <a:noFill/>
+      <a:ln w="9525" cap="flat" cmpd="sng" algn="ctr">
+        <a:solidFill>
+          <a:schemeClr val="tx1">
+            <a:lumMod val="15000"/>
+            <a:lumOff val="85000"/>
+          </a:schemeClr>
+        </a:solidFill>
+        <a:round/>
+      </a:ln>
+    </cs:spPr>
+    <cs:defRPr sz="1197" kern="1200"/>
+  </cs:dataTable>
+  <cs:downBar>
+    <cs:lnRef idx="0"/>
+    <cs:fillRef idx="0"/>
+    <cs:effectRef idx="0"/>
+    <cs:fontRef idx="minor">
+      <a:schemeClr val="dk1"/>
+    </cs:fontRef>
+    <cs:spPr>
+      <a:solidFill>
+        <a:schemeClr val="dk1">
+          <a:lumMod val="65000"/>
+          <a:lumOff val="35000"/>
+        </a:schemeClr>
+      </a:solidFill>
+      <a:ln w="9525">
+        <a:solidFill>
+          <a:schemeClr val="tx1">
+            <a:lumMod val="65000"/>
+            <a:lumOff val="35000"/>
+          </a:schemeClr>
+        </a:solidFill>
+      </a:ln>
+    </cs:spPr>
+  </cs:downBar>
+  <cs:dropLine>
+    <cs:lnRef idx="0"/>
+    <cs:fillRef idx="0"/>
+    <cs:effectRef idx="0"/>
+    <cs:fontRef idx="minor">
+      <a:schemeClr val="tx1"/>
+    </cs:fontRef>
+    <cs:spPr>
+      <a:ln w="9525" cap="flat" cmpd="sng" algn="ctr">
+        <a:solidFill>
+          <a:schemeClr val="tx1">
+            <a:lumMod val="35000"/>
+            <a:lumOff val="65000"/>
+          </a:schemeClr>
+        </a:solidFill>
+        <a:round/>
+      </a:ln>
+    </cs:spPr>
+  </cs:dropLine>
+  <cs:errorBar>
+    <cs:lnRef idx="0"/>
+    <cs:fillRef idx="0"/>
+    <cs:effectRef idx="0"/>
+    <cs:fontRef idx="minor">
+      <a:schemeClr val="tx1"/>
+    </cs:fontRef>
+    <cs:spPr>
+      <a:ln w="9525" cap="flat" cmpd="sng" algn="ctr">
+        <a:solidFill>
+          <a:schemeClr val="tx1">
+            <a:lumMod val="65000"/>
+            <a:lumOff val="35000"/>
+          </a:schemeClr>
+        </a:solidFill>
+        <a:round/>
+      </a:ln>
+    </cs:spPr>
+  </cs:errorBar>
+  <cs:floor>
+    <cs:lnRef idx="0"/>
+    <cs:fillRef idx="0"/>
+    <cs:effectRef idx="0"/>
+    <cs:fontRef idx="minor">
+      <a:schemeClr val="tx1"/>
+    </cs:fontRef>
+    <cs:spPr>
+      <a:noFill/>
+      <a:ln>
+        <a:noFill/>
+      </a:ln>
+    </cs:spPr>
+  </cs:floor>
+  <cs:gridlineMajor>
+    <cs:lnRef idx="0"/>
+    <cs:fillRef idx="0"/>
+    <cs:effectRef idx="0"/>
+    <cs:fontRef idx="minor">
+      <a:schemeClr val="tx1"/>
+    </cs:fontRef>
+    <cs:spPr>
+      <a:ln w="9525" cap="flat" cmpd="sng" algn="ctr">
+        <a:solidFill>
+          <a:schemeClr val="tx1">
+            <a:lumMod val="15000"/>
+            <a:lumOff val="85000"/>
+          </a:schemeClr>
+        </a:solidFill>
+        <a:round/>
+      </a:ln>
+    </cs:spPr>
+  </cs:gridlineMajor>
+  <cs:gridlineMinor>
+    <cs:lnRef idx="0"/>
+    <cs:fillRef idx="0"/>
+    <cs:effectRef idx="0"/>
+    <cs:fontRef idx="minor">
+      <a:schemeClr val="tx1"/>
+    </cs:fontRef>
+    <cs:spPr>
+      <a:ln w="9525" cap="flat" cmpd="sng" algn="ctr">
+        <a:solidFill>
+          <a:schemeClr val="tx1">
+            <a:lumMod val="5000"/>
+            <a:lumOff val="95000"/>
+          </a:schemeClr>
+        </a:solidFill>
+        <a:round/>
+      </a:ln>
+    </cs:spPr>
+  </cs:gridlineMinor>
+  <cs:hiLoLine>
+    <cs:lnRef idx="0"/>
+    <cs:fillRef idx="0"/>
+    <cs:effectRef idx="0"/>
+    <cs:fontRef idx="minor">
+      <a:schemeClr val="tx1"/>
+    </cs:fontRef>
+    <cs:spPr>
+      <a:ln w="9525" cap="flat" cmpd="sng" algn="ctr">
+        <a:solidFill>
+          <a:schemeClr val="tx1">
+            <a:lumMod val="75000"/>
+            <a:lumOff val="25000"/>
+          </a:schemeClr>
+        </a:solidFill>
+        <a:round/>
+      </a:ln>
+    </cs:spPr>
+  </cs:hiLoLine>
+  <cs:leaderLine>
+    <cs:lnRef idx="0"/>
+    <cs:fillRef idx="0"/>
+    <cs:effectRef idx="0"/>
+    <cs:fontRef idx="minor">
+      <a:schemeClr val="tx1"/>
+    </cs:fontRef>
+    <cs:spPr>
+      <a:ln w="9525" cap="flat" cmpd="sng" algn="ctr">
+        <a:solidFill>
+          <a:schemeClr val="tx1">
+            <a:lumMod val="35000"/>
+            <a:lumOff val="65000"/>
+          </a:schemeClr>
+        </a:solidFill>
+        <a:round/>
+      </a:ln>
+    </cs:spPr>
+  </cs:leaderLine>
+  <cs:legend>
+    <cs:lnRef idx="0"/>
+    <cs:fillRef idx="0"/>
+    <cs:effectRef idx="0"/>
+    <cs:fontRef idx="minor">
+      <a:schemeClr val="tx1">
+        <a:lumMod val="65000"/>
+        <a:lumOff val="35000"/>
+      </a:schemeClr>
+    </cs:fontRef>
+    <cs:defRPr sz="1197" kern="1200"/>
+  </cs:legend>
+  <cs:plotArea mods="allowNoFillOverride allowNoLineOverride">
+    <cs:lnRef idx="0"/>
+    <cs:fillRef idx="0"/>
+    <cs:effectRef idx="0"/>
+    <cs:fontRef idx="minor">
+      <a:schemeClr val="tx1"/>
+    </cs:fontRef>
+  </cs:plotArea>
+  <cs:plotArea3D mods="allowNoFillOverride allowNoLineOverride">
+    <cs:lnRef idx="0"/>
+    <cs:fillRef idx="0"/>
+    <cs:effectRef idx="0"/>
+    <cs:fontRef idx="minor">
+      <a:schemeClr val="tx1"/>
+    </cs:fontRef>
+  </cs:plotArea3D>
+  <cs:seriesAxis>
+    <cs:lnRef idx="0"/>
+    <cs:fillRef idx="0"/>
+    <cs:effectRef idx="0"/>
+    <cs:fontRef idx="minor">
+      <a:schemeClr val="tx1">
+        <a:lumMod val="65000"/>
+        <a:lumOff val="35000"/>
+      </a:schemeClr>
+    </cs:fontRef>
+    <cs:defRPr sz="1197" kern="1200"/>
+  </cs:seriesAxis>
+  <cs:seriesLine>
+    <cs:lnRef idx="0"/>
+    <cs:fillRef idx="0"/>
+    <cs:effectRef idx="0"/>
+    <cs:fontRef idx="minor">
+      <a:schemeClr val="tx1"/>
+    </cs:fontRef>
+    <cs:spPr>
+      <a:ln w="9525" cap="flat" cmpd="sng" algn="ctr">
+        <a:solidFill>
+          <a:schemeClr val="tx1">
+            <a:lumMod val="35000"/>
+            <a:lumOff val="65000"/>
+          </a:schemeClr>
+        </a:solidFill>
+        <a:round/>
+      </a:ln>
+    </cs:spPr>
+  </cs:seriesLine>
+  <cs:title>
+    <cs:lnRef idx="0"/>
+    <cs:fillRef idx="0"/>
+    <cs:effectRef idx="0"/>
+    <cs:fontRef idx="minor">
+      <a:schemeClr val="tx1">
+        <a:lumMod val="65000"/>
+        <a:lumOff val="35000"/>
+      </a:schemeClr>
+    </cs:fontRef>
+    <cs:defRPr sz="1862" b="0" kern="1200" spc="0" baseline="0"/>
+  </cs:title>
+  <cs:trendline>
+    <cs:lnRef idx="0">
+      <cs:styleClr val="auto"/>
+    </cs:lnRef>
+    <cs:fillRef idx="0"/>
+    <cs:effectRef idx="0"/>
+    <cs:fontRef idx="minor">
+      <a:schemeClr val="tx1"/>
+    </cs:fontRef>
+    <cs:spPr>
+      <a:ln w="19050" cap="rnd">
+        <a:solidFill>
+          <a:schemeClr val="phClr"/>
+        </a:solidFill>
+        <a:prstDash val="sysDot"/>
+      </a:ln>
+    </cs:spPr>
+  </cs:trendline>
+  <cs:trendlineLabel>
+    <cs:lnRef idx="0"/>
+    <cs:fillRef idx="0"/>
+    <cs:effectRef idx="0"/>
+    <cs:fontRef idx="minor">
+      <a:schemeClr val="tx1">
+        <a:lumMod val="65000"/>
+        <a:lumOff val="35000"/>
+      </a:schemeClr>
+    </cs:fontRef>
+    <cs:defRPr sz="1197" kern="1200"/>
+  </cs:trendlineLabel>
+  <cs:upBar>
+    <cs:lnRef idx="0"/>
+    <cs:fillRef idx="0"/>
+    <cs:effectRef idx="0"/>
+    <cs:fontRef idx="minor">
+      <a:schemeClr val="dk1"/>
+    </cs:fontRef>
+    <cs:spPr>
+      <a:solidFill>
+        <a:schemeClr val="lt1"/>
+      </a:solidFill>
+      <a:ln w="9525">
+        <a:solidFill>
+          <a:schemeClr val="tx1">
+            <a:lumMod val="15000"/>
+            <a:lumOff val="85000"/>
+          </a:schemeClr>
+        </a:solidFill>
+      </a:ln>
+    </cs:spPr>
+  </cs:upBar>
+  <cs:valueAxis>
+    <cs:lnRef idx="0"/>
+    <cs:fillRef idx="0"/>
+    <cs:effectRef idx="0"/>
+    <cs:fontRef idx="minor">
+      <a:schemeClr val="tx1">
+        <a:lumMod val="65000"/>
+        <a:lumOff val="35000"/>
+      </a:schemeClr>
+    </cs:fontRef>
+    <cs:defRPr sz="1197" kern="1200"/>
+  </cs:valueAxis>
+  <cs:wall>
+    <cs:lnRef idx="0"/>
+    <cs:fillRef idx="0"/>
+    <cs:effectRef idx="0"/>
+    <cs:fontRef idx="minor">
+      <a:schemeClr val="tx1"/>
+    </cs:fontRef>
+    <cs:spPr>
+      <a:noFill/>
+      <a:ln>
+        <a:noFill/>
+      </a:ln>
+    </cs:spPr>
+  </cs:wall>
+</cs:chartStyle>
+</file>
+
 <file path=ppt/handoutMasters/handoutMaster1.xml><?xml version="1.0" encoding="utf-8"?>
 <p:handoutMaster xmlns:a="http://schemas.openxmlformats.org/drawingml/2006/main" xmlns:r="http://schemas.openxmlformats.org/officeDocument/2006/relationships" xmlns:p="http://schemas.openxmlformats.org/presentationml/2006/main">
   <p:cSld>
@@ -4125,7 +5017,7 @@
           <a:p>
             <a:fld id="{366B7320-B199-4348-8A7B-B2B720FDDCF5}" type="datetimeFigureOut">
               <a:rPr lang="ru-RU" smtClean="0"/>
-              <a:t>12.05.2015</a:t>
+              <a:t>30.05.2015</a:t>
             </a:fld>
             <a:endParaRPr lang="ru-RU"/>
           </a:p>
@@ -4291,7 +5183,7 @@
           <a:p>
             <a:fld id="{3DD26253-D59A-4B0A-BF06-A252C4368F86}" type="datetimeFigureOut">
               <a:rPr lang="ru-RU" smtClean="0"/>
-              <a:t>12.05.2015</a:t>
+              <a:t>30.05.2015</a:t>
             </a:fld>
             <a:endParaRPr lang="ru-RU"/>
           </a:p>
@@ -4775,7 +5667,7 @@
           <a:p>
             <a:fld id="{69156FAB-53CF-4B59-AB41-817703D28BE0}" type="datetime1">
               <a:rPr lang="ru-RU" smtClean="0"/>
-              <a:t>12.05.2015</a:t>
+              <a:t>30.05.2015</a:t>
             </a:fld>
             <a:endParaRPr lang="ru-RU"/>
           </a:p>
@@ -4945,7 +5837,7 @@
           <a:p>
             <a:fld id="{1EC2A69D-209F-4B8C-9DEA-81BF6A4B4105}" type="datetime1">
               <a:rPr lang="ru-RU" smtClean="0"/>
-              <a:t>12.05.2015</a:t>
+              <a:t>30.05.2015</a:t>
             </a:fld>
             <a:endParaRPr lang="ru-RU"/>
           </a:p>
@@ -5125,7 +6017,7 @@
           <a:p>
             <a:fld id="{B2684D70-DDB8-4E77-8AD7-0351704ADC4B}" type="datetime1">
               <a:rPr lang="ru-RU" smtClean="0"/>
-              <a:t>12.05.2015</a:t>
+              <a:t>30.05.2015</a:t>
             </a:fld>
             <a:endParaRPr lang="ru-RU"/>
           </a:p>
@@ -5295,7 +6187,7 @@
           <a:p>
             <a:fld id="{59A2A2EE-83F0-4937-8AB9-FA8B54A62B2E}" type="datetime1">
               <a:rPr lang="ru-RU" smtClean="0"/>
-              <a:t>12.05.2015</a:t>
+              <a:t>30.05.2015</a:t>
             </a:fld>
             <a:endParaRPr lang="ru-RU"/>
           </a:p>
@@ -5541,7 +6433,7 @@
           <a:p>
             <a:fld id="{4A22B647-FA66-4A5C-B280-6C9D1EBD5903}" type="datetime1">
               <a:rPr lang="ru-RU" smtClean="0"/>
-              <a:t>12.05.2015</a:t>
+              <a:t>30.05.2015</a:t>
             </a:fld>
             <a:endParaRPr lang="ru-RU"/>
           </a:p>
@@ -5773,7 +6665,7 @@
           <a:p>
             <a:fld id="{8EC261B3-459B-46B4-8538-89179A99D9A0}" type="datetime1">
               <a:rPr lang="ru-RU" smtClean="0"/>
-              <a:t>12.05.2015</a:t>
+              <a:t>30.05.2015</a:t>
             </a:fld>
             <a:endParaRPr lang="ru-RU"/>
           </a:p>
@@ -6140,7 +7032,7 @@
           <a:p>
             <a:fld id="{FC1C3ECB-7E34-4A10-B00C-48213DAA4739}" type="datetime1">
               <a:rPr lang="ru-RU" smtClean="0"/>
-              <a:t>12.05.2015</a:t>
+              <a:t>30.05.2015</a:t>
             </a:fld>
             <a:endParaRPr lang="ru-RU"/>
           </a:p>
@@ -6258,7 +7150,7 @@
           <a:p>
             <a:fld id="{3F4B1430-CDDB-470D-80E5-299D6970BE24}" type="datetime1">
               <a:rPr lang="ru-RU" smtClean="0"/>
-              <a:t>12.05.2015</a:t>
+              <a:t>30.05.2015</a:t>
             </a:fld>
             <a:endParaRPr lang="ru-RU"/>
           </a:p>
@@ -6353,7 +7245,7 @@
           <a:p>
             <a:fld id="{ED3076F7-ED44-4350-82F2-FECF382FDC47}" type="datetime1">
               <a:rPr lang="ru-RU" smtClean="0"/>
-              <a:t>12.05.2015</a:t>
+              <a:t>30.05.2015</a:t>
             </a:fld>
             <a:endParaRPr lang="ru-RU"/>
           </a:p>
@@ -6630,7 +7522,7 @@
           <a:p>
             <a:fld id="{F730ABC6-06CC-4491-9F12-93C3D271067E}" type="datetime1">
               <a:rPr lang="ru-RU" smtClean="0"/>
-              <a:t>12.05.2015</a:t>
+              <a:t>30.05.2015</a:t>
             </a:fld>
             <a:endParaRPr lang="ru-RU"/>
           </a:p>
@@ -6883,7 +7775,7 @@
           <a:p>
             <a:fld id="{91143EDE-18C6-4F2A-99CA-6FE158C3D105}" type="datetime1">
               <a:rPr lang="ru-RU" smtClean="0"/>
-              <a:t>12.05.2015</a:t>
+              <a:t>30.05.2015</a:t>
             </a:fld>
             <a:endParaRPr lang="ru-RU"/>
           </a:p>
@@ -7096,7 +7988,7 @@
           <a:p>
             <a:fld id="{43DA0F1F-44AE-44AC-8DF8-913DCBC9FA9F}" type="datetime1">
               <a:rPr lang="ru-RU" smtClean="0"/>
-              <a:t>12.05.2015</a:t>
+              <a:t>30.05.2015</a:t>
             </a:fld>
             <a:endParaRPr lang="ru-RU"/>
           </a:p>
@@ -10668,7 +11560,7 @@
           <p:nvPr>
             <p:extLst>
               <p:ext uri="{D42A27DB-BD31-4B8C-83A1-F6EECF244321}">
-                <p14:modId xmlns:p14="http://schemas.microsoft.com/office/powerpoint/2010/main" val="3226926925"/>
+                <p14:modId xmlns:p14="http://schemas.microsoft.com/office/powerpoint/2010/main" val="101848867"/>
               </p:ext>
             </p:extLst>
           </p:nvPr>
@@ -10719,8 +11611,8 @@
         </p:nvSpPr>
         <p:spPr>
           <a:xfrm rot="16200000">
-            <a:off x="562023" y="3708547"/>
-            <a:ext cx="832279" cy="307777"/>
+            <a:off x="517940" y="3693159"/>
+            <a:ext cx="920445" cy="338554"/>
           </a:xfrm>
           <a:prstGeom prst="rect">
             <a:avLst/>
@@ -10734,10 +11626,10 @@
           <a:lstStyle/>
           <a:p>
             <a:r>
-              <a:rPr lang="ru-RU" sz="1400" dirty="0" smtClean="0"/>
+              <a:rPr lang="ru-RU" sz="1600" dirty="0" smtClean="0"/>
               <a:t>секунды</a:t>
             </a:r>
-            <a:endParaRPr lang="ru-RU" sz="1400" dirty="0"/>
+            <a:endParaRPr lang="ru-RU" sz="1600" dirty="0"/>
           </a:p>
         </p:txBody>
       </p:sp>
@@ -10915,7 +11807,7 @@
           <p:nvPr>
             <p:extLst>
               <p:ext uri="{D42A27DB-BD31-4B8C-83A1-F6EECF244321}">
-                <p14:modId xmlns:p14="http://schemas.microsoft.com/office/powerpoint/2010/main" val="534078779"/>
+                <p14:modId xmlns:p14="http://schemas.microsoft.com/office/powerpoint/2010/main" val="2799640654"/>
               </p:ext>
             </p:extLst>
           </p:nvPr>
@@ -10938,8 +11830,8 @@
         </p:nvSpPr>
         <p:spPr>
           <a:xfrm rot="16200000">
-            <a:off x="400659" y="3708547"/>
-            <a:ext cx="832279" cy="307777"/>
+            <a:off x="356576" y="3693159"/>
+            <a:ext cx="920445" cy="338554"/>
           </a:xfrm>
           <a:prstGeom prst="rect">
             <a:avLst/>
@@ -10953,10 +11845,10 @@
           <a:lstStyle/>
           <a:p>
             <a:r>
-              <a:rPr lang="ru-RU" sz="1400" dirty="0" smtClean="0"/>
+              <a:rPr lang="ru-RU" sz="1600" dirty="0" smtClean="0"/>
               <a:t>секунды</a:t>
             </a:r>
-            <a:endParaRPr lang="ru-RU" sz="1400" dirty="0"/>
+            <a:endParaRPr lang="ru-RU" sz="1600" dirty="0"/>
           </a:p>
         </p:txBody>
       </p:sp>
@@ -12528,7 +13420,7 @@
           <p:nvPr>
             <p:extLst>
               <p:ext uri="{D42A27DB-BD31-4B8C-83A1-F6EECF244321}">
-                <p14:modId xmlns:p14="http://schemas.microsoft.com/office/powerpoint/2010/main" val="781399671"/>
+                <p14:modId xmlns:p14="http://schemas.microsoft.com/office/powerpoint/2010/main" val="3311512650"/>
               </p:ext>
             </p:extLst>
           </p:nvPr>
@@ -12579,8 +13471,8 @@
         </p:nvSpPr>
         <p:spPr>
           <a:xfrm rot="16200000">
-            <a:off x="400659" y="3708547"/>
-            <a:ext cx="832279" cy="307777"/>
+            <a:off x="356576" y="3693159"/>
+            <a:ext cx="920445" cy="338554"/>
           </a:xfrm>
           <a:prstGeom prst="rect">
             <a:avLst/>
@@ -12594,10 +13486,10 @@
           <a:lstStyle/>
           <a:p>
             <a:r>
-              <a:rPr lang="ru-RU" sz="1400" dirty="0" smtClean="0"/>
+              <a:rPr lang="ru-RU" sz="1600" dirty="0" smtClean="0"/>
               <a:t>секунды</a:t>
             </a:r>
-            <a:endParaRPr lang="ru-RU" sz="1400" dirty="0"/>
+            <a:endParaRPr lang="ru-RU" sz="1600" dirty="0"/>
           </a:p>
         </p:txBody>
       </p:sp>
@@ -14531,7 +15423,12 @@
             <p:ph type="title"/>
           </p:nvPr>
         </p:nvSpPr>
-        <p:spPr/>
+        <p:spPr>
+          <a:xfrm>
+            <a:off x="838199" y="365125"/>
+            <a:ext cx="11297771" cy="1325563"/>
+          </a:xfrm>
+        </p:spPr>
         <p:txBody>
           <a:bodyPr/>
           <a:lstStyle/>
@@ -14542,7 +15439,1199 @@
                   <a:schemeClr val="bg1"/>
                 </a:solidFill>
               </a:rPr>
-              <a:t>Сравнение производительности</a:t>
+              <a:t>Сравнение </a:t>
+            </a:r>
+            <a:r>
+              <a:rPr lang="ru-RU" dirty="0" smtClean="0">
+                <a:solidFill>
+                  <a:schemeClr val="bg1"/>
+                </a:solidFill>
+              </a:rPr>
+              <a:t>производительности</a:t>
+            </a:r>
+            <a:r>
+              <a:rPr lang="en-US" dirty="0" smtClean="0">
+                <a:solidFill>
+                  <a:schemeClr val="bg1"/>
+                </a:solidFill>
+              </a:rPr>
+              <a:t>: QEMU </a:t>
+            </a:r>
+            <a:r>
+              <a:rPr lang="ru-RU" dirty="0" smtClean="0">
+                <a:solidFill>
+                  <a:schemeClr val="bg1"/>
+                </a:solidFill>
+              </a:rPr>
+              <a:t>и</a:t>
+            </a:r>
+            <a:r>
+              <a:rPr lang="en-US" dirty="0" smtClean="0">
+                <a:solidFill>
+                  <a:schemeClr val="bg1"/>
+                </a:solidFill>
+              </a:rPr>
+              <a:t> UML</a:t>
+            </a:r>
+            <a:endParaRPr lang="ru-RU" dirty="0">
+              <a:solidFill>
+                <a:schemeClr val="bg1"/>
+              </a:solidFill>
+            </a:endParaRPr>
+          </a:p>
+        </p:txBody>
+      </p:sp>
+      <p:graphicFrame>
+        <p:nvGraphicFramePr>
+          <p:cNvPr id="6" name="Диаграмма 5"/>
+          <p:cNvGraphicFramePr/>
+          <p:nvPr>
+            <p:extLst>
+              <p:ext uri="{D42A27DB-BD31-4B8C-83A1-F6EECF244321}">
+                <p14:modId xmlns:p14="http://schemas.microsoft.com/office/powerpoint/2010/main" val="3338301112"/>
+              </p:ext>
+            </p:extLst>
+          </p:nvPr>
+        </p:nvGraphicFramePr>
+        <p:xfrm>
+          <a:off x="1211356" y="1633818"/>
+          <a:ext cx="9769288" cy="5162066"/>
+        </p:xfrm>
+        <a:graphic>
+          <a:graphicData uri="http://schemas.openxmlformats.org/drawingml/2006/chart">
+            <c:chart xmlns:c="http://schemas.openxmlformats.org/drawingml/2006/chart" xmlns:r="http://schemas.openxmlformats.org/officeDocument/2006/relationships" r:id="rId3"/>
+          </a:graphicData>
+        </a:graphic>
+      </p:graphicFrame>
+      <p:sp>
+        <p:nvSpPr>
+          <p:cNvPr id="7" name="Номер слайда 3"/>
+          <p:cNvSpPr>
+            <a:spLocks noGrp="1"/>
+          </p:cNvSpPr>
+          <p:nvPr>
+            <p:ph type="sldNum" sz="quarter" idx="12"/>
+          </p:nvPr>
+        </p:nvSpPr>
+        <p:spPr>
+          <a:xfrm>
+            <a:off x="9242612" y="6414885"/>
+            <a:ext cx="2743200" cy="365125"/>
+          </a:xfrm>
+        </p:spPr>
+        <p:txBody>
+          <a:bodyPr/>
+          <a:lstStyle/>
+          <a:p>
+            <a:r>
+              <a:rPr lang="ru-RU" dirty="0" smtClean="0"/>
+              <a:t>20</a:t>
+            </a:r>
+            <a:r>
+              <a:rPr lang="en-US" dirty="0" smtClean="0"/>
+              <a:t>/17</a:t>
+            </a:r>
+            <a:endParaRPr lang="ru-RU" dirty="0"/>
+          </a:p>
+        </p:txBody>
+      </p:sp>
+      <p:sp>
+        <p:nvSpPr>
+          <p:cNvPr id="8" name="TextBox 7"/>
+          <p:cNvSpPr txBox="1"/>
+          <p:nvPr/>
+        </p:nvSpPr>
+        <p:spPr>
+          <a:xfrm rot="16200000">
+            <a:off x="517940" y="3693159"/>
+            <a:ext cx="920445" cy="338554"/>
+          </a:xfrm>
+          <a:prstGeom prst="rect">
+            <a:avLst/>
+          </a:prstGeom>
+          <a:noFill/>
+        </p:spPr>
+        <p:txBody>
+          <a:bodyPr wrap="none" rtlCol="0">
+            <a:spAutoFit/>
+          </a:bodyPr>
+          <a:lstStyle/>
+          <a:p>
+            <a:r>
+              <a:rPr lang="ru-RU" sz="1600" dirty="0" smtClean="0"/>
+              <a:t>секунды</a:t>
+            </a:r>
+            <a:endParaRPr lang="ru-RU" sz="1600" dirty="0"/>
+          </a:p>
+        </p:txBody>
+      </p:sp>
+    </p:spTree>
+    <p:extLst>
+      <p:ext uri="{BB962C8B-B14F-4D97-AF65-F5344CB8AC3E}">
+        <p14:creationId xmlns:p14="http://schemas.microsoft.com/office/powerpoint/2010/main" val="1597871314"/>
+      </p:ext>
+    </p:extLst>
+  </p:cSld>
+  <p:clrMapOvr>
+    <a:masterClrMapping/>
+  </p:clrMapOvr>
+  <p:timing>
+    <p:tnLst>
+      <p:par>
+        <p:cTn id="1" dur="indefinite" restart="never" nodeType="tmRoot"/>
+      </p:par>
+    </p:tnLst>
+  </p:timing>
+</p:sld>
+</file>
+
+<file path=ppt/slides/slide21.xml><?xml version="1.0" encoding="utf-8"?>
+<p:sld xmlns:a="http://schemas.openxmlformats.org/drawingml/2006/main" xmlns:r="http://schemas.openxmlformats.org/officeDocument/2006/relationships" xmlns:p="http://schemas.openxmlformats.org/presentationml/2006/main">
+  <p:cSld>
+    <p:spTree>
+      <p:nvGrpSpPr>
+        <p:cNvPr id="1" name=""/>
+        <p:cNvGrpSpPr/>
+        <p:nvPr/>
+      </p:nvGrpSpPr>
+      <p:grpSpPr>
+        <a:xfrm>
+          <a:off x="0" y="0"/>
+          <a:ext cx="0" cy="0"/>
+          <a:chOff x="0" y="0"/>
+          <a:chExt cx="0" cy="0"/>
+        </a:xfrm>
+      </p:grpSpPr>
+      <p:pic>
+        <p:nvPicPr>
+          <p:cNvPr id="5" name="Picture 4" descr="http://windowsapptutorials.com/wp-content/uploads/2014/12/Windows-8.1.jpg"/>
+          <p:cNvPicPr>
+            <a:picLocks noChangeAspect="1" noChangeArrowheads="1"/>
+          </p:cNvPicPr>
+          <p:nvPr/>
+        </p:nvPicPr>
+        <p:blipFill rotWithShape="1">
+          <a:blip r:embed="rId2">
+            <a:extLst>
+              <a:ext uri="{28A0092B-C50C-407E-A947-70E740481C1C}">
+                <a14:useLocalDpi xmlns:a14="http://schemas.microsoft.com/office/drawing/2010/main" val="0"/>
+              </a:ext>
+            </a:extLst>
+          </a:blip>
+          <a:srcRect l="-426" t="189" r="426" b="72317"/>
+          <a:stretch/>
+        </p:blipFill>
+        <p:spPr bwMode="auto">
+          <a:xfrm rot="10800000">
+            <a:off x="-6720" y="134472"/>
+            <a:ext cx="12265959" cy="1311088"/>
+          </a:xfrm>
+          <a:prstGeom prst="rect">
+            <a:avLst/>
+          </a:prstGeom>
+          <a:noFill/>
+          <a:extLst>
+            <a:ext uri="{909E8E84-426E-40DD-AFC4-6F175D3DCCD1}">
+              <a14:hiddenFill xmlns:a14="http://schemas.microsoft.com/office/drawing/2010/main">
+                <a:solidFill>
+                  <a:srgbClr val="FFFFFF"/>
+                </a:solidFill>
+              </a14:hiddenFill>
+            </a:ext>
+          </a:extLst>
+        </p:spPr>
+      </p:pic>
+      <p:sp>
+        <p:nvSpPr>
+          <p:cNvPr id="2" name="Заголовок 1"/>
+          <p:cNvSpPr>
+            <a:spLocks noGrp="1"/>
+          </p:cNvSpPr>
+          <p:nvPr>
+            <p:ph type="title"/>
+          </p:nvPr>
+        </p:nvSpPr>
+        <p:spPr/>
+        <p:txBody>
+          <a:bodyPr/>
+          <a:lstStyle/>
+          <a:p>
+            <a:r>
+              <a:rPr lang="ru-RU" dirty="0" smtClean="0">
+                <a:solidFill>
+                  <a:schemeClr val="bg1"/>
+                </a:solidFill>
+              </a:rPr>
+              <a:t>Потребляемая память</a:t>
+            </a:r>
+            <a:endParaRPr lang="ru-RU" dirty="0">
+              <a:solidFill>
+                <a:schemeClr val="bg1"/>
+              </a:solidFill>
+            </a:endParaRPr>
+          </a:p>
+        </p:txBody>
+      </p:sp>
+      <p:sp>
+        <p:nvSpPr>
+          <p:cNvPr id="6" name="Номер слайда 3"/>
+          <p:cNvSpPr>
+            <a:spLocks noGrp="1"/>
+          </p:cNvSpPr>
+          <p:nvPr>
+            <p:ph type="sldNum" sz="quarter" idx="12"/>
+          </p:nvPr>
+        </p:nvSpPr>
+        <p:spPr>
+          <a:xfrm>
+            <a:off x="9242612" y="6414885"/>
+            <a:ext cx="2743200" cy="365125"/>
+          </a:xfrm>
+        </p:spPr>
+        <p:txBody>
+          <a:bodyPr/>
+          <a:lstStyle/>
+          <a:p>
+            <a:r>
+              <a:rPr lang="ru-RU" dirty="0" smtClean="0"/>
+              <a:t>21</a:t>
+            </a:r>
+            <a:r>
+              <a:rPr lang="en-US" dirty="0" smtClean="0"/>
+              <a:t>/17</a:t>
+            </a:r>
+            <a:endParaRPr lang="ru-RU" dirty="0"/>
+          </a:p>
+        </p:txBody>
+      </p:sp>
+      <p:grpSp>
+        <p:nvGrpSpPr>
+          <p:cNvPr id="11" name="Группа 10"/>
+          <p:cNvGrpSpPr/>
+          <p:nvPr/>
+        </p:nvGrpSpPr>
+        <p:grpSpPr>
+          <a:xfrm>
+            <a:off x="1660711" y="2433914"/>
+            <a:ext cx="1956548" cy="1001806"/>
+            <a:chOff x="1660711" y="3059206"/>
+            <a:chExt cx="1956548" cy="1001806"/>
+          </a:xfrm>
+        </p:grpSpPr>
+        <p:sp>
+          <p:nvSpPr>
+            <p:cNvPr id="7" name="Прямоугольник 6"/>
+            <p:cNvSpPr/>
+            <p:nvPr/>
+          </p:nvSpPr>
+          <p:spPr>
+            <a:xfrm>
+              <a:off x="1660712" y="3059206"/>
+              <a:ext cx="1956547" cy="593912"/>
+            </a:xfrm>
+            <a:prstGeom prst="rect">
+              <a:avLst/>
+            </a:prstGeom>
+            <a:ln w="28575"/>
+          </p:spPr>
+          <p:style>
+            <a:lnRef idx="2">
+              <a:schemeClr val="accent5"/>
+            </a:lnRef>
+            <a:fillRef idx="1">
+              <a:schemeClr val="lt1"/>
+            </a:fillRef>
+            <a:effectRef idx="0">
+              <a:schemeClr val="accent5"/>
+            </a:effectRef>
+            <a:fontRef idx="minor">
+              <a:schemeClr val="dk1"/>
+            </a:fontRef>
+          </p:style>
+          <p:txBody>
+            <a:bodyPr rtlCol="0" anchor="ctr"/>
+            <a:lstStyle/>
+            <a:p>
+              <a:pPr algn="ctr"/>
+              <a:r>
+                <a:rPr lang="ru-RU" dirty="0" smtClean="0"/>
+                <a:t>Библиотека</a:t>
+              </a:r>
+              <a:endParaRPr lang="ru-RU" dirty="0"/>
+            </a:p>
+          </p:txBody>
+        </p:sp>
+        <p:sp>
+          <p:nvSpPr>
+            <p:cNvPr id="8" name="Прямоугольник 7"/>
+            <p:cNvSpPr/>
+            <p:nvPr/>
+          </p:nvSpPr>
+          <p:spPr>
+            <a:xfrm>
+              <a:off x="1660711" y="3653118"/>
+              <a:ext cx="1956547" cy="407894"/>
+            </a:xfrm>
+            <a:prstGeom prst="rect">
+              <a:avLst/>
+            </a:prstGeom>
+            <a:ln w="28575"/>
+          </p:spPr>
+          <p:style>
+            <a:lnRef idx="2">
+              <a:schemeClr val="accent5"/>
+            </a:lnRef>
+            <a:fillRef idx="1">
+              <a:schemeClr val="lt1"/>
+            </a:fillRef>
+            <a:effectRef idx="0">
+              <a:schemeClr val="accent5"/>
+            </a:effectRef>
+            <a:fontRef idx="minor">
+              <a:schemeClr val="dk1"/>
+            </a:fontRef>
+          </p:style>
+          <p:txBody>
+            <a:bodyPr rtlCol="0" anchor="ctr"/>
+            <a:lstStyle/>
+            <a:p>
+              <a:pPr algn="ctr"/>
+              <a:r>
+                <a:rPr lang="ru-RU" dirty="0" smtClean="0"/>
+                <a:t>3 МБ</a:t>
+              </a:r>
+              <a:endParaRPr lang="ru-RU" dirty="0"/>
+            </a:p>
+          </p:txBody>
+        </p:sp>
+      </p:grpSp>
+      <p:grpSp>
+        <p:nvGrpSpPr>
+          <p:cNvPr id="12" name="Группа 11"/>
+          <p:cNvGrpSpPr/>
+          <p:nvPr/>
+        </p:nvGrpSpPr>
+        <p:grpSpPr>
+          <a:xfrm>
+            <a:off x="1660710" y="4031033"/>
+            <a:ext cx="1956548" cy="1001806"/>
+            <a:chOff x="1660711" y="4613742"/>
+            <a:chExt cx="1956548" cy="1001806"/>
+          </a:xfrm>
+        </p:grpSpPr>
+        <p:sp>
+          <p:nvSpPr>
+            <p:cNvPr id="9" name="Прямоугольник 8"/>
+            <p:cNvSpPr/>
+            <p:nvPr/>
+          </p:nvSpPr>
+          <p:spPr>
+            <a:xfrm>
+              <a:off x="1660712" y="4613742"/>
+              <a:ext cx="1956547" cy="593912"/>
+            </a:xfrm>
+            <a:prstGeom prst="rect">
+              <a:avLst/>
+            </a:prstGeom>
+            <a:ln w="28575"/>
+          </p:spPr>
+          <p:style>
+            <a:lnRef idx="2">
+              <a:schemeClr val="accent5"/>
+            </a:lnRef>
+            <a:fillRef idx="1">
+              <a:schemeClr val="lt1"/>
+            </a:fillRef>
+            <a:effectRef idx="0">
+              <a:schemeClr val="accent5"/>
+            </a:effectRef>
+            <a:fontRef idx="minor">
+              <a:schemeClr val="dk1"/>
+            </a:fontRef>
+          </p:style>
+          <p:txBody>
+            <a:bodyPr rtlCol="0" anchor="ctr"/>
+            <a:lstStyle/>
+            <a:p>
+              <a:pPr algn="ctr"/>
+              <a:r>
+                <a:rPr lang="en-US" dirty="0" smtClean="0"/>
+                <a:t>QEMU</a:t>
+              </a:r>
+              <a:endParaRPr lang="ru-RU" dirty="0"/>
+            </a:p>
+          </p:txBody>
+        </p:sp>
+        <p:sp>
+          <p:nvSpPr>
+            <p:cNvPr id="10" name="Прямоугольник 9"/>
+            <p:cNvSpPr/>
+            <p:nvPr/>
+          </p:nvSpPr>
+          <p:spPr>
+            <a:xfrm>
+              <a:off x="1660711" y="5207654"/>
+              <a:ext cx="1956547" cy="407894"/>
+            </a:xfrm>
+            <a:prstGeom prst="rect">
+              <a:avLst/>
+            </a:prstGeom>
+            <a:ln w="28575"/>
+          </p:spPr>
+          <p:style>
+            <a:lnRef idx="2">
+              <a:schemeClr val="accent5"/>
+            </a:lnRef>
+            <a:fillRef idx="1">
+              <a:schemeClr val="lt1"/>
+            </a:fillRef>
+            <a:effectRef idx="0">
+              <a:schemeClr val="accent5"/>
+            </a:effectRef>
+            <a:fontRef idx="minor">
+              <a:schemeClr val="dk1"/>
+            </a:fontRef>
+          </p:style>
+          <p:txBody>
+            <a:bodyPr rtlCol="0" anchor="ctr"/>
+            <a:lstStyle/>
+            <a:p>
+              <a:pPr algn="ctr"/>
+              <a:r>
+                <a:rPr lang="en-US" dirty="0" smtClean="0"/>
+                <a:t>22</a:t>
+              </a:r>
+              <a:r>
+                <a:rPr lang="ru-RU" dirty="0" smtClean="0"/>
+                <a:t> МБ</a:t>
+              </a:r>
+              <a:endParaRPr lang="ru-RU" dirty="0"/>
+            </a:p>
+          </p:txBody>
+        </p:sp>
+      </p:grpSp>
+      <p:sp>
+        <p:nvSpPr>
+          <p:cNvPr id="13" name="Крест 12"/>
+          <p:cNvSpPr/>
+          <p:nvPr/>
+        </p:nvSpPr>
+        <p:spPr>
+          <a:xfrm>
+            <a:off x="2512983" y="3621143"/>
+            <a:ext cx="252000" cy="252000"/>
+          </a:xfrm>
+          <a:prstGeom prst="plus">
+            <a:avLst>
+              <a:gd name="adj" fmla="val 42905"/>
+            </a:avLst>
+          </a:prstGeom>
+        </p:spPr>
+        <p:style>
+          <a:lnRef idx="2">
+            <a:schemeClr val="accent1">
+              <a:shade val="50000"/>
+            </a:schemeClr>
+          </a:lnRef>
+          <a:fillRef idx="1">
+            <a:schemeClr val="accent1"/>
+          </a:fillRef>
+          <a:effectRef idx="0">
+            <a:schemeClr val="accent1"/>
+          </a:effectRef>
+          <a:fontRef idx="minor">
+            <a:schemeClr val="lt1"/>
+          </a:fontRef>
+        </p:style>
+        <p:txBody>
+          <a:bodyPr rtlCol="0" anchor="ctr"/>
+          <a:lstStyle/>
+          <a:p>
+            <a:pPr algn="ctr"/>
+            <a:endParaRPr lang="ru-RU"/>
+          </a:p>
+        </p:txBody>
+      </p:sp>
+      <p:cxnSp>
+        <p:nvCxnSpPr>
+          <p:cNvPr id="15" name="Прямая соединительная линия 14"/>
+          <p:cNvCxnSpPr/>
+          <p:nvPr/>
+        </p:nvCxnSpPr>
+        <p:spPr>
+          <a:xfrm>
+            <a:off x="1176618" y="5459506"/>
+            <a:ext cx="10065123" cy="0"/>
+          </a:xfrm>
+          <a:prstGeom prst="line">
+            <a:avLst/>
+          </a:prstGeom>
+          <a:ln w="57150"/>
+        </p:spPr>
+        <p:style>
+          <a:lnRef idx="1">
+            <a:schemeClr val="accent1"/>
+          </a:lnRef>
+          <a:fillRef idx="0">
+            <a:schemeClr val="accent1"/>
+          </a:fillRef>
+          <a:effectRef idx="0">
+            <a:schemeClr val="accent1"/>
+          </a:effectRef>
+          <a:fontRef idx="minor">
+            <a:schemeClr val="tx1"/>
+          </a:fontRef>
+        </p:style>
+      </p:cxnSp>
+      <p:sp>
+        <p:nvSpPr>
+          <p:cNvPr id="16" name="TextBox 15"/>
+          <p:cNvSpPr txBox="1"/>
+          <p:nvPr/>
+        </p:nvSpPr>
+        <p:spPr>
+          <a:xfrm>
+            <a:off x="2112071" y="6067234"/>
+            <a:ext cx="801823" cy="369332"/>
+          </a:xfrm>
+          <a:prstGeom prst="rect">
+            <a:avLst/>
+          </a:prstGeom>
+          <a:noFill/>
+          <a:ln w="19050">
+            <a:noFill/>
+            <a:prstDash val="sysDash"/>
+          </a:ln>
+        </p:spPr>
+        <p:txBody>
+          <a:bodyPr wrap="none" rtlCol="0">
+            <a:spAutoFit/>
+          </a:bodyPr>
+          <a:lstStyle/>
+          <a:p>
+            <a:r>
+              <a:rPr lang="en-US" b="1" dirty="0" smtClean="0"/>
+              <a:t>25 </a:t>
+            </a:r>
+            <a:r>
+              <a:rPr lang="ru-RU" b="1" dirty="0" smtClean="0"/>
+              <a:t>МБ</a:t>
+            </a:r>
+            <a:endParaRPr lang="ru-RU" b="1" dirty="0"/>
+          </a:p>
+        </p:txBody>
+      </p:sp>
+      <p:cxnSp>
+        <p:nvCxnSpPr>
+          <p:cNvPr id="19" name="Прямая соединительная линия 18"/>
+          <p:cNvCxnSpPr/>
+          <p:nvPr/>
+        </p:nvCxnSpPr>
+        <p:spPr>
+          <a:xfrm>
+            <a:off x="4067735" y="1828800"/>
+            <a:ext cx="0" cy="4586085"/>
+          </a:xfrm>
+          <a:prstGeom prst="line">
+            <a:avLst/>
+          </a:prstGeom>
+          <a:ln w="19050">
+            <a:prstDash val="dash"/>
+          </a:ln>
+        </p:spPr>
+        <p:style>
+          <a:lnRef idx="1">
+            <a:schemeClr val="accent1"/>
+          </a:lnRef>
+          <a:fillRef idx="0">
+            <a:schemeClr val="accent1"/>
+          </a:fillRef>
+          <a:effectRef idx="0">
+            <a:schemeClr val="accent1"/>
+          </a:effectRef>
+          <a:fontRef idx="minor">
+            <a:schemeClr val="tx1"/>
+          </a:fontRef>
+        </p:style>
+      </p:cxnSp>
+      <p:sp>
+        <p:nvSpPr>
+          <p:cNvPr id="21" name="Прямоугольник 20"/>
+          <p:cNvSpPr/>
+          <p:nvPr/>
+        </p:nvSpPr>
+        <p:spPr>
+          <a:xfrm>
+            <a:off x="9578790" y="3789831"/>
+            <a:ext cx="1555375" cy="1243008"/>
+          </a:xfrm>
+          <a:prstGeom prst="rect">
+            <a:avLst/>
+          </a:prstGeom>
+          <a:ln w="28575">
+            <a:prstDash val="sysDash"/>
+          </a:ln>
+        </p:spPr>
+        <p:style>
+          <a:lnRef idx="2">
+            <a:schemeClr val="accent5"/>
+          </a:lnRef>
+          <a:fillRef idx="1">
+            <a:schemeClr val="lt1"/>
+          </a:fillRef>
+          <a:effectRef idx="0">
+            <a:schemeClr val="accent5"/>
+          </a:effectRef>
+          <a:fontRef idx="minor">
+            <a:schemeClr val="dk1"/>
+          </a:fontRef>
+        </p:style>
+        <p:txBody>
+          <a:bodyPr rtlCol="0" anchor="ctr"/>
+          <a:lstStyle/>
+          <a:p>
+            <a:pPr algn="ctr"/>
+            <a:r>
+              <a:rPr lang="ru-RU" dirty="0" smtClean="0"/>
+              <a:t>Разделяемая</a:t>
+            </a:r>
+          </a:p>
+          <a:p>
+            <a:pPr algn="ctr"/>
+            <a:r>
+              <a:rPr lang="ru-RU" dirty="0" smtClean="0"/>
+              <a:t>память</a:t>
+            </a:r>
+            <a:endParaRPr lang="ru-RU" dirty="0"/>
+          </a:p>
+        </p:txBody>
+      </p:sp>
+      <p:grpSp>
+        <p:nvGrpSpPr>
+          <p:cNvPr id="24" name="Группа 23"/>
+          <p:cNvGrpSpPr/>
+          <p:nvPr/>
+        </p:nvGrpSpPr>
+        <p:grpSpPr>
+          <a:xfrm>
+            <a:off x="4518212" y="2751980"/>
+            <a:ext cx="4282888" cy="2280859"/>
+            <a:chOff x="4592171" y="2284417"/>
+            <a:chExt cx="4282888" cy="2280859"/>
+          </a:xfrm>
+        </p:grpSpPr>
+        <p:sp>
+          <p:nvSpPr>
+            <p:cNvPr id="20" name="Прямоугольник 19"/>
+            <p:cNvSpPr/>
+            <p:nvPr/>
+          </p:nvSpPr>
+          <p:spPr>
+            <a:xfrm>
+              <a:off x="4592171" y="3789831"/>
+              <a:ext cx="2440641" cy="775445"/>
+            </a:xfrm>
+            <a:prstGeom prst="rect">
+              <a:avLst/>
+            </a:prstGeom>
+            <a:ln w="28575">
+              <a:prstDash val="sysDash"/>
+            </a:ln>
+          </p:spPr>
+          <p:style>
+            <a:lnRef idx="2">
+              <a:schemeClr val="accent5"/>
+            </a:lnRef>
+            <a:fillRef idx="1">
+              <a:schemeClr val="lt1"/>
+            </a:fillRef>
+            <a:effectRef idx="0">
+              <a:schemeClr val="accent5"/>
+            </a:effectRef>
+            <a:fontRef idx="minor">
+              <a:schemeClr val="dk1"/>
+            </a:fontRef>
+          </p:style>
+          <p:txBody>
+            <a:bodyPr rtlCol="0" anchor="ctr"/>
+            <a:lstStyle/>
+            <a:p>
+              <a:pPr algn="ctr"/>
+              <a:r>
+                <a:rPr lang="ru-RU" dirty="0"/>
+                <a:t>в</a:t>
+              </a:r>
+              <a:r>
+                <a:rPr lang="ru-RU" dirty="0" smtClean="0"/>
+                <a:t>иртуальная</a:t>
+              </a:r>
+            </a:p>
+            <a:p>
+              <a:pPr algn="ctr"/>
+              <a:r>
+                <a:rPr lang="ru-RU" dirty="0"/>
+                <a:t>о</a:t>
+              </a:r>
+              <a:r>
+                <a:rPr lang="ru-RU" dirty="0" smtClean="0"/>
+                <a:t>перативная память</a:t>
+              </a:r>
+            </a:p>
+          </p:txBody>
+        </p:sp>
+        <p:sp>
+          <p:nvSpPr>
+            <p:cNvPr id="22" name="Прямоугольник 21"/>
+            <p:cNvSpPr/>
+            <p:nvPr/>
+          </p:nvSpPr>
+          <p:spPr>
+            <a:xfrm>
+              <a:off x="7026089" y="3792494"/>
+              <a:ext cx="1848970" cy="772782"/>
+            </a:xfrm>
+            <a:prstGeom prst="rect">
+              <a:avLst/>
+            </a:prstGeom>
+            <a:ln w="28575">
+              <a:prstDash val="sysDash"/>
+            </a:ln>
+          </p:spPr>
+          <p:style>
+            <a:lnRef idx="2">
+              <a:schemeClr val="accent5"/>
+            </a:lnRef>
+            <a:fillRef idx="1">
+              <a:schemeClr val="lt1"/>
+            </a:fillRef>
+            <a:effectRef idx="0">
+              <a:schemeClr val="accent5"/>
+            </a:effectRef>
+            <a:fontRef idx="minor">
+              <a:schemeClr val="dk1"/>
+            </a:fontRef>
+          </p:style>
+          <p:txBody>
+            <a:bodyPr rtlCol="0" anchor="ctr"/>
+            <a:lstStyle/>
+            <a:p>
+              <a:pPr algn="ctr"/>
+              <a:r>
+                <a:rPr lang="ru-RU" dirty="0" smtClean="0"/>
+                <a:t>доп. внутренние </a:t>
+              </a:r>
+            </a:p>
+            <a:p>
+              <a:pPr algn="ctr"/>
+              <a:r>
+                <a:rPr lang="ru-RU" dirty="0" smtClean="0"/>
+                <a:t>структуры</a:t>
+              </a:r>
+              <a:endParaRPr lang="ru-RU" dirty="0"/>
+            </a:p>
+          </p:txBody>
+        </p:sp>
+        <p:sp>
+          <p:nvSpPr>
+            <p:cNvPr id="23" name="Прямоугольник 22"/>
+            <p:cNvSpPr/>
+            <p:nvPr/>
+          </p:nvSpPr>
+          <p:spPr>
+            <a:xfrm>
+              <a:off x="4592172" y="2284417"/>
+              <a:ext cx="4282887" cy="1514378"/>
+            </a:xfrm>
+            <a:prstGeom prst="rect">
+              <a:avLst/>
+            </a:prstGeom>
+            <a:ln w="28575">
+              <a:prstDash val="sysDash"/>
+            </a:ln>
+          </p:spPr>
+          <p:style>
+            <a:lnRef idx="2">
+              <a:schemeClr val="accent5"/>
+            </a:lnRef>
+            <a:fillRef idx="1">
+              <a:schemeClr val="lt1"/>
+            </a:fillRef>
+            <a:effectRef idx="0">
+              <a:schemeClr val="accent5"/>
+            </a:effectRef>
+            <a:fontRef idx="minor">
+              <a:schemeClr val="dk1"/>
+            </a:fontRef>
+          </p:style>
+          <p:txBody>
+            <a:bodyPr rtlCol="0" anchor="ctr"/>
+            <a:lstStyle/>
+            <a:p>
+              <a:pPr algn="ctr"/>
+              <a:r>
+                <a:rPr lang="en-US" dirty="0" smtClean="0"/>
+                <a:t>QEMU</a:t>
+              </a:r>
+              <a:endParaRPr lang="ru-RU" dirty="0"/>
+            </a:p>
+          </p:txBody>
+        </p:sp>
+      </p:grpSp>
+      <p:sp>
+        <p:nvSpPr>
+          <p:cNvPr id="25" name="TextBox 24"/>
+          <p:cNvSpPr txBox="1"/>
+          <p:nvPr/>
+        </p:nvSpPr>
+        <p:spPr>
+          <a:xfrm>
+            <a:off x="5283614" y="5594150"/>
+            <a:ext cx="918841" cy="369332"/>
+          </a:xfrm>
+          <a:prstGeom prst="rect">
+            <a:avLst/>
+          </a:prstGeom>
+          <a:noFill/>
+          <a:ln w="19050">
+            <a:noFill/>
+            <a:prstDash val="sysDash"/>
+          </a:ln>
+        </p:spPr>
+        <p:txBody>
+          <a:bodyPr wrap="none" rtlCol="0">
+            <a:spAutoFit/>
+          </a:bodyPr>
+          <a:lstStyle/>
+          <a:p>
+            <a:r>
+              <a:rPr lang="ru-RU" dirty="0" smtClean="0"/>
+              <a:t>128</a:t>
+            </a:r>
+            <a:r>
+              <a:rPr lang="en-US" dirty="0" smtClean="0"/>
+              <a:t> </a:t>
+            </a:r>
+            <a:r>
+              <a:rPr lang="ru-RU" dirty="0" smtClean="0"/>
+              <a:t>МБ</a:t>
+            </a:r>
+            <a:endParaRPr lang="ru-RU" dirty="0"/>
+          </a:p>
+        </p:txBody>
+      </p:sp>
+      <p:sp>
+        <p:nvSpPr>
+          <p:cNvPr id="26" name="TextBox 25"/>
+          <p:cNvSpPr txBox="1"/>
+          <p:nvPr/>
+        </p:nvSpPr>
+        <p:spPr>
+          <a:xfrm>
+            <a:off x="7417194" y="5586177"/>
+            <a:ext cx="801823" cy="369332"/>
+          </a:xfrm>
+          <a:prstGeom prst="rect">
+            <a:avLst/>
+          </a:prstGeom>
+          <a:noFill/>
+          <a:ln w="19050">
+            <a:noFill/>
+            <a:prstDash val="sysDash"/>
+          </a:ln>
+        </p:spPr>
+        <p:txBody>
+          <a:bodyPr wrap="none" rtlCol="0">
+            <a:spAutoFit/>
+          </a:bodyPr>
+          <a:lstStyle/>
+          <a:p>
+            <a:r>
+              <a:rPr lang="ru-RU" dirty="0" smtClean="0"/>
+              <a:t>40</a:t>
+            </a:r>
+            <a:r>
+              <a:rPr lang="en-US" dirty="0" smtClean="0"/>
+              <a:t> </a:t>
+            </a:r>
+            <a:r>
+              <a:rPr lang="ru-RU" dirty="0" smtClean="0"/>
+              <a:t>МБ</a:t>
+            </a:r>
+            <a:endParaRPr lang="ru-RU" dirty="0"/>
+          </a:p>
+        </p:txBody>
+      </p:sp>
+      <p:sp>
+        <p:nvSpPr>
+          <p:cNvPr id="27" name="TextBox 26"/>
+          <p:cNvSpPr txBox="1"/>
+          <p:nvPr/>
+        </p:nvSpPr>
+        <p:spPr>
+          <a:xfrm>
+            <a:off x="9955565" y="5564272"/>
+            <a:ext cx="792205" cy="369332"/>
+          </a:xfrm>
+          <a:prstGeom prst="rect">
+            <a:avLst/>
+          </a:prstGeom>
+          <a:noFill/>
+          <a:ln w="19050">
+            <a:noFill/>
+            <a:prstDash val="sysDash"/>
+          </a:ln>
+        </p:spPr>
+        <p:txBody>
+          <a:bodyPr wrap="none" rtlCol="0">
+            <a:spAutoFit/>
+          </a:bodyPr>
+          <a:lstStyle/>
+          <a:p>
+            <a:r>
+              <a:rPr lang="ru-RU" dirty="0" smtClean="0"/>
+              <a:t>64</a:t>
+            </a:r>
+            <a:r>
+              <a:rPr lang="en-US" dirty="0" smtClean="0"/>
+              <a:t> </a:t>
+            </a:r>
+            <a:r>
+              <a:rPr lang="ru-RU" dirty="0" smtClean="0"/>
+              <a:t>МБ</a:t>
+            </a:r>
+            <a:endParaRPr lang="ru-RU" dirty="0"/>
+          </a:p>
+        </p:txBody>
+      </p:sp>
+      <p:sp>
+        <p:nvSpPr>
+          <p:cNvPr id="28" name="Крест 27"/>
+          <p:cNvSpPr/>
+          <p:nvPr/>
+        </p:nvSpPr>
+        <p:spPr>
+          <a:xfrm>
+            <a:off x="9063945" y="4195613"/>
+            <a:ext cx="252000" cy="252000"/>
+          </a:xfrm>
+          <a:prstGeom prst="plus">
+            <a:avLst>
+              <a:gd name="adj" fmla="val 42905"/>
+            </a:avLst>
+          </a:prstGeom>
+        </p:spPr>
+        <p:style>
+          <a:lnRef idx="2">
+            <a:schemeClr val="accent1">
+              <a:shade val="50000"/>
+            </a:schemeClr>
+          </a:lnRef>
+          <a:fillRef idx="1">
+            <a:schemeClr val="accent1"/>
+          </a:fillRef>
+          <a:effectRef idx="0">
+            <a:schemeClr val="accent1"/>
+          </a:effectRef>
+          <a:fontRef idx="minor">
+            <a:schemeClr val="lt1"/>
+          </a:fontRef>
+        </p:style>
+        <p:txBody>
+          <a:bodyPr rtlCol="0" anchor="ctr"/>
+          <a:lstStyle/>
+          <a:p>
+            <a:pPr algn="ctr"/>
+            <a:endParaRPr lang="ru-RU"/>
+          </a:p>
+        </p:txBody>
+      </p:sp>
+      <p:cxnSp>
+        <p:nvCxnSpPr>
+          <p:cNvPr id="30" name="Прямая соединительная линия 29"/>
+          <p:cNvCxnSpPr/>
+          <p:nvPr/>
+        </p:nvCxnSpPr>
+        <p:spPr>
+          <a:xfrm>
+            <a:off x="4585447" y="5969980"/>
+            <a:ext cx="6548718" cy="0"/>
+          </a:xfrm>
+          <a:prstGeom prst="line">
+            <a:avLst/>
+          </a:prstGeom>
+          <a:ln w="28575"/>
+        </p:spPr>
+        <p:style>
+          <a:lnRef idx="1">
+            <a:schemeClr val="accent1"/>
+          </a:lnRef>
+          <a:fillRef idx="0">
+            <a:schemeClr val="accent1"/>
+          </a:fillRef>
+          <a:effectRef idx="0">
+            <a:schemeClr val="accent1"/>
+          </a:effectRef>
+          <a:fontRef idx="minor">
+            <a:schemeClr val="tx1"/>
+          </a:fontRef>
+        </p:style>
+      </p:cxnSp>
+      <p:sp>
+        <p:nvSpPr>
+          <p:cNvPr id="31" name="TextBox 30"/>
+          <p:cNvSpPr txBox="1"/>
+          <p:nvPr/>
+        </p:nvSpPr>
+        <p:spPr>
+          <a:xfrm>
+            <a:off x="7458894" y="6067234"/>
+            <a:ext cx="918841" cy="369332"/>
+          </a:xfrm>
+          <a:prstGeom prst="rect">
+            <a:avLst/>
+          </a:prstGeom>
+          <a:noFill/>
+          <a:ln w="19050">
+            <a:noFill/>
+            <a:prstDash val="sysDash"/>
+          </a:ln>
+        </p:spPr>
+        <p:txBody>
+          <a:bodyPr wrap="none" rtlCol="0">
+            <a:spAutoFit/>
+          </a:bodyPr>
+          <a:lstStyle/>
+          <a:p>
+            <a:r>
+              <a:rPr lang="ru-RU" b="1" dirty="0" smtClean="0"/>
+              <a:t>232</a:t>
+            </a:r>
+            <a:r>
+              <a:rPr lang="en-US" b="1" dirty="0" smtClean="0"/>
+              <a:t> </a:t>
+            </a:r>
+            <a:r>
+              <a:rPr lang="ru-RU" b="1" dirty="0" smtClean="0"/>
+              <a:t>МБ</a:t>
+            </a:r>
+            <a:endParaRPr lang="ru-RU" b="1" dirty="0"/>
+          </a:p>
+        </p:txBody>
+      </p:sp>
+    </p:spTree>
+    <p:extLst>
+      <p:ext uri="{BB962C8B-B14F-4D97-AF65-F5344CB8AC3E}">
+        <p14:creationId xmlns:p14="http://schemas.microsoft.com/office/powerpoint/2010/main" val="912654954"/>
+      </p:ext>
+    </p:extLst>
+  </p:cSld>
+  <p:clrMapOvr>
+    <a:masterClrMapping/>
+  </p:clrMapOvr>
+  <p:timing>
+    <p:tnLst>
+      <p:par>
+        <p:cTn id="1" dur="indefinite" restart="never" nodeType="tmRoot"/>
+      </p:par>
+    </p:tnLst>
+  </p:timing>
+</p:sld>
+</file>
+
+<file path=ppt/slides/slide22.xml><?xml version="1.0" encoding="utf-8"?>
+<p:sld xmlns:a="http://schemas.openxmlformats.org/drawingml/2006/main" xmlns:r="http://schemas.openxmlformats.org/officeDocument/2006/relationships" xmlns:p="http://schemas.openxmlformats.org/presentationml/2006/main">
+  <p:cSld>
+    <p:spTree>
+      <p:nvGrpSpPr>
+        <p:cNvPr id="1" name=""/>
+        <p:cNvGrpSpPr/>
+        <p:nvPr/>
+      </p:nvGrpSpPr>
+      <p:grpSpPr>
+        <a:xfrm>
+          <a:off x="0" y="0"/>
+          <a:ext cx="0" cy="0"/>
+          <a:chOff x="0" y="0"/>
+          <a:chExt cx="0" cy="0"/>
+        </a:xfrm>
+      </p:grpSpPr>
+      <p:pic>
+        <p:nvPicPr>
+          <p:cNvPr id="5" name="Picture 4" descr="http://windowsapptutorials.com/wp-content/uploads/2014/12/Windows-8.1.jpg"/>
+          <p:cNvPicPr>
+            <a:picLocks noChangeAspect="1" noChangeArrowheads="1"/>
+          </p:cNvPicPr>
+          <p:nvPr/>
+        </p:nvPicPr>
+        <p:blipFill rotWithShape="1">
+          <a:blip r:embed="rId2">
+            <a:extLst>
+              <a:ext uri="{28A0092B-C50C-407E-A947-70E740481C1C}">
+                <a14:useLocalDpi xmlns:a14="http://schemas.microsoft.com/office/drawing/2010/main" val="0"/>
+              </a:ext>
+            </a:extLst>
+          </a:blip>
+          <a:srcRect l="-426" t="189" r="426" b="72317"/>
+          <a:stretch/>
+        </p:blipFill>
+        <p:spPr bwMode="auto">
+          <a:xfrm rot="10800000">
+            <a:off x="-6720" y="134472"/>
+            <a:ext cx="12265959" cy="1311088"/>
+          </a:xfrm>
+          <a:prstGeom prst="rect">
+            <a:avLst/>
+          </a:prstGeom>
+          <a:noFill/>
+          <a:extLst>
+            <a:ext uri="{909E8E84-426E-40DD-AFC4-6F175D3DCCD1}">
+              <a14:hiddenFill xmlns:a14="http://schemas.microsoft.com/office/drawing/2010/main">
+                <a:solidFill>
+                  <a:srgbClr val="FFFFFF"/>
+                </a:solidFill>
+              </a14:hiddenFill>
+            </a:ext>
+          </a:extLst>
+        </p:spPr>
+      </p:pic>
+      <p:sp>
+        <p:nvSpPr>
+          <p:cNvPr id="2" name="Заголовок 1"/>
+          <p:cNvSpPr>
+            <a:spLocks noGrp="1"/>
+          </p:cNvSpPr>
+          <p:nvPr>
+            <p:ph type="title"/>
+          </p:nvPr>
+        </p:nvSpPr>
+        <p:spPr/>
+        <p:txBody>
+          <a:bodyPr/>
+          <a:lstStyle/>
+          <a:p>
+            <a:r>
+              <a:rPr lang="ru-RU" dirty="0" smtClean="0">
+                <a:solidFill>
+                  <a:schemeClr val="bg1"/>
+                </a:solidFill>
+              </a:rPr>
+              <a:t>Сравнение </a:t>
+            </a:r>
+            <a:r>
+              <a:rPr lang="ru-RU" dirty="0" smtClean="0">
+                <a:solidFill>
+                  <a:schemeClr val="bg1"/>
+                </a:solidFill>
+              </a:rPr>
+              <a:t>производительности</a:t>
+            </a:r>
+            <a:r>
+              <a:rPr lang="en-US" dirty="0" smtClean="0">
+                <a:solidFill>
+                  <a:schemeClr val="bg1"/>
+                </a:solidFill>
+              </a:rPr>
+              <a:t>: Windows</a:t>
             </a:r>
             <a:endParaRPr lang="ru-RU" dirty="0">
               <a:solidFill>
@@ -14562,7 +16651,7 @@
             <p:ph idx="1"/>
             <p:extLst>
               <p:ext uri="{D42A27DB-BD31-4B8C-83A1-F6EECF244321}">
-                <p14:modId xmlns:p14="http://schemas.microsoft.com/office/powerpoint/2010/main" val="1985281878"/>
+                <p14:modId xmlns:p14="http://schemas.microsoft.com/office/powerpoint/2010/main" val="3954071760"/>
               </p:ext>
             </p:extLst>
           </p:nvPr>
@@ -14598,11 +16687,15 @@
           <a:lstStyle/>
           <a:p>
             <a:r>
-              <a:rPr lang="en-US" smtClean="0"/>
-              <a:t>20</a:t>
-            </a:r>
-            <a:r>
-              <a:rPr lang="en-US" smtClean="0"/>
+              <a:rPr lang="en-US" dirty="0" smtClean="0"/>
+              <a:t>2</a:t>
+            </a:r>
+            <a:r>
+              <a:rPr lang="ru-RU" dirty="0" smtClean="0"/>
+              <a:t>2</a:t>
+            </a:r>
+            <a:r>
+              <a:rPr lang="en-US" dirty="0" smtClean="0"/>
               <a:t>/17</a:t>
             </a:r>
             <a:endParaRPr lang="ru-RU" dirty="0"/>

--- a/presentation.pptx
+++ b/presentation.pptx
@@ -5,10 +5,10 @@
     <p:sldMasterId id="2147483744" r:id="rId1"/>
   </p:sldMasterIdLst>
   <p:notesMasterIdLst>
-    <p:notesMasterId r:id="rId24"/>
+    <p:notesMasterId r:id="rId25"/>
   </p:notesMasterIdLst>
   <p:handoutMasterIdLst>
-    <p:handoutMasterId r:id="rId25"/>
+    <p:handoutMasterId r:id="rId26"/>
   </p:handoutMasterIdLst>
   <p:sldIdLst>
     <p:sldId id="256" r:id="rId2"/>
@@ -29,10 +29,11 @@
     <p:sldId id="276" r:id="rId17"/>
     <p:sldId id="268" r:id="rId18"/>
     <p:sldId id="279" r:id="rId19"/>
-    <p:sldId id="281" r:id="rId20"/>
-    <p:sldId id="283" r:id="rId21"/>
-    <p:sldId id="284" r:id="rId22"/>
-    <p:sldId id="282" r:id="rId23"/>
+    <p:sldId id="285" r:id="rId20"/>
+    <p:sldId id="281" r:id="rId21"/>
+    <p:sldId id="283" r:id="rId22"/>
+    <p:sldId id="284" r:id="rId23"/>
+    <p:sldId id="282" r:id="rId24"/>
   </p:sldIdLst>
   <p:sldSz cx="12192000" cy="6858000"/>
   <p:notesSz cx="6858000" cy="9144000"/>
@@ -12742,7 +12743,7 @@
         </p:nvCxnSpPr>
         <p:spPr>
           <a:xfrm>
-            <a:off x="4662895" y="2867357"/>
+            <a:off x="4696515" y="2867357"/>
             <a:ext cx="0" cy="299591"/>
           </a:xfrm>
           <a:prstGeom prst="line">
@@ -13994,8 +13995,8 @@
         </p:blipFill>
         <p:spPr bwMode="auto">
           <a:xfrm rot="10800000">
-            <a:off x="-6720" y="134472"/>
-            <a:ext cx="12265959" cy="1311088"/>
+            <a:off x="-1" y="1707777"/>
+            <a:ext cx="12265959" cy="2823882"/>
           </a:xfrm>
           <a:prstGeom prst="rect">
             <a:avLst/>
@@ -14014,100 +14015,51 @@
       </p:pic>
       <p:sp>
         <p:nvSpPr>
-          <p:cNvPr id="2" name="Заголовок 1"/>
-          <p:cNvSpPr>
-            <a:spLocks noGrp="1"/>
-          </p:cNvSpPr>
-          <p:nvPr>
-            <p:ph type="title"/>
-          </p:nvPr>
-        </p:nvSpPr>
-        <p:spPr/>
-        <p:txBody>
-          <a:bodyPr/>
-          <a:lstStyle/>
-          <a:p>
-            <a:r>
-              <a:rPr lang="ru-RU" dirty="0" smtClean="0">
-                <a:solidFill>
-                  <a:schemeClr val="bg1"/>
-                </a:solidFill>
-              </a:rPr>
-              <a:t>Дальнейшая работа</a:t>
-            </a:r>
-            <a:endParaRPr lang="ru-RU" dirty="0">
-              <a:solidFill>
-                <a:schemeClr val="bg1"/>
-              </a:solidFill>
-            </a:endParaRPr>
-          </a:p>
-        </p:txBody>
-      </p:sp>
-      <p:sp>
-        <p:nvSpPr>
           <p:cNvPr id="3" name="Объект 2"/>
           <p:cNvSpPr>
             <a:spLocks noGrp="1"/>
           </p:cNvSpPr>
           <p:nvPr>
-            <p:ph idx="1"/>
+            <p:ph type="subTitle" idx="1"/>
           </p:nvPr>
         </p:nvSpPr>
-        <p:spPr/>
+        <p:spPr>
+          <a:xfrm>
+            <a:off x="1628218" y="2661165"/>
+            <a:ext cx="9144000" cy="1655762"/>
+          </a:xfrm>
+        </p:spPr>
         <p:txBody>
-          <a:bodyPr/>
+          <a:bodyPr>
+            <a:normAutofit/>
+          </a:bodyPr>
           <a:lstStyle/>
           <a:p>
-            <a:pPr>
+            <a:pPr marL="0" indent="0">
               <a:lnSpc>
                 <a:spcPct val="150000"/>
               </a:lnSpc>
+              <a:buNone/>
             </a:pPr>
             <a:r>
-              <a:rPr lang="ru-RU" sz="2400" dirty="0" err="1" smtClean="0"/>
-              <a:t>Портировать</a:t>
-            </a:r>
-            <a:r>
-              <a:rPr lang="ru-RU" sz="2400" dirty="0" smtClean="0"/>
-              <a:t> </a:t>
-            </a:r>
-            <a:r>
-              <a:rPr lang="en-US" sz="2400" dirty="0" smtClean="0"/>
-              <a:t>UML (User Mode Linux)</a:t>
-            </a:r>
-            <a:r>
-              <a:rPr lang="ru-RU" sz="2400" dirty="0" smtClean="0"/>
-              <a:t> в </a:t>
-            </a:r>
-            <a:r>
-              <a:rPr lang="en-US" sz="2400" dirty="0" smtClean="0"/>
-              <a:t>Windows</a:t>
-            </a:r>
-          </a:p>
-          <a:p>
-            <a:pPr>
-              <a:lnSpc>
-                <a:spcPct val="150000"/>
-              </a:lnSpc>
-            </a:pPr>
-            <a:r>
-              <a:rPr lang="ru-RU" sz="2400" dirty="0" smtClean="0"/>
-              <a:t>Использовать </a:t>
-            </a:r>
-            <a:r>
-              <a:rPr lang="en-US" sz="2400" dirty="0" smtClean="0"/>
-              <a:t>UML </a:t>
-            </a:r>
-            <a:r>
-              <a:rPr lang="ru-RU" sz="2400" dirty="0" smtClean="0"/>
-              <a:t>в качестве виртуальной машины</a:t>
-            </a:r>
+              <a:rPr lang="ru-RU" sz="4800" dirty="0" smtClean="0">
+                <a:solidFill>
+                  <a:schemeClr val="bg1"/>
+                </a:solidFill>
+              </a:rPr>
+              <a:t>Спасибо за внимание!</a:t>
+            </a:r>
+            <a:endParaRPr lang="ru-RU" sz="4800" dirty="0">
+              <a:solidFill>
+                <a:schemeClr val="bg1"/>
+              </a:solidFill>
+            </a:endParaRPr>
           </a:p>
         </p:txBody>
       </p:sp>
       <p:sp>
         <p:nvSpPr>
-          <p:cNvPr id="6" name="Номер слайда 3"/>
+          <p:cNvPr id="7" name="Номер слайда 3"/>
           <p:cNvSpPr>
             <a:spLocks noGrp="1"/>
           </p:cNvSpPr>
@@ -14127,7 +14079,7 @@
           <a:p>
             <a:r>
               <a:rPr lang="en-US" dirty="0" smtClean="0"/>
-              <a:t>19/17</a:t>
+              <a:t>18/17</a:t>
             </a:r>
             <a:endParaRPr lang="ru-RU" dirty="0"/>
           </a:p>
@@ -14136,7 +14088,7 @@
     </p:spTree>
     <p:extLst>
       <p:ext uri="{BB962C8B-B14F-4D97-AF65-F5344CB8AC3E}">
-        <p14:creationId xmlns:p14="http://schemas.microsoft.com/office/powerpoint/2010/main" val="2220164635"/>
+        <p14:creationId xmlns:p14="http://schemas.microsoft.com/office/powerpoint/2010/main" val="3234957531"/>
       </p:ext>
     </p:extLst>
   </p:cSld>
@@ -15423,6 +15375,203 @@
             <p:ph type="title"/>
           </p:nvPr>
         </p:nvSpPr>
+        <p:spPr/>
+        <p:txBody>
+          <a:bodyPr/>
+          <a:lstStyle/>
+          <a:p>
+            <a:r>
+              <a:rPr lang="ru-RU" dirty="0" smtClean="0">
+                <a:solidFill>
+                  <a:schemeClr val="bg1"/>
+                </a:solidFill>
+              </a:rPr>
+              <a:t>Дальнейшая работа</a:t>
+            </a:r>
+            <a:endParaRPr lang="ru-RU" dirty="0">
+              <a:solidFill>
+                <a:schemeClr val="bg1"/>
+              </a:solidFill>
+            </a:endParaRPr>
+          </a:p>
+        </p:txBody>
+      </p:sp>
+      <p:sp>
+        <p:nvSpPr>
+          <p:cNvPr id="3" name="Объект 2"/>
+          <p:cNvSpPr>
+            <a:spLocks noGrp="1"/>
+          </p:cNvSpPr>
+          <p:nvPr>
+            <p:ph idx="1"/>
+          </p:nvPr>
+        </p:nvSpPr>
+        <p:spPr/>
+        <p:txBody>
+          <a:bodyPr/>
+          <a:lstStyle/>
+          <a:p>
+            <a:pPr>
+              <a:lnSpc>
+                <a:spcPct val="150000"/>
+              </a:lnSpc>
+            </a:pPr>
+            <a:r>
+              <a:rPr lang="ru-RU" sz="2400" dirty="0" err="1" smtClean="0"/>
+              <a:t>Портировать</a:t>
+            </a:r>
+            <a:r>
+              <a:rPr lang="ru-RU" sz="2400" dirty="0" smtClean="0"/>
+              <a:t> </a:t>
+            </a:r>
+            <a:r>
+              <a:rPr lang="en-US" sz="2400" dirty="0" smtClean="0"/>
+              <a:t>UML (User Mode Linux)</a:t>
+            </a:r>
+            <a:r>
+              <a:rPr lang="ru-RU" sz="2400" dirty="0" smtClean="0"/>
+              <a:t> в </a:t>
+            </a:r>
+            <a:r>
+              <a:rPr lang="en-US" sz="2400" dirty="0" smtClean="0"/>
+              <a:t>Windows</a:t>
+            </a:r>
+          </a:p>
+          <a:p>
+            <a:pPr>
+              <a:lnSpc>
+                <a:spcPct val="150000"/>
+              </a:lnSpc>
+            </a:pPr>
+            <a:r>
+              <a:rPr lang="ru-RU" sz="2400" dirty="0" smtClean="0"/>
+              <a:t>Использовать </a:t>
+            </a:r>
+            <a:r>
+              <a:rPr lang="en-US" sz="2400" dirty="0" smtClean="0"/>
+              <a:t>UML </a:t>
+            </a:r>
+            <a:r>
+              <a:rPr lang="ru-RU" sz="2400" dirty="0" smtClean="0"/>
+              <a:t>в качестве виртуальной машины</a:t>
+            </a:r>
+          </a:p>
+        </p:txBody>
+      </p:sp>
+      <p:sp>
+        <p:nvSpPr>
+          <p:cNvPr id="6" name="Номер слайда 3"/>
+          <p:cNvSpPr>
+            <a:spLocks noGrp="1"/>
+          </p:cNvSpPr>
+          <p:nvPr>
+            <p:ph type="sldNum" sz="quarter" idx="12"/>
+          </p:nvPr>
+        </p:nvSpPr>
+        <p:spPr>
+          <a:xfrm>
+            <a:off x="9242612" y="6414885"/>
+            <a:ext cx="2743200" cy="365125"/>
+          </a:xfrm>
+        </p:spPr>
+        <p:txBody>
+          <a:bodyPr/>
+          <a:lstStyle/>
+          <a:p>
+            <a:r>
+              <a:rPr lang="en-US" dirty="0" smtClean="0"/>
+              <a:t>19/17</a:t>
+            </a:r>
+            <a:endParaRPr lang="ru-RU" dirty="0"/>
+          </a:p>
+        </p:txBody>
+      </p:sp>
+    </p:spTree>
+    <p:extLst>
+      <p:ext uri="{BB962C8B-B14F-4D97-AF65-F5344CB8AC3E}">
+        <p14:creationId xmlns:p14="http://schemas.microsoft.com/office/powerpoint/2010/main" val="2220164635"/>
+      </p:ext>
+    </p:extLst>
+  </p:cSld>
+  <p:clrMapOvr>
+    <a:masterClrMapping/>
+  </p:clrMapOvr>
+  <p:timing>
+    <p:tnLst>
+      <p:par>
+        <p:cTn id="1" dur="indefinite" restart="never" nodeType="tmRoot"/>
+      </p:par>
+    </p:tnLst>
+  </p:timing>
+</p:sld>
+</file>
+
+<file path=ppt/slides/slide21.xml><?xml version="1.0" encoding="utf-8"?>
+<p:sld xmlns:a="http://schemas.openxmlformats.org/drawingml/2006/main" xmlns:r="http://schemas.openxmlformats.org/officeDocument/2006/relationships" xmlns:p="http://schemas.openxmlformats.org/presentationml/2006/main">
+  <p:cSld>
+    <p:spTree>
+      <p:nvGrpSpPr>
+        <p:cNvPr id="1" name=""/>
+        <p:cNvGrpSpPr/>
+        <p:nvPr/>
+      </p:nvGrpSpPr>
+      <p:grpSpPr>
+        <a:xfrm>
+          <a:off x="0" y="0"/>
+          <a:ext cx="0" cy="0"/>
+          <a:chOff x="0" y="0"/>
+          <a:chExt cx="0" cy="0"/>
+        </a:xfrm>
+      </p:grpSpPr>
+      <p:pic>
+        <p:nvPicPr>
+          <p:cNvPr id="5" name="Picture 4" descr="http://windowsapptutorials.com/wp-content/uploads/2014/12/Windows-8.1.jpg"/>
+          <p:cNvPicPr>
+            <a:picLocks noChangeAspect="1" noChangeArrowheads="1"/>
+          </p:cNvPicPr>
+          <p:nvPr/>
+        </p:nvPicPr>
+        <p:blipFill rotWithShape="1">
+          <a:blip r:embed="rId2">
+            <a:extLst>
+              <a:ext uri="{28A0092B-C50C-407E-A947-70E740481C1C}">
+                <a14:useLocalDpi xmlns:a14="http://schemas.microsoft.com/office/drawing/2010/main" val="0"/>
+              </a:ext>
+            </a:extLst>
+          </a:blip>
+          <a:srcRect l="-426" t="189" r="426" b="72317"/>
+          <a:stretch/>
+        </p:blipFill>
+        <p:spPr bwMode="auto">
+          <a:xfrm rot="10800000">
+            <a:off x="-6720" y="134472"/>
+            <a:ext cx="12265959" cy="1311088"/>
+          </a:xfrm>
+          <a:prstGeom prst="rect">
+            <a:avLst/>
+          </a:prstGeom>
+          <a:noFill/>
+          <a:extLst>
+            <a:ext uri="{909E8E84-426E-40DD-AFC4-6F175D3DCCD1}">
+              <a14:hiddenFill xmlns:a14="http://schemas.microsoft.com/office/drawing/2010/main">
+                <a:solidFill>
+                  <a:srgbClr val="FFFFFF"/>
+                </a:solidFill>
+              </a14:hiddenFill>
+            </a:ext>
+          </a:extLst>
+        </p:spPr>
+      </p:pic>
+      <p:sp>
+        <p:nvSpPr>
+          <p:cNvPr id="2" name="Заголовок 1"/>
+          <p:cNvSpPr>
+            <a:spLocks noGrp="1"/>
+          </p:cNvSpPr>
+          <p:nvPr>
+            <p:ph type="title"/>
+          </p:nvPr>
+        </p:nvSpPr>
         <p:spPr>
           <a:xfrm>
             <a:off x="838199" y="365125"/>
@@ -15585,7 +15734,7 @@
 </p:sld>
 </file>
 
-<file path=ppt/slides/slide21.xml><?xml version="1.0" encoding="utf-8"?>
+<file path=ppt/slides/slide22.xml><?xml version="1.0" encoding="utf-8"?>
 <p:sld xmlns:a="http://schemas.openxmlformats.org/drawingml/2006/main" xmlns:r="http://schemas.openxmlformats.org/officeDocument/2006/relationships" xmlns:p="http://schemas.openxmlformats.org/presentationml/2006/main">
   <p:cSld>
     <p:spTree>
@@ -16538,7 +16687,7 @@
 </p:sld>
 </file>
 
-<file path=ppt/slides/slide22.xml><?xml version="1.0" encoding="utf-8"?>
+<file path=ppt/slides/slide23.xml><?xml version="1.0" encoding="utf-8"?>
 <p:sld xmlns:a="http://schemas.openxmlformats.org/drawingml/2006/main" xmlns:r="http://schemas.openxmlformats.org/officeDocument/2006/relationships" xmlns:p="http://schemas.openxmlformats.org/presentationml/2006/main">
   <p:cSld>
     <p:spTree>
@@ -21798,15 +21947,12 @@
       <p:cxnSp>
         <p:nvCxnSpPr>
           <p:cNvPr id="48" name="Прямая соединительная линия 47"/>
-          <p:cNvCxnSpPr>
-            <a:stCxn id="46" idx="3"/>
-            <a:endCxn id="50" idx="1"/>
-          </p:cNvCxnSpPr>
+          <p:cNvCxnSpPr/>
           <p:nvPr/>
         </p:nvCxnSpPr>
         <p:spPr>
           <a:xfrm>
-            <a:off x="7711886" y="4153658"/>
+            <a:off x="7711886" y="4140210"/>
             <a:ext cx="1069042" cy="7879"/>
           </a:xfrm>
           <a:prstGeom prst="line">

--- a/presentation.pptx
+++ b/presentation.pptx
@@ -315,11 +315,11 @@
         </c:dLbls>
         <c:gapWidth val="219"/>
         <c:overlap val="-27"/>
-        <c:axId val="142907584"/>
-        <c:axId val="142908144"/>
+        <c:axId val="158449136"/>
+        <c:axId val="158449696"/>
       </c:barChart>
       <c:catAx>
-        <c:axId val="142907584"/>
+        <c:axId val="158449136"/>
         <c:scaling>
           <c:orientation val="minMax"/>
         </c:scaling>
@@ -362,7 +362,7 @@
             <a:endParaRPr lang="ru-RU"/>
           </a:p>
         </c:txPr>
-        <c:crossAx val="142908144"/>
+        <c:crossAx val="158449696"/>
         <c:crosses val="autoZero"/>
         <c:auto val="1"/>
         <c:lblAlgn val="ctr"/>
@@ -370,7 +370,7 @@
         <c:noMultiLvlLbl val="0"/>
       </c:catAx>
       <c:valAx>
-        <c:axId val="142908144"/>
+        <c:axId val="158449696"/>
         <c:scaling>
           <c:orientation val="minMax"/>
         </c:scaling>
@@ -423,7 +423,7 @@
             <a:endParaRPr lang="ru-RU"/>
           </a:p>
         </c:txPr>
-        <c:crossAx val="142907584"/>
+        <c:crossAx val="158449136"/>
         <c:crosses val="autoZero"/>
         <c:crossBetween val="between"/>
         <c:minorUnit val="1"/>
@@ -438,7 +438,6 @@
     </c:plotArea>
     <c:legend>
       <c:legendPos val="b"/>
-      <c:layout/>
       <c:overlay val="0"/>
       <c:spPr>
         <a:noFill/>
@@ -790,11 +789,11 @@
         </c:dLbls>
         <c:gapWidth val="219"/>
         <c:overlap val="-27"/>
-        <c:axId val="142911504"/>
-        <c:axId val="142912064"/>
+        <c:axId val="154009376"/>
+        <c:axId val="154004896"/>
       </c:barChart>
       <c:catAx>
-        <c:axId val="142911504"/>
+        <c:axId val="154009376"/>
         <c:scaling>
           <c:orientation val="minMax"/>
         </c:scaling>
@@ -837,7 +836,7 @@
             <a:endParaRPr lang="ru-RU"/>
           </a:p>
         </c:txPr>
-        <c:crossAx val="142912064"/>
+        <c:crossAx val="154004896"/>
         <c:crosses val="autoZero"/>
         <c:auto val="1"/>
         <c:lblAlgn val="ctr"/>
@@ -845,7 +844,7 @@
         <c:noMultiLvlLbl val="0"/>
       </c:catAx>
       <c:valAx>
-        <c:axId val="142912064"/>
+        <c:axId val="154004896"/>
         <c:scaling>
           <c:orientation val="minMax"/>
         </c:scaling>
@@ -898,7 +897,7 @@
             <a:endParaRPr lang="ru-RU"/>
           </a:p>
         </c:txPr>
-        <c:crossAx val="142911504"/>
+        <c:crossAx val="154009376"/>
         <c:crosses val="autoZero"/>
         <c:crossBetween val="between"/>
         <c:minorUnit val="1"/>
@@ -913,7 +912,6 @@
     </c:plotArea>
     <c:legend>
       <c:legendPos val="b"/>
-      <c:layout/>
       <c:overlay val="0"/>
       <c:spPr>
         <a:noFill/>
@@ -1265,11 +1263,11 @@
         </c:dLbls>
         <c:gapWidth val="219"/>
         <c:overlap val="-27"/>
-        <c:axId val="202185792"/>
-        <c:axId val="202186352"/>
+        <c:axId val="205162800"/>
+        <c:axId val="205163360"/>
       </c:barChart>
       <c:catAx>
-        <c:axId val="202185792"/>
+        <c:axId val="205162800"/>
         <c:scaling>
           <c:orientation val="minMax"/>
         </c:scaling>
@@ -1312,7 +1310,7 @@
             <a:endParaRPr lang="ru-RU"/>
           </a:p>
         </c:txPr>
-        <c:crossAx val="202186352"/>
+        <c:crossAx val="205163360"/>
         <c:crosses val="autoZero"/>
         <c:auto val="1"/>
         <c:lblAlgn val="ctr"/>
@@ -1320,7 +1318,7 @@
         <c:noMultiLvlLbl val="0"/>
       </c:catAx>
       <c:valAx>
-        <c:axId val="202186352"/>
+        <c:axId val="205163360"/>
         <c:scaling>
           <c:orientation val="minMax"/>
         </c:scaling>
@@ -1373,7 +1371,7 @@
             <a:endParaRPr lang="ru-RU"/>
           </a:p>
         </c:txPr>
-        <c:crossAx val="202185792"/>
+        <c:crossAx val="205162800"/>
         <c:crosses val="autoZero"/>
         <c:crossBetween val="between"/>
         <c:minorUnit val="1"/>
@@ -1388,7 +1386,6 @@
     </c:plotArea>
     <c:legend>
       <c:legendPos val="b"/>
-      <c:layout/>
       <c:overlay val="0"/>
       <c:spPr>
         <a:noFill/>
@@ -1620,11 +1617,11 @@
         </c:dLbls>
         <c:gapWidth val="219"/>
         <c:overlap val="-27"/>
-        <c:axId val="410852192"/>
-        <c:axId val="213781168"/>
+        <c:axId val="205165600"/>
+        <c:axId val="205166160"/>
       </c:barChart>
       <c:catAx>
-        <c:axId val="410852192"/>
+        <c:axId val="205165600"/>
         <c:scaling>
           <c:orientation val="minMax"/>
         </c:scaling>
@@ -1667,7 +1664,7 @@
             <a:endParaRPr lang="ru-RU"/>
           </a:p>
         </c:txPr>
-        <c:crossAx val="213781168"/>
+        <c:crossAx val="205166160"/>
         <c:crosses val="autoZero"/>
         <c:auto val="1"/>
         <c:lblAlgn val="ctr"/>
@@ -1675,7 +1672,7 @@
         <c:noMultiLvlLbl val="0"/>
       </c:catAx>
       <c:valAx>
-        <c:axId val="213781168"/>
+        <c:axId val="205166160"/>
         <c:scaling>
           <c:orientation val="minMax"/>
         </c:scaling>
@@ -1728,7 +1725,7 @@
             <a:endParaRPr lang="ru-RU"/>
           </a:p>
         </c:txPr>
-        <c:crossAx val="410852192"/>
+        <c:crossAx val="205165600"/>
         <c:crosses val="autoZero"/>
         <c:crossBetween val="between"/>
         <c:minorUnit val="1"/>
@@ -1743,7 +1740,6 @@
     </c:plotArea>
     <c:legend>
       <c:legendPos val="b"/>
-      <c:layout/>
       <c:overlay val="0"/>
       <c:spPr>
         <a:noFill/>
@@ -1856,7 +1852,6 @@
           </a:p>
         </c:rich>
       </c:tx>
-      <c:layout/>
       <c:overlay val="0"/>
       <c:spPr>
         <a:noFill/>
@@ -2035,11 +2030,11 @@
         </c:dLbls>
         <c:gapWidth val="219"/>
         <c:overlap val="-27"/>
-        <c:axId val="107738528"/>
-        <c:axId val="107739088"/>
+        <c:axId val="152272928"/>
+        <c:axId val="152273488"/>
       </c:barChart>
       <c:catAx>
-        <c:axId val="107738528"/>
+        <c:axId val="152272928"/>
         <c:scaling>
           <c:orientation val="minMax"/>
         </c:scaling>
@@ -2082,7 +2077,7 @@
             <a:endParaRPr lang="ru-RU"/>
           </a:p>
         </c:txPr>
-        <c:crossAx val="107739088"/>
+        <c:crossAx val="152273488"/>
         <c:crosses val="autoZero"/>
         <c:auto val="1"/>
         <c:lblAlgn val="ctr"/>
@@ -2090,7 +2085,7 @@
         <c:noMultiLvlLbl val="0"/>
       </c:catAx>
       <c:valAx>
-        <c:axId val="107739088"/>
+        <c:axId val="152273488"/>
         <c:scaling>
           <c:orientation val="minMax"/>
         </c:scaling>
@@ -2141,7 +2136,7 @@
             <a:endParaRPr lang="ru-RU"/>
           </a:p>
         </c:txPr>
-        <c:crossAx val="107738528"/>
+        <c:crossAx val="152272928"/>
         <c:crosses val="autoZero"/>
         <c:crossBetween val="between"/>
       </c:valAx>
@@ -5018,7 +5013,7 @@
           <a:p>
             <a:fld id="{366B7320-B199-4348-8A7B-B2B720FDDCF5}" type="datetimeFigureOut">
               <a:rPr lang="ru-RU" smtClean="0"/>
-              <a:t>30.05.2015</a:t>
+              <a:t>06.06.2015</a:t>
             </a:fld>
             <a:endParaRPr lang="ru-RU"/>
           </a:p>
@@ -5184,7 +5179,7 @@
           <a:p>
             <a:fld id="{3DD26253-D59A-4B0A-BF06-A252C4368F86}" type="datetimeFigureOut">
               <a:rPr lang="ru-RU" smtClean="0"/>
-              <a:t>30.05.2015</a:t>
+              <a:t>06.06.2015</a:t>
             </a:fld>
             <a:endParaRPr lang="ru-RU"/>
           </a:p>
@@ -5668,7 +5663,7 @@
           <a:p>
             <a:fld id="{69156FAB-53CF-4B59-AB41-817703D28BE0}" type="datetime1">
               <a:rPr lang="ru-RU" smtClean="0"/>
-              <a:t>30.05.2015</a:t>
+              <a:t>06.06.2015</a:t>
             </a:fld>
             <a:endParaRPr lang="ru-RU"/>
           </a:p>
@@ -5838,7 +5833,7 @@
           <a:p>
             <a:fld id="{1EC2A69D-209F-4B8C-9DEA-81BF6A4B4105}" type="datetime1">
               <a:rPr lang="ru-RU" smtClean="0"/>
-              <a:t>30.05.2015</a:t>
+              <a:t>06.06.2015</a:t>
             </a:fld>
             <a:endParaRPr lang="ru-RU"/>
           </a:p>
@@ -6018,7 +6013,7 @@
           <a:p>
             <a:fld id="{B2684D70-DDB8-4E77-8AD7-0351704ADC4B}" type="datetime1">
               <a:rPr lang="ru-RU" smtClean="0"/>
-              <a:t>30.05.2015</a:t>
+              <a:t>06.06.2015</a:t>
             </a:fld>
             <a:endParaRPr lang="ru-RU"/>
           </a:p>
@@ -6188,7 +6183,7 @@
           <a:p>
             <a:fld id="{59A2A2EE-83F0-4937-8AB9-FA8B54A62B2E}" type="datetime1">
               <a:rPr lang="ru-RU" smtClean="0"/>
-              <a:t>30.05.2015</a:t>
+              <a:t>06.06.2015</a:t>
             </a:fld>
             <a:endParaRPr lang="ru-RU"/>
           </a:p>
@@ -6434,7 +6429,7 @@
           <a:p>
             <a:fld id="{4A22B647-FA66-4A5C-B280-6C9D1EBD5903}" type="datetime1">
               <a:rPr lang="ru-RU" smtClean="0"/>
-              <a:t>30.05.2015</a:t>
+              <a:t>06.06.2015</a:t>
             </a:fld>
             <a:endParaRPr lang="ru-RU"/>
           </a:p>
@@ -6666,7 +6661,7 @@
           <a:p>
             <a:fld id="{8EC261B3-459B-46B4-8538-89179A99D9A0}" type="datetime1">
               <a:rPr lang="ru-RU" smtClean="0"/>
-              <a:t>30.05.2015</a:t>
+              <a:t>06.06.2015</a:t>
             </a:fld>
             <a:endParaRPr lang="ru-RU"/>
           </a:p>
@@ -7033,7 +7028,7 @@
           <a:p>
             <a:fld id="{FC1C3ECB-7E34-4A10-B00C-48213DAA4739}" type="datetime1">
               <a:rPr lang="ru-RU" smtClean="0"/>
-              <a:t>30.05.2015</a:t>
+              <a:t>06.06.2015</a:t>
             </a:fld>
             <a:endParaRPr lang="ru-RU"/>
           </a:p>
@@ -7151,7 +7146,7 @@
           <a:p>
             <a:fld id="{3F4B1430-CDDB-470D-80E5-299D6970BE24}" type="datetime1">
               <a:rPr lang="ru-RU" smtClean="0"/>
-              <a:t>30.05.2015</a:t>
+              <a:t>06.06.2015</a:t>
             </a:fld>
             <a:endParaRPr lang="ru-RU"/>
           </a:p>
@@ -7246,7 +7241,7 @@
           <a:p>
             <a:fld id="{ED3076F7-ED44-4350-82F2-FECF382FDC47}" type="datetime1">
               <a:rPr lang="ru-RU" smtClean="0"/>
-              <a:t>30.05.2015</a:t>
+              <a:t>06.06.2015</a:t>
             </a:fld>
             <a:endParaRPr lang="ru-RU"/>
           </a:p>
@@ -7523,7 +7518,7 @@
           <a:p>
             <a:fld id="{F730ABC6-06CC-4491-9F12-93C3D271067E}" type="datetime1">
               <a:rPr lang="ru-RU" smtClean="0"/>
-              <a:t>30.05.2015</a:t>
+              <a:t>06.06.2015</a:t>
             </a:fld>
             <a:endParaRPr lang="ru-RU"/>
           </a:p>
@@ -7776,7 +7771,7 @@
           <a:p>
             <a:fld id="{91143EDE-18C6-4F2A-99CA-6FE158C3D105}" type="datetime1">
               <a:rPr lang="ru-RU" smtClean="0"/>
-              <a:t>30.05.2015</a:t>
+              <a:t>06.06.2015</a:t>
             </a:fld>
             <a:endParaRPr lang="ru-RU"/>
           </a:p>
@@ -7989,7 +7984,7 @@
           <a:p>
             <a:fld id="{43DA0F1F-44AE-44AC-8DF8-913DCBC9FA9F}" type="datetime1">
               <a:rPr lang="ru-RU" smtClean="0"/>
-              <a:t>30.05.2015</a:t>
+              <a:t>06.06.2015</a:t>
             </a:fld>
             <a:endParaRPr lang="ru-RU"/>
           </a:p>
@@ -9360,7 +9355,7 @@
             </a:pPr>
             <a:r>
               <a:rPr lang="ru-RU" dirty="0" smtClean="0"/>
-              <a:t>Реализовать передачу файлов через </a:t>
+              <a:t>Сравнить </a:t>
             </a:r>
             <a:r>
               <a:rPr lang="ru-RU" dirty="0" smtClean="0">
@@ -9368,7 +9363,39 @@
                   <a:srgbClr val="1580D0"/>
                 </a:solidFill>
               </a:rPr>
-              <a:t>общую память</a:t>
+              <a:t>производительность</a:t>
+            </a:r>
+            <a:r>
+              <a:rPr lang="ru-RU" dirty="0" smtClean="0"/>
+              <a:t> работы в </a:t>
+            </a:r>
+            <a:r>
+              <a:rPr lang="en-US" dirty="0" smtClean="0">
+                <a:solidFill>
+                  <a:srgbClr val="1580D0"/>
+                </a:solidFill>
+              </a:rPr>
+              <a:t>Windows</a:t>
+            </a:r>
+            <a:r>
+              <a:rPr lang="ru-RU" dirty="0" smtClean="0">
+                <a:solidFill>
+                  <a:srgbClr val="1580D0"/>
+                </a:solidFill>
+              </a:rPr>
+              <a:t> </a:t>
+            </a:r>
+            <a:r>
+              <a:rPr lang="ru-RU" dirty="0" smtClean="0"/>
+              <a:t>и </a:t>
+            </a:r>
+            <a:r>
+              <a:rPr lang="en-US" dirty="0" smtClean="0">
+                <a:solidFill>
+                  <a:srgbClr val="1580D0"/>
+                </a:solidFill>
+              </a:rPr>
+              <a:t>Linux</a:t>
             </a:r>
           </a:p>
           <a:p>
@@ -9378,28 +9405,16 @@
               </a:lnSpc>
             </a:pPr>
             <a:r>
+              <a:rPr lang="ru-RU" dirty="0" smtClean="0">
+                <a:solidFill>
+                  <a:srgbClr val="1580D0"/>
+                </a:solidFill>
+              </a:rPr>
+              <a:t>Повысить</a:t>
+            </a:r>
+            <a:r>
               <a:rPr lang="ru-RU" dirty="0" smtClean="0"/>
-              <a:t>Сравнить </a:t>
-            </a:r>
-            <a:r>
-              <a:rPr lang="ru-RU" dirty="0" smtClean="0">
-                <a:solidFill>
-                  <a:srgbClr val="1580D0"/>
-                </a:solidFill>
-              </a:rPr>
-              <a:t>производительность</a:t>
-            </a:r>
-            <a:r>
-              <a:rPr lang="ru-RU" dirty="0" smtClean="0"/>
-              <a:t> работы в </a:t>
-            </a:r>
-            <a:r>
-              <a:rPr lang="en-US" dirty="0" smtClean="0">
-                <a:solidFill>
-                  <a:srgbClr val="1580D0"/>
-                </a:solidFill>
-              </a:rPr>
-              <a:t>Windows</a:t>
+              <a:t> производительность работы в</a:t>
             </a:r>
             <a:r>
               <a:rPr lang="ru-RU" dirty="0" smtClean="0">
@@ -9410,8 +9425,24 @@
               <a:t> </a:t>
             </a:r>
             <a:r>
+              <a:rPr lang="en-US" dirty="0" smtClean="0">
+                <a:solidFill>
+                  <a:srgbClr val="1580D0"/>
+                </a:solidFill>
+              </a:rPr>
+              <a:t>Windows </a:t>
+            </a:r>
+            <a:r>
               <a:rPr lang="ru-RU" dirty="0" smtClean="0"/>
-              <a:t>и </a:t>
+              <a:t>и</a:t>
+            </a:r>
+            <a:r>
+              <a:rPr lang="ru-RU" dirty="0" smtClean="0">
+                <a:solidFill>
+                  <a:srgbClr val="1580D0"/>
+                </a:solidFill>
+              </a:rPr>
+              <a:t> </a:t>
             </a:r>
             <a:r>
               <a:rPr lang="en-US" dirty="0" smtClean="0">
@@ -15588,15 +15619,7 @@
                   <a:schemeClr val="bg1"/>
                 </a:solidFill>
               </a:rPr>
-              <a:t>Сравнение </a:t>
-            </a:r>
-            <a:r>
-              <a:rPr lang="ru-RU" dirty="0" smtClean="0">
-                <a:solidFill>
-                  <a:schemeClr val="bg1"/>
-                </a:solidFill>
-              </a:rPr>
-              <a:t>производительности</a:t>
+              <a:t>Сравнение производительности</a:t>
             </a:r>
             <a:r>
               <a:rPr lang="en-US" dirty="0" smtClean="0">
@@ -16764,15 +16787,7 @@
                   <a:schemeClr val="bg1"/>
                 </a:solidFill>
               </a:rPr>
-              <a:t>Сравнение </a:t>
-            </a:r>
-            <a:r>
-              <a:rPr lang="ru-RU" dirty="0" smtClean="0">
-                <a:solidFill>
-                  <a:schemeClr val="bg1"/>
-                </a:solidFill>
-              </a:rPr>
-              <a:t>производительности</a:t>
+              <a:t>Сравнение производительности</a:t>
             </a:r>
             <a:r>
               <a:rPr lang="en-US" dirty="0" smtClean="0">

--- a/presentation.pptx
+++ b/presentation.pptx
@@ -438,6 +438,7 @@
     </c:plotArea>
     <c:legend>
       <c:legendPos val="b"/>
+      <c:layout/>
       <c:overlay val="0"/>
       <c:spPr>
         <a:noFill/>
@@ -912,6 +913,7 @@
     </c:plotArea>
     <c:legend>
       <c:legendPos val="b"/>
+      <c:layout/>
       <c:overlay val="0"/>
       <c:spPr>
         <a:noFill/>
@@ -1386,6 +1388,7 @@
     </c:plotArea>
     <c:legend>
       <c:legendPos val="b"/>
+      <c:layout/>
       <c:overlay val="0"/>
       <c:spPr>
         <a:noFill/>
@@ -1740,6 +1743,7 @@
     </c:plotArea>
     <c:legend>
       <c:legendPos val="b"/>
+      <c:layout/>
       <c:overlay val="0"/>
       <c:spPr>
         <a:noFill/>
@@ -1852,6 +1856,7 @@
           </a:p>
         </c:rich>
       </c:tx>
+      <c:layout/>
       <c:overlay val="0"/>
       <c:spPr>
         <a:noFill/>
@@ -16876,6 +16881,13 @@
   <p:clrMapOvr>
     <a:masterClrMapping/>
   </p:clrMapOvr>
+  <p:timing>
+    <p:tnLst>
+      <p:par>
+        <p:cTn id="1" dur="indefinite" restart="never" nodeType="tmRoot"/>
+      </p:par>
+    </p:tnLst>
+  </p:timing>
 </p:sld>
 </file>
 

--- a/presentation.pptx
+++ b/presentation.pptx
@@ -5,10 +5,10 @@
     <p:sldMasterId id="2147483744" r:id="rId1"/>
   </p:sldMasterIdLst>
   <p:notesMasterIdLst>
-    <p:notesMasterId r:id="rId25"/>
+    <p:notesMasterId r:id="rId26"/>
   </p:notesMasterIdLst>
   <p:handoutMasterIdLst>
-    <p:handoutMasterId r:id="rId26"/>
+    <p:handoutMasterId r:id="rId27"/>
   </p:handoutMasterIdLst>
   <p:sldIdLst>
     <p:sldId id="256" r:id="rId2"/>
@@ -21,19 +21,20 @@
     <p:sldId id="266" r:id="rId9"/>
     <p:sldId id="267" r:id="rId10"/>
     <p:sldId id="260" r:id="rId11"/>
-    <p:sldId id="261" r:id="rId12"/>
-    <p:sldId id="262" r:id="rId13"/>
-    <p:sldId id="272" r:id="rId14"/>
-    <p:sldId id="280" r:id="rId15"/>
-    <p:sldId id="264" r:id="rId16"/>
-    <p:sldId id="276" r:id="rId17"/>
-    <p:sldId id="268" r:id="rId18"/>
-    <p:sldId id="279" r:id="rId19"/>
-    <p:sldId id="285" r:id="rId20"/>
-    <p:sldId id="281" r:id="rId21"/>
-    <p:sldId id="283" r:id="rId22"/>
-    <p:sldId id="284" r:id="rId23"/>
-    <p:sldId id="282" r:id="rId24"/>
+    <p:sldId id="286" r:id="rId12"/>
+    <p:sldId id="261" r:id="rId13"/>
+    <p:sldId id="262" r:id="rId14"/>
+    <p:sldId id="272" r:id="rId15"/>
+    <p:sldId id="280" r:id="rId16"/>
+    <p:sldId id="264" r:id="rId17"/>
+    <p:sldId id="276" r:id="rId18"/>
+    <p:sldId id="268" r:id="rId19"/>
+    <p:sldId id="279" r:id="rId20"/>
+    <p:sldId id="285" r:id="rId21"/>
+    <p:sldId id="281" r:id="rId22"/>
+    <p:sldId id="283" r:id="rId23"/>
+    <p:sldId id="284" r:id="rId24"/>
+    <p:sldId id="282" r:id="rId25"/>
   </p:sldIdLst>
   <p:sldSz cx="12192000" cy="6858000"/>
   <p:notesSz cx="6858000" cy="9144000"/>
@@ -315,11 +316,11 @@
         </c:dLbls>
         <c:gapWidth val="219"/>
         <c:overlap val="-27"/>
-        <c:axId val="158449136"/>
-        <c:axId val="158449696"/>
+        <c:axId val="145656320"/>
+        <c:axId val="145656880"/>
       </c:barChart>
       <c:catAx>
-        <c:axId val="158449136"/>
+        <c:axId val="145656320"/>
         <c:scaling>
           <c:orientation val="minMax"/>
         </c:scaling>
@@ -362,7 +363,7 @@
             <a:endParaRPr lang="ru-RU"/>
           </a:p>
         </c:txPr>
-        <c:crossAx val="158449696"/>
+        <c:crossAx val="145656880"/>
         <c:crosses val="autoZero"/>
         <c:auto val="1"/>
         <c:lblAlgn val="ctr"/>
@@ -370,7 +371,7 @@
         <c:noMultiLvlLbl val="0"/>
       </c:catAx>
       <c:valAx>
-        <c:axId val="158449696"/>
+        <c:axId val="145656880"/>
         <c:scaling>
           <c:orientation val="minMax"/>
         </c:scaling>
@@ -423,7 +424,7 @@
             <a:endParaRPr lang="ru-RU"/>
           </a:p>
         </c:txPr>
-        <c:crossAx val="158449136"/>
+        <c:crossAx val="145656320"/>
         <c:crosses val="autoZero"/>
         <c:crossBetween val="between"/>
         <c:minorUnit val="1"/>
@@ -790,11 +791,11 @@
         </c:dLbls>
         <c:gapWidth val="219"/>
         <c:overlap val="-27"/>
-        <c:axId val="154009376"/>
-        <c:axId val="154004896"/>
+        <c:axId val="140444336"/>
+        <c:axId val="140441536"/>
       </c:barChart>
       <c:catAx>
-        <c:axId val="154009376"/>
+        <c:axId val="140444336"/>
         <c:scaling>
           <c:orientation val="minMax"/>
         </c:scaling>
@@ -837,7 +838,7 @@
             <a:endParaRPr lang="ru-RU"/>
           </a:p>
         </c:txPr>
-        <c:crossAx val="154004896"/>
+        <c:crossAx val="140441536"/>
         <c:crosses val="autoZero"/>
         <c:auto val="1"/>
         <c:lblAlgn val="ctr"/>
@@ -845,7 +846,7 @@
         <c:noMultiLvlLbl val="0"/>
       </c:catAx>
       <c:valAx>
-        <c:axId val="154004896"/>
+        <c:axId val="140441536"/>
         <c:scaling>
           <c:orientation val="minMax"/>
         </c:scaling>
@@ -898,7 +899,7 @@
             <a:endParaRPr lang="ru-RU"/>
           </a:p>
         </c:txPr>
-        <c:crossAx val="154009376"/>
+        <c:crossAx val="140444336"/>
         <c:crosses val="autoZero"/>
         <c:crossBetween val="between"/>
         <c:minorUnit val="1"/>
@@ -1265,11 +1266,11 @@
         </c:dLbls>
         <c:gapWidth val="219"/>
         <c:overlap val="-27"/>
-        <c:axId val="205162800"/>
-        <c:axId val="205163360"/>
+        <c:axId val="210626416"/>
+        <c:axId val="210626976"/>
       </c:barChart>
       <c:catAx>
-        <c:axId val="205162800"/>
+        <c:axId val="210626416"/>
         <c:scaling>
           <c:orientation val="minMax"/>
         </c:scaling>
@@ -1312,7 +1313,7 @@
             <a:endParaRPr lang="ru-RU"/>
           </a:p>
         </c:txPr>
-        <c:crossAx val="205163360"/>
+        <c:crossAx val="210626976"/>
         <c:crosses val="autoZero"/>
         <c:auto val="1"/>
         <c:lblAlgn val="ctr"/>
@@ -1320,7 +1321,7 @@
         <c:noMultiLvlLbl val="0"/>
       </c:catAx>
       <c:valAx>
-        <c:axId val="205163360"/>
+        <c:axId val="210626976"/>
         <c:scaling>
           <c:orientation val="minMax"/>
         </c:scaling>
@@ -1373,7 +1374,7 @@
             <a:endParaRPr lang="ru-RU"/>
           </a:p>
         </c:txPr>
-        <c:crossAx val="205162800"/>
+        <c:crossAx val="210626416"/>
         <c:crosses val="autoZero"/>
         <c:crossBetween val="between"/>
         <c:minorUnit val="1"/>
@@ -1620,11 +1621,11 @@
         </c:dLbls>
         <c:gapWidth val="219"/>
         <c:overlap val="-27"/>
-        <c:axId val="205165600"/>
-        <c:axId val="205166160"/>
+        <c:axId val="214480928"/>
+        <c:axId val="214481488"/>
       </c:barChart>
       <c:catAx>
-        <c:axId val="205165600"/>
+        <c:axId val="214480928"/>
         <c:scaling>
           <c:orientation val="minMax"/>
         </c:scaling>
@@ -1667,7 +1668,7 @@
             <a:endParaRPr lang="ru-RU"/>
           </a:p>
         </c:txPr>
-        <c:crossAx val="205166160"/>
+        <c:crossAx val="214481488"/>
         <c:crosses val="autoZero"/>
         <c:auto val="1"/>
         <c:lblAlgn val="ctr"/>
@@ -1675,7 +1676,7 @@
         <c:noMultiLvlLbl val="0"/>
       </c:catAx>
       <c:valAx>
-        <c:axId val="205166160"/>
+        <c:axId val="214481488"/>
         <c:scaling>
           <c:orientation val="minMax"/>
         </c:scaling>
@@ -1728,7 +1729,7 @@
             <a:endParaRPr lang="ru-RU"/>
           </a:p>
         </c:txPr>
-        <c:crossAx val="205165600"/>
+        <c:crossAx val="214480928"/>
         <c:crosses val="autoZero"/>
         <c:crossBetween val="between"/>
         <c:minorUnit val="1"/>
@@ -2035,11 +2036,11 @@
         </c:dLbls>
         <c:gapWidth val="219"/>
         <c:overlap val="-27"/>
-        <c:axId val="152272928"/>
-        <c:axId val="152273488"/>
+        <c:axId val="214484288"/>
+        <c:axId val="214484848"/>
       </c:barChart>
       <c:catAx>
-        <c:axId val="152272928"/>
+        <c:axId val="214484288"/>
         <c:scaling>
           <c:orientation val="minMax"/>
         </c:scaling>
@@ -2082,7 +2083,7 @@
             <a:endParaRPr lang="ru-RU"/>
           </a:p>
         </c:txPr>
-        <c:crossAx val="152273488"/>
+        <c:crossAx val="214484848"/>
         <c:crosses val="autoZero"/>
         <c:auto val="1"/>
         <c:lblAlgn val="ctr"/>
@@ -2090,7 +2091,7 @@
         <c:noMultiLvlLbl val="0"/>
       </c:catAx>
       <c:valAx>
-        <c:axId val="152273488"/>
+        <c:axId val="214484848"/>
         <c:scaling>
           <c:orientation val="minMax"/>
         </c:scaling>
@@ -2141,7 +2142,7 @@
             <a:endParaRPr lang="ru-RU"/>
           </a:p>
         </c:txPr>
-        <c:crossAx val="152272928"/>
+        <c:crossAx val="214484288"/>
         <c:crosses val="autoZero"/>
         <c:crossBetween val="between"/>
       </c:valAx>
@@ -5018,7 +5019,7 @@
           <a:p>
             <a:fld id="{366B7320-B199-4348-8A7B-B2B720FDDCF5}" type="datetimeFigureOut">
               <a:rPr lang="ru-RU" smtClean="0"/>
-              <a:t>06.06.2015</a:t>
+              <a:t>08.06.2015</a:t>
             </a:fld>
             <a:endParaRPr lang="ru-RU"/>
           </a:p>
@@ -5184,7 +5185,7 @@
           <a:p>
             <a:fld id="{3DD26253-D59A-4B0A-BF06-A252C4368F86}" type="datetimeFigureOut">
               <a:rPr lang="ru-RU" smtClean="0"/>
-              <a:t>06.06.2015</a:t>
+              <a:t>08.06.2015</a:t>
             </a:fld>
             <a:endParaRPr lang="ru-RU"/>
           </a:p>
@@ -5668,7 +5669,7 @@
           <a:p>
             <a:fld id="{69156FAB-53CF-4B59-AB41-817703D28BE0}" type="datetime1">
               <a:rPr lang="ru-RU" smtClean="0"/>
-              <a:t>06.06.2015</a:t>
+              <a:t>08.06.2015</a:t>
             </a:fld>
             <a:endParaRPr lang="ru-RU"/>
           </a:p>
@@ -5838,7 +5839,7 @@
           <a:p>
             <a:fld id="{1EC2A69D-209F-4B8C-9DEA-81BF6A4B4105}" type="datetime1">
               <a:rPr lang="ru-RU" smtClean="0"/>
-              <a:t>06.06.2015</a:t>
+              <a:t>08.06.2015</a:t>
             </a:fld>
             <a:endParaRPr lang="ru-RU"/>
           </a:p>
@@ -6018,7 +6019,7 @@
           <a:p>
             <a:fld id="{B2684D70-DDB8-4E77-8AD7-0351704ADC4B}" type="datetime1">
               <a:rPr lang="ru-RU" smtClean="0"/>
-              <a:t>06.06.2015</a:t>
+              <a:t>08.06.2015</a:t>
             </a:fld>
             <a:endParaRPr lang="ru-RU"/>
           </a:p>
@@ -6188,7 +6189,7 @@
           <a:p>
             <a:fld id="{59A2A2EE-83F0-4937-8AB9-FA8B54A62B2E}" type="datetime1">
               <a:rPr lang="ru-RU" smtClean="0"/>
-              <a:t>06.06.2015</a:t>
+              <a:t>08.06.2015</a:t>
             </a:fld>
             <a:endParaRPr lang="ru-RU"/>
           </a:p>
@@ -6434,7 +6435,7 @@
           <a:p>
             <a:fld id="{4A22B647-FA66-4A5C-B280-6C9D1EBD5903}" type="datetime1">
               <a:rPr lang="ru-RU" smtClean="0"/>
-              <a:t>06.06.2015</a:t>
+              <a:t>08.06.2015</a:t>
             </a:fld>
             <a:endParaRPr lang="ru-RU"/>
           </a:p>
@@ -6666,7 +6667,7 @@
           <a:p>
             <a:fld id="{8EC261B3-459B-46B4-8538-89179A99D9A0}" type="datetime1">
               <a:rPr lang="ru-RU" smtClean="0"/>
-              <a:t>06.06.2015</a:t>
+              <a:t>08.06.2015</a:t>
             </a:fld>
             <a:endParaRPr lang="ru-RU"/>
           </a:p>
@@ -7033,7 +7034,7 @@
           <a:p>
             <a:fld id="{FC1C3ECB-7E34-4A10-B00C-48213DAA4739}" type="datetime1">
               <a:rPr lang="ru-RU" smtClean="0"/>
-              <a:t>06.06.2015</a:t>
+              <a:t>08.06.2015</a:t>
             </a:fld>
             <a:endParaRPr lang="ru-RU"/>
           </a:p>
@@ -7151,7 +7152,7 @@
           <a:p>
             <a:fld id="{3F4B1430-CDDB-470D-80E5-299D6970BE24}" type="datetime1">
               <a:rPr lang="ru-RU" smtClean="0"/>
-              <a:t>06.06.2015</a:t>
+              <a:t>08.06.2015</a:t>
             </a:fld>
             <a:endParaRPr lang="ru-RU"/>
           </a:p>
@@ -7246,7 +7247,7 @@
           <a:p>
             <a:fld id="{ED3076F7-ED44-4350-82F2-FECF382FDC47}" type="datetime1">
               <a:rPr lang="ru-RU" smtClean="0"/>
-              <a:t>06.06.2015</a:t>
+              <a:t>08.06.2015</a:t>
             </a:fld>
             <a:endParaRPr lang="ru-RU"/>
           </a:p>
@@ -7523,7 +7524,7 @@
           <a:p>
             <a:fld id="{F730ABC6-06CC-4491-9F12-93C3D271067E}" type="datetime1">
               <a:rPr lang="ru-RU" smtClean="0"/>
-              <a:t>06.06.2015</a:t>
+              <a:t>08.06.2015</a:t>
             </a:fld>
             <a:endParaRPr lang="ru-RU"/>
           </a:p>
@@ -7776,7 +7777,7 @@
           <a:p>
             <a:fld id="{91143EDE-18C6-4F2A-99CA-6FE158C3D105}" type="datetime1">
               <a:rPr lang="ru-RU" smtClean="0"/>
-              <a:t>06.06.2015</a:t>
+              <a:t>08.06.2015</a:t>
             </a:fld>
             <a:endParaRPr lang="ru-RU"/>
           </a:p>
@@ -7989,7 +7990,7 @@
           <a:p>
             <a:fld id="{43DA0F1F-44AE-44AC-8DF8-913DCBC9FA9F}" type="datetime1">
               <a:rPr lang="ru-RU" smtClean="0"/>
-              <a:t>06.06.2015</a:t>
+              <a:t>08.06.2015</a:t>
             </a:fld>
             <a:endParaRPr lang="ru-RU"/>
           </a:p>
@@ -9532,6 +9533,1061 @@
       </p:grpSpPr>
       <p:pic>
         <p:nvPicPr>
+          <p:cNvPr id="5" name="Picture 4" descr="http://windowsapptutorials.com/wp-content/uploads/2014/12/Windows-8.1.jpg"/>
+          <p:cNvPicPr>
+            <a:picLocks noChangeAspect="1" noChangeArrowheads="1"/>
+          </p:cNvPicPr>
+          <p:nvPr/>
+        </p:nvPicPr>
+        <p:blipFill rotWithShape="1">
+          <a:blip r:embed="rId2">
+            <a:extLst>
+              <a:ext uri="{28A0092B-C50C-407E-A947-70E740481C1C}">
+                <a14:useLocalDpi xmlns:a14="http://schemas.microsoft.com/office/drawing/2010/main" val="0"/>
+              </a:ext>
+            </a:extLst>
+          </a:blip>
+          <a:srcRect l="-426" t="189" r="426" b="72317"/>
+          <a:stretch/>
+        </p:blipFill>
+        <p:spPr bwMode="auto">
+          <a:xfrm rot="10800000">
+            <a:off x="-6720" y="134472"/>
+            <a:ext cx="12265959" cy="1311088"/>
+          </a:xfrm>
+          <a:prstGeom prst="rect">
+            <a:avLst/>
+          </a:prstGeom>
+          <a:noFill/>
+          <a:extLst>
+            <a:ext uri="{909E8E84-426E-40DD-AFC4-6F175D3DCCD1}">
+              <a14:hiddenFill xmlns:a14="http://schemas.microsoft.com/office/drawing/2010/main">
+                <a:solidFill>
+                  <a:srgbClr val="FFFFFF"/>
+                </a:solidFill>
+              </a14:hiddenFill>
+            </a:ext>
+          </a:extLst>
+        </p:spPr>
+      </p:pic>
+      <p:sp>
+        <p:nvSpPr>
+          <p:cNvPr id="2" name="Заголовок 1"/>
+          <p:cNvSpPr>
+            <a:spLocks noGrp="1"/>
+          </p:cNvSpPr>
+          <p:nvPr>
+            <p:ph type="title"/>
+          </p:nvPr>
+        </p:nvSpPr>
+        <p:spPr/>
+        <p:txBody>
+          <a:bodyPr/>
+          <a:lstStyle/>
+          <a:p>
+            <a:r>
+              <a:rPr lang="ru-RU" dirty="0" smtClean="0">
+                <a:solidFill>
+                  <a:schemeClr val="bg1"/>
+                </a:solidFill>
+              </a:rPr>
+              <a:t>Выбор виртуальной машины</a:t>
+            </a:r>
+            <a:endParaRPr lang="ru-RU" dirty="0">
+              <a:solidFill>
+                <a:schemeClr val="bg1"/>
+              </a:solidFill>
+            </a:endParaRPr>
+          </a:p>
+        </p:txBody>
+      </p:sp>
+      <p:sp>
+        <p:nvSpPr>
+          <p:cNvPr id="6" name="Номер слайда 3"/>
+          <p:cNvSpPr>
+            <a:spLocks noGrp="1"/>
+          </p:cNvSpPr>
+          <p:nvPr>
+            <p:ph type="sldNum" sz="quarter" idx="12"/>
+          </p:nvPr>
+        </p:nvSpPr>
+        <p:spPr>
+          <a:xfrm>
+            <a:off x="9235888" y="6414885"/>
+            <a:ext cx="2743200" cy="365125"/>
+          </a:xfrm>
+        </p:spPr>
+        <p:txBody>
+          <a:bodyPr/>
+          <a:lstStyle/>
+          <a:p>
+            <a:r>
+              <a:rPr lang="en-US" dirty="0" smtClean="0"/>
+              <a:t>10/17</a:t>
+            </a:r>
+            <a:endParaRPr lang="ru-RU" dirty="0"/>
+          </a:p>
+        </p:txBody>
+      </p:sp>
+      <p:grpSp>
+        <p:nvGrpSpPr>
+          <p:cNvPr id="25" name="Группа 24"/>
+          <p:cNvGrpSpPr/>
+          <p:nvPr/>
+        </p:nvGrpSpPr>
+        <p:grpSpPr>
+          <a:xfrm>
+            <a:off x="429271" y="2616737"/>
+            <a:ext cx="3173424" cy="2476904"/>
+            <a:chOff x="876525" y="3937981"/>
+            <a:chExt cx="3173424" cy="2476904"/>
+          </a:xfrm>
+        </p:grpSpPr>
+        <p:sp>
+          <p:nvSpPr>
+            <p:cNvPr id="7" name="TextBox 6"/>
+            <p:cNvSpPr txBox="1"/>
+            <p:nvPr/>
+          </p:nvSpPr>
+          <p:spPr>
+            <a:xfrm>
+              <a:off x="1168133" y="4469198"/>
+              <a:ext cx="2881815" cy="923330"/>
+            </a:xfrm>
+            <a:prstGeom prst="rect">
+              <a:avLst/>
+            </a:prstGeom>
+            <a:noFill/>
+          </p:spPr>
+          <p:txBody>
+            <a:bodyPr wrap="none" rtlCol="0">
+              <a:spAutoFit/>
+            </a:bodyPr>
+            <a:lstStyle/>
+            <a:p>
+              <a:pPr>
+                <a:lnSpc>
+                  <a:spcPct val="150000"/>
+                </a:lnSpc>
+              </a:pPr>
+              <a:r>
+                <a:rPr lang="ru-RU" dirty="0"/>
+                <a:t>р</a:t>
+              </a:r>
+              <a:r>
+                <a:rPr lang="ru-RU" dirty="0" smtClean="0"/>
+                <a:t>аботает в </a:t>
+              </a:r>
+              <a:r>
+                <a:rPr lang="en-US" dirty="0" smtClean="0"/>
+                <a:t>Linux</a:t>
+              </a:r>
+              <a:r>
+                <a:rPr lang="ru-RU" dirty="0" smtClean="0"/>
+                <a:t> и </a:t>
+              </a:r>
+              <a:r>
+                <a:rPr lang="en-US" dirty="0" smtClean="0"/>
+                <a:t>Windows</a:t>
+              </a:r>
+              <a:endParaRPr lang="ru-RU" dirty="0" smtClean="0"/>
+            </a:p>
+            <a:p>
+              <a:pPr>
+                <a:lnSpc>
+                  <a:spcPct val="150000"/>
+                </a:lnSpc>
+              </a:pPr>
+              <a:r>
+                <a:rPr lang="ru-RU" dirty="0"/>
+                <a:t>о</a:t>
+              </a:r>
+              <a:r>
+                <a:rPr lang="ru-RU" dirty="0" smtClean="0"/>
+                <a:t>ткрытый исходный код</a:t>
+              </a:r>
+              <a:endParaRPr lang="ru-RU" dirty="0"/>
+            </a:p>
+          </p:txBody>
+        </p:sp>
+        <p:sp>
+          <p:nvSpPr>
+            <p:cNvPr id="10" name="Прямоугольник 9"/>
+            <p:cNvSpPr/>
+            <p:nvPr/>
+          </p:nvSpPr>
+          <p:spPr>
+            <a:xfrm>
+              <a:off x="876525" y="4469198"/>
+              <a:ext cx="3173424" cy="1945687"/>
+            </a:xfrm>
+            <a:prstGeom prst="rect">
+              <a:avLst/>
+            </a:prstGeom>
+            <a:noFill/>
+            <a:ln w="28575">
+              <a:solidFill>
+                <a:srgbClr val="2683C6"/>
+              </a:solidFill>
+              <a:prstDash val="solid"/>
+            </a:ln>
+          </p:spPr>
+          <p:style>
+            <a:lnRef idx="2">
+              <a:schemeClr val="accent5"/>
+            </a:lnRef>
+            <a:fillRef idx="1">
+              <a:schemeClr val="lt1"/>
+            </a:fillRef>
+            <a:effectRef idx="0">
+              <a:schemeClr val="accent5"/>
+            </a:effectRef>
+            <a:fontRef idx="minor">
+              <a:schemeClr val="dk1"/>
+            </a:fontRef>
+          </p:style>
+          <p:txBody>
+            <a:bodyPr rtlCol="0" anchor="ctr"/>
+            <a:lstStyle/>
+            <a:p>
+              <a:pPr algn="ctr"/>
+              <a:endParaRPr lang="ru-RU"/>
+            </a:p>
+          </p:txBody>
+        </p:sp>
+        <p:sp>
+          <p:nvSpPr>
+            <p:cNvPr id="12" name="TextBox 11"/>
+            <p:cNvSpPr txBox="1"/>
+            <p:nvPr/>
+          </p:nvSpPr>
+          <p:spPr>
+            <a:xfrm>
+              <a:off x="1666256" y="3937981"/>
+              <a:ext cx="1593962" cy="461665"/>
+            </a:xfrm>
+            <a:prstGeom prst="rect">
+              <a:avLst/>
+            </a:prstGeom>
+            <a:noFill/>
+          </p:spPr>
+          <p:txBody>
+            <a:bodyPr wrap="none" rtlCol="0">
+              <a:spAutoFit/>
+            </a:bodyPr>
+            <a:lstStyle/>
+            <a:p>
+              <a:r>
+                <a:rPr lang="en-US" sz="2400" b="1" dirty="0" smtClean="0">
+                  <a:solidFill>
+                    <a:srgbClr val="2683C6"/>
+                  </a:solidFill>
+                </a:rPr>
+                <a:t>Virtual Box</a:t>
+              </a:r>
+              <a:endParaRPr lang="ru-RU" sz="2400" b="1" dirty="0">
+                <a:solidFill>
+                  <a:srgbClr val="2683C6"/>
+                </a:solidFill>
+              </a:endParaRPr>
+            </a:p>
+          </p:txBody>
+        </p:sp>
+        <p:sp>
+          <p:nvSpPr>
+            <p:cNvPr id="15" name="Крест 14"/>
+            <p:cNvSpPr/>
+            <p:nvPr/>
+          </p:nvSpPr>
+          <p:spPr>
+            <a:xfrm>
+              <a:off x="1073618" y="4676121"/>
+              <a:ext cx="145834" cy="141997"/>
+            </a:xfrm>
+            <a:prstGeom prst="plus">
+              <a:avLst>
+                <a:gd name="adj" fmla="val 42905"/>
+              </a:avLst>
+            </a:prstGeom>
+            <a:solidFill>
+              <a:srgbClr val="00B050"/>
+            </a:solidFill>
+          </p:spPr>
+          <p:style>
+            <a:lnRef idx="2">
+              <a:schemeClr val="accent6">
+                <a:shade val="50000"/>
+              </a:schemeClr>
+            </a:lnRef>
+            <a:fillRef idx="1">
+              <a:schemeClr val="accent6"/>
+            </a:fillRef>
+            <a:effectRef idx="0">
+              <a:schemeClr val="accent6"/>
+            </a:effectRef>
+            <a:fontRef idx="minor">
+              <a:schemeClr val="lt1"/>
+            </a:fontRef>
+          </p:style>
+          <p:txBody>
+            <a:bodyPr rtlCol="0" anchor="ctr"/>
+            <a:lstStyle/>
+            <a:p>
+              <a:pPr algn="ctr"/>
+              <a:endParaRPr lang="ru-RU"/>
+            </a:p>
+          </p:txBody>
+        </p:sp>
+        <p:sp>
+          <p:nvSpPr>
+            <p:cNvPr id="16" name="Крест 15"/>
+            <p:cNvSpPr/>
+            <p:nvPr/>
+          </p:nvSpPr>
+          <p:spPr>
+            <a:xfrm>
+              <a:off x="1073618" y="5093643"/>
+              <a:ext cx="145834" cy="141997"/>
+            </a:xfrm>
+            <a:prstGeom prst="plus">
+              <a:avLst>
+                <a:gd name="adj" fmla="val 42905"/>
+              </a:avLst>
+            </a:prstGeom>
+            <a:solidFill>
+              <a:srgbClr val="00B050"/>
+            </a:solidFill>
+          </p:spPr>
+          <p:style>
+            <a:lnRef idx="2">
+              <a:schemeClr val="accent6">
+                <a:shade val="50000"/>
+              </a:schemeClr>
+            </a:lnRef>
+            <a:fillRef idx="1">
+              <a:schemeClr val="accent6"/>
+            </a:fillRef>
+            <a:effectRef idx="0">
+              <a:schemeClr val="accent6"/>
+            </a:effectRef>
+            <a:fontRef idx="minor">
+              <a:schemeClr val="lt1"/>
+            </a:fontRef>
+          </p:style>
+          <p:txBody>
+            <a:bodyPr rtlCol="0" anchor="ctr"/>
+            <a:lstStyle/>
+            <a:p>
+              <a:pPr algn="ctr"/>
+              <a:endParaRPr lang="ru-RU"/>
+            </a:p>
+          </p:txBody>
+        </p:sp>
+      </p:grpSp>
+      <p:grpSp>
+        <p:nvGrpSpPr>
+          <p:cNvPr id="26" name="Группа 25"/>
+          <p:cNvGrpSpPr/>
+          <p:nvPr/>
+        </p:nvGrpSpPr>
+        <p:grpSpPr>
+          <a:xfrm>
+            <a:off x="4031264" y="2616737"/>
+            <a:ext cx="3768186" cy="2476904"/>
+            <a:chOff x="4599382" y="3937980"/>
+            <a:chExt cx="3768186" cy="2476904"/>
+          </a:xfrm>
+        </p:grpSpPr>
+        <p:sp>
+          <p:nvSpPr>
+            <p:cNvPr id="8" name="TextBox 7"/>
+            <p:cNvSpPr txBox="1"/>
+            <p:nvPr/>
+          </p:nvSpPr>
+          <p:spPr>
+            <a:xfrm>
+              <a:off x="4892129" y="4469198"/>
+              <a:ext cx="3475439" cy="1754326"/>
+            </a:xfrm>
+            <a:prstGeom prst="rect">
+              <a:avLst/>
+            </a:prstGeom>
+            <a:noFill/>
+          </p:spPr>
+          <p:txBody>
+            <a:bodyPr wrap="none" rtlCol="0">
+              <a:spAutoFit/>
+            </a:bodyPr>
+            <a:lstStyle/>
+            <a:p>
+              <a:pPr>
+                <a:lnSpc>
+                  <a:spcPct val="150000"/>
+                </a:lnSpc>
+              </a:pPr>
+              <a:r>
+                <a:rPr lang="ru-RU" dirty="0" smtClean="0"/>
+                <a:t>высокая скорость работы</a:t>
+              </a:r>
+              <a:endParaRPr lang="en-US" dirty="0" smtClean="0"/>
+            </a:p>
+            <a:p>
+              <a:pPr>
+                <a:lnSpc>
+                  <a:spcPct val="150000"/>
+                </a:lnSpc>
+              </a:pPr>
+              <a:r>
+                <a:rPr lang="ru-RU" dirty="0"/>
+                <a:t>с</a:t>
+              </a:r>
+              <a:r>
+                <a:rPr lang="ru-RU" dirty="0" smtClean="0"/>
+                <a:t>вободно распространяется</a:t>
+              </a:r>
+            </a:p>
+            <a:p>
+              <a:pPr>
+                <a:lnSpc>
+                  <a:spcPct val="150000"/>
+                </a:lnSpc>
+              </a:pPr>
+              <a:endParaRPr lang="ru-RU" dirty="0"/>
+            </a:p>
+            <a:p>
+              <a:pPr>
+                <a:lnSpc>
+                  <a:spcPct val="150000"/>
+                </a:lnSpc>
+              </a:pPr>
+              <a:r>
+                <a:rPr lang="ru-RU" dirty="0" smtClean="0"/>
+                <a:t>32-битный драйвер режима ядра</a:t>
+              </a:r>
+              <a:endParaRPr lang="ru-RU" dirty="0"/>
+            </a:p>
+          </p:txBody>
+        </p:sp>
+        <p:sp>
+          <p:nvSpPr>
+            <p:cNvPr id="13" name="TextBox 12"/>
+            <p:cNvSpPr txBox="1"/>
+            <p:nvPr/>
+          </p:nvSpPr>
+          <p:spPr>
+            <a:xfrm>
+              <a:off x="5906971" y="3937980"/>
+              <a:ext cx="1153008" cy="461665"/>
+            </a:xfrm>
+            <a:prstGeom prst="rect">
+              <a:avLst/>
+            </a:prstGeom>
+            <a:noFill/>
+          </p:spPr>
+          <p:txBody>
+            <a:bodyPr wrap="none" rtlCol="0">
+              <a:spAutoFit/>
+            </a:bodyPr>
+            <a:lstStyle/>
+            <a:p>
+              <a:r>
+                <a:rPr lang="en-US" sz="2400" b="1" dirty="0" err="1" smtClean="0">
+                  <a:solidFill>
+                    <a:srgbClr val="2683C6"/>
+                  </a:solidFill>
+                </a:rPr>
+                <a:t>coLinux</a:t>
+              </a:r>
+              <a:endParaRPr lang="ru-RU" sz="2400" b="1" dirty="0">
+                <a:solidFill>
+                  <a:srgbClr val="2683C6"/>
+                </a:solidFill>
+              </a:endParaRPr>
+            </a:p>
+          </p:txBody>
+        </p:sp>
+        <p:sp>
+          <p:nvSpPr>
+            <p:cNvPr id="14" name="Прямоугольник 13"/>
+            <p:cNvSpPr/>
+            <p:nvPr/>
+          </p:nvSpPr>
+          <p:spPr>
+            <a:xfrm>
+              <a:off x="4761385" y="5959170"/>
+              <a:ext cx="145834" cy="45719"/>
+            </a:xfrm>
+            <a:prstGeom prst="rect">
+              <a:avLst/>
+            </a:prstGeom>
+            <a:solidFill>
+              <a:srgbClr val="FF0000"/>
+            </a:solidFill>
+          </p:spPr>
+          <p:style>
+            <a:lnRef idx="2">
+              <a:schemeClr val="accent2">
+                <a:shade val="50000"/>
+              </a:schemeClr>
+            </a:lnRef>
+            <a:fillRef idx="1">
+              <a:schemeClr val="accent2"/>
+            </a:fillRef>
+            <a:effectRef idx="0">
+              <a:schemeClr val="accent2"/>
+            </a:effectRef>
+            <a:fontRef idx="minor">
+              <a:schemeClr val="lt1"/>
+            </a:fontRef>
+          </p:style>
+          <p:txBody>
+            <a:bodyPr rtlCol="0" anchor="ctr"/>
+            <a:lstStyle/>
+            <a:p>
+              <a:pPr algn="ctr"/>
+              <a:endParaRPr lang="ru-RU"/>
+            </a:p>
+          </p:txBody>
+        </p:sp>
+        <p:sp>
+          <p:nvSpPr>
+            <p:cNvPr id="17" name="Прямоугольник 16"/>
+            <p:cNvSpPr/>
+            <p:nvPr/>
+          </p:nvSpPr>
+          <p:spPr>
+            <a:xfrm>
+              <a:off x="4599382" y="4469198"/>
+              <a:ext cx="3768186" cy="1945686"/>
+            </a:xfrm>
+            <a:prstGeom prst="rect">
+              <a:avLst/>
+            </a:prstGeom>
+            <a:noFill/>
+            <a:ln w="28575">
+              <a:solidFill>
+                <a:srgbClr val="2683C6"/>
+              </a:solidFill>
+              <a:prstDash val="solid"/>
+            </a:ln>
+          </p:spPr>
+          <p:style>
+            <a:lnRef idx="2">
+              <a:schemeClr val="accent5"/>
+            </a:lnRef>
+            <a:fillRef idx="1">
+              <a:schemeClr val="lt1"/>
+            </a:fillRef>
+            <a:effectRef idx="0">
+              <a:schemeClr val="accent5"/>
+            </a:effectRef>
+            <a:fontRef idx="minor">
+              <a:schemeClr val="dk1"/>
+            </a:fontRef>
+          </p:style>
+          <p:txBody>
+            <a:bodyPr rtlCol="0" anchor="ctr"/>
+            <a:lstStyle/>
+            <a:p>
+              <a:pPr algn="ctr"/>
+              <a:endParaRPr lang="ru-RU"/>
+            </a:p>
+          </p:txBody>
+        </p:sp>
+        <p:sp>
+          <p:nvSpPr>
+            <p:cNvPr id="18" name="Крест 17"/>
+            <p:cNvSpPr/>
+            <p:nvPr/>
+          </p:nvSpPr>
+          <p:spPr>
+            <a:xfrm>
+              <a:off x="4761385" y="4676120"/>
+              <a:ext cx="145834" cy="141997"/>
+            </a:xfrm>
+            <a:prstGeom prst="plus">
+              <a:avLst>
+                <a:gd name="adj" fmla="val 42905"/>
+              </a:avLst>
+            </a:prstGeom>
+            <a:solidFill>
+              <a:srgbClr val="00B050"/>
+            </a:solidFill>
+          </p:spPr>
+          <p:style>
+            <a:lnRef idx="2">
+              <a:schemeClr val="accent6">
+                <a:shade val="50000"/>
+              </a:schemeClr>
+            </a:lnRef>
+            <a:fillRef idx="1">
+              <a:schemeClr val="accent6"/>
+            </a:fillRef>
+            <a:effectRef idx="0">
+              <a:schemeClr val="accent6"/>
+            </a:effectRef>
+            <a:fontRef idx="minor">
+              <a:schemeClr val="lt1"/>
+            </a:fontRef>
+          </p:style>
+          <p:txBody>
+            <a:bodyPr rtlCol="0" anchor="ctr"/>
+            <a:lstStyle/>
+            <a:p>
+              <a:pPr algn="ctr"/>
+              <a:endParaRPr lang="ru-RU"/>
+            </a:p>
+          </p:txBody>
+        </p:sp>
+        <p:sp>
+          <p:nvSpPr>
+            <p:cNvPr id="19" name="Крест 18"/>
+            <p:cNvSpPr/>
+            <p:nvPr/>
+          </p:nvSpPr>
+          <p:spPr>
+            <a:xfrm>
+              <a:off x="4761385" y="5093642"/>
+              <a:ext cx="145834" cy="141997"/>
+            </a:xfrm>
+            <a:prstGeom prst="plus">
+              <a:avLst>
+                <a:gd name="adj" fmla="val 42905"/>
+              </a:avLst>
+            </a:prstGeom>
+            <a:solidFill>
+              <a:srgbClr val="00B050"/>
+            </a:solidFill>
+          </p:spPr>
+          <p:style>
+            <a:lnRef idx="2">
+              <a:schemeClr val="accent6">
+                <a:shade val="50000"/>
+              </a:schemeClr>
+            </a:lnRef>
+            <a:fillRef idx="1">
+              <a:schemeClr val="accent6"/>
+            </a:fillRef>
+            <a:effectRef idx="0">
+              <a:schemeClr val="accent6"/>
+            </a:effectRef>
+            <a:fontRef idx="minor">
+              <a:schemeClr val="lt1"/>
+            </a:fontRef>
+          </p:style>
+          <p:txBody>
+            <a:bodyPr rtlCol="0" anchor="ctr"/>
+            <a:lstStyle/>
+            <a:p>
+              <a:pPr algn="ctr"/>
+              <a:endParaRPr lang="ru-RU"/>
+            </a:p>
+          </p:txBody>
+        </p:sp>
+      </p:grpSp>
+      <p:grpSp>
+        <p:nvGrpSpPr>
+          <p:cNvPr id="27" name="Группа 26"/>
+          <p:cNvGrpSpPr/>
+          <p:nvPr/>
+        </p:nvGrpSpPr>
+        <p:grpSpPr>
+          <a:xfrm>
+            <a:off x="8228019" y="2613692"/>
+            <a:ext cx="3258113" cy="2479949"/>
+            <a:chOff x="8529571" y="3934936"/>
+            <a:chExt cx="3258113" cy="2479949"/>
+          </a:xfrm>
+        </p:grpSpPr>
+        <p:sp>
+          <p:nvSpPr>
+            <p:cNvPr id="9" name="TextBox 8"/>
+            <p:cNvSpPr txBox="1"/>
+            <p:nvPr/>
+          </p:nvSpPr>
+          <p:spPr>
+            <a:xfrm>
+              <a:off x="8801995" y="4469198"/>
+              <a:ext cx="2985689" cy="1338828"/>
+            </a:xfrm>
+            <a:prstGeom prst="rect">
+              <a:avLst/>
+            </a:prstGeom>
+            <a:noFill/>
+          </p:spPr>
+          <p:txBody>
+            <a:bodyPr wrap="none" rtlCol="0">
+              <a:spAutoFit/>
+            </a:bodyPr>
+            <a:lstStyle/>
+            <a:p>
+              <a:pPr>
+                <a:lnSpc>
+                  <a:spcPct val="150000"/>
+                </a:lnSpc>
+              </a:pPr>
+              <a:r>
+                <a:rPr lang="ru-RU" dirty="0"/>
+                <a:t>р</a:t>
+              </a:r>
+              <a:r>
+                <a:rPr lang="ru-RU" dirty="0" smtClean="0"/>
+                <a:t>аботает в </a:t>
+              </a:r>
+              <a:r>
+                <a:rPr lang="en-US" dirty="0" smtClean="0"/>
+                <a:t>Linux </a:t>
+              </a:r>
+              <a:r>
+                <a:rPr lang="ru-RU" dirty="0" smtClean="0"/>
+                <a:t>и</a:t>
+              </a:r>
+              <a:r>
+                <a:rPr lang="en-US" dirty="0" smtClean="0"/>
+                <a:t> Windows</a:t>
+              </a:r>
+              <a:endParaRPr lang="ru-RU" dirty="0" smtClean="0"/>
+            </a:p>
+            <a:p>
+              <a:pPr>
+                <a:lnSpc>
+                  <a:spcPct val="150000"/>
+                </a:lnSpc>
+              </a:pPr>
+              <a:r>
+                <a:rPr lang="ru-RU" dirty="0"/>
+                <a:t>о</a:t>
+              </a:r>
+              <a:r>
+                <a:rPr lang="ru-RU" dirty="0" smtClean="0"/>
+                <a:t>ткрытый исходный код</a:t>
+              </a:r>
+            </a:p>
+            <a:p>
+              <a:pPr>
+                <a:lnSpc>
+                  <a:spcPct val="150000"/>
+                </a:lnSpc>
+              </a:pPr>
+              <a:r>
+                <a:rPr lang="ru-RU" dirty="0"/>
+                <a:t>п</a:t>
+              </a:r>
+              <a:r>
+                <a:rPr lang="ru-RU" dirty="0" smtClean="0"/>
+                <a:t>оддерживается в </a:t>
+              </a:r>
+              <a:r>
+                <a:rPr lang="en-US" b="1" dirty="0" err="1" smtClean="0"/>
+                <a:t>libguestfs</a:t>
+              </a:r>
+              <a:endParaRPr lang="ru-RU" b="1" dirty="0" smtClean="0"/>
+            </a:p>
+          </p:txBody>
+        </p:sp>
+        <p:sp>
+          <p:nvSpPr>
+            <p:cNvPr id="11" name="TextBox 10"/>
+            <p:cNvSpPr txBox="1"/>
+            <p:nvPr/>
+          </p:nvSpPr>
+          <p:spPr>
+            <a:xfrm>
+              <a:off x="9638848" y="3934936"/>
+              <a:ext cx="1016625" cy="461665"/>
+            </a:xfrm>
+            <a:prstGeom prst="rect">
+              <a:avLst/>
+            </a:prstGeom>
+            <a:noFill/>
+          </p:spPr>
+          <p:txBody>
+            <a:bodyPr wrap="none" rtlCol="0">
+              <a:spAutoFit/>
+            </a:bodyPr>
+            <a:lstStyle/>
+            <a:p>
+              <a:r>
+                <a:rPr lang="en-US" sz="2400" b="1" dirty="0" smtClean="0">
+                  <a:solidFill>
+                    <a:srgbClr val="2683C6"/>
+                  </a:solidFill>
+                </a:rPr>
+                <a:t>QEMU</a:t>
+              </a:r>
+              <a:endParaRPr lang="ru-RU" sz="2000" b="1" dirty="0">
+                <a:solidFill>
+                  <a:srgbClr val="2683C6"/>
+                </a:solidFill>
+              </a:endParaRPr>
+            </a:p>
+          </p:txBody>
+        </p:sp>
+        <p:sp>
+          <p:nvSpPr>
+            <p:cNvPr id="21" name="Прямоугольник 20"/>
+            <p:cNvSpPr/>
+            <p:nvPr/>
+          </p:nvSpPr>
+          <p:spPr>
+            <a:xfrm>
+              <a:off x="8529571" y="4469198"/>
+              <a:ext cx="3235181" cy="1945687"/>
+            </a:xfrm>
+            <a:prstGeom prst="rect">
+              <a:avLst/>
+            </a:prstGeom>
+            <a:noFill/>
+            <a:ln w="28575">
+              <a:solidFill>
+                <a:srgbClr val="2683C6"/>
+              </a:solidFill>
+              <a:prstDash val="solid"/>
+            </a:ln>
+          </p:spPr>
+          <p:style>
+            <a:lnRef idx="2">
+              <a:schemeClr val="accent5"/>
+            </a:lnRef>
+            <a:fillRef idx="1">
+              <a:schemeClr val="lt1"/>
+            </a:fillRef>
+            <a:effectRef idx="0">
+              <a:schemeClr val="accent5"/>
+            </a:effectRef>
+            <a:fontRef idx="minor">
+              <a:schemeClr val="dk1"/>
+            </a:fontRef>
+          </p:style>
+          <p:txBody>
+            <a:bodyPr rtlCol="0" anchor="ctr"/>
+            <a:lstStyle/>
+            <a:p>
+              <a:pPr algn="ctr"/>
+              <a:endParaRPr lang="ru-RU"/>
+            </a:p>
+          </p:txBody>
+        </p:sp>
+        <p:sp>
+          <p:nvSpPr>
+            <p:cNvPr id="22" name="Крест 21"/>
+            <p:cNvSpPr/>
+            <p:nvPr/>
+          </p:nvSpPr>
+          <p:spPr>
+            <a:xfrm>
+              <a:off x="8679092" y="4681531"/>
+              <a:ext cx="145834" cy="141997"/>
+            </a:xfrm>
+            <a:prstGeom prst="plus">
+              <a:avLst>
+                <a:gd name="adj" fmla="val 42905"/>
+              </a:avLst>
+            </a:prstGeom>
+            <a:solidFill>
+              <a:srgbClr val="00B050"/>
+            </a:solidFill>
+          </p:spPr>
+          <p:style>
+            <a:lnRef idx="2">
+              <a:schemeClr val="accent6">
+                <a:shade val="50000"/>
+              </a:schemeClr>
+            </a:lnRef>
+            <a:fillRef idx="1">
+              <a:schemeClr val="accent6"/>
+            </a:fillRef>
+            <a:effectRef idx="0">
+              <a:schemeClr val="accent6"/>
+            </a:effectRef>
+            <a:fontRef idx="minor">
+              <a:schemeClr val="lt1"/>
+            </a:fontRef>
+          </p:style>
+          <p:txBody>
+            <a:bodyPr rtlCol="0" anchor="ctr"/>
+            <a:lstStyle/>
+            <a:p>
+              <a:pPr algn="ctr"/>
+              <a:endParaRPr lang="ru-RU"/>
+            </a:p>
+          </p:txBody>
+        </p:sp>
+        <p:sp>
+          <p:nvSpPr>
+            <p:cNvPr id="23" name="Крест 22"/>
+            <p:cNvSpPr/>
+            <p:nvPr/>
+          </p:nvSpPr>
+          <p:spPr>
+            <a:xfrm>
+              <a:off x="8679092" y="5093641"/>
+              <a:ext cx="145834" cy="141997"/>
+            </a:xfrm>
+            <a:prstGeom prst="plus">
+              <a:avLst>
+                <a:gd name="adj" fmla="val 42905"/>
+              </a:avLst>
+            </a:prstGeom>
+            <a:solidFill>
+              <a:srgbClr val="00B050"/>
+            </a:solidFill>
+          </p:spPr>
+          <p:style>
+            <a:lnRef idx="2">
+              <a:schemeClr val="accent6">
+                <a:shade val="50000"/>
+              </a:schemeClr>
+            </a:lnRef>
+            <a:fillRef idx="1">
+              <a:schemeClr val="accent6"/>
+            </a:fillRef>
+            <a:effectRef idx="0">
+              <a:schemeClr val="accent6"/>
+            </a:effectRef>
+            <a:fontRef idx="minor">
+              <a:schemeClr val="lt1"/>
+            </a:fontRef>
+          </p:style>
+          <p:txBody>
+            <a:bodyPr rtlCol="0" anchor="ctr"/>
+            <a:lstStyle/>
+            <a:p>
+              <a:pPr algn="ctr"/>
+              <a:endParaRPr lang="ru-RU"/>
+            </a:p>
+          </p:txBody>
+        </p:sp>
+        <p:sp>
+          <p:nvSpPr>
+            <p:cNvPr id="24" name="Крест 23"/>
+            <p:cNvSpPr/>
+            <p:nvPr/>
+          </p:nvSpPr>
+          <p:spPr>
+            <a:xfrm>
+              <a:off x="8679092" y="5505751"/>
+              <a:ext cx="145834" cy="141997"/>
+            </a:xfrm>
+            <a:prstGeom prst="plus">
+              <a:avLst>
+                <a:gd name="adj" fmla="val 42905"/>
+              </a:avLst>
+            </a:prstGeom>
+            <a:solidFill>
+              <a:srgbClr val="00B050"/>
+            </a:solidFill>
+          </p:spPr>
+          <p:style>
+            <a:lnRef idx="2">
+              <a:schemeClr val="accent6">
+                <a:shade val="50000"/>
+              </a:schemeClr>
+            </a:lnRef>
+            <a:fillRef idx="1">
+              <a:schemeClr val="accent6"/>
+            </a:fillRef>
+            <a:effectRef idx="0">
+              <a:schemeClr val="accent6"/>
+            </a:effectRef>
+            <a:fontRef idx="minor">
+              <a:schemeClr val="lt1"/>
+            </a:fontRef>
+          </p:style>
+          <p:txBody>
+            <a:bodyPr rtlCol="0" anchor="ctr"/>
+            <a:lstStyle/>
+            <a:p>
+              <a:pPr algn="ctr"/>
+              <a:endParaRPr lang="ru-RU"/>
+            </a:p>
+          </p:txBody>
+        </p:sp>
+      </p:grpSp>
+      <p:sp>
+        <p:nvSpPr>
+          <p:cNvPr id="28" name="Прямоугольник 27"/>
+          <p:cNvSpPr/>
+          <p:nvPr/>
+        </p:nvSpPr>
+        <p:spPr>
+          <a:xfrm>
+            <a:off x="8014102" y="1966374"/>
+            <a:ext cx="3663011" cy="3484460"/>
+          </a:xfrm>
+          <a:prstGeom prst="rect">
+            <a:avLst/>
+          </a:prstGeom>
+          <a:noFill/>
+          <a:ln w="28575">
+            <a:solidFill>
+              <a:srgbClr val="00B050"/>
+            </a:solidFill>
+            <a:prstDash val="sysDash"/>
+          </a:ln>
+        </p:spPr>
+        <p:style>
+          <a:lnRef idx="2">
+            <a:schemeClr val="accent6"/>
+          </a:lnRef>
+          <a:fillRef idx="1">
+            <a:schemeClr val="lt1"/>
+          </a:fillRef>
+          <a:effectRef idx="0">
+            <a:schemeClr val="accent6"/>
+          </a:effectRef>
+          <a:fontRef idx="minor">
+            <a:schemeClr val="dk1"/>
+          </a:fontRef>
+        </p:style>
+        <p:txBody>
+          <a:bodyPr rtlCol="0" anchor="ctr"/>
+          <a:lstStyle/>
+          <a:p>
+            <a:pPr algn="ctr"/>
+            <a:endParaRPr lang="ru-RU"/>
+          </a:p>
+        </p:txBody>
+      </p:sp>
+    </p:spTree>
+    <p:extLst>
+      <p:ext uri="{BB962C8B-B14F-4D97-AF65-F5344CB8AC3E}">
+        <p14:creationId xmlns:p14="http://schemas.microsoft.com/office/powerpoint/2010/main" val="1303984151"/>
+      </p:ext>
+    </p:extLst>
+  </p:cSld>
+  <p:clrMapOvr>
+    <a:masterClrMapping/>
+  </p:clrMapOvr>
+  <p:timing>
+    <p:tnLst>
+      <p:par>
+        <p:cTn id="1" dur="indefinite" restart="never" nodeType="tmRoot"/>
+      </p:par>
+    </p:tnLst>
+  </p:timing>
+</p:sld>
+</file>
+
+<file path=ppt/slides/slide12.xml><?xml version="1.0" encoding="utf-8"?>
+<p:sld xmlns:a="http://schemas.openxmlformats.org/drawingml/2006/main" xmlns:r="http://schemas.openxmlformats.org/officeDocument/2006/relationships" xmlns:p="http://schemas.openxmlformats.org/presentationml/2006/main">
+  <p:cSld>
+    <p:spTree>
+      <p:nvGrpSpPr>
+        <p:cNvPr id="1" name=""/>
+        <p:cNvGrpSpPr/>
+        <p:nvPr/>
+      </p:nvGrpSpPr>
+      <p:grpSpPr>
+        <a:xfrm>
+          <a:off x="0" y="0"/>
+          <a:ext cx="0" cy="0"/>
+          <a:chOff x="0" y="0"/>
+          <a:chExt cx="0" cy="0"/>
+        </a:xfrm>
+      </p:grpSpPr>
+      <p:pic>
+        <p:nvPicPr>
           <p:cNvPr id="6" name="Picture 4" descr="http://windowsapptutorials.com/wp-content/uploads/2014/12/Windows-8.1.jpg"/>
           <p:cNvPicPr>
             <a:picLocks noChangeAspect="1" noChangeArrowheads="1"/>
@@ -10788,7 +11844,7 @@
 </p:sld>
 </file>
 
-<file path=ppt/slides/slide12.xml><?xml version="1.0" encoding="utf-8"?>
+<file path=ppt/slides/slide13.xml><?xml version="1.0" encoding="utf-8"?>
 <p:sld xmlns:a="http://schemas.openxmlformats.org/drawingml/2006/main" xmlns:r="http://schemas.openxmlformats.org/officeDocument/2006/relationships" xmlns:p="http://schemas.openxmlformats.org/presentationml/2006/main">
   <p:cSld>
     <p:spTree>
@@ -11503,193 +12559,6 @@
 </p:sld>
 </file>
 
-<file path=ppt/slides/slide13.xml><?xml version="1.0" encoding="utf-8"?>
-<p:sld xmlns:a="http://schemas.openxmlformats.org/drawingml/2006/main" xmlns:r="http://schemas.openxmlformats.org/officeDocument/2006/relationships" xmlns:p="http://schemas.openxmlformats.org/presentationml/2006/main">
-  <p:cSld>
-    <p:spTree>
-      <p:nvGrpSpPr>
-        <p:cNvPr id="1" name=""/>
-        <p:cNvGrpSpPr/>
-        <p:nvPr/>
-      </p:nvGrpSpPr>
-      <p:grpSpPr>
-        <a:xfrm>
-          <a:off x="0" y="0"/>
-          <a:ext cx="0" cy="0"/>
-          <a:chOff x="0" y="0"/>
-          <a:chExt cx="0" cy="0"/>
-        </a:xfrm>
-      </p:grpSpPr>
-      <p:pic>
-        <p:nvPicPr>
-          <p:cNvPr id="5" name="Picture 4" descr="http://windowsapptutorials.com/wp-content/uploads/2014/12/Windows-8.1.jpg"/>
-          <p:cNvPicPr>
-            <a:picLocks noChangeAspect="1" noChangeArrowheads="1"/>
-          </p:cNvPicPr>
-          <p:nvPr/>
-        </p:nvPicPr>
-        <p:blipFill rotWithShape="1">
-          <a:blip r:embed="rId2">
-            <a:extLst>
-              <a:ext uri="{28A0092B-C50C-407E-A947-70E740481C1C}">
-                <a14:useLocalDpi xmlns:a14="http://schemas.microsoft.com/office/drawing/2010/main" val="0"/>
-              </a:ext>
-            </a:extLst>
-          </a:blip>
-          <a:srcRect l="-426" t="189" r="426" b="72317"/>
-          <a:stretch/>
-        </p:blipFill>
-        <p:spPr bwMode="auto">
-          <a:xfrm rot="10800000">
-            <a:off x="-6720" y="134472"/>
-            <a:ext cx="12265959" cy="1311088"/>
-          </a:xfrm>
-          <a:prstGeom prst="rect">
-            <a:avLst/>
-          </a:prstGeom>
-          <a:noFill/>
-          <a:extLst>
-            <a:ext uri="{909E8E84-426E-40DD-AFC4-6F175D3DCCD1}">
-              <a14:hiddenFill xmlns:a14="http://schemas.microsoft.com/office/drawing/2010/main">
-                <a:solidFill>
-                  <a:srgbClr val="FFFFFF"/>
-                </a:solidFill>
-              </a14:hiddenFill>
-            </a:ext>
-          </a:extLst>
-        </p:spPr>
-      </p:pic>
-      <p:sp>
-        <p:nvSpPr>
-          <p:cNvPr id="2" name="Заголовок 1"/>
-          <p:cNvSpPr>
-            <a:spLocks noGrp="1"/>
-          </p:cNvSpPr>
-          <p:nvPr>
-            <p:ph type="title"/>
-          </p:nvPr>
-        </p:nvSpPr>
-        <p:spPr/>
-        <p:txBody>
-          <a:bodyPr/>
-          <a:lstStyle/>
-          <a:p>
-            <a:r>
-              <a:rPr lang="ru-RU" dirty="0" smtClean="0">
-                <a:solidFill>
-                  <a:schemeClr val="bg1"/>
-                </a:solidFill>
-              </a:rPr>
-              <a:t>Сравнение производительности</a:t>
-            </a:r>
-            <a:endParaRPr lang="ru-RU" dirty="0">
-              <a:solidFill>
-                <a:schemeClr val="bg1"/>
-              </a:solidFill>
-            </a:endParaRPr>
-          </a:p>
-        </p:txBody>
-      </p:sp>
-      <p:graphicFrame>
-        <p:nvGraphicFramePr>
-          <p:cNvPr id="6" name="Диаграмма 5"/>
-          <p:cNvGraphicFramePr/>
-          <p:nvPr>
-            <p:extLst>
-              <p:ext uri="{D42A27DB-BD31-4B8C-83A1-F6EECF244321}">
-                <p14:modId xmlns:p14="http://schemas.microsoft.com/office/powerpoint/2010/main" val="101848867"/>
-              </p:ext>
-            </p:extLst>
-          </p:nvPr>
-        </p:nvGraphicFramePr>
-        <p:xfrm>
-          <a:off x="1211356" y="1633818"/>
-          <a:ext cx="9769288" cy="5162066"/>
-        </p:xfrm>
-        <a:graphic>
-          <a:graphicData uri="http://schemas.openxmlformats.org/drawingml/2006/chart">
-            <c:chart xmlns:c="http://schemas.openxmlformats.org/drawingml/2006/chart" xmlns:r="http://schemas.openxmlformats.org/officeDocument/2006/relationships" r:id="rId3"/>
-          </a:graphicData>
-        </a:graphic>
-      </p:graphicFrame>
-      <p:sp>
-        <p:nvSpPr>
-          <p:cNvPr id="7" name="Номер слайда 3"/>
-          <p:cNvSpPr>
-            <a:spLocks noGrp="1"/>
-          </p:cNvSpPr>
-          <p:nvPr>
-            <p:ph type="sldNum" sz="quarter" idx="12"/>
-          </p:nvPr>
-        </p:nvSpPr>
-        <p:spPr>
-          <a:xfrm>
-            <a:off x="9242612" y="6414885"/>
-            <a:ext cx="2743200" cy="365125"/>
-          </a:xfrm>
-        </p:spPr>
-        <p:txBody>
-          <a:bodyPr/>
-          <a:lstStyle/>
-          <a:p>
-            <a:r>
-              <a:rPr lang="en-US" dirty="0" smtClean="0"/>
-              <a:t>13/17</a:t>
-            </a:r>
-            <a:endParaRPr lang="ru-RU" dirty="0"/>
-          </a:p>
-        </p:txBody>
-      </p:sp>
-      <p:sp>
-        <p:nvSpPr>
-          <p:cNvPr id="8" name="TextBox 7"/>
-          <p:cNvSpPr txBox="1"/>
-          <p:nvPr/>
-        </p:nvSpPr>
-        <p:spPr>
-          <a:xfrm rot="16200000">
-            <a:off x="517940" y="3693159"/>
-            <a:ext cx="920445" cy="338554"/>
-          </a:xfrm>
-          <a:prstGeom prst="rect">
-            <a:avLst/>
-          </a:prstGeom>
-          <a:noFill/>
-        </p:spPr>
-        <p:txBody>
-          <a:bodyPr wrap="none" rtlCol="0">
-            <a:spAutoFit/>
-          </a:bodyPr>
-          <a:lstStyle/>
-          <a:p>
-            <a:r>
-              <a:rPr lang="ru-RU" sz="1600" dirty="0" smtClean="0"/>
-              <a:t>секунды</a:t>
-            </a:r>
-            <a:endParaRPr lang="ru-RU" sz="1600" dirty="0"/>
-          </a:p>
-        </p:txBody>
-      </p:sp>
-    </p:spTree>
-    <p:extLst>
-      <p:ext uri="{BB962C8B-B14F-4D97-AF65-F5344CB8AC3E}">
-        <p14:creationId xmlns:p14="http://schemas.microsoft.com/office/powerpoint/2010/main" val="2906045555"/>
-      </p:ext>
-    </p:extLst>
-  </p:cSld>
-  <p:clrMapOvr>
-    <a:masterClrMapping/>
-  </p:clrMapOvr>
-  <p:timing>
-    <p:tnLst>
-      <p:par>
-        <p:cTn id="1" dur="indefinite" restart="never" nodeType="tmRoot"/>
-      </p:par>
-    </p:tnLst>
-  </p:timing>
-</p:sld>
-</file>
-
 <file path=ppt/slides/slide14.xml><?xml version="1.0" encoding="utf-8"?>
 <p:sld xmlns:a="http://schemas.openxmlformats.org/drawingml/2006/main" xmlns:r="http://schemas.openxmlformats.org/officeDocument/2006/relationships" xmlns:p="http://schemas.openxmlformats.org/presentationml/2006/main">
   <p:cSld>
@@ -11767,6 +12636,193 @@
                   <a:schemeClr val="bg1"/>
                 </a:solidFill>
               </a:rPr>
+              <a:t>Сравнение производительности</a:t>
+            </a:r>
+            <a:endParaRPr lang="ru-RU" dirty="0">
+              <a:solidFill>
+                <a:schemeClr val="bg1"/>
+              </a:solidFill>
+            </a:endParaRPr>
+          </a:p>
+        </p:txBody>
+      </p:sp>
+      <p:graphicFrame>
+        <p:nvGraphicFramePr>
+          <p:cNvPr id="6" name="Диаграмма 5"/>
+          <p:cNvGraphicFramePr/>
+          <p:nvPr>
+            <p:extLst>
+              <p:ext uri="{D42A27DB-BD31-4B8C-83A1-F6EECF244321}">
+                <p14:modId xmlns:p14="http://schemas.microsoft.com/office/powerpoint/2010/main" val="101848867"/>
+              </p:ext>
+            </p:extLst>
+          </p:nvPr>
+        </p:nvGraphicFramePr>
+        <p:xfrm>
+          <a:off x="1211356" y="1633818"/>
+          <a:ext cx="9769288" cy="5162066"/>
+        </p:xfrm>
+        <a:graphic>
+          <a:graphicData uri="http://schemas.openxmlformats.org/drawingml/2006/chart">
+            <c:chart xmlns:c="http://schemas.openxmlformats.org/drawingml/2006/chart" xmlns:r="http://schemas.openxmlformats.org/officeDocument/2006/relationships" r:id="rId3"/>
+          </a:graphicData>
+        </a:graphic>
+      </p:graphicFrame>
+      <p:sp>
+        <p:nvSpPr>
+          <p:cNvPr id="7" name="Номер слайда 3"/>
+          <p:cNvSpPr>
+            <a:spLocks noGrp="1"/>
+          </p:cNvSpPr>
+          <p:nvPr>
+            <p:ph type="sldNum" sz="quarter" idx="12"/>
+          </p:nvPr>
+        </p:nvSpPr>
+        <p:spPr>
+          <a:xfrm>
+            <a:off x="9242612" y="6414885"/>
+            <a:ext cx="2743200" cy="365125"/>
+          </a:xfrm>
+        </p:spPr>
+        <p:txBody>
+          <a:bodyPr/>
+          <a:lstStyle/>
+          <a:p>
+            <a:r>
+              <a:rPr lang="en-US" dirty="0" smtClean="0"/>
+              <a:t>13/17</a:t>
+            </a:r>
+            <a:endParaRPr lang="ru-RU" dirty="0"/>
+          </a:p>
+        </p:txBody>
+      </p:sp>
+      <p:sp>
+        <p:nvSpPr>
+          <p:cNvPr id="8" name="TextBox 7"/>
+          <p:cNvSpPr txBox="1"/>
+          <p:nvPr/>
+        </p:nvSpPr>
+        <p:spPr>
+          <a:xfrm rot="16200000">
+            <a:off x="517940" y="3693159"/>
+            <a:ext cx="920445" cy="338554"/>
+          </a:xfrm>
+          <a:prstGeom prst="rect">
+            <a:avLst/>
+          </a:prstGeom>
+          <a:noFill/>
+        </p:spPr>
+        <p:txBody>
+          <a:bodyPr wrap="none" rtlCol="0">
+            <a:spAutoFit/>
+          </a:bodyPr>
+          <a:lstStyle/>
+          <a:p>
+            <a:r>
+              <a:rPr lang="ru-RU" sz="1600" dirty="0" smtClean="0"/>
+              <a:t>секунды</a:t>
+            </a:r>
+            <a:endParaRPr lang="ru-RU" sz="1600" dirty="0"/>
+          </a:p>
+        </p:txBody>
+      </p:sp>
+    </p:spTree>
+    <p:extLst>
+      <p:ext uri="{BB962C8B-B14F-4D97-AF65-F5344CB8AC3E}">
+        <p14:creationId xmlns:p14="http://schemas.microsoft.com/office/powerpoint/2010/main" val="2906045555"/>
+      </p:ext>
+    </p:extLst>
+  </p:cSld>
+  <p:clrMapOvr>
+    <a:masterClrMapping/>
+  </p:clrMapOvr>
+  <p:timing>
+    <p:tnLst>
+      <p:par>
+        <p:cTn id="1" dur="indefinite" restart="never" nodeType="tmRoot"/>
+      </p:par>
+    </p:tnLst>
+  </p:timing>
+</p:sld>
+</file>
+
+<file path=ppt/slides/slide15.xml><?xml version="1.0" encoding="utf-8"?>
+<p:sld xmlns:a="http://schemas.openxmlformats.org/drawingml/2006/main" xmlns:r="http://schemas.openxmlformats.org/officeDocument/2006/relationships" xmlns:p="http://schemas.openxmlformats.org/presentationml/2006/main">
+  <p:cSld>
+    <p:spTree>
+      <p:nvGrpSpPr>
+        <p:cNvPr id="1" name=""/>
+        <p:cNvGrpSpPr/>
+        <p:nvPr/>
+      </p:nvGrpSpPr>
+      <p:grpSpPr>
+        <a:xfrm>
+          <a:off x="0" y="0"/>
+          <a:ext cx="0" cy="0"/>
+          <a:chOff x="0" y="0"/>
+          <a:chExt cx="0" cy="0"/>
+        </a:xfrm>
+      </p:grpSpPr>
+      <p:pic>
+        <p:nvPicPr>
+          <p:cNvPr id="5" name="Picture 4" descr="http://windowsapptutorials.com/wp-content/uploads/2014/12/Windows-8.1.jpg"/>
+          <p:cNvPicPr>
+            <a:picLocks noChangeAspect="1" noChangeArrowheads="1"/>
+          </p:cNvPicPr>
+          <p:nvPr/>
+        </p:nvPicPr>
+        <p:blipFill rotWithShape="1">
+          <a:blip r:embed="rId2">
+            <a:extLst>
+              <a:ext uri="{28A0092B-C50C-407E-A947-70E740481C1C}">
+                <a14:useLocalDpi xmlns:a14="http://schemas.microsoft.com/office/drawing/2010/main" val="0"/>
+              </a:ext>
+            </a:extLst>
+          </a:blip>
+          <a:srcRect l="-426" t="189" r="426" b="72317"/>
+          <a:stretch/>
+        </p:blipFill>
+        <p:spPr bwMode="auto">
+          <a:xfrm rot="10800000">
+            <a:off x="-6720" y="134472"/>
+            <a:ext cx="12265959" cy="1311088"/>
+          </a:xfrm>
+          <a:prstGeom prst="rect">
+            <a:avLst/>
+          </a:prstGeom>
+          <a:noFill/>
+          <a:extLst>
+            <a:ext uri="{909E8E84-426E-40DD-AFC4-6F175D3DCCD1}">
+              <a14:hiddenFill xmlns:a14="http://schemas.microsoft.com/office/drawing/2010/main">
+                <a:solidFill>
+                  <a:srgbClr val="FFFFFF"/>
+                </a:solidFill>
+              </a14:hiddenFill>
+            </a:ext>
+          </a:extLst>
+        </p:spPr>
+      </p:pic>
+      <p:sp>
+        <p:nvSpPr>
+          <p:cNvPr id="2" name="Заголовок 1"/>
+          <p:cNvSpPr>
+            <a:spLocks noGrp="1"/>
+          </p:cNvSpPr>
+          <p:nvPr>
+            <p:ph type="title"/>
+          </p:nvPr>
+        </p:nvSpPr>
+        <p:spPr/>
+        <p:txBody>
+          <a:bodyPr/>
+          <a:lstStyle/>
+          <a:p>
+            <a:r>
+              <a:rPr lang="ru-RU" dirty="0" smtClean="0">
+                <a:solidFill>
+                  <a:schemeClr val="bg1"/>
+                </a:solidFill>
+              </a:rPr>
               <a:t>Замена </a:t>
             </a:r>
             <a:r>
@@ -11909,7 +12965,7 @@
 </p:sld>
 </file>
 
-<file path=ppt/slides/slide15.xml><?xml version="1.0" encoding="utf-8"?>
+<file path=ppt/slides/slide16.xml><?xml version="1.0" encoding="utf-8"?>
 <p:sld xmlns:a="http://schemas.openxmlformats.org/drawingml/2006/main" xmlns:r="http://schemas.openxmlformats.org/officeDocument/2006/relationships" xmlns:p="http://schemas.openxmlformats.org/presentationml/2006/main">
   <p:cSld>
     <p:spTree>
@@ -13358,7 +14414,7 @@
 </p:sld>
 </file>
 
-<file path=ppt/slides/slide16.xml><?xml version="1.0" encoding="utf-8"?>
+<file path=ppt/slides/slide17.xml><?xml version="1.0" encoding="utf-8"?>
 <p:sld xmlns:a="http://schemas.openxmlformats.org/drawingml/2006/main" xmlns:r="http://schemas.openxmlformats.org/officeDocument/2006/relationships" xmlns:p="http://schemas.openxmlformats.org/presentationml/2006/main">
   <p:cSld>
     <p:spTree>
@@ -13550,7 +14606,7 @@
 </p:sld>
 </file>
 
-<file path=ppt/slides/slide17.xml><?xml version="1.0" encoding="utf-8"?>
+<file path=ppt/slides/slide18.xml><?xml version="1.0" encoding="utf-8"?>
 <p:sld xmlns:a="http://schemas.openxmlformats.org/drawingml/2006/main" xmlns:r="http://schemas.openxmlformats.org/officeDocument/2006/relationships" xmlns:p="http://schemas.openxmlformats.org/presentationml/2006/main">
   <p:cSld>
     <p:spTree>
@@ -13829,154 +14885,6 @@
     <p:extLst>
       <p:ext uri="{BB962C8B-B14F-4D97-AF65-F5344CB8AC3E}">
         <p14:creationId xmlns:p14="http://schemas.microsoft.com/office/powerpoint/2010/main" val="884907377"/>
-      </p:ext>
-    </p:extLst>
-  </p:cSld>
-  <p:clrMapOvr>
-    <a:masterClrMapping/>
-  </p:clrMapOvr>
-  <p:timing>
-    <p:tnLst>
-      <p:par>
-        <p:cTn id="1" dur="indefinite" restart="never" nodeType="tmRoot"/>
-      </p:par>
-    </p:tnLst>
-  </p:timing>
-</p:sld>
-</file>
-
-<file path=ppt/slides/slide18.xml><?xml version="1.0" encoding="utf-8"?>
-<p:sld xmlns:a="http://schemas.openxmlformats.org/drawingml/2006/main" xmlns:r="http://schemas.openxmlformats.org/officeDocument/2006/relationships" xmlns:p="http://schemas.openxmlformats.org/presentationml/2006/main">
-  <p:cSld>
-    <p:spTree>
-      <p:nvGrpSpPr>
-        <p:cNvPr id="1" name=""/>
-        <p:cNvGrpSpPr/>
-        <p:nvPr/>
-      </p:nvGrpSpPr>
-      <p:grpSpPr>
-        <a:xfrm>
-          <a:off x="0" y="0"/>
-          <a:ext cx="0" cy="0"/>
-          <a:chOff x="0" y="0"/>
-          <a:chExt cx="0" cy="0"/>
-        </a:xfrm>
-      </p:grpSpPr>
-      <p:pic>
-        <p:nvPicPr>
-          <p:cNvPr id="5" name="Picture 4" descr="http://windowsapptutorials.com/wp-content/uploads/2014/12/Windows-8.1.jpg"/>
-          <p:cNvPicPr>
-            <a:picLocks noChangeAspect="1" noChangeArrowheads="1"/>
-          </p:cNvPicPr>
-          <p:nvPr/>
-        </p:nvPicPr>
-        <p:blipFill rotWithShape="1">
-          <a:blip r:embed="rId2">
-            <a:extLst>
-              <a:ext uri="{28A0092B-C50C-407E-A947-70E740481C1C}">
-                <a14:useLocalDpi xmlns:a14="http://schemas.microsoft.com/office/drawing/2010/main" val="0"/>
-              </a:ext>
-            </a:extLst>
-          </a:blip>
-          <a:srcRect l="-426" t="189" r="426" b="72317"/>
-          <a:stretch/>
-        </p:blipFill>
-        <p:spPr bwMode="auto">
-          <a:xfrm rot="10800000">
-            <a:off x="-1" y="1707777"/>
-            <a:ext cx="12265959" cy="2823882"/>
-          </a:xfrm>
-          <a:prstGeom prst="rect">
-            <a:avLst/>
-          </a:prstGeom>
-          <a:noFill/>
-          <a:extLst>
-            <a:ext uri="{909E8E84-426E-40DD-AFC4-6F175D3DCCD1}">
-              <a14:hiddenFill xmlns:a14="http://schemas.microsoft.com/office/drawing/2010/main">
-                <a:solidFill>
-                  <a:srgbClr val="FFFFFF"/>
-                </a:solidFill>
-              </a14:hiddenFill>
-            </a:ext>
-          </a:extLst>
-        </p:spPr>
-      </p:pic>
-      <p:sp>
-        <p:nvSpPr>
-          <p:cNvPr id="3" name="Объект 2"/>
-          <p:cNvSpPr>
-            <a:spLocks noGrp="1"/>
-          </p:cNvSpPr>
-          <p:nvPr>
-            <p:ph type="subTitle" idx="1"/>
-          </p:nvPr>
-        </p:nvSpPr>
-        <p:spPr>
-          <a:xfrm>
-            <a:off x="1628218" y="2661165"/>
-            <a:ext cx="9144000" cy="1655762"/>
-          </a:xfrm>
-        </p:spPr>
-        <p:txBody>
-          <a:bodyPr>
-            <a:normAutofit/>
-          </a:bodyPr>
-          <a:lstStyle/>
-          <a:p>
-            <a:pPr marL="0" indent="0">
-              <a:lnSpc>
-                <a:spcPct val="150000"/>
-              </a:lnSpc>
-              <a:buNone/>
-            </a:pPr>
-            <a:r>
-              <a:rPr lang="ru-RU" sz="4800" dirty="0" smtClean="0">
-                <a:solidFill>
-                  <a:schemeClr val="bg1"/>
-                </a:solidFill>
-              </a:rPr>
-              <a:t>Спасибо за внимание!</a:t>
-            </a:r>
-            <a:endParaRPr lang="ru-RU" sz="4800" dirty="0">
-              <a:solidFill>
-                <a:schemeClr val="bg1"/>
-              </a:solidFill>
-            </a:endParaRPr>
-          </a:p>
-        </p:txBody>
-      </p:sp>
-      <p:sp>
-        <p:nvSpPr>
-          <p:cNvPr id="7" name="Номер слайда 3"/>
-          <p:cNvSpPr>
-            <a:spLocks noGrp="1"/>
-          </p:cNvSpPr>
-          <p:nvPr>
-            <p:ph type="sldNum" sz="quarter" idx="12"/>
-          </p:nvPr>
-        </p:nvSpPr>
-        <p:spPr>
-          <a:xfrm>
-            <a:off x="9242612" y="6414885"/>
-            <a:ext cx="2743200" cy="365125"/>
-          </a:xfrm>
-        </p:spPr>
-        <p:txBody>
-          <a:bodyPr/>
-          <a:lstStyle/>
-          <a:p>
-            <a:r>
-              <a:rPr lang="en-US" dirty="0" smtClean="0"/>
-              <a:t>18/17</a:t>
-            </a:r>
-            <a:endParaRPr lang="ru-RU" dirty="0"/>
-          </a:p>
-        </p:txBody>
-      </p:sp>
-    </p:spTree>
-    <p:extLst>
-      <p:ext uri="{BB962C8B-B14F-4D97-AF65-F5344CB8AC3E}">
-        <p14:creationId xmlns:p14="http://schemas.microsoft.com/office/powerpoint/2010/main" val="1009461908"/>
       </p:ext>
     </p:extLst>
   </p:cSld>
@@ -14124,7 +15032,7 @@
     </p:spTree>
     <p:extLst>
       <p:ext uri="{BB962C8B-B14F-4D97-AF65-F5344CB8AC3E}">
-        <p14:creationId xmlns:p14="http://schemas.microsoft.com/office/powerpoint/2010/main" val="3234957531"/>
+        <p14:creationId xmlns:p14="http://schemas.microsoft.com/office/powerpoint/2010/main" val="1009461908"/>
       </p:ext>
     </p:extLst>
   </p:cSld>
@@ -15383,8 +16291,8 @@
         </p:blipFill>
         <p:spPr bwMode="auto">
           <a:xfrm rot="10800000">
-            <a:off x="-6720" y="134472"/>
-            <a:ext cx="12265959" cy="1311088"/>
+            <a:off x="-1" y="1707777"/>
+            <a:ext cx="12265959" cy="2823882"/>
           </a:xfrm>
           <a:prstGeom prst="rect">
             <a:avLst/>
@@ -15403,100 +16311,51 @@
       </p:pic>
       <p:sp>
         <p:nvSpPr>
-          <p:cNvPr id="2" name="Заголовок 1"/>
-          <p:cNvSpPr>
-            <a:spLocks noGrp="1"/>
-          </p:cNvSpPr>
-          <p:nvPr>
-            <p:ph type="title"/>
-          </p:nvPr>
-        </p:nvSpPr>
-        <p:spPr/>
-        <p:txBody>
-          <a:bodyPr/>
-          <a:lstStyle/>
-          <a:p>
-            <a:r>
-              <a:rPr lang="ru-RU" dirty="0" smtClean="0">
-                <a:solidFill>
-                  <a:schemeClr val="bg1"/>
-                </a:solidFill>
-              </a:rPr>
-              <a:t>Дальнейшая работа</a:t>
-            </a:r>
-            <a:endParaRPr lang="ru-RU" dirty="0">
-              <a:solidFill>
-                <a:schemeClr val="bg1"/>
-              </a:solidFill>
-            </a:endParaRPr>
-          </a:p>
-        </p:txBody>
-      </p:sp>
-      <p:sp>
-        <p:nvSpPr>
           <p:cNvPr id="3" name="Объект 2"/>
           <p:cNvSpPr>
             <a:spLocks noGrp="1"/>
           </p:cNvSpPr>
           <p:nvPr>
-            <p:ph idx="1"/>
+            <p:ph type="subTitle" idx="1"/>
           </p:nvPr>
         </p:nvSpPr>
-        <p:spPr/>
+        <p:spPr>
+          <a:xfrm>
+            <a:off x="1628218" y="2661165"/>
+            <a:ext cx="9144000" cy="1655762"/>
+          </a:xfrm>
+        </p:spPr>
         <p:txBody>
-          <a:bodyPr/>
+          <a:bodyPr>
+            <a:normAutofit/>
+          </a:bodyPr>
           <a:lstStyle/>
           <a:p>
-            <a:pPr>
+            <a:pPr marL="0" indent="0">
               <a:lnSpc>
                 <a:spcPct val="150000"/>
               </a:lnSpc>
+              <a:buNone/>
             </a:pPr>
             <a:r>
-              <a:rPr lang="ru-RU" sz="2400" dirty="0" err="1" smtClean="0"/>
-              <a:t>Портировать</a:t>
-            </a:r>
-            <a:r>
-              <a:rPr lang="ru-RU" sz="2400" dirty="0" smtClean="0"/>
-              <a:t> </a:t>
-            </a:r>
-            <a:r>
-              <a:rPr lang="en-US" sz="2400" dirty="0" smtClean="0"/>
-              <a:t>UML (User Mode Linux)</a:t>
-            </a:r>
-            <a:r>
-              <a:rPr lang="ru-RU" sz="2400" dirty="0" smtClean="0"/>
-              <a:t> в </a:t>
-            </a:r>
-            <a:r>
-              <a:rPr lang="en-US" sz="2400" dirty="0" smtClean="0"/>
-              <a:t>Windows</a:t>
-            </a:r>
-          </a:p>
-          <a:p>
-            <a:pPr>
-              <a:lnSpc>
-                <a:spcPct val="150000"/>
-              </a:lnSpc>
-            </a:pPr>
-            <a:r>
-              <a:rPr lang="ru-RU" sz="2400" dirty="0" smtClean="0"/>
-              <a:t>Использовать </a:t>
-            </a:r>
-            <a:r>
-              <a:rPr lang="en-US" sz="2400" dirty="0" smtClean="0"/>
-              <a:t>UML </a:t>
-            </a:r>
-            <a:r>
-              <a:rPr lang="ru-RU" sz="2400" dirty="0" smtClean="0"/>
-              <a:t>в качестве виртуальной машины</a:t>
-            </a:r>
+              <a:rPr lang="ru-RU" sz="4800" dirty="0" smtClean="0">
+                <a:solidFill>
+                  <a:schemeClr val="bg1"/>
+                </a:solidFill>
+              </a:rPr>
+              <a:t>Спасибо за внимание!</a:t>
+            </a:r>
+            <a:endParaRPr lang="ru-RU" sz="4800" dirty="0">
+              <a:solidFill>
+                <a:schemeClr val="bg1"/>
+              </a:solidFill>
+            </a:endParaRPr>
           </a:p>
         </p:txBody>
       </p:sp>
       <p:sp>
         <p:nvSpPr>
-          <p:cNvPr id="6" name="Номер слайда 3"/>
+          <p:cNvPr id="7" name="Номер слайда 3"/>
           <p:cNvSpPr>
             <a:spLocks noGrp="1"/>
           </p:cNvSpPr>
@@ -15516,7 +16375,7 @@
           <a:p>
             <a:r>
               <a:rPr lang="en-US" dirty="0" smtClean="0"/>
-              <a:t>19/17</a:t>
+              <a:t>18/17</a:t>
             </a:r>
             <a:endParaRPr lang="ru-RU" dirty="0"/>
           </a:p>
@@ -15525,7 +16384,7 @@
     </p:spTree>
     <p:extLst>
       <p:ext uri="{BB962C8B-B14F-4D97-AF65-F5344CB8AC3E}">
-        <p14:creationId xmlns:p14="http://schemas.microsoft.com/office/powerpoint/2010/main" val="2220164635"/>
+        <p14:creationId xmlns:p14="http://schemas.microsoft.com/office/powerpoint/2010/main" val="3234957531"/>
       </p:ext>
     </p:extLst>
   </p:cSld>
@@ -15608,6 +16467,203 @@
             <p:ph type="title"/>
           </p:nvPr>
         </p:nvSpPr>
+        <p:spPr/>
+        <p:txBody>
+          <a:bodyPr/>
+          <a:lstStyle/>
+          <a:p>
+            <a:r>
+              <a:rPr lang="ru-RU" dirty="0" smtClean="0">
+                <a:solidFill>
+                  <a:schemeClr val="bg1"/>
+                </a:solidFill>
+              </a:rPr>
+              <a:t>Дальнейшая работа</a:t>
+            </a:r>
+            <a:endParaRPr lang="ru-RU" dirty="0">
+              <a:solidFill>
+                <a:schemeClr val="bg1"/>
+              </a:solidFill>
+            </a:endParaRPr>
+          </a:p>
+        </p:txBody>
+      </p:sp>
+      <p:sp>
+        <p:nvSpPr>
+          <p:cNvPr id="3" name="Объект 2"/>
+          <p:cNvSpPr>
+            <a:spLocks noGrp="1"/>
+          </p:cNvSpPr>
+          <p:nvPr>
+            <p:ph idx="1"/>
+          </p:nvPr>
+        </p:nvSpPr>
+        <p:spPr/>
+        <p:txBody>
+          <a:bodyPr/>
+          <a:lstStyle/>
+          <a:p>
+            <a:pPr>
+              <a:lnSpc>
+                <a:spcPct val="150000"/>
+              </a:lnSpc>
+            </a:pPr>
+            <a:r>
+              <a:rPr lang="ru-RU" sz="2400" dirty="0" err="1" smtClean="0"/>
+              <a:t>Портировать</a:t>
+            </a:r>
+            <a:r>
+              <a:rPr lang="ru-RU" sz="2400" dirty="0" smtClean="0"/>
+              <a:t> </a:t>
+            </a:r>
+            <a:r>
+              <a:rPr lang="en-US" sz="2400" dirty="0" smtClean="0"/>
+              <a:t>UML (User Mode Linux)</a:t>
+            </a:r>
+            <a:r>
+              <a:rPr lang="ru-RU" sz="2400" dirty="0" smtClean="0"/>
+              <a:t> в </a:t>
+            </a:r>
+            <a:r>
+              <a:rPr lang="en-US" sz="2400" dirty="0" smtClean="0"/>
+              <a:t>Windows</a:t>
+            </a:r>
+          </a:p>
+          <a:p>
+            <a:pPr>
+              <a:lnSpc>
+                <a:spcPct val="150000"/>
+              </a:lnSpc>
+            </a:pPr>
+            <a:r>
+              <a:rPr lang="ru-RU" sz="2400" dirty="0" smtClean="0"/>
+              <a:t>Использовать </a:t>
+            </a:r>
+            <a:r>
+              <a:rPr lang="en-US" sz="2400" dirty="0" smtClean="0"/>
+              <a:t>UML </a:t>
+            </a:r>
+            <a:r>
+              <a:rPr lang="ru-RU" sz="2400" dirty="0" smtClean="0"/>
+              <a:t>в качестве виртуальной машины</a:t>
+            </a:r>
+          </a:p>
+        </p:txBody>
+      </p:sp>
+      <p:sp>
+        <p:nvSpPr>
+          <p:cNvPr id="6" name="Номер слайда 3"/>
+          <p:cNvSpPr>
+            <a:spLocks noGrp="1"/>
+          </p:cNvSpPr>
+          <p:nvPr>
+            <p:ph type="sldNum" sz="quarter" idx="12"/>
+          </p:nvPr>
+        </p:nvSpPr>
+        <p:spPr>
+          <a:xfrm>
+            <a:off x="9242612" y="6414885"/>
+            <a:ext cx="2743200" cy="365125"/>
+          </a:xfrm>
+        </p:spPr>
+        <p:txBody>
+          <a:bodyPr/>
+          <a:lstStyle/>
+          <a:p>
+            <a:r>
+              <a:rPr lang="en-US" dirty="0" smtClean="0"/>
+              <a:t>19/17</a:t>
+            </a:r>
+            <a:endParaRPr lang="ru-RU" dirty="0"/>
+          </a:p>
+        </p:txBody>
+      </p:sp>
+    </p:spTree>
+    <p:extLst>
+      <p:ext uri="{BB962C8B-B14F-4D97-AF65-F5344CB8AC3E}">
+        <p14:creationId xmlns:p14="http://schemas.microsoft.com/office/powerpoint/2010/main" val="2220164635"/>
+      </p:ext>
+    </p:extLst>
+  </p:cSld>
+  <p:clrMapOvr>
+    <a:masterClrMapping/>
+  </p:clrMapOvr>
+  <p:timing>
+    <p:tnLst>
+      <p:par>
+        <p:cTn id="1" dur="indefinite" restart="never" nodeType="tmRoot"/>
+      </p:par>
+    </p:tnLst>
+  </p:timing>
+</p:sld>
+</file>
+
+<file path=ppt/slides/slide22.xml><?xml version="1.0" encoding="utf-8"?>
+<p:sld xmlns:a="http://schemas.openxmlformats.org/drawingml/2006/main" xmlns:r="http://schemas.openxmlformats.org/officeDocument/2006/relationships" xmlns:p="http://schemas.openxmlformats.org/presentationml/2006/main">
+  <p:cSld>
+    <p:spTree>
+      <p:nvGrpSpPr>
+        <p:cNvPr id="1" name=""/>
+        <p:cNvGrpSpPr/>
+        <p:nvPr/>
+      </p:nvGrpSpPr>
+      <p:grpSpPr>
+        <a:xfrm>
+          <a:off x="0" y="0"/>
+          <a:ext cx="0" cy="0"/>
+          <a:chOff x="0" y="0"/>
+          <a:chExt cx="0" cy="0"/>
+        </a:xfrm>
+      </p:grpSpPr>
+      <p:pic>
+        <p:nvPicPr>
+          <p:cNvPr id="5" name="Picture 4" descr="http://windowsapptutorials.com/wp-content/uploads/2014/12/Windows-8.1.jpg"/>
+          <p:cNvPicPr>
+            <a:picLocks noChangeAspect="1" noChangeArrowheads="1"/>
+          </p:cNvPicPr>
+          <p:nvPr/>
+        </p:nvPicPr>
+        <p:blipFill rotWithShape="1">
+          <a:blip r:embed="rId2">
+            <a:extLst>
+              <a:ext uri="{28A0092B-C50C-407E-A947-70E740481C1C}">
+                <a14:useLocalDpi xmlns:a14="http://schemas.microsoft.com/office/drawing/2010/main" val="0"/>
+              </a:ext>
+            </a:extLst>
+          </a:blip>
+          <a:srcRect l="-426" t="189" r="426" b="72317"/>
+          <a:stretch/>
+        </p:blipFill>
+        <p:spPr bwMode="auto">
+          <a:xfrm rot="10800000">
+            <a:off x="-6720" y="134472"/>
+            <a:ext cx="12265959" cy="1311088"/>
+          </a:xfrm>
+          <a:prstGeom prst="rect">
+            <a:avLst/>
+          </a:prstGeom>
+          <a:noFill/>
+          <a:extLst>
+            <a:ext uri="{909E8E84-426E-40DD-AFC4-6F175D3DCCD1}">
+              <a14:hiddenFill xmlns:a14="http://schemas.microsoft.com/office/drawing/2010/main">
+                <a:solidFill>
+                  <a:srgbClr val="FFFFFF"/>
+                </a:solidFill>
+              </a14:hiddenFill>
+            </a:ext>
+          </a:extLst>
+        </p:spPr>
+      </p:pic>
+      <p:sp>
+        <p:nvSpPr>
+          <p:cNvPr id="2" name="Заголовок 1"/>
+          <p:cNvSpPr>
+            <a:spLocks noGrp="1"/>
+          </p:cNvSpPr>
+          <p:nvPr>
+            <p:ph type="title"/>
+          </p:nvPr>
+        </p:nvSpPr>
         <p:spPr>
           <a:xfrm>
             <a:off x="838199" y="365125"/>
@@ -15762,7 +16818,7 @@
 </p:sld>
 </file>
 
-<file path=ppt/slides/slide22.xml><?xml version="1.0" encoding="utf-8"?>
+<file path=ppt/slides/slide23.xml><?xml version="1.0" encoding="utf-8"?>
 <p:sld xmlns:a="http://schemas.openxmlformats.org/drawingml/2006/main" xmlns:r="http://schemas.openxmlformats.org/officeDocument/2006/relationships" xmlns:p="http://schemas.openxmlformats.org/presentationml/2006/main">
   <p:cSld>
     <p:spTree>
@@ -16715,7 +17771,7 @@
 </p:sld>
 </file>
 
-<file path=ppt/slides/slide23.xml><?xml version="1.0" encoding="utf-8"?>
+<file path=ppt/slides/slide24.xml><?xml version="1.0" encoding="utf-8"?>
 <p:sld xmlns:a="http://schemas.openxmlformats.org/drawingml/2006/main" xmlns:r="http://schemas.openxmlformats.org/officeDocument/2006/relationships" xmlns:p="http://schemas.openxmlformats.org/presentationml/2006/main">
   <p:cSld>
     <p:spTree>
